--- a/BAMF Presentation.pptx
+++ b/BAMF Presentation.pptx
@@ -5,7 +5,7 @@
     <p:sldMasterId id="2147483648" r:id="rId1"/>
   </p:sldMasterIdLst>
   <p:notesMasterIdLst>
-    <p:notesMasterId r:id="rId23"/>
+    <p:notesMasterId r:id="rId28"/>
   </p:notesMasterIdLst>
   <p:sldIdLst>
     <p:sldId id="258" r:id="rId2"/>
@@ -18,17 +18,22 @@
     <p:sldId id="276" r:id="rId9"/>
     <p:sldId id="279" r:id="rId10"/>
     <p:sldId id="267" r:id="rId11"/>
-    <p:sldId id="272" r:id="rId12"/>
-    <p:sldId id="273" r:id="rId13"/>
-    <p:sldId id="269" r:id="rId14"/>
-    <p:sldId id="274" r:id="rId15"/>
-    <p:sldId id="275" r:id="rId16"/>
-    <p:sldId id="270" r:id="rId17"/>
-    <p:sldId id="283" r:id="rId18"/>
-    <p:sldId id="284" r:id="rId19"/>
-    <p:sldId id="285" r:id="rId20"/>
-    <p:sldId id="278" r:id="rId21"/>
-    <p:sldId id="263" r:id="rId22"/>
+    <p:sldId id="293" r:id="rId12"/>
+    <p:sldId id="272" r:id="rId13"/>
+    <p:sldId id="273" r:id="rId14"/>
+    <p:sldId id="269" r:id="rId15"/>
+    <p:sldId id="274" r:id="rId16"/>
+    <p:sldId id="275" r:id="rId17"/>
+    <p:sldId id="270" r:id="rId18"/>
+    <p:sldId id="283" r:id="rId19"/>
+    <p:sldId id="286" r:id="rId20"/>
+    <p:sldId id="284" r:id="rId21"/>
+    <p:sldId id="285" r:id="rId22"/>
+    <p:sldId id="292" r:id="rId23"/>
+    <p:sldId id="291" r:id="rId24"/>
+    <p:sldId id="290" r:id="rId25"/>
+    <p:sldId id="289" r:id="rId26"/>
+    <p:sldId id="288" r:id="rId27"/>
   </p:sldIdLst>
   <p:sldSz cx="12192000" cy="6858000"/>
   <p:notesSz cx="6858000" cy="9144000"/>
@@ -801,7 +806,7 @@
           <a:p>
             <a:fld id="{E0746DE6-3336-457D-A091-FA20AC1C536E}" type="slidenum">
               <a:rPr lang="en-US" smtClean="0"/>
-              <a:t>19</a:t>
+              <a:t>21</a:t>
             </a:fld>
             <a:endParaRPr lang="en-US"/>
           </a:p>
@@ -4964,7 +4969,7 @@
                 <a16:creationId xmlns:a16="http://schemas.microsoft.com/office/drawing/2014/main" id="{5C9F31C1-4E46-4A89-877A-24BBC6D3F47D}"/>
               </a:ext>
               <a:ext uri="{C183D7F6-B498-43B3-948B-1728B52AA6E4}">
-                <adec:decorative xmlns="" xmlns:adec="http://schemas.microsoft.com/office/drawing/2017/decorative" val="1"/>
+                <adec:decorative xmlns:adec="http://schemas.microsoft.com/office/drawing/2017/decorative" xmlns="" val="1"/>
               </a:ext>
             </a:extLst>
           </p:cNvPr>
@@ -5132,7 +5137,7 @@
                 <a16:creationId xmlns:a16="http://schemas.microsoft.com/office/drawing/2014/main" id="{9F8CD012-29F5-45B8-83DF-393C0A213BB2}"/>
               </a:ext>
               <a:ext uri="{C183D7F6-B498-43B3-948B-1728B52AA6E4}">
-                <adec:decorative xmlns="" xmlns:adec="http://schemas.microsoft.com/office/drawing/2017/decorative" val="1"/>
+                <adec:decorative xmlns:adec="http://schemas.microsoft.com/office/drawing/2017/decorative" xmlns="" val="1"/>
               </a:ext>
             </a:extLst>
           </p:cNvPr>
@@ -5222,7 +5227,7 @@
                 <a16:creationId xmlns:a16="http://schemas.microsoft.com/office/drawing/2014/main" id="{D5807261-5AA8-4462-847C-7789D26717C1}"/>
               </a:ext>
               <a:ext uri="{C183D7F6-B498-43B3-948B-1728B52AA6E4}">
-                <adec:decorative xmlns="" xmlns:adec="http://schemas.microsoft.com/office/drawing/2017/decorative" val="1"/>
+                <adec:decorative xmlns:adec="http://schemas.microsoft.com/office/drawing/2017/decorative" xmlns="" val="1"/>
               </a:ext>
             </a:extLst>
           </p:cNvPr>
@@ -5436,7 +5441,7 @@
                 <a16:creationId xmlns:a16="http://schemas.microsoft.com/office/drawing/2014/main" id="{99B864D8-020F-455C-951E-BECB1D7E9E86}"/>
               </a:ext>
               <a:ext uri="{C183D7F6-B498-43B3-948B-1728B52AA6E4}">
-                <adec:decorative xmlns="" xmlns:adec="http://schemas.microsoft.com/office/drawing/2017/decorative" val="1"/>
+                <adec:decorative xmlns:adec="http://schemas.microsoft.com/office/drawing/2017/decorative" xmlns="" val="1"/>
               </a:ext>
             </a:extLst>
           </p:cNvPr>
@@ -5644,7 +5649,7 @@
                 <a16:creationId xmlns:a16="http://schemas.microsoft.com/office/drawing/2014/main" id="{4281BC32-FF58-4898-A6B5-7B3D059BCEB0}"/>
               </a:ext>
               <a:ext uri="{C183D7F6-B498-43B3-948B-1728B52AA6E4}">
-                <adec:decorative xmlns="" xmlns:adec="http://schemas.microsoft.com/office/drawing/2017/decorative" val="1"/>
+                <adec:decorative xmlns:adec="http://schemas.microsoft.com/office/drawing/2017/decorative" xmlns="" val="1"/>
               </a:ext>
             </a:extLst>
           </p:cNvPr>
@@ -5704,7 +5709,7 @@
                 <a16:creationId xmlns:a16="http://schemas.microsoft.com/office/drawing/2014/main" id="{0D614406-135F-4875-9C87-53822CB19ABB}"/>
               </a:ext>
               <a:ext uri="{C183D7F6-B498-43B3-948B-1728B52AA6E4}">
-                <adec:decorative xmlns="" xmlns:adec="http://schemas.microsoft.com/office/drawing/2017/decorative" val="1"/>
+                <adec:decorative xmlns:adec="http://schemas.microsoft.com/office/drawing/2017/decorative" xmlns="" val="1"/>
               </a:ext>
             </a:extLst>
           </p:cNvPr>
@@ -5801,7 +5806,7 @@
                 <a16:creationId xmlns:a16="http://schemas.microsoft.com/office/drawing/2014/main" id="{C6C21149-7D17-44C2-AFB6-4D931DC55FB1}"/>
               </a:ext>
               <a:ext uri="{C183D7F6-B498-43B3-948B-1728B52AA6E4}">
-                <adec:decorative xmlns="" xmlns:adec="http://schemas.microsoft.com/office/drawing/2017/decorative" val="1"/>
+                <adec:decorative xmlns:adec="http://schemas.microsoft.com/office/drawing/2017/decorative" xmlns="" val="1"/>
               </a:ext>
             </a:extLst>
           </p:cNvPr>
@@ -5853,7 +5858,7 @@
                 <a16:creationId xmlns:a16="http://schemas.microsoft.com/office/drawing/2014/main" id="{C2E5FCF0-567A-448C-A6E3-920BFC702C2F}"/>
               </a:ext>
               <a:ext uri="{C183D7F6-B498-43B3-948B-1728B52AA6E4}">
-                <adec:decorative xmlns="" xmlns:adec="http://schemas.microsoft.com/office/drawing/2017/decorative" val="1"/>
+                <adec:decorative xmlns:adec="http://schemas.microsoft.com/office/drawing/2017/decorative" xmlns="" val="1"/>
               </a:ext>
             </a:extLst>
           </p:cNvPr>
@@ -6119,7 +6124,7 @@
                 <a:hlinkClick r:id="rId2">
                   <a:extLst>
                     <a:ext uri="{A12FA001-AC4F-418D-AE19-62706E023703}">
-                      <ahyp:hlinkClr xmlns="" xmlns:ahyp="http://schemas.microsoft.com/office/drawing/2018/hyperlinkcolor" val="tx"/>
+                      <ahyp:hlinkClr xmlns:ahyp="http://schemas.microsoft.com/office/drawing/2018/hyperlinkcolor" xmlns="" val="tx"/>
                     </a:ext>
                   </a:extLst>
                 </a:hlinkClick>
@@ -6149,7 +6154,7 @@
                 <a:hlinkClick r:id="rId3" tooltip="AirportDelays.ipynb">
                   <a:extLst>
                     <a:ext uri="{A12FA001-AC4F-418D-AE19-62706E023703}">
-                      <ahyp:hlinkClr xmlns="" xmlns:ahyp="http://schemas.microsoft.com/office/drawing/2018/hyperlinkcolor" val="tx"/>
+                      <ahyp:hlinkClr xmlns:ahyp="http://schemas.microsoft.com/office/drawing/2018/hyperlinkcolor" xmlns="" val="tx"/>
                     </a:ext>
                   </a:extLst>
                 </a:hlinkClick>
@@ -6164,7 +6169,7 @@
                 <a:hlinkClick r:id="rId3" tooltip="AirportDelays.ipynb">
                   <a:extLst>
                     <a:ext uri="{A12FA001-AC4F-418D-AE19-62706E023703}">
-                      <ahyp:hlinkClr xmlns="" xmlns:ahyp="http://schemas.microsoft.com/office/drawing/2018/hyperlinkcolor" val="tx"/>
+                      <ahyp:hlinkClr xmlns:ahyp="http://schemas.microsoft.com/office/drawing/2018/hyperlinkcolor" xmlns="" val="tx"/>
                     </a:ext>
                   </a:extLst>
                 </a:hlinkClick>
@@ -6183,7 +6188,7 @@
                 <a:hlinkClick r:id="rId4" tooltip="Delay_Request_MCO.txt">
                   <a:extLst>
                     <a:ext uri="{A12FA001-AC4F-418D-AE19-62706E023703}">
-                      <ahyp:hlinkClr xmlns="" xmlns:ahyp="http://schemas.microsoft.com/office/drawing/2018/hyperlinkcolor" val="tx"/>
+                      <ahyp:hlinkClr xmlns:ahyp="http://schemas.microsoft.com/office/drawing/2018/hyperlinkcolor" xmlns="" val="tx"/>
                     </a:ext>
                   </a:extLst>
                 </a:hlinkClick>
@@ -6244,7 +6249,7 @@
                 <a:hlinkClick r:id="rId5">
                   <a:extLst>
                     <a:ext uri="{A12FA001-AC4F-418D-AE19-62706E023703}">
-                      <ahyp:hlinkClr xmlns="" xmlns:ahyp="http://schemas.microsoft.com/office/drawing/2018/hyperlinkcolor" val="tx"/>
+                      <ahyp:hlinkClr xmlns:ahyp="http://schemas.microsoft.com/office/drawing/2018/hyperlinkcolor" xmlns="" val="tx"/>
                     </a:ext>
                   </a:extLst>
                 </a:hlinkClick>
@@ -6270,7 +6275,7 @@
                 <a:hlinkClick r:id="rId6">
                   <a:extLst>
                     <a:ext uri="{A12FA001-AC4F-418D-AE19-62706E023703}">
-                      <ahyp:hlinkClr xmlns="" xmlns:ahyp="http://schemas.microsoft.com/office/drawing/2018/hyperlinkcolor" val="tx"/>
+                      <ahyp:hlinkClr xmlns:ahyp="http://schemas.microsoft.com/office/drawing/2018/hyperlinkcolor" xmlns="" val="tx"/>
                     </a:ext>
                   </a:extLst>
                 </a:hlinkClick>
@@ -6300,7 +6305,7 @@
                 <a:hlinkClick r:id="rId7">
                   <a:extLst>
                     <a:ext uri="{A12FA001-AC4F-418D-AE19-62706E023703}">
-                      <ahyp:hlinkClr xmlns="" xmlns:ahyp="http://schemas.microsoft.com/office/drawing/2018/hyperlinkcolor" val="tx"/>
+                      <ahyp:hlinkClr xmlns:ahyp="http://schemas.microsoft.com/office/drawing/2018/hyperlinkcolor" xmlns="" val="tx"/>
                     </a:ext>
                   </a:extLst>
                 </a:hlinkClick>
@@ -6330,7 +6335,7 @@
                 <a:hlinkClick r:id="rId8">
                   <a:extLst>
                     <a:ext uri="{A12FA001-AC4F-418D-AE19-62706E023703}">
-                      <ahyp:hlinkClr xmlns="" xmlns:ahyp="http://schemas.microsoft.com/office/drawing/2018/hyperlinkcolor" val="tx"/>
+                      <ahyp:hlinkClr xmlns:ahyp="http://schemas.microsoft.com/office/drawing/2018/hyperlinkcolor" xmlns="" val="tx"/>
                     </a:ext>
                   </a:extLst>
                 </a:hlinkClick>
@@ -6657,7 +6662,7 @@
                 <a16:creationId xmlns:a16="http://schemas.microsoft.com/office/drawing/2014/main" id="{4281BC32-FF58-4898-A6B5-7B3D059BCEB0}"/>
               </a:ext>
               <a:ext uri="{C183D7F6-B498-43B3-948B-1728B52AA6E4}">
-                <adec:decorative xmlns="" xmlns:adec="http://schemas.microsoft.com/office/drawing/2017/decorative" val="1"/>
+                <adec:decorative xmlns:adec="http://schemas.microsoft.com/office/drawing/2017/decorative" xmlns="" val="1"/>
               </a:ext>
             </a:extLst>
           </p:cNvPr>
@@ -6704,8 +6709,37 @@
           <a:bodyPr rtlCol="0" anchor="ctr"/>
           <a:lstStyle/>
           <a:p>
-            <a:pPr algn="ctr"/>
-            <a:endParaRPr lang="en-US"/>
+            <a:pPr marL="0" marR="0" lvl="0" indent="0" algn="ctr" defTabSz="457200" rtl="0" eaLnBrk="1" fontAlgn="auto" latinLnBrk="0" hangingPunct="1">
+              <a:lnSpc>
+                <a:spcPct val="100000"/>
+              </a:lnSpc>
+              <a:spcBef>
+                <a:spcPts val="0"/>
+              </a:spcBef>
+              <a:spcAft>
+                <a:spcPts val="0"/>
+              </a:spcAft>
+              <a:buClrTx/>
+              <a:buSzTx/>
+              <a:buFontTx/>
+              <a:buNone/>
+              <a:tabLst/>
+              <a:defRPr/>
+            </a:pPr>
+            <a:endParaRPr kumimoji="0" lang="en-US" sz="1800" b="0" i="0" u="none" strike="noStrike" kern="1200" cap="none" spc="0" normalizeH="0" baseline="0" noProof="0">
+              <a:ln>
+                <a:noFill/>
+              </a:ln>
+              <a:solidFill>
+                <a:prstClr val="white"/>
+              </a:solidFill>
+              <a:effectLst/>
+              <a:uLnTx/>
+              <a:uFillTx/>
+              <a:latin typeface="Corbel" panose="020B0503020204020204"/>
+              <a:ea typeface="+mn-ea"/>
+              <a:cs typeface="+mn-cs"/>
+            </a:endParaRPr>
           </a:p>
         </p:txBody>
       </p:sp>
@@ -6717,7 +6751,7 @@
                 <a16:creationId xmlns:a16="http://schemas.microsoft.com/office/drawing/2014/main" id="{0D614406-135F-4875-9C87-53822CB19ABB}"/>
               </a:ext>
               <a:ext uri="{C183D7F6-B498-43B3-948B-1728B52AA6E4}">
-                <adec:decorative xmlns="" xmlns:adec="http://schemas.microsoft.com/office/drawing/2017/decorative" val="1"/>
+                <adec:decorative xmlns:adec="http://schemas.microsoft.com/office/drawing/2017/decorative" xmlns="" val="1"/>
               </a:ext>
             </a:extLst>
           </p:cNvPr>
@@ -6767,8 +6801,37 @@
           <a:bodyPr rtlCol="0" anchor="ctr"/>
           <a:lstStyle/>
           <a:p>
-            <a:pPr algn="ctr"/>
-            <a:endParaRPr lang="en-US"/>
+            <a:pPr marL="0" marR="0" lvl="0" indent="0" algn="ctr" defTabSz="457200" rtl="0" eaLnBrk="1" fontAlgn="auto" latinLnBrk="0" hangingPunct="1">
+              <a:lnSpc>
+                <a:spcPct val="100000"/>
+              </a:lnSpc>
+              <a:spcBef>
+                <a:spcPts val="0"/>
+              </a:spcBef>
+              <a:spcAft>
+                <a:spcPts val="0"/>
+              </a:spcAft>
+              <a:buClrTx/>
+              <a:buSzTx/>
+              <a:buFontTx/>
+              <a:buNone/>
+              <a:tabLst/>
+              <a:defRPr/>
+            </a:pPr>
+            <a:endParaRPr kumimoji="0" lang="en-US" sz="1800" b="0" i="0" u="none" strike="noStrike" kern="1200" cap="none" spc="0" normalizeH="0" baseline="0" noProof="0">
+              <a:ln>
+                <a:noFill/>
+              </a:ln>
+              <a:solidFill>
+                <a:prstClr val="white"/>
+              </a:solidFill>
+              <a:effectLst/>
+              <a:uLnTx/>
+              <a:uFillTx/>
+              <a:latin typeface="Corbel" panose="020B0503020204020204"/>
+              <a:ea typeface="+mn-ea"/>
+              <a:cs typeface="+mn-cs"/>
+            </a:endParaRPr>
           </a:p>
         </p:txBody>
       </p:sp>
@@ -6785,7 +6848,7 @@
         <p:spPr>
           <a:xfrm>
             <a:off x="76200" y="221915"/>
-            <a:ext cx="8053673" cy="1232750"/>
+            <a:ext cx="7169753" cy="1232750"/>
           </a:xfrm>
         </p:spPr>
         <p:txBody>
@@ -6801,7 +6864,7 @@
                   <a:schemeClr val="bg1"/>
                 </a:solidFill>
               </a:rPr>
-              <a:t>Data exploration and cleanup #1</a:t>
+              <a:t>Assumptions/Omissions</a:t>
             </a:r>
           </a:p>
         </p:txBody>
@@ -6814,7 +6877,7 @@
                 <a16:creationId xmlns:a16="http://schemas.microsoft.com/office/drawing/2014/main" id="{C6C21149-7D17-44C2-AFB6-4D931DC55FB1}"/>
               </a:ext>
               <a:ext uri="{C183D7F6-B498-43B3-948B-1728B52AA6E4}">
-                <adec:decorative xmlns="" xmlns:adec="http://schemas.microsoft.com/office/drawing/2017/decorative" val="1"/>
+                <adec:decorative xmlns:adec="http://schemas.microsoft.com/office/drawing/2017/decorative" xmlns="" val="1"/>
               </a:ext>
             </a:extLst>
           </p:cNvPr>
@@ -6866,7 +6929,1057 @@
                 <a16:creationId xmlns:a16="http://schemas.microsoft.com/office/drawing/2014/main" id="{C2E5FCF0-567A-448C-A6E3-920BFC702C2F}"/>
               </a:ext>
               <a:ext uri="{C183D7F6-B498-43B3-948B-1728B52AA6E4}">
-                <adec:decorative xmlns="" xmlns:adec="http://schemas.microsoft.com/office/drawing/2017/decorative" val="1"/>
+                <adec:decorative xmlns:adec="http://schemas.microsoft.com/office/drawing/2017/decorative" xmlns="" val="1"/>
+              </a:ext>
+            </a:extLst>
+          </p:cNvPr>
+          <p:cNvSpPr>
+            <a:spLocks noGrp="1" noRot="1" noChangeAspect="1" noMove="1" noResize="1" noEditPoints="1" noAdjustHandles="1" noChangeArrowheads="1" noChangeShapeType="1" noTextEdit="1"/>
+          </p:cNvSpPr>
+          <p:nvPr>
+            <p:extLst>
+              <p:ext uri="{386F3935-93C4-4BCD-93E2-E3B085C9AB24}">
+                <p16:designElem xmlns:p16="http://schemas.microsoft.com/office/powerpoint/2015/main" val="1"/>
+              </p:ext>
+            </p:extLst>
+          </p:nvPr>
+        </p:nvSpPr>
+        <p:spPr bwMode="auto">
+          <a:xfrm>
+            <a:off x="11784011" y="938535"/>
+            <a:ext cx="407988" cy="819150"/>
+          </a:xfrm>
+          <a:custGeom>
+            <a:avLst/>
+            <a:gdLst/>
+            <a:ahLst/>
+            <a:cxnLst/>
+            <a:rect l="0" t="0" r="r" b="b"/>
+            <a:pathLst>
+              <a:path w="1799" h="3612">
+                <a:moveTo>
+                  <a:pt x="1799" y="0"/>
+                </a:moveTo>
+                <a:lnTo>
+                  <a:pt x="1799" y="3612"/>
+                </a:lnTo>
+                <a:lnTo>
+                  <a:pt x="1686" y="3609"/>
+                </a:lnTo>
+                <a:lnTo>
+                  <a:pt x="1574" y="3598"/>
+                </a:lnTo>
+                <a:lnTo>
+                  <a:pt x="1464" y="3581"/>
+                </a:lnTo>
+                <a:lnTo>
+                  <a:pt x="1357" y="3557"/>
+                </a:lnTo>
+                <a:lnTo>
+                  <a:pt x="1251" y="3527"/>
+                </a:lnTo>
+                <a:lnTo>
+                  <a:pt x="1150" y="3490"/>
+                </a:lnTo>
+                <a:lnTo>
+                  <a:pt x="1050" y="3448"/>
+                </a:lnTo>
+                <a:lnTo>
+                  <a:pt x="953" y="3401"/>
+                </a:lnTo>
+                <a:lnTo>
+                  <a:pt x="860" y="3347"/>
+                </a:lnTo>
+                <a:lnTo>
+                  <a:pt x="771" y="3289"/>
+                </a:lnTo>
+                <a:lnTo>
+                  <a:pt x="686" y="3224"/>
+                </a:lnTo>
+                <a:lnTo>
+                  <a:pt x="604" y="3156"/>
+                </a:lnTo>
+                <a:lnTo>
+                  <a:pt x="527" y="3083"/>
+                </a:lnTo>
+                <a:lnTo>
+                  <a:pt x="454" y="3005"/>
+                </a:lnTo>
+                <a:lnTo>
+                  <a:pt x="386" y="2923"/>
+                </a:lnTo>
+                <a:lnTo>
+                  <a:pt x="323" y="2838"/>
+                </a:lnTo>
+                <a:lnTo>
+                  <a:pt x="265" y="2748"/>
+                </a:lnTo>
+                <a:lnTo>
+                  <a:pt x="211" y="2655"/>
+                </a:lnTo>
+                <a:lnTo>
+                  <a:pt x="163" y="2559"/>
+                </a:lnTo>
+                <a:lnTo>
+                  <a:pt x="121" y="2459"/>
+                </a:lnTo>
+                <a:lnTo>
+                  <a:pt x="85" y="2356"/>
+                </a:lnTo>
+                <a:lnTo>
+                  <a:pt x="55" y="2251"/>
+                </a:lnTo>
+                <a:lnTo>
+                  <a:pt x="32" y="2143"/>
+                </a:lnTo>
+                <a:lnTo>
+                  <a:pt x="14" y="2033"/>
+                </a:lnTo>
+                <a:lnTo>
+                  <a:pt x="4" y="1920"/>
+                </a:lnTo>
+                <a:lnTo>
+                  <a:pt x="0" y="1806"/>
+                </a:lnTo>
+                <a:lnTo>
+                  <a:pt x="4" y="1692"/>
+                </a:lnTo>
+                <a:lnTo>
+                  <a:pt x="14" y="1580"/>
+                </a:lnTo>
+                <a:lnTo>
+                  <a:pt x="32" y="1469"/>
+                </a:lnTo>
+                <a:lnTo>
+                  <a:pt x="55" y="1362"/>
+                </a:lnTo>
+                <a:lnTo>
+                  <a:pt x="85" y="1256"/>
+                </a:lnTo>
+                <a:lnTo>
+                  <a:pt x="121" y="1154"/>
+                </a:lnTo>
+                <a:lnTo>
+                  <a:pt x="163" y="1054"/>
+                </a:lnTo>
+                <a:lnTo>
+                  <a:pt x="211" y="958"/>
+                </a:lnTo>
+                <a:lnTo>
+                  <a:pt x="265" y="864"/>
+                </a:lnTo>
+                <a:lnTo>
+                  <a:pt x="323" y="774"/>
+                </a:lnTo>
+                <a:lnTo>
+                  <a:pt x="386" y="689"/>
+                </a:lnTo>
+                <a:lnTo>
+                  <a:pt x="454" y="607"/>
+                </a:lnTo>
+                <a:lnTo>
+                  <a:pt x="527" y="529"/>
+                </a:lnTo>
+                <a:lnTo>
+                  <a:pt x="604" y="456"/>
+                </a:lnTo>
+                <a:lnTo>
+                  <a:pt x="686" y="388"/>
+                </a:lnTo>
+                <a:lnTo>
+                  <a:pt x="771" y="325"/>
+                </a:lnTo>
+                <a:lnTo>
+                  <a:pt x="860" y="266"/>
+                </a:lnTo>
+                <a:lnTo>
+                  <a:pt x="953" y="212"/>
+                </a:lnTo>
+                <a:lnTo>
+                  <a:pt x="1050" y="164"/>
+                </a:lnTo>
+                <a:lnTo>
+                  <a:pt x="1150" y="122"/>
+                </a:lnTo>
+                <a:lnTo>
+                  <a:pt x="1251" y="85"/>
+                </a:lnTo>
+                <a:lnTo>
+                  <a:pt x="1357" y="55"/>
+                </a:lnTo>
+                <a:lnTo>
+                  <a:pt x="1464" y="32"/>
+                </a:lnTo>
+                <a:lnTo>
+                  <a:pt x="1574" y="14"/>
+                </a:lnTo>
+                <a:lnTo>
+                  <a:pt x="1686" y="5"/>
+                </a:lnTo>
+                <a:lnTo>
+                  <a:pt x="1799" y="0"/>
+                </a:lnTo>
+                <a:close/>
+              </a:path>
+            </a:pathLst>
+          </a:custGeom>
+          <a:solidFill>
+            <a:schemeClr val="bg2"/>
+          </a:solidFill>
+          <a:ln w="0">
+            <a:noFill/>
+            <a:prstDash val="solid"/>
+            <a:round/>
+            <a:headEnd/>
+            <a:tailEnd/>
+          </a:ln>
+        </p:spPr>
+      </p:sp>
+      <p:pic>
+        <p:nvPicPr>
+          <p:cNvPr id="8" name="Picture 2" descr="Image result for Delta boarding pass MCO">
+            <a:extLst>
+              <a:ext uri="{FF2B5EF4-FFF2-40B4-BE49-F238E27FC236}">
+                <a16:creationId xmlns:a16="http://schemas.microsoft.com/office/drawing/2014/main" id="{496395E0-D773-4FEB-8E63-F152EEB21774}"/>
+              </a:ext>
+            </a:extLst>
+          </p:cNvPr>
+          <p:cNvPicPr>
+            <a:picLocks noChangeAspect="1" noChangeArrowheads="1"/>
+          </p:cNvPicPr>
+          <p:nvPr/>
+        </p:nvPicPr>
+        <p:blipFill>
+          <a:blip r:embed="rId2">
+            <a:extLst>
+              <a:ext uri="{28A0092B-C50C-407E-A947-70E740481C1C}">
+                <a14:useLocalDpi xmlns:a14="http://schemas.microsoft.com/office/drawing/2010/main" val="0"/>
+              </a:ext>
+            </a:extLst>
+          </a:blip>
+          <a:srcRect/>
+          <a:stretch>
+            <a:fillRect/>
+          </a:stretch>
+        </p:blipFill>
+        <p:spPr bwMode="auto">
+          <a:xfrm rot="20406036">
+            <a:off x="8607841" y="430614"/>
+            <a:ext cx="2766591" cy="1402778"/>
+          </a:xfrm>
+          <a:prstGeom prst="rect">
+            <a:avLst/>
+          </a:prstGeom>
+          <a:noFill/>
+          <a:extLst>
+            <a:ext uri="{909E8E84-426E-40DD-AFC4-6F175D3DCCD1}">
+              <a14:hiddenFill xmlns:a14="http://schemas.microsoft.com/office/drawing/2010/main">
+                <a:solidFill>
+                  <a:srgbClr val="FFFFFF"/>
+                </a:solidFill>
+              </a14:hiddenFill>
+            </a:ext>
+          </a:extLst>
+        </p:spPr>
+      </p:pic>
+      <p:sp>
+        <p:nvSpPr>
+          <p:cNvPr id="4" name="Rectangle 3">
+            <a:extLst>
+              <a:ext uri="{FF2B5EF4-FFF2-40B4-BE49-F238E27FC236}">
+                <a16:creationId xmlns:a16="http://schemas.microsoft.com/office/drawing/2014/main" id="{F1293546-5345-49B9-B042-1CC6074EDE38}"/>
+              </a:ext>
+            </a:extLst>
+          </p:cNvPr>
+          <p:cNvSpPr/>
+          <p:nvPr/>
+        </p:nvSpPr>
+        <p:spPr>
+          <a:xfrm>
+            <a:off x="0" y="2285999"/>
+            <a:ext cx="12191998" cy="3354765"/>
+          </a:xfrm>
+          <a:prstGeom prst="rect">
+            <a:avLst/>
+          </a:prstGeom>
+        </p:spPr>
+        <p:txBody>
+          <a:bodyPr wrap="square">
+            <a:spAutoFit/>
+          </a:bodyPr>
+          <a:lstStyle/>
+          <a:p>
+            <a:pPr marL="0" marR="0" lvl="0" indent="0" algn="l" defTabSz="457200" rtl="0" eaLnBrk="1" fontAlgn="auto" latinLnBrk="0" hangingPunct="1">
+              <a:lnSpc>
+                <a:spcPct val="100000"/>
+              </a:lnSpc>
+              <a:spcBef>
+                <a:spcPts val="0"/>
+              </a:spcBef>
+              <a:spcAft>
+                <a:spcPts val="0"/>
+              </a:spcAft>
+              <a:buClrTx/>
+              <a:buSzTx/>
+              <a:buFontTx/>
+              <a:buNone/>
+              <a:tabLst/>
+              <a:defRPr/>
+            </a:pPr>
+            <a:endParaRPr kumimoji="0" lang="en-US" sz="1400" b="0" i="0" u="none" strike="noStrike" kern="1200" cap="none" spc="0" normalizeH="0" baseline="0" noProof="0" dirty="0">
+              <a:ln>
+                <a:noFill/>
+              </a:ln>
+              <a:solidFill>
+                <a:prstClr val="black"/>
+              </a:solidFill>
+              <a:effectLst/>
+              <a:uLnTx/>
+              <a:uFillTx/>
+              <a:latin typeface="Corbel" panose="020B0503020204020204"/>
+              <a:ea typeface="+mn-ea"/>
+              <a:cs typeface="+mn-cs"/>
+            </a:endParaRPr>
+          </a:p>
+          <a:p>
+            <a:pPr marL="285750" marR="0" lvl="0" indent="-285750" algn="l" defTabSz="457200" rtl="0" eaLnBrk="1" fontAlgn="auto" latinLnBrk="0" hangingPunct="1">
+              <a:lnSpc>
+                <a:spcPct val="100000"/>
+              </a:lnSpc>
+              <a:spcBef>
+                <a:spcPts val="0"/>
+              </a:spcBef>
+              <a:spcAft>
+                <a:spcPts val="0"/>
+              </a:spcAft>
+              <a:buClrTx/>
+              <a:buSzTx/>
+              <a:buFont typeface="Arial" panose="020B0604020202020204" pitchFamily="34" charset="0"/>
+              <a:buChar char="•"/>
+              <a:tabLst/>
+              <a:defRPr/>
+            </a:pPr>
+            <a:r>
+              <a:rPr kumimoji="0" lang="en-US" sz="1600" b="1" i="0" u="none" strike="noStrike" kern="1200" cap="none" spc="0" normalizeH="0" baseline="0" noProof="0" dirty="0">
+                <a:ln>
+                  <a:noFill/>
+                </a:ln>
+                <a:solidFill>
+                  <a:prstClr val="black"/>
+                </a:solidFill>
+                <a:effectLst/>
+                <a:uLnTx/>
+                <a:uFillTx/>
+                <a:latin typeface="Corbel" panose="020B0503020204020204"/>
+                <a:ea typeface="+mn-ea"/>
+                <a:cs typeface="+mn-cs"/>
+              </a:rPr>
+              <a:t>Potential variables not considered: </a:t>
+            </a:r>
+          </a:p>
+          <a:p>
+            <a:pPr marL="285750" marR="0" lvl="0" indent="-285750" algn="l" defTabSz="457200" rtl="0" eaLnBrk="1" fontAlgn="auto" latinLnBrk="0" hangingPunct="1">
+              <a:lnSpc>
+                <a:spcPct val="100000"/>
+              </a:lnSpc>
+              <a:spcBef>
+                <a:spcPts val="0"/>
+              </a:spcBef>
+              <a:spcAft>
+                <a:spcPts val="0"/>
+              </a:spcAft>
+              <a:buClrTx/>
+              <a:buSzTx/>
+              <a:buFont typeface="Arial" panose="020B0604020202020204" pitchFamily="34" charset="0"/>
+              <a:buChar char="•"/>
+              <a:tabLst/>
+              <a:defRPr/>
+            </a:pPr>
+            <a:r>
+              <a:rPr kumimoji="0" lang="en-US" sz="1400" b="0" i="0" u="none" strike="noStrike" kern="1200" cap="none" spc="0" normalizeH="0" baseline="0" noProof="0" dirty="0">
+                <a:ln>
+                  <a:noFill/>
+                </a:ln>
+                <a:solidFill>
+                  <a:prstClr val="black"/>
+                </a:solidFill>
+                <a:effectLst/>
+                <a:uLnTx/>
+                <a:uFillTx/>
+                <a:latin typeface="Corbel" panose="020B0503020204020204"/>
+                <a:ea typeface="+mn-ea"/>
+                <a:cs typeface="+mn-cs"/>
+              </a:rPr>
+              <a:t>Air Line issues: The number one cause of flight delays are factors within the air line’s control. Issues such as maintenance, crew and hiring, cleaning, fueling, and baggage loading.</a:t>
+            </a:r>
+          </a:p>
+          <a:p>
+            <a:pPr marL="285750" marR="0" lvl="0" indent="-285750" algn="l" defTabSz="457200" rtl="0" eaLnBrk="1" fontAlgn="auto" latinLnBrk="0" hangingPunct="1">
+              <a:lnSpc>
+                <a:spcPct val="100000"/>
+              </a:lnSpc>
+              <a:spcBef>
+                <a:spcPts val="0"/>
+              </a:spcBef>
+              <a:spcAft>
+                <a:spcPts val="0"/>
+              </a:spcAft>
+              <a:buClrTx/>
+              <a:buSzTx/>
+              <a:buFont typeface="Arial" panose="020B0604020202020204" pitchFamily="34" charset="0"/>
+              <a:buChar char="•"/>
+              <a:tabLst/>
+              <a:defRPr/>
+            </a:pPr>
+            <a:r>
+              <a:rPr kumimoji="0" lang="en-US" sz="1400" b="0" i="0" u="none" strike="noStrike" kern="1200" cap="none" spc="0" normalizeH="0" baseline="0" noProof="0" dirty="0">
+                <a:ln>
+                  <a:noFill/>
+                </a:ln>
+                <a:solidFill>
+                  <a:prstClr val="black"/>
+                </a:solidFill>
+                <a:effectLst/>
+                <a:uLnTx/>
+                <a:uFillTx/>
+                <a:latin typeface="Corbel" panose="020B0503020204020204"/>
+                <a:ea typeface="+mn-ea"/>
+                <a:cs typeface="+mn-cs"/>
+              </a:rPr>
+              <a:t>Inclement weather. Major weather events such as tornados, snow storms, heavy rain, and fast winds make it unsafe for an airplane to take off.</a:t>
+            </a:r>
+          </a:p>
+          <a:p>
+            <a:pPr marL="285750" marR="0" lvl="0" indent="-285750" algn="l" defTabSz="457200" rtl="0" eaLnBrk="1" fontAlgn="auto" latinLnBrk="0" hangingPunct="1">
+              <a:lnSpc>
+                <a:spcPct val="100000"/>
+              </a:lnSpc>
+              <a:spcBef>
+                <a:spcPts val="0"/>
+              </a:spcBef>
+              <a:spcAft>
+                <a:spcPts val="0"/>
+              </a:spcAft>
+              <a:buClrTx/>
+              <a:buSzTx/>
+              <a:buFont typeface="Arial" panose="020B0604020202020204" pitchFamily="34" charset="0"/>
+              <a:buChar char="•"/>
+              <a:tabLst/>
+              <a:defRPr/>
+            </a:pPr>
+            <a:r>
+              <a:rPr kumimoji="0" lang="en-US" sz="1400" b="0" i="0" u="none" strike="noStrike" kern="1200" cap="none" spc="0" normalizeH="0" baseline="0" noProof="0" dirty="0">
+                <a:ln>
+                  <a:noFill/>
+                </a:ln>
+                <a:solidFill>
+                  <a:prstClr val="black"/>
+                </a:solidFill>
+                <a:effectLst/>
+                <a:uLnTx/>
+                <a:uFillTx/>
+                <a:latin typeface="Corbel" panose="020B0503020204020204"/>
+                <a:ea typeface="+mn-ea"/>
+                <a:cs typeface="+mn-cs"/>
+              </a:rPr>
+              <a:t>Airport security issues. Acts of vandalism, terrorism, threats, and extended security screenings will cause major delays in flights </a:t>
+            </a:r>
+          </a:p>
+          <a:p>
+            <a:pPr marL="285750" marR="0" lvl="0" indent="-285750" algn="l" defTabSz="457200" rtl="0" eaLnBrk="1" fontAlgn="auto" latinLnBrk="0" hangingPunct="1">
+              <a:lnSpc>
+                <a:spcPct val="100000"/>
+              </a:lnSpc>
+              <a:spcBef>
+                <a:spcPts val="0"/>
+              </a:spcBef>
+              <a:spcAft>
+                <a:spcPts val="0"/>
+              </a:spcAft>
+              <a:buClrTx/>
+              <a:buSzTx/>
+              <a:buFont typeface="Arial" panose="020B0604020202020204" pitchFamily="34" charset="0"/>
+              <a:buChar char="•"/>
+              <a:tabLst/>
+              <a:defRPr/>
+            </a:pPr>
+            <a:r>
+              <a:rPr kumimoji="0" lang="en-US" sz="1400" b="0" i="0" u="none" strike="noStrike" kern="1200" cap="none" spc="0" normalizeH="0" baseline="0" noProof="0" dirty="0">
+                <a:ln>
+                  <a:noFill/>
+                </a:ln>
+                <a:solidFill>
+                  <a:prstClr val="black"/>
+                </a:solidFill>
+                <a:effectLst/>
+                <a:uLnTx/>
+                <a:uFillTx/>
+                <a:latin typeface="Corbel" panose="020B0503020204020204"/>
+                <a:ea typeface="+mn-ea"/>
+                <a:cs typeface="+mn-cs"/>
+              </a:rPr>
+              <a:t>Heavy airport volume. Heavier than average volume in travelers can cause long lines for ticketing, TSA screening, and general operations. Months with major holidays such as December will have heavier airport traveler volume.</a:t>
+            </a:r>
+          </a:p>
+          <a:p>
+            <a:pPr marL="285750" marR="0" lvl="0" indent="-285750" algn="l" defTabSz="457200" rtl="0" eaLnBrk="1" fontAlgn="auto" latinLnBrk="0" hangingPunct="1">
+              <a:lnSpc>
+                <a:spcPct val="100000"/>
+              </a:lnSpc>
+              <a:spcBef>
+                <a:spcPts val="0"/>
+              </a:spcBef>
+              <a:spcAft>
+                <a:spcPts val="0"/>
+              </a:spcAft>
+              <a:buClrTx/>
+              <a:buSzTx/>
+              <a:buFont typeface="Arial" panose="020B0604020202020204" pitchFamily="34" charset="0"/>
+              <a:buChar char="•"/>
+              <a:tabLst/>
+              <a:defRPr/>
+            </a:pPr>
+            <a:r>
+              <a:rPr kumimoji="0" lang="en-US" sz="1400" b="0" i="0" u="none" strike="noStrike" kern="1200" cap="none" spc="0" normalizeH="0" baseline="0" noProof="0" dirty="0">
+                <a:ln>
+                  <a:noFill/>
+                </a:ln>
+                <a:solidFill>
+                  <a:prstClr val="black"/>
+                </a:solidFill>
+                <a:effectLst/>
+                <a:uLnTx/>
+                <a:uFillTx/>
+                <a:latin typeface="Corbel" panose="020B0503020204020204"/>
+                <a:ea typeface="+mn-ea"/>
+                <a:cs typeface="+mn-cs"/>
+              </a:rPr>
+              <a:t>Late arriving aircraft. When a previous flight arrives late it has a ripple effect causing other departing flights to be delayed. </a:t>
+            </a:r>
+          </a:p>
+          <a:p>
+            <a:pPr marL="285750" marR="0" lvl="0" indent="-285750" algn="l" defTabSz="457200" rtl="0" eaLnBrk="1" fontAlgn="auto" latinLnBrk="0" hangingPunct="1">
+              <a:lnSpc>
+                <a:spcPct val="100000"/>
+              </a:lnSpc>
+              <a:spcBef>
+                <a:spcPts val="0"/>
+              </a:spcBef>
+              <a:spcAft>
+                <a:spcPts val="0"/>
+              </a:spcAft>
+              <a:buClrTx/>
+              <a:buSzTx/>
+              <a:buFont typeface="Arial" panose="020B0604020202020204" pitchFamily="34" charset="0"/>
+              <a:buChar char="•"/>
+              <a:tabLst/>
+              <a:defRPr/>
+            </a:pPr>
+            <a:r>
+              <a:rPr kumimoji="0" lang="en-US" sz="1400" b="0" i="0" u="none" strike="noStrike" kern="1200" cap="none" spc="0" normalizeH="0" baseline="0" noProof="0" dirty="0">
+                <a:ln>
+                  <a:noFill/>
+                </a:ln>
+                <a:solidFill>
+                  <a:prstClr val="black"/>
+                </a:solidFill>
+                <a:effectLst/>
+                <a:uLnTx/>
+                <a:uFillTx/>
+                <a:latin typeface="Corbel" panose="020B0503020204020204"/>
+                <a:ea typeface="+mn-ea"/>
+                <a:cs typeface="+mn-cs"/>
+              </a:rPr>
+              <a:t>Airport staffing issues. Malperformance  or absence of TSA, ticketing staff, and air traffic controllers may have contributed </a:t>
+            </a:r>
+            <a:r>
+              <a:rPr kumimoji="0" lang="en-US" sz="1400" b="0" i="0" u="none" strike="noStrike" kern="1200" cap="none" spc="0" normalizeH="0" baseline="0" noProof="0">
+                <a:ln>
+                  <a:noFill/>
+                </a:ln>
+                <a:solidFill>
+                  <a:prstClr val="black"/>
+                </a:solidFill>
+                <a:effectLst/>
+                <a:uLnTx/>
+                <a:uFillTx/>
+                <a:latin typeface="Corbel" panose="020B0503020204020204"/>
+                <a:ea typeface="+mn-ea"/>
+                <a:cs typeface="+mn-cs"/>
+              </a:rPr>
+              <a:t>to delays. </a:t>
+            </a:r>
+            <a:endParaRPr kumimoji="0" lang="en-US" sz="1400" b="0" i="0" u="none" strike="noStrike" kern="1200" cap="none" spc="0" normalizeH="0" baseline="0" noProof="0" dirty="0">
+              <a:ln>
+                <a:noFill/>
+              </a:ln>
+              <a:solidFill>
+                <a:prstClr val="black"/>
+              </a:solidFill>
+              <a:effectLst/>
+              <a:uLnTx/>
+              <a:uFillTx/>
+              <a:latin typeface="Corbel" panose="020B0503020204020204"/>
+              <a:ea typeface="+mn-ea"/>
+              <a:cs typeface="+mn-cs"/>
+            </a:endParaRPr>
+          </a:p>
+          <a:p>
+            <a:pPr marL="285750" marR="0" lvl="0" indent="-285750" algn="l" defTabSz="457200" rtl="0" eaLnBrk="1" fontAlgn="auto" latinLnBrk="0" hangingPunct="1">
+              <a:lnSpc>
+                <a:spcPct val="100000"/>
+              </a:lnSpc>
+              <a:spcBef>
+                <a:spcPts val="0"/>
+              </a:spcBef>
+              <a:spcAft>
+                <a:spcPts val="0"/>
+              </a:spcAft>
+              <a:buClrTx/>
+              <a:buSzTx/>
+              <a:buFont typeface="Arial" panose="020B0604020202020204" pitchFamily="34" charset="0"/>
+              <a:buChar char="•"/>
+              <a:tabLst/>
+              <a:defRPr/>
+            </a:pPr>
+            <a:r>
+              <a:rPr kumimoji="0" lang="en-US" sz="1400" b="0" i="0" u="none" strike="noStrike" kern="1200" cap="none" spc="0" normalizeH="0" baseline="0" noProof="0" dirty="0">
+                <a:ln>
+                  <a:noFill/>
+                </a:ln>
+                <a:solidFill>
+                  <a:prstClr val="black"/>
+                </a:solidFill>
+                <a:effectLst/>
+                <a:uLnTx/>
+                <a:uFillTx/>
+                <a:latin typeface="Corbel" panose="020B0503020204020204"/>
+                <a:ea typeface="+mn-ea"/>
+                <a:cs typeface="+mn-cs"/>
+              </a:rPr>
+              <a:t>The government shutdown started in December 2018. Due to the Christmas and New Year holidays, December has higher than average air travel volume which could contribute to the delays in this time period.</a:t>
+            </a:r>
+          </a:p>
+          <a:p>
+            <a:pPr marL="285750" marR="0" lvl="0" indent="-285750" algn="l" defTabSz="457200" rtl="0" eaLnBrk="1" fontAlgn="auto" latinLnBrk="0" hangingPunct="1">
+              <a:lnSpc>
+                <a:spcPct val="100000"/>
+              </a:lnSpc>
+              <a:spcBef>
+                <a:spcPts val="0"/>
+              </a:spcBef>
+              <a:spcAft>
+                <a:spcPts val="0"/>
+              </a:spcAft>
+              <a:buClrTx/>
+              <a:buSzTx/>
+              <a:buFont typeface="Arial" panose="020B0604020202020204" pitchFamily="34" charset="0"/>
+              <a:buChar char="•"/>
+              <a:tabLst/>
+              <a:defRPr/>
+            </a:pPr>
+            <a:endParaRPr kumimoji="0" lang="en-US" sz="1400" b="0" i="0" u="none" strike="noStrike" kern="1200" cap="none" spc="0" normalizeH="0" baseline="0" noProof="0" dirty="0">
+              <a:ln>
+                <a:noFill/>
+              </a:ln>
+              <a:solidFill>
+                <a:prstClr val="black"/>
+              </a:solidFill>
+              <a:effectLst/>
+              <a:uLnTx/>
+              <a:uFillTx/>
+              <a:latin typeface="Corbel" panose="020B0503020204020204"/>
+              <a:ea typeface="+mn-ea"/>
+              <a:cs typeface="+mn-cs"/>
+            </a:endParaRPr>
+          </a:p>
+          <a:p>
+            <a:pPr marL="285750" marR="0" lvl="0" indent="-285750" algn="l" defTabSz="457200" rtl="0" eaLnBrk="1" fontAlgn="auto" latinLnBrk="0" hangingPunct="1">
+              <a:lnSpc>
+                <a:spcPct val="100000"/>
+              </a:lnSpc>
+              <a:spcBef>
+                <a:spcPts val="0"/>
+              </a:spcBef>
+              <a:spcAft>
+                <a:spcPts val="0"/>
+              </a:spcAft>
+              <a:buClrTx/>
+              <a:buSzTx/>
+              <a:buFont typeface="Arial" panose="020B0604020202020204" pitchFamily="34" charset="0"/>
+              <a:buChar char="•"/>
+              <a:tabLst/>
+              <a:defRPr/>
+            </a:pPr>
+            <a:r>
+              <a:rPr kumimoji="0" lang="en-US" sz="1400" b="0" i="0" u="none" strike="noStrike" kern="1200" cap="none" spc="0" normalizeH="0" baseline="0" noProof="0" dirty="0">
+                <a:ln>
+                  <a:noFill/>
+                </a:ln>
+                <a:solidFill>
+                  <a:prstClr val="black"/>
+                </a:solidFill>
+                <a:effectLst/>
+                <a:uLnTx/>
+                <a:uFillTx/>
+                <a:latin typeface="Corbel" panose="020B0503020204020204"/>
+                <a:ea typeface="+mn-ea"/>
+                <a:cs typeface="+mn-cs"/>
+              </a:rPr>
+              <a:t>https://</a:t>
+            </a:r>
+            <a:r>
+              <a:rPr kumimoji="0" lang="en-US" sz="1400" b="0" i="0" u="none" strike="noStrike" kern="1200" cap="none" spc="0" normalizeH="0" baseline="0" noProof="0" dirty="0" err="1">
+                <a:ln>
+                  <a:noFill/>
+                </a:ln>
+                <a:solidFill>
+                  <a:prstClr val="black"/>
+                </a:solidFill>
+                <a:effectLst/>
+                <a:uLnTx/>
+                <a:uFillTx/>
+                <a:latin typeface="Corbel" panose="020B0503020204020204"/>
+                <a:ea typeface="+mn-ea"/>
+                <a:cs typeface="+mn-cs"/>
+              </a:rPr>
+              <a:t>www.bts.gov</a:t>
+            </a:r>
+            <a:r>
+              <a:rPr kumimoji="0" lang="en-US" sz="1400" b="0" i="0" u="none" strike="noStrike" kern="1200" cap="none" spc="0" normalizeH="0" baseline="0" noProof="0" dirty="0">
+                <a:ln>
+                  <a:noFill/>
+                </a:ln>
+                <a:solidFill>
+                  <a:prstClr val="black"/>
+                </a:solidFill>
+                <a:effectLst/>
+                <a:uLnTx/>
+                <a:uFillTx/>
+                <a:latin typeface="Corbel" panose="020B0503020204020204"/>
+                <a:ea typeface="+mn-ea"/>
+                <a:cs typeface="+mn-cs"/>
+              </a:rPr>
+              <a:t>/topics/airlines-and-airports/understanding-reporting-causes-flight-delays-and-cancellations</a:t>
+            </a:r>
+          </a:p>
+          <a:p>
+            <a:pPr marL="0" marR="0" lvl="0" indent="0" algn="l" defTabSz="457200" rtl="0" eaLnBrk="1" fontAlgn="auto" latinLnBrk="0" hangingPunct="1">
+              <a:lnSpc>
+                <a:spcPct val="100000"/>
+              </a:lnSpc>
+              <a:spcBef>
+                <a:spcPts val="0"/>
+              </a:spcBef>
+              <a:spcAft>
+                <a:spcPts val="0"/>
+              </a:spcAft>
+              <a:buClrTx/>
+              <a:buSzTx/>
+              <a:buFontTx/>
+              <a:buNone/>
+              <a:tabLst/>
+              <a:defRPr/>
+            </a:pPr>
+            <a:endParaRPr kumimoji="0" lang="en-US" sz="1400" b="0" i="0" u="none" strike="noStrike" kern="1200" cap="none" spc="0" normalizeH="0" baseline="0" noProof="0" dirty="0">
+              <a:ln>
+                <a:noFill/>
+              </a:ln>
+              <a:solidFill>
+                <a:prstClr val="black"/>
+              </a:solidFill>
+              <a:effectLst/>
+              <a:uLnTx/>
+              <a:uFillTx/>
+              <a:latin typeface="Corbel" panose="020B0503020204020204"/>
+              <a:ea typeface="+mn-ea"/>
+              <a:cs typeface="+mn-cs"/>
+            </a:endParaRPr>
+          </a:p>
+        </p:txBody>
+      </p:sp>
+    </p:spTree>
+    <p:extLst>
+      <p:ext uri="{BB962C8B-B14F-4D97-AF65-F5344CB8AC3E}">
+        <p14:creationId xmlns:p14="http://schemas.microsoft.com/office/powerpoint/2010/main" val="658287010"/>
+      </p:ext>
+    </p:extLst>
+  </p:cSld>
+  <p:clrMapOvr>
+    <a:masterClrMapping/>
+  </p:clrMapOvr>
+</p:sld>
+</file>
+
+<file path=ppt/slides/slide12.xml><?xml version="1.0" encoding="utf-8"?>
+<p:sld xmlns:a="http://schemas.openxmlformats.org/drawingml/2006/main" xmlns:r="http://schemas.openxmlformats.org/officeDocument/2006/relationships" xmlns:p="http://schemas.openxmlformats.org/presentationml/2006/main">
+  <p:cSld>
+    <p:bg>
+      <p:bgPr>
+        <a:gradFill>
+          <a:gsLst>
+            <a:gs pos="0">
+              <a:schemeClr val="accent1">
+                <a:lumMod val="5000"/>
+                <a:lumOff val="95000"/>
+              </a:schemeClr>
+            </a:gs>
+            <a:gs pos="81000">
+              <a:schemeClr val="accent1">
+                <a:lumMod val="45000"/>
+                <a:lumOff val="55000"/>
+              </a:schemeClr>
+            </a:gs>
+            <a:gs pos="83000">
+              <a:schemeClr val="accent1">
+                <a:lumMod val="45000"/>
+                <a:lumOff val="55000"/>
+              </a:schemeClr>
+            </a:gs>
+            <a:gs pos="100000">
+              <a:schemeClr val="accent1">
+                <a:lumMod val="30000"/>
+                <a:lumOff val="70000"/>
+              </a:schemeClr>
+            </a:gs>
+          </a:gsLst>
+          <a:lin ang="5400000" scaled="1"/>
+        </a:gradFill>
+        <a:effectLst/>
+      </p:bgPr>
+    </p:bg>
+    <p:spTree>
+      <p:nvGrpSpPr>
+        <p:cNvPr id="1" name=""/>
+        <p:cNvGrpSpPr/>
+        <p:nvPr/>
+      </p:nvGrpSpPr>
+      <p:grpSpPr>
+        <a:xfrm>
+          <a:off x="0" y="0"/>
+          <a:ext cx="0" cy="0"/>
+          <a:chOff x="0" y="0"/>
+          <a:chExt cx="0" cy="0"/>
+        </a:xfrm>
+      </p:grpSpPr>
+      <p:sp useBgFill="1">
+        <p:nvSpPr>
+          <p:cNvPr id="9" name="Rectangle 8">
+            <a:extLst>
+              <a:ext uri="{FF2B5EF4-FFF2-40B4-BE49-F238E27FC236}">
+                <a16:creationId xmlns:a16="http://schemas.microsoft.com/office/drawing/2014/main" id="{4281BC32-FF58-4898-A6B5-7B3D059BCEB0}"/>
+              </a:ext>
+              <a:ext uri="{C183D7F6-B498-43B3-948B-1728B52AA6E4}">
+                <adec:decorative xmlns:adec="http://schemas.microsoft.com/office/drawing/2017/decorative" xmlns="" val="1"/>
+              </a:ext>
+            </a:extLst>
+          </p:cNvPr>
+          <p:cNvSpPr>
+            <a:spLocks noGrp="1" noRot="1" noChangeAspect="1" noMove="1" noResize="1" noEditPoints="1" noAdjustHandles="1" noChangeArrowheads="1" noChangeShapeType="1" noTextEdit="1"/>
+          </p:cNvSpPr>
+          <p:nvPr>
+            <p:extLst>
+              <p:ext uri="{386F3935-93C4-4BCD-93E2-E3B085C9AB24}">
+                <p16:designElem xmlns:p16="http://schemas.microsoft.com/office/powerpoint/2015/main" val="1"/>
+              </p:ext>
+            </p:extLst>
+          </p:nvPr>
+        </p:nvSpPr>
+        <p:spPr>
+          <a:xfrm>
+            <a:off x="0" y="0"/>
+            <a:ext cx="12192000" cy="6858000"/>
+          </a:xfrm>
+          <a:prstGeom prst="rect">
+            <a:avLst/>
+          </a:prstGeom>
+          <a:ln>
+            <a:noFill/>
+          </a:ln>
+        </p:spPr>
+        <p:style>
+          <a:lnRef idx="2">
+            <a:schemeClr val="accent1">
+              <a:shade val="50000"/>
+            </a:schemeClr>
+          </a:lnRef>
+          <a:fillRef idx="1">
+            <a:schemeClr val="accent1"/>
+          </a:fillRef>
+          <a:effectRef idx="0">
+            <a:schemeClr val="accent1"/>
+          </a:effectRef>
+          <a:fontRef idx="minor">
+            <a:schemeClr val="lt1"/>
+          </a:fontRef>
+        </p:style>
+        <p:txBody>
+          <a:bodyPr rtlCol="0" anchor="ctr"/>
+          <a:lstStyle/>
+          <a:p>
+            <a:pPr algn="ctr"/>
+            <a:endParaRPr lang="en-US"/>
+          </a:p>
+        </p:txBody>
+      </p:sp>
+      <p:sp>
+        <p:nvSpPr>
+          <p:cNvPr id="11" name="Rectangle 10">
+            <a:extLst>
+              <a:ext uri="{FF2B5EF4-FFF2-40B4-BE49-F238E27FC236}">
+                <a16:creationId xmlns:a16="http://schemas.microsoft.com/office/drawing/2014/main" id="{0D614406-135F-4875-9C87-53822CB19ABB}"/>
+              </a:ext>
+              <a:ext uri="{C183D7F6-B498-43B3-948B-1728B52AA6E4}">
+                <adec:decorative xmlns:adec="http://schemas.microsoft.com/office/drawing/2017/decorative" xmlns="" val="1"/>
+              </a:ext>
+            </a:extLst>
+          </p:cNvPr>
+          <p:cNvSpPr>
+            <a:spLocks noGrp="1" noRot="1" noChangeAspect="1" noMove="1" noResize="1" noEditPoints="1" noAdjustHandles="1" noChangeArrowheads="1" noChangeShapeType="1" noTextEdit="1"/>
+          </p:cNvSpPr>
+          <p:nvPr>
+            <p:extLst>
+              <p:ext uri="{386F3935-93C4-4BCD-93E2-E3B085C9AB24}">
+                <p16:designElem xmlns:p16="http://schemas.microsoft.com/office/powerpoint/2015/main" val="1"/>
+              </p:ext>
+            </p:extLst>
+          </p:nvPr>
+        </p:nvSpPr>
+        <p:spPr>
+          <a:xfrm>
+            <a:off x="0" y="0"/>
+            <a:ext cx="12191999" cy="2285999"/>
+          </a:xfrm>
+          <a:prstGeom prst="rect">
+            <a:avLst/>
+          </a:prstGeom>
+          <a:solidFill>
+            <a:schemeClr val="tx1"/>
+          </a:solidFill>
+          <a:ln>
+            <a:noFill/>
+          </a:ln>
+        </p:spPr>
+        <p:style>
+          <a:lnRef idx="2">
+            <a:schemeClr val="accent1">
+              <a:shade val="50000"/>
+            </a:schemeClr>
+          </a:lnRef>
+          <a:fillRef idx="1">
+            <a:schemeClr val="accent1"/>
+          </a:fillRef>
+          <a:effectRef idx="0">
+            <a:schemeClr val="accent1"/>
+          </a:effectRef>
+          <a:fontRef idx="minor">
+            <a:schemeClr val="lt1"/>
+          </a:fontRef>
+        </p:style>
+        <p:txBody>
+          <a:bodyPr rtlCol="0" anchor="ctr"/>
+          <a:lstStyle/>
+          <a:p>
+            <a:pPr algn="ctr"/>
+            <a:endParaRPr lang="en-US"/>
+          </a:p>
+        </p:txBody>
+      </p:sp>
+      <p:sp>
+        <p:nvSpPr>
+          <p:cNvPr id="2" name="Title 1"/>
+          <p:cNvSpPr>
+            <a:spLocks noGrp="1"/>
+          </p:cNvSpPr>
+          <p:nvPr>
+            <p:ph type="title"/>
+          </p:nvPr>
+        </p:nvSpPr>
+        <p:spPr>
+          <a:xfrm>
+            <a:off x="76200" y="221915"/>
+            <a:ext cx="8053673" cy="1232750"/>
+          </a:xfrm>
+        </p:spPr>
+        <p:txBody>
+          <a:bodyPr anchor="b">
+            <a:normAutofit/>
+          </a:bodyPr>
+          <a:lstStyle/>
+          <a:p>
+            <a:pPr algn="l"/>
+            <a:r>
+              <a:rPr lang="en-US" sz="3900" dirty="0">
+                <a:solidFill>
+                  <a:schemeClr val="bg1"/>
+                </a:solidFill>
+              </a:rPr>
+              <a:t>Data exploration and cleanup #1</a:t>
+            </a:r>
+          </a:p>
+        </p:txBody>
+      </p:sp>
+      <p:cxnSp>
+        <p:nvCxnSpPr>
+          <p:cNvPr id="13" name="Straight Connector 12">
+            <a:extLst>
+              <a:ext uri="{FF2B5EF4-FFF2-40B4-BE49-F238E27FC236}">
+                <a16:creationId xmlns:a16="http://schemas.microsoft.com/office/drawing/2014/main" id="{C6C21149-7D17-44C2-AFB6-4D931DC55FB1}"/>
+              </a:ext>
+              <a:ext uri="{C183D7F6-B498-43B3-948B-1728B52AA6E4}">
+                <adec:decorative xmlns:adec="http://schemas.microsoft.com/office/drawing/2017/decorative" xmlns="" val="1"/>
+              </a:ext>
+            </a:extLst>
+          </p:cNvPr>
+          <p:cNvCxnSpPr>
+            <a:cxnSpLocks noGrp="1" noRot="1" noChangeAspect="1" noMove="1" noResize="1" noEditPoints="1" noAdjustHandles="1" noChangeArrowheads="1" noChangeShapeType="1"/>
+          </p:cNvCxnSpPr>
+          <p:nvPr>
+            <p:extLst>
+              <p:ext uri="{386F3935-93C4-4BCD-93E2-E3B085C9AB24}">
+                <p16:designElem xmlns:p16="http://schemas.microsoft.com/office/powerpoint/2015/main" val="1"/>
+              </p:ext>
+            </p:extLst>
+          </p:nvPr>
+        </p:nvCxnSpPr>
+        <p:spPr>
+          <a:xfrm>
+            <a:off x="0" y="1676579"/>
+            <a:ext cx="8129873" cy="6020"/>
+          </a:xfrm>
+          <a:prstGeom prst="line">
+            <a:avLst/>
+          </a:prstGeom>
+          <a:ln w="25400">
+            <a:solidFill>
+              <a:schemeClr val="bg1"/>
+            </a:solidFill>
+          </a:ln>
+        </p:spPr>
+        <p:style>
+          <a:lnRef idx="1">
+            <a:schemeClr val="accent1"/>
+          </a:lnRef>
+          <a:fillRef idx="0">
+            <a:schemeClr val="accent1"/>
+          </a:fillRef>
+          <a:effectRef idx="0">
+            <a:schemeClr val="accent1"/>
+          </a:effectRef>
+          <a:fontRef idx="minor">
+            <a:schemeClr val="tx1"/>
+          </a:fontRef>
+        </p:style>
+      </p:cxnSp>
+      <p:sp>
+        <p:nvSpPr>
+          <p:cNvPr id="15" name="Freeform 6">
+            <a:extLst>
+              <a:ext uri="{FF2B5EF4-FFF2-40B4-BE49-F238E27FC236}">
+                <a16:creationId xmlns:a16="http://schemas.microsoft.com/office/drawing/2014/main" id="{C2E5FCF0-567A-448C-A6E3-920BFC702C2F}"/>
+              </a:ext>
+              <a:ext uri="{C183D7F6-B498-43B3-948B-1728B52AA6E4}">
+                <adec:decorative xmlns:adec="http://schemas.microsoft.com/office/drawing/2017/decorative" xmlns="" val="1"/>
               </a:ext>
             </a:extLst>
           </p:cNvPr>
@@ -7212,7 +8325,7 @@
                 <a:hlinkClick r:id="rId3">
                   <a:extLst>
                     <a:ext uri="{A12FA001-AC4F-418D-AE19-62706E023703}">
-                      <ahyp:hlinkClr xmlns="" xmlns:ahyp="http://schemas.microsoft.com/office/drawing/2018/hyperlinkcolor" val="tx"/>
+                      <ahyp:hlinkClr xmlns:ahyp="http://schemas.microsoft.com/office/drawing/2018/hyperlinkcolor" xmlns="" val="tx"/>
                     </a:ext>
                   </a:extLst>
                 </a:hlinkClick>
@@ -7249,7 +8362,7 @@
                 <a:hlinkClick r:id="rId4">
                   <a:extLst>
                     <a:ext uri="{A12FA001-AC4F-418D-AE19-62706E023703}">
-                      <ahyp:hlinkClr xmlns="" xmlns:ahyp="http://schemas.microsoft.com/office/drawing/2018/hyperlinkcolor" val="tx"/>
+                      <ahyp:hlinkClr xmlns:ahyp="http://schemas.microsoft.com/office/drawing/2018/hyperlinkcolor" xmlns="" val="tx"/>
                     </a:ext>
                   </a:extLst>
                 </a:hlinkClick>
@@ -7276,7 +8389,7 @@
 </p:sld>
 </file>
 
-<file path=ppt/slides/slide12.xml><?xml version="1.0" encoding="utf-8"?>
+<file path=ppt/slides/slide13.xml><?xml version="1.0" encoding="utf-8"?>
 <p:sld xmlns:a="http://schemas.openxmlformats.org/drawingml/2006/main" xmlns:r="http://schemas.openxmlformats.org/officeDocument/2006/relationships" xmlns:p="http://schemas.openxmlformats.org/presentationml/2006/main">
   <p:cSld>
     <p:bg>
@@ -7335,7 +8448,7 @@
                 <a16:creationId xmlns:a16="http://schemas.microsoft.com/office/drawing/2014/main" id="{4281BC32-FF58-4898-A6B5-7B3D059BCEB0}"/>
               </a:ext>
               <a:ext uri="{C183D7F6-B498-43B3-948B-1728B52AA6E4}">
-                <adec:decorative xmlns="" xmlns:adec="http://schemas.microsoft.com/office/drawing/2017/decorative" val="1"/>
+                <adec:decorative xmlns:adec="http://schemas.microsoft.com/office/drawing/2017/decorative" xmlns="" val="1"/>
               </a:ext>
             </a:extLst>
           </p:cNvPr>
@@ -7395,7 +8508,7 @@
                 <a16:creationId xmlns:a16="http://schemas.microsoft.com/office/drawing/2014/main" id="{0D614406-135F-4875-9C87-53822CB19ABB}"/>
               </a:ext>
               <a:ext uri="{C183D7F6-B498-43B3-948B-1728B52AA6E4}">
-                <adec:decorative xmlns="" xmlns:adec="http://schemas.microsoft.com/office/drawing/2017/decorative" val="1"/>
+                <adec:decorative xmlns:adec="http://schemas.microsoft.com/office/drawing/2017/decorative" xmlns="" val="1"/>
               </a:ext>
             </a:extLst>
           </p:cNvPr>
@@ -7492,7 +8605,7 @@
                 <a16:creationId xmlns:a16="http://schemas.microsoft.com/office/drawing/2014/main" id="{C6C21149-7D17-44C2-AFB6-4D931DC55FB1}"/>
               </a:ext>
               <a:ext uri="{C183D7F6-B498-43B3-948B-1728B52AA6E4}">
-                <adec:decorative xmlns="" xmlns:adec="http://schemas.microsoft.com/office/drawing/2017/decorative" val="1"/>
+                <adec:decorative xmlns:adec="http://schemas.microsoft.com/office/drawing/2017/decorative" xmlns="" val="1"/>
               </a:ext>
             </a:extLst>
           </p:cNvPr>
@@ -7544,7 +8657,7 @@
                 <a16:creationId xmlns:a16="http://schemas.microsoft.com/office/drawing/2014/main" id="{C2E5FCF0-567A-448C-A6E3-920BFC702C2F}"/>
               </a:ext>
               <a:ext uri="{C183D7F6-B498-43B3-948B-1728B52AA6E4}">
-                <adec:decorative xmlns="" xmlns:adec="http://schemas.microsoft.com/office/drawing/2017/decorative" val="1"/>
+                <adec:decorative xmlns:adec="http://schemas.microsoft.com/office/drawing/2017/decorative" xmlns="" val="1"/>
               </a:ext>
             </a:extLst>
           </p:cNvPr>
@@ -7858,7 +8971,7 @@
                 <a:hlinkClick r:id="rId3">
                   <a:extLst>
                     <a:ext uri="{A12FA001-AC4F-418D-AE19-62706E023703}">
-                      <ahyp:hlinkClr xmlns="" xmlns:ahyp="http://schemas.microsoft.com/office/drawing/2018/hyperlinkcolor" val="tx"/>
+                      <ahyp:hlinkClr xmlns:ahyp="http://schemas.microsoft.com/office/drawing/2018/hyperlinkcolor" xmlns="" val="tx"/>
                     </a:ext>
                   </a:extLst>
                 </a:hlinkClick>
@@ -7913,7 +9026,7 @@
                 <a:hlinkClick r:id="rId4">
                   <a:extLst>
                     <a:ext uri="{A12FA001-AC4F-418D-AE19-62706E023703}">
-                      <ahyp:hlinkClr xmlns="" xmlns:ahyp="http://schemas.microsoft.com/office/drawing/2018/hyperlinkcolor" val="tx"/>
+                      <ahyp:hlinkClr xmlns:ahyp="http://schemas.microsoft.com/office/drawing/2018/hyperlinkcolor" xmlns="" val="tx"/>
                     </a:ext>
                   </a:extLst>
                 </a:hlinkClick>
@@ -7942,7 +9055,7 @@
                 <a:hlinkClick r:id="rId5">
                   <a:extLst>
                     <a:ext uri="{A12FA001-AC4F-418D-AE19-62706E023703}">
-                      <ahyp:hlinkClr xmlns="" xmlns:ahyp="http://schemas.microsoft.com/office/drawing/2018/hyperlinkcolor" val="tx"/>
+                      <ahyp:hlinkClr xmlns:ahyp="http://schemas.microsoft.com/office/drawing/2018/hyperlinkcolor" xmlns="" val="tx"/>
                     </a:ext>
                   </a:extLst>
                 </a:hlinkClick>
@@ -7970,7 +9083,7 @@
 </p:sld>
 </file>
 
-<file path=ppt/slides/slide13.xml><?xml version="1.0" encoding="utf-8"?>
+<file path=ppt/slides/slide14.xml><?xml version="1.0" encoding="utf-8"?>
 <p:sld xmlns:a="http://schemas.openxmlformats.org/drawingml/2006/main" xmlns:r="http://schemas.openxmlformats.org/officeDocument/2006/relationships" xmlns:p="http://schemas.openxmlformats.org/presentationml/2006/main">
   <p:cSld>
     <p:bg>
@@ -8029,7 +9142,7 @@
                 <a16:creationId xmlns:a16="http://schemas.microsoft.com/office/drawing/2014/main" id="{4281BC32-FF58-4898-A6B5-7B3D059BCEB0}"/>
               </a:ext>
               <a:ext uri="{C183D7F6-B498-43B3-948B-1728B52AA6E4}">
-                <adec:decorative xmlns="" xmlns:adec="http://schemas.microsoft.com/office/drawing/2017/decorative" val="1"/>
+                <adec:decorative xmlns:adec="http://schemas.microsoft.com/office/drawing/2017/decorative" xmlns="" val="1"/>
               </a:ext>
             </a:extLst>
           </p:cNvPr>
@@ -8089,7 +9202,7 @@
                 <a16:creationId xmlns:a16="http://schemas.microsoft.com/office/drawing/2014/main" id="{0D614406-135F-4875-9C87-53822CB19ABB}"/>
               </a:ext>
               <a:ext uri="{C183D7F6-B498-43B3-948B-1728B52AA6E4}">
-                <adec:decorative xmlns="" xmlns:adec="http://schemas.microsoft.com/office/drawing/2017/decorative" val="1"/>
+                <adec:decorative xmlns:adec="http://schemas.microsoft.com/office/drawing/2017/decorative" xmlns="" val="1"/>
               </a:ext>
             </a:extLst>
           </p:cNvPr>
@@ -8186,7 +9299,7 @@
                 <a16:creationId xmlns:a16="http://schemas.microsoft.com/office/drawing/2014/main" id="{C6C21149-7D17-44C2-AFB6-4D931DC55FB1}"/>
               </a:ext>
               <a:ext uri="{C183D7F6-B498-43B3-948B-1728B52AA6E4}">
-                <adec:decorative xmlns="" xmlns:adec="http://schemas.microsoft.com/office/drawing/2017/decorative" val="1"/>
+                <adec:decorative xmlns:adec="http://schemas.microsoft.com/office/drawing/2017/decorative" xmlns="" val="1"/>
               </a:ext>
             </a:extLst>
           </p:cNvPr>
@@ -8238,7 +9351,7 @@
                 <a16:creationId xmlns:a16="http://schemas.microsoft.com/office/drawing/2014/main" id="{C2E5FCF0-567A-448C-A6E3-920BFC702C2F}"/>
               </a:ext>
               <a:ext uri="{C183D7F6-B498-43B3-948B-1728B52AA6E4}">
-                <adec:decorative xmlns="" xmlns:adec="http://schemas.microsoft.com/office/drawing/2017/decorative" val="1"/>
+                <adec:decorative xmlns:adec="http://schemas.microsoft.com/office/drawing/2017/decorative" xmlns="" val="1"/>
               </a:ext>
             </a:extLst>
           </p:cNvPr>
@@ -10609,7 +11722,7 @@
 </p:sld>
 </file>
 
-<file path=ppt/slides/slide14.xml><?xml version="1.0" encoding="utf-8"?>
+<file path=ppt/slides/slide15.xml><?xml version="1.0" encoding="utf-8"?>
 <p:sld xmlns:a="http://schemas.openxmlformats.org/drawingml/2006/main" xmlns:r="http://schemas.openxmlformats.org/officeDocument/2006/relationships" xmlns:p="http://schemas.openxmlformats.org/presentationml/2006/main">
   <p:cSld>
     <p:bg>
@@ -10668,7 +11781,7 @@
                 <a16:creationId xmlns:a16="http://schemas.microsoft.com/office/drawing/2014/main" id="{4281BC32-FF58-4898-A6B5-7B3D059BCEB0}"/>
               </a:ext>
               <a:ext uri="{C183D7F6-B498-43B3-948B-1728B52AA6E4}">
-                <adec:decorative xmlns="" xmlns:adec="http://schemas.microsoft.com/office/drawing/2017/decorative" val="1"/>
+                <adec:decorative xmlns:adec="http://schemas.microsoft.com/office/drawing/2017/decorative" xmlns="" val="1"/>
               </a:ext>
             </a:extLst>
           </p:cNvPr>
@@ -10728,7 +11841,7 @@
                 <a16:creationId xmlns:a16="http://schemas.microsoft.com/office/drawing/2014/main" id="{0D614406-135F-4875-9C87-53822CB19ABB}"/>
               </a:ext>
               <a:ext uri="{C183D7F6-B498-43B3-948B-1728B52AA6E4}">
-                <adec:decorative xmlns="" xmlns:adec="http://schemas.microsoft.com/office/drawing/2017/decorative" val="1"/>
+                <adec:decorative xmlns:adec="http://schemas.microsoft.com/office/drawing/2017/decorative" xmlns="" val="1"/>
               </a:ext>
             </a:extLst>
           </p:cNvPr>
@@ -10825,7 +11938,7 @@
                 <a16:creationId xmlns:a16="http://schemas.microsoft.com/office/drawing/2014/main" id="{C6C21149-7D17-44C2-AFB6-4D931DC55FB1}"/>
               </a:ext>
               <a:ext uri="{C183D7F6-B498-43B3-948B-1728B52AA6E4}">
-                <adec:decorative xmlns="" xmlns:adec="http://schemas.microsoft.com/office/drawing/2017/decorative" val="1"/>
+                <adec:decorative xmlns:adec="http://schemas.microsoft.com/office/drawing/2017/decorative" xmlns="" val="1"/>
               </a:ext>
             </a:extLst>
           </p:cNvPr>
@@ -10877,7 +11990,7 @@
                 <a16:creationId xmlns:a16="http://schemas.microsoft.com/office/drawing/2014/main" id="{C2E5FCF0-567A-448C-A6E3-920BFC702C2F}"/>
               </a:ext>
               <a:ext uri="{C183D7F6-B498-43B3-948B-1728B52AA6E4}">
-                <adec:decorative xmlns="" xmlns:adec="http://schemas.microsoft.com/office/drawing/2017/decorative" val="1"/>
+                <adec:decorative xmlns:adec="http://schemas.microsoft.com/office/drawing/2017/decorative" xmlns="" val="1"/>
               </a:ext>
             </a:extLst>
           </p:cNvPr>
@@ -13523,7 +14636,7 @@
 </p:sld>
 </file>
 
-<file path=ppt/slides/slide15.xml><?xml version="1.0" encoding="utf-8"?>
+<file path=ppt/slides/slide16.xml><?xml version="1.0" encoding="utf-8"?>
 <p:sld xmlns:a="http://schemas.openxmlformats.org/drawingml/2006/main" xmlns:r="http://schemas.openxmlformats.org/officeDocument/2006/relationships" xmlns:p="http://schemas.openxmlformats.org/presentationml/2006/main">
   <p:cSld>
     <p:bg>
@@ -13582,7 +14695,7 @@
                 <a16:creationId xmlns:a16="http://schemas.microsoft.com/office/drawing/2014/main" id="{4281BC32-FF58-4898-A6B5-7B3D059BCEB0}"/>
               </a:ext>
               <a:ext uri="{C183D7F6-B498-43B3-948B-1728B52AA6E4}">
-                <adec:decorative xmlns="" xmlns:adec="http://schemas.microsoft.com/office/drawing/2017/decorative" val="1"/>
+                <adec:decorative xmlns:adec="http://schemas.microsoft.com/office/drawing/2017/decorative" xmlns="" val="1"/>
               </a:ext>
             </a:extLst>
           </p:cNvPr>
@@ -13642,7 +14755,7 @@
                 <a16:creationId xmlns:a16="http://schemas.microsoft.com/office/drawing/2014/main" id="{0D614406-135F-4875-9C87-53822CB19ABB}"/>
               </a:ext>
               <a:ext uri="{C183D7F6-B498-43B3-948B-1728B52AA6E4}">
-                <adec:decorative xmlns="" xmlns:adec="http://schemas.microsoft.com/office/drawing/2017/decorative" val="1"/>
+                <adec:decorative xmlns:adec="http://schemas.microsoft.com/office/drawing/2017/decorative" xmlns="" val="1"/>
               </a:ext>
             </a:extLst>
           </p:cNvPr>
@@ -13754,7 +14867,7 @@
                 <a16:creationId xmlns:a16="http://schemas.microsoft.com/office/drawing/2014/main" id="{C6C21149-7D17-44C2-AFB6-4D931DC55FB1}"/>
               </a:ext>
               <a:ext uri="{C183D7F6-B498-43B3-948B-1728B52AA6E4}">
-                <adec:decorative xmlns="" xmlns:adec="http://schemas.microsoft.com/office/drawing/2017/decorative" val="1"/>
+                <adec:decorative xmlns:adec="http://schemas.microsoft.com/office/drawing/2017/decorative" xmlns="" val="1"/>
               </a:ext>
             </a:extLst>
           </p:cNvPr>
@@ -13806,7 +14919,7 @@
                 <a16:creationId xmlns:a16="http://schemas.microsoft.com/office/drawing/2014/main" id="{C2E5FCF0-567A-448C-A6E3-920BFC702C2F}"/>
               </a:ext>
               <a:ext uri="{C183D7F6-B498-43B3-948B-1728B52AA6E4}">
-                <adec:decorative xmlns="" xmlns:adec="http://schemas.microsoft.com/office/drawing/2017/decorative" val="1"/>
+                <adec:decorative xmlns:adec="http://schemas.microsoft.com/office/drawing/2017/decorative" xmlns="" val="1"/>
               </a:ext>
             </a:extLst>
           </p:cNvPr>
@@ -15636,7 +16749,7 @@
                 <a:hlinkClick r:id="rId5">
                   <a:extLst>
                     <a:ext uri="{A12FA001-AC4F-418D-AE19-62706E023703}">
-                      <ahyp:hlinkClr xmlns="" xmlns:ahyp="http://schemas.microsoft.com/office/drawing/2018/hyperlinkcolor" val="tx"/>
+                      <ahyp:hlinkClr xmlns:ahyp="http://schemas.microsoft.com/office/drawing/2018/hyperlinkcolor" xmlns="" val="tx"/>
                     </a:ext>
                   </a:extLst>
                 </a:hlinkClick>
@@ -15687,7 +16800,7 @@
                 <a:hlinkClick r:id="rId6">
                   <a:extLst>
                     <a:ext uri="{A12FA001-AC4F-418D-AE19-62706E023703}">
-                      <ahyp:hlinkClr xmlns="" xmlns:ahyp="http://schemas.microsoft.com/office/drawing/2018/hyperlinkcolor" val="tx"/>
+                      <ahyp:hlinkClr xmlns:ahyp="http://schemas.microsoft.com/office/drawing/2018/hyperlinkcolor" xmlns="" val="tx"/>
                     </a:ext>
                   </a:extLst>
                 </a:hlinkClick>
@@ -17921,7 +19034,7 @@
 </p:sld>
 </file>
 
-<file path=ppt/slides/slide16.xml><?xml version="1.0" encoding="utf-8"?>
+<file path=ppt/slides/slide17.xml><?xml version="1.0" encoding="utf-8"?>
 <p:sld xmlns:a="http://schemas.openxmlformats.org/drawingml/2006/main" xmlns:r="http://schemas.openxmlformats.org/officeDocument/2006/relationships" xmlns:p="http://schemas.openxmlformats.org/presentationml/2006/main">
   <p:cSld>
     <p:bg>
@@ -17980,7 +19093,7 @@
                 <a16:creationId xmlns:a16="http://schemas.microsoft.com/office/drawing/2014/main" id="{4281BC32-FF58-4898-A6B5-7B3D059BCEB0}"/>
               </a:ext>
               <a:ext uri="{C183D7F6-B498-43B3-948B-1728B52AA6E4}">
-                <adec:decorative xmlns="" xmlns:adec="http://schemas.microsoft.com/office/drawing/2017/decorative" val="1"/>
+                <adec:decorative xmlns:adec="http://schemas.microsoft.com/office/drawing/2017/decorative" xmlns="" val="1"/>
               </a:ext>
             </a:extLst>
           </p:cNvPr>
@@ -18040,7 +19153,7 @@
                 <a16:creationId xmlns:a16="http://schemas.microsoft.com/office/drawing/2014/main" id="{0D614406-135F-4875-9C87-53822CB19ABB}"/>
               </a:ext>
               <a:ext uri="{C183D7F6-B498-43B3-948B-1728B52AA6E4}">
-                <adec:decorative xmlns="" xmlns:adec="http://schemas.microsoft.com/office/drawing/2017/decorative" val="1"/>
+                <adec:decorative xmlns:adec="http://schemas.microsoft.com/office/drawing/2017/decorative" xmlns="" val="1"/>
               </a:ext>
             </a:extLst>
           </p:cNvPr>
@@ -18137,7 +19250,7 @@
                 <a16:creationId xmlns:a16="http://schemas.microsoft.com/office/drawing/2014/main" id="{C6C21149-7D17-44C2-AFB6-4D931DC55FB1}"/>
               </a:ext>
               <a:ext uri="{C183D7F6-B498-43B3-948B-1728B52AA6E4}">
-                <adec:decorative xmlns="" xmlns:adec="http://schemas.microsoft.com/office/drawing/2017/decorative" val="1"/>
+                <adec:decorative xmlns:adec="http://schemas.microsoft.com/office/drawing/2017/decorative" xmlns="" val="1"/>
               </a:ext>
             </a:extLst>
           </p:cNvPr>
@@ -18189,7 +19302,7 @@
                 <a16:creationId xmlns:a16="http://schemas.microsoft.com/office/drawing/2014/main" id="{C2E5FCF0-567A-448C-A6E3-920BFC702C2F}"/>
               </a:ext>
               <a:ext uri="{C183D7F6-B498-43B3-948B-1728B52AA6E4}">
-                <adec:decorative xmlns="" xmlns:adec="http://schemas.microsoft.com/office/drawing/2017/decorative" val="1"/>
+                <adec:decorative xmlns:adec="http://schemas.microsoft.com/office/drawing/2017/decorative" xmlns="" val="1"/>
               </a:ext>
             </a:extLst>
           </p:cNvPr>
@@ -18501,7 +19614,7 @@
                 <a:hlinkClick r:id="rId3">
                   <a:extLst>
                     <a:ext uri="{A12FA001-AC4F-418D-AE19-62706E023703}">
-                      <ahyp:hlinkClr xmlns="" xmlns:ahyp="http://schemas.microsoft.com/office/drawing/2018/hyperlinkcolor" val="tx"/>
+                      <ahyp:hlinkClr xmlns:ahyp="http://schemas.microsoft.com/office/drawing/2018/hyperlinkcolor" xmlns="" val="tx"/>
                     </a:ext>
                   </a:extLst>
                 </a:hlinkClick>
@@ -18526,7 +19639,7 @@
                 <a:hlinkClick r:id="rId4">
                   <a:extLst>
                     <a:ext uri="{A12FA001-AC4F-418D-AE19-62706E023703}">
-                      <ahyp:hlinkClr xmlns="" xmlns:ahyp="http://schemas.microsoft.com/office/drawing/2018/hyperlinkcolor" val="tx"/>
+                      <ahyp:hlinkClr xmlns:ahyp="http://schemas.microsoft.com/office/drawing/2018/hyperlinkcolor" xmlns="" val="tx"/>
                     </a:ext>
                   </a:extLst>
                 </a:hlinkClick>
@@ -18592,7 +19705,7 @@
 </p:sld>
 </file>
 
-<file path=ppt/slides/slide17.xml><?xml version="1.0" encoding="utf-8"?>
+<file path=ppt/slides/slide18.xml><?xml version="1.0" encoding="utf-8"?>
 <p:sld xmlns:a="http://schemas.openxmlformats.org/drawingml/2006/main" xmlns:r="http://schemas.openxmlformats.org/officeDocument/2006/relationships" xmlns:p="http://schemas.openxmlformats.org/presentationml/2006/main">
   <p:cSld>
     <p:bg>
@@ -18651,7 +19764,7 @@
                 <a16:creationId xmlns:a16="http://schemas.microsoft.com/office/drawing/2014/main" id="{4281BC32-FF58-4898-A6B5-7B3D059BCEB0}"/>
               </a:ext>
               <a:ext uri="{C183D7F6-B498-43B3-948B-1728B52AA6E4}">
-                <adec:decorative xmlns="" xmlns:adec="http://schemas.microsoft.com/office/drawing/2017/decorative" val="1"/>
+                <adec:decorative xmlns:adec="http://schemas.microsoft.com/office/drawing/2017/decorative" xmlns="" val="1"/>
               </a:ext>
             </a:extLst>
           </p:cNvPr>
@@ -18711,7 +19824,7 @@
                 <a16:creationId xmlns:a16="http://schemas.microsoft.com/office/drawing/2014/main" id="{0D614406-135F-4875-9C87-53822CB19ABB}"/>
               </a:ext>
               <a:ext uri="{C183D7F6-B498-43B3-948B-1728B52AA6E4}">
-                <adec:decorative xmlns="" xmlns:adec="http://schemas.microsoft.com/office/drawing/2017/decorative" val="1"/>
+                <adec:decorative xmlns:adec="http://schemas.microsoft.com/office/drawing/2017/decorative" xmlns="" val="1"/>
               </a:ext>
             </a:extLst>
           </p:cNvPr>
@@ -18808,7 +19921,7 @@
                 <a16:creationId xmlns:a16="http://schemas.microsoft.com/office/drawing/2014/main" id="{C6C21149-7D17-44C2-AFB6-4D931DC55FB1}"/>
               </a:ext>
               <a:ext uri="{C183D7F6-B498-43B3-948B-1728B52AA6E4}">
-                <adec:decorative xmlns="" xmlns:adec="http://schemas.microsoft.com/office/drawing/2017/decorative" val="1"/>
+                <adec:decorative xmlns:adec="http://schemas.microsoft.com/office/drawing/2017/decorative" xmlns="" val="1"/>
               </a:ext>
             </a:extLst>
           </p:cNvPr>
@@ -18860,7 +19973,7 @@
                 <a16:creationId xmlns:a16="http://schemas.microsoft.com/office/drawing/2014/main" id="{C2E5FCF0-567A-448C-A6E3-920BFC702C2F}"/>
               </a:ext>
               <a:ext uri="{C183D7F6-B498-43B3-948B-1728B52AA6E4}">
-                <adec:decorative xmlns="" xmlns:adec="http://schemas.microsoft.com/office/drawing/2017/decorative" val="1"/>
+                <adec:decorative xmlns:adec="http://schemas.microsoft.com/office/drawing/2017/decorative" xmlns="" val="1"/>
               </a:ext>
             </a:extLst>
           </p:cNvPr>
@@ -19296,7 +20409,7 @@
 </p:sld>
 </file>
 
-<file path=ppt/slides/slide18.xml><?xml version="1.0" encoding="utf-8"?>
+<file path=ppt/slides/slide19.xml><?xml version="1.0" encoding="utf-8"?>
 <p:sld xmlns:a="http://schemas.openxmlformats.org/drawingml/2006/main" xmlns:r="http://schemas.openxmlformats.org/officeDocument/2006/relationships" xmlns:p="http://schemas.openxmlformats.org/presentationml/2006/main">
   <p:cSld>
     <p:bg>
@@ -19355,7 +20468,7 @@
                 <a16:creationId xmlns:a16="http://schemas.microsoft.com/office/drawing/2014/main" id="{4281BC32-FF58-4898-A6B5-7B3D059BCEB0}"/>
               </a:ext>
               <a:ext uri="{C183D7F6-B498-43B3-948B-1728B52AA6E4}">
-                <adec:decorative xmlns="" xmlns:adec="http://schemas.microsoft.com/office/drawing/2017/decorative" val="1"/>
+                <adec:decorative xmlns:adec="http://schemas.microsoft.com/office/drawing/2017/decorative" xmlns="" val="1"/>
               </a:ext>
             </a:extLst>
           </p:cNvPr>
@@ -19415,7 +20528,7 @@
                 <a16:creationId xmlns:a16="http://schemas.microsoft.com/office/drawing/2014/main" id="{0D614406-135F-4875-9C87-53822CB19ABB}"/>
               </a:ext>
               <a:ext uri="{C183D7F6-B498-43B3-948B-1728B52AA6E4}">
-                <adec:decorative xmlns="" xmlns:adec="http://schemas.microsoft.com/office/drawing/2017/decorative" val="1"/>
+                <adec:decorative xmlns:adec="http://schemas.microsoft.com/office/drawing/2017/decorative" xmlns="" val="1"/>
               </a:ext>
             </a:extLst>
           </p:cNvPr>
@@ -19512,7 +20625,7 @@
                 <a16:creationId xmlns:a16="http://schemas.microsoft.com/office/drawing/2014/main" id="{C6C21149-7D17-44C2-AFB6-4D931DC55FB1}"/>
               </a:ext>
               <a:ext uri="{C183D7F6-B498-43B3-948B-1728B52AA6E4}">
-                <adec:decorative xmlns="" xmlns:adec="http://schemas.microsoft.com/office/drawing/2017/decorative" val="1"/>
+                <adec:decorative xmlns:adec="http://schemas.microsoft.com/office/drawing/2017/decorative" xmlns="" val="1"/>
               </a:ext>
             </a:extLst>
           </p:cNvPr>
@@ -19564,7 +20677,7 @@
                 <a16:creationId xmlns:a16="http://schemas.microsoft.com/office/drawing/2014/main" id="{C2E5FCF0-567A-448C-A6E3-920BFC702C2F}"/>
               </a:ext>
               <a:ext uri="{C183D7F6-B498-43B3-948B-1728B52AA6E4}">
-                <adec:decorative xmlns="" xmlns:adec="http://schemas.microsoft.com/office/drawing/2017/decorative" val="1"/>
+                <adec:decorative xmlns:adec="http://schemas.microsoft.com/office/drawing/2017/decorative" xmlns="" val="1"/>
               </a:ext>
             </a:extLst>
           </p:cNvPr>
@@ -19919,10 +21032,10 @@
       </p:pic>
       <p:pic>
         <p:nvPicPr>
-          <p:cNvPr id="17" name="Content Placeholder 21">
+          <p:cNvPr id="14" name="Content Placeholder 23">
             <a:extLst>
               <a:ext uri="{FF2B5EF4-FFF2-40B4-BE49-F238E27FC236}">
-                <a16:creationId xmlns:a16="http://schemas.microsoft.com/office/drawing/2014/main" id="{57691523-192A-574B-8D92-584D509DEF9D}"/>
+                <a16:creationId xmlns:a16="http://schemas.microsoft.com/office/drawing/2014/main" id="{EAD3725D-F85F-374D-BA62-AA7D1B46BA1D}"/>
               </a:ext>
             </a:extLst>
           </p:cNvPr>
@@ -19941,17 +21054,17 @@
         </p:blipFill>
         <p:spPr>
           <a:xfrm>
-            <a:off x="72360" y="2475916"/>
-            <a:ext cx="6023639" cy="4141251"/>
+            <a:off x="76200" y="2458941"/>
+            <a:ext cx="6004613" cy="4128172"/>
           </a:xfrm>
         </p:spPr>
       </p:pic>
       <p:sp>
         <p:nvSpPr>
-          <p:cNvPr id="18" name="TextBox 17">
+          <p:cNvPr id="16" name="TextBox 15">
             <a:extLst>
               <a:ext uri="{FF2B5EF4-FFF2-40B4-BE49-F238E27FC236}">
-                <a16:creationId xmlns:a16="http://schemas.microsoft.com/office/drawing/2014/main" id="{9113150B-B682-D647-8A1B-FAE7774B6258}"/>
+                <a16:creationId xmlns:a16="http://schemas.microsoft.com/office/drawing/2014/main" id="{CC8F844C-2108-1D43-9E52-A58C6AFA1CE7}"/>
               </a:ext>
             </a:extLst>
           </p:cNvPr>
@@ -19960,8 +21073,8 @@
         </p:nvSpPr>
         <p:spPr>
           <a:xfrm>
-            <a:off x="6296025" y="2679362"/>
-            <a:ext cx="5234545" cy="2031325"/>
+            <a:off x="6196805" y="2906413"/>
+            <a:ext cx="5791200" cy="2585323"/>
           </a:xfrm>
           <a:prstGeom prst="rect">
             <a:avLst/>
@@ -19976,64 +21089,13 @@
           <a:p>
             <a:r>
               <a:rPr lang="en-US" dirty="0"/>
-              <a:t>In the last week of  the shutdown  the number of  </a:t>
+              <a:t>In the date range A, MCO airport has handled  less than 8.5 % of the Delta flights comparing with the numbers of Delta flights in ATL airport. Even that MCO airport shows a higher proportional number of delayed departure flights. </a:t>
             </a:r>
           </a:p>
           <a:p>
             <a:r>
               <a:rPr lang="en-US" dirty="0"/>
-              <a:t>delayed departure flights has increased, representing over half of total delays for full shutdown period. (MCO full period 79,  52 in the last week – ATL full period 895, 574 in the last week) The increase might be related with TSA sickouts reaching 10% on Jan 20, 2019. </a:t>
-            </a:r>
-          </a:p>
-        </p:txBody>
-      </p:sp>
-      <p:sp>
-        <p:nvSpPr>
-          <p:cNvPr id="19" name="TextBox 18">
-            <a:extLst>
-              <a:ext uri="{FF2B5EF4-FFF2-40B4-BE49-F238E27FC236}">
-                <a16:creationId xmlns:a16="http://schemas.microsoft.com/office/drawing/2014/main" id="{94F3E56B-50E5-7D48-BF38-2A34CBC4FA48}"/>
-              </a:ext>
-            </a:extLst>
-          </p:cNvPr>
-          <p:cNvSpPr txBox="1"/>
-          <p:nvPr/>
-        </p:nvSpPr>
-        <p:spPr>
-          <a:xfrm>
-            <a:off x="6296025" y="5583962"/>
-            <a:ext cx="5616574" cy="923330"/>
-          </a:xfrm>
-          <a:prstGeom prst="rect">
-            <a:avLst/>
-          </a:prstGeom>
-          <a:noFill/>
-        </p:spPr>
-        <p:txBody>
-          <a:bodyPr wrap="square" rtlCol="0">
-            <a:spAutoFit/>
-          </a:bodyPr>
-          <a:lstStyle/>
-          <a:p>
-            <a:r>
-              <a:rPr lang="en-US" dirty="0"/>
-              <a:t>https://</a:t>
-            </a:r>
-            <a:r>
-              <a:rPr lang="en-US" dirty="0" err="1"/>
-              <a:t>www.forbes.com</a:t>
-            </a:r>
-            <a:r>
-              <a:rPr lang="en-US" dirty="0"/>
-              <a:t>/sites/</a:t>
-            </a:r>
-            <a:r>
-              <a:rPr lang="en-US" dirty="0" err="1"/>
-              <a:t>michaelgoldstein</a:t>
-            </a:r>
-            <a:r>
-              <a:rPr lang="en-US" dirty="0"/>
-              <a:t>/2019/01/22/us-airlines-take-stock-market-hit-as-government-shutdown-reaches-32-days/#68ff706a79de</a:t>
+              <a:t>In the shutdown period (range B) this difference has increased, showing that even operating a much higher number of flights, Atlanta airport has had a smaller impact with the shutdown than Orlando airport, when it comes to flight departures delays. </a:t>
             </a:r>
           </a:p>
         </p:txBody>
@@ -20041,774 +21103,7 @@
     </p:spTree>
     <p:extLst>
       <p:ext uri="{BB962C8B-B14F-4D97-AF65-F5344CB8AC3E}">
-        <p14:creationId xmlns:p14="http://schemas.microsoft.com/office/powerpoint/2010/main" val="228129790"/>
-      </p:ext>
-    </p:extLst>
-  </p:cSld>
-  <p:clrMapOvr>
-    <a:masterClrMapping/>
-  </p:clrMapOvr>
-</p:sld>
-</file>
-
-<file path=ppt/slides/slide19.xml><?xml version="1.0" encoding="utf-8"?>
-<p:sld xmlns:a="http://schemas.openxmlformats.org/drawingml/2006/main" xmlns:r="http://schemas.openxmlformats.org/officeDocument/2006/relationships" xmlns:p="http://schemas.openxmlformats.org/presentationml/2006/main">
-  <p:cSld>
-    <p:bg>
-      <p:bgPr>
-        <a:gradFill>
-          <a:gsLst>
-            <a:gs pos="0">
-              <a:schemeClr val="accent1">
-                <a:lumMod val="5000"/>
-                <a:lumOff val="95000"/>
-              </a:schemeClr>
-            </a:gs>
-            <a:gs pos="81000">
-              <a:schemeClr val="accent1">
-                <a:lumMod val="45000"/>
-                <a:lumOff val="55000"/>
-              </a:schemeClr>
-            </a:gs>
-            <a:gs pos="83000">
-              <a:schemeClr val="accent1">
-                <a:lumMod val="45000"/>
-                <a:lumOff val="55000"/>
-              </a:schemeClr>
-            </a:gs>
-            <a:gs pos="100000">
-              <a:schemeClr val="accent1">
-                <a:lumMod val="30000"/>
-                <a:lumOff val="70000"/>
-              </a:schemeClr>
-            </a:gs>
-          </a:gsLst>
-          <a:lin ang="5400000" scaled="1"/>
-        </a:gradFill>
-        <a:effectLst/>
-      </p:bgPr>
-    </p:bg>
-    <p:spTree>
-      <p:nvGrpSpPr>
-        <p:cNvPr id="1" name=""/>
-        <p:cNvGrpSpPr/>
-        <p:nvPr/>
-      </p:nvGrpSpPr>
-      <p:grpSpPr>
-        <a:xfrm>
-          <a:off x="0" y="0"/>
-          <a:ext cx="0" cy="0"/>
-          <a:chOff x="0" y="0"/>
-          <a:chExt cx="0" cy="0"/>
-        </a:xfrm>
-      </p:grpSpPr>
-      <p:sp useBgFill="1">
-        <p:nvSpPr>
-          <p:cNvPr id="9" name="Rectangle 8">
-            <a:extLst>
-              <a:ext uri="{FF2B5EF4-FFF2-40B4-BE49-F238E27FC236}">
-                <a16:creationId xmlns:a16="http://schemas.microsoft.com/office/drawing/2014/main" id="{4281BC32-FF58-4898-A6B5-7B3D059BCEB0}"/>
-              </a:ext>
-              <a:ext uri="{C183D7F6-B498-43B3-948B-1728B52AA6E4}">
-                <adec:decorative xmlns="" xmlns:adec="http://schemas.microsoft.com/office/drawing/2017/decorative" val="1"/>
-              </a:ext>
-            </a:extLst>
-          </p:cNvPr>
-          <p:cNvSpPr>
-            <a:spLocks noGrp="1" noRot="1" noChangeAspect="1" noMove="1" noResize="1" noEditPoints="1" noAdjustHandles="1" noChangeArrowheads="1" noChangeShapeType="1" noTextEdit="1"/>
-          </p:cNvSpPr>
-          <p:nvPr>
-            <p:extLst>
-              <p:ext uri="{386F3935-93C4-4BCD-93E2-E3B085C9AB24}">
-                <p16:designElem xmlns:p16="http://schemas.microsoft.com/office/powerpoint/2015/main" val="1"/>
-              </p:ext>
-            </p:extLst>
-          </p:nvPr>
-        </p:nvSpPr>
-        <p:spPr>
-          <a:xfrm>
-            <a:off x="0" y="0"/>
-            <a:ext cx="12192000" cy="6858000"/>
-          </a:xfrm>
-          <a:prstGeom prst="rect">
-            <a:avLst/>
-          </a:prstGeom>
-          <a:ln>
-            <a:noFill/>
-          </a:ln>
-        </p:spPr>
-        <p:style>
-          <a:lnRef idx="2">
-            <a:schemeClr val="accent1">
-              <a:shade val="50000"/>
-            </a:schemeClr>
-          </a:lnRef>
-          <a:fillRef idx="1">
-            <a:schemeClr val="accent1"/>
-          </a:fillRef>
-          <a:effectRef idx="0">
-            <a:schemeClr val="accent1"/>
-          </a:effectRef>
-          <a:fontRef idx="minor">
-            <a:schemeClr val="lt1"/>
-          </a:fontRef>
-        </p:style>
-        <p:txBody>
-          <a:bodyPr rtlCol="0" anchor="ctr"/>
-          <a:lstStyle/>
-          <a:p>
-            <a:pPr algn="ctr"/>
-            <a:endParaRPr lang="en-US"/>
-          </a:p>
-        </p:txBody>
-      </p:sp>
-      <p:sp>
-        <p:nvSpPr>
-          <p:cNvPr id="11" name="Rectangle 10">
-            <a:extLst>
-              <a:ext uri="{FF2B5EF4-FFF2-40B4-BE49-F238E27FC236}">
-                <a16:creationId xmlns:a16="http://schemas.microsoft.com/office/drawing/2014/main" id="{0D614406-135F-4875-9C87-53822CB19ABB}"/>
-              </a:ext>
-              <a:ext uri="{C183D7F6-B498-43B3-948B-1728B52AA6E4}">
-                <adec:decorative xmlns="" xmlns:adec="http://schemas.microsoft.com/office/drawing/2017/decorative" val="1"/>
-              </a:ext>
-            </a:extLst>
-          </p:cNvPr>
-          <p:cNvSpPr>
-            <a:spLocks noGrp="1" noRot="1" noChangeAspect="1" noMove="1" noResize="1" noEditPoints="1" noAdjustHandles="1" noChangeArrowheads="1" noChangeShapeType="1" noTextEdit="1"/>
-          </p:cNvSpPr>
-          <p:nvPr>
-            <p:extLst>
-              <p:ext uri="{386F3935-93C4-4BCD-93E2-E3B085C9AB24}">
-                <p16:designElem xmlns:p16="http://schemas.microsoft.com/office/powerpoint/2015/main" val="1"/>
-              </p:ext>
-            </p:extLst>
-          </p:nvPr>
-        </p:nvSpPr>
-        <p:spPr>
-          <a:xfrm>
-            <a:off x="0" y="0"/>
-            <a:ext cx="12191999" cy="2285999"/>
-          </a:xfrm>
-          <a:prstGeom prst="rect">
-            <a:avLst/>
-          </a:prstGeom>
-          <a:solidFill>
-            <a:schemeClr val="tx1"/>
-          </a:solidFill>
-          <a:ln>
-            <a:noFill/>
-          </a:ln>
-        </p:spPr>
-        <p:style>
-          <a:lnRef idx="2">
-            <a:schemeClr val="accent1">
-              <a:shade val="50000"/>
-            </a:schemeClr>
-          </a:lnRef>
-          <a:fillRef idx="1">
-            <a:schemeClr val="accent1"/>
-          </a:fillRef>
-          <a:effectRef idx="0">
-            <a:schemeClr val="accent1"/>
-          </a:effectRef>
-          <a:fontRef idx="minor">
-            <a:schemeClr val="lt1"/>
-          </a:fontRef>
-        </p:style>
-        <p:txBody>
-          <a:bodyPr rtlCol="0" anchor="ctr"/>
-          <a:lstStyle/>
-          <a:p>
-            <a:pPr algn="ctr"/>
-            <a:endParaRPr lang="en-US"/>
-          </a:p>
-        </p:txBody>
-      </p:sp>
-      <p:sp>
-        <p:nvSpPr>
-          <p:cNvPr id="2" name="Title 1"/>
-          <p:cNvSpPr>
-            <a:spLocks noGrp="1"/>
-          </p:cNvSpPr>
-          <p:nvPr>
-            <p:ph type="title"/>
-          </p:nvPr>
-        </p:nvSpPr>
-        <p:spPr>
-          <a:xfrm>
-            <a:off x="76200" y="221915"/>
-            <a:ext cx="7169753" cy="1232750"/>
-          </a:xfrm>
-        </p:spPr>
-        <p:txBody>
-          <a:bodyPr anchor="b">
-            <a:normAutofit/>
-          </a:bodyPr>
-          <a:lstStyle/>
-          <a:p>
-            <a:pPr algn="l"/>
-            <a:r>
-              <a:rPr lang="en-US" sz="3900" dirty="0">
-                <a:solidFill>
-                  <a:schemeClr val="bg1"/>
-                </a:solidFill>
-              </a:rPr>
-              <a:t>Findings and conclusions</a:t>
-            </a:r>
-          </a:p>
-        </p:txBody>
-      </p:sp>
-      <p:cxnSp>
-        <p:nvCxnSpPr>
-          <p:cNvPr id="13" name="Straight Connector 12">
-            <a:extLst>
-              <a:ext uri="{FF2B5EF4-FFF2-40B4-BE49-F238E27FC236}">
-                <a16:creationId xmlns:a16="http://schemas.microsoft.com/office/drawing/2014/main" id="{C6C21149-7D17-44C2-AFB6-4D931DC55FB1}"/>
-              </a:ext>
-              <a:ext uri="{C183D7F6-B498-43B3-948B-1728B52AA6E4}">
-                <adec:decorative xmlns="" xmlns:adec="http://schemas.microsoft.com/office/drawing/2017/decorative" val="1"/>
-              </a:ext>
-            </a:extLst>
-          </p:cNvPr>
-          <p:cNvCxnSpPr>
-            <a:cxnSpLocks noGrp="1" noRot="1" noChangeAspect="1" noMove="1" noResize="1" noEditPoints="1" noAdjustHandles="1" noChangeArrowheads="1" noChangeShapeType="1"/>
-          </p:cNvCxnSpPr>
-          <p:nvPr>
-            <p:extLst>
-              <p:ext uri="{386F3935-93C4-4BCD-93E2-E3B085C9AB24}">
-                <p16:designElem xmlns:p16="http://schemas.microsoft.com/office/powerpoint/2015/main" val="1"/>
-              </p:ext>
-            </p:extLst>
-          </p:nvPr>
-        </p:nvCxnSpPr>
-        <p:spPr>
-          <a:xfrm>
-            <a:off x="0" y="1676579"/>
-            <a:ext cx="8129873" cy="6020"/>
-          </a:xfrm>
-          <a:prstGeom prst="line">
-            <a:avLst/>
-          </a:prstGeom>
-          <a:ln w="25400">
-            <a:solidFill>
-              <a:schemeClr val="bg1"/>
-            </a:solidFill>
-          </a:ln>
-        </p:spPr>
-        <p:style>
-          <a:lnRef idx="1">
-            <a:schemeClr val="accent1"/>
-          </a:lnRef>
-          <a:fillRef idx="0">
-            <a:schemeClr val="accent1"/>
-          </a:fillRef>
-          <a:effectRef idx="0">
-            <a:schemeClr val="accent1"/>
-          </a:effectRef>
-          <a:fontRef idx="minor">
-            <a:schemeClr val="tx1"/>
-          </a:fontRef>
-        </p:style>
-      </p:cxnSp>
-      <p:sp>
-        <p:nvSpPr>
-          <p:cNvPr id="15" name="Freeform 6">
-            <a:extLst>
-              <a:ext uri="{FF2B5EF4-FFF2-40B4-BE49-F238E27FC236}">
-                <a16:creationId xmlns:a16="http://schemas.microsoft.com/office/drawing/2014/main" id="{C2E5FCF0-567A-448C-A6E3-920BFC702C2F}"/>
-              </a:ext>
-              <a:ext uri="{C183D7F6-B498-43B3-948B-1728B52AA6E4}">
-                <adec:decorative xmlns="" xmlns:adec="http://schemas.microsoft.com/office/drawing/2017/decorative" val="1"/>
-              </a:ext>
-            </a:extLst>
-          </p:cNvPr>
-          <p:cNvSpPr>
-            <a:spLocks noGrp="1" noRot="1" noChangeAspect="1" noMove="1" noResize="1" noEditPoints="1" noAdjustHandles="1" noChangeArrowheads="1" noChangeShapeType="1" noTextEdit="1"/>
-          </p:cNvSpPr>
-          <p:nvPr>
-            <p:extLst>
-              <p:ext uri="{386F3935-93C4-4BCD-93E2-E3B085C9AB24}">
-                <p16:designElem xmlns:p16="http://schemas.microsoft.com/office/powerpoint/2015/main" val="1"/>
-              </p:ext>
-            </p:extLst>
-          </p:nvPr>
-        </p:nvSpPr>
-        <p:spPr bwMode="auto">
-          <a:xfrm>
-            <a:off x="11784011" y="938535"/>
-            <a:ext cx="407988" cy="819150"/>
-          </a:xfrm>
-          <a:custGeom>
-            <a:avLst/>
-            <a:gdLst/>
-            <a:ahLst/>
-            <a:cxnLst/>
-            <a:rect l="0" t="0" r="r" b="b"/>
-            <a:pathLst>
-              <a:path w="1799" h="3612">
-                <a:moveTo>
-                  <a:pt x="1799" y="0"/>
-                </a:moveTo>
-                <a:lnTo>
-                  <a:pt x="1799" y="3612"/>
-                </a:lnTo>
-                <a:lnTo>
-                  <a:pt x="1686" y="3609"/>
-                </a:lnTo>
-                <a:lnTo>
-                  <a:pt x="1574" y="3598"/>
-                </a:lnTo>
-                <a:lnTo>
-                  <a:pt x="1464" y="3581"/>
-                </a:lnTo>
-                <a:lnTo>
-                  <a:pt x="1357" y="3557"/>
-                </a:lnTo>
-                <a:lnTo>
-                  <a:pt x="1251" y="3527"/>
-                </a:lnTo>
-                <a:lnTo>
-                  <a:pt x="1150" y="3490"/>
-                </a:lnTo>
-                <a:lnTo>
-                  <a:pt x="1050" y="3448"/>
-                </a:lnTo>
-                <a:lnTo>
-                  <a:pt x="953" y="3401"/>
-                </a:lnTo>
-                <a:lnTo>
-                  <a:pt x="860" y="3347"/>
-                </a:lnTo>
-                <a:lnTo>
-                  <a:pt x="771" y="3289"/>
-                </a:lnTo>
-                <a:lnTo>
-                  <a:pt x="686" y="3224"/>
-                </a:lnTo>
-                <a:lnTo>
-                  <a:pt x="604" y="3156"/>
-                </a:lnTo>
-                <a:lnTo>
-                  <a:pt x="527" y="3083"/>
-                </a:lnTo>
-                <a:lnTo>
-                  <a:pt x="454" y="3005"/>
-                </a:lnTo>
-                <a:lnTo>
-                  <a:pt x="386" y="2923"/>
-                </a:lnTo>
-                <a:lnTo>
-                  <a:pt x="323" y="2838"/>
-                </a:lnTo>
-                <a:lnTo>
-                  <a:pt x="265" y="2748"/>
-                </a:lnTo>
-                <a:lnTo>
-                  <a:pt x="211" y="2655"/>
-                </a:lnTo>
-                <a:lnTo>
-                  <a:pt x="163" y="2559"/>
-                </a:lnTo>
-                <a:lnTo>
-                  <a:pt x="121" y="2459"/>
-                </a:lnTo>
-                <a:lnTo>
-                  <a:pt x="85" y="2356"/>
-                </a:lnTo>
-                <a:lnTo>
-                  <a:pt x="55" y="2251"/>
-                </a:lnTo>
-                <a:lnTo>
-                  <a:pt x="32" y="2143"/>
-                </a:lnTo>
-                <a:lnTo>
-                  <a:pt x="14" y="2033"/>
-                </a:lnTo>
-                <a:lnTo>
-                  <a:pt x="4" y="1920"/>
-                </a:lnTo>
-                <a:lnTo>
-                  <a:pt x="0" y="1806"/>
-                </a:lnTo>
-                <a:lnTo>
-                  <a:pt x="4" y="1692"/>
-                </a:lnTo>
-                <a:lnTo>
-                  <a:pt x="14" y="1580"/>
-                </a:lnTo>
-                <a:lnTo>
-                  <a:pt x="32" y="1469"/>
-                </a:lnTo>
-                <a:lnTo>
-                  <a:pt x="55" y="1362"/>
-                </a:lnTo>
-                <a:lnTo>
-                  <a:pt x="85" y="1256"/>
-                </a:lnTo>
-                <a:lnTo>
-                  <a:pt x="121" y="1154"/>
-                </a:lnTo>
-                <a:lnTo>
-                  <a:pt x="163" y="1054"/>
-                </a:lnTo>
-                <a:lnTo>
-                  <a:pt x="211" y="958"/>
-                </a:lnTo>
-                <a:lnTo>
-                  <a:pt x="265" y="864"/>
-                </a:lnTo>
-                <a:lnTo>
-                  <a:pt x="323" y="774"/>
-                </a:lnTo>
-                <a:lnTo>
-                  <a:pt x="386" y="689"/>
-                </a:lnTo>
-                <a:lnTo>
-                  <a:pt x="454" y="607"/>
-                </a:lnTo>
-                <a:lnTo>
-                  <a:pt x="527" y="529"/>
-                </a:lnTo>
-                <a:lnTo>
-                  <a:pt x="604" y="456"/>
-                </a:lnTo>
-                <a:lnTo>
-                  <a:pt x="686" y="388"/>
-                </a:lnTo>
-                <a:lnTo>
-                  <a:pt x="771" y="325"/>
-                </a:lnTo>
-                <a:lnTo>
-                  <a:pt x="860" y="266"/>
-                </a:lnTo>
-                <a:lnTo>
-                  <a:pt x="953" y="212"/>
-                </a:lnTo>
-                <a:lnTo>
-                  <a:pt x="1050" y="164"/>
-                </a:lnTo>
-                <a:lnTo>
-                  <a:pt x="1150" y="122"/>
-                </a:lnTo>
-                <a:lnTo>
-                  <a:pt x="1251" y="85"/>
-                </a:lnTo>
-                <a:lnTo>
-                  <a:pt x="1357" y="55"/>
-                </a:lnTo>
-                <a:lnTo>
-                  <a:pt x="1464" y="32"/>
-                </a:lnTo>
-                <a:lnTo>
-                  <a:pt x="1574" y="14"/>
-                </a:lnTo>
-                <a:lnTo>
-                  <a:pt x="1686" y="5"/>
-                </a:lnTo>
-                <a:lnTo>
-                  <a:pt x="1799" y="0"/>
-                </a:lnTo>
-                <a:close/>
-              </a:path>
-            </a:pathLst>
-          </a:custGeom>
-          <a:solidFill>
-            <a:schemeClr val="bg2"/>
-          </a:solidFill>
-          <a:ln w="0">
-            <a:noFill/>
-            <a:prstDash val="solid"/>
-            <a:round/>
-            <a:headEnd/>
-            <a:tailEnd/>
-          </a:ln>
-        </p:spPr>
-      </p:sp>
-      <p:pic>
-        <p:nvPicPr>
-          <p:cNvPr id="8" name="Picture 2" descr="Image result for Delta boarding pass MCO">
-            <a:extLst>
-              <a:ext uri="{FF2B5EF4-FFF2-40B4-BE49-F238E27FC236}">
-                <a16:creationId xmlns:a16="http://schemas.microsoft.com/office/drawing/2014/main" id="{496395E0-D773-4FEB-8E63-F152EEB21774}"/>
-              </a:ext>
-            </a:extLst>
-          </p:cNvPr>
-          <p:cNvPicPr>
-            <a:picLocks noChangeAspect="1" noChangeArrowheads="1"/>
-          </p:cNvPicPr>
-          <p:nvPr/>
-        </p:nvPicPr>
-        <p:blipFill>
-          <a:blip r:embed="rId3">
-            <a:extLst>
-              <a:ext uri="{28A0092B-C50C-407E-A947-70E740481C1C}">
-                <a14:useLocalDpi xmlns:a14="http://schemas.microsoft.com/office/drawing/2010/main" val="0"/>
-              </a:ext>
-            </a:extLst>
-          </a:blip>
-          <a:srcRect/>
-          <a:stretch>
-            <a:fillRect/>
-          </a:stretch>
-        </p:blipFill>
-        <p:spPr bwMode="auto">
-          <a:xfrm rot="20406036">
-            <a:off x="8607841" y="430614"/>
-            <a:ext cx="2766591" cy="1402778"/>
-          </a:xfrm>
-          <a:prstGeom prst="rect">
-            <a:avLst/>
-          </a:prstGeom>
-          <a:noFill/>
-          <a:extLst>
-            <a:ext uri="{909E8E84-426E-40DD-AFC4-6F175D3DCCD1}">
-              <a14:hiddenFill xmlns:a14="http://schemas.microsoft.com/office/drawing/2010/main">
-                <a:solidFill>
-                  <a:srgbClr val="FFFFFF"/>
-                </a:solidFill>
-              </a14:hiddenFill>
-            </a:ext>
-          </a:extLst>
-        </p:spPr>
-      </p:pic>
-      <p:sp>
-        <p:nvSpPr>
-          <p:cNvPr id="10" name="Title 1"/>
-          <p:cNvSpPr txBox="1">
-            <a:spLocks/>
-          </p:cNvSpPr>
-          <p:nvPr/>
-        </p:nvSpPr>
-        <p:spPr>
-          <a:xfrm>
-            <a:off x="4064936" y="1022911"/>
-            <a:ext cx="7169753" cy="1232750"/>
-          </a:xfrm>
-          <a:prstGeom prst="rect">
-            <a:avLst/>
-          </a:prstGeom>
-        </p:spPr>
-        <p:txBody>
-          <a:bodyPr vert="horz" lIns="91440" tIns="45720" rIns="91440" bIns="45720" rtlCol="0" anchor="b">
-            <a:normAutofit/>
-          </a:bodyPr>
-          <a:lstStyle>
-            <a:lvl1pPr algn="r" defTabSz="914400" rtl="0" eaLnBrk="1" latinLnBrk="0" hangingPunct="1">
-              <a:lnSpc>
-                <a:spcPct val="90000"/>
-              </a:lnSpc>
-              <a:spcBef>
-                <a:spcPct val="0"/>
-              </a:spcBef>
-              <a:buNone/>
-              <a:defRPr sz="5000" b="0" i="1" kern="1200" baseline="0">
-                <a:solidFill>
-                  <a:schemeClr val="tx1">
-                    <a:lumMod val="85000"/>
-                    <a:lumOff val="15000"/>
-                  </a:schemeClr>
-                </a:solidFill>
-                <a:latin typeface="+mj-lt"/>
-                <a:ea typeface="+mj-ea"/>
-                <a:cs typeface="+mj-cs"/>
-              </a:defRPr>
-            </a:lvl1pPr>
-          </a:lstStyle>
-          <a:p>
-            <a:pPr algn="l"/>
-            <a:endParaRPr lang="en-US" sz="3900" dirty="0">
-              <a:solidFill>
-                <a:schemeClr val="bg1"/>
-              </a:solidFill>
-            </a:endParaRPr>
-          </a:p>
-        </p:txBody>
-      </p:sp>
-      <p:pic>
-        <p:nvPicPr>
-          <p:cNvPr id="12" name="Picture 2" descr="Image result for Delta boarding pass MCO">
-            <a:extLst>
-              <a:ext uri="{FF2B5EF4-FFF2-40B4-BE49-F238E27FC236}">
-                <a16:creationId xmlns:a16="http://schemas.microsoft.com/office/drawing/2014/main" id="{496395E0-D773-4FEB-8E63-F152EEB21774}"/>
-              </a:ext>
-            </a:extLst>
-          </p:cNvPr>
-          <p:cNvPicPr>
-            <a:picLocks noChangeAspect="1" noChangeArrowheads="1"/>
-          </p:cNvPicPr>
-          <p:nvPr/>
-        </p:nvPicPr>
-        <p:blipFill>
-          <a:blip r:embed="rId3">
-            <a:extLst>
-              <a:ext uri="{28A0092B-C50C-407E-A947-70E740481C1C}">
-                <a14:useLocalDpi xmlns:a14="http://schemas.microsoft.com/office/drawing/2010/main" val="0"/>
-              </a:ext>
-            </a:extLst>
-          </a:blip>
-          <a:srcRect/>
-          <a:stretch>
-            <a:fillRect/>
-          </a:stretch>
-        </p:blipFill>
-        <p:spPr bwMode="auto">
-          <a:xfrm rot="20406036">
-            <a:off x="8607841" y="430614"/>
-            <a:ext cx="2766591" cy="1402778"/>
-          </a:xfrm>
-          <a:prstGeom prst="rect">
-            <a:avLst/>
-          </a:prstGeom>
-          <a:noFill/>
-          <a:extLst>
-            <a:ext uri="{909E8E84-426E-40DD-AFC4-6F175D3DCCD1}">
-              <a14:hiddenFill xmlns:a14="http://schemas.microsoft.com/office/drawing/2010/main">
-                <a:solidFill>
-                  <a:srgbClr val="FFFFFF"/>
-                </a:solidFill>
-              </a14:hiddenFill>
-            </a:ext>
-          </a:extLst>
-        </p:spPr>
-      </p:pic>
-      <p:pic>
-        <p:nvPicPr>
-          <p:cNvPr id="14" name="Content Placeholder 19">
-            <a:extLst>
-              <a:ext uri="{FF2B5EF4-FFF2-40B4-BE49-F238E27FC236}">
-                <a16:creationId xmlns:a16="http://schemas.microsoft.com/office/drawing/2014/main" id="{6441B89C-D39D-484E-9391-801305177C77}"/>
-              </a:ext>
-            </a:extLst>
-          </p:cNvPr>
-          <p:cNvPicPr>
-            <a:picLocks noGrp="1" noChangeAspect="1"/>
-          </p:cNvPicPr>
-          <p:nvPr>
-            <p:ph idx="1"/>
-          </p:nvPr>
-        </p:nvPicPr>
-        <p:blipFill>
-          <a:blip r:embed="rId4"/>
-          <a:stretch>
-            <a:fillRect/>
-          </a:stretch>
-        </p:blipFill>
-        <p:spPr>
-          <a:xfrm>
-            <a:off x="182092" y="2571402"/>
-            <a:ext cx="5149015" cy="3539948"/>
-          </a:xfrm>
-        </p:spPr>
-      </p:pic>
-      <p:sp>
-        <p:nvSpPr>
-          <p:cNvPr id="16" name="TextBox 15">
-            <a:extLst>
-              <a:ext uri="{FF2B5EF4-FFF2-40B4-BE49-F238E27FC236}">
-                <a16:creationId xmlns:a16="http://schemas.microsoft.com/office/drawing/2014/main" id="{BDA5C55A-3A54-A947-BAA1-45C64C31478F}"/>
-              </a:ext>
-            </a:extLst>
-          </p:cNvPr>
-          <p:cNvSpPr txBox="1"/>
-          <p:nvPr/>
-        </p:nvSpPr>
-        <p:spPr>
-          <a:xfrm>
-            <a:off x="5827996" y="2448342"/>
-            <a:ext cx="5956015" cy="3970318"/>
-          </a:xfrm>
-          <a:prstGeom prst="rect">
-            <a:avLst/>
-          </a:prstGeom>
-          <a:noFill/>
-        </p:spPr>
-        <p:txBody>
-          <a:bodyPr wrap="square" rtlCol="0">
-            <a:spAutoFit/>
-          </a:bodyPr>
-          <a:lstStyle/>
-          <a:p>
-            <a:r>
-              <a:rPr lang="en-US" dirty="0"/>
-              <a:t>Comparing the  numbers of flights in each date range per airport, we can conclude that  MCO airport  has being more affected by the shutdown in number of flights departure delays, than Atlanta airport, however, in the subject “delays” historically MCO airport has been  behind ATL airport . </a:t>
-            </a:r>
-          </a:p>
-          <a:p>
-            <a:r>
-              <a:rPr lang="en-US" dirty="0"/>
-              <a:t>The MCO average delays for customs/security is 24,45 min. against 12,27 in ATL airport. </a:t>
-            </a:r>
-          </a:p>
-          <a:p>
-            <a:r>
-              <a:rPr lang="en-US" dirty="0"/>
-              <a:t>The average departures delays  in MCO is 68 min. against 58 in ATL. </a:t>
-            </a:r>
-          </a:p>
-          <a:p>
-            <a:r>
-              <a:rPr lang="en-US" dirty="0"/>
-              <a:t>Atlanta Airport has a Delay Index of  B – (401,78) and MCO Delay Index is D (517,80). </a:t>
-            </a:r>
-          </a:p>
-          <a:p>
-            <a:r>
-              <a:rPr lang="en-US" dirty="0"/>
-              <a:t>Based on these numbers we can assume that ATL airport was better prepared to deal with the shutdown than MCO airport. </a:t>
-            </a:r>
-          </a:p>
-          <a:p>
-            <a:endParaRPr lang="en-US" dirty="0"/>
-          </a:p>
-        </p:txBody>
-      </p:sp>
-      <p:sp>
-        <p:nvSpPr>
-          <p:cNvPr id="20" name="Rectangle 19">
-            <a:extLst>
-              <a:ext uri="{FF2B5EF4-FFF2-40B4-BE49-F238E27FC236}">
-                <a16:creationId xmlns:a16="http://schemas.microsoft.com/office/drawing/2014/main" id="{11458F84-D4E7-424F-95DE-FF68026E3E27}"/>
-              </a:ext>
-            </a:extLst>
-          </p:cNvPr>
-          <p:cNvSpPr/>
-          <p:nvPr/>
-        </p:nvSpPr>
-        <p:spPr>
-          <a:xfrm>
-            <a:off x="76199" y="6176665"/>
-            <a:ext cx="12115799" cy="646331"/>
-          </a:xfrm>
-          <a:prstGeom prst="rect">
-            <a:avLst/>
-          </a:prstGeom>
-        </p:spPr>
-        <p:txBody>
-          <a:bodyPr wrap="square">
-            <a:spAutoFit/>
-          </a:bodyPr>
-          <a:lstStyle/>
-          <a:p>
-            <a:r>
-              <a:rPr lang="en-US" dirty="0"/>
-              <a:t>https://</a:t>
-            </a:r>
-            <a:r>
-              <a:rPr lang="en-US" dirty="0" err="1"/>
-              <a:t>www.orlandoweekly.com</a:t>
-            </a:r>
-            <a:r>
-              <a:rPr lang="en-US" dirty="0"/>
-              <a:t>/Blogs/archives/2018/11/21/orlando-international-airport-ranked-among-most-likely-to-delay-your-flight</a:t>
-            </a:r>
-          </a:p>
-        </p:txBody>
-      </p:sp>
-    </p:spTree>
-    <p:extLst>
-      <p:ext uri="{BB962C8B-B14F-4D97-AF65-F5344CB8AC3E}">
-        <p14:creationId xmlns:p14="http://schemas.microsoft.com/office/powerpoint/2010/main" val="1925337565"/>
+        <p14:creationId xmlns:p14="http://schemas.microsoft.com/office/powerpoint/2010/main" val="1974465084"/>
       </p:ext>
     </p:extLst>
   </p:cSld>
@@ -20851,7 +21146,7 @@
                 <a16:creationId xmlns:a16="http://schemas.microsoft.com/office/drawing/2014/main" id="{718B0F80-1C8E-49FA-9B66-C9285753E25F}"/>
               </a:ext>
               <a:ext uri="{C183D7F6-B498-43B3-948B-1728B52AA6E4}">
-                <adec:decorative xmlns="" xmlns:adec="http://schemas.microsoft.com/office/drawing/2017/decorative" val="1"/>
+                <adec:decorative xmlns:adec="http://schemas.microsoft.com/office/drawing/2017/decorative" xmlns="" val="1"/>
               </a:ext>
             </a:extLst>
           </p:cNvPr>
@@ -21044,7 +21339,7 @@
                 <a16:creationId xmlns:a16="http://schemas.microsoft.com/office/drawing/2014/main" id="{CEF2B853-4083-4B70-AC2A-F79D80809342}"/>
               </a:ext>
               <a:ext uri="{C183D7F6-B498-43B3-948B-1728B52AA6E4}">
-                <adec:decorative xmlns="" xmlns:adec="http://schemas.microsoft.com/office/drawing/2017/decorative" val="1"/>
+                <adec:decorative xmlns:adec="http://schemas.microsoft.com/office/drawing/2017/decorative" xmlns="" val="1"/>
               </a:ext>
             </a:extLst>
           </p:cNvPr>
@@ -21343,7 +21638,7 @@
                 <a16:creationId xmlns:a16="http://schemas.microsoft.com/office/drawing/2014/main" id="{D434EAAF-BF44-4CCC-84D4-105F3370AFFC}"/>
               </a:ext>
               <a:ext uri="{C183D7F6-B498-43B3-948B-1728B52AA6E4}">
-                <adec:decorative xmlns="" xmlns:adec="http://schemas.microsoft.com/office/drawing/2017/decorative" val="1"/>
+                <adec:decorative xmlns:adec="http://schemas.microsoft.com/office/drawing/2017/decorative" xmlns="" val="1"/>
               </a:ext>
             </a:extLst>
           </p:cNvPr>
@@ -21509,7 +21804,7 @@
                 <a16:creationId xmlns:a16="http://schemas.microsoft.com/office/drawing/2014/main" id="{4281BC32-FF58-4898-A6B5-7B3D059BCEB0}"/>
               </a:ext>
               <a:ext uri="{C183D7F6-B498-43B3-948B-1728B52AA6E4}">
-                <adec:decorative xmlns="" xmlns:adec="http://schemas.microsoft.com/office/drawing/2017/decorative" val="1"/>
+                <adec:decorative xmlns:adec="http://schemas.microsoft.com/office/drawing/2017/decorative" xmlns="" val="1"/>
               </a:ext>
             </a:extLst>
           </p:cNvPr>
@@ -21569,7 +21864,7 @@
                 <a16:creationId xmlns:a16="http://schemas.microsoft.com/office/drawing/2014/main" id="{0D614406-135F-4875-9C87-53822CB19ABB}"/>
               </a:ext>
               <a:ext uri="{C183D7F6-B498-43B3-948B-1728B52AA6E4}">
-                <adec:decorative xmlns="" xmlns:adec="http://schemas.microsoft.com/office/drawing/2017/decorative" val="1"/>
+                <adec:decorative xmlns:adec="http://schemas.microsoft.com/office/drawing/2017/decorative" xmlns="" val="1"/>
               </a:ext>
             </a:extLst>
           </p:cNvPr>
@@ -21666,7 +21961,7 @@
                 <a16:creationId xmlns:a16="http://schemas.microsoft.com/office/drawing/2014/main" id="{C6C21149-7D17-44C2-AFB6-4D931DC55FB1}"/>
               </a:ext>
               <a:ext uri="{C183D7F6-B498-43B3-948B-1728B52AA6E4}">
-                <adec:decorative xmlns="" xmlns:adec="http://schemas.microsoft.com/office/drawing/2017/decorative" val="1"/>
+                <adec:decorative xmlns:adec="http://schemas.microsoft.com/office/drawing/2017/decorative" xmlns="" val="1"/>
               </a:ext>
             </a:extLst>
           </p:cNvPr>
@@ -21718,7 +22013,7 @@
                 <a16:creationId xmlns:a16="http://schemas.microsoft.com/office/drawing/2014/main" id="{C2E5FCF0-567A-448C-A6E3-920BFC702C2F}"/>
               </a:ext>
               <a:ext uri="{C183D7F6-B498-43B3-948B-1728B52AA6E4}">
-                <adec:decorative xmlns="" xmlns:adec="http://schemas.microsoft.com/office/drawing/2017/decorative" val="1"/>
+                <adec:decorative xmlns:adec="http://schemas.microsoft.com/office/drawing/2017/decorative" xmlns="" val="1"/>
               </a:ext>
             </a:extLst>
           </p:cNvPr>
@@ -21973,129 +22268,221 @@
       </p:pic>
       <p:sp>
         <p:nvSpPr>
-          <p:cNvPr id="4" name="Rectangle 3">
-            <a:extLst>
-              <a:ext uri="{FF2B5EF4-FFF2-40B4-BE49-F238E27FC236}">
-                <a16:creationId xmlns:a16="http://schemas.microsoft.com/office/drawing/2014/main" id="{F1293546-5345-49B9-B042-1CC6074EDE38}"/>
-              </a:ext>
-            </a:extLst>
-          </p:cNvPr>
-          <p:cNvSpPr/>
+          <p:cNvPr id="10" name="Title 1"/>
+          <p:cNvSpPr txBox="1">
+            <a:spLocks/>
+          </p:cNvSpPr>
           <p:nvPr/>
         </p:nvSpPr>
         <p:spPr>
           <a:xfrm>
-            <a:off x="0" y="2285999"/>
-            <a:ext cx="12191998" cy="2246769"/>
+            <a:off x="4064936" y="1022911"/>
+            <a:ext cx="7169753" cy="1232750"/>
           </a:xfrm>
           <a:prstGeom prst="rect">
             <a:avLst/>
           </a:prstGeom>
         </p:spPr>
         <p:txBody>
-          <a:bodyPr wrap="square">
+          <a:bodyPr vert="horz" lIns="91440" tIns="45720" rIns="91440" bIns="45720" rtlCol="0" anchor="b">
+            <a:normAutofit/>
+          </a:bodyPr>
+          <a:lstStyle>
+            <a:lvl1pPr algn="r" defTabSz="914400" rtl="0" eaLnBrk="1" latinLnBrk="0" hangingPunct="1">
+              <a:lnSpc>
+                <a:spcPct val="90000"/>
+              </a:lnSpc>
+              <a:spcBef>
+                <a:spcPct val="0"/>
+              </a:spcBef>
+              <a:buNone/>
+              <a:defRPr sz="5000" b="0" i="1" kern="1200" baseline="0">
+                <a:solidFill>
+                  <a:schemeClr val="tx1">
+                    <a:lumMod val="85000"/>
+                    <a:lumOff val="15000"/>
+                  </a:schemeClr>
+                </a:solidFill>
+                <a:latin typeface="+mj-lt"/>
+                <a:ea typeface="+mj-ea"/>
+                <a:cs typeface="+mj-cs"/>
+              </a:defRPr>
+            </a:lvl1pPr>
+          </a:lstStyle>
+          <a:p>
+            <a:pPr algn="l"/>
+            <a:endParaRPr lang="en-US" sz="3900" dirty="0">
+              <a:solidFill>
+                <a:schemeClr val="bg1"/>
+              </a:solidFill>
+            </a:endParaRPr>
+          </a:p>
+        </p:txBody>
+      </p:sp>
+      <p:pic>
+        <p:nvPicPr>
+          <p:cNvPr id="12" name="Picture 2" descr="Image result for Delta boarding pass MCO">
+            <a:extLst>
+              <a:ext uri="{FF2B5EF4-FFF2-40B4-BE49-F238E27FC236}">
+                <a16:creationId xmlns:a16="http://schemas.microsoft.com/office/drawing/2014/main" id="{496395E0-D773-4FEB-8E63-F152EEB21774}"/>
+              </a:ext>
+            </a:extLst>
+          </p:cNvPr>
+          <p:cNvPicPr>
+            <a:picLocks noChangeAspect="1" noChangeArrowheads="1"/>
+          </p:cNvPicPr>
+          <p:nvPr/>
+        </p:nvPicPr>
+        <p:blipFill>
+          <a:blip r:embed="rId2">
+            <a:extLst>
+              <a:ext uri="{28A0092B-C50C-407E-A947-70E740481C1C}">
+                <a14:useLocalDpi xmlns:a14="http://schemas.microsoft.com/office/drawing/2010/main" val="0"/>
+              </a:ext>
+            </a:extLst>
+          </a:blip>
+          <a:srcRect/>
+          <a:stretch>
+            <a:fillRect/>
+          </a:stretch>
+        </p:blipFill>
+        <p:spPr bwMode="auto">
+          <a:xfrm rot="20406036">
+            <a:off x="8607841" y="430614"/>
+            <a:ext cx="2766591" cy="1402778"/>
+          </a:xfrm>
+          <a:prstGeom prst="rect">
+            <a:avLst/>
+          </a:prstGeom>
+          <a:noFill/>
+          <a:extLst>
+            <a:ext uri="{909E8E84-426E-40DD-AFC4-6F175D3DCCD1}">
+              <a14:hiddenFill xmlns:a14="http://schemas.microsoft.com/office/drawing/2010/main">
+                <a:solidFill>
+                  <a:srgbClr val="FFFFFF"/>
+                </a:solidFill>
+              </a14:hiddenFill>
+            </a:ext>
+          </a:extLst>
+        </p:spPr>
+      </p:pic>
+      <p:pic>
+        <p:nvPicPr>
+          <p:cNvPr id="17" name="Content Placeholder 21">
+            <a:extLst>
+              <a:ext uri="{FF2B5EF4-FFF2-40B4-BE49-F238E27FC236}">
+                <a16:creationId xmlns:a16="http://schemas.microsoft.com/office/drawing/2014/main" id="{57691523-192A-574B-8D92-584D509DEF9D}"/>
+              </a:ext>
+            </a:extLst>
+          </p:cNvPr>
+          <p:cNvPicPr>
+            <a:picLocks noGrp="1" noChangeAspect="1"/>
+          </p:cNvPicPr>
+          <p:nvPr>
+            <p:ph idx="1"/>
+          </p:nvPr>
+        </p:nvPicPr>
+        <p:blipFill>
+          <a:blip r:embed="rId3"/>
+          <a:stretch>
+            <a:fillRect/>
+          </a:stretch>
+        </p:blipFill>
+        <p:spPr>
+          <a:xfrm>
+            <a:off x="72360" y="2475916"/>
+            <a:ext cx="6023639" cy="4141251"/>
+          </a:xfrm>
+        </p:spPr>
+      </p:pic>
+      <p:sp>
+        <p:nvSpPr>
+          <p:cNvPr id="18" name="TextBox 17">
+            <a:extLst>
+              <a:ext uri="{FF2B5EF4-FFF2-40B4-BE49-F238E27FC236}">
+                <a16:creationId xmlns:a16="http://schemas.microsoft.com/office/drawing/2014/main" id="{9113150B-B682-D647-8A1B-FAE7774B6258}"/>
+              </a:ext>
+            </a:extLst>
+          </p:cNvPr>
+          <p:cNvSpPr txBox="1"/>
+          <p:nvPr/>
+        </p:nvSpPr>
+        <p:spPr>
+          <a:xfrm>
+            <a:off x="6296025" y="2679362"/>
+            <a:ext cx="5234545" cy="2031325"/>
+          </a:xfrm>
+          <a:prstGeom prst="rect">
+            <a:avLst/>
+          </a:prstGeom>
+          <a:noFill/>
+        </p:spPr>
+        <p:txBody>
+          <a:bodyPr wrap="square" rtlCol="0">
             <a:spAutoFit/>
           </a:bodyPr>
           <a:lstStyle/>
           <a:p>
             <a:r>
-              <a:rPr lang="en-US" b="1" dirty="0"/>
-              <a:t>STUFF</a:t>
-            </a:r>
-          </a:p>
-          <a:p>
-            <a:pPr marL="342900" indent="-342900">
-              <a:buFont typeface="+mj-lt"/>
-              <a:buAutoNum type="arabicPeriod"/>
-            </a:pPr>
-            <a:r>
               <a:rPr lang="en-US" dirty="0"/>
-              <a:t>More stuff.</a:t>
-            </a:r>
-          </a:p>
-          <a:p>
-            <a:r>
-              <a:rPr lang="en-US" b="1" dirty="0"/>
-              <a:t>	</a:t>
-            </a:r>
-            <a:r>
-              <a:rPr lang="en-US" sz="1400" b="1" dirty="0"/>
-              <a:t>SOURCE: </a:t>
-            </a:r>
-            <a:r>
-              <a:rPr lang="en-US" sz="1400" dirty="0">
-                <a:solidFill>
-                  <a:srgbClr val="0070C0"/>
-                </a:solidFill>
-                <a:hlinkClick r:id="rId3">
-                  <a:extLst>
-                    <a:ext uri="{A12FA001-AC4F-418D-AE19-62706E023703}">
-                      <ahyp:hlinkClr xmlns="" xmlns:ahyp="http://schemas.microsoft.com/office/drawing/2018/hyperlinkcolor" val="tx"/>
-                    </a:ext>
-                  </a:extLst>
-                </a:hlinkClick>
-              </a:rPr>
-              <a:t>https://www.atl.com/wp-content/uploads/2018/12/ATL-Traffic-Report-Nov-2018.pdf</a:t>
-            </a:r>
-            <a:r>
-              <a:rPr lang="en-US" sz="1400" dirty="0"/>
-              <a:t> </a:t>
-            </a:r>
-          </a:p>
-          <a:p>
-            <a:r>
-              <a:rPr lang="en-US" sz="1400" b="1" dirty="0"/>
-              <a:t>	SOURCE: </a:t>
-            </a:r>
-            <a:r>
-              <a:rPr lang="en-US" sz="1400" dirty="0">
-                <a:solidFill>
-                  <a:srgbClr val="0070C0"/>
-                </a:solidFill>
-                <a:hlinkClick r:id="rId4">
-                  <a:extLst>
-                    <a:ext uri="{A12FA001-AC4F-418D-AE19-62706E023703}">
-                      <ahyp:hlinkClr xmlns="" xmlns:ahyp="http://schemas.microsoft.com/office/drawing/2018/hyperlinkcolor" val="tx"/>
-                    </a:ext>
-                  </a:extLst>
-                </a:hlinkClick>
-              </a:rPr>
-              <a:t>https://www.orlandoairports.net/press/2018/09/18/passenger-traffic-numbers-continued-record-pace-in-july-at-orlando-international-airport/</a:t>
-            </a:r>
-            <a:endParaRPr lang="en-US" sz="1400" dirty="0">
-              <a:solidFill>
-                <a:srgbClr val="0070C0"/>
-              </a:solidFill>
-            </a:endParaRPr>
-          </a:p>
-          <a:p>
-            <a:endParaRPr lang="en-US" dirty="0"/>
-          </a:p>
-          <a:p>
-            <a:pPr marL="342900" indent="-342900">
-              <a:buFont typeface="+mj-lt"/>
-              <a:buAutoNum type="arabicPeriod" startAt="2"/>
-            </a:pPr>
+              <a:t>In the last week of  the shutdown  the number of  </a:t>
+            </a:r>
+          </a:p>
+          <a:p>
             <a:r>
               <a:rPr lang="en-US" dirty="0"/>
-              <a:t>Even more stuff.</a:t>
-            </a:r>
-          </a:p>
-          <a:p>
-            <a:pPr marL="342900" indent="-342900">
-              <a:buFont typeface="+mj-lt"/>
-              <a:buAutoNum type="arabicPeriod" startAt="2"/>
-            </a:pPr>
-            <a:endParaRPr lang="en-US" dirty="0"/>
-          </a:p>
-          <a:p>
-            <a:pPr marL="342900" indent="-342900">
-              <a:buFont typeface="+mj-lt"/>
-              <a:buAutoNum type="arabicPeriod" startAt="2"/>
-            </a:pPr>
+              <a:t>delayed departure flights has increased, representing over half of total delays for full shutdown period. (MCO full period 79,  52 in the last week – ATL full period 895, 574 in the last week) The increase might be related with TSA sickouts reaching 10% on Jan 20, 2019. </a:t>
+            </a:r>
+          </a:p>
+        </p:txBody>
+      </p:sp>
+      <p:sp>
+        <p:nvSpPr>
+          <p:cNvPr id="19" name="TextBox 18">
+            <a:extLst>
+              <a:ext uri="{FF2B5EF4-FFF2-40B4-BE49-F238E27FC236}">
+                <a16:creationId xmlns:a16="http://schemas.microsoft.com/office/drawing/2014/main" id="{94F3E56B-50E5-7D48-BF38-2A34CBC4FA48}"/>
+              </a:ext>
+            </a:extLst>
+          </p:cNvPr>
+          <p:cNvSpPr txBox="1"/>
+          <p:nvPr/>
+        </p:nvSpPr>
+        <p:spPr>
+          <a:xfrm>
+            <a:off x="6296025" y="5583962"/>
+            <a:ext cx="5616574" cy="923330"/>
+          </a:xfrm>
+          <a:prstGeom prst="rect">
+            <a:avLst/>
+          </a:prstGeom>
+          <a:noFill/>
+        </p:spPr>
+        <p:txBody>
+          <a:bodyPr wrap="square" rtlCol="0">
+            <a:spAutoFit/>
+          </a:bodyPr>
+          <a:lstStyle/>
+          <a:p>
             <a:r>
               <a:rPr lang="en-US" dirty="0"/>
-              <a:t>Really interesting prediction!.   </a:t>
+              <a:t>https://</a:t>
+            </a:r>
+            <a:r>
+              <a:rPr lang="en-US" dirty="0" err="1"/>
+              <a:t>www.forbes.com</a:t>
+            </a:r>
+            <a:r>
+              <a:rPr lang="en-US" dirty="0"/>
+              <a:t>/sites/</a:t>
+            </a:r>
+            <a:r>
+              <a:rPr lang="en-US" dirty="0" err="1"/>
+              <a:t>michaelgoldstein</a:t>
+            </a:r>
+            <a:r>
+              <a:rPr lang="en-US" dirty="0"/>
+              <a:t>/2019/01/22/us-airlines-take-stock-market-hit-as-government-shutdown-reaches-32-days/#68ff706a79de</a:t>
             </a:r>
           </a:p>
         </p:txBody>
@@ -22103,7 +22490,7 @@
     </p:spTree>
     <p:extLst>
       <p:ext uri="{BB962C8B-B14F-4D97-AF65-F5344CB8AC3E}">
-        <p14:creationId xmlns:p14="http://schemas.microsoft.com/office/powerpoint/2010/main" val="9480157"/>
+        <p14:creationId xmlns:p14="http://schemas.microsoft.com/office/powerpoint/2010/main" val="228129790"/>
       </p:ext>
     </p:extLst>
   </p:cSld>
@@ -22118,9 +22505,35 @@
   <p:cSld>
     <p:bg>
       <p:bgPr>
-        <a:solidFill>
-          <a:schemeClr val="bg2"/>
-        </a:solidFill>
+        <a:gradFill>
+          <a:gsLst>
+            <a:gs pos="0">
+              <a:schemeClr val="accent1">
+                <a:lumMod val="5000"/>
+                <a:lumOff val="95000"/>
+              </a:schemeClr>
+            </a:gs>
+            <a:gs pos="81000">
+              <a:schemeClr val="accent1">
+                <a:lumMod val="45000"/>
+                <a:lumOff val="55000"/>
+              </a:schemeClr>
+            </a:gs>
+            <a:gs pos="83000">
+              <a:schemeClr val="accent1">
+                <a:lumMod val="45000"/>
+                <a:lumOff val="55000"/>
+              </a:schemeClr>
+            </a:gs>
+            <a:gs pos="100000">
+              <a:schemeClr val="accent1">
+                <a:lumMod val="30000"/>
+                <a:lumOff val="70000"/>
+              </a:schemeClr>
+            </a:gs>
+          </a:gsLst>
+          <a:lin ang="5400000" scaled="1"/>
+        </a:gradFill>
         <a:effectLst/>
       </p:bgPr>
     </p:bg>
@@ -22146,7 +22559,7 @@
                 <a16:creationId xmlns:a16="http://schemas.microsoft.com/office/drawing/2014/main" id="{4281BC32-FF58-4898-A6B5-7B3D059BCEB0}"/>
               </a:ext>
               <a:ext uri="{C183D7F6-B498-43B3-948B-1728B52AA6E4}">
-                <adec:decorative xmlns="" xmlns:adec="http://schemas.microsoft.com/office/drawing/2017/decorative" val="1"/>
+                <adec:decorative xmlns:adec="http://schemas.microsoft.com/office/drawing/2017/decorative" xmlns="" val="1"/>
               </a:ext>
             </a:extLst>
           </p:cNvPr>
@@ -22206,7 +22619,7 @@
                 <a16:creationId xmlns:a16="http://schemas.microsoft.com/office/drawing/2014/main" id="{0D614406-135F-4875-9C87-53822CB19ABB}"/>
               </a:ext>
               <a:ext uri="{C183D7F6-B498-43B3-948B-1728B52AA6E4}">
-                <adec:decorative xmlns="" xmlns:adec="http://schemas.microsoft.com/office/drawing/2017/decorative" val="1"/>
+                <adec:decorative xmlns:adec="http://schemas.microsoft.com/office/drawing/2017/decorative" xmlns="" val="1"/>
               </a:ext>
             </a:extLst>
           </p:cNvPr>
@@ -22273,7 +22686,7 @@
         </p:nvSpPr>
         <p:spPr>
           <a:xfrm>
-            <a:off x="155421" y="115360"/>
+            <a:off x="76200" y="221915"/>
             <a:ext cx="7169753" cy="1232750"/>
           </a:xfrm>
         </p:spPr>
@@ -22285,12 +22698,12 @@
           <a:p>
             <a:pPr algn="l"/>
             <a:r>
-              <a:rPr lang="en-US" dirty="0">
+              <a:rPr lang="en-US" sz="3900" dirty="0">
                 <a:solidFill>
                   <a:schemeClr val="bg1"/>
                 </a:solidFill>
               </a:rPr>
-              <a:t>Summary</a:t>
+              <a:t>Findings and conclusions</a:t>
             </a:r>
           </a:p>
         </p:txBody>
@@ -22303,7 +22716,7 @@
                 <a16:creationId xmlns:a16="http://schemas.microsoft.com/office/drawing/2014/main" id="{C6C21149-7D17-44C2-AFB6-4D931DC55FB1}"/>
               </a:ext>
               <a:ext uri="{C183D7F6-B498-43B3-948B-1728B52AA6E4}">
-                <adec:decorative xmlns="" xmlns:adec="http://schemas.microsoft.com/office/drawing/2017/decorative" val="1"/>
+                <adec:decorative xmlns:adec="http://schemas.microsoft.com/office/drawing/2017/decorative" xmlns="" val="1"/>
               </a:ext>
             </a:extLst>
           </p:cNvPr>
@@ -22355,7 +22768,7 @@
                 <a16:creationId xmlns:a16="http://schemas.microsoft.com/office/drawing/2014/main" id="{C2E5FCF0-567A-448C-A6E3-920BFC702C2F}"/>
               </a:ext>
               <a:ext uri="{C183D7F6-B498-43B3-948B-1728B52AA6E4}">
-                <adec:decorative xmlns="" xmlns:adec="http://schemas.microsoft.com/office/drawing/2017/decorative" val="1"/>
+                <adec:decorative xmlns:adec="http://schemas.microsoft.com/office/drawing/2017/decorative" xmlns="" val="1"/>
               </a:ext>
             </a:extLst>
           </p:cNvPr>
@@ -22561,6 +22974,4684 @@
           </a:ln>
         </p:spPr>
       </p:sp>
+      <p:pic>
+        <p:nvPicPr>
+          <p:cNvPr id="8" name="Picture 2" descr="Image result for Delta boarding pass MCO">
+            <a:extLst>
+              <a:ext uri="{FF2B5EF4-FFF2-40B4-BE49-F238E27FC236}">
+                <a16:creationId xmlns:a16="http://schemas.microsoft.com/office/drawing/2014/main" id="{496395E0-D773-4FEB-8E63-F152EEB21774}"/>
+              </a:ext>
+            </a:extLst>
+          </p:cNvPr>
+          <p:cNvPicPr>
+            <a:picLocks noChangeAspect="1" noChangeArrowheads="1"/>
+          </p:cNvPicPr>
+          <p:nvPr/>
+        </p:nvPicPr>
+        <p:blipFill>
+          <a:blip r:embed="rId3">
+            <a:extLst>
+              <a:ext uri="{28A0092B-C50C-407E-A947-70E740481C1C}">
+                <a14:useLocalDpi xmlns:a14="http://schemas.microsoft.com/office/drawing/2010/main" val="0"/>
+              </a:ext>
+            </a:extLst>
+          </a:blip>
+          <a:srcRect/>
+          <a:stretch>
+            <a:fillRect/>
+          </a:stretch>
+        </p:blipFill>
+        <p:spPr bwMode="auto">
+          <a:xfrm rot="20406036">
+            <a:off x="8607841" y="430614"/>
+            <a:ext cx="2766591" cy="1402778"/>
+          </a:xfrm>
+          <a:prstGeom prst="rect">
+            <a:avLst/>
+          </a:prstGeom>
+          <a:noFill/>
+          <a:extLst>
+            <a:ext uri="{909E8E84-426E-40DD-AFC4-6F175D3DCCD1}">
+              <a14:hiddenFill xmlns:a14="http://schemas.microsoft.com/office/drawing/2010/main">
+                <a:solidFill>
+                  <a:srgbClr val="FFFFFF"/>
+                </a:solidFill>
+              </a14:hiddenFill>
+            </a:ext>
+          </a:extLst>
+        </p:spPr>
+      </p:pic>
+      <p:sp>
+        <p:nvSpPr>
+          <p:cNvPr id="10" name="Title 1"/>
+          <p:cNvSpPr txBox="1">
+            <a:spLocks/>
+          </p:cNvSpPr>
+          <p:nvPr/>
+        </p:nvSpPr>
+        <p:spPr>
+          <a:xfrm>
+            <a:off x="4064936" y="1022911"/>
+            <a:ext cx="7169753" cy="1232750"/>
+          </a:xfrm>
+          <a:prstGeom prst="rect">
+            <a:avLst/>
+          </a:prstGeom>
+        </p:spPr>
+        <p:txBody>
+          <a:bodyPr vert="horz" lIns="91440" tIns="45720" rIns="91440" bIns="45720" rtlCol="0" anchor="b">
+            <a:normAutofit/>
+          </a:bodyPr>
+          <a:lstStyle>
+            <a:lvl1pPr algn="r" defTabSz="914400" rtl="0" eaLnBrk="1" latinLnBrk="0" hangingPunct="1">
+              <a:lnSpc>
+                <a:spcPct val="90000"/>
+              </a:lnSpc>
+              <a:spcBef>
+                <a:spcPct val="0"/>
+              </a:spcBef>
+              <a:buNone/>
+              <a:defRPr sz="5000" b="0" i="1" kern="1200" baseline="0">
+                <a:solidFill>
+                  <a:schemeClr val="tx1">
+                    <a:lumMod val="85000"/>
+                    <a:lumOff val="15000"/>
+                  </a:schemeClr>
+                </a:solidFill>
+                <a:latin typeface="+mj-lt"/>
+                <a:ea typeface="+mj-ea"/>
+                <a:cs typeface="+mj-cs"/>
+              </a:defRPr>
+            </a:lvl1pPr>
+          </a:lstStyle>
+          <a:p>
+            <a:pPr algn="l"/>
+            <a:endParaRPr lang="en-US" sz="3900" dirty="0">
+              <a:solidFill>
+                <a:schemeClr val="bg1"/>
+              </a:solidFill>
+            </a:endParaRPr>
+          </a:p>
+        </p:txBody>
+      </p:sp>
+      <p:pic>
+        <p:nvPicPr>
+          <p:cNvPr id="12" name="Picture 2" descr="Image result for Delta boarding pass MCO">
+            <a:extLst>
+              <a:ext uri="{FF2B5EF4-FFF2-40B4-BE49-F238E27FC236}">
+                <a16:creationId xmlns:a16="http://schemas.microsoft.com/office/drawing/2014/main" id="{496395E0-D773-4FEB-8E63-F152EEB21774}"/>
+              </a:ext>
+            </a:extLst>
+          </p:cNvPr>
+          <p:cNvPicPr>
+            <a:picLocks noChangeAspect="1" noChangeArrowheads="1"/>
+          </p:cNvPicPr>
+          <p:nvPr/>
+        </p:nvPicPr>
+        <p:blipFill>
+          <a:blip r:embed="rId3">
+            <a:extLst>
+              <a:ext uri="{28A0092B-C50C-407E-A947-70E740481C1C}">
+                <a14:useLocalDpi xmlns:a14="http://schemas.microsoft.com/office/drawing/2010/main" val="0"/>
+              </a:ext>
+            </a:extLst>
+          </a:blip>
+          <a:srcRect/>
+          <a:stretch>
+            <a:fillRect/>
+          </a:stretch>
+        </p:blipFill>
+        <p:spPr bwMode="auto">
+          <a:xfrm rot="20406036">
+            <a:off x="8607841" y="430614"/>
+            <a:ext cx="2766591" cy="1402778"/>
+          </a:xfrm>
+          <a:prstGeom prst="rect">
+            <a:avLst/>
+          </a:prstGeom>
+          <a:noFill/>
+          <a:extLst>
+            <a:ext uri="{909E8E84-426E-40DD-AFC4-6F175D3DCCD1}">
+              <a14:hiddenFill xmlns:a14="http://schemas.microsoft.com/office/drawing/2010/main">
+                <a:solidFill>
+                  <a:srgbClr val="FFFFFF"/>
+                </a:solidFill>
+              </a14:hiddenFill>
+            </a:ext>
+          </a:extLst>
+        </p:spPr>
+      </p:pic>
+      <p:pic>
+        <p:nvPicPr>
+          <p:cNvPr id="14" name="Content Placeholder 19">
+            <a:extLst>
+              <a:ext uri="{FF2B5EF4-FFF2-40B4-BE49-F238E27FC236}">
+                <a16:creationId xmlns:a16="http://schemas.microsoft.com/office/drawing/2014/main" id="{6441B89C-D39D-484E-9391-801305177C77}"/>
+              </a:ext>
+            </a:extLst>
+          </p:cNvPr>
+          <p:cNvPicPr>
+            <a:picLocks noGrp="1" noChangeAspect="1"/>
+          </p:cNvPicPr>
+          <p:nvPr>
+            <p:ph idx="1"/>
+          </p:nvPr>
+        </p:nvPicPr>
+        <p:blipFill>
+          <a:blip r:embed="rId4"/>
+          <a:stretch>
+            <a:fillRect/>
+          </a:stretch>
+        </p:blipFill>
+        <p:spPr>
+          <a:xfrm>
+            <a:off x="182092" y="2571402"/>
+            <a:ext cx="5149015" cy="3539948"/>
+          </a:xfrm>
+        </p:spPr>
+      </p:pic>
+      <p:sp>
+        <p:nvSpPr>
+          <p:cNvPr id="16" name="TextBox 15">
+            <a:extLst>
+              <a:ext uri="{FF2B5EF4-FFF2-40B4-BE49-F238E27FC236}">
+                <a16:creationId xmlns:a16="http://schemas.microsoft.com/office/drawing/2014/main" id="{BDA5C55A-3A54-A947-BAA1-45C64C31478F}"/>
+              </a:ext>
+            </a:extLst>
+          </p:cNvPr>
+          <p:cNvSpPr txBox="1"/>
+          <p:nvPr/>
+        </p:nvSpPr>
+        <p:spPr>
+          <a:xfrm>
+            <a:off x="5827996" y="2448342"/>
+            <a:ext cx="5956015" cy="3970318"/>
+          </a:xfrm>
+          <a:prstGeom prst="rect">
+            <a:avLst/>
+          </a:prstGeom>
+          <a:noFill/>
+        </p:spPr>
+        <p:txBody>
+          <a:bodyPr wrap="square" rtlCol="0">
+            <a:spAutoFit/>
+          </a:bodyPr>
+          <a:lstStyle/>
+          <a:p>
+            <a:r>
+              <a:rPr lang="en-US" dirty="0"/>
+              <a:t>Comparing the  numbers of flights in each date range per airport, we can conclude that  MCO airport  has being more affected by the shutdown in number of flights departure delays, than Atlanta airport, however, in the subject “delays” historically MCO airport has been  behind ATL airport . </a:t>
+            </a:r>
+          </a:p>
+          <a:p>
+            <a:r>
+              <a:rPr lang="en-US" dirty="0"/>
+              <a:t>The MCO average delays for customs/security is 24,45 min. against 12,27 in ATL airport. </a:t>
+            </a:r>
+          </a:p>
+          <a:p>
+            <a:r>
+              <a:rPr lang="en-US" dirty="0"/>
+              <a:t>The average departures delays  in MCO is 68 min. against 58 in ATL. </a:t>
+            </a:r>
+          </a:p>
+          <a:p>
+            <a:r>
+              <a:rPr lang="en-US" dirty="0"/>
+              <a:t>Atlanta Airport has a Delay Index of  B – (401,78) and MCO Delay Index is D (517,80). </a:t>
+            </a:r>
+          </a:p>
+          <a:p>
+            <a:r>
+              <a:rPr lang="en-US" dirty="0"/>
+              <a:t>Based on these numbers we can assume that ATL airport was better prepared to deal with the shutdown than MCO airport. </a:t>
+            </a:r>
+          </a:p>
+          <a:p>
+            <a:endParaRPr lang="en-US" dirty="0"/>
+          </a:p>
+        </p:txBody>
+      </p:sp>
+      <p:sp>
+        <p:nvSpPr>
+          <p:cNvPr id="20" name="Rectangle 19">
+            <a:extLst>
+              <a:ext uri="{FF2B5EF4-FFF2-40B4-BE49-F238E27FC236}">
+                <a16:creationId xmlns:a16="http://schemas.microsoft.com/office/drawing/2014/main" id="{11458F84-D4E7-424F-95DE-FF68026E3E27}"/>
+              </a:ext>
+            </a:extLst>
+          </p:cNvPr>
+          <p:cNvSpPr/>
+          <p:nvPr/>
+        </p:nvSpPr>
+        <p:spPr>
+          <a:xfrm>
+            <a:off x="76199" y="6176665"/>
+            <a:ext cx="12115799" cy="646331"/>
+          </a:xfrm>
+          <a:prstGeom prst="rect">
+            <a:avLst/>
+          </a:prstGeom>
+        </p:spPr>
+        <p:txBody>
+          <a:bodyPr wrap="square">
+            <a:spAutoFit/>
+          </a:bodyPr>
+          <a:lstStyle/>
+          <a:p>
+            <a:r>
+              <a:rPr lang="en-US" dirty="0"/>
+              <a:t>https://</a:t>
+            </a:r>
+            <a:r>
+              <a:rPr lang="en-US" dirty="0" err="1"/>
+              <a:t>www.orlandoweekly.com</a:t>
+            </a:r>
+            <a:r>
+              <a:rPr lang="en-US" dirty="0"/>
+              <a:t>/Blogs/archives/2018/11/21/orlando-international-airport-ranked-among-most-likely-to-delay-your-flight</a:t>
+            </a:r>
+          </a:p>
+        </p:txBody>
+      </p:sp>
+    </p:spTree>
+    <p:extLst>
+      <p:ext uri="{BB962C8B-B14F-4D97-AF65-F5344CB8AC3E}">
+        <p14:creationId xmlns:p14="http://schemas.microsoft.com/office/powerpoint/2010/main" val="1925337565"/>
+      </p:ext>
+    </p:extLst>
+  </p:cSld>
+  <p:clrMapOvr>
+    <a:masterClrMapping/>
+  </p:clrMapOvr>
+</p:sld>
+</file>
+
+<file path=ppt/slides/slide22.xml><?xml version="1.0" encoding="utf-8"?>
+<p:sld xmlns:a="http://schemas.openxmlformats.org/drawingml/2006/main" xmlns:r="http://schemas.openxmlformats.org/officeDocument/2006/relationships" xmlns:p="http://schemas.openxmlformats.org/presentationml/2006/main">
+  <p:cSld>
+    <p:bg>
+      <p:bgPr>
+        <a:gradFill>
+          <a:gsLst>
+            <a:gs pos="0">
+              <a:schemeClr val="accent1">
+                <a:lumMod val="5000"/>
+                <a:lumOff val="95000"/>
+              </a:schemeClr>
+            </a:gs>
+            <a:gs pos="81000">
+              <a:schemeClr val="accent1">
+                <a:lumMod val="45000"/>
+                <a:lumOff val="55000"/>
+              </a:schemeClr>
+            </a:gs>
+            <a:gs pos="83000">
+              <a:schemeClr val="accent1">
+                <a:lumMod val="45000"/>
+                <a:lumOff val="55000"/>
+              </a:schemeClr>
+            </a:gs>
+            <a:gs pos="100000">
+              <a:schemeClr val="accent1">
+                <a:lumMod val="30000"/>
+                <a:lumOff val="70000"/>
+              </a:schemeClr>
+            </a:gs>
+          </a:gsLst>
+          <a:lin ang="5400000" scaled="1"/>
+        </a:gradFill>
+        <a:effectLst/>
+      </p:bgPr>
+    </p:bg>
+    <p:spTree>
+      <p:nvGrpSpPr>
+        <p:cNvPr id="1" name=""/>
+        <p:cNvGrpSpPr/>
+        <p:nvPr/>
+      </p:nvGrpSpPr>
+      <p:grpSpPr>
+        <a:xfrm>
+          <a:off x="0" y="0"/>
+          <a:ext cx="0" cy="0"/>
+          <a:chOff x="0" y="0"/>
+          <a:chExt cx="0" cy="0"/>
+        </a:xfrm>
+      </p:grpSpPr>
+      <p:sp useBgFill="1">
+        <p:nvSpPr>
+          <p:cNvPr id="9" name="Rectangle 8">
+            <a:extLst>
+              <a:ext uri="{FF2B5EF4-FFF2-40B4-BE49-F238E27FC236}">
+                <a16:creationId xmlns:a16="http://schemas.microsoft.com/office/drawing/2014/main" id="{4281BC32-FF58-4898-A6B5-7B3D059BCEB0}"/>
+              </a:ext>
+              <a:ext uri="{C183D7F6-B498-43B3-948B-1728B52AA6E4}">
+                <adec:decorative xmlns:adec="http://schemas.microsoft.com/office/drawing/2017/decorative" xmlns="" val="1"/>
+              </a:ext>
+            </a:extLst>
+          </p:cNvPr>
+          <p:cNvSpPr>
+            <a:spLocks noGrp="1" noRot="1" noChangeAspect="1" noMove="1" noResize="1" noEditPoints="1" noAdjustHandles="1" noChangeArrowheads="1" noChangeShapeType="1" noTextEdit="1"/>
+          </p:cNvSpPr>
+          <p:nvPr>
+            <p:extLst>
+              <p:ext uri="{386F3935-93C4-4BCD-93E2-E3B085C9AB24}">
+                <p16:designElem xmlns:p16="http://schemas.microsoft.com/office/powerpoint/2015/main" val="1"/>
+              </p:ext>
+            </p:extLst>
+          </p:nvPr>
+        </p:nvSpPr>
+        <p:spPr>
+          <a:xfrm>
+            <a:off x="0" y="0"/>
+            <a:ext cx="12192000" cy="6858000"/>
+          </a:xfrm>
+          <a:prstGeom prst="rect">
+            <a:avLst/>
+          </a:prstGeom>
+          <a:ln>
+            <a:noFill/>
+          </a:ln>
+        </p:spPr>
+        <p:style>
+          <a:lnRef idx="2">
+            <a:schemeClr val="accent1">
+              <a:shade val="50000"/>
+            </a:schemeClr>
+          </a:lnRef>
+          <a:fillRef idx="1">
+            <a:schemeClr val="accent1"/>
+          </a:fillRef>
+          <a:effectRef idx="0">
+            <a:schemeClr val="accent1"/>
+          </a:effectRef>
+          <a:fontRef idx="minor">
+            <a:schemeClr val="lt1"/>
+          </a:fontRef>
+        </p:style>
+        <p:txBody>
+          <a:bodyPr rtlCol="0" anchor="ctr"/>
+          <a:lstStyle/>
+          <a:p>
+            <a:pPr marL="0" marR="0" lvl="0" indent="0" algn="ctr" defTabSz="457200" rtl="0" eaLnBrk="1" fontAlgn="auto" latinLnBrk="0" hangingPunct="1">
+              <a:lnSpc>
+                <a:spcPct val="100000"/>
+              </a:lnSpc>
+              <a:spcBef>
+                <a:spcPts val="0"/>
+              </a:spcBef>
+              <a:spcAft>
+                <a:spcPts val="0"/>
+              </a:spcAft>
+              <a:buClrTx/>
+              <a:buSzTx/>
+              <a:buFontTx/>
+              <a:buNone/>
+              <a:tabLst/>
+              <a:defRPr/>
+            </a:pPr>
+            <a:endParaRPr kumimoji="0" lang="en-US" sz="1800" b="0" i="0" u="none" strike="noStrike" kern="1200" cap="none" spc="0" normalizeH="0" baseline="0" noProof="0">
+              <a:ln>
+                <a:noFill/>
+              </a:ln>
+              <a:solidFill>
+                <a:prstClr val="white"/>
+              </a:solidFill>
+              <a:effectLst/>
+              <a:uLnTx/>
+              <a:uFillTx/>
+              <a:latin typeface="Corbel" panose="020B0503020204020204"/>
+              <a:ea typeface="+mn-ea"/>
+              <a:cs typeface="+mn-cs"/>
+            </a:endParaRPr>
+          </a:p>
+        </p:txBody>
+      </p:sp>
+      <p:sp>
+        <p:nvSpPr>
+          <p:cNvPr id="11" name="Rectangle 10">
+            <a:extLst>
+              <a:ext uri="{FF2B5EF4-FFF2-40B4-BE49-F238E27FC236}">
+                <a16:creationId xmlns:a16="http://schemas.microsoft.com/office/drawing/2014/main" id="{0D614406-135F-4875-9C87-53822CB19ABB}"/>
+              </a:ext>
+              <a:ext uri="{C183D7F6-B498-43B3-948B-1728B52AA6E4}">
+                <adec:decorative xmlns:adec="http://schemas.microsoft.com/office/drawing/2017/decorative" xmlns="" val="1"/>
+              </a:ext>
+            </a:extLst>
+          </p:cNvPr>
+          <p:cNvSpPr>
+            <a:spLocks noGrp="1" noRot="1" noChangeAspect="1" noMove="1" noResize="1" noEditPoints="1" noAdjustHandles="1" noChangeArrowheads="1" noChangeShapeType="1" noTextEdit="1"/>
+          </p:cNvSpPr>
+          <p:nvPr>
+            <p:extLst>
+              <p:ext uri="{386F3935-93C4-4BCD-93E2-E3B085C9AB24}">
+                <p16:designElem xmlns:p16="http://schemas.microsoft.com/office/powerpoint/2015/main" val="1"/>
+              </p:ext>
+            </p:extLst>
+          </p:nvPr>
+        </p:nvSpPr>
+        <p:spPr>
+          <a:xfrm>
+            <a:off x="0" y="0"/>
+            <a:ext cx="12191999" cy="2285999"/>
+          </a:xfrm>
+          <a:prstGeom prst="rect">
+            <a:avLst/>
+          </a:prstGeom>
+          <a:solidFill>
+            <a:schemeClr val="tx1"/>
+          </a:solidFill>
+          <a:ln>
+            <a:noFill/>
+          </a:ln>
+        </p:spPr>
+        <p:style>
+          <a:lnRef idx="2">
+            <a:schemeClr val="accent1">
+              <a:shade val="50000"/>
+            </a:schemeClr>
+          </a:lnRef>
+          <a:fillRef idx="1">
+            <a:schemeClr val="accent1"/>
+          </a:fillRef>
+          <a:effectRef idx="0">
+            <a:schemeClr val="accent1"/>
+          </a:effectRef>
+          <a:fontRef idx="minor">
+            <a:schemeClr val="lt1"/>
+          </a:fontRef>
+        </p:style>
+        <p:txBody>
+          <a:bodyPr rtlCol="0" anchor="ctr"/>
+          <a:lstStyle/>
+          <a:p>
+            <a:pPr marL="0" marR="0" lvl="0" indent="0" algn="ctr" defTabSz="457200" rtl="0" eaLnBrk="1" fontAlgn="auto" latinLnBrk="0" hangingPunct="1">
+              <a:lnSpc>
+                <a:spcPct val="100000"/>
+              </a:lnSpc>
+              <a:spcBef>
+                <a:spcPts val="0"/>
+              </a:spcBef>
+              <a:spcAft>
+                <a:spcPts val="0"/>
+              </a:spcAft>
+              <a:buClrTx/>
+              <a:buSzTx/>
+              <a:buFontTx/>
+              <a:buNone/>
+              <a:tabLst/>
+              <a:defRPr/>
+            </a:pPr>
+            <a:endParaRPr kumimoji="0" lang="en-US" sz="1800" b="0" i="0" u="none" strike="noStrike" kern="1200" cap="none" spc="0" normalizeH="0" baseline="0" noProof="0">
+              <a:ln>
+                <a:noFill/>
+              </a:ln>
+              <a:solidFill>
+                <a:prstClr val="white"/>
+              </a:solidFill>
+              <a:effectLst/>
+              <a:uLnTx/>
+              <a:uFillTx/>
+              <a:latin typeface="Corbel" panose="020B0503020204020204"/>
+              <a:ea typeface="+mn-ea"/>
+              <a:cs typeface="+mn-cs"/>
+            </a:endParaRPr>
+          </a:p>
+        </p:txBody>
+      </p:sp>
+      <p:sp>
+        <p:nvSpPr>
+          <p:cNvPr id="2" name="Title 1"/>
+          <p:cNvSpPr>
+            <a:spLocks noGrp="1"/>
+          </p:cNvSpPr>
+          <p:nvPr>
+            <p:ph type="title"/>
+          </p:nvPr>
+        </p:nvSpPr>
+        <p:spPr>
+          <a:xfrm>
+            <a:off x="76200" y="221915"/>
+            <a:ext cx="7169753" cy="1232750"/>
+          </a:xfrm>
+        </p:spPr>
+        <p:txBody>
+          <a:bodyPr anchor="b">
+            <a:normAutofit/>
+          </a:bodyPr>
+          <a:lstStyle/>
+          <a:p>
+            <a:pPr algn="l"/>
+            <a:r>
+              <a:rPr lang="en-US" sz="3900" dirty="0">
+                <a:solidFill>
+                  <a:schemeClr val="bg1"/>
+                </a:solidFill>
+              </a:rPr>
+              <a:t>Findings and conclusions</a:t>
+            </a:r>
+          </a:p>
+        </p:txBody>
+      </p:sp>
+      <p:cxnSp>
+        <p:nvCxnSpPr>
+          <p:cNvPr id="13" name="Straight Connector 12">
+            <a:extLst>
+              <a:ext uri="{FF2B5EF4-FFF2-40B4-BE49-F238E27FC236}">
+                <a16:creationId xmlns:a16="http://schemas.microsoft.com/office/drawing/2014/main" id="{C6C21149-7D17-44C2-AFB6-4D931DC55FB1}"/>
+              </a:ext>
+              <a:ext uri="{C183D7F6-B498-43B3-948B-1728B52AA6E4}">
+                <adec:decorative xmlns:adec="http://schemas.microsoft.com/office/drawing/2017/decorative" xmlns="" val="1"/>
+              </a:ext>
+            </a:extLst>
+          </p:cNvPr>
+          <p:cNvCxnSpPr>
+            <a:cxnSpLocks noGrp="1" noRot="1" noChangeAspect="1" noMove="1" noResize="1" noEditPoints="1" noAdjustHandles="1" noChangeArrowheads="1" noChangeShapeType="1"/>
+          </p:cNvCxnSpPr>
+          <p:nvPr>
+            <p:extLst>
+              <p:ext uri="{386F3935-93C4-4BCD-93E2-E3B085C9AB24}">
+                <p16:designElem xmlns:p16="http://schemas.microsoft.com/office/powerpoint/2015/main" val="1"/>
+              </p:ext>
+            </p:extLst>
+          </p:nvPr>
+        </p:nvCxnSpPr>
+        <p:spPr>
+          <a:xfrm>
+            <a:off x="0" y="1676579"/>
+            <a:ext cx="8129873" cy="6020"/>
+          </a:xfrm>
+          <a:prstGeom prst="line">
+            <a:avLst/>
+          </a:prstGeom>
+          <a:ln w="25400">
+            <a:solidFill>
+              <a:schemeClr val="bg1"/>
+            </a:solidFill>
+          </a:ln>
+        </p:spPr>
+        <p:style>
+          <a:lnRef idx="1">
+            <a:schemeClr val="accent1"/>
+          </a:lnRef>
+          <a:fillRef idx="0">
+            <a:schemeClr val="accent1"/>
+          </a:fillRef>
+          <a:effectRef idx="0">
+            <a:schemeClr val="accent1"/>
+          </a:effectRef>
+          <a:fontRef idx="minor">
+            <a:schemeClr val="tx1"/>
+          </a:fontRef>
+        </p:style>
+      </p:cxnSp>
+      <p:sp>
+        <p:nvSpPr>
+          <p:cNvPr id="15" name="Freeform 6">
+            <a:extLst>
+              <a:ext uri="{FF2B5EF4-FFF2-40B4-BE49-F238E27FC236}">
+                <a16:creationId xmlns:a16="http://schemas.microsoft.com/office/drawing/2014/main" id="{C2E5FCF0-567A-448C-A6E3-920BFC702C2F}"/>
+              </a:ext>
+              <a:ext uri="{C183D7F6-B498-43B3-948B-1728B52AA6E4}">
+                <adec:decorative xmlns:adec="http://schemas.microsoft.com/office/drawing/2017/decorative" xmlns="" val="1"/>
+              </a:ext>
+            </a:extLst>
+          </p:cNvPr>
+          <p:cNvSpPr>
+            <a:spLocks noGrp="1" noRot="1" noChangeAspect="1" noMove="1" noResize="1" noEditPoints="1" noAdjustHandles="1" noChangeArrowheads="1" noChangeShapeType="1" noTextEdit="1"/>
+          </p:cNvSpPr>
+          <p:nvPr>
+            <p:extLst>
+              <p:ext uri="{386F3935-93C4-4BCD-93E2-E3B085C9AB24}">
+                <p16:designElem xmlns:p16="http://schemas.microsoft.com/office/powerpoint/2015/main" val="1"/>
+              </p:ext>
+            </p:extLst>
+          </p:nvPr>
+        </p:nvSpPr>
+        <p:spPr bwMode="auto">
+          <a:xfrm>
+            <a:off x="11784011" y="938535"/>
+            <a:ext cx="407988" cy="819150"/>
+          </a:xfrm>
+          <a:custGeom>
+            <a:avLst/>
+            <a:gdLst/>
+            <a:ahLst/>
+            <a:cxnLst/>
+            <a:rect l="0" t="0" r="r" b="b"/>
+            <a:pathLst>
+              <a:path w="1799" h="3612">
+                <a:moveTo>
+                  <a:pt x="1799" y="0"/>
+                </a:moveTo>
+                <a:lnTo>
+                  <a:pt x="1799" y="3612"/>
+                </a:lnTo>
+                <a:lnTo>
+                  <a:pt x="1686" y="3609"/>
+                </a:lnTo>
+                <a:lnTo>
+                  <a:pt x="1574" y="3598"/>
+                </a:lnTo>
+                <a:lnTo>
+                  <a:pt x="1464" y="3581"/>
+                </a:lnTo>
+                <a:lnTo>
+                  <a:pt x="1357" y="3557"/>
+                </a:lnTo>
+                <a:lnTo>
+                  <a:pt x="1251" y="3527"/>
+                </a:lnTo>
+                <a:lnTo>
+                  <a:pt x="1150" y="3490"/>
+                </a:lnTo>
+                <a:lnTo>
+                  <a:pt x="1050" y="3448"/>
+                </a:lnTo>
+                <a:lnTo>
+                  <a:pt x="953" y="3401"/>
+                </a:lnTo>
+                <a:lnTo>
+                  <a:pt x="860" y="3347"/>
+                </a:lnTo>
+                <a:lnTo>
+                  <a:pt x="771" y="3289"/>
+                </a:lnTo>
+                <a:lnTo>
+                  <a:pt x="686" y="3224"/>
+                </a:lnTo>
+                <a:lnTo>
+                  <a:pt x="604" y="3156"/>
+                </a:lnTo>
+                <a:lnTo>
+                  <a:pt x="527" y="3083"/>
+                </a:lnTo>
+                <a:lnTo>
+                  <a:pt x="454" y="3005"/>
+                </a:lnTo>
+                <a:lnTo>
+                  <a:pt x="386" y="2923"/>
+                </a:lnTo>
+                <a:lnTo>
+                  <a:pt x="323" y="2838"/>
+                </a:lnTo>
+                <a:lnTo>
+                  <a:pt x="265" y="2748"/>
+                </a:lnTo>
+                <a:lnTo>
+                  <a:pt x="211" y="2655"/>
+                </a:lnTo>
+                <a:lnTo>
+                  <a:pt x="163" y="2559"/>
+                </a:lnTo>
+                <a:lnTo>
+                  <a:pt x="121" y="2459"/>
+                </a:lnTo>
+                <a:lnTo>
+                  <a:pt x="85" y="2356"/>
+                </a:lnTo>
+                <a:lnTo>
+                  <a:pt x="55" y="2251"/>
+                </a:lnTo>
+                <a:lnTo>
+                  <a:pt x="32" y="2143"/>
+                </a:lnTo>
+                <a:lnTo>
+                  <a:pt x="14" y="2033"/>
+                </a:lnTo>
+                <a:lnTo>
+                  <a:pt x="4" y="1920"/>
+                </a:lnTo>
+                <a:lnTo>
+                  <a:pt x="0" y="1806"/>
+                </a:lnTo>
+                <a:lnTo>
+                  <a:pt x="4" y="1692"/>
+                </a:lnTo>
+                <a:lnTo>
+                  <a:pt x="14" y="1580"/>
+                </a:lnTo>
+                <a:lnTo>
+                  <a:pt x="32" y="1469"/>
+                </a:lnTo>
+                <a:lnTo>
+                  <a:pt x="55" y="1362"/>
+                </a:lnTo>
+                <a:lnTo>
+                  <a:pt x="85" y="1256"/>
+                </a:lnTo>
+                <a:lnTo>
+                  <a:pt x="121" y="1154"/>
+                </a:lnTo>
+                <a:lnTo>
+                  <a:pt x="163" y="1054"/>
+                </a:lnTo>
+                <a:lnTo>
+                  <a:pt x="211" y="958"/>
+                </a:lnTo>
+                <a:lnTo>
+                  <a:pt x="265" y="864"/>
+                </a:lnTo>
+                <a:lnTo>
+                  <a:pt x="323" y="774"/>
+                </a:lnTo>
+                <a:lnTo>
+                  <a:pt x="386" y="689"/>
+                </a:lnTo>
+                <a:lnTo>
+                  <a:pt x="454" y="607"/>
+                </a:lnTo>
+                <a:lnTo>
+                  <a:pt x="527" y="529"/>
+                </a:lnTo>
+                <a:lnTo>
+                  <a:pt x="604" y="456"/>
+                </a:lnTo>
+                <a:lnTo>
+                  <a:pt x="686" y="388"/>
+                </a:lnTo>
+                <a:lnTo>
+                  <a:pt x="771" y="325"/>
+                </a:lnTo>
+                <a:lnTo>
+                  <a:pt x="860" y="266"/>
+                </a:lnTo>
+                <a:lnTo>
+                  <a:pt x="953" y="212"/>
+                </a:lnTo>
+                <a:lnTo>
+                  <a:pt x="1050" y="164"/>
+                </a:lnTo>
+                <a:lnTo>
+                  <a:pt x="1150" y="122"/>
+                </a:lnTo>
+                <a:lnTo>
+                  <a:pt x="1251" y="85"/>
+                </a:lnTo>
+                <a:lnTo>
+                  <a:pt x="1357" y="55"/>
+                </a:lnTo>
+                <a:lnTo>
+                  <a:pt x="1464" y="32"/>
+                </a:lnTo>
+                <a:lnTo>
+                  <a:pt x="1574" y="14"/>
+                </a:lnTo>
+                <a:lnTo>
+                  <a:pt x="1686" y="5"/>
+                </a:lnTo>
+                <a:lnTo>
+                  <a:pt x="1799" y="0"/>
+                </a:lnTo>
+                <a:close/>
+              </a:path>
+            </a:pathLst>
+          </a:custGeom>
+          <a:solidFill>
+            <a:schemeClr val="bg2"/>
+          </a:solidFill>
+          <a:ln w="0">
+            <a:noFill/>
+            <a:prstDash val="solid"/>
+            <a:round/>
+            <a:headEnd/>
+            <a:tailEnd/>
+          </a:ln>
+        </p:spPr>
+      </p:sp>
+      <p:pic>
+        <p:nvPicPr>
+          <p:cNvPr id="8" name="Picture 2" descr="Image result for Delta boarding pass MCO">
+            <a:extLst>
+              <a:ext uri="{FF2B5EF4-FFF2-40B4-BE49-F238E27FC236}">
+                <a16:creationId xmlns:a16="http://schemas.microsoft.com/office/drawing/2014/main" id="{496395E0-D773-4FEB-8E63-F152EEB21774}"/>
+              </a:ext>
+            </a:extLst>
+          </p:cNvPr>
+          <p:cNvPicPr>
+            <a:picLocks noChangeAspect="1" noChangeArrowheads="1"/>
+          </p:cNvPicPr>
+          <p:nvPr/>
+        </p:nvPicPr>
+        <p:blipFill>
+          <a:blip r:embed="rId2">
+            <a:extLst>
+              <a:ext uri="{28A0092B-C50C-407E-A947-70E740481C1C}">
+                <a14:useLocalDpi xmlns:a14="http://schemas.microsoft.com/office/drawing/2010/main" val="0"/>
+              </a:ext>
+            </a:extLst>
+          </a:blip>
+          <a:srcRect/>
+          <a:stretch>
+            <a:fillRect/>
+          </a:stretch>
+        </p:blipFill>
+        <p:spPr bwMode="auto">
+          <a:xfrm rot="20406036">
+            <a:off x="8607841" y="430614"/>
+            <a:ext cx="2766591" cy="1402778"/>
+          </a:xfrm>
+          <a:prstGeom prst="rect">
+            <a:avLst/>
+          </a:prstGeom>
+          <a:noFill/>
+          <a:extLst>
+            <a:ext uri="{909E8E84-426E-40DD-AFC4-6F175D3DCCD1}">
+              <a14:hiddenFill xmlns:a14="http://schemas.microsoft.com/office/drawing/2010/main">
+                <a:solidFill>
+                  <a:srgbClr val="FFFFFF"/>
+                </a:solidFill>
+              </a14:hiddenFill>
+            </a:ext>
+          </a:extLst>
+        </p:spPr>
+      </p:pic>
+      <p:sp>
+        <p:nvSpPr>
+          <p:cNvPr id="3" name="Rectangle 1">
+            <a:extLst>
+              <a:ext uri="{FF2B5EF4-FFF2-40B4-BE49-F238E27FC236}">
+                <a16:creationId xmlns:a16="http://schemas.microsoft.com/office/drawing/2014/main" id="{979CEED4-2A51-4E44-AEC6-BD1507480E66}"/>
+              </a:ext>
+            </a:extLst>
+          </p:cNvPr>
+          <p:cNvSpPr>
+            <a:spLocks noChangeArrowheads="1"/>
+          </p:cNvSpPr>
+          <p:nvPr/>
+        </p:nvSpPr>
+        <p:spPr bwMode="auto">
+          <a:xfrm>
+            <a:off x="0" y="90100"/>
+            <a:ext cx="65" cy="276999"/>
+          </a:xfrm>
+          <a:prstGeom prst="rect">
+            <a:avLst/>
+          </a:prstGeom>
+          <a:solidFill>
+            <a:srgbClr val="FFFFFF"/>
+          </a:solidFill>
+          <a:ln>
+            <a:noFill/>
+          </a:ln>
+          <a:effectLst/>
+          <a:extLst>
+            <a:ext uri="{91240B29-F687-4F45-9708-019B960494DF}">
+              <a14:hiddenLine xmlns:a14="http://schemas.microsoft.com/office/drawing/2010/main" w="9525">
+                <a:solidFill>
+                  <a:schemeClr val="tx1"/>
+                </a:solidFill>
+                <a:miter lim="800000"/>
+                <a:headEnd/>
+                <a:tailEnd/>
+              </a14:hiddenLine>
+            </a:ext>
+            <a:ext uri="{AF507438-7753-43E0-B8FC-AC1667EBCBE1}">
+              <a14:hiddenEffects xmlns:a14="http://schemas.microsoft.com/office/drawing/2010/main">
+                <a:effectLst>
+                  <a:outerShdw dist="35921" dir="2700000" algn="ctr" rotWithShape="0">
+                    <a:schemeClr val="bg2"/>
+                  </a:outerShdw>
+                </a:effectLst>
+              </a14:hiddenEffects>
+            </a:ext>
+          </a:extLst>
+        </p:spPr>
+        <p:txBody>
+          <a:bodyPr vert="horz" wrap="none" lIns="0" tIns="0" rIns="0" bIns="0" numCol="1" anchor="ctr" anchorCtr="0" compatLnSpc="1">
+            <a:prstTxWarp prst="textNoShape">
+              <a:avLst/>
+            </a:prstTxWarp>
+            <a:spAutoFit/>
+          </a:bodyPr>
+          <a:lstStyle/>
+          <a:p>
+            <a:pPr marL="0" marR="0" lvl="0" indent="0" algn="l" defTabSz="914400" rtl="0" eaLnBrk="0" fontAlgn="base" latinLnBrk="0" hangingPunct="0">
+              <a:lnSpc>
+                <a:spcPct val="100000"/>
+              </a:lnSpc>
+              <a:spcBef>
+                <a:spcPct val="0"/>
+              </a:spcBef>
+              <a:spcAft>
+                <a:spcPct val="0"/>
+              </a:spcAft>
+              <a:buClrTx/>
+              <a:buSzTx/>
+              <a:buFontTx/>
+              <a:buNone/>
+              <a:tabLst/>
+              <a:defRPr/>
+            </a:pPr>
+            <a:endParaRPr kumimoji="0" lang="en-US" altLang="en-US" sz="1800" b="0" i="0" u="none" strike="noStrike" kern="1200" cap="none" spc="0" normalizeH="0" baseline="0" noProof="0" dirty="0">
+              <a:ln>
+                <a:noFill/>
+              </a:ln>
+              <a:solidFill>
+                <a:prstClr val="black"/>
+              </a:solidFill>
+              <a:effectLst/>
+              <a:uLnTx/>
+              <a:uFillTx/>
+              <a:latin typeface="Arial" panose="020B0604020202020204" pitchFamily="34" charset="0"/>
+              <a:ea typeface="+mn-ea"/>
+              <a:cs typeface="+mn-cs"/>
+            </a:endParaRPr>
+          </a:p>
+        </p:txBody>
+      </p:sp>
+      <p:pic>
+        <p:nvPicPr>
+          <p:cNvPr id="7" name="Picture 6">
+            <a:extLst>
+              <a:ext uri="{FF2B5EF4-FFF2-40B4-BE49-F238E27FC236}">
+                <a16:creationId xmlns:a16="http://schemas.microsoft.com/office/drawing/2014/main" id="{A725B1E7-C807-4D45-9218-184021791404}"/>
+              </a:ext>
+            </a:extLst>
+          </p:cNvPr>
+          <p:cNvPicPr>
+            <a:picLocks noChangeAspect="1"/>
+          </p:cNvPicPr>
+          <p:nvPr/>
+        </p:nvPicPr>
+        <p:blipFill>
+          <a:blip r:embed="rId3"/>
+          <a:stretch>
+            <a:fillRect/>
+          </a:stretch>
+        </p:blipFill>
+        <p:spPr>
+          <a:xfrm>
+            <a:off x="745118" y="3481611"/>
+            <a:ext cx="9878804" cy="1829055"/>
+          </a:xfrm>
+          <a:prstGeom prst="rect">
+            <a:avLst/>
+          </a:prstGeom>
+        </p:spPr>
+      </p:pic>
+      <p:sp>
+        <p:nvSpPr>
+          <p:cNvPr id="14" name="Rectangle 13">
+            <a:extLst>
+              <a:ext uri="{FF2B5EF4-FFF2-40B4-BE49-F238E27FC236}">
+                <a16:creationId xmlns:a16="http://schemas.microsoft.com/office/drawing/2014/main" id="{BCC3F34F-926C-4A01-8161-4727D47BEFDB}"/>
+              </a:ext>
+            </a:extLst>
+          </p:cNvPr>
+          <p:cNvSpPr/>
+          <p:nvPr/>
+        </p:nvSpPr>
+        <p:spPr>
+          <a:xfrm>
+            <a:off x="-1" y="2285999"/>
+            <a:ext cx="12191669" cy="4524315"/>
+          </a:xfrm>
+          <a:prstGeom prst="rect">
+            <a:avLst/>
+          </a:prstGeom>
+        </p:spPr>
+        <p:txBody>
+          <a:bodyPr wrap="square">
+            <a:spAutoFit/>
+          </a:bodyPr>
+          <a:lstStyle/>
+          <a:p>
+            <a:pPr marL="0" marR="0" lvl="0" indent="0" algn="l" defTabSz="457200" rtl="0" eaLnBrk="1" fontAlgn="auto" latinLnBrk="0" hangingPunct="1">
+              <a:lnSpc>
+                <a:spcPct val="100000"/>
+              </a:lnSpc>
+              <a:spcBef>
+                <a:spcPts val="0"/>
+              </a:spcBef>
+              <a:spcAft>
+                <a:spcPts val="0"/>
+              </a:spcAft>
+              <a:buClrTx/>
+              <a:buSzTx/>
+              <a:buFontTx/>
+              <a:buNone/>
+              <a:tabLst/>
+              <a:defRPr/>
+            </a:pPr>
+            <a:r>
+              <a:rPr kumimoji="0" lang="en-US" sz="1800" b="1" i="0" u="none" strike="noStrike" kern="1200" cap="none" spc="0" normalizeH="0" baseline="0" noProof="0" dirty="0">
+                <a:ln>
+                  <a:noFill/>
+                </a:ln>
+                <a:solidFill>
+                  <a:prstClr val="black"/>
+                </a:solidFill>
+                <a:effectLst/>
+                <a:uLnTx/>
+                <a:uFillTx/>
+                <a:latin typeface="Corbel" panose="020B0503020204020204"/>
+                <a:ea typeface="+mn-ea"/>
+                <a:cs typeface="+mn-cs"/>
+              </a:rPr>
+              <a:t>AIRPORT TO AIRPORT IMPACT ANALYSIS</a:t>
+            </a:r>
+          </a:p>
+          <a:p>
+            <a:pPr marL="0" marR="0" lvl="0" indent="0" algn="l" defTabSz="457200" rtl="0" eaLnBrk="1" fontAlgn="auto" latinLnBrk="0" hangingPunct="1">
+              <a:lnSpc>
+                <a:spcPct val="100000"/>
+              </a:lnSpc>
+              <a:spcBef>
+                <a:spcPts val="0"/>
+              </a:spcBef>
+              <a:spcAft>
+                <a:spcPts val="0"/>
+              </a:spcAft>
+              <a:buClrTx/>
+              <a:buSzTx/>
+              <a:buFontTx/>
+              <a:buNone/>
+              <a:tabLst/>
+              <a:defRPr/>
+            </a:pPr>
+            <a:r>
+              <a:rPr kumimoji="0" lang="en-US" sz="1800" b="0" i="0" u="none" strike="noStrike" kern="1200" cap="none" spc="0" normalizeH="0" baseline="0" noProof="0" dirty="0">
+                <a:ln>
+                  <a:noFill/>
+                </a:ln>
+                <a:solidFill>
+                  <a:prstClr val="black"/>
+                </a:solidFill>
+                <a:effectLst/>
+                <a:uLnTx/>
+                <a:uFillTx/>
+                <a:latin typeface="Corbel" panose="020B0503020204020204"/>
+                <a:ea typeface="+mn-ea"/>
+                <a:cs typeface="+mn-cs"/>
+              </a:rPr>
+              <a:t>Q: What evidence is there that delays at one airport cause delays at another airport?</a:t>
+            </a:r>
+          </a:p>
+          <a:p>
+            <a:pPr marL="0" marR="0" lvl="0" indent="0" algn="l" defTabSz="457200" rtl="0" eaLnBrk="1" fontAlgn="auto" latinLnBrk="0" hangingPunct="1">
+              <a:lnSpc>
+                <a:spcPct val="100000"/>
+              </a:lnSpc>
+              <a:spcBef>
+                <a:spcPts val="0"/>
+              </a:spcBef>
+              <a:spcAft>
+                <a:spcPts val="0"/>
+              </a:spcAft>
+              <a:buClrTx/>
+              <a:buSzTx/>
+              <a:buFontTx/>
+              <a:buNone/>
+              <a:tabLst/>
+              <a:defRPr/>
+            </a:pPr>
+            <a:endParaRPr kumimoji="0" lang="en-US" sz="1800" b="0" i="0" u="none" strike="noStrike" kern="1200" cap="none" spc="0" normalizeH="0" baseline="0" noProof="0" dirty="0">
+              <a:ln>
+                <a:noFill/>
+              </a:ln>
+              <a:solidFill>
+                <a:prstClr val="black"/>
+              </a:solidFill>
+              <a:effectLst/>
+              <a:uLnTx/>
+              <a:uFillTx/>
+              <a:latin typeface="Corbel" panose="020B0503020204020204"/>
+              <a:ea typeface="+mn-ea"/>
+              <a:cs typeface="+mn-cs"/>
+            </a:endParaRPr>
+          </a:p>
+          <a:p>
+            <a:pPr marL="0" marR="0" lvl="0" indent="0" algn="l" defTabSz="457200" rtl="0" eaLnBrk="1" fontAlgn="auto" latinLnBrk="0" hangingPunct="1">
+              <a:lnSpc>
+                <a:spcPct val="100000"/>
+              </a:lnSpc>
+              <a:spcBef>
+                <a:spcPts val="0"/>
+              </a:spcBef>
+              <a:spcAft>
+                <a:spcPts val="0"/>
+              </a:spcAft>
+              <a:buClrTx/>
+              <a:buSzTx/>
+              <a:buFontTx/>
+              <a:buNone/>
+              <a:tabLst/>
+              <a:defRPr/>
+            </a:pPr>
+            <a:r>
+              <a:rPr kumimoji="0" lang="en-US" sz="1800" b="0" i="0" u="none" strike="noStrike" kern="1200" cap="none" spc="0" normalizeH="0" baseline="0" noProof="0" dirty="0">
+                <a:ln>
+                  <a:noFill/>
+                </a:ln>
+                <a:solidFill>
+                  <a:prstClr val="black"/>
+                </a:solidFill>
+                <a:effectLst/>
+                <a:uLnTx/>
+                <a:uFillTx/>
+                <a:latin typeface="Corbel" panose="020B0503020204020204"/>
+                <a:ea typeface="+mn-ea"/>
+                <a:cs typeface="+mn-cs"/>
+              </a:rPr>
+              <a:t>Based on the data we collected, we decided to examine any possible causality of delay from MCO to ATL and vice versa.</a:t>
+            </a:r>
+          </a:p>
+          <a:p>
+            <a:pPr marL="0" marR="0" lvl="0" indent="0" algn="l" defTabSz="457200" rtl="0" eaLnBrk="1" fontAlgn="auto" latinLnBrk="0" hangingPunct="1">
+              <a:lnSpc>
+                <a:spcPct val="100000"/>
+              </a:lnSpc>
+              <a:spcBef>
+                <a:spcPts val="0"/>
+              </a:spcBef>
+              <a:spcAft>
+                <a:spcPts val="0"/>
+              </a:spcAft>
+              <a:buClrTx/>
+              <a:buSzTx/>
+              <a:buFontTx/>
+              <a:buNone/>
+              <a:tabLst/>
+              <a:defRPr/>
+            </a:pPr>
+            <a:endParaRPr kumimoji="0" lang="en-US" sz="1800" b="0" i="0" u="none" strike="noStrike" kern="1200" cap="none" spc="0" normalizeH="0" baseline="0" noProof="0" dirty="0">
+              <a:ln>
+                <a:noFill/>
+              </a:ln>
+              <a:solidFill>
+                <a:prstClr val="black"/>
+              </a:solidFill>
+              <a:effectLst/>
+              <a:uLnTx/>
+              <a:uFillTx/>
+              <a:latin typeface="Corbel" panose="020B0503020204020204"/>
+              <a:ea typeface="+mn-ea"/>
+              <a:cs typeface="+mn-cs"/>
+            </a:endParaRPr>
+          </a:p>
+          <a:p>
+            <a:pPr marL="0" marR="0" lvl="0" indent="0" algn="l" defTabSz="457200" rtl="0" eaLnBrk="1" fontAlgn="auto" latinLnBrk="0" hangingPunct="1">
+              <a:lnSpc>
+                <a:spcPct val="100000"/>
+              </a:lnSpc>
+              <a:spcBef>
+                <a:spcPts val="0"/>
+              </a:spcBef>
+              <a:spcAft>
+                <a:spcPts val="0"/>
+              </a:spcAft>
+              <a:buClrTx/>
+              <a:buSzTx/>
+              <a:buFontTx/>
+              <a:buNone/>
+              <a:tabLst/>
+              <a:defRPr/>
+            </a:pPr>
+            <a:endParaRPr kumimoji="0" lang="en-US" sz="1800" b="0" i="0" u="none" strike="noStrike" kern="1200" cap="none" spc="0" normalizeH="0" baseline="0" noProof="0" dirty="0">
+              <a:ln>
+                <a:noFill/>
+              </a:ln>
+              <a:solidFill>
+                <a:prstClr val="black"/>
+              </a:solidFill>
+              <a:effectLst/>
+              <a:uLnTx/>
+              <a:uFillTx/>
+              <a:latin typeface="Corbel" panose="020B0503020204020204"/>
+              <a:ea typeface="+mn-ea"/>
+              <a:cs typeface="+mn-cs"/>
+            </a:endParaRPr>
+          </a:p>
+          <a:p>
+            <a:pPr marL="0" marR="0" lvl="0" indent="0" algn="l" defTabSz="457200" rtl="0" eaLnBrk="1" fontAlgn="auto" latinLnBrk="0" hangingPunct="1">
+              <a:lnSpc>
+                <a:spcPct val="100000"/>
+              </a:lnSpc>
+              <a:spcBef>
+                <a:spcPts val="0"/>
+              </a:spcBef>
+              <a:spcAft>
+                <a:spcPts val="0"/>
+              </a:spcAft>
+              <a:buClrTx/>
+              <a:buSzTx/>
+              <a:buFontTx/>
+              <a:buNone/>
+              <a:tabLst/>
+              <a:defRPr/>
+            </a:pPr>
+            <a:endParaRPr kumimoji="0" lang="en-US" sz="1800" b="0" i="0" u="none" strike="noStrike" kern="1200" cap="none" spc="0" normalizeH="0" baseline="0" noProof="0" dirty="0">
+              <a:ln>
+                <a:noFill/>
+              </a:ln>
+              <a:solidFill>
+                <a:prstClr val="black"/>
+              </a:solidFill>
+              <a:effectLst/>
+              <a:uLnTx/>
+              <a:uFillTx/>
+              <a:latin typeface="Corbel" panose="020B0503020204020204"/>
+              <a:ea typeface="+mn-ea"/>
+              <a:cs typeface="+mn-cs"/>
+            </a:endParaRPr>
+          </a:p>
+          <a:p>
+            <a:pPr marL="0" marR="0" lvl="0" indent="0" algn="l" defTabSz="457200" rtl="0" eaLnBrk="1" fontAlgn="auto" latinLnBrk="0" hangingPunct="1">
+              <a:lnSpc>
+                <a:spcPct val="100000"/>
+              </a:lnSpc>
+              <a:spcBef>
+                <a:spcPts val="0"/>
+              </a:spcBef>
+              <a:spcAft>
+                <a:spcPts val="0"/>
+              </a:spcAft>
+              <a:buClrTx/>
+              <a:buSzTx/>
+              <a:buFontTx/>
+              <a:buNone/>
+              <a:tabLst/>
+              <a:defRPr/>
+            </a:pPr>
+            <a:endParaRPr kumimoji="0" lang="en-US" sz="1800" b="0" i="0" u="none" strike="noStrike" kern="1200" cap="none" spc="0" normalizeH="0" baseline="0" noProof="0" dirty="0">
+              <a:ln>
+                <a:noFill/>
+              </a:ln>
+              <a:solidFill>
+                <a:prstClr val="black"/>
+              </a:solidFill>
+              <a:effectLst/>
+              <a:uLnTx/>
+              <a:uFillTx/>
+              <a:latin typeface="Corbel" panose="020B0503020204020204"/>
+              <a:ea typeface="+mn-ea"/>
+              <a:cs typeface="+mn-cs"/>
+            </a:endParaRPr>
+          </a:p>
+          <a:p>
+            <a:pPr marL="0" marR="0" lvl="0" indent="0" algn="l" defTabSz="457200" rtl="0" eaLnBrk="1" fontAlgn="auto" latinLnBrk="0" hangingPunct="1">
+              <a:lnSpc>
+                <a:spcPct val="100000"/>
+              </a:lnSpc>
+              <a:spcBef>
+                <a:spcPts val="0"/>
+              </a:spcBef>
+              <a:spcAft>
+                <a:spcPts val="0"/>
+              </a:spcAft>
+              <a:buClrTx/>
+              <a:buSzTx/>
+              <a:buFontTx/>
+              <a:buNone/>
+              <a:tabLst/>
+              <a:defRPr/>
+            </a:pPr>
+            <a:endParaRPr kumimoji="0" lang="en-US" sz="1800" b="0" i="0" u="none" strike="noStrike" kern="1200" cap="none" spc="0" normalizeH="0" baseline="0" noProof="0" dirty="0">
+              <a:ln>
+                <a:noFill/>
+              </a:ln>
+              <a:solidFill>
+                <a:prstClr val="black"/>
+              </a:solidFill>
+              <a:effectLst/>
+              <a:uLnTx/>
+              <a:uFillTx/>
+              <a:latin typeface="Corbel" panose="020B0503020204020204"/>
+              <a:ea typeface="+mn-ea"/>
+              <a:cs typeface="+mn-cs"/>
+            </a:endParaRPr>
+          </a:p>
+          <a:p>
+            <a:pPr marL="0" marR="0" lvl="0" indent="0" algn="l" defTabSz="457200" rtl="0" eaLnBrk="1" fontAlgn="auto" latinLnBrk="0" hangingPunct="1">
+              <a:lnSpc>
+                <a:spcPct val="100000"/>
+              </a:lnSpc>
+              <a:spcBef>
+                <a:spcPts val="0"/>
+              </a:spcBef>
+              <a:spcAft>
+                <a:spcPts val="0"/>
+              </a:spcAft>
+              <a:buClrTx/>
+              <a:buSzTx/>
+              <a:buFontTx/>
+              <a:buNone/>
+              <a:tabLst/>
+              <a:defRPr/>
+            </a:pPr>
+            <a:endParaRPr kumimoji="0" lang="en-US" sz="1800" b="0" i="0" u="none" strike="noStrike" kern="1200" cap="none" spc="0" normalizeH="0" baseline="0" noProof="0" dirty="0">
+              <a:ln>
+                <a:noFill/>
+              </a:ln>
+              <a:solidFill>
+                <a:prstClr val="black"/>
+              </a:solidFill>
+              <a:effectLst/>
+              <a:uLnTx/>
+              <a:uFillTx/>
+              <a:latin typeface="Corbel" panose="020B0503020204020204"/>
+              <a:ea typeface="+mn-ea"/>
+              <a:cs typeface="+mn-cs"/>
+            </a:endParaRPr>
+          </a:p>
+          <a:p>
+            <a:pPr marL="0" marR="0" lvl="0" indent="0" algn="l" defTabSz="457200" rtl="0" eaLnBrk="1" fontAlgn="auto" latinLnBrk="0" hangingPunct="1">
+              <a:lnSpc>
+                <a:spcPct val="100000"/>
+              </a:lnSpc>
+              <a:spcBef>
+                <a:spcPts val="0"/>
+              </a:spcBef>
+              <a:spcAft>
+                <a:spcPts val="0"/>
+              </a:spcAft>
+              <a:buClrTx/>
+              <a:buSzTx/>
+              <a:buFontTx/>
+              <a:buNone/>
+              <a:tabLst/>
+              <a:defRPr/>
+            </a:pPr>
+            <a:endParaRPr kumimoji="0" lang="en-US" sz="1800" b="0" i="0" u="none" strike="noStrike" kern="1200" cap="none" spc="0" normalizeH="0" baseline="0" noProof="0" dirty="0">
+              <a:ln>
+                <a:noFill/>
+              </a:ln>
+              <a:solidFill>
+                <a:prstClr val="black"/>
+              </a:solidFill>
+              <a:effectLst/>
+              <a:uLnTx/>
+              <a:uFillTx/>
+              <a:latin typeface="Corbel" panose="020B0503020204020204"/>
+              <a:ea typeface="+mn-ea"/>
+              <a:cs typeface="+mn-cs"/>
+            </a:endParaRPr>
+          </a:p>
+          <a:p>
+            <a:pPr marL="0" marR="0" lvl="0" indent="0" algn="l" defTabSz="457200" rtl="0" eaLnBrk="1" fontAlgn="auto" latinLnBrk="0" hangingPunct="1">
+              <a:lnSpc>
+                <a:spcPct val="100000"/>
+              </a:lnSpc>
+              <a:spcBef>
+                <a:spcPts val="0"/>
+              </a:spcBef>
+              <a:spcAft>
+                <a:spcPts val="0"/>
+              </a:spcAft>
+              <a:buClrTx/>
+              <a:buSzTx/>
+              <a:buFontTx/>
+              <a:buNone/>
+              <a:tabLst/>
+              <a:defRPr/>
+            </a:pPr>
+            <a:r>
+              <a:rPr kumimoji="0" lang="en-US" sz="1800" b="0" i="0" u="none" strike="noStrike" kern="1200" cap="none" spc="0" normalizeH="0" baseline="0" noProof="0" dirty="0">
+                <a:ln>
+                  <a:noFill/>
+                </a:ln>
+                <a:solidFill>
+                  <a:prstClr val="black"/>
+                </a:solidFill>
+                <a:effectLst/>
+                <a:uLnTx/>
+                <a:uFillTx/>
+                <a:latin typeface="Corbel" panose="020B0503020204020204"/>
+                <a:ea typeface="+mn-ea"/>
+                <a:cs typeface="+mn-cs"/>
+              </a:rPr>
+              <a:t>According to our data queries, only 4.8% (14+16) /( 574+52) of delayed flights out of ATL and MCO were bound for the other airport. This implies that on average, delays incurred at one airport do not incur significant delays at the other airports. But each airport has a different volume of airline flights originating from other airports (both domestic and international).</a:t>
+            </a:r>
+          </a:p>
+          <a:p>
+            <a:pPr marL="0" marR="0" lvl="0" indent="0" algn="l" defTabSz="457200" rtl="0" eaLnBrk="1" fontAlgn="auto" latinLnBrk="0" hangingPunct="1">
+              <a:lnSpc>
+                <a:spcPct val="100000"/>
+              </a:lnSpc>
+              <a:spcBef>
+                <a:spcPts val="0"/>
+              </a:spcBef>
+              <a:spcAft>
+                <a:spcPts val="0"/>
+              </a:spcAft>
+              <a:buClrTx/>
+              <a:buSzTx/>
+              <a:buFontTx/>
+              <a:buNone/>
+              <a:tabLst/>
+              <a:defRPr/>
+            </a:pPr>
+            <a:r>
+              <a:rPr kumimoji="0" lang="en-US" sz="1800" b="0" i="0" u="none" strike="noStrike" kern="1200" cap="none" spc="0" normalizeH="0" baseline="0" noProof="0" dirty="0">
+                <a:ln>
+                  <a:noFill/>
+                </a:ln>
+                <a:solidFill>
+                  <a:prstClr val="black"/>
+                </a:solidFill>
+                <a:effectLst/>
+                <a:highlight>
+                  <a:srgbClr val="00FF00"/>
+                </a:highlight>
+                <a:uLnTx/>
+                <a:uFillTx/>
+                <a:latin typeface="Corbel" panose="020B0503020204020204"/>
+                <a:ea typeface="+mn-ea"/>
+                <a:cs typeface="+mn-cs"/>
+              </a:rPr>
+              <a:t>While Atlanta only received a comparative 2.8% of its delayed flights from MCO, Orlando received a comparative 27% of its delayed flights from ATL</a:t>
+            </a:r>
+            <a:r>
+              <a:rPr kumimoji="0" lang="en-US" sz="1800" b="0" i="0" u="none" strike="noStrike" kern="1200" cap="none" spc="0" normalizeH="0" baseline="0" noProof="0" dirty="0">
+                <a:ln>
+                  <a:noFill/>
+                </a:ln>
+                <a:solidFill>
+                  <a:prstClr val="black"/>
+                </a:solidFill>
+                <a:effectLst/>
+                <a:uLnTx/>
+                <a:uFillTx/>
+                <a:latin typeface="Corbel" panose="020B0503020204020204"/>
+                <a:ea typeface="+mn-ea"/>
+                <a:cs typeface="+mn-cs"/>
+              </a:rPr>
+              <a:t>. </a:t>
+            </a:r>
+            <a:r>
+              <a:rPr kumimoji="0" lang="en-US" sz="1800" b="1" i="0" u="none" strike="noStrike" kern="1200" cap="none" spc="0" normalizeH="0" baseline="0" noProof="0" dirty="0">
+                <a:ln>
+                  <a:noFill/>
+                </a:ln>
+                <a:solidFill>
+                  <a:prstClr val="black"/>
+                </a:solidFill>
+                <a:effectLst/>
+                <a:uLnTx/>
+                <a:uFillTx/>
+                <a:latin typeface="Corbel" panose="020B0503020204020204"/>
+                <a:ea typeface="+mn-ea"/>
+                <a:cs typeface="+mn-cs"/>
+              </a:rPr>
+              <a:t>So what does the data reveal for each airport?</a:t>
+            </a:r>
+          </a:p>
+        </p:txBody>
+      </p:sp>
+    </p:spTree>
+    <p:extLst>
+      <p:ext uri="{BB962C8B-B14F-4D97-AF65-F5344CB8AC3E}">
+        <p14:creationId xmlns:p14="http://schemas.microsoft.com/office/powerpoint/2010/main" val="2622972588"/>
+      </p:ext>
+    </p:extLst>
+  </p:cSld>
+  <p:clrMapOvr>
+    <a:masterClrMapping/>
+  </p:clrMapOvr>
+</p:sld>
+</file>
+
+<file path=ppt/slides/slide23.xml><?xml version="1.0" encoding="utf-8"?>
+<p:sld xmlns:a="http://schemas.openxmlformats.org/drawingml/2006/main" xmlns:r="http://schemas.openxmlformats.org/officeDocument/2006/relationships" xmlns:p="http://schemas.openxmlformats.org/presentationml/2006/main">
+  <p:cSld>
+    <p:bg>
+      <p:bgPr>
+        <a:gradFill>
+          <a:gsLst>
+            <a:gs pos="0">
+              <a:schemeClr val="accent1">
+                <a:lumMod val="5000"/>
+                <a:lumOff val="95000"/>
+              </a:schemeClr>
+            </a:gs>
+            <a:gs pos="81000">
+              <a:schemeClr val="accent1">
+                <a:lumMod val="45000"/>
+                <a:lumOff val="55000"/>
+              </a:schemeClr>
+            </a:gs>
+            <a:gs pos="83000">
+              <a:schemeClr val="accent1">
+                <a:lumMod val="45000"/>
+                <a:lumOff val="55000"/>
+              </a:schemeClr>
+            </a:gs>
+            <a:gs pos="100000">
+              <a:schemeClr val="accent1">
+                <a:lumMod val="30000"/>
+                <a:lumOff val="70000"/>
+              </a:schemeClr>
+            </a:gs>
+          </a:gsLst>
+          <a:lin ang="5400000" scaled="1"/>
+        </a:gradFill>
+        <a:effectLst/>
+      </p:bgPr>
+    </p:bg>
+    <p:spTree>
+      <p:nvGrpSpPr>
+        <p:cNvPr id="1" name=""/>
+        <p:cNvGrpSpPr/>
+        <p:nvPr/>
+      </p:nvGrpSpPr>
+      <p:grpSpPr>
+        <a:xfrm>
+          <a:off x="0" y="0"/>
+          <a:ext cx="0" cy="0"/>
+          <a:chOff x="0" y="0"/>
+          <a:chExt cx="0" cy="0"/>
+        </a:xfrm>
+      </p:grpSpPr>
+      <p:sp useBgFill="1">
+        <p:nvSpPr>
+          <p:cNvPr id="9" name="Rectangle 8">
+            <a:extLst>
+              <a:ext uri="{FF2B5EF4-FFF2-40B4-BE49-F238E27FC236}">
+                <a16:creationId xmlns:a16="http://schemas.microsoft.com/office/drawing/2014/main" id="{4281BC32-FF58-4898-A6B5-7B3D059BCEB0}"/>
+              </a:ext>
+              <a:ext uri="{C183D7F6-B498-43B3-948B-1728B52AA6E4}">
+                <adec:decorative xmlns:adec="http://schemas.microsoft.com/office/drawing/2017/decorative" xmlns="" val="1"/>
+              </a:ext>
+            </a:extLst>
+          </p:cNvPr>
+          <p:cNvSpPr>
+            <a:spLocks noGrp="1" noRot="1" noChangeAspect="1" noMove="1" noResize="1" noEditPoints="1" noAdjustHandles="1" noChangeArrowheads="1" noChangeShapeType="1" noTextEdit="1"/>
+          </p:cNvSpPr>
+          <p:nvPr>
+            <p:extLst>
+              <p:ext uri="{386F3935-93C4-4BCD-93E2-E3B085C9AB24}">
+                <p16:designElem xmlns:p16="http://schemas.microsoft.com/office/powerpoint/2015/main" val="1"/>
+              </p:ext>
+            </p:extLst>
+          </p:nvPr>
+        </p:nvSpPr>
+        <p:spPr>
+          <a:xfrm>
+            <a:off x="0" y="0"/>
+            <a:ext cx="12192000" cy="6858000"/>
+          </a:xfrm>
+          <a:prstGeom prst="rect">
+            <a:avLst/>
+          </a:prstGeom>
+          <a:ln>
+            <a:noFill/>
+          </a:ln>
+        </p:spPr>
+        <p:style>
+          <a:lnRef idx="2">
+            <a:schemeClr val="accent1">
+              <a:shade val="50000"/>
+            </a:schemeClr>
+          </a:lnRef>
+          <a:fillRef idx="1">
+            <a:schemeClr val="accent1"/>
+          </a:fillRef>
+          <a:effectRef idx="0">
+            <a:schemeClr val="accent1"/>
+          </a:effectRef>
+          <a:fontRef idx="minor">
+            <a:schemeClr val="lt1"/>
+          </a:fontRef>
+        </p:style>
+        <p:txBody>
+          <a:bodyPr rtlCol="0" anchor="ctr"/>
+          <a:lstStyle/>
+          <a:p>
+            <a:pPr marL="0" marR="0" lvl="0" indent="0" algn="ctr" defTabSz="457200" rtl="0" eaLnBrk="1" fontAlgn="auto" latinLnBrk="0" hangingPunct="1">
+              <a:lnSpc>
+                <a:spcPct val="100000"/>
+              </a:lnSpc>
+              <a:spcBef>
+                <a:spcPts val="0"/>
+              </a:spcBef>
+              <a:spcAft>
+                <a:spcPts val="0"/>
+              </a:spcAft>
+              <a:buClrTx/>
+              <a:buSzTx/>
+              <a:buFontTx/>
+              <a:buNone/>
+              <a:tabLst/>
+              <a:defRPr/>
+            </a:pPr>
+            <a:endParaRPr kumimoji="0" lang="en-US" sz="1800" b="0" i="0" u="none" strike="noStrike" kern="1200" cap="none" spc="0" normalizeH="0" baseline="0" noProof="0">
+              <a:ln>
+                <a:noFill/>
+              </a:ln>
+              <a:solidFill>
+                <a:prstClr val="white"/>
+              </a:solidFill>
+              <a:effectLst/>
+              <a:uLnTx/>
+              <a:uFillTx/>
+              <a:latin typeface="Corbel" panose="020B0503020204020204"/>
+              <a:ea typeface="+mn-ea"/>
+              <a:cs typeface="+mn-cs"/>
+            </a:endParaRPr>
+          </a:p>
+        </p:txBody>
+      </p:sp>
+      <p:grpSp>
+        <p:nvGrpSpPr>
+          <p:cNvPr id="10" name="Group 9">
+            <a:extLst>
+              <a:ext uri="{FF2B5EF4-FFF2-40B4-BE49-F238E27FC236}">
+                <a16:creationId xmlns:a16="http://schemas.microsoft.com/office/drawing/2014/main" id="{DCD30246-7463-4B89-B0C4-19E20DC5D2C7}"/>
+              </a:ext>
+            </a:extLst>
+          </p:cNvPr>
+          <p:cNvGrpSpPr/>
+          <p:nvPr/>
+        </p:nvGrpSpPr>
+        <p:grpSpPr>
+          <a:xfrm>
+            <a:off x="191834" y="3056553"/>
+            <a:ext cx="4657725" cy="3800475"/>
+            <a:chOff x="191834" y="3056553"/>
+            <a:chExt cx="4657725" cy="3800475"/>
+          </a:xfrm>
+        </p:grpSpPr>
+        <p:pic>
+          <p:nvPicPr>
+            <p:cNvPr id="2050" name="Picture 2">
+              <a:extLst>
+                <a:ext uri="{FF2B5EF4-FFF2-40B4-BE49-F238E27FC236}">
+                  <a16:creationId xmlns:a16="http://schemas.microsoft.com/office/drawing/2014/main" id="{C722FDF9-6DBF-4F06-A7AA-1A31BBDD90CD}"/>
+                </a:ext>
+              </a:extLst>
+            </p:cNvPr>
+            <p:cNvPicPr>
+              <a:picLocks noChangeAspect="1" noChangeArrowheads="1"/>
+            </p:cNvPicPr>
+            <p:nvPr/>
+          </p:nvPicPr>
+          <p:blipFill>
+            <a:blip r:embed="rId2">
+              <a:extLst>
+                <a:ext uri="{28A0092B-C50C-407E-A947-70E740481C1C}">
+                  <a14:useLocalDpi xmlns:a14="http://schemas.microsoft.com/office/drawing/2010/main" val="0"/>
+                </a:ext>
+              </a:extLst>
+            </a:blip>
+            <a:srcRect/>
+            <a:stretch>
+              <a:fillRect/>
+            </a:stretch>
+          </p:blipFill>
+          <p:spPr bwMode="auto">
+            <a:xfrm>
+              <a:off x="191834" y="3056553"/>
+              <a:ext cx="4657725" cy="3800475"/>
+            </a:xfrm>
+            <a:prstGeom prst="rect">
+              <a:avLst/>
+            </a:prstGeom>
+            <a:noFill/>
+            <a:extLst>
+              <a:ext uri="{909E8E84-426E-40DD-AFC4-6F175D3DCCD1}">
+                <a14:hiddenFill xmlns:a14="http://schemas.microsoft.com/office/drawing/2010/main">
+                  <a:solidFill>
+                    <a:srgbClr val="FFFFFF"/>
+                  </a:solidFill>
+                </a14:hiddenFill>
+              </a:ext>
+            </a:extLst>
+          </p:spPr>
+        </p:pic>
+        <p:cxnSp>
+          <p:nvCxnSpPr>
+            <p:cNvPr id="19" name="Straight Connector 18">
+              <a:extLst>
+                <a:ext uri="{FF2B5EF4-FFF2-40B4-BE49-F238E27FC236}">
+                  <a16:creationId xmlns:a16="http://schemas.microsoft.com/office/drawing/2014/main" id="{2828DDC8-9B1A-4246-997C-FD1D9D246509}"/>
+                </a:ext>
+              </a:extLst>
+            </p:cNvPr>
+            <p:cNvCxnSpPr>
+              <a:cxnSpLocks/>
+            </p:cNvCxnSpPr>
+            <p:nvPr/>
+          </p:nvCxnSpPr>
+          <p:spPr>
+            <a:xfrm>
+              <a:off x="658368" y="5126736"/>
+              <a:ext cx="3154680" cy="0"/>
+            </a:xfrm>
+            <a:prstGeom prst="line">
+              <a:avLst/>
+            </a:prstGeom>
+          </p:spPr>
+          <p:style>
+            <a:lnRef idx="1">
+              <a:schemeClr val="accent1"/>
+            </a:lnRef>
+            <a:fillRef idx="0">
+              <a:schemeClr val="accent1"/>
+            </a:fillRef>
+            <a:effectRef idx="0">
+              <a:schemeClr val="accent1"/>
+            </a:effectRef>
+            <a:fontRef idx="minor">
+              <a:schemeClr val="tx1"/>
+            </a:fontRef>
+          </p:style>
+        </p:cxnSp>
+      </p:grpSp>
+      <p:sp>
+        <p:nvSpPr>
+          <p:cNvPr id="11" name="Rectangle 10">
+            <a:extLst>
+              <a:ext uri="{FF2B5EF4-FFF2-40B4-BE49-F238E27FC236}">
+                <a16:creationId xmlns:a16="http://schemas.microsoft.com/office/drawing/2014/main" id="{0D614406-135F-4875-9C87-53822CB19ABB}"/>
+              </a:ext>
+              <a:ext uri="{C183D7F6-B498-43B3-948B-1728B52AA6E4}">
+                <adec:decorative xmlns:adec="http://schemas.microsoft.com/office/drawing/2017/decorative" xmlns="" val="1"/>
+              </a:ext>
+            </a:extLst>
+          </p:cNvPr>
+          <p:cNvSpPr>
+            <a:spLocks noGrp="1" noRot="1" noChangeAspect="1" noMove="1" noResize="1" noEditPoints="1" noAdjustHandles="1" noChangeArrowheads="1" noChangeShapeType="1" noTextEdit="1"/>
+          </p:cNvSpPr>
+          <p:nvPr>
+            <p:extLst>
+              <p:ext uri="{386F3935-93C4-4BCD-93E2-E3B085C9AB24}">
+                <p16:designElem xmlns:p16="http://schemas.microsoft.com/office/powerpoint/2015/main" val="1"/>
+              </p:ext>
+            </p:extLst>
+          </p:nvPr>
+        </p:nvSpPr>
+        <p:spPr>
+          <a:xfrm>
+            <a:off x="0" y="0"/>
+            <a:ext cx="12191999" cy="2285999"/>
+          </a:xfrm>
+          <a:prstGeom prst="rect">
+            <a:avLst/>
+          </a:prstGeom>
+          <a:solidFill>
+            <a:schemeClr val="tx1"/>
+          </a:solidFill>
+          <a:ln>
+            <a:noFill/>
+          </a:ln>
+        </p:spPr>
+        <p:style>
+          <a:lnRef idx="2">
+            <a:schemeClr val="accent1">
+              <a:shade val="50000"/>
+            </a:schemeClr>
+          </a:lnRef>
+          <a:fillRef idx="1">
+            <a:schemeClr val="accent1"/>
+          </a:fillRef>
+          <a:effectRef idx="0">
+            <a:schemeClr val="accent1"/>
+          </a:effectRef>
+          <a:fontRef idx="minor">
+            <a:schemeClr val="lt1"/>
+          </a:fontRef>
+        </p:style>
+        <p:txBody>
+          <a:bodyPr rtlCol="0" anchor="ctr"/>
+          <a:lstStyle/>
+          <a:p>
+            <a:pPr marL="0" marR="0" lvl="0" indent="0" algn="ctr" defTabSz="457200" rtl="0" eaLnBrk="1" fontAlgn="auto" latinLnBrk="0" hangingPunct="1">
+              <a:lnSpc>
+                <a:spcPct val="100000"/>
+              </a:lnSpc>
+              <a:spcBef>
+                <a:spcPts val="0"/>
+              </a:spcBef>
+              <a:spcAft>
+                <a:spcPts val="0"/>
+              </a:spcAft>
+              <a:buClrTx/>
+              <a:buSzTx/>
+              <a:buFontTx/>
+              <a:buNone/>
+              <a:tabLst/>
+              <a:defRPr/>
+            </a:pPr>
+            <a:endParaRPr kumimoji="0" lang="en-US" sz="1800" b="0" i="0" u="none" strike="noStrike" kern="1200" cap="none" spc="0" normalizeH="0" baseline="0" noProof="0">
+              <a:ln>
+                <a:noFill/>
+              </a:ln>
+              <a:solidFill>
+                <a:prstClr val="white"/>
+              </a:solidFill>
+              <a:effectLst/>
+              <a:uLnTx/>
+              <a:uFillTx/>
+              <a:latin typeface="Corbel" panose="020B0503020204020204"/>
+              <a:ea typeface="+mn-ea"/>
+              <a:cs typeface="+mn-cs"/>
+            </a:endParaRPr>
+          </a:p>
+        </p:txBody>
+      </p:sp>
+      <p:sp>
+        <p:nvSpPr>
+          <p:cNvPr id="2" name="Title 1"/>
+          <p:cNvSpPr>
+            <a:spLocks noGrp="1"/>
+          </p:cNvSpPr>
+          <p:nvPr>
+            <p:ph type="title"/>
+          </p:nvPr>
+        </p:nvSpPr>
+        <p:spPr>
+          <a:xfrm>
+            <a:off x="76200" y="221915"/>
+            <a:ext cx="7169753" cy="1232750"/>
+          </a:xfrm>
+        </p:spPr>
+        <p:txBody>
+          <a:bodyPr anchor="b">
+            <a:normAutofit/>
+          </a:bodyPr>
+          <a:lstStyle/>
+          <a:p>
+            <a:pPr algn="l"/>
+            <a:r>
+              <a:rPr lang="en-US" sz="3900" dirty="0">
+                <a:solidFill>
+                  <a:schemeClr val="bg1"/>
+                </a:solidFill>
+              </a:rPr>
+              <a:t>Findings and conclusions</a:t>
+            </a:r>
+          </a:p>
+        </p:txBody>
+      </p:sp>
+      <p:cxnSp>
+        <p:nvCxnSpPr>
+          <p:cNvPr id="13" name="Straight Connector 12">
+            <a:extLst>
+              <a:ext uri="{FF2B5EF4-FFF2-40B4-BE49-F238E27FC236}">
+                <a16:creationId xmlns:a16="http://schemas.microsoft.com/office/drawing/2014/main" id="{C6C21149-7D17-44C2-AFB6-4D931DC55FB1}"/>
+              </a:ext>
+              <a:ext uri="{C183D7F6-B498-43B3-948B-1728B52AA6E4}">
+                <adec:decorative xmlns:adec="http://schemas.microsoft.com/office/drawing/2017/decorative" xmlns="" val="1"/>
+              </a:ext>
+            </a:extLst>
+          </p:cNvPr>
+          <p:cNvCxnSpPr>
+            <a:cxnSpLocks noGrp="1" noRot="1" noChangeAspect="1" noMove="1" noResize="1" noEditPoints="1" noAdjustHandles="1" noChangeArrowheads="1" noChangeShapeType="1"/>
+          </p:cNvCxnSpPr>
+          <p:nvPr>
+            <p:extLst>
+              <p:ext uri="{386F3935-93C4-4BCD-93E2-E3B085C9AB24}">
+                <p16:designElem xmlns:p16="http://schemas.microsoft.com/office/powerpoint/2015/main" val="1"/>
+              </p:ext>
+            </p:extLst>
+          </p:nvPr>
+        </p:nvCxnSpPr>
+        <p:spPr>
+          <a:xfrm>
+            <a:off x="0" y="1676579"/>
+            <a:ext cx="8129873" cy="6020"/>
+          </a:xfrm>
+          <a:prstGeom prst="line">
+            <a:avLst/>
+          </a:prstGeom>
+          <a:ln w="25400">
+            <a:solidFill>
+              <a:schemeClr val="bg1"/>
+            </a:solidFill>
+          </a:ln>
+        </p:spPr>
+        <p:style>
+          <a:lnRef idx="1">
+            <a:schemeClr val="accent1"/>
+          </a:lnRef>
+          <a:fillRef idx="0">
+            <a:schemeClr val="accent1"/>
+          </a:fillRef>
+          <a:effectRef idx="0">
+            <a:schemeClr val="accent1"/>
+          </a:effectRef>
+          <a:fontRef idx="minor">
+            <a:schemeClr val="tx1"/>
+          </a:fontRef>
+        </p:style>
+      </p:cxnSp>
+      <p:sp>
+        <p:nvSpPr>
+          <p:cNvPr id="15" name="Freeform 6">
+            <a:extLst>
+              <a:ext uri="{FF2B5EF4-FFF2-40B4-BE49-F238E27FC236}">
+                <a16:creationId xmlns:a16="http://schemas.microsoft.com/office/drawing/2014/main" id="{C2E5FCF0-567A-448C-A6E3-920BFC702C2F}"/>
+              </a:ext>
+              <a:ext uri="{C183D7F6-B498-43B3-948B-1728B52AA6E4}">
+                <adec:decorative xmlns:adec="http://schemas.microsoft.com/office/drawing/2017/decorative" xmlns="" val="1"/>
+              </a:ext>
+            </a:extLst>
+          </p:cNvPr>
+          <p:cNvSpPr>
+            <a:spLocks noGrp="1" noRot="1" noChangeAspect="1" noMove="1" noResize="1" noEditPoints="1" noAdjustHandles="1" noChangeArrowheads="1" noChangeShapeType="1" noTextEdit="1"/>
+          </p:cNvSpPr>
+          <p:nvPr>
+            <p:extLst>
+              <p:ext uri="{386F3935-93C4-4BCD-93E2-E3B085C9AB24}">
+                <p16:designElem xmlns:p16="http://schemas.microsoft.com/office/powerpoint/2015/main" val="1"/>
+              </p:ext>
+            </p:extLst>
+          </p:nvPr>
+        </p:nvSpPr>
+        <p:spPr bwMode="auto">
+          <a:xfrm>
+            <a:off x="11784011" y="938535"/>
+            <a:ext cx="407988" cy="819150"/>
+          </a:xfrm>
+          <a:custGeom>
+            <a:avLst/>
+            <a:gdLst/>
+            <a:ahLst/>
+            <a:cxnLst/>
+            <a:rect l="0" t="0" r="r" b="b"/>
+            <a:pathLst>
+              <a:path w="1799" h="3612">
+                <a:moveTo>
+                  <a:pt x="1799" y="0"/>
+                </a:moveTo>
+                <a:lnTo>
+                  <a:pt x="1799" y="3612"/>
+                </a:lnTo>
+                <a:lnTo>
+                  <a:pt x="1686" y="3609"/>
+                </a:lnTo>
+                <a:lnTo>
+                  <a:pt x="1574" y="3598"/>
+                </a:lnTo>
+                <a:lnTo>
+                  <a:pt x="1464" y="3581"/>
+                </a:lnTo>
+                <a:lnTo>
+                  <a:pt x="1357" y="3557"/>
+                </a:lnTo>
+                <a:lnTo>
+                  <a:pt x="1251" y="3527"/>
+                </a:lnTo>
+                <a:lnTo>
+                  <a:pt x="1150" y="3490"/>
+                </a:lnTo>
+                <a:lnTo>
+                  <a:pt x="1050" y="3448"/>
+                </a:lnTo>
+                <a:lnTo>
+                  <a:pt x="953" y="3401"/>
+                </a:lnTo>
+                <a:lnTo>
+                  <a:pt x="860" y="3347"/>
+                </a:lnTo>
+                <a:lnTo>
+                  <a:pt x="771" y="3289"/>
+                </a:lnTo>
+                <a:lnTo>
+                  <a:pt x="686" y="3224"/>
+                </a:lnTo>
+                <a:lnTo>
+                  <a:pt x="604" y="3156"/>
+                </a:lnTo>
+                <a:lnTo>
+                  <a:pt x="527" y="3083"/>
+                </a:lnTo>
+                <a:lnTo>
+                  <a:pt x="454" y="3005"/>
+                </a:lnTo>
+                <a:lnTo>
+                  <a:pt x="386" y="2923"/>
+                </a:lnTo>
+                <a:lnTo>
+                  <a:pt x="323" y="2838"/>
+                </a:lnTo>
+                <a:lnTo>
+                  <a:pt x="265" y="2748"/>
+                </a:lnTo>
+                <a:lnTo>
+                  <a:pt x="211" y="2655"/>
+                </a:lnTo>
+                <a:lnTo>
+                  <a:pt x="163" y="2559"/>
+                </a:lnTo>
+                <a:lnTo>
+                  <a:pt x="121" y="2459"/>
+                </a:lnTo>
+                <a:lnTo>
+                  <a:pt x="85" y="2356"/>
+                </a:lnTo>
+                <a:lnTo>
+                  <a:pt x="55" y="2251"/>
+                </a:lnTo>
+                <a:lnTo>
+                  <a:pt x="32" y="2143"/>
+                </a:lnTo>
+                <a:lnTo>
+                  <a:pt x="14" y="2033"/>
+                </a:lnTo>
+                <a:lnTo>
+                  <a:pt x="4" y="1920"/>
+                </a:lnTo>
+                <a:lnTo>
+                  <a:pt x="0" y="1806"/>
+                </a:lnTo>
+                <a:lnTo>
+                  <a:pt x="4" y="1692"/>
+                </a:lnTo>
+                <a:lnTo>
+                  <a:pt x="14" y="1580"/>
+                </a:lnTo>
+                <a:lnTo>
+                  <a:pt x="32" y="1469"/>
+                </a:lnTo>
+                <a:lnTo>
+                  <a:pt x="55" y="1362"/>
+                </a:lnTo>
+                <a:lnTo>
+                  <a:pt x="85" y="1256"/>
+                </a:lnTo>
+                <a:lnTo>
+                  <a:pt x="121" y="1154"/>
+                </a:lnTo>
+                <a:lnTo>
+                  <a:pt x="163" y="1054"/>
+                </a:lnTo>
+                <a:lnTo>
+                  <a:pt x="211" y="958"/>
+                </a:lnTo>
+                <a:lnTo>
+                  <a:pt x="265" y="864"/>
+                </a:lnTo>
+                <a:lnTo>
+                  <a:pt x="323" y="774"/>
+                </a:lnTo>
+                <a:lnTo>
+                  <a:pt x="386" y="689"/>
+                </a:lnTo>
+                <a:lnTo>
+                  <a:pt x="454" y="607"/>
+                </a:lnTo>
+                <a:lnTo>
+                  <a:pt x="527" y="529"/>
+                </a:lnTo>
+                <a:lnTo>
+                  <a:pt x="604" y="456"/>
+                </a:lnTo>
+                <a:lnTo>
+                  <a:pt x="686" y="388"/>
+                </a:lnTo>
+                <a:lnTo>
+                  <a:pt x="771" y="325"/>
+                </a:lnTo>
+                <a:lnTo>
+                  <a:pt x="860" y="266"/>
+                </a:lnTo>
+                <a:lnTo>
+                  <a:pt x="953" y="212"/>
+                </a:lnTo>
+                <a:lnTo>
+                  <a:pt x="1050" y="164"/>
+                </a:lnTo>
+                <a:lnTo>
+                  <a:pt x="1150" y="122"/>
+                </a:lnTo>
+                <a:lnTo>
+                  <a:pt x="1251" y="85"/>
+                </a:lnTo>
+                <a:lnTo>
+                  <a:pt x="1357" y="55"/>
+                </a:lnTo>
+                <a:lnTo>
+                  <a:pt x="1464" y="32"/>
+                </a:lnTo>
+                <a:lnTo>
+                  <a:pt x="1574" y="14"/>
+                </a:lnTo>
+                <a:lnTo>
+                  <a:pt x="1686" y="5"/>
+                </a:lnTo>
+                <a:lnTo>
+                  <a:pt x="1799" y="0"/>
+                </a:lnTo>
+                <a:close/>
+              </a:path>
+            </a:pathLst>
+          </a:custGeom>
+          <a:solidFill>
+            <a:schemeClr val="bg2"/>
+          </a:solidFill>
+          <a:ln w="0">
+            <a:noFill/>
+            <a:prstDash val="solid"/>
+            <a:round/>
+            <a:headEnd/>
+            <a:tailEnd/>
+          </a:ln>
+        </p:spPr>
+      </p:sp>
+      <p:pic>
+        <p:nvPicPr>
+          <p:cNvPr id="8" name="Picture 2" descr="Image result for Delta boarding pass MCO">
+            <a:extLst>
+              <a:ext uri="{FF2B5EF4-FFF2-40B4-BE49-F238E27FC236}">
+                <a16:creationId xmlns:a16="http://schemas.microsoft.com/office/drawing/2014/main" id="{496395E0-D773-4FEB-8E63-F152EEB21774}"/>
+              </a:ext>
+            </a:extLst>
+          </p:cNvPr>
+          <p:cNvPicPr>
+            <a:picLocks noChangeAspect="1" noChangeArrowheads="1"/>
+          </p:cNvPicPr>
+          <p:nvPr/>
+        </p:nvPicPr>
+        <p:blipFill>
+          <a:blip r:embed="rId3">
+            <a:extLst>
+              <a:ext uri="{28A0092B-C50C-407E-A947-70E740481C1C}">
+                <a14:useLocalDpi xmlns:a14="http://schemas.microsoft.com/office/drawing/2010/main" val="0"/>
+              </a:ext>
+            </a:extLst>
+          </a:blip>
+          <a:srcRect/>
+          <a:stretch>
+            <a:fillRect/>
+          </a:stretch>
+        </p:blipFill>
+        <p:spPr bwMode="auto">
+          <a:xfrm rot="20406036">
+            <a:off x="8607841" y="430614"/>
+            <a:ext cx="2766591" cy="1402778"/>
+          </a:xfrm>
+          <a:prstGeom prst="rect">
+            <a:avLst/>
+          </a:prstGeom>
+          <a:noFill/>
+          <a:extLst>
+            <a:ext uri="{909E8E84-426E-40DD-AFC4-6F175D3DCCD1}">
+              <a14:hiddenFill xmlns:a14="http://schemas.microsoft.com/office/drawing/2010/main">
+                <a:solidFill>
+                  <a:srgbClr val="FFFFFF"/>
+                </a:solidFill>
+              </a14:hiddenFill>
+            </a:ext>
+          </a:extLst>
+        </p:spPr>
+      </p:pic>
+      <p:sp>
+        <p:nvSpPr>
+          <p:cNvPr id="3" name="Rectangle 1">
+            <a:extLst>
+              <a:ext uri="{FF2B5EF4-FFF2-40B4-BE49-F238E27FC236}">
+                <a16:creationId xmlns:a16="http://schemas.microsoft.com/office/drawing/2014/main" id="{979CEED4-2A51-4E44-AEC6-BD1507480E66}"/>
+              </a:ext>
+            </a:extLst>
+          </p:cNvPr>
+          <p:cNvSpPr>
+            <a:spLocks noChangeArrowheads="1"/>
+          </p:cNvSpPr>
+          <p:nvPr/>
+        </p:nvSpPr>
+        <p:spPr bwMode="auto">
+          <a:xfrm>
+            <a:off x="0" y="90100"/>
+            <a:ext cx="65" cy="276999"/>
+          </a:xfrm>
+          <a:prstGeom prst="rect">
+            <a:avLst/>
+          </a:prstGeom>
+          <a:solidFill>
+            <a:srgbClr val="FFFFFF"/>
+          </a:solidFill>
+          <a:ln>
+            <a:noFill/>
+          </a:ln>
+          <a:effectLst/>
+          <a:extLst>
+            <a:ext uri="{91240B29-F687-4F45-9708-019B960494DF}">
+              <a14:hiddenLine xmlns:a14="http://schemas.microsoft.com/office/drawing/2010/main" w="9525">
+                <a:solidFill>
+                  <a:schemeClr val="tx1"/>
+                </a:solidFill>
+                <a:miter lim="800000"/>
+                <a:headEnd/>
+                <a:tailEnd/>
+              </a14:hiddenLine>
+            </a:ext>
+            <a:ext uri="{AF507438-7753-43E0-B8FC-AC1667EBCBE1}">
+              <a14:hiddenEffects xmlns:a14="http://schemas.microsoft.com/office/drawing/2010/main">
+                <a:effectLst>
+                  <a:outerShdw dist="35921" dir="2700000" algn="ctr" rotWithShape="0">
+                    <a:schemeClr val="bg2"/>
+                  </a:outerShdw>
+                </a:effectLst>
+              </a14:hiddenEffects>
+            </a:ext>
+          </a:extLst>
+        </p:spPr>
+        <p:txBody>
+          <a:bodyPr vert="horz" wrap="none" lIns="0" tIns="0" rIns="0" bIns="0" numCol="1" anchor="ctr" anchorCtr="0" compatLnSpc="1">
+            <a:prstTxWarp prst="textNoShape">
+              <a:avLst/>
+            </a:prstTxWarp>
+            <a:spAutoFit/>
+          </a:bodyPr>
+          <a:lstStyle/>
+          <a:p>
+            <a:pPr marL="0" marR="0" lvl="0" indent="0" algn="l" defTabSz="914400" rtl="0" eaLnBrk="0" fontAlgn="base" latinLnBrk="0" hangingPunct="0">
+              <a:lnSpc>
+                <a:spcPct val="100000"/>
+              </a:lnSpc>
+              <a:spcBef>
+                <a:spcPct val="0"/>
+              </a:spcBef>
+              <a:spcAft>
+                <a:spcPct val="0"/>
+              </a:spcAft>
+              <a:buClrTx/>
+              <a:buSzTx/>
+              <a:buFontTx/>
+              <a:buNone/>
+              <a:tabLst/>
+              <a:defRPr/>
+            </a:pPr>
+            <a:endParaRPr kumimoji="0" lang="en-US" altLang="en-US" sz="1800" b="0" i="0" u="none" strike="noStrike" kern="1200" cap="none" spc="0" normalizeH="0" baseline="0" noProof="0" dirty="0">
+              <a:ln>
+                <a:noFill/>
+              </a:ln>
+              <a:solidFill>
+                <a:prstClr val="black"/>
+              </a:solidFill>
+              <a:effectLst/>
+              <a:uLnTx/>
+              <a:uFillTx/>
+              <a:latin typeface="Arial" panose="020B0604020202020204" pitchFamily="34" charset="0"/>
+              <a:ea typeface="+mn-ea"/>
+              <a:cs typeface="+mn-cs"/>
+            </a:endParaRPr>
+          </a:p>
+        </p:txBody>
+      </p:sp>
+      <p:pic>
+        <p:nvPicPr>
+          <p:cNvPr id="5" name="Picture 4">
+            <a:extLst>
+              <a:ext uri="{FF2B5EF4-FFF2-40B4-BE49-F238E27FC236}">
+                <a16:creationId xmlns:a16="http://schemas.microsoft.com/office/drawing/2014/main" id="{FDF2B30A-1A9E-461C-A015-C473D7E8084F}"/>
+              </a:ext>
+            </a:extLst>
+          </p:cNvPr>
+          <p:cNvPicPr>
+            <a:picLocks noChangeAspect="1"/>
+          </p:cNvPicPr>
+          <p:nvPr/>
+        </p:nvPicPr>
+        <p:blipFill>
+          <a:blip r:embed="rId4"/>
+          <a:stretch>
+            <a:fillRect/>
+          </a:stretch>
+        </p:blipFill>
+        <p:spPr>
+          <a:xfrm>
+            <a:off x="5600827" y="3056553"/>
+            <a:ext cx="5388472" cy="3498602"/>
+          </a:xfrm>
+          <a:prstGeom prst="rect">
+            <a:avLst/>
+          </a:prstGeom>
+        </p:spPr>
+      </p:pic>
+      <p:sp>
+        <p:nvSpPr>
+          <p:cNvPr id="12" name="Rectangle 11">
+            <a:extLst>
+              <a:ext uri="{FF2B5EF4-FFF2-40B4-BE49-F238E27FC236}">
+                <a16:creationId xmlns:a16="http://schemas.microsoft.com/office/drawing/2014/main" id="{61DA3606-AEB5-4744-9F37-607DBF1B737E}"/>
+              </a:ext>
+            </a:extLst>
+          </p:cNvPr>
+          <p:cNvSpPr/>
+          <p:nvPr/>
+        </p:nvSpPr>
+        <p:spPr>
+          <a:xfrm>
+            <a:off x="2859022" y="5952344"/>
+            <a:ext cx="3236977" cy="369332"/>
+          </a:xfrm>
+          <a:prstGeom prst="rect">
+            <a:avLst/>
+          </a:prstGeom>
+        </p:spPr>
+        <p:txBody>
+          <a:bodyPr wrap="square">
+            <a:spAutoFit/>
+          </a:bodyPr>
+          <a:lstStyle/>
+          <a:p>
+            <a:pPr marL="0" marR="0" lvl="0" indent="0" algn="ctr" defTabSz="457200" rtl="0" eaLnBrk="1" fontAlgn="auto" latinLnBrk="0" hangingPunct="1">
+              <a:lnSpc>
+                <a:spcPct val="100000"/>
+              </a:lnSpc>
+              <a:spcBef>
+                <a:spcPts val="0"/>
+              </a:spcBef>
+              <a:spcAft>
+                <a:spcPts val="0"/>
+              </a:spcAft>
+              <a:buClrTx/>
+              <a:buSzTx/>
+              <a:buFontTx/>
+              <a:buNone/>
+              <a:tabLst/>
+              <a:defRPr/>
+            </a:pPr>
+            <a:r>
+              <a:rPr kumimoji="0" lang="en-US" sz="1800" b="1" i="0" u="none" strike="noStrike" kern="1200" cap="none" spc="0" normalizeH="0" baseline="0" noProof="0" dirty="0">
+                <a:ln>
+                  <a:noFill/>
+                </a:ln>
+                <a:solidFill>
+                  <a:srgbClr val="0070C0"/>
+                </a:solidFill>
+                <a:effectLst/>
+                <a:uLnTx/>
+                <a:uFillTx/>
+                <a:latin typeface="Corbel" panose="020B0503020204020204"/>
+                <a:ea typeface="+mn-ea"/>
+                <a:cs typeface="+mn-cs"/>
+                <a:hlinkClick r:id="rId5">
+                  <a:extLst>
+                    <a:ext uri="{A12FA001-AC4F-418D-AE19-62706E023703}">
+                      <ahyp:hlinkClr xmlns:ahyp="http://schemas.microsoft.com/office/drawing/2018/hyperlinkcolor" xmlns="" val="tx"/>
+                    </a:ext>
+                  </a:extLst>
+                </a:hlinkClick>
+              </a:rPr>
+              <a:t>JUPYTER</a:t>
+            </a:r>
+            <a:endParaRPr kumimoji="0" lang="en-US" sz="1800" b="0" i="0" u="none" strike="noStrike" kern="1200" cap="none" spc="0" normalizeH="0" baseline="0" noProof="0" dirty="0">
+              <a:ln>
+                <a:noFill/>
+              </a:ln>
+              <a:solidFill>
+                <a:srgbClr val="0070C0"/>
+              </a:solidFill>
+              <a:effectLst/>
+              <a:uLnTx/>
+              <a:uFillTx/>
+              <a:latin typeface="Corbel" panose="020B0503020204020204"/>
+              <a:ea typeface="+mn-ea"/>
+              <a:cs typeface="+mn-cs"/>
+            </a:endParaRPr>
+          </a:p>
+        </p:txBody>
+      </p:sp>
+      <p:sp>
+        <p:nvSpPr>
+          <p:cNvPr id="14" name="Rectangle 13">
+            <a:extLst>
+              <a:ext uri="{FF2B5EF4-FFF2-40B4-BE49-F238E27FC236}">
+                <a16:creationId xmlns:a16="http://schemas.microsoft.com/office/drawing/2014/main" id="{B03D34F9-1785-416B-87E9-DB84BF74B656}"/>
+              </a:ext>
+            </a:extLst>
+          </p:cNvPr>
+          <p:cNvSpPr/>
+          <p:nvPr/>
+        </p:nvSpPr>
+        <p:spPr>
+          <a:xfrm>
+            <a:off x="152399" y="2302480"/>
+            <a:ext cx="11887200" cy="646331"/>
+          </a:xfrm>
+          <a:prstGeom prst="rect">
+            <a:avLst/>
+          </a:prstGeom>
+        </p:spPr>
+        <p:txBody>
+          <a:bodyPr wrap="square">
+            <a:spAutoFit/>
+          </a:bodyPr>
+          <a:lstStyle/>
+          <a:p>
+            <a:pPr marL="0" marR="0" lvl="0" indent="0" algn="l" defTabSz="457200" rtl="0" eaLnBrk="1" fontAlgn="auto" latinLnBrk="0" hangingPunct="1">
+              <a:lnSpc>
+                <a:spcPct val="100000"/>
+              </a:lnSpc>
+              <a:spcBef>
+                <a:spcPts val="0"/>
+              </a:spcBef>
+              <a:spcAft>
+                <a:spcPts val="0"/>
+              </a:spcAft>
+              <a:buClrTx/>
+              <a:buSzTx/>
+              <a:buFontTx/>
+              <a:buNone/>
+              <a:tabLst/>
+              <a:defRPr/>
+            </a:pPr>
+            <a:r>
+              <a:rPr kumimoji="0" lang="en-US" sz="1800" b="1" i="0" u="none" strike="noStrike" kern="1200" cap="none" spc="0" normalizeH="0" baseline="0" noProof="0" dirty="0">
+                <a:ln>
+                  <a:noFill/>
+                </a:ln>
+                <a:solidFill>
+                  <a:prstClr val="black"/>
+                </a:solidFill>
+                <a:effectLst/>
+                <a:uLnTx/>
+                <a:uFillTx/>
+                <a:latin typeface="Corbel" panose="020B0503020204020204"/>
+                <a:ea typeface="+mn-ea"/>
+                <a:cs typeface="+mn-cs"/>
+              </a:rPr>
+              <a:t>ORLANDO AIRPORT: </a:t>
+            </a:r>
+            <a:r>
+              <a:rPr kumimoji="0" lang="en-US" sz="1800" b="0" i="0" u="none" strike="noStrike" kern="1200" cap="none" spc="0" normalizeH="0" baseline="0" noProof="0" dirty="0">
+                <a:ln>
+                  <a:noFill/>
+                </a:ln>
+                <a:solidFill>
+                  <a:prstClr val="black"/>
+                </a:solidFill>
+                <a:effectLst/>
+                <a:uLnTx/>
+                <a:uFillTx/>
+                <a:latin typeface="Corbel" panose="020B0503020204020204"/>
+                <a:ea typeface="+mn-ea"/>
+                <a:cs typeface="+mn-cs"/>
+              </a:rPr>
+              <a:t>The most significant ATL bound flight delays occurred on January 23</a:t>
+            </a:r>
+            <a:r>
+              <a:rPr kumimoji="0" lang="en-US" sz="1800" b="0" i="0" u="none" strike="noStrike" kern="1200" cap="none" spc="0" normalizeH="0" baseline="30000" noProof="0" dirty="0">
+                <a:ln>
+                  <a:noFill/>
+                </a:ln>
+                <a:solidFill>
+                  <a:prstClr val="black"/>
+                </a:solidFill>
+                <a:effectLst/>
+                <a:uLnTx/>
+                <a:uFillTx/>
+                <a:latin typeface="Corbel" panose="020B0503020204020204"/>
+                <a:ea typeface="+mn-ea"/>
+                <a:cs typeface="+mn-cs"/>
+              </a:rPr>
+              <a:t>rd</a:t>
+            </a:r>
+            <a:r>
+              <a:rPr kumimoji="0" lang="en-US" sz="1800" b="0" i="0" u="none" strike="noStrike" kern="1200" cap="none" spc="0" normalizeH="0" baseline="0" noProof="0" dirty="0">
+                <a:ln>
+                  <a:noFill/>
+                </a:ln>
+                <a:solidFill>
+                  <a:prstClr val="black"/>
+                </a:solidFill>
+                <a:effectLst/>
+                <a:uLnTx/>
+                <a:uFillTx/>
+                <a:latin typeface="Corbel" panose="020B0503020204020204"/>
+                <a:ea typeface="+mn-ea"/>
+                <a:cs typeface="+mn-cs"/>
+              </a:rPr>
+              <a:t> where all but two of the eight delayed flights greatly exceeded mean delay durations of 12 (Range B) and 17 minutes (Range B Final Week).   </a:t>
+            </a:r>
+          </a:p>
+        </p:txBody>
+      </p:sp>
+      <p:sp>
+        <p:nvSpPr>
+          <p:cNvPr id="16" name="Rectangle 15">
+            <a:extLst>
+              <a:ext uri="{FF2B5EF4-FFF2-40B4-BE49-F238E27FC236}">
+                <a16:creationId xmlns:a16="http://schemas.microsoft.com/office/drawing/2014/main" id="{A39BF09B-E29B-4D96-8056-3451E70743E6}"/>
+              </a:ext>
+            </a:extLst>
+          </p:cNvPr>
+          <p:cNvSpPr/>
+          <p:nvPr/>
+        </p:nvSpPr>
+        <p:spPr>
+          <a:xfrm>
+            <a:off x="5477256" y="3703320"/>
+            <a:ext cx="5605272" cy="1623653"/>
+          </a:xfrm>
+          <a:prstGeom prst="rect">
+            <a:avLst/>
+          </a:prstGeom>
+          <a:noFill/>
+          <a:ln>
+            <a:solidFill>
+              <a:srgbClr val="FF0000"/>
+            </a:solidFill>
+          </a:ln>
+        </p:spPr>
+        <p:style>
+          <a:lnRef idx="2">
+            <a:schemeClr val="accent1">
+              <a:shade val="50000"/>
+            </a:schemeClr>
+          </a:lnRef>
+          <a:fillRef idx="1">
+            <a:schemeClr val="accent1"/>
+          </a:fillRef>
+          <a:effectRef idx="0">
+            <a:schemeClr val="accent1"/>
+          </a:effectRef>
+          <a:fontRef idx="minor">
+            <a:schemeClr val="lt1"/>
+          </a:fontRef>
+        </p:style>
+        <p:txBody>
+          <a:bodyPr rtlCol="0" anchor="ctr"/>
+          <a:lstStyle/>
+          <a:p>
+            <a:pPr marL="0" marR="0" lvl="0" indent="0" algn="ctr" defTabSz="457200" rtl="0" eaLnBrk="1" fontAlgn="auto" latinLnBrk="0" hangingPunct="1">
+              <a:lnSpc>
+                <a:spcPct val="100000"/>
+              </a:lnSpc>
+              <a:spcBef>
+                <a:spcPts val="0"/>
+              </a:spcBef>
+              <a:spcAft>
+                <a:spcPts val="0"/>
+              </a:spcAft>
+              <a:buClrTx/>
+              <a:buSzTx/>
+              <a:buFontTx/>
+              <a:buNone/>
+              <a:tabLst/>
+              <a:defRPr/>
+            </a:pPr>
+            <a:endParaRPr kumimoji="0" lang="en-US" sz="1800" b="0" i="0" u="none" strike="noStrike" kern="1200" cap="none" spc="0" normalizeH="0" baseline="0" noProof="0">
+              <a:ln>
+                <a:noFill/>
+              </a:ln>
+              <a:solidFill>
+                <a:prstClr val="white"/>
+              </a:solidFill>
+              <a:effectLst/>
+              <a:uLnTx/>
+              <a:uFillTx/>
+              <a:latin typeface="Corbel" panose="020B0503020204020204"/>
+              <a:ea typeface="+mn-ea"/>
+              <a:cs typeface="+mn-cs"/>
+            </a:endParaRPr>
+          </a:p>
+        </p:txBody>
+      </p:sp>
+      <p:sp>
+        <p:nvSpPr>
+          <p:cNvPr id="17" name="Rectangle 16">
+            <a:extLst>
+              <a:ext uri="{FF2B5EF4-FFF2-40B4-BE49-F238E27FC236}">
+                <a16:creationId xmlns:a16="http://schemas.microsoft.com/office/drawing/2014/main" id="{9B83E93A-3AF3-4407-8C5E-B673B7C04104}"/>
+              </a:ext>
+            </a:extLst>
+          </p:cNvPr>
+          <p:cNvSpPr/>
+          <p:nvPr/>
+        </p:nvSpPr>
+        <p:spPr>
+          <a:xfrm flipV="1">
+            <a:off x="1073160" y="3304314"/>
+            <a:ext cx="1514591" cy="3398238"/>
+          </a:xfrm>
+          <a:prstGeom prst="rect">
+            <a:avLst/>
+          </a:prstGeom>
+          <a:noFill/>
+          <a:ln>
+            <a:solidFill>
+              <a:srgbClr val="FF0000"/>
+            </a:solidFill>
+          </a:ln>
+        </p:spPr>
+        <p:style>
+          <a:lnRef idx="2">
+            <a:schemeClr val="accent1">
+              <a:shade val="50000"/>
+            </a:schemeClr>
+          </a:lnRef>
+          <a:fillRef idx="1">
+            <a:schemeClr val="accent1"/>
+          </a:fillRef>
+          <a:effectRef idx="0">
+            <a:schemeClr val="accent1"/>
+          </a:effectRef>
+          <a:fontRef idx="minor">
+            <a:schemeClr val="lt1"/>
+          </a:fontRef>
+        </p:style>
+        <p:txBody>
+          <a:bodyPr rtlCol="0" anchor="ctr"/>
+          <a:lstStyle/>
+          <a:p>
+            <a:pPr marL="0" marR="0" lvl="0" indent="0" algn="ctr" defTabSz="457200" rtl="0" eaLnBrk="1" fontAlgn="auto" latinLnBrk="0" hangingPunct="1">
+              <a:lnSpc>
+                <a:spcPct val="100000"/>
+              </a:lnSpc>
+              <a:spcBef>
+                <a:spcPts val="0"/>
+              </a:spcBef>
+              <a:spcAft>
+                <a:spcPts val="0"/>
+              </a:spcAft>
+              <a:buClrTx/>
+              <a:buSzTx/>
+              <a:buFontTx/>
+              <a:buNone/>
+              <a:tabLst/>
+              <a:defRPr/>
+            </a:pPr>
+            <a:endParaRPr kumimoji="0" lang="en-US" sz="1800" b="0" i="0" u="none" strike="noStrike" kern="1200" cap="none" spc="0" normalizeH="0" baseline="0" noProof="0">
+              <a:ln>
+                <a:noFill/>
+              </a:ln>
+              <a:solidFill>
+                <a:prstClr val="white"/>
+              </a:solidFill>
+              <a:effectLst/>
+              <a:uLnTx/>
+              <a:uFillTx/>
+              <a:latin typeface="Corbel" panose="020B0503020204020204"/>
+              <a:ea typeface="+mn-ea"/>
+              <a:cs typeface="+mn-cs"/>
+            </a:endParaRPr>
+          </a:p>
+        </p:txBody>
+      </p:sp>
+      <p:sp>
+        <p:nvSpPr>
+          <p:cNvPr id="21" name="Rectangle 20">
+            <a:extLst>
+              <a:ext uri="{FF2B5EF4-FFF2-40B4-BE49-F238E27FC236}">
+                <a16:creationId xmlns:a16="http://schemas.microsoft.com/office/drawing/2014/main" id="{F1737F29-67E9-4F0A-9777-96649F321246}"/>
+              </a:ext>
+            </a:extLst>
+          </p:cNvPr>
+          <p:cNvSpPr/>
+          <p:nvPr/>
+        </p:nvSpPr>
+        <p:spPr>
+          <a:xfrm>
+            <a:off x="5629656" y="4078224"/>
+            <a:ext cx="5288280" cy="429273"/>
+          </a:xfrm>
+          <a:prstGeom prst="rect">
+            <a:avLst/>
+          </a:prstGeom>
+          <a:noFill/>
+          <a:ln>
+            <a:solidFill>
+              <a:srgbClr val="002060"/>
+            </a:solidFill>
+          </a:ln>
+        </p:spPr>
+        <p:style>
+          <a:lnRef idx="2">
+            <a:schemeClr val="accent1">
+              <a:shade val="50000"/>
+            </a:schemeClr>
+          </a:lnRef>
+          <a:fillRef idx="1">
+            <a:schemeClr val="accent1"/>
+          </a:fillRef>
+          <a:effectRef idx="0">
+            <a:schemeClr val="accent1"/>
+          </a:effectRef>
+          <a:fontRef idx="minor">
+            <a:schemeClr val="lt1"/>
+          </a:fontRef>
+        </p:style>
+        <p:txBody>
+          <a:bodyPr rtlCol="0" anchor="ctr"/>
+          <a:lstStyle/>
+          <a:p>
+            <a:pPr marL="0" marR="0" lvl="0" indent="0" algn="ctr" defTabSz="457200" rtl="0" eaLnBrk="1" fontAlgn="auto" latinLnBrk="0" hangingPunct="1">
+              <a:lnSpc>
+                <a:spcPct val="100000"/>
+              </a:lnSpc>
+              <a:spcBef>
+                <a:spcPts val="0"/>
+              </a:spcBef>
+              <a:spcAft>
+                <a:spcPts val="0"/>
+              </a:spcAft>
+              <a:buClrTx/>
+              <a:buSzTx/>
+              <a:buFontTx/>
+              <a:buNone/>
+              <a:tabLst/>
+              <a:defRPr/>
+            </a:pPr>
+            <a:endParaRPr kumimoji="0" lang="en-US" sz="1800" b="0" i="0" u="none" strike="noStrike" kern="1200" cap="none" spc="0" normalizeH="0" baseline="0" noProof="0">
+              <a:ln>
+                <a:noFill/>
+              </a:ln>
+              <a:solidFill>
+                <a:prstClr val="white"/>
+              </a:solidFill>
+              <a:effectLst/>
+              <a:uLnTx/>
+              <a:uFillTx/>
+              <a:latin typeface="Corbel" panose="020B0503020204020204"/>
+              <a:ea typeface="+mn-ea"/>
+              <a:cs typeface="+mn-cs"/>
+            </a:endParaRPr>
+          </a:p>
+        </p:txBody>
+      </p:sp>
+      <p:sp>
+        <p:nvSpPr>
+          <p:cNvPr id="22" name="Rectangle 21">
+            <a:extLst>
+              <a:ext uri="{FF2B5EF4-FFF2-40B4-BE49-F238E27FC236}">
+                <a16:creationId xmlns:a16="http://schemas.microsoft.com/office/drawing/2014/main" id="{D936F744-CA7A-46EC-80FE-95E826A8EB87}"/>
+              </a:ext>
+            </a:extLst>
+          </p:cNvPr>
+          <p:cNvSpPr/>
+          <p:nvPr/>
+        </p:nvSpPr>
+        <p:spPr>
+          <a:xfrm>
+            <a:off x="3950263" y="6521912"/>
+            <a:ext cx="8359220" cy="369332"/>
+          </a:xfrm>
+          <a:prstGeom prst="rect">
+            <a:avLst/>
+          </a:prstGeom>
+        </p:spPr>
+        <p:txBody>
+          <a:bodyPr wrap="square">
+            <a:spAutoFit/>
+          </a:bodyPr>
+          <a:lstStyle/>
+          <a:p>
+            <a:pPr marL="0" marR="0" lvl="0" indent="0" algn="l" defTabSz="457200" rtl="0" eaLnBrk="1" fontAlgn="auto" latinLnBrk="0" hangingPunct="1">
+              <a:lnSpc>
+                <a:spcPct val="100000"/>
+              </a:lnSpc>
+              <a:spcBef>
+                <a:spcPts val="0"/>
+              </a:spcBef>
+              <a:spcAft>
+                <a:spcPts val="0"/>
+              </a:spcAft>
+              <a:buClrTx/>
+              <a:buSzTx/>
+              <a:buFontTx/>
+              <a:buNone/>
+              <a:tabLst/>
+              <a:defRPr/>
+            </a:pPr>
+            <a:r>
+              <a:rPr kumimoji="0" lang="en-US" sz="1800" b="0" i="0" u="none" strike="noStrike" kern="1200" cap="none" spc="0" normalizeH="0" baseline="0" noProof="0" dirty="0">
+                <a:ln>
+                  <a:noFill/>
+                </a:ln>
+                <a:solidFill>
+                  <a:prstClr val="black"/>
+                </a:solidFill>
+                <a:effectLst/>
+                <a:uLnTx/>
+                <a:uFillTx/>
+                <a:latin typeface="Corbel" panose="020B0503020204020204"/>
+                <a:ea typeface="+mn-ea"/>
+                <a:cs typeface="+mn-cs"/>
+              </a:rPr>
+              <a:t>Flight 1083 / N683DA appeared to have particular difficulties with accumulative delays. </a:t>
+            </a:r>
+          </a:p>
+        </p:txBody>
+      </p:sp>
+    </p:spTree>
+    <p:extLst>
+      <p:ext uri="{BB962C8B-B14F-4D97-AF65-F5344CB8AC3E}">
+        <p14:creationId xmlns:p14="http://schemas.microsoft.com/office/powerpoint/2010/main" val="76772684"/>
+      </p:ext>
+    </p:extLst>
+  </p:cSld>
+  <p:clrMapOvr>
+    <a:masterClrMapping/>
+  </p:clrMapOvr>
+</p:sld>
+</file>
+
+<file path=ppt/slides/slide24.xml><?xml version="1.0" encoding="utf-8"?>
+<p:sld xmlns:a="http://schemas.openxmlformats.org/drawingml/2006/main" xmlns:r="http://schemas.openxmlformats.org/officeDocument/2006/relationships" xmlns:p="http://schemas.openxmlformats.org/presentationml/2006/main">
+  <p:cSld>
+    <p:bg>
+      <p:bgPr>
+        <a:gradFill>
+          <a:gsLst>
+            <a:gs pos="0">
+              <a:schemeClr val="accent1">
+                <a:lumMod val="5000"/>
+                <a:lumOff val="95000"/>
+              </a:schemeClr>
+            </a:gs>
+            <a:gs pos="81000">
+              <a:schemeClr val="accent1">
+                <a:lumMod val="45000"/>
+                <a:lumOff val="55000"/>
+              </a:schemeClr>
+            </a:gs>
+            <a:gs pos="83000">
+              <a:schemeClr val="accent1">
+                <a:lumMod val="45000"/>
+                <a:lumOff val="55000"/>
+              </a:schemeClr>
+            </a:gs>
+            <a:gs pos="100000">
+              <a:schemeClr val="accent1">
+                <a:lumMod val="30000"/>
+                <a:lumOff val="70000"/>
+              </a:schemeClr>
+            </a:gs>
+          </a:gsLst>
+          <a:lin ang="5400000" scaled="1"/>
+        </a:gradFill>
+        <a:effectLst/>
+      </p:bgPr>
+    </p:bg>
+    <p:spTree>
+      <p:nvGrpSpPr>
+        <p:cNvPr id="1" name=""/>
+        <p:cNvGrpSpPr/>
+        <p:nvPr/>
+      </p:nvGrpSpPr>
+      <p:grpSpPr>
+        <a:xfrm>
+          <a:off x="0" y="0"/>
+          <a:ext cx="0" cy="0"/>
+          <a:chOff x="0" y="0"/>
+          <a:chExt cx="0" cy="0"/>
+        </a:xfrm>
+      </p:grpSpPr>
+      <p:sp useBgFill="1">
+        <p:nvSpPr>
+          <p:cNvPr id="9" name="Rectangle 8">
+            <a:extLst>
+              <a:ext uri="{FF2B5EF4-FFF2-40B4-BE49-F238E27FC236}">
+                <a16:creationId xmlns:a16="http://schemas.microsoft.com/office/drawing/2014/main" id="{4281BC32-FF58-4898-A6B5-7B3D059BCEB0}"/>
+              </a:ext>
+              <a:ext uri="{C183D7F6-B498-43B3-948B-1728B52AA6E4}">
+                <adec:decorative xmlns:adec="http://schemas.microsoft.com/office/drawing/2017/decorative" xmlns="" val="1"/>
+              </a:ext>
+            </a:extLst>
+          </p:cNvPr>
+          <p:cNvSpPr>
+            <a:spLocks noGrp="1" noRot="1" noChangeAspect="1" noMove="1" noResize="1" noEditPoints="1" noAdjustHandles="1" noChangeArrowheads="1" noChangeShapeType="1" noTextEdit="1"/>
+          </p:cNvSpPr>
+          <p:nvPr>
+            <p:extLst>
+              <p:ext uri="{386F3935-93C4-4BCD-93E2-E3B085C9AB24}">
+                <p16:designElem xmlns:p16="http://schemas.microsoft.com/office/powerpoint/2015/main" val="1"/>
+              </p:ext>
+            </p:extLst>
+          </p:nvPr>
+        </p:nvSpPr>
+        <p:spPr>
+          <a:xfrm>
+            <a:off x="0" y="0"/>
+            <a:ext cx="12192000" cy="6858000"/>
+          </a:xfrm>
+          <a:prstGeom prst="rect">
+            <a:avLst/>
+          </a:prstGeom>
+          <a:ln>
+            <a:noFill/>
+          </a:ln>
+        </p:spPr>
+        <p:style>
+          <a:lnRef idx="2">
+            <a:schemeClr val="accent1">
+              <a:shade val="50000"/>
+            </a:schemeClr>
+          </a:lnRef>
+          <a:fillRef idx="1">
+            <a:schemeClr val="accent1"/>
+          </a:fillRef>
+          <a:effectRef idx="0">
+            <a:schemeClr val="accent1"/>
+          </a:effectRef>
+          <a:fontRef idx="minor">
+            <a:schemeClr val="lt1"/>
+          </a:fontRef>
+        </p:style>
+        <p:txBody>
+          <a:bodyPr rtlCol="0" anchor="ctr"/>
+          <a:lstStyle/>
+          <a:p>
+            <a:pPr marL="0" marR="0" lvl="0" indent="0" algn="ctr" defTabSz="457200" rtl="0" eaLnBrk="1" fontAlgn="auto" latinLnBrk="0" hangingPunct="1">
+              <a:lnSpc>
+                <a:spcPct val="100000"/>
+              </a:lnSpc>
+              <a:spcBef>
+                <a:spcPts val="0"/>
+              </a:spcBef>
+              <a:spcAft>
+                <a:spcPts val="0"/>
+              </a:spcAft>
+              <a:buClrTx/>
+              <a:buSzTx/>
+              <a:buFontTx/>
+              <a:buNone/>
+              <a:tabLst/>
+              <a:defRPr/>
+            </a:pPr>
+            <a:endParaRPr kumimoji="0" lang="en-US" sz="1800" b="0" i="0" u="none" strike="noStrike" kern="1200" cap="none" spc="0" normalizeH="0" baseline="0" noProof="0">
+              <a:ln>
+                <a:noFill/>
+              </a:ln>
+              <a:solidFill>
+                <a:prstClr val="white"/>
+              </a:solidFill>
+              <a:effectLst/>
+              <a:uLnTx/>
+              <a:uFillTx/>
+              <a:latin typeface="Corbel" panose="020B0503020204020204"/>
+              <a:ea typeface="+mn-ea"/>
+              <a:cs typeface="+mn-cs"/>
+            </a:endParaRPr>
+          </a:p>
+        </p:txBody>
+      </p:sp>
+      <p:sp>
+        <p:nvSpPr>
+          <p:cNvPr id="11" name="Rectangle 10">
+            <a:extLst>
+              <a:ext uri="{FF2B5EF4-FFF2-40B4-BE49-F238E27FC236}">
+                <a16:creationId xmlns:a16="http://schemas.microsoft.com/office/drawing/2014/main" id="{0D614406-135F-4875-9C87-53822CB19ABB}"/>
+              </a:ext>
+              <a:ext uri="{C183D7F6-B498-43B3-948B-1728B52AA6E4}">
+                <adec:decorative xmlns:adec="http://schemas.microsoft.com/office/drawing/2017/decorative" xmlns="" val="1"/>
+              </a:ext>
+            </a:extLst>
+          </p:cNvPr>
+          <p:cNvSpPr>
+            <a:spLocks noGrp="1" noRot="1" noChangeAspect="1" noMove="1" noResize="1" noEditPoints="1" noAdjustHandles="1" noChangeArrowheads="1" noChangeShapeType="1" noTextEdit="1"/>
+          </p:cNvSpPr>
+          <p:nvPr>
+            <p:extLst>
+              <p:ext uri="{386F3935-93C4-4BCD-93E2-E3B085C9AB24}">
+                <p16:designElem xmlns:p16="http://schemas.microsoft.com/office/powerpoint/2015/main" val="1"/>
+              </p:ext>
+            </p:extLst>
+          </p:nvPr>
+        </p:nvSpPr>
+        <p:spPr>
+          <a:xfrm>
+            <a:off x="0" y="0"/>
+            <a:ext cx="12191999" cy="2285999"/>
+          </a:xfrm>
+          <a:prstGeom prst="rect">
+            <a:avLst/>
+          </a:prstGeom>
+          <a:solidFill>
+            <a:schemeClr val="tx1"/>
+          </a:solidFill>
+          <a:ln>
+            <a:noFill/>
+          </a:ln>
+        </p:spPr>
+        <p:style>
+          <a:lnRef idx="2">
+            <a:schemeClr val="accent1">
+              <a:shade val="50000"/>
+            </a:schemeClr>
+          </a:lnRef>
+          <a:fillRef idx="1">
+            <a:schemeClr val="accent1"/>
+          </a:fillRef>
+          <a:effectRef idx="0">
+            <a:schemeClr val="accent1"/>
+          </a:effectRef>
+          <a:fontRef idx="minor">
+            <a:schemeClr val="lt1"/>
+          </a:fontRef>
+        </p:style>
+        <p:txBody>
+          <a:bodyPr rtlCol="0" anchor="ctr"/>
+          <a:lstStyle/>
+          <a:p>
+            <a:pPr marL="0" marR="0" lvl="0" indent="0" algn="ctr" defTabSz="457200" rtl="0" eaLnBrk="1" fontAlgn="auto" latinLnBrk="0" hangingPunct="1">
+              <a:lnSpc>
+                <a:spcPct val="100000"/>
+              </a:lnSpc>
+              <a:spcBef>
+                <a:spcPts val="0"/>
+              </a:spcBef>
+              <a:spcAft>
+                <a:spcPts val="0"/>
+              </a:spcAft>
+              <a:buClrTx/>
+              <a:buSzTx/>
+              <a:buFontTx/>
+              <a:buNone/>
+              <a:tabLst/>
+              <a:defRPr/>
+            </a:pPr>
+            <a:endParaRPr kumimoji="0" lang="en-US" sz="1800" b="0" i="0" u="none" strike="noStrike" kern="1200" cap="none" spc="0" normalizeH="0" baseline="0" noProof="0">
+              <a:ln>
+                <a:noFill/>
+              </a:ln>
+              <a:solidFill>
+                <a:prstClr val="white"/>
+              </a:solidFill>
+              <a:effectLst/>
+              <a:uLnTx/>
+              <a:uFillTx/>
+              <a:latin typeface="Corbel" panose="020B0503020204020204"/>
+              <a:ea typeface="+mn-ea"/>
+              <a:cs typeface="+mn-cs"/>
+            </a:endParaRPr>
+          </a:p>
+        </p:txBody>
+      </p:sp>
+      <p:sp>
+        <p:nvSpPr>
+          <p:cNvPr id="2" name="Title 1"/>
+          <p:cNvSpPr>
+            <a:spLocks noGrp="1"/>
+          </p:cNvSpPr>
+          <p:nvPr>
+            <p:ph type="title"/>
+          </p:nvPr>
+        </p:nvSpPr>
+        <p:spPr>
+          <a:xfrm>
+            <a:off x="76200" y="221915"/>
+            <a:ext cx="7169753" cy="1232750"/>
+          </a:xfrm>
+        </p:spPr>
+        <p:txBody>
+          <a:bodyPr anchor="b">
+            <a:normAutofit/>
+          </a:bodyPr>
+          <a:lstStyle/>
+          <a:p>
+            <a:pPr algn="l"/>
+            <a:r>
+              <a:rPr lang="en-US" sz="3900" dirty="0">
+                <a:solidFill>
+                  <a:schemeClr val="bg1"/>
+                </a:solidFill>
+              </a:rPr>
+              <a:t>Findings and conclusions</a:t>
+            </a:r>
+          </a:p>
+        </p:txBody>
+      </p:sp>
+      <p:cxnSp>
+        <p:nvCxnSpPr>
+          <p:cNvPr id="13" name="Straight Connector 12">
+            <a:extLst>
+              <a:ext uri="{FF2B5EF4-FFF2-40B4-BE49-F238E27FC236}">
+                <a16:creationId xmlns:a16="http://schemas.microsoft.com/office/drawing/2014/main" id="{C6C21149-7D17-44C2-AFB6-4D931DC55FB1}"/>
+              </a:ext>
+              <a:ext uri="{C183D7F6-B498-43B3-948B-1728B52AA6E4}">
+                <adec:decorative xmlns:adec="http://schemas.microsoft.com/office/drawing/2017/decorative" xmlns="" val="1"/>
+              </a:ext>
+            </a:extLst>
+          </p:cNvPr>
+          <p:cNvCxnSpPr>
+            <a:cxnSpLocks noGrp="1" noRot="1" noChangeAspect="1" noMove="1" noResize="1" noEditPoints="1" noAdjustHandles="1" noChangeArrowheads="1" noChangeShapeType="1"/>
+          </p:cNvCxnSpPr>
+          <p:nvPr>
+            <p:extLst>
+              <p:ext uri="{386F3935-93C4-4BCD-93E2-E3B085C9AB24}">
+                <p16:designElem xmlns:p16="http://schemas.microsoft.com/office/powerpoint/2015/main" val="1"/>
+              </p:ext>
+            </p:extLst>
+          </p:nvPr>
+        </p:nvCxnSpPr>
+        <p:spPr>
+          <a:xfrm>
+            <a:off x="0" y="1676579"/>
+            <a:ext cx="8129873" cy="6020"/>
+          </a:xfrm>
+          <a:prstGeom prst="line">
+            <a:avLst/>
+          </a:prstGeom>
+          <a:ln w="25400">
+            <a:solidFill>
+              <a:schemeClr val="bg1"/>
+            </a:solidFill>
+          </a:ln>
+        </p:spPr>
+        <p:style>
+          <a:lnRef idx="1">
+            <a:schemeClr val="accent1"/>
+          </a:lnRef>
+          <a:fillRef idx="0">
+            <a:schemeClr val="accent1"/>
+          </a:fillRef>
+          <a:effectRef idx="0">
+            <a:schemeClr val="accent1"/>
+          </a:effectRef>
+          <a:fontRef idx="minor">
+            <a:schemeClr val="tx1"/>
+          </a:fontRef>
+        </p:style>
+      </p:cxnSp>
+      <p:sp>
+        <p:nvSpPr>
+          <p:cNvPr id="15" name="Freeform 6">
+            <a:extLst>
+              <a:ext uri="{FF2B5EF4-FFF2-40B4-BE49-F238E27FC236}">
+                <a16:creationId xmlns:a16="http://schemas.microsoft.com/office/drawing/2014/main" id="{C2E5FCF0-567A-448C-A6E3-920BFC702C2F}"/>
+              </a:ext>
+              <a:ext uri="{C183D7F6-B498-43B3-948B-1728B52AA6E4}">
+                <adec:decorative xmlns:adec="http://schemas.microsoft.com/office/drawing/2017/decorative" xmlns="" val="1"/>
+              </a:ext>
+            </a:extLst>
+          </p:cNvPr>
+          <p:cNvSpPr>
+            <a:spLocks noGrp="1" noRot="1" noChangeAspect="1" noMove="1" noResize="1" noEditPoints="1" noAdjustHandles="1" noChangeArrowheads="1" noChangeShapeType="1" noTextEdit="1"/>
+          </p:cNvSpPr>
+          <p:nvPr>
+            <p:extLst>
+              <p:ext uri="{386F3935-93C4-4BCD-93E2-E3B085C9AB24}">
+                <p16:designElem xmlns:p16="http://schemas.microsoft.com/office/powerpoint/2015/main" val="1"/>
+              </p:ext>
+            </p:extLst>
+          </p:nvPr>
+        </p:nvSpPr>
+        <p:spPr bwMode="auto">
+          <a:xfrm>
+            <a:off x="11784011" y="938535"/>
+            <a:ext cx="407988" cy="819150"/>
+          </a:xfrm>
+          <a:custGeom>
+            <a:avLst/>
+            <a:gdLst/>
+            <a:ahLst/>
+            <a:cxnLst/>
+            <a:rect l="0" t="0" r="r" b="b"/>
+            <a:pathLst>
+              <a:path w="1799" h="3612">
+                <a:moveTo>
+                  <a:pt x="1799" y="0"/>
+                </a:moveTo>
+                <a:lnTo>
+                  <a:pt x="1799" y="3612"/>
+                </a:lnTo>
+                <a:lnTo>
+                  <a:pt x="1686" y="3609"/>
+                </a:lnTo>
+                <a:lnTo>
+                  <a:pt x="1574" y="3598"/>
+                </a:lnTo>
+                <a:lnTo>
+                  <a:pt x="1464" y="3581"/>
+                </a:lnTo>
+                <a:lnTo>
+                  <a:pt x="1357" y="3557"/>
+                </a:lnTo>
+                <a:lnTo>
+                  <a:pt x="1251" y="3527"/>
+                </a:lnTo>
+                <a:lnTo>
+                  <a:pt x="1150" y="3490"/>
+                </a:lnTo>
+                <a:lnTo>
+                  <a:pt x="1050" y="3448"/>
+                </a:lnTo>
+                <a:lnTo>
+                  <a:pt x="953" y="3401"/>
+                </a:lnTo>
+                <a:lnTo>
+                  <a:pt x="860" y="3347"/>
+                </a:lnTo>
+                <a:lnTo>
+                  <a:pt x="771" y="3289"/>
+                </a:lnTo>
+                <a:lnTo>
+                  <a:pt x="686" y="3224"/>
+                </a:lnTo>
+                <a:lnTo>
+                  <a:pt x="604" y="3156"/>
+                </a:lnTo>
+                <a:lnTo>
+                  <a:pt x="527" y="3083"/>
+                </a:lnTo>
+                <a:lnTo>
+                  <a:pt x="454" y="3005"/>
+                </a:lnTo>
+                <a:lnTo>
+                  <a:pt x="386" y="2923"/>
+                </a:lnTo>
+                <a:lnTo>
+                  <a:pt x="323" y="2838"/>
+                </a:lnTo>
+                <a:lnTo>
+                  <a:pt x="265" y="2748"/>
+                </a:lnTo>
+                <a:lnTo>
+                  <a:pt x="211" y="2655"/>
+                </a:lnTo>
+                <a:lnTo>
+                  <a:pt x="163" y="2559"/>
+                </a:lnTo>
+                <a:lnTo>
+                  <a:pt x="121" y="2459"/>
+                </a:lnTo>
+                <a:lnTo>
+                  <a:pt x="85" y="2356"/>
+                </a:lnTo>
+                <a:lnTo>
+                  <a:pt x="55" y="2251"/>
+                </a:lnTo>
+                <a:lnTo>
+                  <a:pt x="32" y="2143"/>
+                </a:lnTo>
+                <a:lnTo>
+                  <a:pt x="14" y="2033"/>
+                </a:lnTo>
+                <a:lnTo>
+                  <a:pt x="4" y="1920"/>
+                </a:lnTo>
+                <a:lnTo>
+                  <a:pt x="0" y="1806"/>
+                </a:lnTo>
+                <a:lnTo>
+                  <a:pt x="4" y="1692"/>
+                </a:lnTo>
+                <a:lnTo>
+                  <a:pt x="14" y="1580"/>
+                </a:lnTo>
+                <a:lnTo>
+                  <a:pt x="32" y="1469"/>
+                </a:lnTo>
+                <a:lnTo>
+                  <a:pt x="55" y="1362"/>
+                </a:lnTo>
+                <a:lnTo>
+                  <a:pt x="85" y="1256"/>
+                </a:lnTo>
+                <a:lnTo>
+                  <a:pt x="121" y="1154"/>
+                </a:lnTo>
+                <a:lnTo>
+                  <a:pt x="163" y="1054"/>
+                </a:lnTo>
+                <a:lnTo>
+                  <a:pt x="211" y="958"/>
+                </a:lnTo>
+                <a:lnTo>
+                  <a:pt x="265" y="864"/>
+                </a:lnTo>
+                <a:lnTo>
+                  <a:pt x="323" y="774"/>
+                </a:lnTo>
+                <a:lnTo>
+                  <a:pt x="386" y="689"/>
+                </a:lnTo>
+                <a:lnTo>
+                  <a:pt x="454" y="607"/>
+                </a:lnTo>
+                <a:lnTo>
+                  <a:pt x="527" y="529"/>
+                </a:lnTo>
+                <a:lnTo>
+                  <a:pt x="604" y="456"/>
+                </a:lnTo>
+                <a:lnTo>
+                  <a:pt x="686" y="388"/>
+                </a:lnTo>
+                <a:lnTo>
+                  <a:pt x="771" y="325"/>
+                </a:lnTo>
+                <a:lnTo>
+                  <a:pt x="860" y="266"/>
+                </a:lnTo>
+                <a:lnTo>
+                  <a:pt x="953" y="212"/>
+                </a:lnTo>
+                <a:lnTo>
+                  <a:pt x="1050" y="164"/>
+                </a:lnTo>
+                <a:lnTo>
+                  <a:pt x="1150" y="122"/>
+                </a:lnTo>
+                <a:lnTo>
+                  <a:pt x="1251" y="85"/>
+                </a:lnTo>
+                <a:lnTo>
+                  <a:pt x="1357" y="55"/>
+                </a:lnTo>
+                <a:lnTo>
+                  <a:pt x="1464" y="32"/>
+                </a:lnTo>
+                <a:lnTo>
+                  <a:pt x="1574" y="14"/>
+                </a:lnTo>
+                <a:lnTo>
+                  <a:pt x="1686" y="5"/>
+                </a:lnTo>
+                <a:lnTo>
+                  <a:pt x="1799" y="0"/>
+                </a:lnTo>
+                <a:close/>
+              </a:path>
+            </a:pathLst>
+          </a:custGeom>
+          <a:solidFill>
+            <a:schemeClr val="bg2"/>
+          </a:solidFill>
+          <a:ln w="0">
+            <a:noFill/>
+            <a:prstDash val="solid"/>
+            <a:round/>
+            <a:headEnd/>
+            <a:tailEnd/>
+          </a:ln>
+        </p:spPr>
+      </p:sp>
+      <p:pic>
+        <p:nvPicPr>
+          <p:cNvPr id="8" name="Picture 2" descr="Image result for Delta boarding pass MCO">
+            <a:extLst>
+              <a:ext uri="{FF2B5EF4-FFF2-40B4-BE49-F238E27FC236}">
+                <a16:creationId xmlns:a16="http://schemas.microsoft.com/office/drawing/2014/main" id="{496395E0-D773-4FEB-8E63-F152EEB21774}"/>
+              </a:ext>
+            </a:extLst>
+          </p:cNvPr>
+          <p:cNvPicPr>
+            <a:picLocks noChangeAspect="1" noChangeArrowheads="1"/>
+          </p:cNvPicPr>
+          <p:nvPr/>
+        </p:nvPicPr>
+        <p:blipFill>
+          <a:blip r:embed="rId2">
+            <a:extLst>
+              <a:ext uri="{28A0092B-C50C-407E-A947-70E740481C1C}">
+                <a14:useLocalDpi xmlns:a14="http://schemas.microsoft.com/office/drawing/2010/main" val="0"/>
+              </a:ext>
+            </a:extLst>
+          </a:blip>
+          <a:srcRect/>
+          <a:stretch>
+            <a:fillRect/>
+          </a:stretch>
+        </p:blipFill>
+        <p:spPr bwMode="auto">
+          <a:xfrm rot="20406036">
+            <a:off x="8607841" y="430614"/>
+            <a:ext cx="2766591" cy="1402778"/>
+          </a:xfrm>
+          <a:prstGeom prst="rect">
+            <a:avLst/>
+          </a:prstGeom>
+          <a:noFill/>
+          <a:extLst>
+            <a:ext uri="{909E8E84-426E-40DD-AFC4-6F175D3DCCD1}">
+              <a14:hiddenFill xmlns:a14="http://schemas.microsoft.com/office/drawing/2010/main">
+                <a:solidFill>
+                  <a:srgbClr val="FFFFFF"/>
+                </a:solidFill>
+              </a14:hiddenFill>
+            </a:ext>
+          </a:extLst>
+        </p:spPr>
+      </p:pic>
+      <p:sp>
+        <p:nvSpPr>
+          <p:cNvPr id="3" name="Rectangle 1">
+            <a:extLst>
+              <a:ext uri="{FF2B5EF4-FFF2-40B4-BE49-F238E27FC236}">
+                <a16:creationId xmlns:a16="http://schemas.microsoft.com/office/drawing/2014/main" id="{979CEED4-2A51-4E44-AEC6-BD1507480E66}"/>
+              </a:ext>
+            </a:extLst>
+          </p:cNvPr>
+          <p:cNvSpPr>
+            <a:spLocks noChangeArrowheads="1"/>
+          </p:cNvSpPr>
+          <p:nvPr/>
+        </p:nvSpPr>
+        <p:spPr bwMode="auto">
+          <a:xfrm>
+            <a:off x="0" y="90100"/>
+            <a:ext cx="65" cy="276999"/>
+          </a:xfrm>
+          <a:prstGeom prst="rect">
+            <a:avLst/>
+          </a:prstGeom>
+          <a:solidFill>
+            <a:srgbClr val="FFFFFF"/>
+          </a:solidFill>
+          <a:ln>
+            <a:noFill/>
+          </a:ln>
+          <a:effectLst/>
+          <a:extLst>
+            <a:ext uri="{91240B29-F687-4F45-9708-019B960494DF}">
+              <a14:hiddenLine xmlns:a14="http://schemas.microsoft.com/office/drawing/2010/main" w="9525">
+                <a:solidFill>
+                  <a:schemeClr val="tx1"/>
+                </a:solidFill>
+                <a:miter lim="800000"/>
+                <a:headEnd/>
+                <a:tailEnd/>
+              </a14:hiddenLine>
+            </a:ext>
+            <a:ext uri="{AF507438-7753-43E0-B8FC-AC1667EBCBE1}">
+              <a14:hiddenEffects xmlns:a14="http://schemas.microsoft.com/office/drawing/2010/main">
+                <a:effectLst>
+                  <a:outerShdw dist="35921" dir="2700000" algn="ctr" rotWithShape="0">
+                    <a:schemeClr val="bg2"/>
+                  </a:outerShdw>
+                </a:effectLst>
+              </a14:hiddenEffects>
+            </a:ext>
+          </a:extLst>
+        </p:spPr>
+        <p:txBody>
+          <a:bodyPr vert="horz" wrap="none" lIns="0" tIns="0" rIns="0" bIns="0" numCol="1" anchor="ctr" anchorCtr="0" compatLnSpc="1">
+            <a:prstTxWarp prst="textNoShape">
+              <a:avLst/>
+            </a:prstTxWarp>
+            <a:spAutoFit/>
+          </a:bodyPr>
+          <a:lstStyle/>
+          <a:p>
+            <a:pPr marL="0" marR="0" lvl="0" indent="0" algn="l" defTabSz="914400" rtl="0" eaLnBrk="0" fontAlgn="base" latinLnBrk="0" hangingPunct="0">
+              <a:lnSpc>
+                <a:spcPct val="100000"/>
+              </a:lnSpc>
+              <a:spcBef>
+                <a:spcPct val="0"/>
+              </a:spcBef>
+              <a:spcAft>
+                <a:spcPct val="0"/>
+              </a:spcAft>
+              <a:buClrTx/>
+              <a:buSzTx/>
+              <a:buFontTx/>
+              <a:buNone/>
+              <a:tabLst/>
+              <a:defRPr/>
+            </a:pPr>
+            <a:endParaRPr kumimoji="0" lang="en-US" altLang="en-US" sz="1800" b="0" i="0" u="none" strike="noStrike" kern="1200" cap="none" spc="0" normalizeH="0" baseline="0" noProof="0" dirty="0">
+              <a:ln>
+                <a:noFill/>
+              </a:ln>
+              <a:solidFill>
+                <a:prstClr val="black"/>
+              </a:solidFill>
+              <a:effectLst/>
+              <a:uLnTx/>
+              <a:uFillTx/>
+              <a:latin typeface="Arial" panose="020B0604020202020204" pitchFamily="34" charset="0"/>
+              <a:ea typeface="+mn-ea"/>
+              <a:cs typeface="+mn-cs"/>
+            </a:endParaRPr>
+          </a:p>
+        </p:txBody>
+      </p:sp>
+      <p:pic>
+        <p:nvPicPr>
+          <p:cNvPr id="4" name="Picture 3">
+            <a:extLst>
+              <a:ext uri="{FF2B5EF4-FFF2-40B4-BE49-F238E27FC236}">
+                <a16:creationId xmlns:a16="http://schemas.microsoft.com/office/drawing/2014/main" id="{3C3F7AFB-9CB5-4B94-8929-E152382074AC}"/>
+              </a:ext>
+            </a:extLst>
+          </p:cNvPr>
+          <p:cNvPicPr>
+            <a:picLocks noChangeAspect="1"/>
+          </p:cNvPicPr>
+          <p:nvPr/>
+        </p:nvPicPr>
+        <p:blipFill>
+          <a:blip r:embed="rId3"/>
+          <a:stretch>
+            <a:fillRect/>
+          </a:stretch>
+        </p:blipFill>
+        <p:spPr>
+          <a:xfrm>
+            <a:off x="5558813" y="3056553"/>
+            <a:ext cx="5310292" cy="3038867"/>
+          </a:xfrm>
+          <a:prstGeom prst="rect">
+            <a:avLst/>
+          </a:prstGeom>
+        </p:spPr>
+      </p:pic>
+      <p:sp>
+        <p:nvSpPr>
+          <p:cNvPr id="14" name="Rectangle 13">
+            <a:extLst>
+              <a:ext uri="{FF2B5EF4-FFF2-40B4-BE49-F238E27FC236}">
+                <a16:creationId xmlns:a16="http://schemas.microsoft.com/office/drawing/2014/main" id="{C54BDAC7-4AAF-47F5-9751-DC75F1D9C383}"/>
+              </a:ext>
+            </a:extLst>
+          </p:cNvPr>
+          <p:cNvSpPr/>
+          <p:nvPr/>
+        </p:nvSpPr>
+        <p:spPr>
+          <a:xfrm>
+            <a:off x="2752343" y="6292043"/>
+            <a:ext cx="3236977" cy="369332"/>
+          </a:xfrm>
+          <a:prstGeom prst="rect">
+            <a:avLst/>
+          </a:prstGeom>
+        </p:spPr>
+        <p:txBody>
+          <a:bodyPr wrap="square">
+            <a:spAutoFit/>
+          </a:bodyPr>
+          <a:lstStyle/>
+          <a:p>
+            <a:pPr marL="0" marR="0" lvl="0" indent="0" algn="ctr" defTabSz="457200" rtl="0" eaLnBrk="1" fontAlgn="auto" latinLnBrk="0" hangingPunct="1">
+              <a:lnSpc>
+                <a:spcPct val="100000"/>
+              </a:lnSpc>
+              <a:spcBef>
+                <a:spcPts val="0"/>
+              </a:spcBef>
+              <a:spcAft>
+                <a:spcPts val="0"/>
+              </a:spcAft>
+              <a:buClrTx/>
+              <a:buSzTx/>
+              <a:buFontTx/>
+              <a:buNone/>
+              <a:tabLst/>
+              <a:defRPr/>
+            </a:pPr>
+            <a:r>
+              <a:rPr kumimoji="0" lang="en-US" sz="1800" b="1" i="0" u="none" strike="noStrike" kern="1200" cap="none" spc="0" normalizeH="0" baseline="0" noProof="0" dirty="0">
+                <a:ln>
+                  <a:noFill/>
+                </a:ln>
+                <a:solidFill>
+                  <a:srgbClr val="0070C0"/>
+                </a:solidFill>
+                <a:effectLst/>
+                <a:uLnTx/>
+                <a:uFillTx/>
+                <a:latin typeface="Corbel" panose="020B0503020204020204"/>
+                <a:ea typeface="+mn-ea"/>
+                <a:cs typeface="+mn-cs"/>
+                <a:hlinkClick r:id="rId4">
+                  <a:extLst>
+                    <a:ext uri="{A12FA001-AC4F-418D-AE19-62706E023703}">
+                      <ahyp:hlinkClr xmlns:ahyp="http://schemas.microsoft.com/office/drawing/2018/hyperlinkcolor" xmlns="" val="tx"/>
+                    </a:ext>
+                  </a:extLst>
+                </a:hlinkClick>
+              </a:rPr>
+              <a:t>JUPYTER</a:t>
+            </a:r>
+            <a:endParaRPr kumimoji="0" lang="en-US" sz="1800" b="0" i="0" u="none" strike="noStrike" kern="1200" cap="none" spc="0" normalizeH="0" baseline="0" noProof="0" dirty="0">
+              <a:ln>
+                <a:noFill/>
+              </a:ln>
+              <a:solidFill>
+                <a:srgbClr val="0070C0"/>
+              </a:solidFill>
+              <a:effectLst/>
+              <a:uLnTx/>
+              <a:uFillTx/>
+              <a:latin typeface="Corbel" panose="020B0503020204020204"/>
+              <a:ea typeface="+mn-ea"/>
+              <a:cs typeface="+mn-cs"/>
+            </a:endParaRPr>
+          </a:p>
+        </p:txBody>
+      </p:sp>
+      <p:sp>
+        <p:nvSpPr>
+          <p:cNvPr id="5" name="Rectangle 4">
+            <a:extLst>
+              <a:ext uri="{FF2B5EF4-FFF2-40B4-BE49-F238E27FC236}">
+                <a16:creationId xmlns:a16="http://schemas.microsoft.com/office/drawing/2014/main" id="{D1DB74BD-E049-4C2A-AF5B-A66AD3D5299C}"/>
+              </a:ext>
+            </a:extLst>
+          </p:cNvPr>
+          <p:cNvSpPr/>
+          <p:nvPr/>
+        </p:nvSpPr>
+        <p:spPr>
+          <a:xfrm>
+            <a:off x="152399" y="2302480"/>
+            <a:ext cx="11887200" cy="923330"/>
+          </a:xfrm>
+          <a:prstGeom prst="rect">
+            <a:avLst/>
+          </a:prstGeom>
+        </p:spPr>
+        <p:txBody>
+          <a:bodyPr wrap="square">
+            <a:spAutoFit/>
+          </a:bodyPr>
+          <a:lstStyle/>
+          <a:p>
+            <a:pPr marL="0" marR="0" lvl="0" indent="0" algn="l" defTabSz="457200" rtl="0" eaLnBrk="1" fontAlgn="auto" latinLnBrk="0" hangingPunct="1">
+              <a:lnSpc>
+                <a:spcPct val="100000"/>
+              </a:lnSpc>
+              <a:spcBef>
+                <a:spcPts val="0"/>
+              </a:spcBef>
+              <a:spcAft>
+                <a:spcPts val="0"/>
+              </a:spcAft>
+              <a:buClrTx/>
+              <a:buSzTx/>
+              <a:buFontTx/>
+              <a:buNone/>
+              <a:tabLst/>
+              <a:defRPr/>
+            </a:pPr>
+            <a:r>
+              <a:rPr kumimoji="0" lang="en-US" sz="1800" b="1" i="0" u="none" strike="noStrike" kern="1200" cap="none" spc="0" normalizeH="0" baseline="0" noProof="0" dirty="0">
+                <a:ln>
+                  <a:noFill/>
+                </a:ln>
+                <a:solidFill>
+                  <a:prstClr val="black"/>
+                </a:solidFill>
+                <a:effectLst/>
+                <a:uLnTx/>
+                <a:uFillTx/>
+                <a:latin typeface="Corbel" panose="020B0503020204020204"/>
+                <a:ea typeface="+mn-ea"/>
+                <a:cs typeface="+mn-cs"/>
+              </a:rPr>
+              <a:t>ATLANTA AIRPORT: </a:t>
+            </a:r>
+            <a:r>
+              <a:rPr kumimoji="0" lang="en-US" sz="1800" b="0" i="0" u="none" strike="noStrike" kern="1200" cap="none" spc="0" normalizeH="0" baseline="0" noProof="0" dirty="0">
+                <a:ln>
+                  <a:noFill/>
+                </a:ln>
+                <a:solidFill>
+                  <a:prstClr val="black"/>
+                </a:solidFill>
+                <a:effectLst/>
+                <a:uLnTx/>
+                <a:uFillTx/>
+                <a:latin typeface="Corbel" panose="020B0503020204020204"/>
+                <a:ea typeface="+mn-ea"/>
+                <a:cs typeface="+mn-cs"/>
+              </a:rPr>
+              <a:t>Considering ATL is a major hub (particularly for Delta Airlines), the </a:t>
+            </a:r>
+            <a:r>
+              <a:rPr kumimoji="0" lang="en-US" sz="1800" b="0" i="0" u="none" strike="noStrike" kern="1200" cap="none" spc="0" normalizeH="0" baseline="0" noProof="0" dirty="0">
+                <a:ln>
+                  <a:noFill/>
+                </a:ln>
+                <a:solidFill>
+                  <a:prstClr val="black"/>
+                </a:solidFill>
+                <a:effectLst/>
+                <a:highlight>
+                  <a:srgbClr val="00FF00"/>
+                </a:highlight>
+                <a:uLnTx/>
+                <a:uFillTx/>
+                <a:latin typeface="Corbel" panose="020B0503020204020204"/>
+                <a:ea typeface="+mn-ea"/>
+                <a:cs typeface="+mn-cs"/>
+              </a:rPr>
+              <a:t>mean delay for MCO bound aircraft is less than 15 minutes</a:t>
+            </a:r>
+            <a:r>
+              <a:rPr kumimoji="0" lang="en-US" sz="1800" b="0" i="0" u="none" strike="noStrike" kern="1200" cap="none" spc="0" normalizeH="0" baseline="0" noProof="0" dirty="0">
+                <a:ln>
+                  <a:noFill/>
+                </a:ln>
+                <a:solidFill>
+                  <a:prstClr val="black"/>
+                </a:solidFill>
+                <a:effectLst/>
+                <a:uLnTx/>
+                <a:uFillTx/>
+                <a:latin typeface="Corbel" panose="020B0503020204020204"/>
+                <a:ea typeface="+mn-ea"/>
+                <a:cs typeface="+mn-cs"/>
+              </a:rPr>
+              <a:t>, which almost  all fall </a:t>
+            </a:r>
+            <a:r>
+              <a:rPr kumimoji="0" lang="en-US" sz="1800" b="0" i="0" u="none" strike="noStrike" kern="1200" cap="none" spc="0" normalizeH="0" baseline="0" noProof="0" dirty="0">
+                <a:ln>
+                  <a:noFill/>
+                </a:ln>
+                <a:solidFill>
+                  <a:prstClr val="black"/>
+                </a:solidFill>
+                <a:effectLst/>
+                <a:highlight>
+                  <a:srgbClr val="00FF00"/>
+                </a:highlight>
+                <a:uLnTx/>
+                <a:uFillTx/>
+                <a:latin typeface="Corbel" panose="020B0503020204020204"/>
+                <a:ea typeface="+mn-ea"/>
+                <a:cs typeface="+mn-cs"/>
+              </a:rPr>
+              <a:t>within typical delay durations</a:t>
+            </a:r>
+            <a:r>
+              <a:rPr kumimoji="0" lang="en-US" sz="1800" b="0" i="0" u="none" strike="noStrike" kern="1200" cap="none" spc="0" normalizeH="0" baseline="0" noProof="0" dirty="0">
+                <a:ln>
+                  <a:noFill/>
+                </a:ln>
+                <a:solidFill>
+                  <a:prstClr val="black"/>
+                </a:solidFill>
+                <a:effectLst/>
+                <a:uLnTx/>
+                <a:uFillTx/>
+                <a:latin typeface="Corbel" panose="020B0503020204020204"/>
+                <a:ea typeface="+mn-ea"/>
+                <a:cs typeface="+mn-cs"/>
+              </a:rPr>
+              <a:t>. While the 65 minute delay is outside our 8pm limit.</a:t>
+            </a:r>
+          </a:p>
+        </p:txBody>
+      </p:sp>
+      <p:sp>
+        <p:nvSpPr>
+          <p:cNvPr id="16" name="Rectangle 15">
+            <a:extLst>
+              <a:ext uri="{FF2B5EF4-FFF2-40B4-BE49-F238E27FC236}">
+                <a16:creationId xmlns:a16="http://schemas.microsoft.com/office/drawing/2014/main" id="{F454E734-31A9-491C-BDA0-EF8F0BF2A982}"/>
+              </a:ext>
+            </a:extLst>
+          </p:cNvPr>
+          <p:cNvSpPr/>
+          <p:nvPr/>
+        </p:nvSpPr>
+        <p:spPr>
+          <a:xfrm>
+            <a:off x="4965192" y="6153544"/>
+            <a:ext cx="7226807" cy="646331"/>
+          </a:xfrm>
+          <a:prstGeom prst="rect">
+            <a:avLst/>
+          </a:prstGeom>
+        </p:spPr>
+        <p:txBody>
+          <a:bodyPr wrap="square">
+            <a:spAutoFit/>
+          </a:bodyPr>
+          <a:lstStyle/>
+          <a:p>
+            <a:pPr marL="0" marR="0" lvl="0" indent="0" algn="l" defTabSz="457200" rtl="0" eaLnBrk="1" fontAlgn="auto" latinLnBrk="0" hangingPunct="1">
+              <a:lnSpc>
+                <a:spcPct val="100000"/>
+              </a:lnSpc>
+              <a:spcBef>
+                <a:spcPts val="0"/>
+              </a:spcBef>
+              <a:spcAft>
+                <a:spcPts val="0"/>
+              </a:spcAft>
+              <a:buClrTx/>
+              <a:buSzTx/>
+              <a:buFontTx/>
+              <a:buNone/>
+              <a:tabLst/>
+              <a:defRPr/>
+            </a:pPr>
+            <a:r>
+              <a:rPr kumimoji="0" lang="en-US" sz="1800" b="0" i="0" u="none" strike="noStrike" kern="1200" cap="none" spc="0" normalizeH="0" baseline="0" noProof="0" dirty="0">
+                <a:ln>
+                  <a:noFill/>
+                </a:ln>
+                <a:solidFill>
+                  <a:prstClr val="black"/>
+                </a:solidFill>
+                <a:effectLst/>
+                <a:uLnTx/>
+                <a:uFillTx/>
+                <a:latin typeface="Corbel" panose="020B0503020204020204"/>
+                <a:ea typeface="+mn-ea"/>
+                <a:cs typeface="+mn-cs"/>
+              </a:rPr>
+              <a:t>Based on the unique tail numbers, it appears that </a:t>
+            </a:r>
+            <a:r>
+              <a:rPr kumimoji="0" lang="en-US" sz="1800" b="0" i="0" u="none" strike="noStrike" kern="1200" cap="none" spc="0" normalizeH="0" baseline="0" noProof="0" dirty="0">
+                <a:ln>
+                  <a:noFill/>
+                </a:ln>
+                <a:solidFill>
+                  <a:prstClr val="black"/>
+                </a:solidFill>
+                <a:effectLst/>
+                <a:highlight>
+                  <a:srgbClr val="00FF00"/>
+                </a:highlight>
+                <a:uLnTx/>
+                <a:uFillTx/>
+                <a:latin typeface="Corbel" panose="020B0503020204020204"/>
+                <a:ea typeface="+mn-ea"/>
+                <a:cs typeface="+mn-cs"/>
+              </a:rPr>
+              <a:t>Delta utilizes a reserve of aircraft at ATL to operationally optimize for earliest possible departures</a:t>
+            </a:r>
+            <a:r>
+              <a:rPr kumimoji="0" lang="en-US" sz="1800" b="0" i="0" u="none" strike="noStrike" kern="1200" cap="none" spc="0" normalizeH="0" baseline="0" noProof="0" dirty="0">
+                <a:ln>
+                  <a:noFill/>
+                </a:ln>
+                <a:solidFill>
+                  <a:prstClr val="black"/>
+                </a:solidFill>
+                <a:effectLst/>
+                <a:uLnTx/>
+                <a:uFillTx/>
+                <a:latin typeface="Corbel" panose="020B0503020204020204"/>
+                <a:ea typeface="+mn-ea"/>
+                <a:cs typeface="+mn-cs"/>
+              </a:rPr>
+              <a:t>.</a:t>
+            </a:r>
+          </a:p>
+        </p:txBody>
+      </p:sp>
+      <p:sp>
+        <p:nvSpPr>
+          <p:cNvPr id="6" name="Rectangle 5">
+            <a:extLst>
+              <a:ext uri="{FF2B5EF4-FFF2-40B4-BE49-F238E27FC236}">
+                <a16:creationId xmlns:a16="http://schemas.microsoft.com/office/drawing/2014/main" id="{551CAD03-D437-46CD-900F-E9ADD53ACCEA}"/>
+              </a:ext>
+            </a:extLst>
+          </p:cNvPr>
+          <p:cNvSpPr/>
+          <p:nvPr/>
+        </p:nvSpPr>
+        <p:spPr>
+          <a:xfrm>
+            <a:off x="5477256" y="5705856"/>
+            <a:ext cx="5495544" cy="188045"/>
+          </a:xfrm>
+          <a:prstGeom prst="rect">
+            <a:avLst/>
+          </a:prstGeom>
+          <a:noFill/>
+          <a:ln>
+            <a:solidFill>
+              <a:srgbClr val="FF0000"/>
+            </a:solidFill>
+          </a:ln>
+        </p:spPr>
+        <p:style>
+          <a:lnRef idx="2">
+            <a:schemeClr val="accent1">
+              <a:shade val="50000"/>
+            </a:schemeClr>
+          </a:lnRef>
+          <a:fillRef idx="1">
+            <a:schemeClr val="accent1"/>
+          </a:fillRef>
+          <a:effectRef idx="0">
+            <a:schemeClr val="accent1"/>
+          </a:effectRef>
+          <a:fontRef idx="minor">
+            <a:schemeClr val="lt1"/>
+          </a:fontRef>
+        </p:style>
+        <p:txBody>
+          <a:bodyPr rtlCol="0" anchor="ctr"/>
+          <a:lstStyle/>
+          <a:p>
+            <a:pPr marL="0" marR="0" lvl="0" indent="0" algn="ctr" defTabSz="457200" rtl="0" eaLnBrk="1" fontAlgn="auto" latinLnBrk="0" hangingPunct="1">
+              <a:lnSpc>
+                <a:spcPct val="100000"/>
+              </a:lnSpc>
+              <a:spcBef>
+                <a:spcPts val="0"/>
+              </a:spcBef>
+              <a:spcAft>
+                <a:spcPts val="0"/>
+              </a:spcAft>
+              <a:buClrTx/>
+              <a:buSzTx/>
+              <a:buFontTx/>
+              <a:buNone/>
+              <a:tabLst/>
+              <a:defRPr/>
+            </a:pPr>
+            <a:endParaRPr kumimoji="0" lang="en-US" sz="1800" b="0" i="0" u="none" strike="noStrike" kern="1200" cap="none" spc="0" normalizeH="0" baseline="0" noProof="0">
+              <a:ln>
+                <a:noFill/>
+              </a:ln>
+              <a:solidFill>
+                <a:prstClr val="white"/>
+              </a:solidFill>
+              <a:effectLst/>
+              <a:uLnTx/>
+              <a:uFillTx/>
+              <a:latin typeface="Corbel" panose="020B0503020204020204"/>
+              <a:ea typeface="+mn-ea"/>
+              <a:cs typeface="+mn-cs"/>
+            </a:endParaRPr>
+          </a:p>
+        </p:txBody>
+      </p:sp>
+      <p:grpSp>
+        <p:nvGrpSpPr>
+          <p:cNvPr id="20" name="Group 19">
+            <a:extLst>
+              <a:ext uri="{FF2B5EF4-FFF2-40B4-BE49-F238E27FC236}">
+                <a16:creationId xmlns:a16="http://schemas.microsoft.com/office/drawing/2014/main" id="{2B0408A6-B74D-4A48-894F-59A2E41CF0F0}"/>
+              </a:ext>
+            </a:extLst>
+          </p:cNvPr>
+          <p:cNvGrpSpPr/>
+          <p:nvPr/>
+        </p:nvGrpSpPr>
+        <p:grpSpPr>
+          <a:xfrm>
+            <a:off x="222504" y="3056553"/>
+            <a:ext cx="4591050" cy="3800475"/>
+            <a:chOff x="222504" y="3056553"/>
+            <a:chExt cx="4591050" cy="3800475"/>
+          </a:xfrm>
+        </p:grpSpPr>
+        <p:pic>
+          <p:nvPicPr>
+            <p:cNvPr id="2052" name="Picture 4">
+              <a:extLst>
+                <a:ext uri="{FF2B5EF4-FFF2-40B4-BE49-F238E27FC236}">
+                  <a16:creationId xmlns:a16="http://schemas.microsoft.com/office/drawing/2014/main" id="{C45C761A-AD49-4E0A-B560-415FEE85680B}"/>
+                </a:ext>
+              </a:extLst>
+            </p:cNvPr>
+            <p:cNvPicPr>
+              <a:picLocks noChangeAspect="1" noChangeArrowheads="1"/>
+            </p:cNvPicPr>
+            <p:nvPr/>
+          </p:nvPicPr>
+          <p:blipFill>
+            <a:blip r:embed="rId5">
+              <a:extLst>
+                <a:ext uri="{28A0092B-C50C-407E-A947-70E740481C1C}">
+                  <a14:useLocalDpi xmlns:a14="http://schemas.microsoft.com/office/drawing/2010/main" val="0"/>
+                </a:ext>
+              </a:extLst>
+            </a:blip>
+            <a:srcRect/>
+            <a:stretch>
+              <a:fillRect/>
+            </a:stretch>
+          </p:blipFill>
+          <p:spPr bwMode="auto">
+            <a:xfrm>
+              <a:off x="222504" y="3056553"/>
+              <a:ext cx="4591050" cy="3800475"/>
+            </a:xfrm>
+            <a:prstGeom prst="rect">
+              <a:avLst/>
+            </a:prstGeom>
+            <a:noFill/>
+            <a:extLst>
+              <a:ext uri="{909E8E84-426E-40DD-AFC4-6F175D3DCCD1}">
+                <a14:hiddenFill xmlns:a14="http://schemas.microsoft.com/office/drawing/2010/main">
+                  <a:solidFill>
+                    <a:srgbClr val="FFFFFF"/>
+                  </a:solidFill>
+                </a14:hiddenFill>
+              </a:ext>
+            </a:extLst>
+          </p:spPr>
+        </p:pic>
+        <p:cxnSp>
+          <p:nvCxnSpPr>
+            <p:cNvPr id="12" name="Straight Connector 11">
+              <a:extLst>
+                <a:ext uri="{FF2B5EF4-FFF2-40B4-BE49-F238E27FC236}">
+                  <a16:creationId xmlns:a16="http://schemas.microsoft.com/office/drawing/2014/main" id="{91BC2145-4896-48F6-BA6D-58DEF80F0646}"/>
+                </a:ext>
+              </a:extLst>
+            </p:cNvPr>
+            <p:cNvCxnSpPr>
+              <a:cxnSpLocks/>
+            </p:cNvCxnSpPr>
+            <p:nvPr/>
+          </p:nvCxnSpPr>
+          <p:spPr>
+            <a:xfrm>
+              <a:off x="612648" y="4828032"/>
+              <a:ext cx="3191256" cy="0"/>
+            </a:xfrm>
+            <a:prstGeom prst="line">
+              <a:avLst/>
+            </a:prstGeom>
+          </p:spPr>
+          <p:style>
+            <a:lnRef idx="1">
+              <a:schemeClr val="accent1"/>
+            </a:lnRef>
+            <a:fillRef idx="0">
+              <a:schemeClr val="accent1"/>
+            </a:fillRef>
+            <a:effectRef idx="0">
+              <a:schemeClr val="accent1"/>
+            </a:effectRef>
+            <a:fontRef idx="minor">
+              <a:schemeClr val="tx1"/>
+            </a:fontRef>
+          </p:style>
+        </p:cxnSp>
+      </p:grpSp>
+      <p:sp>
+        <p:nvSpPr>
+          <p:cNvPr id="17" name="Rectangle 16">
+            <a:extLst>
+              <a:ext uri="{FF2B5EF4-FFF2-40B4-BE49-F238E27FC236}">
+                <a16:creationId xmlns:a16="http://schemas.microsoft.com/office/drawing/2014/main" id="{6C8979FB-834D-4F14-8ECA-EBF3A3D8E984}"/>
+              </a:ext>
+            </a:extLst>
+          </p:cNvPr>
+          <p:cNvSpPr/>
+          <p:nvPr/>
+        </p:nvSpPr>
+        <p:spPr>
+          <a:xfrm flipV="1">
+            <a:off x="3279648" y="3301638"/>
+            <a:ext cx="259080" cy="3419202"/>
+          </a:xfrm>
+          <a:prstGeom prst="rect">
+            <a:avLst/>
+          </a:prstGeom>
+          <a:noFill/>
+          <a:ln>
+            <a:solidFill>
+              <a:srgbClr val="FF0000"/>
+            </a:solidFill>
+          </a:ln>
+        </p:spPr>
+        <p:style>
+          <a:lnRef idx="2">
+            <a:schemeClr val="accent1">
+              <a:shade val="50000"/>
+            </a:schemeClr>
+          </a:lnRef>
+          <a:fillRef idx="1">
+            <a:schemeClr val="accent1"/>
+          </a:fillRef>
+          <a:effectRef idx="0">
+            <a:schemeClr val="accent1"/>
+          </a:effectRef>
+          <a:fontRef idx="minor">
+            <a:schemeClr val="lt1"/>
+          </a:fontRef>
+        </p:style>
+        <p:txBody>
+          <a:bodyPr rtlCol="0" anchor="ctr"/>
+          <a:lstStyle/>
+          <a:p>
+            <a:pPr marL="0" marR="0" lvl="0" indent="0" algn="ctr" defTabSz="457200" rtl="0" eaLnBrk="1" fontAlgn="auto" latinLnBrk="0" hangingPunct="1">
+              <a:lnSpc>
+                <a:spcPct val="100000"/>
+              </a:lnSpc>
+              <a:spcBef>
+                <a:spcPts val="0"/>
+              </a:spcBef>
+              <a:spcAft>
+                <a:spcPts val="0"/>
+              </a:spcAft>
+              <a:buClrTx/>
+              <a:buSzTx/>
+              <a:buFontTx/>
+              <a:buNone/>
+              <a:tabLst/>
+              <a:defRPr/>
+            </a:pPr>
+            <a:endParaRPr kumimoji="0" lang="en-US" sz="1800" b="0" i="0" u="none" strike="noStrike" kern="1200" cap="none" spc="0" normalizeH="0" baseline="0" noProof="0">
+              <a:ln>
+                <a:noFill/>
+              </a:ln>
+              <a:solidFill>
+                <a:prstClr val="white"/>
+              </a:solidFill>
+              <a:effectLst/>
+              <a:uLnTx/>
+              <a:uFillTx/>
+              <a:latin typeface="Corbel" panose="020B0503020204020204"/>
+              <a:ea typeface="+mn-ea"/>
+              <a:cs typeface="+mn-cs"/>
+            </a:endParaRPr>
+          </a:p>
+        </p:txBody>
+      </p:sp>
+    </p:spTree>
+    <p:extLst>
+      <p:ext uri="{BB962C8B-B14F-4D97-AF65-F5344CB8AC3E}">
+        <p14:creationId xmlns:p14="http://schemas.microsoft.com/office/powerpoint/2010/main" val="2490892191"/>
+      </p:ext>
+    </p:extLst>
+  </p:cSld>
+  <p:clrMapOvr>
+    <a:masterClrMapping/>
+  </p:clrMapOvr>
+</p:sld>
+</file>
+
+<file path=ppt/slides/slide25.xml><?xml version="1.0" encoding="utf-8"?>
+<p:sld xmlns:a="http://schemas.openxmlformats.org/drawingml/2006/main" xmlns:r="http://schemas.openxmlformats.org/officeDocument/2006/relationships" xmlns:p="http://schemas.openxmlformats.org/presentationml/2006/main">
+  <p:cSld>
+    <p:bg>
+      <p:bgPr>
+        <a:solidFill>
+          <a:schemeClr val="bg2"/>
+        </a:solidFill>
+        <a:effectLst/>
+      </p:bgPr>
+    </p:bg>
+    <p:spTree>
+      <p:nvGrpSpPr>
+        <p:cNvPr id="1" name=""/>
+        <p:cNvGrpSpPr/>
+        <p:nvPr/>
+      </p:nvGrpSpPr>
+      <p:grpSpPr>
+        <a:xfrm>
+          <a:off x="0" y="0"/>
+          <a:ext cx="0" cy="0"/>
+          <a:chOff x="0" y="0"/>
+          <a:chExt cx="0" cy="0"/>
+        </a:xfrm>
+      </p:grpSpPr>
+      <p:sp useBgFill="1">
+        <p:nvSpPr>
+          <p:cNvPr id="9" name="Rectangle 8">
+            <a:extLst>
+              <a:ext uri="{FF2B5EF4-FFF2-40B4-BE49-F238E27FC236}">
+                <a16:creationId xmlns:a16="http://schemas.microsoft.com/office/drawing/2014/main" id="{4281BC32-FF58-4898-A6B5-7B3D059BCEB0}"/>
+              </a:ext>
+              <a:ext uri="{C183D7F6-B498-43B3-948B-1728B52AA6E4}">
+                <adec:decorative xmlns:adec="http://schemas.microsoft.com/office/drawing/2017/decorative" xmlns="" val="1"/>
+              </a:ext>
+            </a:extLst>
+          </p:cNvPr>
+          <p:cNvSpPr>
+            <a:spLocks noGrp="1" noRot="1" noChangeAspect="1" noMove="1" noResize="1" noEditPoints="1" noAdjustHandles="1" noChangeArrowheads="1" noChangeShapeType="1" noTextEdit="1"/>
+          </p:cNvSpPr>
+          <p:nvPr>
+            <p:extLst>
+              <p:ext uri="{386F3935-93C4-4BCD-93E2-E3B085C9AB24}">
+                <p16:designElem xmlns:p16="http://schemas.microsoft.com/office/powerpoint/2015/main" val="1"/>
+              </p:ext>
+            </p:extLst>
+          </p:nvPr>
+        </p:nvSpPr>
+        <p:spPr>
+          <a:xfrm>
+            <a:off x="0" y="0"/>
+            <a:ext cx="12192000" cy="6858000"/>
+          </a:xfrm>
+          <a:prstGeom prst="rect">
+            <a:avLst/>
+          </a:prstGeom>
+          <a:ln>
+            <a:noFill/>
+          </a:ln>
+        </p:spPr>
+        <p:style>
+          <a:lnRef idx="2">
+            <a:schemeClr val="accent1">
+              <a:shade val="50000"/>
+            </a:schemeClr>
+          </a:lnRef>
+          <a:fillRef idx="1">
+            <a:schemeClr val="accent1"/>
+          </a:fillRef>
+          <a:effectRef idx="0">
+            <a:schemeClr val="accent1"/>
+          </a:effectRef>
+          <a:fontRef idx="minor">
+            <a:schemeClr val="lt1"/>
+          </a:fontRef>
+        </p:style>
+        <p:txBody>
+          <a:bodyPr rtlCol="0" anchor="ctr"/>
+          <a:lstStyle/>
+          <a:p>
+            <a:pPr marL="0" marR="0" lvl="0" indent="0" algn="ctr" defTabSz="457200" rtl="0" eaLnBrk="1" fontAlgn="auto" latinLnBrk="0" hangingPunct="1">
+              <a:lnSpc>
+                <a:spcPct val="100000"/>
+              </a:lnSpc>
+              <a:spcBef>
+                <a:spcPts val="0"/>
+              </a:spcBef>
+              <a:spcAft>
+                <a:spcPts val="0"/>
+              </a:spcAft>
+              <a:buClrTx/>
+              <a:buSzTx/>
+              <a:buFontTx/>
+              <a:buNone/>
+              <a:tabLst/>
+              <a:defRPr/>
+            </a:pPr>
+            <a:endParaRPr kumimoji="0" lang="en-US" sz="1800" b="0" i="0" u="none" strike="noStrike" kern="1200" cap="none" spc="0" normalizeH="0" baseline="0" noProof="0">
+              <a:ln>
+                <a:noFill/>
+              </a:ln>
+              <a:solidFill>
+                <a:prstClr val="white"/>
+              </a:solidFill>
+              <a:effectLst/>
+              <a:uLnTx/>
+              <a:uFillTx/>
+              <a:latin typeface="Corbel" panose="020B0503020204020204"/>
+              <a:ea typeface="+mn-ea"/>
+              <a:cs typeface="+mn-cs"/>
+            </a:endParaRPr>
+          </a:p>
+        </p:txBody>
+      </p:sp>
+      <p:sp>
+        <p:nvSpPr>
+          <p:cNvPr id="11" name="Rectangle 10">
+            <a:extLst>
+              <a:ext uri="{FF2B5EF4-FFF2-40B4-BE49-F238E27FC236}">
+                <a16:creationId xmlns:a16="http://schemas.microsoft.com/office/drawing/2014/main" id="{0D614406-135F-4875-9C87-53822CB19ABB}"/>
+              </a:ext>
+              <a:ext uri="{C183D7F6-B498-43B3-948B-1728B52AA6E4}">
+                <adec:decorative xmlns:adec="http://schemas.microsoft.com/office/drawing/2017/decorative" xmlns="" val="1"/>
+              </a:ext>
+            </a:extLst>
+          </p:cNvPr>
+          <p:cNvSpPr>
+            <a:spLocks noGrp="1" noRot="1" noChangeAspect="1" noMove="1" noResize="1" noEditPoints="1" noAdjustHandles="1" noChangeArrowheads="1" noChangeShapeType="1" noTextEdit="1"/>
+          </p:cNvSpPr>
+          <p:nvPr>
+            <p:extLst>
+              <p:ext uri="{386F3935-93C4-4BCD-93E2-E3B085C9AB24}">
+                <p16:designElem xmlns:p16="http://schemas.microsoft.com/office/powerpoint/2015/main" val="1"/>
+              </p:ext>
+            </p:extLst>
+          </p:nvPr>
+        </p:nvSpPr>
+        <p:spPr>
+          <a:xfrm>
+            <a:off x="0" y="0"/>
+            <a:ext cx="12191999" cy="2285999"/>
+          </a:xfrm>
+          <a:prstGeom prst="rect">
+            <a:avLst/>
+          </a:prstGeom>
+          <a:solidFill>
+            <a:schemeClr val="tx1"/>
+          </a:solidFill>
+          <a:ln>
+            <a:noFill/>
+          </a:ln>
+        </p:spPr>
+        <p:style>
+          <a:lnRef idx="2">
+            <a:schemeClr val="accent1">
+              <a:shade val="50000"/>
+            </a:schemeClr>
+          </a:lnRef>
+          <a:fillRef idx="1">
+            <a:schemeClr val="accent1"/>
+          </a:fillRef>
+          <a:effectRef idx="0">
+            <a:schemeClr val="accent1"/>
+          </a:effectRef>
+          <a:fontRef idx="minor">
+            <a:schemeClr val="lt1"/>
+          </a:fontRef>
+        </p:style>
+        <p:txBody>
+          <a:bodyPr rtlCol="0" anchor="ctr"/>
+          <a:lstStyle/>
+          <a:p>
+            <a:pPr marL="0" marR="0" lvl="0" indent="0" algn="ctr" defTabSz="457200" rtl="0" eaLnBrk="1" fontAlgn="auto" latinLnBrk="0" hangingPunct="1">
+              <a:lnSpc>
+                <a:spcPct val="100000"/>
+              </a:lnSpc>
+              <a:spcBef>
+                <a:spcPts val="0"/>
+              </a:spcBef>
+              <a:spcAft>
+                <a:spcPts val="0"/>
+              </a:spcAft>
+              <a:buClrTx/>
+              <a:buSzTx/>
+              <a:buFontTx/>
+              <a:buNone/>
+              <a:tabLst/>
+              <a:defRPr/>
+            </a:pPr>
+            <a:endParaRPr kumimoji="0" lang="en-US" sz="1800" b="0" i="0" u="none" strike="noStrike" kern="1200" cap="none" spc="0" normalizeH="0" baseline="0" noProof="0">
+              <a:ln>
+                <a:noFill/>
+              </a:ln>
+              <a:solidFill>
+                <a:prstClr val="white"/>
+              </a:solidFill>
+              <a:effectLst/>
+              <a:uLnTx/>
+              <a:uFillTx/>
+              <a:latin typeface="Corbel" panose="020B0503020204020204"/>
+              <a:ea typeface="+mn-ea"/>
+              <a:cs typeface="+mn-cs"/>
+            </a:endParaRPr>
+          </a:p>
+        </p:txBody>
+      </p:sp>
+      <p:sp>
+        <p:nvSpPr>
+          <p:cNvPr id="2" name="Title 1"/>
+          <p:cNvSpPr>
+            <a:spLocks noGrp="1"/>
+          </p:cNvSpPr>
+          <p:nvPr>
+            <p:ph type="title"/>
+          </p:nvPr>
+        </p:nvSpPr>
+        <p:spPr>
+          <a:xfrm>
+            <a:off x="155421" y="115360"/>
+            <a:ext cx="7169753" cy="1232750"/>
+          </a:xfrm>
+        </p:spPr>
+        <p:txBody>
+          <a:bodyPr anchor="b">
+            <a:normAutofit/>
+          </a:bodyPr>
+          <a:lstStyle/>
+          <a:p>
+            <a:pPr algn="l"/>
+            <a:r>
+              <a:rPr lang="en-US" dirty="0">
+                <a:solidFill>
+                  <a:schemeClr val="bg1"/>
+                </a:solidFill>
+              </a:rPr>
+              <a:t>Summary</a:t>
+            </a:r>
+          </a:p>
+        </p:txBody>
+      </p:sp>
+      <p:cxnSp>
+        <p:nvCxnSpPr>
+          <p:cNvPr id="13" name="Straight Connector 12">
+            <a:extLst>
+              <a:ext uri="{FF2B5EF4-FFF2-40B4-BE49-F238E27FC236}">
+                <a16:creationId xmlns:a16="http://schemas.microsoft.com/office/drawing/2014/main" id="{C6C21149-7D17-44C2-AFB6-4D931DC55FB1}"/>
+              </a:ext>
+              <a:ext uri="{C183D7F6-B498-43B3-948B-1728B52AA6E4}">
+                <adec:decorative xmlns:adec="http://schemas.microsoft.com/office/drawing/2017/decorative" xmlns="" val="1"/>
+              </a:ext>
+            </a:extLst>
+          </p:cNvPr>
+          <p:cNvCxnSpPr>
+            <a:cxnSpLocks noGrp="1" noRot="1" noChangeAspect="1" noMove="1" noResize="1" noEditPoints="1" noAdjustHandles="1" noChangeArrowheads="1" noChangeShapeType="1"/>
+          </p:cNvCxnSpPr>
+          <p:nvPr>
+            <p:extLst>
+              <p:ext uri="{386F3935-93C4-4BCD-93E2-E3B085C9AB24}">
+                <p16:designElem xmlns:p16="http://schemas.microsoft.com/office/powerpoint/2015/main" val="1"/>
+              </p:ext>
+            </p:extLst>
+          </p:nvPr>
+        </p:nvCxnSpPr>
+        <p:spPr>
+          <a:xfrm>
+            <a:off x="0" y="1676579"/>
+            <a:ext cx="8129873" cy="6020"/>
+          </a:xfrm>
+          <a:prstGeom prst="line">
+            <a:avLst/>
+          </a:prstGeom>
+          <a:ln w="25400">
+            <a:solidFill>
+              <a:schemeClr val="bg1"/>
+            </a:solidFill>
+          </a:ln>
+        </p:spPr>
+        <p:style>
+          <a:lnRef idx="1">
+            <a:schemeClr val="accent1"/>
+          </a:lnRef>
+          <a:fillRef idx="0">
+            <a:schemeClr val="accent1"/>
+          </a:fillRef>
+          <a:effectRef idx="0">
+            <a:schemeClr val="accent1"/>
+          </a:effectRef>
+          <a:fontRef idx="minor">
+            <a:schemeClr val="tx1"/>
+          </a:fontRef>
+        </p:style>
+      </p:cxnSp>
+      <p:sp>
+        <p:nvSpPr>
+          <p:cNvPr id="15" name="Freeform 6">
+            <a:extLst>
+              <a:ext uri="{FF2B5EF4-FFF2-40B4-BE49-F238E27FC236}">
+                <a16:creationId xmlns:a16="http://schemas.microsoft.com/office/drawing/2014/main" id="{C2E5FCF0-567A-448C-A6E3-920BFC702C2F}"/>
+              </a:ext>
+              <a:ext uri="{C183D7F6-B498-43B3-948B-1728B52AA6E4}">
+                <adec:decorative xmlns:adec="http://schemas.microsoft.com/office/drawing/2017/decorative" xmlns="" val="1"/>
+              </a:ext>
+            </a:extLst>
+          </p:cNvPr>
+          <p:cNvSpPr>
+            <a:spLocks noGrp="1" noRot="1" noChangeAspect="1" noMove="1" noResize="1" noEditPoints="1" noAdjustHandles="1" noChangeArrowheads="1" noChangeShapeType="1" noTextEdit="1"/>
+          </p:cNvSpPr>
+          <p:nvPr>
+            <p:extLst>
+              <p:ext uri="{386F3935-93C4-4BCD-93E2-E3B085C9AB24}">
+                <p16:designElem xmlns:p16="http://schemas.microsoft.com/office/powerpoint/2015/main" val="1"/>
+              </p:ext>
+            </p:extLst>
+          </p:nvPr>
+        </p:nvSpPr>
+        <p:spPr bwMode="auto">
+          <a:xfrm>
+            <a:off x="11784011" y="938535"/>
+            <a:ext cx="407988" cy="819150"/>
+          </a:xfrm>
+          <a:custGeom>
+            <a:avLst/>
+            <a:gdLst/>
+            <a:ahLst/>
+            <a:cxnLst/>
+            <a:rect l="0" t="0" r="r" b="b"/>
+            <a:pathLst>
+              <a:path w="1799" h="3612">
+                <a:moveTo>
+                  <a:pt x="1799" y="0"/>
+                </a:moveTo>
+                <a:lnTo>
+                  <a:pt x="1799" y="3612"/>
+                </a:lnTo>
+                <a:lnTo>
+                  <a:pt x="1686" y="3609"/>
+                </a:lnTo>
+                <a:lnTo>
+                  <a:pt x="1574" y="3598"/>
+                </a:lnTo>
+                <a:lnTo>
+                  <a:pt x="1464" y="3581"/>
+                </a:lnTo>
+                <a:lnTo>
+                  <a:pt x="1357" y="3557"/>
+                </a:lnTo>
+                <a:lnTo>
+                  <a:pt x="1251" y="3527"/>
+                </a:lnTo>
+                <a:lnTo>
+                  <a:pt x="1150" y="3490"/>
+                </a:lnTo>
+                <a:lnTo>
+                  <a:pt x="1050" y="3448"/>
+                </a:lnTo>
+                <a:lnTo>
+                  <a:pt x="953" y="3401"/>
+                </a:lnTo>
+                <a:lnTo>
+                  <a:pt x="860" y="3347"/>
+                </a:lnTo>
+                <a:lnTo>
+                  <a:pt x="771" y="3289"/>
+                </a:lnTo>
+                <a:lnTo>
+                  <a:pt x="686" y="3224"/>
+                </a:lnTo>
+                <a:lnTo>
+                  <a:pt x="604" y="3156"/>
+                </a:lnTo>
+                <a:lnTo>
+                  <a:pt x="527" y="3083"/>
+                </a:lnTo>
+                <a:lnTo>
+                  <a:pt x="454" y="3005"/>
+                </a:lnTo>
+                <a:lnTo>
+                  <a:pt x="386" y="2923"/>
+                </a:lnTo>
+                <a:lnTo>
+                  <a:pt x="323" y="2838"/>
+                </a:lnTo>
+                <a:lnTo>
+                  <a:pt x="265" y="2748"/>
+                </a:lnTo>
+                <a:lnTo>
+                  <a:pt x="211" y="2655"/>
+                </a:lnTo>
+                <a:lnTo>
+                  <a:pt x="163" y="2559"/>
+                </a:lnTo>
+                <a:lnTo>
+                  <a:pt x="121" y="2459"/>
+                </a:lnTo>
+                <a:lnTo>
+                  <a:pt x="85" y="2356"/>
+                </a:lnTo>
+                <a:lnTo>
+                  <a:pt x="55" y="2251"/>
+                </a:lnTo>
+                <a:lnTo>
+                  <a:pt x="32" y="2143"/>
+                </a:lnTo>
+                <a:lnTo>
+                  <a:pt x="14" y="2033"/>
+                </a:lnTo>
+                <a:lnTo>
+                  <a:pt x="4" y="1920"/>
+                </a:lnTo>
+                <a:lnTo>
+                  <a:pt x="0" y="1806"/>
+                </a:lnTo>
+                <a:lnTo>
+                  <a:pt x="4" y="1692"/>
+                </a:lnTo>
+                <a:lnTo>
+                  <a:pt x="14" y="1580"/>
+                </a:lnTo>
+                <a:lnTo>
+                  <a:pt x="32" y="1469"/>
+                </a:lnTo>
+                <a:lnTo>
+                  <a:pt x="55" y="1362"/>
+                </a:lnTo>
+                <a:lnTo>
+                  <a:pt x="85" y="1256"/>
+                </a:lnTo>
+                <a:lnTo>
+                  <a:pt x="121" y="1154"/>
+                </a:lnTo>
+                <a:lnTo>
+                  <a:pt x="163" y="1054"/>
+                </a:lnTo>
+                <a:lnTo>
+                  <a:pt x="211" y="958"/>
+                </a:lnTo>
+                <a:lnTo>
+                  <a:pt x="265" y="864"/>
+                </a:lnTo>
+                <a:lnTo>
+                  <a:pt x="323" y="774"/>
+                </a:lnTo>
+                <a:lnTo>
+                  <a:pt x="386" y="689"/>
+                </a:lnTo>
+                <a:lnTo>
+                  <a:pt x="454" y="607"/>
+                </a:lnTo>
+                <a:lnTo>
+                  <a:pt x="527" y="529"/>
+                </a:lnTo>
+                <a:lnTo>
+                  <a:pt x="604" y="456"/>
+                </a:lnTo>
+                <a:lnTo>
+                  <a:pt x="686" y="388"/>
+                </a:lnTo>
+                <a:lnTo>
+                  <a:pt x="771" y="325"/>
+                </a:lnTo>
+                <a:lnTo>
+                  <a:pt x="860" y="266"/>
+                </a:lnTo>
+                <a:lnTo>
+                  <a:pt x="953" y="212"/>
+                </a:lnTo>
+                <a:lnTo>
+                  <a:pt x="1050" y="164"/>
+                </a:lnTo>
+                <a:lnTo>
+                  <a:pt x="1150" y="122"/>
+                </a:lnTo>
+                <a:lnTo>
+                  <a:pt x="1251" y="85"/>
+                </a:lnTo>
+                <a:lnTo>
+                  <a:pt x="1357" y="55"/>
+                </a:lnTo>
+                <a:lnTo>
+                  <a:pt x="1464" y="32"/>
+                </a:lnTo>
+                <a:lnTo>
+                  <a:pt x="1574" y="14"/>
+                </a:lnTo>
+                <a:lnTo>
+                  <a:pt x="1686" y="5"/>
+                </a:lnTo>
+                <a:lnTo>
+                  <a:pt x="1799" y="0"/>
+                </a:lnTo>
+                <a:close/>
+              </a:path>
+            </a:pathLst>
+          </a:custGeom>
+          <a:solidFill>
+            <a:schemeClr val="bg2"/>
+          </a:solidFill>
+          <a:ln w="0">
+            <a:noFill/>
+            <a:prstDash val="solid"/>
+            <a:round/>
+            <a:headEnd/>
+            <a:tailEnd/>
+          </a:ln>
+        </p:spPr>
+      </p:sp>
       <p:sp>
         <p:nvSpPr>
           <p:cNvPr id="3" name="Content Placeholder 2"/>
@@ -22573,25 +27664,75 @@
         </p:nvSpPr>
         <p:spPr>
           <a:xfrm>
-            <a:off x="381001" y="2401359"/>
-            <a:ext cx="11403010" cy="3172409"/>
+            <a:off x="381001" y="2421964"/>
+            <a:ext cx="11403010" cy="4182321"/>
           </a:xfrm>
         </p:spPr>
         <p:txBody>
           <a:bodyPr>
-            <a:normAutofit/>
+            <a:noAutofit/>
           </a:bodyPr>
           <a:lstStyle/>
           <a:p>
             <a:r>
-              <a:rPr lang="en-US" dirty="0">
+              <a:rPr lang="en-US" sz="1600" dirty="0">
                 <a:solidFill>
                   <a:schemeClr val="tx1"/>
                 </a:solidFill>
               </a:rPr>
               <a:t>Watch Out!     Data Analysts Beware!        –    Some API vendors charge by transaction (10 cents per flight)</a:t>
             </a:r>
-            <a:endParaRPr dirty="0">
+          </a:p>
+          <a:p>
+            <a:r>
+              <a:rPr lang="en-US" sz="1600" dirty="0">
+                <a:solidFill>
+                  <a:schemeClr val="tx1"/>
+                </a:solidFill>
+              </a:rPr>
+              <a:t>Government shutdown effects on airports and airlines is gradual. There was no significant disruption to the number of flights or passengers, and delay durations in the first week of shutdown was comparable to the non government shutdown period. </a:t>
+            </a:r>
+          </a:p>
+          <a:p>
+            <a:r>
+              <a:rPr lang="en-US" sz="1600" dirty="0">
+                <a:solidFill>
+                  <a:schemeClr val="tx1"/>
+                </a:solidFill>
+              </a:rPr>
+              <a:t>Delta Airlines appears to be able to operationally optimize aircraft at the Major Hub of Atlanta to reduce departures delay times. They are less dependent on specific aircraft making timely connections. But this does not imply that all passengers are always able to make their connections through Atlanta Airport. </a:t>
+            </a:r>
+          </a:p>
+          <a:p>
+            <a:r>
+              <a:rPr lang="en-US" sz="1600" dirty="0">
+                <a:solidFill>
+                  <a:schemeClr val="tx1"/>
+                </a:solidFill>
+              </a:rPr>
+              <a:t>Delayed flights bound for Atlanta from Orlando experience significantly larger delays compared with connections in Atlanta. This might be due to lower availability of air traffic controllers at MCO compared with ATL. It may also be due to the volume of passengers originating in Orlando, unable to board timely, due to extensive security checkpoint delays.</a:t>
+            </a:r>
+          </a:p>
+          <a:p>
+            <a:r>
+              <a:rPr lang="en-US" sz="1600" dirty="0">
+                <a:solidFill>
+                  <a:schemeClr val="tx1"/>
+                </a:solidFill>
+              </a:rPr>
+              <a:t>If the government elects to privatize air traffic controllers and airport security and customs officers, this might possibly alleviate some of the airport based flight delays. But there is insufficient data available to directly correlate all of these factors.</a:t>
+            </a:r>
+          </a:p>
+          <a:p>
+            <a:r>
+              <a:rPr lang="en-US" sz="1600" dirty="0">
+                <a:solidFill>
+                  <a:schemeClr val="tx1"/>
+                </a:solidFill>
+              </a:rPr>
+              <a:t>If I do need to travel during a government shutdown in the future, I would plan to book a morning flight from Orlando, with enough time to make an afternoon connection in Atlanta. I would be less concerned with my connection being delayed in Atlanta.     </a:t>
+            </a:r>
+            <a:endParaRPr sz="1600" dirty="0">
               <a:solidFill>
                 <a:schemeClr val="tx1"/>
               </a:solidFill>
@@ -22649,7 +27790,556 @@
     </p:spTree>
     <p:extLst>
       <p:ext uri="{BB962C8B-B14F-4D97-AF65-F5344CB8AC3E}">
-        <p14:creationId xmlns:p14="http://schemas.microsoft.com/office/powerpoint/2010/main" val="2880776410"/>
+        <p14:creationId xmlns:p14="http://schemas.microsoft.com/office/powerpoint/2010/main" val="487762050"/>
+      </p:ext>
+    </p:extLst>
+  </p:cSld>
+  <p:clrMapOvr>
+    <a:masterClrMapping/>
+  </p:clrMapOvr>
+</p:sld>
+</file>
+
+<file path=ppt/slides/slide26.xml><?xml version="1.0" encoding="utf-8"?>
+<p:sld xmlns:a="http://schemas.openxmlformats.org/drawingml/2006/main" xmlns:r="http://schemas.openxmlformats.org/officeDocument/2006/relationships" xmlns:p="http://schemas.openxmlformats.org/presentationml/2006/main">
+  <p:cSld>
+    <p:bg>
+      <p:bgPr>
+        <a:solidFill>
+          <a:schemeClr val="bg2"/>
+        </a:solidFill>
+        <a:effectLst/>
+      </p:bgPr>
+    </p:bg>
+    <p:spTree>
+      <p:nvGrpSpPr>
+        <p:cNvPr id="1" name=""/>
+        <p:cNvGrpSpPr/>
+        <p:nvPr/>
+      </p:nvGrpSpPr>
+      <p:grpSpPr>
+        <a:xfrm>
+          <a:off x="0" y="0"/>
+          <a:ext cx="0" cy="0"/>
+          <a:chOff x="0" y="0"/>
+          <a:chExt cx="0" cy="0"/>
+        </a:xfrm>
+      </p:grpSpPr>
+      <p:sp useBgFill="1">
+        <p:nvSpPr>
+          <p:cNvPr id="9" name="Rectangle 8">
+            <a:extLst>
+              <a:ext uri="{FF2B5EF4-FFF2-40B4-BE49-F238E27FC236}">
+                <a16:creationId xmlns:a16="http://schemas.microsoft.com/office/drawing/2014/main" id="{4281BC32-FF58-4898-A6B5-7B3D059BCEB0}"/>
+              </a:ext>
+              <a:ext uri="{C183D7F6-B498-43B3-948B-1728B52AA6E4}">
+                <adec:decorative xmlns:adec="http://schemas.microsoft.com/office/drawing/2017/decorative" xmlns="" val="1"/>
+              </a:ext>
+            </a:extLst>
+          </p:cNvPr>
+          <p:cNvSpPr>
+            <a:spLocks noGrp="1" noRot="1" noChangeAspect="1" noMove="1" noResize="1" noEditPoints="1" noAdjustHandles="1" noChangeArrowheads="1" noChangeShapeType="1" noTextEdit="1"/>
+          </p:cNvSpPr>
+          <p:nvPr>
+            <p:extLst>
+              <p:ext uri="{386F3935-93C4-4BCD-93E2-E3B085C9AB24}">
+                <p16:designElem xmlns:p16="http://schemas.microsoft.com/office/powerpoint/2015/main" val="1"/>
+              </p:ext>
+            </p:extLst>
+          </p:nvPr>
+        </p:nvSpPr>
+        <p:spPr>
+          <a:xfrm>
+            <a:off x="0" y="0"/>
+            <a:ext cx="12192000" cy="6858000"/>
+          </a:xfrm>
+          <a:prstGeom prst="rect">
+            <a:avLst/>
+          </a:prstGeom>
+          <a:ln>
+            <a:noFill/>
+          </a:ln>
+        </p:spPr>
+        <p:style>
+          <a:lnRef idx="2">
+            <a:schemeClr val="accent1">
+              <a:shade val="50000"/>
+            </a:schemeClr>
+          </a:lnRef>
+          <a:fillRef idx="1">
+            <a:schemeClr val="accent1"/>
+          </a:fillRef>
+          <a:effectRef idx="0">
+            <a:schemeClr val="accent1"/>
+          </a:effectRef>
+          <a:fontRef idx="minor">
+            <a:schemeClr val="lt1"/>
+          </a:fontRef>
+        </p:style>
+        <p:txBody>
+          <a:bodyPr rtlCol="0" anchor="ctr"/>
+          <a:lstStyle/>
+          <a:p>
+            <a:pPr marL="0" marR="0" lvl="0" indent="0" algn="ctr" defTabSz="457200" rtl="0" eaLnBrk="1" fontAlgn="auto" latinLnBrk="0" hangingPunct="1">
+              <a:lnSpc>
+                <a:spcPct val="100000"/>
+              </a:lnSpc>
+              <a:spcBef>
+                <a:spcPts val="0"/>
+              </a:spcBef>
+              <a:spcAft>
+                <a:spcPts val="0"/>
+              </a:spcAft>
+              <a:buClrTx/>
+              <a:buSzTx/>
+              <a:buFontTx/>
+              <a:buNone/>
+              <a:tabLst/>
+              <a:defRPr/>
+            </a:pPr>
+            <a:endParaRPr kumimoji="0" lang="en-US" sz="1800" b="0" i="0" u="none" strike="noStrike" kern="1200" cap="none" spc="0" normalizeH="0" baseline="0" noProof="0">
+              <a:ln>
+                <a:noFill/>
+              </a:ln>
+              <a:solidFill>
+                <a:prstClr val="white"/>
+              </a:solidFill>
+              <a:effectLst/>
+              <a:uLnTx/>
+              <a:uFillTx/>
+              <a:latin typeface="Corbel" panose="020B0503020204020204"/>
+              <a:ea typeface="+mn-ea"/>
+              <a:cs typeface="+mn-cs"/>
+            </a:endParaRPr>
+          </a:p>
+        </p:txBody>
+      </p:sp>
+      <p:sp>
+        <p:nvSpPr>
+          <p:cNvPr id="11" name="Rectangle 10">
+            <a:extLst>
+              <a:ext uri="{FF2B5EF4-FFF2-40B4-BE49-F238E27FC236}">
+                <a16:creationId xmlns:a16="http://schemas.microsoft.com/office/drawing/2014/main" id="{0D614406-135F-4875-9C87-53822CB19ABB}"/>
+              </a:ext>
+              <a:ext uri="{C183D7F6-B498-43B3-948B-1728B52AA6E4}">
+                <adec:decorative xmlns:adec="http://schemas.microsoft.com/office/drawing/2017/decorative" xmlns="" val="1"/>
+              </a:ext>
+            </a:extLst>
+          </p:cNvPr>
+          <p:cNvSpPr>
+            <a:spLocks noGrp="1" noRot="1" noChangeAspect="1" noMove="1" noResize="1" noEditPoints="1" noAdjustHandles="1" noChangeArrowheads="1" noChangeShapeType="1" noTextEdit="1"/>
+          </p:cNvSpPr>
+          <p:nvPr>
+            <p:extLst>
+              <p:ext uri="{386F3935-93C4-4BCD-93E2-E3B085C9AB24}">
+                <p16:designElem xmlns:p16="http://schemas.microsoft.com/office/powerpoint/2015/main" val="1"/>
+              </p:ext>
+            </p:extLst>
+          </p:nvPr>
+        </p:nvSpPr>
+        <p:spPr>
+          <a:xfrm>
+            <a:off x="0" y="0"/>
+            <a:ext cx="12191999" cy="2285999"/>
+          </a:xfrm>
+          <a:prstGeom prst="rect">
+            <a:avLst/>
+          </a:prstGeom>
+          <a:solidFill>
+            <a:schemeClr val="tx1"/>
+          </a:solidFill>
+          <a:ln>
+            <a:noFill/>
+          </a:ln>
+        </p:spPr>
+        <p:style>
+          <a:lnRef idx="2">
+            <a:schemeClr val="accent1">
+              <a:shade val="50000"/>
+            </a:schemeClr>
+          </a:lnRef>
+          <a:fillRef idx="1">
+            <a:schemeClr val="accent1"/>
+          </a:fillRef>
+          <a:effectRef idx="0">
+            <a:schemeClr val="accent1"/>
+          </a:effectRef>
+          <a:fontRef idx="minor">
+            <a:schemeClr val="lt1"/>
+          </a:fontRef>
+        </p:style>
+        <p:txBody>
+          <a:bodyPr rtlCol="0" anchor="ctr"/>
+          <a:lstStyle/>
+          <a:p>
+            <a:pPr marL="0" marR="0" lvl="0" indent="0" algn="ctr" defTabSz="457200" rtl="0" eaLnBrk="1" fontAlgn="auto" latinLnBrk="0" hangingPunct="1">
+              <a:lnSpc>
+                <a:spcPct val="100000"/>
+              </a:lnSpc>
+              <a:spcBef>
+                <a:spcPts val="0"/>
+              </a:spcBef>
+              <a:spcAft>
+                <a:spcPts val="0"/>
+              </a:spcAft>
+              <a:buClrTx/>
+              <a:buSzTx/>
+              <a:buFontTx/>
+              <a:buNone/>
+              <a:tabLst/>
+              <a:defRPr/>
+            </a:pPr>
+            <a:endParaRPr kumimoji="0" lang="en-US" sz="1800" b="0" i="0" u="none" strike="noStrike" kern="1200" cap="none" spc="0" normalizeH="0" baseline="0" noProof="0">
+              <a:ln>
+                <a:noFill/>
+              </a:ln>
+              <a:solidFill>
+                <a:prstClr val="white"/>
+              </a:solidFill>
+              <a:effectLst/>
+              <a:uLnTx/>
+              <a:uFillTx/>
+              <a:latin typeface="Corbel" panose="020B0503020204020204"/>
+              <a:ea typeface="+mn-ea"/>
+              <a:cs typeface="+mn-cs"/>
+            </a:endParaRPr>
+          </a:p>
+        </p:txBody>
+      </p:sp>
+      <p:sp>
+        <p:nvSpPr>
+          <p:cNvPr id="2" name="Title 1"/>
+          <p:cNvSpPr>
+            <a:spLocks noGrp="1"/>
+          </p:cNvSpPr>
+          <p:nvPr>
+            <p:ph type="title"/>
+          </p:nvPr>
+        </p:nvSpPr>
+        <p:spPr>
+          <a:xfrm>
+            <a:off x="155421" y="-293716"/>
+            <a:ext cx="7169753" cy="1232750"/>
+          </a:xfrm>
+        </p:spPr>
+        <p:txBody>
+          <a:bodyPr anchor="b">
+            <a:normAutofit/>
+          </a:bodyPr>
+          <a:lstStyle/>
+          <a:p>
+            <a:pPr algn="l"/>
+            <a:r>
+              <a:rPr lang="en-US" dirty="0">
+                <a:solidFill>
+                  <a:schemeClr val="bg1"/>
+                </a:solidFill>
+              </a:rPr>
+              <a:t>Enjoy Your Flight</a:t>
+            </a:r>
+          </a:p>
+        </p:txBody>
+      </p:sp>
+      <p:cxnSp>
+        <p:nvCxnSpPr>
+          <p:cNvPr id="13" name="Straight Connector 12">
+            <a:extLst>
+              <a:ext uri="{FF2B5EF4-FFF2-40B4-BE49-F238E27FC236}">
+                <a16:creationId xmlns:a16="http://schemas.microsoft.com/office/drawing/2014/main" id="{C6C21149-7D17-44C2-AFB6-4D931DC55FB1}"/>
+              </a:ext>
+              <a:ext uri="{C183D7F6-B498-43B3-948B-1728B52AA6E4}">
+                <adec:decorative xmlns:adec="http://schemas.microsoft.com/office/drawing/2017/decorative" xmlns="" val="1"/>
+              </a:ext>
+            </a:extLst>
+          </p:cNvPr>
+          <p:cNvCxnSpPr>
+            <a:cxnSpLocks noGrp="1" noRot="1" noChangeAspect="1" noMove="1" noResize="1" noEditPoints="1" noAdjustHandles="1" noChangeArrowheads="1" noChangeShapeType="1"/>
+          </p:cNvCxnSpPr>
+          <p:nvPr>
+            <p:extLst>
+              <p:ext uri="{386F3935-93C4-4BCD-93E2-E3B085C9AB24}">
+                <p16:designElem xmlns:p16="http://schemas.microsoft.com/office/powerpoint/2015/main" val="1"/>
+              </p:ext>
+            </p:extLst>
+          </p:nvPr>
+        </p:nvCxnSpPr>
+        <p:spPr>
+          <a:xfrm>
+            <a:off x="0" y="1676579"/>
+            <a:ext cx="8129873" cy="6020"/>
+          </a:xfrm>
+          <a:prstGeom prst="line">
+            <a:avLst/>
+          </a:prstGeom>
+          <a:ln w="25400">
+            <a:solidFill>
+              <a:schemeClr val="bg1"/>
+            </a:solidFill>
+          </a:ln>
+        </p:spPr>
+        <p:style>
+          <a:lnRef idx="1">
+            <a:schemeClr val="accent1"/>
+          </a:lnRef>
+          <a:fillRef idx="0">
+            <a:schemeClr val="accent1"/>
+          </a:fillRef>
+          <a:effectRef idx="0">
+            <a:schemeClr val="accent1"/>
+          </a:effectRef>
+          <a:fontRef idx="minor">
+            <a:schemeClr val="tx1"/>
+          </a:fontRef>
+        </p:style>
+      </p:cxnSp>
+      <p:sp>
+        <p:nvSpPr>
+          <p:cNvPr id="15" name="Freeform 6">
+            <a:extLst>
+              <a:ext uri="{FF2B5EF4-FFF2-40B4-BE49-F238E27FC236}">
+                <a16:creationId xmlns:a16="http://schemas.microsoft.com/office/drawing/2014/main" id="{C2E5FCF0-567A-448C-A6E3-920BFC702C2F}"/>
+              </a:ext>
+              <a:ext uri="{C183D7F6-B498-43B3-948B-1728B52AA6E4}">
+                <adec:decorative xmlns:adec="http://schemas.microsoft.com/office/drawing/2017/decorative" xmlns="" val="1"/>
+              </a:ext>
+            </a:extLst>
+          </p:cNvPr>
+          <p:cNvSpPr>
+            <a:spLocks noGrp="1" noRot="1" noChangeAspect="1" noMove="1" noResize="1" noEditPoints="1" noAdjustHandles="1" noChangeArrowheads="1" noChangeShapeType="1" noTextEdit="1"/>
+          </p:cNvSpPr>
+          <p:nvPr>
+            <p:extLst>
+              <p:ext uri="{386F3935-93C4-4BCD-93E2-E3B085C9AB24}">
+                <p16:designElem xmlns:p16="http://schemas.microsoft.com/office/powerpoint/2015/main" val="1"/>
+              </p:ext>
+            </p:extLst>
+          </p:nvPr>
+        </p:nvSpPr>
+        <p:spPr bwMode="auto">
+          <a:xfrm>
+            <a:off x="11784011" y="938535"/>
+            <a:ext cx="407988" cy="819150"/>
+          </a:xfrm>
+          <a:custGeom>
+            <a:avLst/>
+            <a:gdLst/>
+            <a:ahLst/>
+            <a:cxnLst/>
+            <a:rect l="0" t="0" r="r" b="b"/>
+            <a:pathLst>
+              <a:path w="1799" h="3612">
+                <a:moveTo>
+                  <a:pt x="1799" y="0"/>
+                </a:moveTo>
+                <a:lnTo>
+                  <a:pt x="1799" y="3612"/>
+                </a:lnTo>
+                <a:lnTo>
+                  <a:pt x="1686" y="3609"/>
+                </a:lnTo>
+                <a:lnTo>
+                  <a:pt x="1574" y="3598"/>
+                </a:lnTo>
+                <a:lnTo>
+                  <a:pt x="1464" y="3581"/>
+                </a:lnTo>
+                <a:lnTo>
+                  <a:pt x="1357" y="3557"/>
+                </a:lnTo>
+                <a:lnTo>
+                  <a:pt x="1251" y="3527"/>
+                </a:lnTo>
+                <a:lnTo>
+                  <a:pt x="1150" y="3490"/>
+                </a:lnTo>
+                <a:lnTo>
+                  <a:pt x="1050" y="3448"/>
+                </a:lnTo>
+                <a:lnTo>
+                  <a:pt x="953" y="3401"/>
+                </a:lnTo>
+                <a:lnTo>
+                  <a:pt x="860" y="3347"/>
+                </a:lnTo>
+                <a:lnTo>
+                  <a:pt x="771" y="3289"/>
+                </a:lnTo>
+                <a:lnTo>
+                  <a:pt x="686" y="3224"/>
+                </a:lnTo>
+                <a:lnTo>
+                  <a:pt x="604" y="3156"/>
+                </a:lnTo>
+                <a:lnTo>
+                  <a:pt x="527" y="3083"/>
+                </a:lnTo>
+                <a:lnTo>
+                  <a:pt x="454" y="3005"/>
+                </a:lnTo>
+                <a:lnTo>
+                  <a:pt x="386" y="2923"/>
+                </a:lnTo>
+                <a:lnTo>
+                  <a:pt x="323" y="2838"/>
+                </a:lnTo>
+                <a:lnTo>
+                  <a:pt x="265" y="2748"/>
+                </a:lnTo>
+                <a:lnTo>
+                  <a:pt x="211" y="2655"/>
+                </a:lnTo>
+                <a:lnTo>
+                  <a:pt x="163" y="2559"/>
+                </a:lnTo>
+                <a:lnTo>
+                  <a:pt x="121" y="2459"/>
+                </a:lnTo>
+                <a:lnTo>
+                  <a:pt x="85" y="2356"/>
+                </a:lnTo>
+                <a:lnTo>
+                  <a:pt x="55" y="2251"/>
+                </a:lnTo>
+                <a:lnTo>
+                  <a:pt x="32" y="2143"/>
+                </a:lnTo>
+                <a:lnTo>
+                  <a:pt x="14" y="2033"/>
+                </a:lnTo>
+                <a:lnTo>
+                  <a:pt x="4" y="1920"/>
+                </a:lnTo>
+                <a:lnTo>
+                  <a:pt x="0" y="1806"/>
+                </a:lnTo>
+                <a:lnTo>
+                  <a:pt x="4" y="1692"/>
+                </a:lnTo>
+                <a:lnTo>
+                  <a:pt x="14" y="1580"/>
+                </a:lnTo>
+                <a:lnTo>
+                  <a:pt x="32" y="1469"/>
+                </a:lnTo>
+                <a:lnTo>
+                  <a:pt x="55" y="1362"/>
+                </a:lnTo>
+                <a:lnTo>
+                  <a:pt x="85" y="1256"/>
+                </a:lnTo>
+                <a:lnTo>
+                  <a:pt x="121" y="1154"/>
+                </a:lnTo>
+                <a:lnTo>
+                  <a:pt x="163" y="1054"/>
+                </a:lnTo>
+                <a:lnTo>
+                  <a:pt x="211" y="958"/>
+                </a:lnTo>
+                <a:lnTo>
+                  <a:pt x="265" y="864"/>
+                </a:lnTo>
+                <a:lnTo>
+                  <a:pt x="323" y="774"/>
+                </a:lnTo>
+                <a:lnTo>
+                  <a:pt x="386" y="689"/>
+                </a:lnTo>
+                <a:lnTo>
+                  <a:pt x="454" y="607"/>
+                </a:lnTo>
+                <a:lnTo>
+                  <a:pt x="527" y="529"/>
+                </a:lnTo>
+                <a:lnTo>
+                  <a:pt x="604" y="456"/>
+                </a:lnTo>
+                <a:lnTo>
+                  <a:pt x="686" y="388"/>
+                </a:lnTo>
+                <a:lnTo>
+                  <a:pt x="771" y="325"/>
+                </a:lnTo>
+                <a:lnTo>
+                  <a:pt x="860" y="266"/>
+                </a:lnTo>
+                <a:lnTo>
+                  <a:pt x="953" y="212"/>
+                </a:lnTo>
+                <a:lnTo>
+                  <a:pt x="1050" y="164"/>
+                </a:lnTo>
+                <a:lnTo>
+                  <a:pt x="1150" y="122"/>
+                </a:lnTo>
+                <a:lnTo>
+                  <a:pt x="1251" y="85"/>
+                </a:lnTo>
+                <a:lnTo>
+                  <a:pt x="1357" y="55"/>
+                </a:lnTo>
+                <a:lnTo>
+                  <a:pt x="1464" y="32"/>
+                </a:lnTo>
+                <a:lnTo>
+                  <a:pt x="1574" y="14"/>
+                </a:lnTo>
+                <a:lnTo>
+                  <a:pt x="1686" y="5"/>
+                </a:lnTo>
+                <a:lnTo>
+                  <a:pt x="1799" y="0"/>
+                </a:lnTo>
+                <a:close/>
+              </a:path>
+            </a:pathLst>
+          </a:custGeom>
+          <a:solidFill>
+            <a:schemeClr val="bg2"/>
+          </a:solidFill>
+          <a:ln w="0">
+            <a:noFill/>
+            <a:prstDash val="solid"/>
+            <a:round/>
+            <a:headEnd/>
+            <a:tailEnd/>
+          </a:ln>
+        </p:spPr>
+      </p:sp>
+      <p:pic>
+        <p:nvPicPr>
+          <p:cNvPr id="8" name="Picture 7">
+            <a:extLst>
+              <a:ext uri="{FF2B5EF4-FFF2-40B4-BE49-F238E27FC236}">
+                <a16:creationId xmlns:a16="http://schemas.microsoft.com/office/drawing/2014/main" id="{4DAE8170-F041-4204-BF25-1FE1942D1FA4}"/>
+              </a:ext>
+            </a:extLst>
+          </p:cNvPr>
+          <p:cNvPicPr>
+            <a:picLocks noChangeAspect="1"/>
+          </p:cNvPicPr>
+          <p:nvPr/>
+        </p:nvPicPr>
+        <p:blipFill>
+          <a:blip r:embed="rId2"/>
+          <a:stretch>
+            <a:fillRect/>
+          </a:stretch>
+        </p:blipFill>
+        <p:spPr>
+          <a:xfrm>
+            <a:off x="-1" y="898246"/>
+            <a:ext cx="12192000" cy="6014720"/>
+          </a:xfrm>
+          <a:prstGeom prst="rect">
+            <a:avLst/>
+          </a:prstGeom>
+        </p:spPr>
+      </p:pic>
+    </p:spTree>
+    <p:extLst>
+      <p:ext uri="{BB962C8B-B14F-4D97-AF65-F5344CB8AC3E}">
+        <p14:creationId xmlns:p14="http://schemas.microsoft.com/office/powerpoint/2010/main" val="2229128924"/>
       </p:ext>
     </p:extLst>
   </p:cSld>
@@ -22808,7 +28498,7 @@
                 <a:hlinkClick r:id="rId2">
                   <a:extLst>
                     <a:ext uri="{A12FA001-AC4F-418D-AE19-62706E023703}">
-                      <ahyp:hlinkClr xmlns="" xmlns:ahyp="http://schemas.microsoft.com/office/drawing/2018/hyperlinkcolor" val="tx"/>
+                      <ahyp:hlinkClr xmlns:ahyp="http://schemas.microsoft.com/office/drawing/2018/hyperlinkcolor" xmlns="" val="tx"/>
                     </a:ext>
                   </a:extLst>
                 </a:hlinkClick>
@@ -22833,7 +28523,7 @@
                 <a:hlinkClick r:id="rId2">
                   <a:extLst>
                     <a:ext uri="{A12FA001-AC4F-418D-AE19-62706E023703}">
-                      <ahyp:hlinkClr xmlns="" xmlns:ahyp="http://schemas.microsoft.com/office/drawing/2018/hyperlinkcolor" val="tx"/>
+                      <ahyp:hlinkClr xmlns:ahyp="http://schemas.microsoft.com/office/drawing/2018/hyperlinkcolor" xmlns="" val="tx"/>
                     </a:ext>
                   </a:extLst>
                 </a:hlinkClick>
@@ -22856,7 +28546,7 @@
                 <a:hlinkClick r:id="rId3">
                   <a:extLst>
                     <a:ext uri="{A12FA001-AC4F-418D-AE19-62706E023703}">
-                      <ahyp:hlinkClr xmlns="" xmlns:ahyp="http://schemas.microsoft.com/office/drawing/2018/hyperlinkcolor" val="tx"/>
+                      <ahyp:hlinkClr xmlns:ahyp="http://schemas.microsoft.com/office/drawing/2018/hyperlinkcolor" xmlns="" val="tx"/>
                     </a:ext>
                   </a:extLst>
                 </a:hlinkClick>
@@ -23048,7 +28738,7 @@
                 <a16:creationId xmlns:a16="http://schemas.microsoft.com/office/drawing/2014/main" id="{4281BC32-FF58-4898-A6B5-7B3D059BCEB0}"/>
               </a:ext>
               <a:ext uri="{C183D7F6-B498-43B3-948B-1728B52AA6E4}">
-                <adec:decorative xmlns="" xmlns:adec="http://schemas.microsoft.com/office/drawing/2017/decorative" val="1"/>
+                <adec:decorative xmlns:adec="http://schemas.microsoft.com/office/drawing/2017/decorative" xmlns="" val="1"/>
               </a:ext>
             </a:extLst>
           </p:cNvPr>
@@ -23108,7 +28798,7 @@
                 <a16:creationId xmlns:a16="http://schemas.microsoft.com/office/drawing/2014/main" id="{0D614406-135F-4875-9C87-53822CB19ABB}"/>
               </a:ext>
               <a:ext uri="{C183D7F6-B498-43B3-948B-1728B52AA6E4}">
-                <adec:decorative xmlns="" xmlns:adec="http://schemas.microsoft.com/office/drawing/2017/decorative" val="1"/>
+                <adec:decorative xmlns:adec="http://schemas.microsoft.com/office/drawing/2017/decorative" xmlns="" val="1"/>
               </a:ext>
             </a:extLst>
           </p:cNvPr>
@@ -23205,7 +28895,7 @@
                 <a16:creationId xmlns:a16="http://schemas.microsoft.com/office/drawing/2014/main" id="{C6C21149-7D17-44C2-AFB6-4D931DC55FB1}"/>
               </a:ext>
               <a:ext uri="{C183D7F6-B498-43B3-948B-1728B52AA6E4}">
-                <adec:decorative xmlns="" xmlns:adec="http://schemas.microsoft.com/office/drawing/2017/decorative" val="1"/>
+                <adec:decorative xmlns:adec="http://schemas.microsoft.com/office/drawing/2017/decorative" xmlns="" val="1"/>
               </a:ext>
             </a:extLst>
           </p:cNvPr>
@@ -23257,7 +28947,7 @@
                 <a16:creationId xmlns:a16="http://schemas.microsoft.com/office/drawing/2014/main" id="{C2E5FCF0-567A-448C-A6E3-920BFC702C2F}"/>
               </a:ext>
               <a:ext uri="{C183D7F6-B498-43B3-948B-1728B52AA6E4}">
-                <adec:decorative xmlns="" xmlns:adec="http://schemas.microsoft.com/office/drawing/2017/decorative" val="1"/>
+                <adec:decorative xmlns:adec="http://schemas.microsoft.com/office/drawing/2017/decorative" xmlns="" val="1"/>
               </a:ext>
             </a:extLst>
           </p:cNvPr>
@@ -24098,7 +29788,7 @@
                 <a16:creationId xmlns:a16="http://schemas.microsoft.com/office/drawing/2014/main" id="{4281BC32-FF58-4898-A6B5-7B3D059BCEB0}"/>
               </a:ext>
               <a:ext uri="{C183D7F6-B498-43B3-948B-1728B52AA6E4}">
-                <adec:decorative xmlns="" xmlns:adec="http://schemas.microsoft.com/office/drawing/2017/decorative" val="1"/>
+                <adec:decorative xmlns:adec="http://schemas.microsoft.com/office/drawing/2017/decorative" xmlns="" val="1"/>
               </a:ext>
             </a:extLst>
           </p:cNvPr>
@@ -24158,7 +29848,7 @@
                 <a16:creationId xmlns:a16="http://schemas.microsoft.com/office/drawing/2014/main" id="{0D614406-135F-4875-9C87-53822CB19ABB}"/>
               </a:ext>
               <a:ext uri="{C183D7F6-B498-43B3-948B-1728B52AA6E4}">
-                <adec:decorative xmlns="" xmlns:adec="http://schemas.microsoft.com/office/drawing/2017/decorative" val="1"/>
+                <adec:decorative xmlns:adec="http://schemas.microsoft.com/office/drawing/2017/decorative" xmlns="" val="1"/>
               </a:ext>
             </a:extLst>
           </p:cNvPr>
@@ -24255,7 +29945,7 @@
                 <a16:creationId xmlns:a16="http://schemas.microsoft.com/office/drawing/2014/main" id="{C6C21149-7D17-44C2-AFB6-4D931DC55FB1}"/>
               </a:ext>
               <a:ext uri="{C183D7F6-B498-43B3-948B-1728B52AA6E4}">
-                <adec:decorative xmlns="" xmlns:adec="http://schemas.microsoft.com/office/drawing/2017/decorative" val="1"/>
+                <adec:decorative xmlns:adec="http://schemas.microsoft.com/office/drawing/2017/decorative" xmlns="" val="1"/>
               </a:ext>
             </a:extLst>
           </p:cNvPr>
@@ -24307,7 +29997,7 @@
                 <a16:creationId xmlns:a16="http://schemas.microsoft.com/office/drawing/2014/main" id="{C2E5FCF0-567A-448C-A6E3-920BFC702C2F}"/>
               </a:ext>
               <a:ext uri="{C183D7F6-B498-43B3-948B-1728B52AA6E4}">
-                <adec:decorative xmlns="" xmlns:adec="http://schemas.microsoft.com/office/drawing/2017/decorative" val="1"/>
+                <adec:decorative xmlns:adec="http://schemas.microsoft.com/office/drawing/2017/decorative" xmlns="" val="1"/>
               </a:ext>
             </a:extLst>
           </p:cNvPr>
@@ -24600,7 +30290,7 @@
                 <a:hlinkClick r:id="rId3">
                   <a:extLst>
                     <a:ext uri="{A12FA001-AC4F-418D-AE19-62706E023703}">
-                      <ahyp:hlinkClr xmlns="" xmlns:ahyp="http://schemas.microsoft.com/office/drawing/2018/hyperlinkcolor" val="tx"/>
+                      <ahyp:hlinkClr xmlns:ahyp="http://schemas.microsoft.com/office/drawing/2018/hyperlinkcolor" xmlns="" val="tx"/>
                     </a:ext>
                   </a:extLst>
                 </a:hlinkClick>
@@ -24642,7 +30332,7 @@
                 <a:hlinkClick r:id="rId4">
                   <a:extLst>
                     <a:ext uri="{A12FA001-AC4F-418D-AE19-62706E023703}">
-                      <ahyp:hlinkClr xmlns="" xmlns:ahyp="http://schemas.microsoft.com/office/drawing/2018/hyperlinkcolor" val="tx"/>
+                      <ahyp:hlinkClr xmlns:ahyp="http://schemas.microsoft.com/office/drawing/2018/hyperlinkcolor" xmlns="" val="tx"/>
                     </a:ext>
                   </a:extLst>
                 </a:hlinkClick>
@@ -24684,7 +30374,7 @@
                 <a:hlinkClick r:id="rId5">
                   <a:extLst>
                     <a:ext uri="{A12FA001-AC4F-418D-AE19-62706E023703}">
-                      <ahyp:hlinkClr xmlns="" xmlns:ahyp="http://schemas.microsoft.com/office/drawing/2018/hyperlinkcolor" val="tx"/>
+                      <ahyp:hlinkClr xmlns:ahyp="http://schemas.microsoft.com/office/drawing/2018/hyperlinkcolor" xmlns="" val="tx"/>
                     </a:ext>
                   </a:extLst>
                 </a:hlinkClick>
@@ -24726,7 +30416,7 @@
                 <a:hlinkClick r:id="rId6">
                   <a:extLst>
                     <a:ext uri="{A12FA001-AC4F-418D-AE19-62706E023703}">
-                      <ahyp:hlinkClr xmlns="" xmlns:ahyp="http://schemas.microsoft.com/office/drawing/2018/hyperlinkcolor" val="tx"/>
+                      <ahyp:hlinkClr xmlns:ahyp="http://schemas.microsoft.com/office/drawing/2018/hyperlinkcolor" xmlns="" val="tx"/>
                     </a:ext>
                   </a:extLst>
                 </a:hlinkClick>
@@ -24741,7 +30431,7 @@
                 <a:hlinkClick r:id="rId6">
                   <a:extLst>
                     <a:ext uri="{A12FA001-AC4F-418D-AE19-62706E023703}">
-                      <ahyp:hlinkClr xmlns="" xmlns:ahyp="http://schemas.microsoft.com/office/drawing/2018/hyperlinkcolor" val="tx"/>
+                      <ahyp:hlinkClr xmlns:ahyp="http://schemas.microsoft.com/office/drawing/2018/hyperlinkcolor" xmlns="" val="tx"/>
                     </a:ext>
                   </a:extLst>
                 </a:hlinkClick>
@@ -24759,7 +30449,7 @@
                 <a:hlinkClick r:id="rId7">
                   <a:extLst>
                     <a:ext uri="{A12FA001-AC4F-418D-AE19-62706E023703}">
-                      <ahyp:hlinkClr xmlns="" xmlns:ahyp="http://schemas.microsoft.com/office/drawing/2018/hyperlinkcolor" val="tx"/>
+                      <ahyp:hlinkClr xmlns:ahyp="http://schemas.microsoft.com/office/drawing/2018/hyperlinkcolor" xmlns="" val="tx"/>
                     </a:ext>
                   </a:extLst>
                 </a:hlinkClick>
@@ -24960,7 +30650,7 @@
                 <a16:creationId xmlns:a16="http://schemas.microsoft.com/office/drawing/2014/main" id="{4281BC32-FF58-4898-A6B5-7B3D059BCEB0}"/>
               </a:ext>
               <a:ext uri="{C183D7F6-B498-43B3-948B-1728B52AA6E4}">
-                <adec:decorative xmlns="" xmlns:adec="http://schemas.microsoft.com/office/drawing/2017/decorative" val="1"/>
+                <adec:decorative xmlns:adec="http://schemas.microsoft.com/office/drawing/2017/decorative" xmlns="" val="1"/>
               </a:ext>
             </a:extLst>
           </p:cNvPr>
@@ -25020,7 +30710,7 @@
                 <a16:creationId xmlns:a16="http://schemas.microsoft.com/office/drawing/2014/main" id="{0D614406-135F-4875-9C87-53822CB19ABB}"/>
               </a:ext>
               <a:ext uri="{C183D7F6-B498-43B3-948B-1728B52AA6E4}">
-                <adec:decorative xmlns="" xmlns:adec="http://schemas.microsoft.com/office/drawing/2017/decorative" val="1"/>
+                <adec:decorative xmlns:adec="http://schemas.microsoft.com/office/drawing/2017/decorative" xmlns="" val="1"/>
               </a:ext>
             </a:extLst>
           </p:cNvPr>
@@ -25122,7 +30812,7 @@
                 <a16:creationId xmlns:a16="http://schemas.microsoft.com/office/drawing/2014/main" id="{C6C21149-7D17-44C2-AFB6-4D931DC55FB1}"/>
               </a:ext>
               <a:ext uri="{C183D7F6-B498-43B3-948B-1728B52AA6E4}">
-                <adec:decorative xmlns="" xmlns:adec="http://schemas.microsoft.com/office/drawing/2017/decorative" val="1"/>
+                <adec:decorative xmlns:adec="http://schemas.microsoft.com/office/drawing/2017/decorative" xmlns="" val="1"/>
               </a:ext>
             </a:extLst>
           </p:cNvPr>
@@ -25174,7 +30864,7 @@
                 <a16:creationId xmlns:a16="http://schemas.microsoft.com/office/drawing/2014/main" id="{C2E5FCF0-567A-448C-A6E3-920BFC702C2F}"/>
               </a:ext>
               <a:ext uri="{C183D7F6-B498-43B3-948B-1728B52AA6E4}">
-                <adec:decorative xmlns="" xmlns:adec="http://schemas.microsoft.com/office/drawing/2017/decorative" val="1"/>
+                <adec:decorative xmlns:adec="http://schemas.microsoft.com/office/drawing/2017/decorative" xmlns="" val="1"/>
               </a:ext>
             </a:extLst>
           </p:cNvPr>
@@ -25663,7 +31353,7 @@
                 <a16:creationId xmlns:a16="http://schemas.microsoft.com/office/drawing/2014/main" id="{4281BC32-FF58-4898-A6B5-7B3D059BCEB0}"/>
               </a:ext>
               <a:ext uri="{C183D7F6-B498-43B3-948B-1728B52AA6E4}">
-                <adec:decorative xmlns="" xmlns:adec="http://schemas.microsoft.com/office/drawing/2017/decorative" val="1"/>
+                <adec:decorative xmlns:adec="http://schemas.microsoft.com/office/drawing/2017/decorative" xmlns="" val="1"/>
               </a:ext>
             </a:extLst>
           </p:cNvPr>
@@ -25723,7 +31413,7 @@
                 <a16:creationId xmlns:a16="http://schemas.microsoft.com/office/drawing/2014/main" id="{0D614406-135F-4875-9C87-53822CB19ABB}"/>
               </a:ext>
               <a:ext uri="{C183D7F6-B498-43B3-948B-1728B52AA6E4}">
-                <adec:decorative xmlns="" xmlns:adec="http://schemas.microsoft.com/office/drawing/2017/decorative" val="1"/>
+                <adec:decorative xmlns:adec="http://schemas.microsoft.com/office/drawing/2017/decorative" xmlns="" val="1"/>
               </a:ext>
             </a:extLst>
           </p:cNvPr>
@@ -25820,7 +31510,7 @@
                 <a16:creationId xmlns:a16="http://schemas.microsoft.com/office/drawing/2014/main" id="{C6C21149-7D17-44C2-AFB6-4D931DC55FB1}"/>
               </a:ext>
               <a:ext uri="{C183D7F6-B498-43B3-948B-1728B52AA6E4}">
-                <adec:decorative xmlns="" xmlns:adec="http://schemas.microsoft.com/office/drawing/2017/decorative" val="1"/>
+                <adec:decorative xmlns:adec="http://schemas.microsoft.com/office/drawing/2017/decorative" xmlns="" val="1"/>
               </a:ext>
             </a:extLst>
           </p:cNvPr>
@@ -25872,7 +31562,7 @@
                 <a16:creationId xmlns:a16="http://schemas.microsoft.com/office/drawing/2014/main" id="{C2E5FCF0-567A-448C-A6E3-920BFC702C2F}"/>
               </a:ext>
               <a:ext uri="{C183D7F6-B498-43B3-948B-1728B52AA6E4}">
-                <adec:decorative xmlns="" xmlns:adec="http://schemas.microsoft.com/office/drawing/2017/decorative" val="1"/>
+                <adec:decorative xmlns:adec="http://schemas.microsoft.com/office/drawing/2017/decorative" xmlns="" val="1"/>
               </a:ext>
             </a:extLst>
           </p:cNvPr>
@@ -26264,7 +31954,7 @@
                 <a:hlinkClick r:id="rId5">
                   <a:extLst>
                     <a:ext uri="{A12FA001-AC4F-418D-AE19-62706E023703}">
-                      <ahyp:hlinkClr xmlns="" xmlns:ahyp="http://schemas.microsoft.com/office/drawing/2018/hyperlinkcolor" val="tx"/>
+                      <ahyp:hlinkClr xmlns:ahyp="http://schemas.microsoft.com/office/drawing/2018/hyperlinkcolor" xmlns="" val="tx"/>
                     </a:ext>
                   </a:extLst>
                 </a:hlinkClick>
@@ -26613,7 +32303,7 @@
                 <a16:creationId xmlns:a16="http://schemas.microsoft.com/office/drawing/2014/main" id="{4281BC32-FF58-4898-A6B5-7B3D059BCEB0}"/>
               </a:ext>
               <a:ext uri="{C183D7F6-B498-43B3-948B-1728B52AA6E4}">
-                <adec:decorative xmlns="" xmlns:adec="http://schemas.microsoft.com/office/drawing/2017/decorative" val="1"/>
+                <adec:decorative xmlns:adec="http://schemas.microsoft.com/office/drawing/2017/decorative" xmlns="" val="1"/>
               </a:ext>
             </a:extLst>
           </p:cNvPr>
@@ -26673,7 +32363,7 @@
                 <a16:creationId xmlns:a16="http://schemas.microsoft.com/office/drawing/2014/main" id="{0D614406-135F-4875-9C87-53822CB19ABB}"/>
               </a:ext>
               <a:ext uri="{C183D7F6-B498-43B3-948B-1728B52AA6E4}">
-                <adec:decorative xmlns="" xmlns:adec="http://schemas.microsoft.com/office/drawing/2017/decorative" val="1"/>
+                <adec:decorative xmlns:adec="http://schemas.microsoft.com/office/drawing/2017/decorative" xmlns="" val="1"/>
               </a:ext>
             </a:extLst>
           </p:cNvPr>
@@ -26775,7 +32465,7 @@
                 <a16:creationId xmlns:a16="http://schemas.microsoft.com/office/drawing/2014/main" id="{C6C21149-7D17-44C2-AFB6-4D931DC55FB1}"/>
               </a:ext>
               <a:ext uri="{C183D7F6-B498-43B3-948B-1728B52AA6E4}">
-                <adec:decorative xmlns="" xmlns:adec="http://schemas.microsoft.com/office/drawing/2017/decorative" val="1"/>
+                <adec:decorative xmlns:adec="http://schemas.microsoft.com/office/drawing/2017/decorative" xmlns="" val="1"/>
               </a:ext>
             </a:extLst>
           </p:cNvPr>
@@ -26827,7 +32517,7 @@
                 <a16:creationId xmlns:a16="http://schemas.microsoft.com/office/drawing/2014/main" id="{C2E5FCF0-567A-448C-A6E3-920BFC702C2F}"/>
               </a:ext>
               <a:ext uri="{C183D7F6-B498-43B3-948B-1728B52AA6E4}">
-                <adec:decorative xmlns="" xmlns:adec="http://schemas.microsoft.com/office/drawing/2017/decorative" val="1"/>
+                <adec:decorative xmlns:adec="http://schemas.microsoft.com/office/drawing/2017/decorative" xmlns="" val="1"/>
               </a:ext>
             </a:extLst>
           </p:cNvPr>
@@ -27213,7 +32903,7 @@
                 <a16:creationId xmlns:a16="http://schemas.microsoft.com/office/drawing/2014/main" id="{4281BC32-FF58-4898-A6B5-7B3D059BCEB0}"/>
               </a:ext>
               <a:ext uri="{C183D7F6-B498-43B3-948B-1728B52AA6E4}">
-                <adec:decorative xmlns="" xmlns:adec="http://schemas.microsoft.com/office/drawing/2017/decorative" val="1"/>
+                <adec:decorative xmlns:adec="http://schemas.microsoft.com/office/drawing/2017/decorative" xmlns="" val="1"/>
               </a:ext>
             </a:extLst>
           </p:cNvPr>
@@ -27273,7 +32963,7 @@
                 <a16:creationId xmlns:a16="http://schemas.microsoft.com/office/drawing/2014/main" id="{0D614406-135F-4875-9C87-53822CB19ABB}"/>
               </a:ext>
               <a:ext uri="{C183D7F6-B498-43B3-948B-1728B52AA6E4}">
-                <adec:decorative xmlns="" xmlns:adec="http://schemas.microsoft.com/office/drawing/2017/decorative" val="1"/>
+                <adec:decorative xmlns:adec="http://schemas.microsoft.com/office/drawing/2017/decorative" xmlns="" val="1"/>
               </a:ext>
             </a:extLst>
           </p:cNvPr>
@@ -27375,7 +33065,7 @@
                 <a16:creationId xmlns:a16="http://schemas.microsoft.com/office/drawing/2014/main" id="{C6C21149-7D17-44C2-AFB6-4D931DC55FB1}"/>
               </a:ext>
               <a:ext uri="{C183D7F6-B498-43B3-948B-1728B52AA6E4}">
-                <adec:decorative xmlns="" xmlns:adec="http://schemas.microsoft.com/office/drawing/2017/decorative" val="1"/>
+                <adec:decorative xmlns:adec="http://schemas.microsoft.com/office/drawing/2017/decorative" xmlns="" val="1"/>
               </a:ext>
             </a:extLst>
           </p:cNvPr>
@@ -27427,7 +33117,7 @@
                 <a16:creationId xmlns:a16="http://schemas.microsoft.com/office/drawing/2014/main" id="{C2E5FCF0-567A-448C-A6E3-920BFC702C2F}"/>
               </a:ext>
               <a:ext uri="{C183D7F6-B498-43B3-948B-1728B52AA6E4}">
-                <adec:decorative xmlns="" xmlns:adec="http://schemas.microsoft.com/office/drawing/2017/decorative" val="1"/>
+                <adec:decorative xmlns:adec="http://schemas.microsoft.com/office/drawing/2017/decorative" xmlns="" val="1"/>
               </a:ext>
             </a:extLst>
           </p:cNvPr>

--- a/BAMF Presentation.pptx
+++ b/BAMF Presentation.pptx
@@ -5,7 +5,7 @@
     <p:sldMasterId id="2147483648" r:id="rId1"/>
   </p:sldMasterIdLst>
   <p:notesMasterIdLst>
-    <p:notesMasterId r:id="rId28"/>
+    <p:notesMasterId r:id="rId27"/>
   </p:notesMasterIdLst>
   <p:sldIdLst>
     <p:sldId id="258" r:id="rId2"/>
@@ -15,10 +15,10 @@
     <p:sldId id="271" r:id="rId6"/>
     <p:sldId id="280" r:id="rId7"/>
     <p:sldId id="262" r:id="rId8"/>
-    <p:sldId id="276" r:id="rId9"/>
-    <p:sldId id="279" r:id="rId10"/>
-    <p:sldId id="267" r:id="rId11"/>
-    <p:sldId id="293" r:id="rId12"/>
+    <p:sldId id="293" r:id="rId9"/>
+    <p:sldId id="276" r:id="rId10"/>
+    <p:sldId id="279" r:id="rId11"/>
+    <p:sldId id="267" r:id="rId12"/>
     <p:sldId id="272" r:id="rId13"/>
     <p:sldId id="273" r:id="rId14"/>
     <p:sldId id="269" r:id="rId15"/>
@@ -26,14 +26,13 @@
     <p:sldId id="275" r:id="rId17"/>
     <p:sldId id="270" r:id="rId18"/>
     <p:sldId id="283" r:id="rId19"/>
-    <p:sldId id="286" r:id="rId20"/>
-    <p:sldId id="284" r:id="rId21"/>
-    <p:sldId id="285" r:id="rId22"/>
-    <p:sldId id="292" r:id="rId23"/>
-    <p:sldId id="291" r:id="rId24"/>
-    <p:sldId id="290" r:id="rId25"/>
-    <p:sldId id="289" r:id="rId26"/>
-    <p:sldId id="288" r:id="rId27"/>
+    <p:sldId id="284" r:id="rId20"/>
+    <p:sldId id="285" r:id="rId21"/>
+    <p:sldId id="292" r:id="rId22"/>
+    <p:sldId id="291" r:id="rId23"/>
+    <p:sldId id="290" r:id="rId24"/>
+    <p:sldId id="289" r:id="rId25"/>
+    <p:sldId id="288" r:id="rId26"/>
   </p:sldIdLst>
   <p:sldSz cx="12192000" cy="6858000"/>
   <p:notesSz cx="6858000" cy="9144000"/>
@@ -638,7 +637,7 @@
           <a:p>
             <a:fld id="{E0746DE6-3336-457D-A091-FA20AC1C536E}" type="slidenum">
               <a:rPr lang="en-US" smtClean="0"/>
-              <a:t>8</a:t>
+              <a:t>9</a:t>
             </a:fld>
             <a:endParaRPr lang="en-US"/>
           </a:p>
@@ -722,7 +721,7 @@
           <a:p>
             <a:fld id="{E0746DE6-3336-457D-A091-FA20AC1C536E}" type="slidenum">
               <a:rPr lang="en-US" smtClean="0"/>
-              <a:t>9</a:t>
+              <a:t>10</a:t>
             </a:fld>
             <a:endParaRPr lang="en-US"/>
           </a:p>
@@ -806,7 +805,7 @@
           <a:p>
             <a:fld id="{E0746DE6-3336-457D-A091-FA20AC1C536E}" type="slidenum">
               <a:rPr lang="en-US" smtClean="0"/>
-              <a:t>21</a:t>
+              <a:t>20</a:t>
             </a:fld>
             <a:endParaRPr lang="en-US"/>
           </a:p>
@@ -4969,7 +4968,7 @@
                 <a16:creationId xmlns:a16="http://schemas.microsoft.com/office/drawing/2014/main" id="{5C9F31C1-4E46-4A89-877A-24BBC6D3F47D}"/>
               </a:ext>
               <a:ext uri="{C183D7F6-B498-43B3-948B-1728B52AA6E4}">
-                <adec:decorative xmlns:adec="http://schemas.microsoft.com/office/drawing/2017/decorative" xmlns="" val="1"/>
+                <adec:decorative xmlns="" xmlns:adec="http://schemas.microsoft.com/office/drawing/2017/decorative" val="1"/>
               </a:ext>
             </a:extLst>
           </p:cNvPr>
@@ -5087,7 +5086,15 @@
                   <a:schemeClr val="bg2"/>
                 </a:solidFill>
               </a:rPr>
-              <a:t>Team BAMF: LeAnne Sevier, Luciana Roberts, Lilian </a:t>
+              <a:t>Team BAMF: LeAnne Sevier, Luciana Roberts, </a:t>
+            </a:r>
+            <a:r>
+              <a:rPr lang="en-US" sz="1800" dirty="0" smtClean="0">
+                <a:solidFill>
+                  <a:schemeClr val="bg2"/>
+                </a:solidFill>
+              </a:rPr>
+              <a:t>Lillian </a:t>
             </a:r>
             <a:r>
               <a:rPr lang="en-US" sz="1800" dirty="0" err="1">
@@ -5103,7 +5110,15 @@
                   <a:schemeClr val="bg2"/>
                 </a:solidFill>
               </a:rPr>
-              <a:t>, Like </a:t>
+              <a:t>, </a:t>
+            </a:r>
+            <a:r>
+              <a:rPr lang="en-US" sz="1800" dirty="0" smtClean="0">
+                <a:solidFill>
+                  <a:schemeClr val="bg2"/>
+                </a:solidFill>
+              </a:rPr>
+              <a:t>Mike </a:t>
             </a:r>
             <a:r>
               <a:rPr lang="en-US" sz="1800" dirty="0" err="1">
@@ -5119,7 +5134,23 @@
                   <a:schemeClr val="bg2"/>
                 </a:solidFill>
               </a:rPr>
-              <a:t>, Lob Phillips</a:t>
+              <a:t>, </a:t>
+            </a:r>
+            <a:r>
+              <a:rPr lang="en-US" sz="1800" dirty="0" smtClean="0">
+                <a:solidFill>
+                  <a:schemeClr val="bg2"/>
+                </a:solidFill>
+              </a:rPr>
+              <a:t>Rob </a:t>
+            </a:r>
+            <a:r>
+              <a:rPr lang="en-US" sz="1800" dirty="0">
+                <a:solidFill>
+                  <a:schemeClr val="bg2"/>
+                </a:solidFill>
+              </a:rPr>
+              <a:t>Phillips</a:t>
             </a:r>
             <a:endParaRPr sz="1800" dirty="0">
               <a:solidFill>
@@ -5137,7 +5168,7 @@
                 <a16:creationId xmlns:a16="http://schemas.microsoft.com/office/drawing/2014/main" id="{9F8CD012-29F5-45B8-83DF-393C0A213BB2}"/>
               </a:ext>
               <a:ext uri="{C183D7F6-B498-43B3-948B-1728B52AA6E4}">
-                <adec:decorative xmlns:adec="http://schemas.microsoft.com/office/drawing/2017/decorative" xmlns="" val="1"/>
+                <adec:decorative xmlns="" xmlns:adec="http://schemas.microsoft.com/office/drawing/2017/decorative" val="1"/>
               </a:ext>
             </a:extLst>
           </p:cNvPr>
@@ -5227,7 +5258,7 @@
                 <a16:creationId xmlns:a16="http://schemas.microsoft.com/office/drawing/2014/main" id="{D5807261-5AA8-4462-847C-7789D26717C1}"/>
               </a:ext>
               <a:ext uri="{C183D7F6-B498-43B3-948B-1728B52AA6E4}">
-                <adec:decorative xmlns:adec="http://schemas.microsoft.com/office/drawing/2017/decorative" xmlns="" val="1"/>
+                <adec:decorative xmlns="" xmlns:adec="http://schemas.microsoft.com/office/drawing/2017/decorative" val="1"/>
               </a:ext>
             </a:extLst>
           </p:cNvPr>
@@ -5441,7 +5472,7 @@
                 <a16:creationId xmlns:a16="http://schemas.microsoft.com/office/drawing/2014/main" id="{99B864D8-020F-455C-951E-BECB1D7E9E86}"/>
               </a:ext>
               <a:ext uri="{C183D7F6-B498-43B3-948B-1728B52AA6E4}">
-                <adec:decorative xmlns:adec="http://schemas.microsoft.com/office/drawing/2017/decorative" xmlns="" val="1"/>
+                <adec:decorative xmlns="" xmlns:adec="http://schemas.microsoft.com/office/drawing/2017/decorative" val="1"/>
               </a:ext>
             </a:extLst>
           </p:cNvPr>
@@ -5649,7 +5680,7 @@
                 <a16:creationId xmlns:a16="http://schemas.microsoft.com/office/drawing/2014/main" id="{4281BC32-FF58-4898-A6B5-7B3D059BCEB0}"/>
               </a:ext>
               <a:ext uri="{C183D7F6-B498-43B3-948B-1728B52AA6E4}">
-                <adec:decorative xmlns:adec="http://schemas.microsoft.com/office/drawing/2017/decorative" xmlns="" val="1"/>
+                <adec:decorative xmlns="" xmlns:adec="http://schemas.microsoft.com/office/drawing/2017/decorative" val="1"/>
               </a:ext>
             </a:extLst>
           </p:cNvPr>
@@ -5709,7 +5740,7 @@
                 <a16:creationId xmlns:a16="http://schemas.microsoft.com/office/drawing/2014/main" id="{0D614406-135F-4875-9C87-53822CB19ABB}"/>
               </a:ext>
               <a:ext uri="{C183D7F6-B498-43B3-948B-1728B52AA6E4}">
-                <adec:decorative xmlns:adec="http://schemas.microsoft.com/office/drawing/2017/decorative" xmlns="" val="1"/>
+                <adec:decorative xmlns="" xmlns:adec="http://schemas.microsoft.com/office/drawing/2017/decorative" val="1"/>
               </a:ext>
             </a:extLst>
           </p:cNvPr>
@@ -5788,13 +5819,18 @@
           <a:p>
             <a:pPr algn="l"/>
             <a:r>
-              <a:rPr lang="en-US" sz="3900" dirty="0">
+              <a:rPr lang="en-US" sz="3900" dirty="0" smtClean="0">
                 <a:solidFill>
                   <a:schemeClr val="bg1"/>
                 </a:solidFill>
               </a:rPr>
-              <a:t>Finding relevant data</a:t>
-            </a:r>
+              <a:t>Finding Data</a:t>
+            </a:r>
+            <a:endParaRPr lang="en-US" sz="3900" dirty="0">
+              <a:solidFill>
+                <a:schemeClr val="bg1"/>
+              </a:solidFill>
+            </a:endParaRPr>
           </a:p>
         </p:txBody>
       </p:sp>
@@ -5806,7 +5842,7 @@
                 <a16:creationId xmlns:a16="http://schemas.microsoft.com/office/drawing/2014/main" id="{C6C21149-7D17-44C2-AFB6-4D931DC55FB1}"/>
               </a:ext>
               <a:ext uri="{C183D7F6-B498-43B3-948B-1728B52AA6E4}">
-                <adec:decorative xmlns:adec="http://schemas.microsoft.com/office/drawing/2017/decorative" xmlns="" val="1"/>
+                <adec:decorative xmlns="" xmlns:adec="http://schemas.microsoft.com/office/drawing/2017/decorative" val="1"/>
               </a:ext>
             </a:extLst>
           </p:cNvPr>
@@ -5858,7 +5894,651 @@
                 <a16:creationId xmlns:a16="http://schemas.microsoft.com/office/drawing/2014/main" id="{C2E5FCF0-567A-448C-A6E3-920BFC702C2F}"/>
               </a:ext>
               <a:ext uri="{C183D7F6-B498-43B3-948B-1728B52AA6E4}">
-                <adec:decorative xmlns:adec="http://schemas.microsoft.com/office/drawing/2017/decorative" xmlns="" val="1"/>
+                <adec:decorative xmlns="" xmlns:adec="http://schemas.microsoft.com/office/drawing/2017/decorative" val="1"/>
+              </a:ext>
+            </a:extLst>
+          </p:cNvPr>
+          <p:cNvSpPr>
+            <a:spLocks noGrp="1" noRot="1" noChangeAspect="1" noMove="1" noResize="1" noEditPoints="1" noAdjustHandles="1" noChangeArrowheads="1" noChangeShapeType="1" noTextEdit="1"/>
+          </p:cNvSpPr>
+          <p:nvPr>
+            <p:extLst>
+              <p:ext uri="{386F3935-93C4-4BCD-93E2-E3B085C9AB24}">
+                <p16:designElem xmlns:p16="http://schemas.microsoft.com/office/powerpoint/2015/main" val="1"/>
+              </p:ext>
+            </p:extLst>
+          </p:nvPr>
+        </p:nvSpPr>
+        <p:spPr bwMode="auto">
+          <a:xfrm>
+            <a:off x="11784011" y="938535"/>
+            <a:ext cx="407988" cy="819150"/>
+          </a:xfrm>
+          <a:custGeom>
+            <a:avLst/>
+            <a:gdLst/>
+            <a:ahLst/>
+            <a:cxnLst/>
+            <a:rect l="0" t="0" r="r" b="b"/>
+            <a:pathLst>
+              <a:path w="1799" h="3612">
+                <a:moveTo>
+                  <a:pt x="1799" y="0"/>
+                </a:moveTo>
+                <a:lnTo>
+                  <a:pt x="1799" y="3612"/>
+                </a:lnTo>
+                <a:lnTo>
+                  <a:pt x="1686" y="3609"/>
+                </a:lnTo>
+                <a:lnTo>
+                  <a:pt x="1574" y="3598"/>
+                </a:lnTo>
+                <a:lnTo>
+                  <a:pt x="1464" y="3581"/>
+                </a:lnTo>
+                <a:lnTo>
+                  <a:pt x="1357" y="3557"/>
+                </a:lnTo>
+                <a:lnTo>
+                  <a:pt x="1251" y="3527"/>
+                </a:lnTo>
+                <a:lnTo>
+                  <a:pt x="1150" y="3490"/>
+                </a:lnTo>
+                <a:lnTo>
+                  <a:pt x="1050" y="3448"/>
+                </a:lnTo>
+                <a:lnTo>
+                  <a:pt x="953" y="3401"/>
+                </a:lnTo>
+                <a:lnTo>
+                  <a:pt x="860" y="3347"/>
+                </a:lnTo>
+                <a:lnTo>
+                  <a:pt x="771" y="3289"/>
+                </a:lnTo>
+                <a:lnTo>
+                  <a:pt x="686" y="3224"/>
+                </a:lnTo>
+                <a:lnTo>
+                  <a:pt x="604" y="3156"/>
+                </a:lnTo>
+                <a:lnTo>
+                  <a:pt x="527" y="3083"/>
+                </a:lnTo>
+                <a:lnTo>
+                  <a:pt x="454" y="3005"/>
+                </a:lnTo>
+                <a:lnTo>
+                  <a:pt x="386" y="2923"/>
+                </a:lnTo>
+                <a:lnTo>
+                  <a:pt x="323" y="2838"/>
+                </a:lnTo>
+                <a:lnTo>
+                  <a:pt x="265" y="2748"/>
+                </a:lnTo>
+                <a:lnTo>
+                  <a:pt x="211" y="2655"/>
+                </a:lnTo>
+                <a:lnTo>
+                  <a:pt x="163" y="2559"/>
+                </a:lnTo>
+                <a:lnTo>
+                  <a:pt x="121" y="2459"/>
+                </a:lnTo>
+                <a:lnTo>
+                  <a:pt x="85" y="2356"/>
+                </a:lnTo>
+                <a:lnTo>
+                  <a:pt x="55" y="2251"/>
+                </a:lnTo>
+                <a:lnTo>
+                  <a:pt x="32" y="2143"/>
+                </a:lnTo>
+                <a:lnTo>
+                  <a:pt x="14" y="2033"/>
+                </a:lnTo>
+                <a:lnTo>
+                  <a:pt x="4" y="1920"/>
+                </a:lnTo>
+                <a:lnTo>
+                  <a:pt x="0" y="1806"/>
+                </a:lnTo>
+                <a:lnTo>
+                  <a:pt x="4" y="1692"/>
+                </a:lnTo>
+                <a:lnTo>
+                  <a:pt x="14" y="1580"/>
+                </a:lnTo>
+                <a:lnTo>
+                  <a:pt x="32" y="1469"/>
+                </a:lnTo>
+                <a:lnTo>
+                  <a:pt x="55" y="1362"/>
+                </a:lnTo>
+                <a:lnTo>
+                  <a:pt x="85" y="1256"/>
+                </a:lnTo>
+                <a:lnTo>
+                  <a:pt x="121" y="1154"/>
+                </a:lnTo>
+                <a:lnTo>
+                  <a:pt x="163" y="1054"/>
+                </a:lnTo>
+                <a:lnTo>
+                  <a:pt x="211" y="958"/>
+                </a:lnTo>
+                <a:lnTo>
+                  <a:pt x="265" y="864"/>
+                </a:lnTo>
+                <a:lnTo>
+                  <a:pt x="323" y="774"/>
+                </a:lnTo>
+                <a:lnTo>
+                  <a:pt x="386" y="689"/>
+                </a:lnTo>
+                <a:lnTo>
+                  <a:pt x="454" y="607"/>
+                </a:lnTo>
+                <a:lnTo>
+                  <a:pt x="527" y="529"/>
+                </a:lnTo>
+                <a:lnTo>
+                  <a:pt x="604" y="456"/>
+                </a:lnTo>
+                <a:lnTo>
+                  <a:pt x="686" y="388"/>
+                </a:lnTo>
+                <a:lnTo>
+                  <a:pt x="771" y="325"/>
+                </a:lnTo>
+                <a:lnTo>
+                  <a:pt x="860" y="266"/>
+                </a:lnTo>
+                <a:lnTo>
+                  <a:pt x="953" y="212"/>
+                </a:lnTo>
+                <a:lnTo>
+                  <a:pt x="1050" y="164"/>
+                </a:lnTo>
+                <a:lnTo>
+                  <a:pt x="1150" y="122"/>
+                </a:lnTo>
+                <a:lnTo>
+                  <a:pt x="1251" y="85"/>
+                </a:lnTo>
+                <a:lnTo>
+                  <a:pt x="1357" y="55"/>
+                </a:lnTo>
+                <a:lnTo>
+                  <a:pt x="1464" y="32"/>
+                </a:lnTo>
+                <a:lnTo>
+                  <a:pt x="1574" y="14"/>
+                </a:lnTo>
+                <a:lnTo>
+                  <a:pt x="1686" y="5"/>
+                </a:lnTo>
+                <a:lnTo>
+                  <a:pt x="1799" y="0"/>
+                </a:lnTo>
+                <a:close/>
+              </a:path>
+            </a:pathLst>
+          </a:custGeom>
+          <a:solidFill>
+            <a:schemeClr val="bg2"/>
+          </a:solidFill>
+          <a:ln w="0">
+            <a:noFill/>
+            <a:prstDash val="solid"/>
+            <a:round/>
+            <a:headEnd/>
+            <a:tailEnd/>
+          </a:ln>
+        </p:spPr>
+      </p:sp>
+      <p:sp>
+        <p:nvSpPr>
+          <p:cNvPr id="4" name="Rectangle 3">
+            <a:extLst>
+              <a:ext uri="{FF2B5EF4-FFF2-40B4-BE49-F238E27FC236}">
+                <a16:creationId xmlns:a16="http://schemas.microsoft.com/office/drawing/2014/main" id="{F1293546-5345-49B9-B042-1CC6074EDE38}"/>
+              </a:ext>
+            </a:extLst>
+          </p:cNvPr>
+          <p:cNvSpPr/>
+          <p:nvPr/>
+        </p:nvSpPr>
+        <p:spPr>
+          <a:xfrm>
+            <a:off x="0" y="2285999"/>
+            <a:ext cx="4680155" cy="4524315"/>
+          </a:xfrm>
+          <a:prstGeom prst="rect">
+            <a:avLst/>
+          </a:prstGeom>
+        </p:spPr>
+        <p:txBody>
+          <a:bodyPr wrap="square">
+            <a:spAutoFit/>
+          </a:bodyPr>
+          <a:lstStyle/>
+          <a:p>
+            <a:pPr marL="285750" indent="-285750">
+              <a:buFont typeface="Wingdings" panose="05000000000000000000" pitchFamily="2" charset="2"/>
+              <a:buChar char="Ø"/>
+            </a:pPr>
+            <a:r>
+              <a:rPr lang="en-US" b="1" dirty="0" err="1" smtClean="0"/>
+              <a:t>Cirium</a:t>
+            </a:r>
+            <a:r>
+              <a:rPr lang="en-US" b="1" dirty="0" smtClean="0"/>
+              <a:t> </a:t>
+            </a:r>
+            <a:r>
+              <a:rPr lang="en-US" b="1" dirty="0" err="1" smtClean="0"/>
+              <a:t>Flightstats</a:t>
+            </a:r>
+            <a:r>
+              <a:rPr lang="en-US" b="1" dirty="0" smtClean="0"/>
+              <a:t> Developer Center </a:t>
+            </a:r>
+            <a:r>
+              <a:rPr lang="en-US" dirty="0" smtClean="0"/>
+              <a:t>– a commercial provider of global flight data through analysis and API services</a:t>
+            </a:r>
+            <a:endParaRPr lang="en-US" dirty="0"/>
+          </a:p>
+          <a:p>
+            <a:pPr marL="742950" lvl="1" indent="-285750">
+              <a:buFont typeface="Wingdings" panose="05000000000000000000" pitchFamily="2" charset="2"/>
+              <a:buChar char="Ø"/>
+            </a:pPr>
+            <a:r>
+              <a:rPr lang="en-US" dirty="0" smtClean="0"/>
+              <a:t>Access to real-time and historical information used by mobile developers, airports, travel agencies, airlines and more</a:t>
+            </a:r>
+          </a:p>
+          <a:p>
+            <a:pPr marL="742950" lvl="1" indent="-285750">
+              <a:buFont typeface="Wingdings" panose="05000000000000000000" pitchFamily="2" charset="2"/>
+              <a:buChar char="Ø"/>
+            </a:pPr>
+            <a:r>
+              <a:rPr lang="en-US" dirty="0" smtClean="0"/>
+              <a:t>BUYER BEWARE!  Although easy to obtain and digest, the API services are not all free!  Historical data is an example!</a:t>
+            </a:r>
+          </a:p>
+          <a:p>
+            <a:pPr marL="742950" lvl="1" indent="-285750">
+              <a:buFont typeface="Wingdings" panose="05000000000000000000" pitchFamily="2" charset="2"/>
+              <a:buChar char="Ø"/>
+            </a:pPr>
+            <a:r>
+              <a:rPr lang="en-US" dirty="0" smtClean="0"/>
+              <a:t>BUT, we were able to connect to the API to collect for the specific timeframes, airports, and airline we needed, extracting the data in JSON format</a:t>
+            </a:r>
+          </a:p>
+        </p:txBody>
+      </p:sp>
+      <p:pic>
+        <p:nvPicPr>
+          <p:cNvPr id="5" name="Picture 4"/>
+          <p:cNvPicPr>
+            <a:picLocks noChangeAspect="1"/>
+          </p:cNvPicPr>
+          <p:nvPr/>
+        </p:nvPicPr>
+        <p:blipFill>
+          <a:blip r:embed="rId3"/>
+          <a:stretch>
+            <a:fillRect/>
+          </a:stretch>
+        </p:blipFill>
+        <p:spPr>
+          <a:xfrm>
+            <a:off x="4680155" y="4080566"/>
+            <a:ext cx="7218238" cy="2536545"/>
+          </a:xfrm>
+          <a:prstGeom prst="rect">
+            <a:avLst/>
+          </a:prstGeom>
+        </p:spPr>
+      </p:pic>
+      <p:pic>
+        <p:nvPicPr>
+          <p:cNvPr id="6" name="Picture 5"/>
+          <p:cNvPicPr>
+            <a:picLocks noChangeAspect="1"/>
+          </p:cNvPicPr>
+          <p:nvPr/>
+        </p:nvPicPr>
+        <p:blipFill>
+          <a:blip r:embed="rId4"/>
+          <a:stretch>
+            <a:fillRect/>
+          </a:stretch>
+        </p:blipFill>
+        <p:spPr>
+          <a:xfrm>
+            <a:off x="4680156" y="2062896"/>
+            <a:ext cx="7362020" cy="1776781"/>
+          </a:xfrm>
+          <a:prstGeom prst="rect">
+            <a:avLst/>
+          </a:prstGeom>
+        </p:spPr>
+      </p:pic>
+      <p:pic>
+        <p:nvPicPr>
+          <p:cNvPr id="7" name="Picture 6"/>
+          <p:cNvPicPr>
+            <a:picLocks noChangeAspect="1"/>
+          </p:cNvPicPr>
+          <p:nvPr/>
+        </p:nvPicPr>
+        <p:blipFill>
+          <a:blip r:embed="rId5"/>
+          <a:stretch>
+            <a:fillRect/>
+          </a:stretch>
+        </p:blipFill>
+        <p:spPr>
+          <a:xfrm>
+            <a:off x="8036637" y="589748"/>
+            <a:ext cx="3158624" cy="706534"/>
+          </a:xfrm>
+          <a:prstGeom prst="rect">
+            <a:avLst/>
+          </a:prstGeom>
+        </p:spPr>
+      </p:pic>
+    </p:spTree>
+    <p:extLst>
+      <p:ext uri="{BB962C8B-B14F-4D97-AF65-F5344CB8AC3E}">
+        <p14:creationId xmlns:p14="http://schemas.microsoft.com/office/powerpoint/2010/main" val="368074860"/>
+      </p:ext>
+    </p:extLst>
+  </p:cSld>
+  <p:clrMapOvr>
+    <a:masterClrMapping/>
+  </p:clrMapOvr>
+</p:sld>
+</file>
+
+<file path=ppt/slides/slide11.xml><?xml version="1.0" encoding="utf-8"?>
+<p:sld xmlns:a="http://schemas.openxmlformats.org/drawingml/2006/main" xmlns:r="http://schemas.openxmlformats.org/officeDocument/2006/relationships" xmlns:p="http://schemas.openxmlformats.org/presentationml/2006/main">
+  <p:cSld>
+    <p:bg>
+      <p:bgPr>
+        <a:gradFill>
+          <a:gsLst>
+            <a:gs pos="0">
+              <a:schemeClr val="accent1">
+                <a:lumMod val="5000"/>
+                <a:lumOff val="95000"/>
+              </a:schemeClr>
+            </a:gs>
+            <a:gs pos="81000">
+              <a:schemeClr val="accent1">
+                <a:lumMod val="45000"/>
+                <a:lumOff val="55000"/>
+              </a:schemeClr>
+            </a:gs>
+            <a:gs pos="83000">
+              <a:schemeClr val="accent1">
+                <a:lumMod val="45000"/>
+                <a:lumOff val="55000"/>
+              </a:schemeClr>
+            </a:gs>
+            <a:gs pos="100000">
+              <a:schemeClr val="accent1">
+                <a:lumMod val="30000"/>
+                <a:lumOff val="70000"/>
+              </a:schemeClr>
+            </a:gs>
+          </a:gsLst>
+          <a:lin ang="5400000" scaled="1"/>
+        </a:gradFill>
+        <a:effectLst/>
+      </p:bgPr>
+    </p:bg>
+    <p:spTree>
+      <p:nvGrpSpPr>
+        <p:cNvPr id="1" name=""/>
+        <p:cNvGrpSpPr/>
+        <p:nvPr/>
+      </p:nvGrpSpPr>
+      <p:grpSpPr>
+        <a:xfrm>
+          <a:off x="0" y="0"/>
+          <a:ext cx="0" cy="0"/>
+          <a:chOff x="0" y="0"/>
+          <a:chExt cx="0" cy="0"/>
+        </a:xfrm>
+      </p:grpSpPr>
+      <p:sp useBgFill="1">
+        <p:nvSpPr>
+          <p:cNvPr id="9" name="Rectangle 8">
+            <a:extLst>
+              <a:ext uri="{FF2B5EF4-FFF2-40B4-BE49-F238E27FC236}">
+                <a16:creationId xmlns:a16="http://schemas.microsoft.com/office/drawing/2014/main" id="{4281BC32-FF58-4898-A6B5-7B3D059BCEB0}"/>
+              </a:ext>
+              <a:ext uri="{C183D7F6-B498-43B3-948B-1728B52AA6E4}">
+                <adec:decorative xmlns="" xmlns:adec="http://schemas.microsoft.com/office/drawing/2017/decorative" val="1"/>
+              </a:ext>
+            </a:extLst>
+          </p:cNvPr>
+          <p:cNvSpPr>
+            <a:spLocks noGrp="1" noRot="1" noChangeAspect="1" noMove="1" noResize="1" noEditPoints="1" noAdjustHandles="1" noChangeArrowheads="1" noChangeShapeType="1" noTextEdit="1"/>
+          </p:cNvSpPr>
+          <p:nvPr>
+            <p:extLst>
+              <p:ext uri="{386F3935-93C4-4BCD-93E2-E3B085C9AB24}">
+                <p16:designElem xmlns:p16="http://schemas.microsoft.com/office/powerpoint/2015/main" val="1"/>
+              </p:ext>
+            </p:extLst>
+          </p:nvPr>
+        </p:nvSpPr>
+        <p:spPr>
+          <a:xfrm>
+            <a:off x="0" y="0"/>
+            <a:ext cx="12192000" cy="6858000"/>
+          </a:xfrm>
+          <a:prstGeom prst="rect">
+            <a:avLst/>
+          </a:prstGeom>
+          <a:ln>
+            <a:noFill/>
+          </a:ln>
+        </p:spPr>
+        <p:style>
+          <a:lnRef idx="2">
+            <a:schemeClr val="accent1">
+              <a:shade val="50000"/>
+            </a:schemeClr>
+          </a:lnRef>
+          <a:fillRef idx="1">
+            <a:schemeClr val="accent1"/>
+          </a:fillRef>
+          <a:effectRef idx="0">
+            <a:schemeClr val="accent1"/>
+          </a:effectRef>
+          <a:fontRef idx="minor">
+            <a:schemeClr val="lt1"/>
+          </a:fontRef>
+        </p:style>
+        <p:txBody>
+          <a:bodyPr rtlCol="0" anchor="ctr"/>
+          <a:lstStyle/>
+          <a:p>
+            <a:pPr algn="ctr"/>
+            <a:endParaRPr lang="en-US"/>
+          </a:p>
+        </p:txBody>
+      </p:sp>
+      <p:sp>
+        <p:nvSpPr>
+          <p:cNvPr id="11" name="Rectangle 10">
+            <a:extLst>
+              <a:ext uri="{FF2B5EF4-FFF2-40B4-BE49-F238E27FC236}">
+                <a16:creationId xmlns:a16="http://schemas.microsoft.com/office/drawing/2014/main" id="{0D614406-135F-4875-9C87-53822CB19ABB}"/>
+              </a:ext>
+              <a:ext uri="{C183D7F6-B498-43B3-948B-1728B52AA6E4}">
+                <adec:decorative xmlns="" xmlns:adec="http://schemas.microsoft.com/office/drawing/2017/decorative" val="1"/>
+              </a:ext>
+            </a:extLst>
+          </p:cNvPr>
+          <p:cNvSpPr>
+            <a:spLocks noGrp="1" noRot="1" noChangeAspect="1" noMove="1" noResize="1" noEditPoints="1" noAdjustHandles="1" noChangeArrowheads="1" noChangeShapeType="1" noTextEdit="1"/>
+          </p:cNvSpPr>
+          <p:nvPr>
+            <p:extLst>
+              <p:ext uri="{386F3935-93C4-4BCD-93E2-E3B085C9AB24}">
+                <p16:designElem xmlns:p16="http://schemas.microsoft.com/office/powerpoint/2015/main" val="1"/>
+              </p:ext>
+            </p:extLst>
+          </p:nvPr>
+        </p:nvSpPr>
+        <p:spPr>
+          <a:xfrm>
+            <a:off x="0" y="0"/>
+            <a:ext cx="12191999" cy="2285999"/>
+          </a:xfrm>
+          <a:prstGeom prst="rect">
+            <a:avLst/>
+          </a:prstGeom>
+          <a:solidFill>
+            <a:schemeClr val="tx1"/>
+          </a:solidFill>
+          <a:ln>
+            <a:noFill/>
+          </a:ln>
+        </p:spPr>
+        <p:style>
+          <a:lnRef idx="2">
+            <a:schemeClr val="accent1">
+              <a:shade val="50000"/>
+            </a:schemeClr>
+          </a:lnRef>
+          <a:fillRef idx="1">
+            <a:schemeClr val="accent1"/>
+          </a:fillRef>
+          <a:effectRef idx="0">
+            <a:schemeClr val="accent1"/>
+          </a:effectRef>
+          <a:fontRef idx="minor">
+            <a:schemeClr val="lt1"/>
+          </a:fontRef>
+        </p:style>
+        <p:txBody>
+          <a:bodyPr rtlCol="0" anchor="ctr"/>
+          <a:lstStyle/>
+          <a:p>
+            <a:pPr algn="ctr"/>
+            <a:endParaRPr lang="en-US"/>
+          </a:p>
+        </p:txBody>
+      </p:sp>
+      <p:sp>
+        <p:nvSpPr>
+          <p:cNvPr id="2" name="Title 1"/>
+          <p:cNvSpPr>
+            <a:spLocks noGrp="1"/>
+          </p:cNvSpPr>
+          <p:nvPr>
+            <p:ph type="title"/>
+          </p:nvPr>
+        </p:nvSpPr>
+        <p:spPr>
+          <a:xfrm>
+            <a:off x="76200" y="221915"/>
+            <a:ext cx="7169753" cy="1232750"/>
+          </a:xfrm>
+        </p:spPr>
+        <p:txBody>
+          <a:bodyPr anchor="b">
+            <a:normAutofit/>
+          </a:bodyPr>
+          <a:lstStyle/>
+          <a:p>
+            <a:pPr algn="l"/>
+            <a:r>
+              <a:rPr lang="en-US" sz="3900" dirty="0">
+                <a:solidFill>
+                  <a:schemeClr val="bg1"/>
+                </a:solidFill>
+              </a:rPr>
+              <a:t>Finding relevant data</a:t>
+            </a:r>
+          </a:p>
+        </p:txBody>
+      </p:sp>
+      <p:cxnSp>
+        <p:nvCxnSpPr>
+          <p:cNvPr id="13" name="Straight Connector 12">
+            <a:extLst>
+              <a:ext uri="{FF2B5EF4-FFF2-40B4-BE49-F238E27FC236}">
+                <a16:creationId xmlns:a16="http://schemas.microsoft.com/office/drawing/2014/main" id="{C6C21149-7D17-44C2-AFB6-4D931DC55FB1}"/>
+              </a:ext>
+              <a:ext uri="{C183D7F6-B498-43B3-948B-1728B52AA6E4}">
+                <adec:decorative xmlns="" xmlns:adec="http://schemas.microsoft.com/office/drawing/2017/decorative" val="1"/>
+              </a:ext>
+            </a:extLst>
+          </p:cNvPr>
+          <p:cNvCxnSpPr>
+            <a:cxnSpLocks noGrp="1" noRot="1" noChangeAspect="1" noMove="1" noResize="1" noEditPoints="1" noAdjustHandles="1" noChangeArrowheads="1" noChangeShapeType="1"/>
+          </p:cNvCxnSpPr>
+          <p:nvPr>
+            <p:extLst>
+              <p:ext uri="{386F3935-93C4-4BCD-93E2-E3B085C9AB24}">
+                <p16:designElem xmlns:p16="http://schemas.microsoft.com/office/powerpoint/2015/main" val="1"/>
+              </p:ext>
+            </p:extLst>
+          </p:nvPr>
+        </p:nvCxnSpPr>
+        <p:spPr>
+          <a:xfrm>
+            <a:off x="0" y="1676579"/>
+            <a:ext cx="8129873" cy="6020"/>
+          </a:xfrm>
+          <a:prstGeom prst="line">
+            <a:avLst/>
+          </a:prstGeom>
+          <a:ln w="25400">
+            <a:solidFill>
+              <a:schemeClr val="bg1"/>
+            </a:solidFill>
+          </a:ln>
+        </p:spPr>
+        <p:style>
+          <a:lnRef idx="1">
+            <a:schemeClr val="accent1"/>
+          </a:lnRef>
+          <a:fillRef idx="0">
+            <a:schemeClr val="accent1"/>
+          </a:fillRef>
+          <a:effectRef idx="0">
+            <a:schemeClr val="accent1"/>
+          </a:effectRef>
+          <a:fontRef idx="minor">
+            <a:schemeClr val="tx1"/>
+          </a:fontRef>
+        </p:style>
+      </p:cxnSp>
+      <p:sp>
+        <p:nvSpPr>
+          <p:cNvPr id="15" name="Freeform 6">
+            <a:extLst>
+              <a:ext uri="{FF2B5EF4-FFF2-40B4-BE49-F238E27FC236}">
+                <a16:creationId xmlns:a16="http://schemas.microsoft.com/office/drawing/2014/main" id="{C2E5FCF0-567A-448C-A6E3-920BFC702C2F}"/>
+              </a:ext>
+              <a:ext uri="{C183D7F6-B498-43B3-948B-1728B52AA6E4}">
+                <adec:decorative xmlns="" xmlns:adec="http://schemas.microsoft.com/office/drawing/2017/decorative" val="1"/>
               </a:ext>
             </a:extLst>
           </p:cNvPr>
@@ -6124,7 +6804,7 @@
                 <a:hlinkClick r:id="rId2">
                   <a:extLst>
                     <a:ext uri="{A12FA001-AC4F-418D-AE19-62706E023703}">
-                      <ahyp:hlinkClr xmlns:ahyp="http://schemas.microsoft.com/office/drawing/2018/hyperlinkcolor" xmlns="" val="tx"/>
+                      <ahyp:hlinkClr xmlns="" xmlns:ahyp="http://schemas.microsoft.com/office/drawing/2018/hyperlinkcolor" val="tx"/>
                     </a:ext>
                   </a:extLst>
                 </a:hlinkClick>
@@ -6154,7 +6834,7 @@
                 <a:hlinkClick r:id="rId3" tooltip="AirportDelays.ipynb">
                   <a:extLst>
                     <a:ext uri="{A12FA001-AC4F-418D-AE19-62706E023703}">
-                      <ahyp:hlinkClr xmlns:ahyp="http://schemas.microsoft.com/office/drawing/2018/hyperlinkcolor" xmlns="" val="tx"/>
+                      <ahyp:hlinkClr xmlns="" xmlns:ahyp="http://schemas.microsoft.com/office/drawing/2018/hyperlinkcolor" val="tx"/>
                     </a:ext>
                   </a:extLst>
                 </a:hlinkClick>
@@ -6169,7 +6849,7 @@
                 <a:hlinkClick r:id="rId3" tooltip="AirportDelays.ipynb">
                   <a:extLst>
                     <a:ext uri="{A12FA001-AC4F-418D-AE19-62706E023703}">
-                      <ahyp:hlinkClr xmlns:ahyp="http://schemas.microsoft.com/office/drawing/2018/hyperlinkcolor" xmlns="" val="tx"/>
+                      <ahyp:hlinkClr xmlns="" xmlns:ahyp="http://schemas.microsoft.com/office/drawing/2018/hyperlinkcolor" val="tx"/>
                     </a:ext>
                   </a:extLst>
                 </a:hlinkClick>
@@ -6188,7 +6868,7 @@
                 <a:hlinkClick r:id="rId4" tooltip="Delay_Request_MCO.txt">
                   <a:extLst>
                     <a:ext uri="{A12FA001-AC4F-418D-AE19-62706E023703}">
-                      <ahyp:hlinkClr xmlns:ahyp="http://schemas.microsoft.com/office/drawing/2018/hyperlinkcolor" xmlns="" val="tx"/>
+                      <ahyp:hlinkClr xmlns="" xmlns:ahyp="http://schemas.microsoft.com/office/drawing/2018/hyperlinkcolor" val="tx"/>
                     </a:ext>
                   </a:extLst>
                 </a:hlinkClick>
@@ -6249,7 +6929,7 @@
                 <a:hlinkClick r:id="rId5">
                   <a:extLst>
                     <a:ext uri="{A12FA001-AC4F-418D-AE19-62706E023703}">
-                      <ahyp:hlinkClr xmlns:ahyp="http://schemas.microsoft.com/office/drawing/2018/hyperlinkcolor" xmlns="" val="tx"/>
+                      <ahyp:hlinkClr xmlns="" xmlns:ahyp="http://schemas.microsoft.com/office/drawing/2018/hyperlinkcolor" val="tx"/>
                     </a:ext>
                   </a:extLst>
                 </a:hlinkClick>
@@ -6275,7 +6955,7 @@
                 <a:hlinkClick r:id="rId6">
                   <a:extLst>
                     <a:ext uri="{A12FA001-AC4F-418D-AE19-62706E023703}">
-                      <ahyp:hlinkClr xmlns:ahyp="http://schemas.microsoft.com/office/drawing/2018/hyperlinkcolor" xmlns="" val="tx"/>
+                      <ahyp:hlinkClr xmlns="" xmlns:ahyp="http://schemas.microsoft.com/office/drawing/2018/hyperlinkcolor" val="tx"/>
                     </a:ext>
                   </a:extLst>
                 </a:hlinkClick>
@@ -6305,7 +6985,7 @@
                 <a:hlinkClick r:id="rId7">
                   <a:extLst>
                     <a:ext uri="{A12FA001-AC4F-418D-AE19-62706E023703}">
-                      <ahyp:hlinkClr xmlns:ahyp="http://schemas.microsoft.com/office/drawing/2018/hyperlinkcolor" xmlns="" val="tx"/>
+                      <ahyp:hlinkClr xmlns="" xmlns:ahyp="http://schemas.microsoft.com/office/drawing/2018/hyperlinkcolor" val="tx"/>
                     </a:ext>
                   </a:extLst>
                 </a:hlinkClick>
@@ -6335,7 +7015,7 @@
                 <a:hlinkClick r:id="rId8">
                   <a:extLst>
                     <a:ext uri="{A12FA001-AC4F-418D-AE19-62706E023703}">
-                      <ahyp:hlinkClr xmlns:ahyp="http://schemas.microsoft.com/office/drawing/2018/hyperlinkcolor" xmlns="" val="tx"/>
+                      <ahyp:hlinkClr xmlns="" xmlns:ahyp="http://schemas.microsoft.com/office/drawing/2018/hyperlinkcolor" val="tx"/>
                     </a:ext>
                   </a:extLst>
                 </a:hlinkClick>
@@ -6603,1114 +7283,6 @@
 </p:sld>
 </file>
 
-<file path=ppt/slides/slide11.xml><?xml version="1.0" encoding="utf-8"?>
-<p:sld xmlns:a="http://schemas.openxmlformats.org/drawingml/2006/main" xmlns:r="http://schemas.openxmlformats.org/officeDocument/2006/relationships" xmlns:p="http://schemas.openxmlformats.org/presentationml/2006/main">
-  <p:cSld>
-    <p:bg>
-      <p:bgPr>
-        <a:gradFill>
-          <a:gsLst>
-            <a:gs pos="0">
-              <a:schemeClr val="accent1">
-                <a:lumMod val="5000"/>
-                <a:lumOff val="95000"/>
-              </a:schemeClr>
-            </a:gs>
-            <a:gs pos="81000">
-              <a:schemeClr val="accent1">
-                <a:lumMod val="45000"/>
-                <a:lumOff val="55000"/>
-              </a:schemeClr>
-            </a:gs>
-            <a:gs pos="83000">
-              <a:schemeClr val="accent1">
-                <a:lumMod val="45000"/>
-                <a:lumOff val="55000"/>
-              </a:schemeClr>
-            </a:gs>
-            <a:gs pos="100000">
-              <a:schemeClr val="accent1">
-                <a:lumMod val="30000"/>
-                <a:lumOff val="70000"/>
-              </a:schemeClr>
-            </a:gs>
-          </a:gsLst>
-          <a:lin ang="5400000" scaled="1"/>
-        </a:gradFill>
-        <a:effectLst/>
-      </p:bgPr>
-    </p:bg>
-    <p:spTree>
-      <p:nvGrpSpPr>
-        <p:cNvPr id="1" name=""/>
-        <p:cNvGrpSpPr/>
-        <p:nvPr/>
-      </p:nvGrpSpPr>
-      <p:grpSpPr>
-        <a:xfrm>
-          <a:off x="0" y="0"/>
-          <a:ext cx="0" cy="0"/>
-          <a:chOff x="0" y="0"/>
-          <a:chExt cx="0" cy="0"/>
-        </a:xfrm>
-      </p:grpSpPr>
-      <p:sp useBgFill="1">
-        <p:nvSpPr>
-          <p:cNvPr id="9" name="Rectangle 8">
-            <a:extLst>
-              <a:ext uri="{FF2B5EF4-FFF2-40B4-BE49-F238E27FC236}">
-                <a16:creationId xmlns:a16="http://schemas.microsoft.com/office/drawing/2014/main" id="{4281BC32-FF58-4898-A6B5-7B3D059BCEB0}"/>
-              </a:ext>
-              <a:ext uri="{C183D7F6-B498-43B3-948B-1728B52AA6E4}">
-                <adec:decorative xmlns:adec="http://schemas.microsoft.com/office/drawing/2017/decorative" xmlns="" val="1"/>
-              </a:ext>
-            </a:extLst>
-          </p:cNvPr>
-          <p:cNvSpPr>
-            <a:spLocks noGrp="1" noRot="1" noChangeAspect="1" noMove="1" noResize="1" noEditPoints="1" noAdjustHandles="1" noChangeArrowheads="1" noChangeShapeType="1" noTextEdit="1"/>
-          </p:cNvSpPr>
-          <p:nvPr>
-            <p:extLst>
-              <p:ext uri="{386F3935-93C4-4BCD-93E2-E3B085C9AB24}">
-                <p16:designElem xmlns:p16="http://schemas.microsoft.com/office/powerpoint/2015/main" val="1"/>
-              </p:ext>
-            </p:extLst>
-          </p:nvPr>
-        </p:nvSpPr>
-        <p:spPr>
-          <a:xfrm>
-            <a:off x="0" y="0"/>
-            <a:ext cx="12192000" cy="6858000"/>
-          </a:xfrm>
-          <a:prstGeom prst="rect">
-            <a:avLst/>
-          </a:prstGeom>
-          <a:ln>
-            <a:noFill/>
-          </a:ln>
-        </p:spPr>
-        <p:style>
-          <a:lnRef idx="2">
-            <a:schemeClr val="accent1">
-              <a:shade val="50000"/>
-            </a:schemeClr>
-          </a:lnRef>
-          <a:fillRef idx="1">
-            <a:schemeClr val="accent1"/>
-          </a:fillRef>
-          <a:effectRef idx="0">
-            <a:schemeClr val="accent1"/>
-          </a:effectRef>
-          <a:fontRef idx="minor">
-            <a:schemeClr val="lt1"/>
-          </a:fontRef>
-        </p:style>
-        <p:txBody>
-          <a:bodyPr rtlCol="0" anchor="ctr"/>
-          <a:lstStyle/>
-          <a:p>
-            <a:pPr marL="0" marR="0" lvl="0" indent="0" algn="ctr" defTabSz="457200" rtl="0" eaLnBrk="1" fontAlgn="auto" latinLnBrk="0" hangingPunct="1">
-              <a:lnSpc>
-                <a:spcPct val="100000"/>
-              </a:lnSpc>
-              <a:spcBef>
-                <a:spcPts val="0"/>
-              </a:spcBef>
-              <a:spcAft>
-                <a:spcPts val="0"/>
-              </a:spcAft>
-              <a:buClrTx/>
-              <a:buSzTx/>
-              <a:buFontTx/>
-              <a:buNone/>
-              <a:tabLst/>
-              <a:defRPr/>
-            </a:pPr>
-            <a:endParaRPr kumimoji="0" lang="en-US" sz="1800" b="0" i="0" u="none" strike="noStrike" kern="1200" cap="none" spc="0" normalizeH="0" baseline="0" noProof="0">
-              <a:ln>
-                <a:noFill/>
-              </a:ln>
-              <a:solidFill>
-                <a:prstClr val="white"/>
-              </a:solidFill>
-              <a:effectLst/>
-              <a:uLnTx/>
-              <a:uFillTx/>
-              <a:latin typeface="Corbel" panose="020B0503020204020204"/>
-              <a:ea typeface="+mn-ea"/>
-              <a:cs typeface="+mn-cs"/>
-            </a:endParaRPr>
-          </a:p>
-        </p:txBody>
-      </p:sp>
-      <p:sp>
-        <p:nvSpPr>
-          <p:cNvPr id="11" name="Rectangle 10">
-            <a:extLst>
-              <a:ext uri="{FF2B5EF4-FFF2-40B4-BE49-F238E27FC236}">
-                <a16:creationId xmlns:a16="http://schemas.microsoft.com/office/drawing/2014/main" id="{0D614406-135F-4875-9C87-53822CB19ABB}"/>
-              </a:ext>
-              <a:ext uri="{C183D7F6-B498-43B3-948B-1728B52AA6E4}">
-                <adec:decorative xmlns:adec="http://schemas.microsoft.com/office/drawing/2017/decorative" xmlns="" val="1"/>
-              </a:ext>
-            </a:extLst>
-          </p:cNvPr>
-          <p:cNvSpPr>
-            <a:spLocks noGrp="1" noRot="1" noChangeAspect="1" noMove="1" noResize="1" noEditPoints="1" noAdjustHandles="1" noChangeArrowheads="1" noChangeShapeType="1" noTextEdit="1"/>
-          </p:cNvSpPr>
-          <p:nvPr>
-            <p:extLst>
-              <p:ext uri="{386F3935-93C4-4BCD-93E2-E3B085C9AB24}">
-                <p16:designElem xmlns:p16="http://schemas.microsoft.com/office/powerpoint/2015/main" val="1"/>
-              </p:ext>
-            </p:extLst>
-          </p:nvPr>
-        </p:nvSpPr>
-        <p:spPr>
-          <a:xfrm>
-            <a:off x="0" y="0"/>
-            <a:ext cx="12191999" cy="2285999"/>
-          </a:xfrm>
-          <a:prstGeom prst="rect">
-            <a:avLst/>
-          </a:prstGeom>
-          <a:solidFill>
-            <a:schemeClr val="tx1"/>
-          </a:solidFill>
-          <a:ln>
-            <a:noFill/>
-          </a:ln>
-        </p:spPr>
-        <p:style>
-          <a:lnRef idx="2">
-            <a:schemeClr val="accent1">
-              <a:shade val="50000"/>
-            </a:schemeClr>
-          </a:lnRef>
-          <a:fillRef idx="1">
-            <a:schemeClr val="accent1"/>
-          </a:fillRef>
-          <a:effectRef idx="0">
-            <a:schemeClr val="accent1"/>
-          </a:effectRef>
-          <a:fontRef idx="minor">
-            <a:schemeClr val="lt1"/>
-          </a:fontRef>
-        </p:style>
-        <p:txBody>
-          <a:bodyPr rtlCol="0" anchor="ctr"/>
-          <a:lstStyle/>
-          <a:p>
-            <a:pPr marL="0" marR="0" lvl="0" indent="0" algn="ctr" defTabSz="457200" rtl="0" eaLnBrk="1" fontAlgn="auto" latinLnBrk="0" hangingPunct="1">
-              <a:lnSpc>
-                <a:spcPct val="100000"/>
-              </a:lnSpc>
-              <a:spcBef>
-                <a:spcPts val="0"/>
-              </a:spcBef>
-              <a:spcAft>
-                <a:spcPts val="0"/>
-              </a:spcAft>
-              <a:buClrTx/>
-              <a:buSzTx/>
-              <a:buFontTx/>
-              <a:buNone/>
-              <a:tabLst/>
-              <a:defRPr/>
-            </a:pPr>
-            <a:endParaRPr kumimoji="0" lang="en-US" sz="1800" b="0" i="0" u="none" strike="noStrike" kern="1200" cap="none" spc="0" normalizeH="0" baseline="0" noProof="0">
-              <a:ln>
-                <a:noFill/>
-              </a:ln>
-              <a:solidFill>
-                <a:prstClr val="white"/>
-              </a:solidFill>
-              <a:effectLst/>
-              <a:uLnTx/>
-              <a:uFillTx/>
-              <a:latin typeface="Corbel" panose="020B0503020204020204"/>
-              <a:ea typeface="+mn-ea"/>
-              <a:cs typeface="+mn-cs"/>
-            </a:endParaRPr>
-          </a:p>
-        </p:txBody>
-      </p:sp>
-      <p:sp>
-        <p:nvSpPr>
-          <p:cNvPr id="2" name="Title 1"/>
-          <p:cNvSpPr>
-            <a:spLocks noGrp="1"/>
-          </p:cNvSpPr>
-          <p:nvPr>
-            <p:ph type="title"/>
-          </p:nvPr>
-        </p:nvSpPr>
-        <p:spPr>
-          <a:xfrm>
-            <a:off x="76200" y="221915"/>
-            <a:ext cx="7169753" cy="1232750"/>
-          </a:xfrm>
-        </p:spPr>
-        <p:txBody>
-          <a:bodyPr anchor="b">
-            <a:normAutofit/>
-          </a:bodyPr>
-          <a:lstStyle/>
-          <a:p>
-            <a:pPr algn="l"/>
-            <a:r>
-              <a:rPr lang="en-US" sz="3900" dirty="0">
-                <a:solidFill>
-                  <a:schemeClr val="bg1"/>
-                </a:solidFill>
-              </a:rPr>
-              <a:t>Assumptions/Omissions</a:t>
-            </a:r>
-          </a:p>
-        </p:txBody>
-      </p:sp>
-      <p:cxnSp>
-        <p:nvCxnSpPr>
-          <p:cNvPr id="13" name="Straight Connector 12">
-            <a:extLst>
-              <a:ext uri="{FF2B5EF4-FFF2-40B4-BE49-F238E27FC236}">
-                <a16:creationId xmlns:a16="http://schemas.microsoft.com/office/drawing/2014/main" id="{C6C21149-7D17-44C2-AFB6-4D931DC55FB1}"/>
-              </a:ext>
-              <a:ext uri="{C183D7F6-B498-43B3-948B-1728B52AA6E4}">
-                <adec:decorative xmlns:adec="http://schemas.microsoft.com/office/drawing/2017/decorative" xmlns="" val="1"/>
-              </a:ext>
-            </a:extLst>
-          </p:cNvPr>
-          <p:cNvCxnSpPr>
-            <a:cxnSpLocks noGrp="1" noRot="1" noChangeAspect="1" noMove="1" noResize="1" noEditPoints="1" noAdjustHandles="1" noChangeArrowheads="1" noChangeShapeType="1"/>
-          </p:cNvCxnSpPr>
-          <p:nvPr>
-            <p:extLst>
-              <p:ext uri="{386F3935-93C4-4BCD-93E2-E3B085C9AB24}">
-                <p16:designElem xmlns:p16="http://schemas.microsoft.com/office/powerpoint/2015/main" val="1"/>
-              </p:ext>
-            </p:extLst>
-          </p:nvPr>
-        </p:nvCxnSpPr>
-        <p:spPr>
-          <a:xfrm>
-            <a:off x="0" y="1676579"/>
-            <a:ext cx="8129873" cy="6020"/>
-          </a:xfrm>
-          <a:prstGeom prst="line">
-            <a:avLst/>
-          </a:prstGeom>
-          <a:ln w="25400">
-            <a:solidFill>
-              <a:schemeClr val="bg1"/>
-            </a:solidFill>
-          </a:ln>
-        </p:spPr>
-        <p:style>
-          <a:lnRef idx="1">
-            <a:schemeClr val="accent1"/>
-          </a:lnRef>
-          <a:fillRef idx="0">
-            <a:schemeClr val="accent1"/>
-          </a:fillRef>
-          <a:effectRef idx="0">
-            <a:schemeClr val="accent1"/>
-          </a:effectRef>
-          <a:fontRef idx="minor">
-            <a:schemeClr val="tx1"/>
-          </a:fontRef>
-        </p:style>
-      </p:cxnSp>
-      <p:sp>
-        <p:nvSpPr>
-          <p:cNvPr id="15" name="Freeform 6">
-            <a:extLst>
-              <a:ext uri="{FF2B5EF4-FFF2-40B4-BE49-F238E27FC236}">
-                <a16:creationId xmlns:a16="http://schemas.microsoft.com/office/drawing/2014/main" id="{C2E5FCF0-567A-448C-A6E3-920BFC702C2F}"/>
-              </a:ext>
-              <a:ext uri="{C183D7F6-B498-43B3-948B-1728B52AA6E4}">
-                <adec:decorative xmlns:adec="http://schemas.microsoft.com/office/drawing/2017/decorative" xmlns="" val="1"/>
-              </a:ext>
-            </a:extLst>
-          </p:cNvPr>
-          <p:cNvSpPr>
-            <a:spLocks noGrp="1" noRot="1" noChangeAspect="1" noMove="1" noResize="1" noEditPoints="1" noAdjustHandles="1" noChangeArrowheads="1" noChangeShapeType="1" noTextEdit="1"/>
-          </p:cNvSpPr>
-          <p:nvPr>
-            <p:extLst>
-              <p:ext uri="{386F3935-93C4-4BCD-93E2-E3B085C9AB24}">
-                <p16:designElem xmlns:p16="http://schemas.microsoft.com/office/powerpoint/2015/main" val="1"/>
-              </p:ext>
-            </p:extLst>
-          </p:nvPr>
-        </p:nvSpPr>
-        <p:spPr bwMode="auto">
-          <a:xfrm>
-            <a:off x="11784011" y="938535"/>
-            <a:ext cx="407988" cy="819150"/>
-          </a:xfrm>
-          <a:custGeom>
-            <a:avLst/>
-            <a:gdLst/>
-            <a:ahLst/>
-            <a:cxnLst/>
-            <a:rect l="0" t="0" r="r" b="b"/>
-            <a:pathLst>
-              <a:path w="1799" h="3612">
-                <a:moveTo>
-                  <a:pt x="1799" y="0"/>
-                </a:moveTo>
-                <a:lnTo>
-                  <a:pt x="1799" y="3612"/>
-                </a:lnTo>
-                <a:lnTo>
-                  <a:pt x="1686" y="3609"/>
-                </a:lnTo>
-                <a:lnTo>
-                  <a:pt x="1574" y="3598"/>
-                </a:lnTo>
-                <a:lnTo>
-                  <a:pt x="1464" y="3581"/>
-                </a:lnTo>
-                <a:lnTo>
-                  <a:pt x="1357" y="3557"/>
-                </a:lnTo>
-                <a:lnTo>
-                  <a:pt x="1251" y="3527"/>
-                </a:lnTo>
-                <a:lnTo>
-                  <a:pt x="1150" y="3490"/>
-                </a:lnTo>
-                <a:lnTo>
-                  <a:pt x="1050" y="3448"/>
-                </a:lnTo>
-                <a:lnTo>
-                  <a:pt x="953" y="3401"/>
-                </a:lnTo>
-                <a:lnTo>
-                  <a:pt x="860" y="3347"/>
-                </a:lnTo>
-                <a:lnTo>
-                  <a:pt x="771" y="3289"/>
-                </a:lnTo>
-                <a:lnTo>
-                  <a:pt x="686" y="3224"/>
-                </a:lnTo>
-                <a:lnTo>
-                  <a:pt x="604" y="3156"/>
-                </a:lnTo>
-                <a:lnTo>
-                  <a:pt x="527" y="3083"/>
-                </a:lnTo>
-                <a:lnTo>
-                  <a:pt x="454" y="3005"/>
-                </a:lnTo>
-                <a:lnTo>
-                  <a:pt x="386" y="2923"/>
-                </a:lnTo>
-                <a:lnTo>
-                  <a:pt x="323" y="2838"/>
-                </a:lnTo>
-                <a:lnTo>
-                  <a:pt x="265" y="2748"/>
-                </a:lnTo>
-                <a:lnTo>
-                  <a:pt x="211" y="2655"/>
-                </a:lnTo>
-                <a:lnTo>
-                  <a:pt x="163" y="2559"/>
-                </a:lnTo>
-                <a:lnTo>
-                  <a:pt x="121" y="2459"/>
-                </a:lnTo>
-                <a:lnTo>
-                  <a:pt x="85" y="2356"/>
-                </a:lnTo>
-                <a:lnTo>
-                  <a:pt x="55" y="2251"/>
-                </a:lnTo>
-                <a:lnTo>
-                  <a:pt x="32" y="2143"/>
-                </a:lnTo>
-                <a:lnTo>
-                  <a:pt x="14" y="2033"/>
-                </a:lnTo>
-                <a:lnTo>
-                  <a:pt x="4" y="1920"/>
-                </a:lnTo>
-                <a:lnTo>
-                  <a:pt x="0" y="1806"/>
-                </a:lnTo>
-                <a:lnTo>
-                  <a:pt x="4" y="1692"/>
-                </a:lnTo>
-                <a:lnTo>
-                  <a:pt x="14" y="1580"/>
-                </a:lnTo>
-                <a:lnTo>
-                  <a:pt x="32" y="1469"/>
-                </a:lnTo>
-                <a:lnTo>
-                  <a:pt x="55" y="1362"/>
-                </a:lnTo>
-                <a:lnTo>
-                  <a:pt x="85" y="1256"/>
-                </a:lnTo>
-                <a:lnTo>
-                  <a:pt x="121" y="1154"/>
-                </a:lnTo>
-                <a:lnTo>
-                  <a:pt x="163" y="1054"/>
-                </a:lnTo>
-                <a:lnTo>
-                  <a:pt x="211" y="958"/>
-                </a:lnTo>
-                <a:lnTo>
-                  <a:pt x="265" y="864"/>
-                </a:lnTo>
-                <a:lnTo>
-                  <a:pt x="323" y="774"/>
-                </a:lnTo>
-                <a:lnTo>
-                  <a:pt x="386" y="689"/>
-                </a:lnTo>
-                <a:lnTo>
-                  <a:pt x="454" y="607"/>
-                </a:lnTo>
-                <a:lnTo>
-                  <a:pt x="527" y="529"/>
-                </a:lnTo>
-                <a:lnTo>
-                  <a:pt x="604" y="456"/>
-                </a:lnTo>
-                <a:lnTo>
-                  <a:pt x="686" y="388"/>
-                </a:lnTo>
-                <a:lnTo>
-                  <a:pt x="771" y="325"/>
-                </a:lnTo>
-                <a:lnTo>
-                  <a:pt x="860" y="266"/>
-                </a:lnTo>
-                <a:lnTo>
-                  <a:pt x="953" y="212"/>
-                </a:lnTo>
-                <a:lnTo>
-                  <a:pt x="1050" y="164"/>
-                </a:lnTo>
-                <a:lnTo>
-                  <a:pt x="1150" y="122"/>
-                </a:lnTo>
-                <a:lnTo>
-                  <a:pt x="1251" y="85"/>
-                </a:lnTo>
-                <a:lnTo>
-                  <a:pt x="1357" y="55"/>
-                </a:lnTo>
-                <a:lnTo>
-                  <a:pt x="1464" y="32"/>
-                </a:lnTo>
-                <a:lnTo>
-                  <a:pt x="1574" y="14"/>
-                </a:lnTo>
-                <a:lnTo>
-                  <a:pt x="1686" y="5"/>
-                </a:lnTo>
-                <a:lnTo>
-                  <a:pt x="1799" y="0"/>
-                </a:lnTo>
-                <a:close/>
-              </a:path>
-            </a:pathLst>
-          </a:custGeom>
-          <a:solidFill>
-            <a:schemeClr val="bg2"/>
-          </a:solidFill>
-          <a:ln w="0">
-            <a:noFill/>
-            <a:prstDash val="solid"/>
-            <a:round/>
-            <a:headEnd/>
-            <a:tailEnd/>
-          </a:ln>
-        </p:spPr>
-      </p:sp>
-      <p:pic>
-        <p:nvPicPr>
-          <p:cNvPr id="8" name="Picture 2" descr="Image result for Delta boarding pass MCO">
-            <a:extLst>
-              <a:ext uri="{FF2B5EF4-FFF2-40B4-BE49-F238E27FC236}">
-                <a16:creationId xmlns:a16="http://schemas.microsoft.com/office/drawing/2014/main" id="{496395E0-D773-4FEB-8E63-F152EEB21774}"/>
-              </a:ext>
-            </a:extLst>
-          </p:cNvPr>
-          <p:cNvPicPr>
-            <a:picLocks noChangeAspect="1" noChangeArrowheads="1"/>
-          </p:cNvPicPr>
-          <p:nvPr/>
-        </p:nvPicPr>
-        <p:blipFill>
-          <a:blip r:embed="rId2">
-            <a:extLst>
-              <a:ext uri="{28A0092B-C50C-407E-A947-70E740481C1C}">
-                <a14:useLocalDpi xmlns:a14="http://schemas.microsoft.com/office/drawing/2010/main" val="0"/>
-              </a:ext>
-            </a:extLst>
-          </a:blip>
-          <a:srcRect/>
-          <a:stretch>
-            <a:fillRect/>
-          </a:stretch>
-        </p:blipFill>
-        <p:spPr bwMode="auto">
-          <a:xfrm rot="20406036">
-            <a:off x="8607841" y="430614"/>
-            <a:ext cx="2766591" cy="1402778"/>
-          </a:xfrm>
-          <a:prstGeom prst="rect">
-            <a:avLst/>
-          </a:prstGeom>
-          <a:noFill/>
-          <a:extLst>
-            <a:ext uri="{909E8E84-426E-40DD-AFC4-6F175D3DCCD1}">
-              <a14:hiddenFill xmlns:a14="http://schemas.microsoft.com/office/drawing/2010/main">
-                <a:solidFill>
-                  <a:srgbClr val="FFFFFF"/>
-                </a:solidFill>
-              </a14:hiddenFill>
-            </a:ext>
-          </a:extLst>
-        </p:spPr>
-      </p:pic>
-      <p:sp>
-        <p:nvSpPr>
-          <p:cNvPr id="4" name="Rectangle 3">
-            <a:extLst>
-              <a:ext uri="{FF2B5EF4-FFF2-40B4-BE49-F238E27FC236}">
-                <a16:creationId xmlns:a16="http://schemas.microsoft.com/office/drawing/2014/main" id="{F1293546-5345-49B9-B042-1CC6074EDE38}"/>
-              </a:ext>
-            </a:extLst>
-          </p:cNvPr>
-          <p:cNvSpPr/>
-          <p:nvPr/>
-        </p:nvSpPr>
-        <p:spPr>
-          <a:xfrm>
-            <a:off x="0" y="2285999"/>
-            <a:ext cx="12191998" cy="3354765"/>
-          </a:xfrm>
-          <a:prstGeom prst="rect">
-            <a:avLst/>
-          </a:prstGeom>
-        </p:spPr>
-        <p:txBody>
-          <a:bodyPr wrap="square">
-            <a:spAutoFit/>
-          </a:bodyPr>
-          <a:lstStyle/>
-          <a:p>
-            <a:pPr marL="0" marR="0" lvl="0" indent="0" algn="l" defTabSz="457200" rtl="0" eaLnBrk="1" fontAlgn="auto" latinLnBrk="0" hangingPunct="1">
-              <a:lnSpc>
-                <a:spcPct val="100000"/>
-              </a:lnSpc>
-              <a:spcBef>
-                <a:spcPts val="0"/>
-              </a:spcBef>
-              <a:spcAft>
-                <a:spcPts val="0"/>
-              </a:spcAft>
-              <a:buClrTx/>
-              <a:buSzTx/>
-              <a:buFontTx/>
-              <a:buNone/>
-              <a:tabLst/>
-              <a:defRPr/>
-            </a:pPr>
-            <a:endParaRPr kumimoji="0" lang="en-US" sz="1400" b="0" i="0" u="none" strike="noStrike" kern="1200" cap="none" spc="0" normalizeH="0" baseline="0" noProof="0" dirty="0">
-              <a:ln>
-                <a:noFill/>
-              </a:ln>
-              <a:solidFill>
-                <a:prstClr val="black"/>
-              </a:solidFill>
-              <a:effectLst/>
-              <a:uLnTx/>
-              <a:uFillTx/>
-              <a:latin typeface="Corbel" panose="020B0503020204020204"/>
-              <a:ea typeface="+mn-ea"/>
-              <a:cs typeface="+mn-cs"/>
-            </a:endParaRPr>
-          </a:p>
-          <a:p>
-            <a:pPr marL="285750" marR="0" lvl="0" indent="-285750" algn="l" defTabSz="457200" rtl="0" eaLnBrk="1" fontAlgn="auto" latinLnBrk="0" hangingPunct="1">
-              <a:lnSpc>
-                <a:spcPct val="100000"/>
-              </a:lnSpc>
-              <a:spcBef>
-                <a:spcPts val="0"/>
-              </a:spcBef>
-              <a:spcAft>
-                <a:spcPts val="0"/>
-              </a:spcAft>
-              <a:buClrTx/>
-              <a:buSzTx/>
-              <a:buFont typeface="Arial" panose="020B0604020202020204" pitchFamily="34" charset="0"/>
-              <a:buChar char="•"/>
-              <a:tabLst/>
-              <a:defRPr/>
-            </a:pPr>
-            <a:r>
-              <a:rPr kumimoji="0" lang="en-US" sz="1600" b="1" i="0" u="none" strike="noStrike" kern="1200" cap="none" spc="0" normalizeH="0" baseline="0" noProof="0" dirty="0">
-                <a:ln>
-                  <a:noFill/>
-                </a:ln>
-                <a:solidFill>
-                  <a:prstClr val="black"/>
-                </a:solidFill>
-                <a:effectLst/>
-                <a:uLnTx/>
-                <a:uFillTx/>
-                <a:latin typeface="Corbel" panose="020B0503020204020204"/>
-                <a:ea typeface="+mn-ea"/>
-                <a:cs typeface="+mn-cs"/>
-              </a:rPr>
-              <a:t>Potential variables not considered: </a:t>
-            </a:r>
-          </a:p>
-          <a:p>
-            <a:pPr marL="285750" marR="0" lvl="0" indent="-285750" algn="l" defTabSz="457200" rtl="0" eaLnBrk="1" fontAlgn="auto" latinLnBrk="0" hangingPunct="1">
-              <a:lnSpc>
-                <a:spcPct val="100000"/>
-              </a:lnSpc>
-              <a:spcBef>
-                <a:spcPts val="0"/>
-              </a:spcBef>
-              <a:spcAft>
-                <a:spcPts val="0"/>
-              </a:spcAft>
-              <a:buClrTx/>
-              <a:buSzTx/>
-              <a:buFont typeface="Arial" panose="020B0604020202020204" pitchFamily="34" charset="0"/>
-              <a:buChar char="•"/>
-              <a:tabLst/>
-              <a:defRPr/>
-            </a:pPr>
-            <a:r>
-              <a:rPr kumimoji="0" lang="en-US" sz="1400" b="0" i="0" u="none" strike="noStrike" kern="1200" cap="none" spc="0" normalizeH="0" baseline="0" noProof="0" dirty="0">
-                <a:ln>
-                  <a:noFill/>
-                </a:ln>
-                <a:solidFill>
-                  <a:prstClr val="black"/>
-                </a:solidFill>
-                <a:effectLst/>
-                <a:uLnTx/>
-                <a:uFillTx/>
-                <a:latin typeface="Corbel" panose="020B0503020204020204"/>
-                <a:ea typeface="+mn-ea"/>
-                <a:cs typeface="+mn-cs"/>
-              </a:rPr>
-              <a:t>Air Line issues: The number one cause of flight delays are factors within the air line’s control. Issues such as maintenance, crew and hiring, cleaning, fueling, and baggage loading.</a:t>
-            </a:r>
-          </a:p>
-          <a:p>
-            <a:pPr marL="285750" marR="0" lvl="0" indent="-285750" algn="l" defTabSz="457200" rtl="0" eaLnBrk="1" fontAlgn="auto" latinLnBrk="0" hangingPunct="1">
-              <a:lnSpc>
-                <a:spcPct val="100000"/>
-              </a:lnSpc>
-              <a:spcBef>
-                <a:spcPts val="0"/>
-              </a:spcBef>
-              <a:spcAft>
-                <a:spcPts val="0"/>
-              </a:spcAft>
-              <a:buClrTx/>
-              <a:buSzTx/>
-              <a:buFont typeface="Arial" panose="020B0604020202020204" pitchFamily="34" charset="0"/>
-              <a:buChar char="•"/>
-              <a:tabLst/>
-              <a:defRPr/>
-            </a:pPr>
-            <a:r>
-              <a:rPr kumimoji="0" lang="en-US" sz="1400" b="0" i="0" u="none" strike="noStrike" kern="1200" cap="none" spc="0" normalizeH="0" baseline="0" noProof="0" dirty="0">
-                <a:ln>
-                  <a:noFill/>
-                </a:ln>
-                <a:solidFill>
-                  <a:prstClr val="black"/>
-                </a:solidFill>
-                <a:effectLst/>
-                <a:uLnTx/>
-                <a:uFillTx/>
-                <a:latin typeface="Corbel" panose="020B0503020204020204"/>
-                <a:ea typeface="+mn-ea"/>
-                <a:cs typeface="+mn-cs"/>
-              </a:rPr>
-              <a:t>Inclement weather. Major weather events such as tornados, snow storms, heavy rain, and fast winds make it unsafe for an airplane to take off.</a:t>
-            </a:r>
-          </a:p>
-          <a:p>
-            <a:pPr marL="285750" marR="0" lvl="0" indent="-285750" algn="l" defTabSz="457200" rtl="0" eaLnBrk="1" fontAlgn="auto" latinLnBrk="0" hangingPunct="1">
-              <a:lnSpc>
-                <a:spcPct val="100000"/>
-              </a:lnSpc>
-              <a:spcBef>
-                <a:spcPts val="0"/>
-              </a:spcBef>
-              <a:spcAft>
-                <a:spcPts val="0"/>
-              </a:spcAft>
-              <a:buClrTx/>
-              <a:buSzTx/>
-              <a:buFont typeface="Arial" panose="020B0604020202020204" pitchFamily="34" charset="0"/>
-              <a:buChar char="•"/>
-              <a:tabLst/>
-              <a:defRPr/>
-            </a:pPr>
-            <a:r>
-              <a:rPr kumimoji="0" lang="en-US" sz="1400" b="0" i="0" u="none" strike="noStrike" kern="1200" cap="none" spc="0" normalizeH="0" baseline="0" noProof="0" dirty="0">
-                <a:ln>
-                  <a:noFill/>
-                </a:ln>
-                <a:solidFill>
-                  <a:prstClr val="black"/>
-                </a:solidFill>
-                <a:effectLst/>
-                <a:uLnTx/>
-                <a:uFillTx/>
-                <a:latin typeface="Corbel" panose="020B0503020204020204"/>
-                <a:ea typeface="+mn-ea"/>
-                <a:cs typeface="+mn-cs"/>
-              </a:rPr>
-              <a:t>Airport security issues. Acts of vandalism, terrorism, threats, and extended security screenings will cause major delays in flights </a:t>
-            </a:r>
-          </a:p>
-          <a:p>
-            <a:pPr marL="285750" marR="0" lvl="0" indent="-285750" algn="l" defTabSz="457200" rtl="0" eaLnBrk="1" fontAlgn="auto" latinLnBrk="0" hangingPunct="1">
-              <a:lnSpc>
-                <a:spcPct val="100000"/>
-              </a:lnSpc>
-              <a:spcBef>
-                <a:spcPts val="0"/>
-              </a:spcBef>
-              <a:spcAft>
-                <a:spcPts val="0"/>
-              </a:spcAft>
-              <a:buClrTx/>
-              <a:buSzTx/>
-              <a:buFont typeface="Arial" panose="020B0604020202020204" pitchFamily="34" charset="0"/>
-              <a:buChar char="•"/>
-              <a:tabLst/>
-              <a:defRPr/>
-            </a:pPr>
-            <a:r>
-              <a:rPr kumimoji="0" lang="en-US" sz="1400" b="0" i="0" u="none" strike="noStrike" kern="1200" cap="none" spc="0" normalizeH="0" baseline="0" noProof="0" dirty="0">
-                <a:ln>
-                  <a:noFill/>
-                </a:ln>
-                <a:solidFill>
-                  <a:prstClr val="black"/>
-                </a:solidFill>
-                <a:effectLst/>
-                <a:uLnTx/>
-                <a:uFillTx/>
-                <a:latin typeface="Corbel" panose="020B0503020204020204"/>
-                <a:ea typeface="+mn-ea"/>
-                <a:cs typeface="+mn-cs"/>
-              </a:rPr>
-              <a:t>Heavy airport volume. Heavier than average volume in travelers can cause long lines for ticketing, TSA screening, and general operations. Months with major holidays such as December will have heavier airport traveler volume.</a:t>
-            </a:r>
-          </a:p>
-          <a:p>
-            <a:pPr marL="285750" marR="0" lvl="0" indent="-285750" algn="l" defTabSz="457200" rtl="0" eaLnBrk="1" fontAlgn="auto" latinLnBrk="0" hangingPunct="1">
-              <a:lnSpc>
-                <a:spcPct val="100000"/>
-              </a:lnSpc>
-              <a:spcBef>
-                <a:spcPts val="0"/>
-              </a:spcBef>
-              <a:spcAft>
-                <a:spcPts val="0"/>
-              </a:spcAft>
-              <a:buClrTx/>
-              <a:buSzTx/>
-              <a:buFont typeface="Arial" panose="020B0604020202020204" pitchFamily="34" charset="0"/>
-              <a:buChar char="•"/>
-              <a:tabLst/>
-              <a:defRPr/>
-            </a:pPr>
-            <a:r>
-              <a:rPr kumimoji="0" lang="en-US" sz="1400" b="0" i="0" u="none" strike="noStrike" kern="1200" cap="none" spc="0" normalizeH="0" baseline="0" noProof="0" dirty="0">
-                <a:ln>
-                  <a:noFill/>
-                </a:ln>
-                <a:solidFill>
-                  <a:prstClr val="black"/>
-                </a:solidFill>
-                <a:effectLst/>
-                <a:uLnTx/>
-                <a:uFillTx/>
-                <a:latin typeface="Corbel" panose="020B0503020204020204"/>
-                <a:ea typeface="+mn-ea"/>
-                <a:cs typeface="+mn-cs"/>
-              </a:rPr>
-              <a:t>Late arriving aircraft. When a previous flight arrives late it has a ripple effect causing other departing flights to be delayed. </a:t>
-            </a:r>
-          </a:p>
-          <a:p>
-            <a:pPr marL="285750" marR="0" lvl="0" indent="-285750" algn="l" defTabSz="457200" rtl="0" eaLnBrk="1" fontAlgn="auto" latinLnBrk="0" hangingPunct="1">
-              <a:lnSpc>
-                <a:spcPct val="100000"/>
-              </a:lnSpc>
-              <a:spcBef>
-                <a:spcPts val="0"/>
-              </a:spcBef>
-              <a:spcAft>
-                <a:spcPts val="0"/>
-              </a:spcAft>
-              <a:buClrTx/>
-              <a:buSzTx/>
-              <a:buFont typeface="Arial" panose="020B0604020202020204" pitchFamily="34" charset="0"/>
-              <a:buChar char="•"/>
-              <a:tabLst/>
-              <a:defRPr/>
-            </a:pPr>
-            <a:r>
-              <a:rPr kumimoji="0" lang="en-US" sz="1400" b="0" i="0" u="none" strike="noStrike" kern="1200" cap="none" spc="0" normalizeH="0" baseline="0" noProof="0" dirty="0">
-                <a:ln>
-                  <a:noFill/>
-                </a:ln>
-                <a:solidFill>
-                  <a:prstClr val="black"/>
-                </a:solidFill>
-                <a:effectLst/>
-                <a:uLnTx/>
-                <a:uFillTx/>
-                <a:latin typeface="Corbel" panose="020B0503020204020204"/>
-                <a:ea typeface="+mn-ea"/>
-                <a:cs typeface="+mn-cs"/>
-              </a:rPr>
-              <a:t>Airport staffing issues. Malperformance  or absence of TSA, ticketing staff, and air traffic controllers may have contributed </a:t>
-            </a:r>
-            <a:r>
-              <a:rPr kumimoji="0" lang="en-US" sz="1400" b="0" i="0" u="none" strike="noStrike" kern="1200" cap="none" spc="0" normalizeH="0" baseline="0" noProof="0">
-                <a:ln>
-                  <a:noFill/>
-                </a:ln>
-                <a:solidFill>
-                  <a:prstClr val="black"/>
-                </a:solidFill>
-                <a:effectLst/>
-                <a:uLnTx/>
-                <a:uFillTx/>
-                <a:latin typeface="Corbel" panose="020B0503020204020204"/>
-                <a:ea typeface="+mn-ea"/>
-                <a:cs typeface="+mn-cs"/>
-              </a:rPr>
-              <a:t>to delays. </a:t>
-            </a:r>
-            <a:endParaRPr kumimoji="0" lang="en-US" sz="1400" b="0" i="0" u="none" strike="noStrike" kern="1200" cap="none" spc="0" normalizeH="0" baseline="0" noProof="0" dirty="0">
-              <a:ln>
-                <a:noFill/>
-              </a:ln>
-              <a:solidFill>
-                <a:prstClr val="black"/>
-              </a:solidFill>
-              <a:effectLst/>
-              <a:uLnTx/>
-              <a:uFillTx/>
-              <a:latin typeface="Corbel" panose="020B0503020204020204"/>
-              <a:ea typeface="+mn-ea"/>
-              <a:cs typeface="+mn-cs"/>
-            </a:endParaRPr>
-          </a:p>
-          <a:p>
-            <a:pPr marL="285750" marR="0" lvl="0" indent="-285750" algn="l" defTabSz="457200" rtl="0" eaLnBrk="1" fontAlgn="auto" latinLnBrk="0" hangingPunct="1">
-              <a:lnSpc>
-                <a:spcPct val="100000"/>
-              </a:lnSpc>
-              <a:spcBef>
-                <a:spcPts val="0"/>
-              </a:spcBef>
-              <a:spcAft>
-                <a:spcPts val="0"/>
-              </a:spcAft>
-              <a:buClrTx/>
-              <a:buSzTx/>
-              <a:buFont typeface="Arial" panose="020B0604020202020204" pitchFamily="34" charset="0"/>
-              <a:buChar char="•"/>
-              <a:tabLst/>
-              <a:defRPr/>
-            </a:pPr>
-            <a:r>
-              <a:rPr kumimoji="0" lang="en-US" sz="1400" b="0" i="0" u="none" strike="noStrike" kern="1200" cap="none" spc="0" normalizeH="0" baseline="0" noProof="0" dirty="0">
-                <a:ln>
-                  <a:noFill/>
-                </a:ln>
-                <a:solidFill>
-                  <a:prstClr val="black"/>
-                </a:solidFill>
-                <a:effectLst/>
-                <a:uLnTx/>
-                <a:uFillTx/>
-                <a:latin typeface="Corbel" panose="020B0503020204020204"/>
-                <a:ea typeface="+mn-ea"/>
-                <a:cs typeface="+mn-cs"/>
-              </a:rPr>
-              <a:t>The government shutdown started in December 2018. Due to the Christmas and New Year holidays, December has higher than average air travel volume which could contribute to the delays in this time period.</a:t>
-            </a:r>
-          </a:p>
-          <a:p>
-            <a:pPr marL="285750" marR="0" lvl="0" indent="-285750" algn="l" defTabSz="457200" rtl="0" eaLnBrk="1" fontAlgn="auto" latinLnBrk="0" hangingPunct="1">
-              <a:lnSpc>
-                <a:spcPct val="100000"/>
-              </a:lnSpc>
-              <a:spcBef>
-                <a:spcPts val="0"/>
-              </a:spcBef>
-              <a:spcAft>
-                <a:spcPts val="0"/>
-              </a:spcAft>
-              <a:buClrTx/>
-              <a:buSzTx/>
-              <a:buFont typeface="Arial" panose="020B0604020202020204" pitchFamily="34" charset="0"/>
-              <a:buChar char="•"/>
-              <a:tabLst/>
-              <a:defRPr/>
-            </a:pPr>
-            <a:endParaRPr kumimoji="0" lang="en-US" sz="1400" b="0" i="0" u="none" strike="noStrike" kern="1200" cap="none" spc="0" normalizeH="0" baseline="0" noProof="0" dirty="0">
-              <a:ln>
-                <a:noFill/>
-              </a:ln>
-              <a:solidFill>
-                <a:prstClr val="black"/>
-              </a:solidFill>
-              <a:effectLst/>
-              <a:uLnTx/>
-              <a:uFillTx/>
-              <a:latin typeface="Corbel" panose="020B0503020204020204"/>
-              <a:ea typeface="+mn-ea"/>
-              <a:cs typeface="+mn-cs"/>
-            </a:endParaRPr>
-          </a:p>
-          <a:p>
-            <a:pPr marL="285750" marR="0" lvl="0" indent="-285750" algn="l" defTabSz="457200" rtl="0" eaLnBrk="1" fontAlgn="auto" latinLnBrk="0" hangingPunct="1">
-              <a:lnSpc>
-                <a:spcPct val="100000"/>
-              </a:lnSpc>
-              <a:spcBef>
-                <a:spcPts val="0"/>
-              </a:spcBef>
-              <a:spcAft>
-                <a:spcPts val="0"/>
-              </a:spcAft>
-              <a:buClrTx/>
-              <a:buSzTx/>
-              <a:buFont typeface="Arial" panose="020B0604020202020204" pitchFamily="34" charset="0"/>
-              <a:buChar char="•"/>
-              <a:tabLst/>
-              <a:defRPr/>
-            </a:pPr>
-            <a:r>
-              <a:rPr kumimoji="0" lang="en-US" sz="1400" b="0" i="0" u="none" strike="noStrike" kern="1200" cap="none" spc="0" normalizeH="0" baseline="0" noProof="0" dirty="0">
-                <a:ln>
-                  <a:noFill/>
-                </a:ln>
-                <a:solidFill>
-                  <a:prstClr val="black"/>
-                </a:solidFill>
-                <a:effectLst/>
-                <a:uLnTx/>
-                <a:uFillTx/>
-                <a:latin typeface="Corbel" panose="020B0503020204020204"/>
-                <a:ea typeface="+mn-ea"/>
-                <a:cs typeface="+mn-cs"/>
-              </a:rPr>
-              <a:t>https://</a:t>
-            </a:r>
-            <a:r>
-              <a:rPr kumimoji="0" lang="en-US" sz="1400" b="0" i="0" u="none" strike="noStrike" kern="1200" cap="none" spc="0" normalizeH="0" baseline="0" noProof="0" dirty="0" err="1">
-                <a:ln>
-                  <a:noFill/>
-                </a:ln>
-                <a:solidFill>
-                  <a:prstClr val="black"/>
-                </a:solidFill>
-                <a:effectLst/>
-                <a:uLnTx/>
-                <a:uFillTx/>
-                <a:latin typeface="Corbel" panose="020B0503020204020204"/>
-                <a:ea typeface="+mn-ea"/>
-                <a:cs typeface="+mn-cs"/>
-              </a:rPr>
-              <a:t>www.bts.gov</a:t>
-            </a:r>
-            <a:r>
-              <a:rPr kumimoji="0" lang="en-US" sz="1400" b="0" i="0" u="none" strike="noStrike" kern="1200" cap="none" spc="0" normalizeH="0" baseline="0" noProof="0" dirty="0">
-                <a:ln>
-                  <a:noFill/>
-                </a:ln>
-                <a:solidFill>
-                  <a:prstClr val="black"/>
-                </a:solidFill>
-                <a:effectLst/>
-                <a:uLnTx/>
-                <a:uFillTx/>
-                <a:latin typeface="Corbel" panose="020B0503020204020204"/>
-                <a:ea typeface="+mn-ea"/>
-                <a:cs typeface="+mn-cs"/>
-              </a:rPr>
-              <a:t>/topics/airlines-and-airports/understanding-reporting-causes-flight-delays-and-cancellations</a:t>
-            </a:r>
-          </a:p>
-          <a:p>
-            <a:pPr marL="0" marR="0" lvl="0" indent="0" algn="l" defTabSz="457200" rtl="0" eaLnBrk="1" fontAlgn="auto" latinLnBrk="0" hangingPunct="1">
-              <a:lnSpc>
-                <a:spcPct val="100000"/>
-              </a:lnSpc>
-              <a:spcBef>
-                <a:spcPts val="0"/>
-              </a:spcBef>
-              <a:spcAft>
-                <a:spcPts val="0"/>
-              </a:spcAft>
-              <a:buClrTx/>
-              <a:buSzTx/>
-              <a:buFontTx/>
-              <a:buNone/>
-              <a:tabLst/>
-              <a:defRPr/>
-            </a:pPr>
-            <a:endParaRPr kumimoji="0" lang="en-US" sz="1400" b="0" i="0" u="none" strike="noStrike" kern="1200" cap="none" spc="0" normalizeH="0" baseline="0" noProof="0" dirty="0">
-              <a:ln>
-                <a:noFill/>
-              </a:ln>
-              <a:solidFill>
-                <a:prstClr val="black"/>
-              </a:solidFill>
-              <a:effectLst/>
-              <a:uLnTx/>
-              <a:uFillTx/>
-              <a:latin typeface="Corbel" panose="020B0503020204020204"/>
-              <a:ea typeface="+mn-ea"/>
-              <a:cs typeface="+mn-cs"/>
-            </a:endParaRPr>
-          </a:p>
-        </p:txBody>
-      </p:sp>
-    </p:spTree>
-    <p:extLst>
-      <p:ext uri="{BB962C8B-B14F-4D97-AF65-F5344CB8AC3E}">
-        <p14:creationId xmlns:p14="http://schemas.microsoft.com/office/powerpoint/2010/main" val="658287010"/>
-      </p:ext>
-    </p:extLst>
-  </p:cSld>
-  <p:clrMapOvr>
-    <a:masterClrMapping/>
-  </p:clrMapOvr>
-</p:sld>
-</file>
-
 <file path=ppt/slides/slide12.xml><?xml version="1.0" encoding="utf-8"?>
 <p:sld xmlns:a="http://schemas.openxmlformats.org/drawingml/2006/main" xmlns:r="http://schemas.openxmlformats.org/officeDocument/2006/relationships" xmlns:p="http://schemas.openxmlformats.org/presentationml/2006/main">
   <p:cSld>
@@ -7770,7 +7342,7 @@
                 <a16:creationId xmlns:a16="http://schemas.microsoft.com/office/drawing/2014/main" id="{4281BC32-FF58-4898-A6B5-7B3D059BCEB0}"/>
               </a:ext>
               <a:ext uri="{C183D7F6-B498-43B3-948B-1728B52AA6E4}">
-                <adec:decorative xmlns:adec="http://schemas.microsoft.com/office/drawing/2017/decorative" xmlns="" val="1"/>
+                <adec:decorative xmlns="" xmlns:adec="http://schemas.microsoft.com/office/drawing/2017/decorative" val="1"/>
               </a:ext>
             </a:extLst>
           </p:cNvPr>
@@ -7830,7 +7402,7 @@
                 <a16:creationId xmlns:a16="http://schemas.microsoft.com/office/drawing/2014/main" id="{0D614406-135F-4875-9C87-53822CB19ABB}"/>
               </a:ext>
               <a:ext uri="{C183D7F6-B498-43B3-948B-1728B52AA6E4}">
-                <adec:decorative xmlns:adec="http://schemas.microsoft.com/office/drawing/2017/decorative" xmlns="" val="1"/>
+                <adec:decorative xmlns="" xmlns:adec="http://schemas.microsoft.com/office/drawing/2017/decorative" val="1"/>
               </a:ext>
             </a:extLst>
           </p:cNvPr>
@@ -7927,7 +7499,7 @@
                 <a16:creationId xmlns:a16="http://schemas.microsoft.com/office/drawing/2014/main" id="{C6C21149-7D17-44C2-AFB6-4D931DC55FB1}"/>
               </a:ext>
               <a:ext uri="{C183D7F6-B498-43B3-948B-1728B52AA6E4}">
-                <adec:decorative xmlns:adec="http://schemas.microsoft.com/office/drawing/2017/decorative" xmlns="" val="1"/>
+                <adec:decorative xmlns="" xmlns:adec="http://schemas.microsoft.com/office/drawing/2017/decorative" val="1"/>
               </a:ext>
             </a:extLst>
           </p:cNvPr>
@@ -7979,7 +7551,7 @@
                 <a16:creationId xmlns:a16="http://schemas.microsoft.com/office/drawing/2014/main" id="{C2E5FCF0-567A-448C-A6E3-920BFC702C2F}"/>
               </a:ext>
               <a:ext uri="{C183D7F6-B498-43B3-948B-1728B52AA6E4}">
-                <adec:decorative xmlns:adec="http://schemas.microsoft.com/office/drawing/2017/decorative" xmlns="" val="1"/>
+                <adec:decorative xmlns="" xmlns:adec="http://schemas.microsoft.com/office/drawing/2017/decorative" val="1"/>
               </a:ext>
             </a:extLst>
           </p:cNvPr>
@@ -8325,7 +7897,7 @@
                 <a:hlinkClick r:id="rId3">
                   <a:extLst>
                     <a:ext uri="{A12FA001-AC4F-418D-AE19-62706E023703}">
-                      <ahyp:hlinkClr xmlns:ahyp="http://schemas.microsoft.com/office/drawing/2018/hyperlinkcolor" xmlns="" val="tx"/>
+                      <ahyp:hlinkClr xmlns="" xmlns:ahyp="http://schemas.microsoft.com/office/drawing/2018/hyperlinkcolor" val="tx"/>
                     </a:ext>
                   </a:extLst>
                 </a:hlinkClick>
@@ -8362,7 +7934,7 @@
                 <a:hlinkClick r:id="rId4">
                   <a:extLst>
                     <a:ext uri="{A12FA001-AC4F-418D-AE19-62706E023703}">
-                      <ahyp:hlinkClr xmlns:ahyp="http://schemas.microsoft.com/office/drawing/2018/hyperlinkcolor" xmlns="" val="tx"/>
+                      <ahyp:hlinkClr xmlns="" xmlns:ahyp="http://schemas.microsoft.com/office/drawing/2018/hyperlinkcolor" val="tx"/>
                     </a:ext>
                   </a:extLst>
                 </a:hlinkClick>
@@ -8448,7 +8020,7 @@
                 <a16:creationId xmlns:a16="http://schemas.microsoft.com/office/drawing/2014/main" id="{4281BC32-FF58-4898-A6B5-7B3D059BCEB0}"/>
               </a:ext>
               <a:ext uri="{C183D7F6-B498-43B3-948B-1728B52AA6E4}">
-                <adec:decorative xmlns:adec="http://schemas.microsoft.com/office/drawing/2017/decorative" xmlns="" val="1"/>
+                <adec:decorative xmlns="" xmlns:adec="http://schemas.microsoft.com/office/drawing/2017/decorative" val="1"/>
               </a:ext>
             </a:extLst>
           </p:cNvPr>
@@ -8508,7 +8080,7 @@
                 <a16:creationId xmlns:a16="http://schemas.microsoft.com/office/drawing/2014/main" id="{0D614406-135F-4875-9C87-53822CB19ABB}"/>
               </a:ext>
               <a:ext uri="{C183D7F6-B498-43B3-948B-1728B52AA6E4}">
-                <adec:decorative xmlns:adec="http://schemas.microsoft.com/office/drawing/2017/decorative" xmlns="" val="1"/>
+                <adec:decorative xmlns="" xmlns:adec="http://schemas.microsoft.com/office/drawing/2017/decorative" val="1"/>
               </a:ext>
             </a:extLst>
           </p:cNvPr>
@@ -8605,7 +8177,7 @@
                 <a16:creationId xmlns:a16="http://schemas.microsoft.com/office/drawing/2014/main" id="{C6C21149-7D17-44C2-AFB6-4D931DC55FB1}"/>
               </a:ext>
               <a:ext uri="{C183D7F6-B498-43B3-948B-1728B52AA6E4}">
-                <adec:decorative xmlns:adec="http://schemas.microsoft.com/office/drawing/2017/decorative" xmlns="" val="1"/>
+                <adec:decorative xmlns="" xmlns:adec="http://schemas.microsoft.com/office/drawing/2017/decorative" val="1"/>
               </a:ext>
             </a:extLst>
           </p:cNvPr>
@@ -8657,7 +8229,7 @@
                 <a16:creationId xmlns:a16="http://schemas.microsoft.com/office/drawing/2014/main" id="{C2E5FCF0-567A-448C-A6E3-920BFC702C2F}"/>
               </a:ext>
               <a:ext uri="{C183D7F6-B498-43B3-948B-1728B52AA6E4}">
-                <adec:decorative xmlns:adec="http://schemas.microsoft.com/office/drawing/2017/decorative" xmlns="" val="1"/>
+                <adec:decorative xmlns="" xmlns:adec="http://schemas.microsoft.com/office/drawing/2017/decorative" val="1"/>
               </a:ext>
             </a:extLst>
           </p:cNvPr>
@@ -8971,7 +8543,7 @@
                 <a:hlinkClick r:id="rId3">
                   <a:extLst>
                     <a:ext uri="{A12FA001-AC4F-418D-AE19-62706E023703}">
-                      <ahyp:hlinkClr xmlns:ahyp="http://schemas.microsoft.com/office/drawing/2018/hyperlinkcolor" xmlns="" val="tx"/>
+                      <ahyp:hlinkClr xmlns="" xmlns:ahyp="http://schemas.microsoft.com/office/drawing/2018/hyperlinkcolor" val="tx"/>
                     </a:ext>
                   </a:extLst>
                 </a:hlinkClick>
@@ -9026,7 +8598,7 @@
                 <a:hlinkClick r:id="rId4">
                   <a:extLst>
                     <a:ext uri="{A12FA001-AC4F-418D-AE19-62706E023703}">
-                      <ahyp:hlinkClr xmlns:ahyp="http://schemas.microsoft.com/office/drawing/2018/hyperlinkcolor" xmlns="" val="tx"/>
+                      <ahyp:hlinkClr xmlns="" xmlns:ahyp="http://schemas.microsoft.com/office/drawing/2018/hyperlinkcolor" val="tx"/>
                     </a:ext>
                   </a:extLst>
                 </a:hlinkClick>
@@ -9055,7 +8627,7 @@
                 <a:hlinkClick r:id="rId5">
                   <a:extLst>
                     <a:ext uri="{A12FA001-AC4F-418D-AE19-62706E023703}">
-                      <ahyp:hlinkClr xmlns:ahyp="http://schemas.microsoft.com/office/drawing/2018/hyperlinkcolor" xmlns="" val="tx"/>
+                      <ahyp:hlinkClr xmlns="" xmlns:ahyp="http://schemas.microsoft.com/office/drawing/2018/hyperlinkcolor" val="tx"/>
                     </a:ext>
                   </a:extLst>
                 </a:hlinkClick>
@@ -9142,7 +8714,7 @@
                 <a16:creationId xmlns:a16="http://schemas.microsoft.com/office/drawing/2014/main" id="{4281BC32-FF58-4898-A6B5-7B3D059BCEB0}"/>
               </a:ext>
               <a:ext uri="{C183D7F6-B498-43B3-948B-1728B52AA6E4}">
-                <adec:decorative xmlns:adec="http://schemas.microsoft.com/office/drawing/2017/decorative" xmlns="" val="1"/>
+                <adec:decorative xmlns="" xmlns:adec="http://schemas.microsoft.com/office/drawing/2017/decorative" val="1"/>
               </a:ext>
             </a:extLst>
           </p:cNvPr>
@@ -9202,7 +8774,7 @@
                 <a16:creationId xmlns:a16="http://schemas.microsoft.com/office/drawing/2014/main" id="{0D614406-135F-4875-9C87-53822CB19ABB}"/>
               </a:ext>
               <a:ext uri="{C183D7F6-B498-43B3-948B-1728B52AA6E4}">
-                <adec:decorative xmlns:adec="http://schemas.microsoft.com/office/drawing/2017/decorative" xmlns="" val="1"/>
+                <adec:decorative xmlns="" xmlns:adec="http://schemas.microsoft.com/office/drawing/2017/decorative" val="1"/>
               </a:ext>
             </a:extLst>
           </p:cNvPr>
@@ -9299,7 +8871,7 @@
                 <a16:creationId xmlns:a16="http://schemas.microsoft.com/office/drawing/2014/main" id="{C6C21149-7D17-44C2-AFB6-4D931DC55FB1}"/>
               </a:ext>
               <a:ext uri="{C183D7F6-B498-43B3-948B-1728B52AA6E4}">
-                <adec:decorative xmlns:adec="http://schemas.microsoft.com/office/drawing/2017/decorative" xmlns="" val="1"/>
+                <adec:decorative xmlns="" xmlns:adec="http://schemas.microsoft.com/office/drawing/2017/decorative" val="1"/>
               </a:ext>
             </a:extLst>
           </p:cNvPr>
@@ -9351,7 +8923,7 @@
                 <a16:creationId xmlns:a16="http://schemas.microsoft.com/office/drawing/2014/main" id="{C2E5FCF0-567A-448C-A6E3-920BFC702C2F}"/>
               </a:ext>
               <a:ext uri="{C183D7F6-B498-43B3-948B-1728B52AA6E4}">
-                <adec:decorative xmlns:adec="http://schemas.microsoft.com/office/drawing/2017/decorative" xmlns="" val="1"/>
+                <adec:decorative xmlns="" xmlns:adec="http://schemas.microsoft.com/office/drawing/2017/decorative" val="1"/>
               </a:ext>
             </a:extLst>
           </p:cNvPr>
@@ -11691,7 +11263,7 @@
         </p:blipFill>
         <p:spPr bwMode="auto">
           <a:xfrm>
-            <a:off x="0" y="2320525"/>
+            <a:off x="-34506" y="2320525"/>
             <a:ext cx="5551056" cy="3913806"/>
           </a:xfrm>
           <a:prstGeom prst="rect">
@@ -11781,7 +11353,7 @@
                 <a16:creationId xmlns:a16="http://schemas.microsoft.com/office/drawing/2014/main" id="{4281BC32-FF58-4898-A6B5-7B3D059BCEB0}"/>
               </a:ext>
               <a:ext uri="{C183D7F6-B498-43B3-948B-1728B52AA6E4}">
-                <adec:decorative xmlns:adec="http://schemas.microsoft.com/office/drawing/2017/decorative" xmlns="" val="1"/>
+                <adec:decorative xmlns="" xmlns:adec="http://schemas.microsoft.com/office/drawing/2017/decorative" val="1"/>
               </a:ext>
             </a:extLst>
           </p:cNvPr>
@@ -11841,7 +11413,7 @@
                 <a16:creationId xmlns:a16="http://schemas.microsoft.com/office/drawing/2014/main" id="{0D614406-135F-4875-9C87-53822CB19ABB}"/>
               </a:ext>
               <a:ext uri="{C183D7F6-B498-43B3-948B-1728B52AA6E4}">
-                <adec:decorative xmlns:adec="http://schemas.microsoft.com/office/drawing/2017/decorative" xmlns="" val="1"/>
+                <adec:decorative xmlns="" xmlns:adec="http://schemas.microsoft.com/office/drawing/2017/decorative" val="1"/>
               </a:ext>
             </a:extLst>
           </p:cNvPr>
@@ -11938,7 +11510,7 @@
                 <a16:creationId xmlns:a16="http://schemas.microsoft.com/office/drawing/2014/main" id="{C6C21149-7D17-44C2-AFB6-4D931DC55FB1}"/>
               </a:ext>
               <a:ext uri="{C183D7F6-B498-43B3-948B-1728B52AA6E4}">
-                <adec:decorative xmlns:adec="http://schemas.microsoft.com/office/drawing/2017/decorative" xmlns="" val="1"/>
+                <adec:decorative xmlns="" xmlns:adec="http://schemas.microsoft.com/office/drawing/2017/decorative" val="1"/>
               </a:ext>
             </a:extLst>
           </p:cNvPr>
@@ -11990,7 +11562,7 @@
                 <a16:creationId xmlns:a16="http://schemas.microsoft.com/office/drawing/2014/main" id="{C2E5FCF0-567A-448C-A6E3-920BFC702C2F}"/>
               </a:ext>
               <a:ext uri="{C183D7F6-B498-43B3-948B-1728B52AA6E4}">
-                <adec:decorative xmlns:adec="http://schemas.microsoft.com/office/drawing/2017/decorative" xmlns="" val="1"/>
+                <adec:decorative xmlns="" xmlns:adec="http://schemas.microsoft.com/office/drawing/2017/decorative" val="1"/>
               </a:ext>
             </a:extLst>
           </p:cNvPr>
@@ -14695,7 +14267,7 @@
                 <a16:creationId xmlns:a16="http://schemas.microsoft.com/office/drawing/2014/main" id="{4281BC32-FF58-4898-A6B5-7B3D059BCEB0}"/>
               </a:ext>
               <a:ext uri="{C183D7F6-B498-43B3-948B-1728B52AA6E4}">
-                <adec:decorative xmlns:adec="http://schemas.microsoft.com/office/drawing/2017/decorative" xmlns="" val="1"/>
+                <adec:decorative xmlns="" xmlns:adec="http://schemas.microsoft.com/office/drawing/2017/decorative" val="1"/>
               </a:ext>
             </a:extLst>
           </p:cNvPr>
@@ -14755,7 +14327,7 @@
                 <a16:creationId xmlns:a16="http://schemas.microsoft.com/office/drawing/2014/main" id="{0D614406-135F-4875-9C87-53822CB19ABB}"/>
               </a:ext>
               <a:ext uri="{C183D7F6-B498-43B3-948B-1728B52AA6E4}">
-                <adec:decorative xmlns:adec="http://schemas.microsoft.com/office/drawing/2017/decorative" xmlns="" val="1"/>
+                <adec:decorative xmlns="" xmlns:adec="http://schemas.microsoft.com/office/drawing/2017/decorative" val="1"/>
               </a:ext>
             </a:extLst>
           </p:cNvPr>
@@ -14867,7 +14439,7 @@
                 <a16:creationId xmlns:a16="http://schemas.microsoft.com/office/drawing/2014/main" id="{C6C21149-7D17-44C2-AFB6-4D931DC55FB1}"/>
               </a:ext>
               <a:ext uri="{C183D7F6-B498-43B3-948B-1728B52AA6E4}">
-                <adec:decorative xmlns:adec="http://schemas.microsoft.com/office/drawing/2017/decorative" xmlns="" val="1"/>
+                <adec:decorative xmlns="" xmlns:adec="http://schemas.microsoft.com/office/drawing/2017/decorative" val="1"/>
               </a:ext>
             </a:extLst>
           </p:cNvPr>
@@ -14919,7 +14491,7 @@
                 <a16:creationId xmlns:a16="http://schemas.microsoft.com/office/drawing/2014/main" id="{C2E5FCF0-567A-448C-A6E3-920BFC702C2F}"/>
               </a:ext>
               <a:ext uri="{C183D7F6-B498-43B3-948B-1728B52AA6E4}">
-                <adec:decorative xmlns:adec="http://schemas.microsoft.com/office/drawing/2017/decorative" xmlns="" val="1"/>
+                <adec:decorative xmlns="" xmlns:adec="http://schemas.microsoft.com/office/drawing/2017/decorative" val="1"/>
               </a:ext>
             </a:extLst>
           </p:cNvPr>
@@ -16749,7 +16321,7 @@
                 <a:hlinkClick r:id="rId5">
                   <a:extLst>
                     <a:ext uri="{A12FA001-AC4F-418D-AE19-62706E023703}">
-                      <ahyp:hlinkClr xmlns:ahyp="http://schemas.microsoft.com/office/drawing/2018/hyperlinkcolor" xmlns="" val="tx"/>
+                      <ahyp:hlinkClr xmlns="" xmlns:ahyp="http://schemas.microsoft.com/office/drawing/2018/hyperlinkcolor" val="tx"/>
                     </a:ext>
                   </a:extLst>
                 </a:hlinkClick>
@@ -16800,7 +16372,7 @@
                 <a:hlinkClick r:id="rId6">
                   <a:extLst>
                     <a:ext uri="{A12FA001-AC4F-418D-AE19-62706E023703}">
-                      <ahyp:hlinkClr xmlns:ahyp="http://schemas.microsoft.com/office/drawing/2018/hyperlinkcolor" xmlns="" val="tx"/>
+                      <ahyp:hlinkClr xmlns="" xmlns:ahyp="http://schemas.microsoft.com/office/drawing/2018/hyperlinkcolor" val="tx"/>
                     </a:ext>
                   </a:extLst>
                 </a:hlinkClick>
@@ -18035,7 +17607,7 @@
                     <a:bodyPr/>
                     <a:lstStyle/>
                     <a:p>
-                      <a:endParaRPr lang="en-US"/>
+                      <a:endParaRPr lang="en-US" dirty="0"/>
                     </a:p>
                   </a:txBody>
                   <a:tcPr>
@@ -18129,7 +17701,7 @@
                     <a:p>
                       <a:pPr algn="l" fontAlgn="ctr"/>
                       <a:r>
-                        <a:rPr lang="en-US">
+                        <a:rPr lang="en-US" dirty="0">
                           <a:effectLst/>
                         </a:rPr>
                         <a:t>1295.000000</a:t>
@@ -19093,7 +18665,7 @@
                 <a16:creationId xmlns:a16="http://schemas.microsoft.com/office/drawing/2014/main" id="{4281BC32-FF58-4898-A6B5-7B3D059BCEB0}"/>
               </a:ext>
               <a:ext uri="{C183D7F6-B498-43B3-948B-1728B52AA6E4}">
-                <adec:decorative xmlns:adec="http://schemas.microsoft.com/office/drawing/2017/decorative" xmlns="" val="1"/>
+                <adec:decorative xmlns="" xmlns:adec="http://schemas.microsoft.com/office/drawing/2017/decorative" val="1"/>
               </a:ext>
             </a:extLst>
           </p:cNvPr>
@@ -19153,7 +18725,7 @@
                 <a16:creationId xmlns:a16="http://schemas.microsoft.com/office/drawing/2014/main" id="{0D614406-135F-4875-9C87-53822CB19ABB}"/>
               </a:ext>
               <a:ext uri="{C183D7F6-B498-43B3-948B-1728B52AA6E4}">
-                <adec:decorative xmlns:adec="http://schemas.microsoft.com/office/drawing/2017/decorative" xmlns="" val="1"/>
+                <adec:decorative xmlns="" xmlns:adec="http://schemas.microsoft.com/office/drawing/2017/decorative" val="1"/>
               </a:ext>
             </a:extLst>
           </p:cNvPr>
@@ -19250,7 +18822,7 @@
                 <a16:creationId xmlns:a16="http://schemas.microsoft.com/office/drawing/2014/main" id="{C6C21149-7D17-44C2-AFB6-4D931DC55FB1}"/>
               </a:ext>
               <a:ext uri="{C183D7F6-B498-43B3-948B-1728B52AA6E4}">
-                <adec:decorative xmlns:adec="http://schemas.microsoft.com/office/drawing/2017/decorative" xmlns="" val="1"/>
+                <adec:decorative xmlns="" xmlns:adec="http://schemas.microsoft.com/office/drawing/2017/decorative" val="1"/>
               </a:ext>
             </a:extLst>
           </p:cNvPr>
@@ -19302,7 +18874,7 @@
                 <a16:creationId xmlns:a16="http://schemas.microsoft.com/office/drawing/2014/main" id="{C2E5FCF0-567A-448C-A6E3-920BFC702C2F}"/>
               </a:ext>
               <a:ext uri="{C183D7F6-B498-43B3-948B-1728B52AA6E4}">
-                <adec:decorative xmlns:adec="http://schemas.microsoft.com/office/drawing/2017/decorative" xmlns="" val="1"/>
+                <adec:decorative xmlns="" xmlns:adec="http://schemas.microsoft.com/office/drawing/2017/decorative" val="1"/>
               </a:ext>
             </a:extLst>
           </p:cNvPr>
@@ -19614,7 +19186,7 @@
                 <a:hlinkClick r:id="rId3">
                   <a:extLst>
                     <a:ext uri="{A12FA001-AC4F-418D-AE19-62706E023703}">
-                      <ahyp:hlinkClr xmlns:ahyp="http://schemas.microsoft.com/office/drawing/2018/hyperlinkcolor" xmlns="" val="tx"/>
+                      <ahyp:hlinkClr xmlns="" xmlns:ahyp="http://schemas.microsoft.com/office/drawing/2018/hyperlinkcolor" val="tx"/>
                     </a:ext>
                   </a:extLst>
                 </a:hlinkClick>
@@ -19639,7 +19211,7 @@
                 <a:hlinkClick r:id="rId4">
                   <a:extLst>
                     <a:ext uri="{A12FA001-AC4F-418D-AE19-62706E023703}">
-                      <ahyp:hlinkClr xmlns:ahyp="http://schemas.microsoft.com/office/drawing/2018/hyperlinkcolor" xmlns="" val="tx"/>
+                      <ahyp:hlinkClr xmlns="" xmlns:ahyp="http://schemas.microsoft.com/office/drawing/2018/hyperlinkcolor" val="tx"/>
                     </a:ext>
                   </a:extLst>
                 </a:hlinkClick>
@@ -19764,7 +19336,7 @@
                 <a16:creationId xmlns:a16="http://schemas.microsoft.com/office/drawing/2014/main" id="{4281BC32-FF58-4898-A6B5-7B3D059BCEB0}"/>
               </a:ext>
               <a:ext uri="{C183D7F6-B498-43B3-948B-1728B52AA6E4}">
-                <adec:decorative xmlns:adec="http://schemas.microsoft.com/office/drawing/2017/decorative" xmlns="" val="1"/>
+                <adec:decorative xmlns="" xmlns:adec="http://schemas.microsoft.com/office/drawing/2017/decorative" val="1"/>
               </a:ext>
             </a:extLst>
           </p:cNvPr>
@@ -19824,7 +19396,7 @@
                 <a16:creationId xmlns:a16="http://schemas.microsoft.com/office/drawing/2014/main" id="{0D614406-135F-4875-9C87-53822CB19ABB}"/>
               </a:ext>
               <a:ext uri="{C183D7F6-B498-43B3-948B-1728B52AA6E4}">
-                <adec:decorative xmlns:adec="http://schemas.microsoft.com/office/drawing/2017/decorative" xmlns="" val="1"/>
+                <adec:decorative xmlns="" xmlns:adec="http://schemas.microsoft.com/office/drawing/2017/decorative" val="1"/>
               </a:ext>
             </a:extLst>
           </p:cNvPr>
@@ -19921,7 +19493,7 @@
                 <a16:creationId xmlns:a16="http://schemas.microsoft.com/office/drawing/2014/main" id="{C6C21149-7D17-44C2-AFB6-4D931DC55FB1}"/>
               </a:ext>
               <a:ext uri="{C183D7F6-B498-43B3-948B-1728B52AA6E4}">
-                <adec:decorative xmlns:adec="http://schemas.microsoft.com/office/drawing/2017/decorative" xmlns="" val="1"/>
+                <adec:decorative xmlns="" xmlns:adec="http://schemas.microsoft.com/office/drawing/2017/decorative" val="1"/>
               </a:ext>
             </a:extLst>
           </p:cNvPr>
@@ -19973,7 +19545,7 @@
                 <a16:creationId xmlns:a16="http://schemas.microsoft.com/office/drawing/2014/main" id="{C2E5FCF0-567A-448C-A6E3-920BFC702C2F}"/>
               </a:ext>
               <a:ext uri="{C183D7F6-B498-43B3-948B-1728B52AA6E4}">
-                <adec:decorative xmlns:adec="http://schemas.microsoft.com/office/drawing/2017/decorative" xmlns="" val="1"/>
+                <adec:decorative xmlns="" xmlns:adec="http://schemas.microsoft.com/office/drawing/2017/decorative" val="1"/>
               </a:ext>
             </a:extLst>
           </p:cNvPr>
@@ -20468,7 +20040,7 @@
                 <a16:creationId xmlns:a16="http://schemas.microsoft.com/office/drawing/2014/main" id="{4281BC32-FF58-4898-A6B5-7B3D059BCEB0}"/>
               </a:ext>
               <a:ext uri="{C183D7F6-B498-43B3-948B-1728B52AA6E4}">
-                <adec:decorative xmlns:adec="http://schemas.microsoft.com/office/drawing/2017/decorative" xmlns="" val="1"/>
+                <adec:decorative xmlns="" xmlns:adec="http://schemas.microsoft.com/office/drawing/2017/decorative" val="1"/>
               </a:ext>
             </a:extLst>
           </p:cNvPr>
@@ -20528,7 +20100,7 @@
                 <a16:creationId xmlns:a16="http://schemas.microsoft.com/office/drawing/2014/main" id="{0D614406-135F-4875-9C87-53822CB19ABB}"/>
               </a:ext>
               <a:ext uri="{C183D7F6-B498-43B3-948B-1728B52AA6E4}">
-                <adec:decorative xmlns:adec="http://schemas.microsoft.com/office/drawing/2017/decorative" xmlns="" val="1"/>
+                <adec:decorative xmlns="" xmlns:adec="http://schemas.microsoft.com/office/drawing/2017/decorative" val="1"/>
               </a:ext>
             </a:extLst>
           </p:cNvPr>
@@ -20625,7 +20197,7 @@
                 <a16:creationId xmlns:a16="http://schemas.microsoft.com/office/drawing/2014/main" id="{C6C21149-7D17-44C2-AFB6-4D931DC55FB1}"/>
               </a:ext>
               <a:ext uri="{C183D7F6-B498-43B3-948B-1728B52AA6E4}">
-                <adec:decorative xmlns:adec="http://schemas.microsoft.com/office/drawing/2017/decorative" xmlns="" val="1"/>
+                <adec:decorative xmlns="" xmlns:adec="http://schemas.microsoft.com/office/drawing/2017/decorative" val="1"/>
               </a:ext>
             </a:extLst>
           </p:cNvPr>
@@ -20677,7 +20249,7 @@
                 <a16:creationId xmlns:a16="http://schemas.microsoft.com/office/drawing/2014/main" id="{C2E5FCF0-567A-448C-A6E3-920BFC702C2F}"/>
               </a:ext>
               <a:ext uri="{C183D7F6-B498-43B3-948B-1728B52AA6E4}">
-                <adec:decorative xmlns:adec="http://schemas.microsoft.com/office/drawing/2017/decorative" xmlns="" val="1"/>
+                <adec:decorative xmlns="" xmlns:adec="http://schemas.microsoft.com/office/drawing/2017/decorative" val="1"/>
               </a:ext>
             </a:extLst>
           </p:cNvPr>
@@ -21032,10 +20604,10 @@
       </p:pic>
       <p:pic>
         <p:nvPicPr>
-          <p:cNvPr id="14" name="Content Placeholder 23">
+          <p:cNvPr id="17" name="Content Placeholder 21">
             <a:extLst>
               <a:ext uri="{FF2B5EF4-FFF2-40B4-BE49-F238E27FC236}">
-                <a16:creationId xmlns:a16="http://schemas.microsoft.com/office/drawing/2014/main" id="{EAD3725D-F85F-374D-BA62-AA7D1B46BA1D}"/>
+                <a16:creationId xmlns:a16="http://schemas.microsoft.com/office/drawing/2014/main" id="{57691523-192A-574B-8D92-584D509DEF9D}"/>
               </a:ext>
             </a:extLst>
           </p:cNvPr>
@@ -21054,17 +20626,17 @@
         </p:blipFill>
         <p:spPr>
           <a:xfrm>
-            <a:off x="76200" y="2458941"/>
-            <a:ext cx="6004613" cy="4128172"/>
+            <a:off x="72360" y="2475916"/>
+            <a:ext cx="6023639" cy="4141251"/>
           </a:xfrm>
         </p:spPr>
       </p:pic>
       <p:sp>
         <p:nvSpPr>
-          <p:cNvPr id="16" name="TextBox 15">
+          <p:cNvPr id="18" name="TextBox 17">
             <a:extLst>
               <a:ext uri="{FF2B5EF4-FFF2-40B4-BE49-F238E27FC236}">
-                <a16:creationId xmlns:a16="http://schemas.microsoft.com/office/drawing/2014/main" id="{CC8F844C-2108-1D43-9E52-A58C6AFA1CE7}"/>
+                <a16:creationId xmlns:a16="http://schemas.microsoft.com/office/drawing/2014/main" id="{9113150B-B682-D647-8A1B-FAE7774B6258}"/>
               </a:ext>
             </a:extLst>
           </p:cNvPr>
@@ -21073,8 +20645,8 @@
         </p:nvSpPr>
         <p:spPr>
           <a:xfrm>
-            <a:off x="6196805" y="2906413"/>
-            <a:ext cx="5791200" cy="2585323"/>
+            <a:off x="6296025" y="2679362"/>
+            <a:ext cx="5234545" cy="2031325"/>
           </a:xfrm>
           <a:prstGeom prst="rect">
             <a:avLst/>
@@ -21089,13 +20661,64 @@
           <a:p>
             <a:r>
               <a:rPr lang="en-US" dirty="0"/>
-              <a:t>In the date range A, MCO airport has handled  less than 8.5 % of the Delta flights comparing with the numbers of Delta flights in ATL airport. Even that MCO airport shows a higher proportional number of delayed departure flights. </a:t>
+              <a:t>In the last week of  the shutdown  the number of  </a:t>
             </a:r>
           </a:p>
           <a:p>
             <a:r>
               <a:rPr lang="en-US" dirty="0"/>
-              <a:t>In the shutdown period (range B) this difference has increased, showing that even operating a much higher number of flights, Atlanta airport has had a smaller impact with the shutdown than Orlando airport, when it comes to flight departures delays. </a:t>
+              <a:t>delayed departure flights has increased, representing over half of total delays for full shutdown period. (MCO full period 79,  52 in the last week – ATL full period 895, 574 in the last week) The increase might be related with TSA sickouts reaching 10% on Jan 20, 2019. </a:t>
+            </a:r>
+          </a:p>
+        </p:txBody>
+      </p:sp>
+      <p:sp>
+        <p:nvSpPr>
+          <p:cNvPr id="19" name="TextBox 18">
+            <a:extLst>
+              <a:ext uri="{FF2B5EF4-FFF2-40B4-BE49-F238E27FC236}">
+                <a16:creationId xmlns:a16="http://schemas.microsoft.com/office/drawing/2014/main" id="{94F3E56B-50E5-7D48-BF38-2A34CBC4FA48}"/>
+              </a:ext>
+            </a:extLst>
+          </p:cNvPr>
+          <p:cNvSpPr txBox="1"/>
+          <p:nvPr/>
+        </p:nvSpPr>
+        <p:spPr>
+          <a:xfrm>
+            <a:off x="6296025" y="5583962"/>
+            <a:ext cx="5616574" cy="923330"/>
+          </a:xfrm>
+          <a:prstGeom prst="rect">
+            <a:avLst/>
+          </a:prstGeom>
+          <a:noFill/>
+        </p:spPr>
+        <p:txBody>
+          <a:bodyPr wrap="square" rtlCol="0">
+            <a:spAutoFit/>
+          </a:bodyPr>
+          <a:lstStyle/>
+          <a:p>
+            <a:r>
+              <a:rPr lang="en-US" dirty="0"/>
+              <a:t>https://</a:t>
+            </a:r>
+            <a:r>
+              <a:rPr lang="en-US" dirty="0" err="1"/>
+              <a:t>www.forbes.com</a:t>
+            </a:r>
+            <a:r>
+              <a:rPr lang="en-US" dirty="0"/>
+              <a:t>/sites/</a:t>
+            </a:r>
+            <a:r>
+              <a:rPr lang="en-US" dirty="0" err="1"/>
+              <a:t>michaelgoldstein</a:t>
+            </a:r>
+            <a:r>
+              <a:rPr lang="en-US" dirty="0"/>
+              <a:t>/2019/01/22/us-airlines-take-stock-market-hit-as-government-shutdown-reaches-32-days/#68ff706a79de</a:t>
             </a:r>
           </a:p>
         </p:txBody>
@@ -21103,7 +20726,7 @@
     </p:spTree>
     <p:extLst>
       <p:ext uri="{BB962C8B-B14F-4D97-AF65-F5344CB8AC3E}">
-        <p14:creationId xmlns:p14="http://schemas.microsoft.com/office/powerpoint/2010/main" val="1974465084"/>
+        <p14:creationId xmlns:p14="http://schemas.microsoft.com/office/powerpoint/2010/main" val="228129790"/>
       </p:ext>
     </p:extLst>
   </p:cSld>
@@ -21146,7 +20769,7 @@
                 <a16:creationId xmlns:a16="http://schemas.microsoft.com/office/drawing/2014/main" id="{718B0F80-1C8E-49FA-9B66-C9285753E25F}"/>
               </a:ext>
               <a:ext uri="{C183D7F6-B498-43B3-948B-1728B52AA6E4}">
-                <adec:decorative xmlns:adec="http://schemas.microsoft.com/office/drawing/2017/decorative" xmlns="" val="1"/>
+                <adec:decorative xmlns="" xmlns:adec="http://schemas.microsoft.com/office/drawing/2017/decorative" val="1"/>
               </a:ext>
             </a:extLst>
           </p:cNvPr>
@@ -21339,7 +20962,7 @@
                 <a16:creationId xmlns:a16="http://schemas.microsoft.com/office/drawing/2014/main" id="{CEF2B853-4083-4B70-AC2A-F79D80809342}"/>
               </a:ext>
               <a:ext uri="{C183D7F6-B498-43B3-948B-1728B52AA6E4}">
-                <adec:decorative xmlns:adec="http://schemas.microsoft.com/office/drawing/2017/decorative" xmlns="" val="1"/>
+                <adec:decorative xmlns="" xmlns:adec="http://schemas.microsoft.com/office/drawing/2017/decorative" val="1"/>
               </a:ext>
             </a:extLst>
           </p:cNvPr>
@@ -21638,7 +21261,7 @@
                 <a16:creationId xmlns:a16="http://schemas.microsoft.com/office/drawing/2014/main" id="{D434EAAF-BF44-4CCC-84D4-105F3370AFFC}"/>
               </a:ext>
               <a:ext uri="{C183D7F6-B498-43B3-948B-1728B52AA6E4}">
-                <adec:decorative xmlns:adec="http://schemas.microsoft.com/office/drawing/2017/decorative" xmlns="" val="1"/>
+                <adec:decorative xmlns="" xmlns:adec="http://schemas.microsoft.com/office/drawing/2017/decorative" val="1"/>
               </a:ext>
             </a:extLst>
           </p:cNvPr>
@@ -21804,7 +21427,7 @@
                 <a16:creationId xmlns:a16="http://schemas.microsoft.com/office/drawing/2014/main" id="{4281BC32-FF58-4898-A6B5-7B3D059BCEB0}"/>
               </a:ext>
               <a:ext uri="{C183D7F6-B498-43B3-948B-1728B52AA6E4}">
-                <adec:decorative xmlns:adec="http://schemas.microsoft.com/office/drawing/2017/decorative" xmlns="" val="1"/>
+                <adec:decorative xmlns="" xmlns:adec="http://schemas.microsoft.com/office/drawing/2017/decorative" val="1"/>
               </a:ext>
             </a:extLst>
           </p:cNvPr>
@@ -21864,7 +21487,7 @@
                 <a16:creationId xmlns:a16="http://schemas.microsoft.com/office/drawing/2014/main" id="{0D614406-135F-4875-9C87-53822CB19ABB}"/>
               </a:ext>
               <a:ext uri="{C183D7F6-B498-43B3-948B-1728B52AA6E4}">
-                <adec:decorative xmlns:adec="http://schemas.microsoft.com/office/drawing/2017/decorative" xmlns="" val="1"/>
+                <adec:decorative xmlns="" xmlns:adec="http://schemas.microsoft.com/office/drawing/2017/decorative" val="1"/>
               </a:ext>
             </a:extLst>
           </p:cNvPr>
@@ -21961,7 +21584,7 @@
                 <a16:creationId xmlns:a16="http://schemas.microsoft.com/office/drawing/2014/main" id="{C6C21149-7D17-44C2-AFB6-4D931DC55FB1}"/>
               </a:ext>
               <a:ext uri="{C183D7F6-B498-43B3-948B-1728B52AA6E4}">
-                <adec:decorative xmlns:adec="http://schemas.microsoft.com/office/drawing/2017/decorative" xmlns="" val="1"/>
+                <adec:decorative xmlns="" xmlns:adec="http://schemas.microsoft.com/office/drawing/2017/decorative" val="1"/>
               </a:ext>
             </a:extLst>
           </p:cNvPr>
@@ -22013,762 +21636,7 @@
                 <a16:creationId xmlns:a16="http://schemas.microsoft.com/office/drawing/2014/main" id="{C2E5FCF0-567A-448C-A6E3-920BFC702C2F}"/>
               </a:ext>
               <a:ext uri="{C183D7F6-B498-43B3-948B-1728B52AA6E4}">
-                <adec:decorative xmlns:adec="http://schemas.microsoft.com/office/drawing/2017/decorative" xmlns="" val="1"/>
-              </a:ext>
-            </a:extLst>
-          </p:cNvPr>
-          <p:cNvSpPr>
-            <a:spLocks noGrp="1" noRot="1" noChangeAspect="1" noMove="1" noResize="1" noEditPoints="1" noAdjustHandles="1" noChangeArrowheads="1" noChangeShapeType="1" noTextEdit="1"/>
-          </p:cNvSpPr>
-          <p:nvPr>
-            <p:extLst>
-              <p:ext uri="{386F3935-93C4-4BCD-93E2-E3B085C9AB24}">
-                <p16:designElem xmlns:p16="http://schemas.microsoft.com/office/powerpoint/2015/main" val="1"/>
-              </p:ext>
-            </p:extLst>
-          </p:nvPr>
-        </p:nvSpPr>
-        <p:spPr bwMode="auto">
-          <a:xfrm>
-            <a:off x="11784011" y="938535"/>
-            <a:ext cx="407988" cy="819150"/>
-          </a:xfrm>
-          <a:custGeom>
-            <a:avLst/>
-            <a:gdLst/>
-            <a:ahLst/>
-            <a:cxnLst/>
-            <a:rect l="0" t="0" r="r" b="b"/>
-            <a:pathLst>
-              <a:path w="1799" h="3612">
-                <a:moveTo>
-                  <a:pt x="1799" y="0"/>
-                </a:moveTo>
-                <a:lnTo>
-                  <a:pt x="1799" y="3612"/>
-                </a:lnTo>
-                <a:lnTo>
-                  <a:pt x="1686" y="3609"/>
-                </a:lnTo>
-                <a:lnTo>
-                  <a:pt x="1574" y="3598"/>
-                </a:lnTo>
-                <a:lnTo>
-                  <a:pt x="1464" y="3581"/>
-                </a:lnTo>
-                <a:lnTo>
-                  <a:pt x="1357" y="3557"/>
-                </a:lnTo>
-                <a:lnTo>
-                  <a:pt x="1251" y="3527"/>
-                </a:lnTo>
-                <a:lnTo>
-                  <a:pt x="1150" y="3490"/>
-                </a:lnTo>
-                <a:lnTo>
-                  <a:pt x="1050" y="3448"/>
-                </a:lnTo>
-                <a:lnTo>
-                  <a:pt x="953" y="3401"/>
-                </a:lnTo>
-                <a:lnTo>
-                  <a:pt x="860" y="3347"/>
-                </a:lnTo>
-                <a:lnTo>
-                  <a:pt x="771" y="3289"/>
-                </a:lnTo>
-                <a:lnTo>
-                  <a:pt x="686" y="3224"/>
-                </a:lnTo>
-                <a:lnTo>
-                  <a:pt x="604" y="3156"/>
-                </a:lnTo>
-                <a:lnTo>
-                  <a:pt x="527" y="3083"/>
-                </a:lnTo>
-                <a:lnTo>
-                  <a:pt x="454" y="3005"/>
-                </a:lnTo>
-                <a:lnTo>
-                  <a:pt x="386" y="2923"/>
-                </a:lnTo>
-                <a:lnTo>
-                  <a:pt x="323" y="2838"/>
-                </a:lnTo>
-                <a:lnTo>
-                  <a:pt x="265" y="2748"/>
-                </a:lnTo>
-                <a:lnTo>
-                  <a:pt x="211" y="2655"/>
-                </a:lnTo>
-                <a:lnTo>
-                  <a:pt x="163" y="2559"/>
-                </a:lnTo>
-                <a:lnTo>
-                  <a:pt x="121" y="2459"/>
-                </a:lnTo>
-                <a:lnTo>
-                  <a:pt x="85" y="2356"/>
-                </a:lnTo>
-                <a:lnTo>
-                  <a:pt x="55" y="2251"/>
-                </a:lnTo>
-                <a:lnTo>
-                  <a:pt x="32" y="2143"/>
-                </a:lnTo>
-                <a:lnTo>
-                  <a:pt x="14" y="2033"/>
-                </a:lnTo>
-                <a:lnTo>
-                  <a:pt x="4" y="1920"/>
-                </a:lnTo>
-                <a:lnTo>
-                  <a:pt x="0" y="1806"/>
-                </a:lnTo>
-                <a:lnTo>
-                  <a:pt x="4" y="1692"/>
-                </a:lnTo>
-                <a:lnTo>
-                  <a:pt x="14" y="1580"/>
-                </a:lnTo>
-                <a:lnTo>
-                  <a:pt x="32" y="1469"/>
-                </a:lnTo>
-                <a:lnTo>
-                  <a:pt x="55" y="1362"/>
-                </a:lnTo>
-                <a:lnTo>
-                  <a:pt x="85" y="1256"/>
-                </a:lnTo>
-                <a:lnTo>
-                  <a:pt x="121" y="1154"/>
-                </a:lnTo>
-                <a:lnTo>
-                  <a:pt x="163" y="1054"/>
-                </a:lnTo>
-                <a:lnTo>
-                  <a:pt x="211" y="958"/>
-                </a:lnTo>
-                <a:lnTo>
-                  <a:pt x="265" y="864"/>
-                </a:lnTo>
-                <a:lnTo>
-                  <a:pt x="323" y="774"/>
-                </a:lnTo>
-                <a:lnTo>
-                  <a:pt x="386" y="689"/>
-                </a:lnTo>
-                <a:lnTo>
-                  <a:pt x="454" y="607"/>
-                </a:lnTo>
-                <a:lnTo>
-                  <a:pt x="527" y="529"/>
-                </a:lnTo>
-                <a:lnTo>
-                  <a:pt x="604" y="456"/>
-                </a:lnTo>
-                <a:lnTo>
-                  <a:pt x="686" y="388"/>
-                </a:lnTo>
-                <a:lnTo>
-                  <a:pt x="771" y="325"/>
-                </a:lnTo>
-                <a:lnTo>
-                  <a:pt x="860" y="266"/>
-                </a:lnTo>
-                <a:lnTo>
-                  <a:pt x="953" y="212"/>
-                </a:lnTo>
-                <a:lnTo>
-                  <a:pt x="1050" y="164"/>
-                </a:lnTo>
-                <a:lnTo>
-                  <a:pt x="1150" y="122"/>
-                </a:lnTo>
-                <a:lnTo>
-                  <a:pt x="1251" y="85"/>
-                </a:lnTo>
-                <a:lnTo>
-                  <a:pt x="1357" y="55"/>
-                </a:lnTo>
-                <a:lnTo>
-                  <a:pt x="1464" y="32"/>
-                </a:lnTo>
-                <a:lnTo>
-                  <a:pt x="1574" y="14"/>
-                </a:lnTo>
-                <a:lnTo>
-                  <a:pt x="1686" y="5"/>
-                </a:lnTo>
-                <a:lnTo>
-                  <a:pt x="1799" y="0"/>
-                </a:lnTo>
-                <a:close/>
-              </a:path>
-            </a:pathLst>
-          </a:custGeom>
-          <a:solidFill>
-            <a:schemeClr val="bg2"/>
-          </a:solidFill>
-          <a:ln w="0">
-            <a:noFill/>
-            <a:prstDash val="solid"/>
-            <a:round/>
-            <a:headEnd/>
-            <a:tailEnd/>
-          </a:ln>
-        </p:spPr>
-      </p:sp>
-      <p:pic>
-        <p:nvPicPr>
-          <p:cNvPr id="8" name="Picture 2" descr="Image result for Delta boarding pass MCO">
-            <a:extLst>
-              <a:ext uri="{FF2B5EF4-FFF2-40B4-BE49-F238E27FC236}">
-                <a16:creationId xmlns:a16="http://schemas.microsoft.com/office/drawing/2014/main" id="{496395E0-D773-4FEB-8E63-F152EEB21774}"/>
-              </a:ext>
-            </a:extLst>
-          </p:cNvPr>
-          <p:cNvPicPr>
-            <a:picLocks noChangeAspect="1" noChangeArrowheads="1"/>
-          </p:cNvPicPr>
-          <p:nvPr/>
-        </p:nvPicPr>
-        <p:blipFill>
-          <a:blip r:embed="rId2">
-            <a:extLst>
-              <a:ext uri="{28A0092B-C50C-407E-A947-70E740481C1C}">
-                <a14:useLocalDpi xmlns:a14="http://schemas.microsoft.com/office/drawing/2010/main" val="0"/>
-              </a:ext>
-            </a:extLst>
-          </a:blip>
-          <a:srcRect/>
-          <a:stretch>
-            <a:fillRect/>
-          </a:stretch>
-        </p:blipFill>
-        <p:spPr bwMode="auto">
-          <a:xfrm rot="20406036">
-            <a:off x="8607841" y="430614"/>
-            <a:ext cx="2766591" cy="1402778"/>
-          </a:xfrm>
-          <a:prstGeom prst="rect">
-            <a:avLst/>
-          </a:prstGeom>
-          <a:noFill/>
-          <a:extLst>
-            <a:ext uri="{909E8E84-426E-40DD-AFC4-6F175D3DCCD1}">
-              <a14:hiddenFill xmlns:a14="http://schemas.microsoft.com/office/drawing/2010/main">
-                <a:solidFill>
-                  <a:srgbClr val="FFFFFF"/>
-                </a:solidFill>
-              </a14:hiddenFill>
-            </a:ext>
-          </a:extLst>
-        </p:spPr>
-      </p:pic>
-      <p:sp>
-        <p:nvSpPr>
-          <p:cNvPr id="10" name="Title 1"/>
-          <p:cNvSpPr txBox="1">
-            <a:spLocks/>
-          </p:cNvSpPr>
-          <p:nvPr/>
-        </p:nvSpPr>
-        <p:spPr>
-          <a:xfrm>
-            <a:off x="4064936" y="1022911"/>
-            <a:ext cx="7169753" cy="1232750"/>
-          </a:xfrm>
-          <a:prstGeom prst="rect">
-            <a:avLst/>
-          </a:prstGeom>
-        </p:spPr>
-        <p:txBody>
-          <a:bodyPr vert="horz" lIns="91440" tIns="45720" rIns="91440" bIns="45720" rtlCol="0" anchor="b">
-            <a:normAutofit/>
-          </a:bodyPr>
-          <a:lstStyle>
-            <a:lvl1pPr algn="r" defTabSz="914400" rtl="0" eaLnBrk="1" latinLnBrk="0" hangingPunct="1">
-              <a:lnSpc>
-                <a:spcPct val="90000"/>
-              </a:lnSpc>
-              <a:spcBef>
-                <a:spcPct val="0"/>
-              </a:spcBef>
-              <a:buNone/>
-              <a:defRPr sz="5000" b="0" i="1" kern="1200" baseline="0">
-                <a:solidFill>
-                  <a:schemeClr val="tx1">
-                    <a:lumMod val="85000"/>
-                    <a:lumOff val="15000"/>
-                  </a:schemeClr>
-                </a:solidFill>
-                <a:latin typeface="+mj-lt"/>
-                <a:ea typeface="+mj-ea"/>
-                <a:cs typeface="+mj-cs"/>
-              </a:defRPr>
-            </a:lvl1pPr>
-          </a:lstStyle>
-          <a:p>
-            <a:pPr algn="l"/>
-            <a:endParaRPr lang="en-US" sz="3900" dirty="0">
-              <a:solidFill>
-                <a:schemeClr val="bg1"/>
-              </a:solidFill>
-            </a:endParaRPr>
-          </a:p>
-        </p:txBody>
-      </p:sp>
-      <p:pic>
-        <p:nvPicPr>
-          <p:cNvPr id="12" name="Picture 2" descr="Image result for Delta boarding pass MCO">
-            <a:extLst>
-              <a:ext uri="{FF2B5EF4-FFF2-40B4-BE49-F238E27FC236}">
-                <a16:creationId xmlns:a16="http://schemas.microsoft.com/office/drawing/2014/main" id="{496395E0-D773-4FEB-8E63-F152EEB21774}"/>
-              </a:ext>
-            </a:extLst>
-          </p:cNvPr>
-          <p:cNvPicPr>
-            <a:picLocks noChangeAspect="1" noChangeArrowheads="1"/>
-          </p:cNvPicPr>
-          <p:nvPr/>
-        </p:nvPicPr>
-        <p:blipFill>
-          <a:blip r:embed="rId2">
-            <a:extLst>
-              <a:ext uri="{28A0092B-C50C-407E-A947-70E740481C1C}">
-                <a14:useLocalDpi xmlns:a14="http://schemas.microsoft.com/office/drawing/2010/main" val="0"/>
-              </a:ext>
-            </a:extLst>
-          </a:blip>
-          <a:srcRect/>
-          <a:stretch>
-            <a:fillRect/>
-          </a:stretch>
-        </p:blipFill>
-        <p:spPr bwMode="auto">
-          <a:xfrm rot="20406036">
-            <a:off x="8607841" y="430614"/>
-            <a:ext cx="2766591" cy="1402778"/>
-          </a:xfrm>
-          <a:prstGeom prst="rect">
-            <a:avLst/>
-          </a:prstGeom>
-          <a:noFill/>
-          <a:extLst>
-            <a:ext uri="{909E8E84-426E-40DD-AFC4-6F175D3DCCD1}">
-              <a14:hiddenFill xmlns:a14="http://schemas.microsoft.com/office/drawing/2010/main">
-                <a:solidFill>
-                  <a:srgbClr val="FFFFFF"/>
-                </a:solidFill>
-              </a14:hiddenFill>
-            </a:ext>
-          </a:extLst>
-        </p:spPr>
-      </p:pic>
-      <p:pic>
-        <p:nvPicPr>
-          <p:cNvPr id="17" name="Content Placeholder 21">
-            <a:extLst>
-              <a:ext uri="{FF2B5EF4-FFF2-40B4-BE49-F238E27FC236}">
-                <a16:creationId xmlns:a16="http://schemas.microsoft.com/office/drawing/2014/main" id="{57691523-192A-574B-8D92-584D509DEF9D}"/>
-              </a:ext>
-            </a:extLst>
-          </p:cNvPr>
-          <p:cNvPicPr>
-            <a:picLocks noGrp="1" noChangeAspect="1"/>
-          </p:cNvPicPr>
-          <p:nvPr>
-            <p:ph idx="1"/>
-          </p:nvPr>
-        </p:nvPicPr>
-        <p:blipFill>
-          <a:blip r:embed="rId3"/>
-          <a:stretch>
-            <a:fillRect/>
-          </a:stretch>
-        </p:blipFill>
-        <p:spPr>
-          <a:xfrm>
-            <a:off x="72360" y="2475916"/>
-            <a:ext cx="6023639" cy="4141251"/>
-          </a:xfrm>
-        </p:spPr>
-      </p:pic>
-      <p:sp>
-        <p:nvSpPr>
-          <p:cNvPr id="18" name="TextBox 17">
-            <a:extLst>
-              <a:ext uri="{FF2B5EF4-FFF2-40B4-BE49-F238E27FC236}">
-                <a16:creationId xmlns:a16="http://schemas.microsoft.com/office/drawing/2014/main" id="{9113150B-B682-D647-8A1B-FAE7774B6258}"/>
-              </a:ext>
-            </a:extLst>
-          </p:cNvPr>
-          <p:cNvSpPr txBox="1"/>
-          <p:nvPr/>
-        </p:nvSpPr>
-        <p:spPr>
-          <a:xfrm>
-            <a:off x="6296025" y="2679362"/>
-            <a:ext cx="5234545" cy="2031325"/>
-          </a:xfrm>
-          <a:prstGeom prst="rect">
-            <a:avLst/>
-          </a:prstGeom>
-          <a:noFill/>
-        </p:spPr>
-        <p:txBody>
-          <a:bodyPr wrap="square" rtlCol="0">
-            <a:spAutoFit/>
-          </a:bodyPr>
-          <a:lstStyle/>
-          <a:p>
-            <a:r>
-              <a:rPr lang="en-US" dirty="0"/>
-              <a:t>In the last week of  the shutdown  the number of  </a:t>
-            </a:r>
-          </a:p>
-          <a:p>
-            <a:r>
-              <a:rPr lang="en-US" dirty="0"/>
-              <a:t>delayed departure flights has increased, representing over half of total delays for full shutdown period. (MCO full period 79,  52 in the last week – ATL full period 895, 574 in the last week) The increase might be related with TSA sickouts reaching 10% on Jan 20, 2019. </a:t>
-            </a:r>
-          </a:p>
-        </p:txBody>
-      </p:sp>
-      <p:sp>
-        <p:nvSpPr>
-          <p:cNvPr id="19" name="TextBox 18">
-            <a:extLst>
-              <a:ext uri="{FF2B5EF4-FFF2-40B4-BE49-F238E27FC236}">
-                <a16:creationId xmlns:a16="http://schemas.microsoft.com/office/drawing/2014/main" id="{94F3E56B-50E5-7D48-BF38-2A34CBC4FA48}"/>
-              </a:ext>
-            </a:extLst>
-          </p:cNvPr>
-          <p:cNvSpPr txBox="1"/>
-          <p:nvPr/>
-        </p:nvSpPr>
-        <p:spPr>
-          <a:xfrm>
-            <a:off x="6296025" y="5583962"/>
-            <a:ext cx="5616574" cy="923330"/>
-          </a:xfrm>
-          <a:prstGeom prst="rect">
-            <a:avLst/>
-          </a:prstGeom>
-          <a:noFill/>
-        </p:spPr>
-        <p:txBody>
-          <a:bodyPr wrap="square" rtlCol="0">
-            <a:spAutoFit/>
-          </a:bodyPr>
-          <a:lstStyle/>
-          <a:p>
-            <a:r>
-              <a:rPr lang="en-US" dirty="0"/>
-              <a:t>https://</a:t>
-            </a:r>
-            <a:r>
-              <a:rPr lang="en-US" dirty="0" err="1"/>
-              <a:t>www.forbes.com</a:t>
-            </a:r>
-            <a:r>
-              <a:rPr lang="en-US" dirty="0"/>
-              <a:t>/sites/</a:t>
-            </a:r>
-            <a:r>
-              <a:rPr lang="en-US" dirty="0" err="1"/>
-              <a:t>michaelgoldstein</a:t>
-            </a:r>
-            <a:r>
-              <a:rPr lang="en-US" dirty="0"/>
-              <a:t>/2019/01/22/us-airlines-take-stock-market-hit-as-government-shutdown-reaches-32-days/#68ff706a79de</a:t>
-            </a:r>
-          </a:p>
-        </p:txBody>
-      </p:sp>
-    </p:spTree>
-    <p:extLst>
-      <p:ext uri="{BB962C8B-B14F-4D97-AF65-F5344CB8AC3E}">
-        <p14:creationId xmlns:p14="http://schemas.microsoft.com/office/powerpoint/2010/main" val="228129790"/>
-      </p:ext>
-    </p:extLst>
-  </p:cSld>
-  <p:clrMapOvr>
-    <a:masterClrMapping/>
-  </p:clrMapOvr>
-</p:sld>
-</file>
-
-<file path=ppt/slides/slide21.xml><?xml version="1.0" encoding="utf-8"?>
-<p:sld xmlns:a="http://schemas.openxmlformats.org/drawingml/2006/main" xmlns:r="http://schemas.openxmlformats.org/officeDocument/2006/relationships" xmlns:p="http://schemas.openxmlformats.org/presentationml/2006/main">
-  <p:cSld>
-    <p:bg>
-      <p:bgPr>
-        <a:gradFill>
-          <a:gsLst>
-            <a:gs pos="0">
-              <a:schemeClr val="accent1">
-                <a:lumMod val="5000"/>
-                <a:lumOff val="95000"/>
-              </a:schemeClr>
-            </a:gs>
-            <a:gs pos="81000">
-              <a:schemeClr val="accent1">
-                <a:lumMod val="45000"/>
-                <a:lumOff val="55000"/>
-              </a:schemeClr>
-            </a:gs>
-            <a:gs pos="83000">
-              <a:schemeClr val="accent1">
-                <a:lumMod val="45000"/>
-                <a:lumOff val="55000"/>
-              </a:schemeClr>
-            </a:gs>
-            <a:gs pos="100000">
-              <a:schemeClr val="accent1">
-                <a:lumMod val="30000"/>
-                <a:lumOff val="70000"/>
-              </a:schemeClr>
-            </a:gs>
-          </a:gsLst>
-          <a:lin ang="5400000" scaled="1"/>
-        </a:gradFill>
-        <a:effectLst/>
-      </p:bgPr>
-    </p:bg>
-    <p:spTree>
-      <p:nvGrpSpPr>
-        <p:cNvPr id="1" name=""/>
-        <p:cNvGrpSpPr/>
-        <p:nvPr/>
-      </p:nvGrpSpPr>
-      <p:grpSpPr>
-        <a:xfrm>
-          <a:off x="0" y="0"/>
-          <a:ext cx="0" cy="0"/>
-          <a:chOff x="0" y="0"/>
-          <a:chExt cx="0" cy="0"/>
-        </a:xfrm>
-      </p:grpSpPr>
-      <p:sp useBgFill="1">
-        <p:nvSpPr>
-          <p:cNvPr id="9" name="Rectangle 8">
-            <a:extLst>
-              <a:ext uri="{FF2B5EF4-FFF2-40B4-BE49-F238E27FC236}">
-                <a16:creationId xmlns:a16="http://schemas.microsoft.com/office/drawing/2014/main" id="{4281BC32-FF58-4898-A6B5-7B3D059BCEB0}"/>
-              </a:ext>
-              <a:ext uri="{C183D7F6-B498-43B3-948B-1728B52AA6E4}">
-                <adec:decorative xmlns:adec="http://schemas.microsoft.com/office/drawing/2017/decorative" xmlns="" val="1"/>
-              </a:ext>
-            </a:extLst>
-          </p:cNvPr>
-          <p:cNvSpPr>
-            <a:spLocks noGrp="1" noRot="1" noChangeAspect="1" noMove="1" noResize="1" noEditPoints="1" noAdjustHandles="1" noChangeArrowheads="1" noChangeShapeType="1" noTextEdit="1"/>
-          </p:cNvSpPr>
-          <p:nvPr>
-            <p:extLst>
-              <p:ext uri="{386F3935-93C4-4BCD-93E2-E3B085C9AB24}">
-                <p16:designElem xmlns:p16="http://schemas.microsoft.com/office/powerpoint/2015/main" val="1"/>
-              </p:ext>
-            </p:extLst>
-          </p:nvPr>
-        </p:nvSpPr>
-        <p:spPr>
-          <a:xfrm>
-            <a:off x="0" y="0"/>
-            <a:ext cx="12192000" cy="6858000"/>
-          </a:xfrm>
-          <a:prstGeom prst="rect">
-            <a:avLst/>
-          </a:prstGeom>
-          <a:ln>
-            <a:noFill/>
-          </a:ln>
-        </p:spPr>
-        <p:style>
-          <a:lnRef idx="2">
-            <a:schemeClr val="accent1">
-              <a:shade val="50000"/>
-            </a:schemeClr>
-          </a:lnRef>
-          <a:fillRef idx="1">
-            <a:schemeClr val="accent1"/>
-          </a:fillRef>
-          <a:effectRef idx="0">
-            <a:schemeClr val="accent1"/>
-          </a:effectRef>
-          <a:fontRef idx="minor">
-            <a:schemeClr val="lt1"/>
-          </a:fontRef>
-        </p:style>
-        <p:txBody>
-          <a:bodyPr rtlCol="0" anchor="ctr"/>
-          <a:lstStyle/>
-          <a:p>
-            <a:pPr algn="ctr"/>
-            <a:endParaRPr lang="en-US"/>
-          </a:p>
-        </p:txBody>
-      </p:sp>
-      <p:sp>
-        <p:nvSpPr>
-          <p:cNvPr id="11" name="Rectangle 10">
-            <a:extLst>
-              <a:ext uri="{FF2B5EF4-FFF2-40B4-BE49-F238E27FC236}">
-                <a16:creationId xmlns:a16="http://schemas.microsoft.com/office/drawing/2014/main" id="{0D614406-135F-4875-9C87-53822CB19ABB}"/>
-              </a:ext>
-              <a:ext uri="{C183D7F6-B498-43B3-948B-1728B52AA6E4}">
-                <adec:decorative xmlns:adec="http://schemas.microsoft.com/office/drawing/2017/decorative" xmlns="" val="1"/>
-              </a:ext>
-            </a:extLst>
-          </p:cNvPr>
-          <p:cNvSpPr>
-            <a:spLocks noGrp="1" noRot="1" noChangeAspect="1" noMove="1" noResize="1" noEditPoints="1" noAdjustHandles="1" noChangeArrowheads="1" noChangeShapeType="1" noTextEdit="1"/>
-          </p:cNvSpPr>
-          <p:nvPr>
-            <p:extLst>
-              <p:ext uri="{386F3935-93C4-4BCD-93E2-E3B085C9AB24}">
-                <p16:designElem xmlns:p16="http://schemas.microsoft.com/office/powerpoint/2015/main" val="1"/>
-              </p:ext>
-            </p:extLst>
-          </p:nvPr>
-        </p:nvSpPr>
-        <p:spPr>
-          <a:xfrm>
-            <a:off x="0" y="0"/>
-            <a:ext cx="12191999" cy="2285999"/>
-          </a:xfrm>
-          <a:prstGeom prst="rect">
-            <a:avLst/>
-          </a:prstGeom>
-          <a:solidFill>
-            <a:schemeClr val="tx1"/>
-          </a:solidFill>
-          <a:ln>
-            <a:noFill/>
-          </a:ln>
-        </p:spPr>
-        <p:style>
-          <a:lnRef idx="2">
-            <a:schemeClr val="accent1">
-              <a:shade val="50000"/>
-            </a:schemeClr>
-          </a:lnRef>
-          <a:fillRef idx="1">
-            <a:schemeClr val="accent1"/>
-          </a:fillRef>
-          <a:effectRef idx="0">
-            <a:schemeClr val="accent1"/>
-          </a:effectRef>
-          <a:fontRef idx="minor">
-            <a:schemeClr val="lt1"/>
-          </a:fontRef>
-        </p:style>
-        <p:txBody>
-          <a:bodyPr rtlCol="0" anchor="ctr"/>
-          <a:lstStyle/>
-          <a:p>
-            <a:pPr algn="ctr"/>
-            <a:endParaRPr lang="en-US"/>
-          </a:p>
-        </p:txBody>
-      </p:sp>
-      <p:sp>
-        <p:nvSpPr>
-          <p:cNvPr id="2" name="Title 1"/>
-          <p:cNvSpPr>
-            <a:spLocks noGrp="1"/>
-          </p:cNvSpPr>
-          <p:nvPr>
-            <p:ph type="title"/>
-          </p:nvPr>
-        </p:nvSpPr>
-        <p:spPr>
-          <a:xfrm>
-            <a:off x="76200" y="221915"/>
-            <a:ext cx="7169753" cy="1232750"/>
-          </a:xfrm>
-        </p:spPr>
-        <p:txBody>
-          <a:bodyPr anchor="b">
-            <a:normAutofit/>
-          </a:bodyPr>
-          <a:lstStyle/>
-          <a:p>
-            <a:pPr algn="l"/>
-            <a:r>
-              <a:rPr lang="en-US" sz="3900" dirty="0">
-                <a:solidFill>
-                  <a:schemeClr val="bg1"/>
-                </a:solidFill>
-              </a:rPr>
-              <a:t>Findings and conclusions</a:t>
-            </a:r>
-          </a:p>
-        </p:txBody>
-      </p:sp>
-      <p:cxnSp>
-        <p:nvCxnSpPr>
-          <p:cNvPr id="13" name="Straight Connector 12">
-            <a:extLst>
-              <a:ext uri="{FF2B5EF4-FFF2-40B4-BE49-F238E27FC236}">
-                <a16:creationId xmlns:a16="http://schemas.microsoft.com/office/drawing/2014/main" id="{C6C21149-7D17-44C2-AFB6-4D931DC55FB1}"/>
-              </a:ext>
-              <a:ext uri="{C183D7F6-B498-43B3-948B-1728B52AA6E4}">
-                <adec:decorative xmlns:adec="http://schemas.microsoft.com/office/drawing/2017/decorative" xmlns="" val="1"/>
-              </a:ext>
-            </a:extLst>
-          </p:cNvPr>
-          <p:cNvCxnSpPr>
-            <a:cxnSpLocks noGrp="1" noRot="1" noChangeAspect="1" noMove="1" noResize="1" noEditPoints="1" noAdjustHandles="1" noChangeArrowheads="1" noChangeShapeType="1"/>
-          </p:cNvCxnSpPr>
-          <p:nvPr>
-            <p:extLst>
-              <p:ext uri="{386F3935-93C4-4BCD-93E2-E3B085C9AB24}">
-                <p16:designElem xmlns:p16="http://schemas.microsoft.com/office/powerpoint/2015/main" val="1"/>
-              </p:ext>
-            </p:extLst>
-          </p:nvPr>
-        </p:nvCxnSpPr>
-        <p:spPr>
-          <a:xfrm>
-            <a:off x="0" y="1676579"/>
-            <a:ext cx="8129873" cy="6020"/>
-          </a:xfrm>
-          <a:prstGeom prst="line">
-            <a:avLst/>
-          </a:prstGeom>
-          <a:ln w="25400">
-            <a:solidFill>
-              <a:schemeClr val="bg1"/>
-            </a:solidFill>
-          </a:ln>
-        </p:spPr>
-        <p:style>
-          <a:lnRef idx="1">
-            <a:schemeClr val="accent1"/>
-          </a:lnRef>
-          <a:fillRef idx="0">
-            <a:schemeClr val="accent1"/>
-          </a:fillRef>
-          <a:effectRef idx="0">
-            <a:schemeClr val="accent1"/>
-          </a:effectRef>
-          <a:fontRef idx="minor">
-            <a:schemeClr val="tx1"/>
-          </a:fontRef>
-        </p:style>
-      </p:cxnSp>
-      <p:sp>
-        <p:nvSpPr>
-          <p:cNvPr id="15" name="Freeform 6">
-            <a:extLst>
-              <a:ext uri="{FF2B5EF4-FFF2-40B4-BE49-F238E27FC236}">
-                <a16:creationId xmlns:a16="http://schemas.microsoft.com/office/drawing/2014/main" id="{C2E5FCF0-567A-448C-A6E3-920BFC702C2F}"/>
-              </a:ext>
-              <a:ext uri="{C183D7F6-B498-43B3-948B-1728B52AA6E4}">
-                <adec:decorative xmlns:adec="http://schemas.microsoft.com/office/drawing/2017/decorative" xmlns="" val="1"/>
+                <adec:decorative xmlns="" xmlns:adec="http://schemas.microsoft.com/office/drawing/2017/decorative" val="1"/>
               </a:ext>
             </a:extLst>
           </p:cNvPr>
@@ -23267,7 +22135,7 @@
 </p:sld>
 </file>
 
-<file path=ppt/slides/slide22.xml><?xml version="1.0" encoding="utf-8"?>
+<file path=ppt/slides/slide21.xml><?xml version="1.0" encoding="utf-8"?>
 <p:sld xmlns:a="http://schemas.openxmlformats.org/drawingml/2006/main" xmlns:r="http://schemas.openxmlformats.org/officeDocument/2006/relationships" xmlns:p="http://schemas.openxmlformats.org/presentationml/2006/main">
   <p:cSld>
     <p:bg>
@@ -23326,7 +22194,7 @@
                 <a16:creationId xmlns:a16="http://schemas.microsoft.com/office/drawing/2014/main" id="{4281BC32-FF58-4898-A6B5-7B3D059BCEB0}"/>
               </a:ext>
               <a:ext uri="{C183D7F6-B498-43B3-948B-1728B52AA6E4}">
-                <adec:decorative xmlns:adec="http://schemas.microsoft.com/office/drawing/2017/decorative" xmlns="" val="1"/>
+                <adec:decorative xmlns="" xmlns:adec="http://schemas.microsoft.com/office/drawing/2017/decorative" val="1"/>
               </a:ext>
             </a:extLst>
           </p:cNvPr>
@@ -23415,7 +22283,7 @@
                 <a16:creationId xmlns:a16="http://schemas.microsoft.com/office/drawing/2014/main" id="{0D614406-135F-4875-9C87-53822CB19ABB}"/>
               </a:ext>
               <a:ext uri="{C183D7F6-B498-43B3-948B-1728B52AA6E4}">
-                <adec:decorative xmlns:adec="http://schemas.microsoft.com/office/drawing/2017/decorative" xmlns="" val="1"/>
+                <adec:decorative xmlns="" xmlns:adec="http://schemas.microsoft.com/office/drawing/2017/decorative" val="1"/>
               </a:ext>
             </a:extLst>
           </p:cNvPr>
@@ -23541,7 +22409,7 @@
                 <a16:creationId xmlns:a16="http://schemas.microsoft.com/office/drawing/2014/main" id="{C6C21149-7D17-44C2-AFB6-4D931DC55FB1}"/>
               </a:ext>
               <a:ext uri="{C183D7F6-B498-43B3-948B-1728B52AA6E4}">
-                <adec:decorative xmlns:adec="http://schemas.microsoft.com/office/drawing/2017/decorative" xmlns="" val="1"/>
+                <adec:decorative xmlns="" xmlns:adec="http://schemas.microsoft.com/office/drawing/2017/decorative" val="1"/>
               </a:ext>
             </a:extLst>
           </p:cNvPr>
@@ -23593,7 +22461,7 @@
                 <a16:creationId xmlns:a16="http://schemas.microsoft.com/office/drawing/2014/main" id="{C2E5FCF0-567A-448C-A6E3-920BFC702C2F}"/>
               </a:ext>
               <a:ext uri="{C183D7F6-B498-43B3-948B-1728B52AA6E4}">
-                <adec:decorative xmlns:adec="http://schemas.microsoft.com/office/drawing/2017/decorative" xmlns="" val="1"/>
+                <adec:decorative xmlns="" xmlns:adec="http://schemas.microsoft.com/office/drawing/2017/decorative" val="1"/>
               </a:ext>
             </a:extLst>
           </p:cNvPr>
@@ -24492,7 +23360,7 @@
 </p:sld>
 </file>
 
-<file path=ppt/slides/slide23.xml><?xml version="1.0" encoding="utf-8"?>
+<file path=ppt/slides/slide22.xml><?xml version="1.0" encoding="utf-8"?>
 <p:sld xmlns:a="http://schemas.openxmlformats.org/drawingml/2006/main" xmlns:r="http://schemas.openxmlformats.org/officeDocument/2006/relationships" xmlns:p="http://schemas.openxmlformats.org/presentationml/2006/main">
   <p:cSld>
     <p:bg>
@@ -24551,7 +23419,7 @@
                 <a16:creationId xmlns:a16="http://schemas.microsoft.com/office/drawing/2014/main" id="{4281BC32-FF58-4898-A6B5-7B3D059BCEB0}"/>
               </a:ext>
               <a:ext uri="{C183D7F6-B498-43B3-948B-1728B52AA6E4}">
-                <adec:decorative xmlns:adec="http://schemas.microsoft.com/office/drawing/2017/decorative" xmlns="" val="1"/>
+                <adec:decorative xmlns="" xmlns:adec="http://schemas.microsoft.com/office/drawing/2017/decorative" val="1"/>
               </a:ext>
             </a:extLst>
           </p:cNvPr>
@@ -24746,7 +23614,7 @@
                 <a16:creationId xmlns:a16="http://schemas.microsoft.com/office/drawing/2014/main" id="{0D614406-135F-4875-9C87-53822CB19ABB}"/>
               </a:ext>
               <a:ext uri="{C183D7F6-B498-43B3-948B-1728B52AA6E4}">
-                <adec:decorative xmlns:adec="http://schemas.microsoft.com/office/drawing/2017/decorative" xmlns="" val="1"/>
+                <adec:decorative xmlns="" xmlns:adec="http://schemas.microsoft.com/office/drawing/2017/decorative" val="1"/>
               </a:ext>
             </a:extLst>
           </p:cNvPr>
@@ -24872,7 +23740,7 @@
                 <a16:creationId xmlns:a16="http://schemas.microsoft.com/office/drawing/2014/main" id="{C6C21149-7D17-44C2-AFB6-4D931DC55FB1}"/>
               </a:ext>
               <a:ext uri="{C183D7F6-B498-43B3-948B-1728B52AA6E4}">
-                <adec:decorative xmlns:adec="http://schemas.microsoft.com/office/drawing/2017/decorative" xmlns="" val="1"/>
+                <adec:decorative xmlns="" xmlns:adec="http://schemas.microsoft.com/office/drawing/2017/decorative" val="1"/>
               </a:ext>
             </a:extLst>
           </p:cNvPr>
@@ -24924,7 +23792,7 @@
                 <a16:creationId xmlns:a16="http://schemas.microsoft.com/office/drawing/2014/main" id="{C2E5FCF0-567A-448C-A6E3-920BFC702C2F}"/>
               </a:ext>
               <a:ext uri="{C183D7F6-B498-43B3-948B-1728B52AA6E4}">
-                <adec:decorative xmlns:adec="http://schemas.microsoft.com/office/drawing/2017/decorative" xmlns="" val="1"/>
+                <adec:decorative xmlns="" xmlns:adec="http://schemas.microsoft.com/office/drawing/2017/decorative" val="1"/>
               </a:ext>
             </a:extLst>
           </p:cNvPr>
@@ -25362,7 +24230,7 @@
                 <a:hlinkClick r:id="rId5">
                   <a:extLst>
                     <a:ext uri="{A12FA001-AC4F-418D-AE19-62706E023703}">
-                      <ahyp:hlinkClr xmlns:ahyp="http://schemas.microsoft.com/office/drawing/2018/hyperlinkcolor" xmlns="" val="tx"/>
+                      <ahyp:hlinkClr xmlns="" xmlns:ahyp="http://schemas.microsoft.com/office/drawing/2018/hyperlinkcolor" val="tx"/>
                     </a:ext>
                   </a:extLst>
                 </a:hlinkClick>
@@ -25821,7 +24689,7 @@
 </p:sld>
 </file>
 
-<file path=ppt/slides/slide24.xml><?xml version="1.0" encoding="utf-8"?>
+<file path=ppt/slides/slide23.xml><?xml version="1.0" encoding="utf-8"?>
 <p:sld xmlns:a="http://schemas.openxmlformats.org/drawingml/2006/main" xmlns:r="http://schemas.openxmlformats.org/officeDocument/2006/relationships" xmlns:p="http://schemas.openxmlformats.org/presentationml/2006/main">
   <p:cSld>
     <p:bg>
@@ -25880,7 +24748,7 @@
                 <a16:creationId xmlns:a16="http://schemas.microsoft.com/office/drawing/2014/main" id="{4281BC32-FF58-4898-A6B5-7B3D059BCEB0}"/>
               </a:ext>
               <a:ext uri="{C183D7F6-B498-43B3-948B-1728B52AA6E4}">
-                <adec:decorative xmlns:adec="http://schemas.microsoft.com/office/drawing/2017/decorative" xmlns="" val="1"/>
+                <adec:decorative xmlns="" xmlns:adec="http://schemas.microsoft.com/office/drawing/2017/decorative" val="1"/>
               </a:ext>
             </a:extLst>
           </p:cNvPr>
@@ -25969,7 +24837,7 @@
                 <a16:creationId xmlns:a16="http://schemas.microsoft.com/office/drawing/2014/main" id="{0D614406-135F-4875-9C87-53822CB19ABB}"/>
               </a:ext>
               <a:ext uri="{C183D7F6-B498-43B3-948B-1728B52AA6E4}">
-                <adec:decorative xmlns:adec="http://schemas.microsoft.com/office/drawing/2017/decorative" xmlns="" val="1"/>
+                <adec:decorative xmlns="" xmlns:adec="http://schemas.microsoft.com/office/drawing/2017/decorative" val="1"/>
               </a:ext>
             </a:extLst>
           </p:cNvPr>
@@ -26095,7 +24963,7 @@
                 <a16:creationId xmlns:a16="http://schemas.microsoft.com/office/drawing/2014/main" id="{C6C21149-7D17-44C2-AFB6-4D931DC55FB1}"/>
               </a:ext>
               <a:ext uri="{C183D7F6-B498-43B3-948B-1728B52AA6E4}">
-                <adec:decorative xmlns:adec="http://schemas.microsoft.com/office/drawing/2017/decorative" xmlns="" val="1"/>
+                <adec:decorative xmlns="" xmlns:adec="http://schemas.microsoft.com/office/drawing/2017/decorative" val="1"/>
               </a:ext>
             </a:extLst>
           </p:cNvPr>
@@ -26147,7 +25015,7 @@
                 <a16:creationId xmlns:a16="http://schemas.microsoft.com/office/drawing/2014/main" id="{C2E5FCF0-567A-448C-A6E3-920BFC702C2F}"/>
               </a:ext>
               <a:ext uri="{C183D7F6-B498-43B3-948B-1728B52AA6E4}">
-                <adec:decorative xmlns:adec="http://schemas.microsoft.com/office/drawing/2017/decorative" xmlns="" val="1"/>
+                <adec:decorative xmlns="" xmlns:adec="http://schemas.microsoft.com/office/drawing/2017/decorative" val="1"/>
               </a:ext>
             </a:extLst>
           </p:cNvPr>
@@ -26585,7 +25453,7 @@
                 <a:hlinkClick r:id="rId4">
                   <a:extLst>
                     <a:ext uri="{A12FA001-AC4F-418D-AE19-62706E023703}">
-                      <ahyp:hlinkClr xmlns:ahyp="http://schemas.microsoft.com/office/drawing/2018/hyperlinkcolor" xmlns="" val="tx"/>
+                      <ahyp:hlinkClr xmlns="" xmlns:ahyp="http://schemas.microsoft.com/office/drawing/2018/hyperlinkcolor" val="tx"/>
                     </a:ext>
                   </a:extLst>
                 </a:hlinkClick>
@@ -27146,7 +26014,7 @@
 </p:sld>
 </file>
 
-<file path=ppt/slides/slide25.xml><?xml version="1.0" encoding="utf-8"?>
+<file path=ppt/slides/slide24.xml><?xml version="1.0" encoding="utf-8"?>
 <p:sld xmlns:a="http://schemas.openxmlformats.org/drawingml/2006/main" xmlns:r="http://schemas.openxmlformats.org/officeDocument/2006/relationships" xmlns:p="http://schemas.openxmlformats.org/presentationml/2006/main">
   <p:cSld>
     <p:bg>
@@ -27179,7 +26047,7 @@
                 <a16:creationId xmlns:a16="http://schemas.microsoft.com/office/drawing/2014/main" id="{4281BC32-FF58-4898-A6B5-7B3D059BCEB0}"/>
               </a:ext>
               <a:ext uri="{C183D7F6-B498-43B3-948B-1728B52AA6E4}">
-                <adec:decorative xmlns:adec="http://schemas.microsoft.com/office/drawing/2017/decorative" xmlns="" val="1"/>
+                <adec:decorative xmlns="" xmlns:adec="http://schemas.microsoft.com/office/drawing/2017/decorative" val="1"/>
               </a:ext>
             </a:extLst>
           </p:cNvPr>
@@ -27268,7 +26136,7 @@
                 <a16:creationId xmlns:a16="http://schemas.microsoft.com/office/drawing/2014/main" id="{0D614406-135F-4875-9C87-53822CB19ABB}"/>
               </a:ext>
               <a:ext uri="{C183D7F6-B498-43B3-948B-1728B52AA6E4}">
-                <adec:decorative xmlns:adec="http://schemas.microsoft.com/office/drawing/2017/decorative" xmlns="" val="1"/>
+                <adec:decorative xmlns="" xmlns:adec="http://schemas.microsoft.com/office/drawing/2017/decorative" val="1"/>
               </a:ext>
             </a:extLst>
           </p:cNvPr>
@@ -27394,7 +26262,7 @@
                 <a16:creationId xmlns:a16="http://schemas.microsoft.com/office/drawing/2014/main" id="{C6C21149-7D17-44C2-AFB6-4D931DC55FB1}"/>
               </a:ext>
               <a:ext uri="{C183D7F6-B498-43B3-948B-1728B52AA6E4}">
-                <adec:decorative xmlns:adec="http://schemas.microsoft.com/office/drawing/2017/decorative" xmlns="" val="1"/>
+                <adec:decorative xmlns="" xmlns:adec="http://schemas.microsoft.com/office/drawing/2017/decorative" val="1"/>
               </a:ext>
             </a:extLst>
           </p:cNvPr>
@@ -27446,7 +26314,7 @@
                 <a16:creationId xmlns:a16="http://schemas.microsoft.com/office/drawing/2014/main" id="{C2E5FCF0-567A-448C-A6E3-920BFC702C2F}"/>
               </a:ext>
               <a:ext uri="{C183D7F6-B498-43B3-948B-1728B52AA6E4}">
-                <adec:decorative xmlns:adec="http://schemas.microsoft.com/office/drawing/2017/decorative" xmlns="" val="1"/>
+                <adec:decorative xmlns="" xmlns:adec="http://schemas.microsoft.com/office/drawing/2017/decorative" val="1"/>
               </a:ext>
             </a:extLst>
           </p:cNvPr>
@@ -27800,7 +26668,7 @@
 </p:sld>
 </file>
 
-<file path=ppt/slides/slide26.xml><?xml version="1.0" encoding="utf-8"?>
+<file path=ppt/slides/slide25.xml><?xml version="1.0" encoding="utf-8"?>
 <p:sld xmlns:a="http://schemas.openxmlformats.org/drawingml/2006/main" xmlns:r="http://schemas.openxmlformats.org/officeDocument/2006/relationships" xmlns:p="http://schemas.openxmlformats.org/presentationml/2006/main">
   <p:cSld>
     <p:bg>
@@ -27833,7 +26701,7 @@
                 <a16:creationId xmlns:a16="http://schemas.microsoft.com/office/drawing/2014/main" id="{4281BC32-FF58-4898-A6B5-7B3D059BCEB0}"/>
               </a:ext>
               <a:ext uri="{C183D7F6-B498-43B3-948B-1728B52AA6E4}">
-                <adec:decorative xmlns:adec="http://schemas.microsoft.com/office/drawing/2017/decorative" xmlns="" val="1"/>
+                <adec:decorative xmlns="" xmlns:adec="http://schemas.microsoft.com/office/drawing/2017/decorative" val="1"/>
               </a:ext>
             </a:extLst>
           </p:cNvPr>
@@ -27922,7 +26790,7 @@
                 <a16:creationId xmlns:a16="http://schemas.microsoft.com/office/drawing/2014/main" id="{0D614406-135F-4875-9C87-53822CB19ABB}"/>
               </a:ext>
               <a:ext uri="{C183D7F6-B498-43B3-948B-1728B52AA6E4}">
-                <adec:decorative xmlns:adec="http://schemas.microsoft.com/office/drawing/2017/decorative" xmlns="" val="1"/>
+                <adec:decorative xmlns="" xmlns:adec="http://schemas.microsoft.com/office/drawing/2017/decorative" val="1"/>
               </a:ext>
             </a:extLst>
           </p:cNvPr>
@@ -28048,7 +26916,7 @@
                 <a16:creationId xmlns:a16="http://schemas.microsoft.com/office/drawing/2014/main" id="{C6C21149-7D17-44C2-AFB6-4D931DC55FB1}"/>
               </a:ext>
               <a:ext uri="{C183D7F6-B498-43B3-948B-1728B52AA6E4}">
-                <adec:decorative xmlns:adec="http://schemas.microsoft.com/office/drawing/2017/decorative" xmlns="" val="1"/>
+                <adec:decorative xmlns="" xmlns:adec="http://schemas.microsoft.com/office/drawing/2017/decorative" val="1"/>
               </a:ext>
             </a:extLst>
           </p:cNvPr>
@@ -28100,7 +26968,7 @@
                 <a16:creationId xmlns:a16="http://schemas.microsoft.com/office/drawing/2014/main" id="{C2E5FCF0-567A-448C-A6E3-920BFC702C2F}"/>
               </a:ext>
               <a:ext uri="{C183D7F6-B498-43B3-948B-1728B52AA6E4}">
-                <adec:decorative xmlns:adec="http://schemas.microsoft.com/office/drawing/2017/decorative" xmlns="" val="1"/>
+                <adec:decorative xmlns="" xmlns:adec="http://schemas.microsoft.com/office/drawing/2017/decorative" val="1"/>
               </a:ext>
             </a:extLst>
           </p:cNvPr>
@@ -28498,7 +27366,7 @@
                 <a:hlinkClick r:id="rId2">
                   <a:extLst>
                     <a:ext uri="{A12FA001-AC4F-418D-AE19-62706E023703}">
-                      <ahyp:hlinkClr xmlns:ahyp="http://schemas.microsoft.com/office/drawing/2018/hyperlinkcolor" xmlns="" val="tx"/>
+                      <ahyp:hlinkClr xmlns="" xmlns:ahyp="http://schemas.microsoft.com/office/drawing/2018/hyperlinkcolor" val="tx"/>
                     </a:ext>
                   </a:extLst>
                 </a:hlinkClick>
@@ -28523,7 +27391,7 @@
                 <a:hlinkClick r:id="rId2">
                   <a:extLst>
                     <a:ext uri="{A12FA001-AC4F-418D-AE19-62706E023703}">
-                      <ahyp:hlinkClr xmlns:ahyp="http://schemas.microsoft.com/office/drawing/2018/hyperlinkcolor" xmlns="" val="tx"/>
+                      <ahyp:hlinkClr xmlns="" xmlns:ahyp="http://schemas.microsoft.com/office/drawing/2018/hyperlinkcolor" val="tx"/>
                     </a:ext>
                   </a:extLst>
                 </a:hlinkClick>
@@ -28546,7 +27414,7 @@
                 <a:hlinkClick r:id="rId3">
                   <a:extLst>
                     <a:ext uri="{A12FA001-AC4F-418D-AE19-62706E023703}">
-                      <ahyp:hlinkClr xmlns:ahyp="http://schemas.microsoft.com/office/drawing/2018/hyperlinkcolor" xmlns="" val="tx"/>
+                      <ahyp:hlinkClr xmlns="" xmlns:ahyp="http://schemas.microsoft.com/office/drawing/2018/hyperlinkcolor" val="tx"/>
                     </a:ext>
                   </a:extLst>
                 </a:hlinkClick>
@@ -28738,7 +27606,7 @@
                 <a16:creationId xmlns:a16="http://schemas.microsoft.com/office/drawing/2014/main" id="{4281BC32-FF58-4898-A6B5-7B3D059BCEB0}"/>
               </a:ext>
               <a:ext uri="{C183D7F6-B498-43B3-948B-1728B52AA6E4}">
-                <adec:decorative xmlns:adec="http://schemas.microsoft.com/office/drawing/2017/decorative" xmlns="" val="1"/>
+                <adec:decorative xmlns="" xmlns:adec="http://schemas.microsoft.com/office/drawing/2017/decorative" val="1"/>
               </a:ext>
             </a:extLst>
           </p:cNvPr>
@@ -28798,7 +27666,7 @@
                 <a16:creationId xmlns:a16="http://schemas.microsoft.com/office/drawing/2014/main" id="{0D614406-135F-4875-9C87-53822CB19ABB}"/>
               </a:ext>
               <a:ext uri="{C183D7F6-B498-43B3-948B-1728B52AA6E4}">
-                <adec:decorative xmlns:adec="http://schemas.microsoft.com/office/drawing/2017/decorative" xmlns="" val="1"/>
+                <adec:decorative xmlns="" xmlns:adec="http://schemas.microsoft.com/office/drawing/2017/decorative" val="1"/>
               </a:ext>
             </a:extLst>
           </p:cNvPr>
@@ -28895,7 +27763,7 @@
                 <a16:creationId xmlns:a16="http://schemas.microsoft.com/office/drawing/2014/main" id="{C6C21149-7D17-44C2-AFB6-4D931DC55FB1}"/>
               </a:ext>
               <a:ext uri="{C183D7F6-B498-43B3-948B-1728B52AA6E4}">
-                <adec:decorative xmlns:adec="http://schemas.microsoft.com/office/drawing/2017/decorative" xmlns="" val="1"/>
+                <adec:decorative xmlns="" xmlns:adec="http://schemas.microsoft.com/office/drawing/2017/decorative" val="1"/>
               </a:ext>
             </a:extLst>
           </p:cNvPr>
@@ -28947,7 +27815,7 @@
                 <a16:creationId xmlns:a16="http://schemas.microsoft.com/office/drawing/2014/main" id="{C2E5FCF0-567A-448C-A6E3-920BFC702C2F}"/>
               </a:ext>
               <a:ext uri="{C183D7F6-B498-43B3-948B-1728B52AA6E4}">
-                <adec:decorative xmlns:adec="http://schemas.microsoft.com/office/drawing/2017/decorative" xmlns="" val="1"/>
+                <adec:decorative xmlns="" xmlns:adec="http://schemas.microsoft.com/office/drawing/2017/decorative" val="1"/>
               </a:ext>
             </a:extLst>
           </p:cNvPr>
@@ -29215,7 +28083,7 @@
         <p:spPr>
           <a:xfrm>
             <a:off x="165100" y="2396934"/>
-            <a:ext cx="10782300" cy="369332"/>
+            <a:ext cx="11855598" cy="368844"/>
           </a:xfrm>
           <a:prstGeom prst="rect">
             <a:avLst/>
@@ -29788,7 +28656,7 @@
                 <a16:creationId xmlns:a16="http://schemas.microsoft.com/office/drawing/2014/main" id="{4281BC32-FF58-4898-A6B5-7B3D059BCEB0}"/>
               </a:ext>
               <a:ext uri="{C183D7F6-B498-43B3-948B-1728B52AA6E4}">
-                <adec:decorative xmlns:adec="http://schemas.microsoft.com/office/drawing/2017/decorative" xmlns="" val="1"/>
+                <adec:decorative xmlns="" xmlns:adec="http://schemas.microsoft.com/office/drawing/2017/decorative" val="1"/>
               </a:ext>
             </a:extLst>
           </p:cNvPr>
@@ -29848,7 +28716,7 @@
                 <a16:creationId xmlns:a16="http://schemas.microsoft.com/office/drawing/2014/main" id="{0D614406-135F-4875-9C87-53822CB19ABB}"/>
               </a:ext>
               <a:ext uri="{C183D7F6-B498-43B3-948B-1728B52AA6E4}">
-                <adec:decorative xmlns:adec="http://schemas.microsoft.com/office/drawing/2017/decorative" xmlns="" val="1"/>
+                <adec:decorative xmlns="" xmlns:adec="http://schemas.microsoft.com/office/drawing/2017/decorative" val="1"/>
               </a:ext>
             </a:extLst>
           </p:cNvPr>
@@ -29945,7 +28813,7 @@
                 <a16:creationId xmlns:a16="http://schemas.microsoft.com/office/drawing/2014/main" id="{C6C21149-7D17-44C2-AFB6-4D931DC55FB1}"/>
               </a:ext>
               <a:ext uri="{C183D7F6-B498-43B3-948B-1728B52AA6E4}">
-                <adec:decorative xmlns:adec="http://schemas.microsoft.com/office/drawing/2017/decorative" xmlns="" val="1"/>
+                <adec:decorative xmlns="" xmlns:adec="http://schemas.microsoft.com/office/drawing/2017/decorative" val="1"/>
               </a:ext>
             </a:extLst>
           </p:cNvPr>
@@ -29997,7 +28865,7 @@
                 <a16:creationId xmlns:a16="http://schemas.microsoft.com/office/drawing/2014/main" id="{C2E5FCF0-567A-448C-A6E3-920BFC702C2F}"/>
               </a:ext>
               <a:ext uri="{C183D7F6-B498-43B3-948B-1728B52AA6E4}">
-                <adec:decorative xmlns:adec="http://schemas.microsoft.com/office/drawing/2017/decorative" xmlns="" val="1"/>
+                <adec:decorative xmlns="" xmlns:adec="http://schemas.microsoft.com/office/drawing/2017/decorative" val="1"/>
               </a:ext>
             </a:extLst>
           </p:cNvPr>
@@ -30290,7 +29158,7 @@
                 <a:hlinkClick r:id="rId3">
                   <a:extLst>
                     <a:ext uri="{A12FA001-AC4F-418D-AE19-62706E023703}">
-                      <ahyp:hlinkClr xmlns:ahyp="http://schemas.microsoft.com/office/drawing/2018/hyperlinkcolor" xmlns="" val="tx"/>
+                      <ahyp:hlinkClr xmlns="" xmlns:ahyp="http://schemas.microsoft.com/office/drawing/2018/hyperlinkcolor" val="tx"/>
                     </a:ext>
                   </a:extLst>
                 </a:hlinkClick>
@@ -30332,7 +29200,7 @@
                 <a:hlinkClick r:id="rId4">
                   <a:extLst>
                     <a:ext uri="{A12FA001-AC4F-418D-AE19-62706E023703}">
-                      <ahyp:hlinkClr xmlns:ahyp="http://schemas.microsoft.com/office/drawing/2018/hyperlinkcolor" xmlns="" val="tx"/>
+                      <ahyp:hlinkClr xmlns="" xmlns:ahyp="http://schemas.microsoft.com/office/drawing/2018/hyperlinkcolor" val="tx"/>
                     </a:ext>
                   </a:extLst>
                 </a:hlinkClick>
@@ -30374,7 +29242,7 @@
                 <a:hlinkClick r:id="rId5">
                   <a:extLst>
                     <a:ext uri="{A12FA001-AC4F-418D-AE19-62706E023703}">
-                      <ahyp:hlinkClr xmlns:ahyp="http://schemas.microsoft.com/office/drawing/2018/hyperlinkcolor" xmlns="" val="tx"/>
+                      <ahyp:hlinkClr xmlns="" xmlns:ahyp="http://schemas.microsoft.com/office/drawing/2018/hyperlinkcolor" val="tx"/>
                     </a:ext>
                   </a:extLst>
                 </a:hlinkClick>
@@ -30416,7 +29284,7 @@
                 <a:hlinkClick r:id="rId6">
                   <a:extLst>
                     <a:ext uri="{A12FA001-AC4F-418D-AE19-62706E023703}">
-                      <ahyp:hlinkClr xmlns:ahyp="http://schemas.microsoft.com/office/drawing/2018/hyperlinkcolor" xmlns="" val="tx"/>
+                      <ahyp:hlinkClr xmlns="" xmlns:ahyp="http://schemas.microsoft.com/office/drawing/2018/hyperlinkcolor" val="tx"/>
                     </a:ext>
                   </a:extLst>
                 </a:hlinkClick>
@@ -30431,7 +29299,7 @@
                 <a:hlinkClick r:id="rId6">
                   <a:extLst>
                     <a:ext uri="{A12FA001-AC4F-418D-AE19-62706E023703}">
-                      <ahyp:hlinkClr xmlns:ahyp="http://schemas.microsoft.com/office/drawing/2018/hyperlinkcolor" xmlns="" val="tx"/>
+                      <ahyp:hlinkClr xmlns="" xmlns:ahyp="http://schemas.microsoft.com/office/drawing/2018/hyperlinkcolor" val="tx"/>
                     </a:ext>
                   </a:extLst>
                 </a:hlinkClick>
@@ -30449,7 +29317,7 @@
                 <a:hlinkClick r:id="rId7">
                   <a:extLst>
                     <a:ext uri="{A12FA001-AC4F-418D-AE19-62706E023703}">
-                      <ahyp:hlinkClr xmlns:ahyp="http://schemas.microsoft.com/office/drawing/2018/hyperlinkcolor" xmlns="" val="tx"/>
+                      <ahyp:hlinkClr xmlns="" xmlns:ahyp="http://schemas.microsoft.com/office/drawing/2018/hyperlinkcolor" val="tx"/>
                     </a:ext>
                   </a:extLst>
                 </a:hlinkClick>
@@ -30650,7 +29518,7 @@
                 <a16:creationId xmlns:a16="http://schemas.microsoft.com/office/drawing/2014/main" id="{4281BC32-FF58-4898-A6B5-7B3D059BCEB0}"/>
               </a:ext>
               <a:ext uri="{C183D7F6-B498-43B3-948B-1728B52AA6E4}">
-                <adec:decorative xmlns:adec="http://schemas.microsoft.com/office/drawing/2017/decorative" xmlns="" val="1"/>
+                <adec:decorative xmlns="" xmlns:adec="http://schemas.microsoft.com/office/drawing/2017/decorative" val="1"/>
               </a:ext>
             </a:extLst>
           </p:cNvPr>
@@ -30710,7 +29578,7 @@
                 <a16:creationId xmlns:a16="http://schemas.microsoft.com/office/drawing/2014/main" id="{0D614406-135F-4875-9C87-53822CB19ABB}"/>
               </a:ext>
               <a:ext uri="{C183D7F6-B498-43B3-948B-1728B52AA6E4}">
-                <adec:decorative xmlns:adec="http://schemas.microsoft.com/office/drawing/2017/decorative" xmlns="" val="1"/>
+                <adec:decorative xmlns="" xmlns:adec="http://schemas.microsoft.com/office/drawing/2017/decorative" val="1"/>
               </a:ext>
             </a:extLst>
           </p:cNvPr>
@@ -30812,7 +29680,7 @@
                 <a16:creationId xmlns:a16="http://schemas.microsoft.com/office/drawing/2014/main" id="{C6C21149-7D17-44C2-AFB6-4D931DC55FB1}"/>
               </a:ext>
               <a:ext uri="{C183D7F6-B498-43B3-948B-1728B52AA6E4}">
-                <adec:decorative xmlns:adec="http://schemas.microsoft.com/office/drawing/2017/decorative" xmlns="" val="1"/>
+                <adec:decorative xmlns="" xmlns:adec="http://schemas.microsoft.com/office/drawing/2017/decorative" val="1"/>
               </a:ext>
             </a:extLst>
           </p:cNvPr>
@@ -30864,7 +29732,7 @@
                 <a16:creationId xmlns:a16="http://schemas.microsoft.com/office/drawing/2014/main" id="{C2E5FCF0-567A-448C-A6E3-920BFC702C2F}"/>
               </a:ext>
               <a:ext uri="{C183D7F6-B498-43B3-948B-1728B52AA6E4}">
-                <adec:decorative xmlns:adec="http://schemas.microsoft.com/office/drawing/2017/decorative" xmlns="" val="1"/>
+                <adec:decorative xmlns="" xmlns:adec="http://schemas.microsoft.com/office/drawing/2017/decorative" val="1"/>
               </a:ext>
             </a:extLst>
           </p:cNvPr>
@@ -31353,7 +30221,7 @@
                 <a16:creationId xmlns:a16="http://schemas.microsoft.com/office/drawing/2014/main" id="{4281BC32-FF58-4898-A6B5-7B3D059BCEB0}"/>
               </a:ext>
               <a:ext uri="{C183D7F6-B498-43B3-948B-1728B52AA6E4}">
-                <adec:decorative xmlns:adec="http://schemas.microsoft.com/office/drawing/2017/decorative" xmlns="" val="1"/>
+                <adec:decorative xmlns="" xmlns:adec="http://schemas.microsoft.com/office/drawing/2017/decorative" val="1"/>
               </a:ext>
             </a:extLst>
           </p:cNvPr>
@@ -31413,7 +30281,7 @@
                 <a16:creationId xmlns:a16="http://schemas.microsoft.com/office/drawing/2014/main" id="{0D614406-135F-4875-9C87-53822CB19ABB}"/>
               </a:ext>
               <a:ext uri="{C183D7F6-B498-43B3-948B-1728B52AA6E4}">
-                <adec:decorative xmlns:adec="http://schemas.microsoft.com/office/drawing/2017/decorative" xmlns="" val="1"/>
+                <adec:decorative xmlns="" xmlns:adec="http://schemas.microsoft.com/office/drawing/2017/decorative" val="1"/>
               </a:ext>
             </a:extLst>
           </p:cNvPr>
@@ -31510,7 +30378,7 @@
                 <a16:creationId xmlns:a16="http://schemas.microsoft.com/office/drawing/2014/main" id="{C6C21149-7D17-44C2-AFB6-4D931DC55FB1}"/>
               </a:ext>
               <a:ext uri="{C183D7F6-B498-43B3-948B-1728B52AA6E4}">
-                <adec:decorative xmlns:adec="http://schemas.microsoft.com/office/drawing/2017/decorative" xmlns="" val="1"/>
+                <adec:decorative xmlns="" xmlns:adec="http://schemas.microsoft.com/office/drawing/2017/decorative" val="1"/>
               </a:ext>
             </a:extLst>
           </p:cNvPr>
@@ -31562,7 +30430,7 @@
                 <a16:creationId xmlns:a16="http://schemas.microsoft.com/office/drawing/2014/main" id="{C2E5FCF0-567A-448C-A6E3-920BFC702C2F}"/>
               </a:ext>
               <a:ext uri="{C183D7F6-B498-43B3-948B-1728B52AA6E4}">
-                <adec:decorative xmlns:adec="http://schemas.microsoft.com/office/drawing/2017/decorative" xmlns="" val="1"/>
+                <adec:decorative xmlns="" xmlns:adec="http://schemas.microsoft.com/office/drawing/2017/decorative" val="1"/>
               </a:ext>
             </a:extLst>
           </p:cNvPr>
@@ -31954,7 +30822,7 @@
                 <a:hlinkClick r:id="rId5">
                   <a:extLst>
                     <a:ext uri="{A12FA001-AC4F-418D-AE19-62706E023703}">
-                      <ahyp:hlinkClr xmlns:ahyp="http://schemas.microsoft.com/office/drawing/2018/hyperlinkcolor" xmlns="" val="tx"/>
+                      <ahyp:hlinkClr xmlns="" xmlns:ahyp="http://schemas.microsoft.com/office/drawing/2018/hyperlinkcolor" val="tx"/>
                     </a:ext>
                   </a:extLst>
                 </a:hlinkClick>
@@ -32303,7 +31171,7 @@
                 <a16:creationId xmlns:a16="http://schemas.microsoft.com/office/drawing/2014/main" id="{4281BC32-FF58-4898-A6B5-7B3D059BCEB0}"/>
               </a:ext>
               <a:ext uri="{C183D7F6-B498-43B3-948B-1728B52AA6E4}">
-                <adec:decorative xmlns:adec="http://schemas.microsoft.com/office/drawing/2017/decorative" xmlns="" val="1"/>
+                <adec:decorative xmlns="" xmlns:adec="http://schemas.microsoft.com/office/drawing/2017/decorative" val="1"/>
               </a:ext>
             </a:extLst>
           </p:cNvPr>
@@ -32350,8 +31218,37 @@
           <a:bodyPr rtlCol="0" anchor="ctr"/>
           <a:lstStyle/>
           <a:p>
-            <a:pPr algn="ctr"/>
-            <a:endParaRPr lang="en-US"/>
+            <a:pPr marL="0" marR="0" lvl="0" indent="0" algn="ctr" defTabSz="457200" rtl="0" eaLnBrk="1" fontAlgn="auto" latinLnBrk="0" hangingPunct="1">
+              <a:lnSpc>
+                <a:spcPct val="100000"/>
+              </a:lnSpc>
+              <a:spcBef>
+                <a:spcPts val="0"/>
+              </a:spcBef>
+              <a:spcAft>
+                <a:spcPts val="0"/>
+              </a:spcAft>
+              <a:buClrTx/>
+              <a:buSzTx/>
+              <a:buFontTx/>
+              <a:buNone/>
+              <a:tabLst/>
+              <a:defRPr/>
+            </a:pPr>
+            <a:endParaRPr kumimoji="0" lang="en-US" sz="1800" b="0" i="0" u="none" strike="noStrike" kern="1200" cap="none" spc="0" normalizeH="0" baseline="0" noProof="0">
+              <a:ln>
+                <a:noFill/>
+              </a:ln>
+              <a:solidFill>
+                <a:prstClr val="white"/>
+              </a:solidFill>
+              <a:effectLst/>
+              <a:uLnTx/>
+              <a:uFillTx/>
+              <a:latin typeface="Corbel" panose="020B0503020204020204"/>
+              <a:ea typeface="+mn-ea"/>
+              <a:cs typeface="+mn-cs"/>
+            </a:endParaRPr>
           </a:p>
         </p:txBody>
       </p:sp>
@@ -32363,7 +31260,7 @@
                 <a16:creationId xmlns:a16="http://schemas.microsoft.com/office/drawing/2014/main" id="{0D614406-135F-4875-9C87-53822CB19ABB}"/>
               </a:ext>
               <a:ext uri="{C183D7F6-B498-43B3-948B-1728B52AA6E4}">
-                <adec:decorative xmlns:adec="http://schemas.microsoft.com/office/drawing/2017/decorative" xmlns="" val="1"/>
+                <adec:decorative xmlns="" xmlns:adec="http://schemas.microsoft.com/office/drawing/2017/decorative" val="1"/>
               </a:ext>
             </a:extLst>
           </p:cNvPr>
@@ -32413,8 +31310,37 @@
           <a:bodyPr rtlCol="0" anchor="ctr"/>
           <a:lstStyle/>
           <a:p>
-            <a:pPr algn="ctr"/>
-            <a:endParaRPr lang="en-US"/>
+            <a:pPr marL="0" marR="0" lvl="0" indent="0" algn="ctr" defTabSz="457200" rtl="0" eaLnBrk="1" fontAlgn="auto" latinLnBrk="0" hangingPunct="1">
+              <a:lnSpc>
+                <a:spcPct val="100000"/>
+              </a:lnSpc>
+              <a:spcBef>
+                <a:spcPts val="0"/>
+              </a:spcBef>
+              <a:spcAft>
+                <a:spcPts val="0"/>
+              </a:spcAft>
+              <a:buClrTx/>
+              <a:buSzTx/>
+              <a:buFontTx/>
+              <a:buNone/>
+              <a:tabLst/>
+              <a:defRPr/>
+            </a:pPr>
+            <a:endParaRPr kumimoji="0" lang="en-US" sz="1800" b="0" i="0" u="none" strike="noStrike" kern="1200" cap="none" spc="0" normalizeH="0" baseline="0" noProof="0">
+              <a:ln>
+                <a:noFill/>
+              </a:ln>
+              <a:solidFill>
+                <a:prstClr val="white"/>
+              </a:solidFill>
+              <a:effectLst/>
+              <a:uLnTx/>
+              <a:uFillTx/>
+              <a:latin typeface="Corbel" panose="020B0503020204020204"/>
+              <a:ea typeface="+mn-ea"/>
+              <a:cs typeface="+mn-cs"/>
+            </a:endParaRPr>
           </a:p>
         </p:txBody>
       </p:sp>
@@ -32442,18 +31368,13 @@
           <a:p>
             <a:pPr algn="l"/>
             <a:r>
-              <a:rPr lang="en-US" sz="3900" dirty="0" smtClean="0">
+              <a:rPr lang="en-US" sz="3900" dirty="0">
                 <a:solidFill>
                   <a:schemeClr val="bg1"/>
                 </a:solidFill>
               </a:rPr>
-              <a:t>Finding Data</a:t>
-            </a:r>
-            <a:endParaRPr lang="en-US" sz="3900" dirty="0">
-              <a:solidFill>
-                <a:schemeClr val="bg1"/>
-              </a:solidFill>
-            </a:endParaRPr>
+              <a:t>Assumptions/Omissions</a:t>
+            </a:r>
           </a:p>
         </p:txBody>
       </p:sp>
@@ -32465,7 +31386,7 @@
                 <a16:creationId xmlns:a16="http://schemas.microsoft.com/office/drawing/2014/main" id="{C6C21149-7D17-44C2-AFB6-4D931DC55FB1}"/>
               </a:ext>
               <a:ext uri="{C183D7F6-B498-43B3-948B-1728B52AA6E4}">
-                <adec:decorative xmlns:adec="http://schemas.microsoft.com/office/drawing/2017/decorative" xmlns="" val="1"/>
+                <adec:decorative xmlns="" xmlns:adec="http://schemas.microsoft.com/office/drawing/2017/decorative" val="1"/>
               </a:ext>
             </a:extLst>
           </p:cNvPr>
@@ -32517,7 +31438,7 @@
                 <a16:creationId xmlns:a16="http://schemas.microsoft.com/office/drawing/2014/main" id="{C2E5FCF0-567A-448C-A6E3-920BFC702C2F}"/>
               </a:ext>
               <a:ext uri="{C183D7F6-B498-43B3-948B-1728B52AA6E4}">
-                <adec:decorative xmlns:adec="http://schemas.microsoft.com/office/drawing/2017/decorative" xmlns="" val="1"/>
+                <adec:decorative xmlns="" xmlns:adec="http://schemas.microsoft.com/office/drawing/2017/decorative" val="1"/>
               </a:ext>
             </a:extLst>
           </p:cNvPr>
@@ -32723,6 +31644,53 @@
           </a:ln>
         </p:spPr>
       </p:sp>
+      <p:pic>
+        <p:nvPicPr>
+          <p:cNvPr id="8" name="Picture 2" descr="Image result for Delta boarding pass MCO">
+            <a:extLst>
+              <a:ext uri="{FF2B5EF4-FFF2-40B4-BE49-F238E27FC236}">
+                <a16:creationId xmlns:a16="http://schemas.microsoft.com/office/drawing/2014/main" id="{496395E0-D773-4FEB-8E63-F152EEB21774}"/>
+              </a:ext>
+            </a:extLst>
+          </p:cNvPr>
+          <p:cNvPicPr>
+            <a:picLocks noChangeAspect="1" noChangeArrowheads="1"/>
+          </p:cNvPicPr>
+          <p:nvPr/>
+        </p:nvPicPr>
+        <p:blipFill>
+          <a:blip r:embed="rId2">
+            <a:extLst>
+              <a:ext uri="{28A0092B-C50C-407E-A947-70E740481C1C}">
+                <a14:useLocalDpi xmlns:a14="http://schemas.microsoft.com/office/drawing/2010/main" val="0"/>
+              </a:ext>
+            </a:extLst>
+          </a:blip>
+          <a:srcRect/>
+          <a:stretch>
+            <a:fillRect/>
+          </a:stretch>
+        </p:blipFill>
+        <p:spPr bwMode="auto">
+          <a:xfrm rot="20406036">
+            <a:off x="8607841" y="430614"/>
+            <a:ext cx="2766591" cy="1402778"/>
+          </a:xfrm>
+          <a:prstGeom prst="rect">
+            <a:avLst/>
+          </a:prstGeom>
+          <a:noFill/>
+          <a:extLst>
+            <a:ext uri="{909E8E84-426E-40DD-AFC4-6F175D3DCCD1}">
+              <a14:hiddenFill xmlns:a14="http://schemas.microsoft.com/office/drawing/2010/main">
+                <a:solidFill>
+                  <a:srgbClr val="FFFFFF"/>
+                </a:solidFill>
+              </a14:hiddenFill>
+            </a:ext>
+          </a:extLst>
+        </p:spPr>
+      </p:pic>
       <p:sp>
         <p:nvSpPr>
           <p:cNvPr id="4" name="Rectangle 3">
@@ -32738,7 +31706,7 @@
         <p:spPr>
           <a:xfrm>
             <a:off x="0" y="2285999"/>
-            <a:ext cx="4680155" cy="4524315"/>
+            <a:ext cx="12191998" cy="3354765"/>
           </a:xfrm>
           <a:prstGeom prst="rect">
             <a:avLst/>
@@ -32750,91 +31718,499 @@
           </a:bodyPr>
           <a:lstStyle/>
           <a:p>
-            <a:pPr marL="285750" indent="-285750">
-              <a:buFont typeface="Wingdings" panose="05000000000000000000" pitchFamily="2" charset="2"/>
-              <a:buChar char="Ø"/>
+            <a:pPr marL="0" marR="0" lvl="0" indent="0" algn="l" defTabSz="457200" rtl="0" eaLnBrk="1" fontAlgn="auto" latinLnBrk="0" hangingPunct="1">
+              <a:lnSpc>
+                <a:spcPct val="100000"/>
+              </a:lnSpc>
+              <a:spcBef>
+                <a:spcPts val="0"/>
+              </a:spcBef>
+              <a:spcAft>
+                <a:spcPts val="0"/>
+              </a:spcAft>
+              <a:buClrTx/>
+              <a:buSzTx/>
+              <a:buFontTx/>
+              <a:buNone/>
+              <a:tabLst/>
+              <a:defRPr/>
             </a:pPr>
-            <a:r>
-              <a:rPr lang="en-US" b="1" dirty="0" smtClean="0"/>
-              <a:t>Bureau of Transportation Statistics </a:t>
-            </a:r>
-            <a:r>
-              <a:rPr lang="en-US" dirty="0" smtClean="0"/>
-              <a:t>– as part of the Department of Transportation, collects and provides statistics and </a:t>
-            </a:r>
-            <a:r>
-              <a:rPr lang="en-US" dirty="0"/>
-              <a:t>analysis </a:t>
-            </a:r>
-            <a:r>
-              <a:rPr lang="en-US" dirty="0" smtClean="0"/>
-              <a:t>for commercial </a:t>
-            </a:r>
-            <a:r>
-              <a:rPr lang="en-US" dirty="0"/>
-              <a:t>aviation, multimodal freight activity, and transportation economics </a:t>
-            </a:r>
-          </a:p>
-          <a:p>
-            <a:pPr marL="742950" lvl="1" indent="-285750">
-              <a:buFont typeface="Wingdings" panose="05000000000000000000" pitchFamily="2" charset="2"/>
-              <a:buChar char="Ø"/>
+            <a:endParaRPr kumimoji="0" lang="en-US" sz="1400" b="0" i="0" u="none" strike="noStrike" kern="1200" cap="none" spc="0" normalizeH="0" baseline="0" noProof="0" dirty="0">
+              <a:ln>
+                <a:noFill/>
+              </a:ln>
+              <a:solidFill>
+                <a:prstClr val="black"/>
+              </a:solidFill>
+              <a:effectLst/>
+              <a:uLnTx/>
+              <a:uFillTx/>
+              <a:latin typeface="Corbel" panose="020B0503020204020204"/>
+              <a:ea typeface="+mn-ea"/>
+              <a:cs typeface="+mn-cs"/>
+            </a:endParaRPr>
+          </a:p>
+          <a:p>
+            <a:pPr marL="285750" marR="0" lvl="0" indent="-285750" algn="l" defTabSz="457200" rtl="0" eaLnBrk="1" fontAlgn="auto" latinLnBrk="0" hangingPunct="1">
+              <a:lnSpc>
+                <a:spcPct val="100000"/>
+              </a:lnSpc>
+              <a:spcBef>
+                <a:spcPts val="0"/>
+              </a:spcBef>
+              <a:spcAft>
+                <a:spcPts val="0"/>
+              </a:spcAft>
+              <a:buClrTx/>
+              <a:buSzTx/>
+              <a:buFont typeface="Arial" panose="020B0604020202020204" pitchFamily="34" charset="0"/>
+              <a:buChar char="•"/>
+              <a:tabLst/>
+              <a:defRPr/>
             </a:pPr>
             <a:r>
-              <a:rPr lang="en-US" dirty="0" smtClean="0"/>
-              <a:t>Has very detailed data that can be manipulated online for different data sets, as well as the ability to download detailed data</a:t>
-            </a:r>
-          </a:p>
-          <a:p>
-            <a:pPr marL="742950" lvl="1" indent="-285750">
-              <a:buFont typeface="Wingdings" panose="05000000000000000000" pitchFamily="2" charset="2"/>
-              <a:buChar char="Ø"/>
+              <a:rPr kumimoji="0" lang="en-US" sz="1600" b="1" i="0" u="none" strike="noStrike" kern="1200" cap="none" spc="0" normalizeH="0" baseline="0" noProof="0" dirty="0">
+                <a:ln>
+                  <a:noFill/>
+                </a:ln>
+                <a:solidFill>
+                  <a:prstClr val="black"/>
+                </a:solidFill>
+                <a:effectLst/>
+                <a:uLnTx/>
+                <a:uFillTx/>
+                <a:latin typeface="Corbel" panose="020B0503020204020204"/>
+                <a:ea typeface="+mn-ea"/>
+                <a:cs typeface="+mn-cs"/>
+              </a:rPr>
+              <a:t>Potential variables not considered: </a:t>
+            </a:r>
+          </a:p>
+          <a:p>
+            <a:pPr marL="285750" marR="0" lvl="0" indent="-285750" algn="l" defTabSz="457200" rtl="0" eaLnBrk="1" fontAlgn="auto" latinLnBrk="0" hangingPunct="1">
+              <a:lnSpc>
+                <a:spcPct val="100000"/>
+              </a:lnSpc>
+              <a:spcBef>
+                <a:spcPts val="0"/>
+              </a:spcBef>
+              <a:spcAft>
+                <a:spcPts val="0"/>
+              </a:spcAft>
+              <a:buClrTx/>
+              <a:buSzTx/>
+              <a:buFont typeface="Arial" panose="020B0604020202020204" pitchFamily="34" charset="0"/>
+              <a:buChar char="•"/>
+              <a:tabLst/>
+              <a:defRPr/>
             </a:pPr>
             <a:r>
-              <a:rPr lang="en-US" dirty="0" smtClean="0"/>
-              <a:t>One noted consequence of the shutdown is delays to statistical analysis and reporting that is vital to most business sectors</a:t>
-            </a:r>
-          </a:p>
-          <a:p>
-            <a:pPr marL="742950" lvl="1" indent="-285750">
-              <a:buFont typeface="Wingdings" panose="05000000000000000000" pitchFamily="2" charset="2"/>
-              <a:buChar char="Ø"/>
+              <a:rPr kumimoji="0" lang="en-US" sz="1400" b="0" i="0" u="none" strike="noStrike" kern="1200" cap="none" spc="0" normalizeH="0" baseline="0" noProof="0" dirty="0">
+                <a:ln>
+                  <a:noFill/>
+                </a:ln>
+                <a:solidFill>
+                  <a:prstClr val="black"/>
+                </a:solidFill>
+                <a:effectLst/>
+                <a:uLnTx/>
+                <a:uFillTx/>
+                <a:latin typeface="Corbel" panose="020B0503020204020204"/>
+                <a:ea typeface="+mn-ea"/>
+                <a:cs typeface="+mn-cs"/>
+              </a:rPr>
+              <a:t>Air Line issues: The number one cause of flight delays are factors within the air line’s control. Issues such as maintenance, crew and hiring, cleaning, fueling, and baggage loading.</a:t>
+            </a:r>
+          </a:p>
+          <a:p>
+            <a:pPr marL="285750" marR="0" lvl="0" indent="-285750" algn="l" defTabSz="457200" rtl="0" eaLnBrk="1" fontAlgn="auto" latinLnBrk="0" hangingPunct="1">
+              <a:lnSpc>
+                <a:spcPct val="100000"/>
+              </a:lnSpc>
+              <a:spcBef>
+                <a:spcPts val="0"/>
+              </a:spcBef>
+              <a:spcAft>
+                <a:spcPts val="0"/>
+              </a:spcAft>
+              <a:buClrTx/>
+              <a:buSzTx/>
+              <a:buFont typeface="Arial" panose="020B0604020202020204" pitchFamily="34" charset="0"/>
+              <a:buChar char="•"/>
+              <a:tabLst/>
+              <a:defRPr/>
             </a:pPr>
             <a:r>
-              <a:rPr lang="en-US" dirty="0" smtClean="0"/>
-              <a:t>We were unable to use this site as the last updates were only through November 2018</a:t>
-            </a:r>
+              <a:rPr kumimoji="0" lang="en-US" sz="1400" b="0" i="0" u="none" strike="noStrike" kern="1200" cap="none" spc="0" normalizeH="0" baseline="0" noProof="0" dirty="0">
+                <a:ln>
+                  <a:noFill/>
+                </a:ln>
+                <a:solidFill>
+                  <a:prstClr val="black"/>
+                </a:solidFill>
+                <a:effectLst/>
+                <a:uLnTx/>
+                <a:uFillTx/>
+                <a:latin typeface="Corbel" panose="020B0503020204020204"/>
+                <a:ea typeface="+mn-ea"/>
+                <a:cs typeface="+mn-cs"/>
+              </a:rPr>
+              <a:t>Inclement weather. Major weather events such as tornados, snow storms, heavy rain, and fast winds make it unsafe for an airplane to take off.</a:t>
+            </a:r>
+          </a:p>
+          <a:p>
+            <a:pPr marL="285750" marR="0" lvl="0" indent="-285750" algn="l" defTabSz="457200" rtl="0" eaLnBrk="1" fontAlgn="auto" latinLnBrk="0" hangingPunct="1">
+              <a:lnSpc>
+                <a:spcPct val="100000"/>
+              </a:lnSpc>
+              <a:spcBef>
+                <a:spcPts val="0"/>
+              </a:spcBef>
+              <a:spcAft>
+                <a:spcPts val="0"/>
+              </a:spcAft>
+              <a:buClrTx/>
+              <a:buSzTx/>
+              <a:buFont typeface="Arial" panose="020B0604020202020204" pitchFamily="34" charset="0"/>
+              <a:buChar char="•"/>
+              <a:tabLst/>
+              <a:defRPr/>
+            </a:pPr>
+            <a:r>
+              <a:rPr kumimoji="0" lang="en-US" sz="1400" b="0" i="0" u="none" strike="noStrike" kern="1200" cap="none" spc="0" normalizeH="0" baseline="0" noProof="0" dirty="0">
+                <a:ln>
+                  <a:noFill/>
+                </a:ln>
+                <a:solidFill>
+                  <a:prstClr val="black"/>
+                </a:solidFill>
+                <a:effectLst/>
+                <a:uLnTx/>
+                <a:uFillTx/>
+                <a:latin typeface="Corbel" panose="020B0503020204020204"/>
+                <a:ea typeface="+mn-ea"/>
+                <a:cs typeface="+mn-cs"/>
+              </a:rPr>
+              <a:t>Airport security issues. Acts of vandalism, terrorism, threats, and extended security screenings will cause major delays in flights </a:t>
+            </a:r>
+          </a:p>
+          <a:p>
+            <a:pPr marL="285750" marR="0" lvl="0" indent="-285750" algn="l" defTabSz="457200" rtl="0" eaLnBrk="1" fontAlgn="auto" latinLnBrk="0" hangingPunct="1">
+              <a:lnSpc>
+                <a:spcPct val="100000"/>
+              </a:lnSpc>
+              <a:spcBef>
+                <a:spcPts val="0"/>
+              </a:spcBef>
+              <a:spcAft>
+                <a:spcPts val="0"/>
+              </a:spcAft>
+              <a:buClrTx/>
+              <a:buSzTx/>
+              <a:buFont typeface="Arial" panose="020B0604020202020204" pitchFamily="34" charset="0"/>
+              <a:buChar char="•"/>
+              <a:tabLst/>
+              <a:defRPr/>
+            </a:pPr>
+            <a:r>
+              <a:rPr kumimoji="0" lang="en-US" sz="1400" b="0" i="0" u="none" strike="noStrike" kern="1200" cap="none" spc="0" normalizeH="0" baseline="0" noProof="0" dirty="0">
+                <a:ln>
+                  <a:noFill/>
+                </a:ln>
+                <a:solidFill>
+                  <a:prstClr val="black"/>
+                </a:solidFill>
+                <a:effectLst/>
+                <a:uLnTx/>
+                <a:uFillTx/>
+                <a:latin typeface="Corbel" panose="020B0503020204020204"/>
+                <a:ea typeface="+mn-ea"/>
+                <a:cs typeface="+mn-cs"/>
+              </a:rPr>
+              <a:t>Heavy airport volume. Heavier than average volume in travelers can cause long lines for ticketing, TSA screening, and general operations. Months with major holidays such as December will have heavier airport traveler volume.</a:t>
+            </a:r>
+          </a:p>
+          <a:p>
+            <a:pPr marL="285750" marR="0" lvl="0" indent="-285750" algn="l" defTabSz="457200" rtl="0" eaLnBrk="1" fontAlgn="auto" latinLnBrk="0" hangingPunct="1">
+              <a:lnSpc>
+                <a:spcPct val="100000"/>
+              </a:lnSpc>
+              <a:spcBef>
+                <a:spcPts val="0"/>
+              </a:spcBef>
+              <a:spcAft>
+                <a:spcPts val="0"/>
+              </a:spcAft>
+              <a:buClrTx/>
+              <a:buSzTx/>
+              <a:buFont typeface="Arial" panose="020B0604020202020204" pitchFamily="34" charset="0"/>
+              <a:buChar char="•"/>
+              <a:tabLst/>
+              <a:defRPr/>
+            </a:pPr>
+            <a:r>
+              <a:rPr kumimoji="0" lang="en-US" sz="1400" b="0" i="0" u="none" strike="noStrike" kern="1200" cap="none" spc="0" normalizeH="0" baseline="0" noProof="0" dirty="0">
+                <a:ln>
+                  <a:noFill/>
+                </a:ln>
+                <a:solidFill>
+                  <a:prstClr val="black"/>
+                </a:solidFill>
+                <a:effectLst/>
+                <a:uLnTx/>
+                <a:uFillTx/>
+                <a:latin typeface="Corbel" panose="020B0503020204020204"/>
+                <a:ea typeface="+mn-ea"/>
+                <a:cs typeface="+mn-cs"/>
+              </a:rPr>
+              <a:t>Late arriving aircraft. When a previous flight arrives late it has a ripple effect causing other departing flights to be delayed. </a:t>
+            </a:r>
+          </a:p>
+          <a:p>
+            <a:pPr marL="285750" marR="0" lvl="0" indent="-285750" algn="l" defTabSz="457200" rtl="0" eaLnBrk="1" fontAlgn="auto" latinLnBrk="0" hangingPunct="1">
+              <a:lnSpc>
+                <a:spcPct val="100000"/>
+              </a:lnSpc>
+              <a:spcBef>
+                <a:spcPts val="0"/>
+              </a:spcBef>
+              <a:spcAft>
+                <a:spcPts val="0"/>
+              </a:spcAft>
+              <a:buClrTx/>
+              <a:buSzTx/>
+              <a:buFont typeface="Arial" panose="020B0604020202020204" pitchFamily="34" charset="0"/>
+              <a:buChar char="•"/>
+              <a:tabLst/>
+              <a:defRPr/>
+            </a:pPr>
+            <a:r>
+              <a:rPr kumimoji="0" lang="en-US" sz="1400" b="0" i="0" u="none" strike="noStrike" kern="1200" cap="none" spc="0" normalizeH="0" baseline="0" noProof="0" dirty="0">
+                <a:ln>
+                  <a:noFill/>
+                </a:ln>
+                <a:solidFill>
+                  <a:prstClr val="black"/>
+                </a:solidFill>
+                <a:effectLst/>
+                <a:uLnTx/>
+                <a:uFillTx/>
+                <a:latin typeface="Corbel" panose="020B0503020204020204"/>
+                <a:ea typeface="+mn-ea"/>
+                <a:cs typeface="+mn-cs"/>
+              </a:rPr>
+              <a:t>Airport staffing issues. Malperformance  or absence of TSA, ticketing staff, and air traffic controllers may have contributed </a:t>
+            </a:r>
+            <a:r>
+              <a:rPr kumimoji="0" lang="en-US" sz="1400" b="0" i="0" u="none" strike="noStrike" kern="1200" cap="none" spc="0" normalizeH="0" baseline="0" noProof="0">
+                <a:ln>
+                  <a:noFill/>
+                </a:ln>
+                <a:solidFill>
+                  <a:prstClr val="black"/>
+                </a:solidFill>
+                <a:effectLst/>
+                <a:uLnTx/>
+                <a:uFillTx/>
+                <a:latin typeface="Corbel" panose="020B0503020204020204"/>
+                <a:ea typeface="+mn-ea"/>
+                <a:cs typeface="+mn-cs"/>
+              </a:rPr>
+              <a:t>to delays. </a:t>
+            </a:r>
+            <a:endParaRPr kumimoji="0" lang="en-US" sz="1400" b="0" i="0" u="none" strike="noStrike" kern="1200" cap="none" spc="0" normalizeH="0" baseline="0" noProof="0" dirty="0">
+              <a:ln>
+                <a:noFill/>
+              </a:ln>
+              <a:solidFill>
+                <a:prstClr val="black"/>
+              </a:solidFill>
+              <a:effectLst/>
+              <a:uLnTx/>
+              <a:uFillTx/>
+              <a:latin typeface="Corbel" panose="020B0503020204020204"/>
+              <a:ea typeface="+mn-ea"/>
+              <a:cs typeface="+mn-cs"/>
+            </a:endParaRPr>
+          </a:p>
+          <a:p>
+            <a:pPr marL="285750" marR="0" lvl="0" indent="-285750" algn="l" defTabSz="457200" rtl="0" eaLnBrk="1" fontAlgn="auto" latinLnBrk="0" hangingPunct="1">
+              <a:lnSpc>
+                <a:spcPct val="100000"/>
+              </a:lnSpc>
+              <a:spcBef>
+                <a:spcPts val="0"/>
+              </a:spcBef>
+              <a:spcAft>
+                <a:spcPts val="0"/>
+              </a:spcAft>
+              <a:buClrTx/>
+              <a:buSzTx/>
+              <a:buFont typeface="Arial" panose="020B0604020202020204" pitchFamily="34" charset="0"/>
+              <a:buChar char="•"/>
+              <a:tabLst/>
+              <a:defRPr/>
+            </a:pPr>
+            <a:r>
+              <a:rPr kumimoji="0" lang="en-US" sz="1400" b="0" i="0" u="none" strike="noStrike" kern="1200" cap="none" spc="0" normalizeH="0" baseline="0" noProof="0" dirty="0">
+                <a:ln>
+                  <a:noFill/>
+                </a:ln>
+                <a:solidFill>
+                  <a:prstClr val="black"/>
+                </a:solidFill>
+                <a:effectLst/>
+                <a:uLnTx/>
+                <a:uFillTx/>
+                <a:latin typeface="Corbel" panose="020B0503020204020204"/>
+                <a:ea typeface="+mn-ea"/>
+                <a:cs typeface="+mn-cs"/>
+              </a:rPr>
+              <a:t>The government shutdown started in December 2018. Due to the Christmas and New Year holidays, December has higher than average air travel volume which could contribute to the delays in this time period.</a:t>
+            </a:r>
+          </a:p>
+          <a:p>
+            <a:pPr marL="285750" marR="0" lvl="0" indent="-285750" algn="l" defTabSz="457200" rtl="0" eaLnBrk="1" fontAlgn="auto" latinLnBrk="0" hangingPunct="1">
+              <a:lnSpc>
+                <a:spcPct val="100000"/>
+              </a:lnSpc>
+              <a:spcBef>
+                <a:spcPts val="0"/>
+              </a:spcBef>
+              <a:spcAft>
+                <a:spcPts val="0"/>
+              </a:spcAft>
+              <a:buClrTx/>
+              <a:buSzTx/>
+              <a:buFont typeface="Arial" panose="020B0604020202020204" pitchFamily="34" charset="0"/>
+              <a:buChar char="•"/>
+              <a:tabLst/>
+              <a:defRPr/>
+            </a:pPr>
+            <a:endParaRPr kumimoji="0" lang="en-US" sz="1400" b="0" i="0" u="none" strike="noStrike" kern="1200" cap="none" spc="0" normalizeH="0" baseline="0" noProof="0" dirty="0">
+              <a:ln>
+                <a:noFill/>
+              </a:ln>
+              <a:solidFill>
+                <a:prstClr val="black"/>
+              </a:solidFill>
+              <a:effectLst/>
+              <a:uLnTx/>
+              <a:uFillTx/>
+              <a:latin typeface="Corbel" panose="020B0503020204020204"/>
+              <a:ea typeface="+mn-ea"/>
+              <a:cs typeface="+mn-cs"/>
+            </a:endParaRPr>
+          </a:p>
+          <a:p>
+            <a:pPr marL="285750" marR="0" lvl="0" indent="-285750" algn="l" defTabSz="457200" rtl="0" eaLnBrk="1" fontAlgn="auto" latinLnBrk="0" hangingPunct="1">
+              <a:lnSpc>
+                <a:spcPct val="100000"/>
+              </a:lnSpc>
+              <a:spcBef>
+                <a:spcPts val="0"/>
+              </a:spcBef>
+              <a:spcAft>
+                <a:spcPts val="0"/>
+              </a:spcAft>
+              <a:buClrTx/>
+              <a:buSzTx/>
+              <a:buFont typeface="Arial" panose="020B0604020202020204" pitchFamily="34" charset="0"/>
+              <a:buChar char="•"/>
+              <a:tabLst/>
+              <a:defRPr/>
+            </a:pPr>
+            <a:r>
+              <a:rPr kumimoji="0" lang="en-US" sz="1400" b="0" i="0" u="none" strike="noStrike" kern="1200" cap="none" spc="0" normalizeH="0" baseline="0" noProof="0" dirty="0">
+                <a:ln>
+                  <a:noFill/>
+                </a:ln>
+                <a:solidFill>
+                  <a:prstClr val="black"/>
+                </a:solidFill>
+                <a:effectLst/>
+                <a:uLnTx/>
+                <a:uFillTx/>
+                <a:latin typeface="Corbel" panose="020B0503020204020204"/>
+                <a:ea typeface="+mn-ea"/>
+                <a:cs typeface="+mn-cs"/>
+              </a:rPr>
+              <a:t>https://</a:t>
+            </a:r>
+            <a:r>
+              <a:rPr kumimoji="0" lang="en-US" sz="1400" b="0" i="0" u="none" strike="noStrike" kern="1200" cap="none" spc="0" normalizeH="0" baseline="0" noProof="0" dirty="0" err="1">
+                <a:ln>
+                  <a:noFill/>
+                </a:ln>
+                <a:solidFill>
+                  <a:prstClr val="black"/>
+                </a:solidFill>
+                <a:effectLst/>
+                <a:uLnTx/>
+                <a:uFillTx/>
+                <a:latin typeface="Corbel" panose="020B0503020204020204"/>
+                <a:ea typeface="+mn-ea"/>
+                <a:cs typeface="+mn-cs"/>
+              </a:rPr>
+              <a:t>www.bts.gov</a:t>
+            </a:r>
+            <a:r>
+              <a:rPr kumimoji="0" lang="en-US" sz="1400" b="0" i="0" u="none" strike="noStrike" kern="1200" cap="none" spc="0" normalizeH="0" baseline="0" noProof="0" dirty="0">
+                <a:ln>
+                  <a:noFill/>
+                </a:ln>
+                <a:solidFill>
+                  <a:prstClr val="black"/>
+                </a:solidFill>
+                <a:effectLst/>
+                <a:uLnTx/>
+                <a:uFillTx/>
+                <a:latin typeface="Corbel" panose="020B0503020204020204"/>
+                <a:ea typeface="+mn-ea"/>
+                <a:cs typeface="+mn-cs"/>
+              </a:rPr>
+              <a:t>/topics/airlines-and-airports/understanding-reporting-causes-flight-delays-and-cancellations</a:t>
+            </a:r>
+          </a:p>
+          <a:p>
+            <a:pPr marL="0" marR="0" lvl="0" indent="0" algn="l" defTabSz="457200" rtl="0" eaLnBrk="1" fontAlgn="auto" latinLnBrk="0" hangingPunct="1">
+              <a:lnSpc>
+                <a:spcPct val="100000"/>
+              </a:lnSpc>
+              <a:spcBef>
+                <a:spcPts val="0"/>
+              </a:spcBef>
+              <a:spcAft>
+                <a:spcPts val="0"/>
+              </a:spcAft>
+              <a:buClrTx/>
+              <a:buSzTx/>
+              <a:buFontTx/>
+              <a:buNone/>
+              <a:tabLst/>
+              <a:defRPr/>
+            </a:pPr>
+            <a:endParaRPr kumimoji="0" lang="en-US" sz="1400" b="0" i="0" u="none" strike="noStrike" kern="1200" cap="none" spc="0" normalizeH="0" baseline="0" noProof="0" dirty="0">
+              <a:ln>
+                <a:noFill/>
+              </a:ln>
+              <a:solidFill>
+                <a:prstClr val="black"/>
+              </a:solidFill>
+              <a:effectLst/>
+              <a:uLnTx/>
+              <a:uFillTx/>
+              <a:latin typeface="Corbel" panose="020B0503020204020204"/>
+              <a:ea typeface="+mn-ea"/>
+              <a:cs typeface="+mn-cs"/>
+            </a:endParaRPr>
           </a:p>
         </p:txBody>
       </p:sp>
-      <p:pic>
-        <p:nvPicPr>
-          <p:cNvPr id="3" name="Picture 2"/>
-          <p:cNvPicPr>
-            <a:picLocks noChangeAspect="1"/>
-          </p:cNvPicPr>
-          <p:nvPr/>
-        </p:nvPicPr>
-        <p:blipFill>
-          <a:blip r:embed="rId3"/>
-          <a:stretch>
-            <a:fillRect/>
-          </a:stretch>
-        </p:blipFill>
-        <p:spPr>
-          <a:xfrm>
-            <a:off x="4532671" y="987528"/>
-            <a:ext cx="7627581" cy="5870472"/>
-          </a:xfrm>
-          <a:prstGeom prst="rect">
-            <a:avLst/>
-          </a:prstGeom>
-        </p:spPr>
-      </p:pic>
     </p:spTree>
     <p:extLst>
       <p:ext uri="{BB962C8B-B14F-4D97-AF65-F5344CB8AC3E}">
-        <p14:creationId xmlns:p14="http://schemas.microsoft.com/office/powerpoint/2010/main" val="2123433340"/>
+        <p14:creationId xmlns:p14="http://schemas.microsoft.com/office/powerpoint/2010/main" val="658287010"/>
       </p:ext>
     </p:extLst>
   </p:cSld>
@@ -32903,7 +32279,7 @@
                 <a16:creationId xmlns:a16="http://schemas.microsoft.com/office/drawing/2014/main" id="{4281BC32-FF58-4898-A6B5-7B3D059BCEB0}"/>
               </a:ext>
               <a:ext uri="{C183D7F6-B498-43B3-948B-1728B52AA6E4}">
-                <adec:decorative xmlns:adec="http://schemas.microsoft.com/office/drawing/2017/decorative" xmlns="" val="1"/>
+                <adec:decorative xmlns="" xmlns:adec="http://schemas.microsoft.com/office/drawing/2017/decorative" val="1"/>
               </a:ext>
             </a:extLst>
           </p:cNvPr>
@@ -32963,7 +32339,7 @@
                 <a16:creationId xmlns:a16="http://schemas.microsoft.com/office/drawing/2014/main" id="{0D614406-135F-4875-9C87-53822CB19ABB}"/>
               </a:ext>
               <a:ext uri="{C183D7F6-B498-43B3-948B-1728B52AA6E4}">
-                <adec:decorative xmlns:adec="http://schemas.microsoft.com/office/drawing/2017/decorative" xmlns="" val="1"/>
+                <adec:decorative xmlns="" xmlns:adec="http://schemas.microsoft.com/office/drawing/2017/decorative" val="1"/>
               </a:ext>
             </a:extLst>
           </p:cNvPr>
@@ -33065,7 +32441,7 @@
                 <a16:creationId xmlns:a16="http://schemas.microsoft.com/office/drawing/2014/main" id="{C6C21149-7D17-44C2-AFB6-4D931DC55FB1}"/>
               </a:ext>
               <a:ext uri="{C183D7F6-B498-43B3-948B-1728B52AA6E4}">
-                <adec:decorative xmlns:adec="http://schemas.microsoft.com/office/drawing/2017/decorative" xmlns="" val="1"/>
+                <adec:decorative xmlns="" xmlns:adec="http://schemas.microsoft.com/office/drawing/2017/decorative" val="1"/>
               </a:ext>
             </a:extLst>
           </p:cNvPr>
@@ -33117,7 +32493,7 @@
                 <a16:creationId xmlns:a16="http://schemas.microsoft.com/office/drawing/2014/main" id="{C2E5FCF0-567A-448C-A6E3-920BFC702C2F}"/>
               </a:ext>
               <a:ext uri="{C183D7F6-B498-43B3-948B-1728B52AA6E4}">
-                <adec:decorative xmlns:adec="http://schemas.microsoft.com/office/drawing/2017/decorative" xmlns="" val="1"/>
+                <adec:decorative xmlns="" xmlns:adec="http://schemas.microsoft.com/office/drawing/2017/decorative" val="1"/>
               </a:ext>
             </a:extLst>
           </p:cNvPr>
@@ -33355,26 +32731,25 @@
               <a:buChar char="Ø"/>
             </a:pPr>
             <a:r>
-              <a:rPr lang="en-US" b="1" dirty="0" err="1" smtClean="0"/>
-              <a:t>Cirium</a:t>
-            </a:r>
-            <a:r>
               <a:rPr lang="en-US" b="1" dirty="0" smtClean="0"/>
-              <a:t> </a:t>
-            </a:r>
-            <a:r>
-              <a:rPr lang="en-US" b="1" dirty="0" err="1" smtClean="0"/>
-              <a:t>Flightstats</a:t>
-            </a:r>
-            <a:r>
-              <a:rPr lang="en-US" b="1" dirty="0" smtClean="0"/>
-              <a:t> Developer Center </a:t>
+              <a:t>Bureau of Transportation Statistics </a:t>
             </a:r>
             <a:r>
               <a:rPr lang="en-US" dirty="0" smtClean="0"/>
-              <a:t>– a commercial provider of global flight data through analysis and API services</a:t>
-            </a:r>
-            <a:endParaRPr lang="en-US" dirty="0"/>
+              <a:t>– as part of the Department of Transportation, collects and provides statistics and </a:t>
+            </a:r>
+            <a:r>
+              <a:rPr lang="en-US" dirty="0"/>
+              <a:t>analysis </a:t>
+            </a:r>
+            <a:r>
+              <a:rPr lang="en-US" dirty="0" smtClean="0"/>
+              <a:t>for commercial </a:t>
+            </a:r>
+            <a:r>
+              <a:rPr lang="en-US" dirty="0"/>
+              <a:t>aviation, multimodal freight activity, and transportation economics </a:t>
+            </a:r>
           </a:p>
           <a:p>
             <a:pPr marL="742950" lvl="1" indent="-285750">
@@ -33383,7 +32758,7 @@
             </a:pPr>
             <a:r>
               <a:rPr lang="en-US" dirty="0" smtClean="0"/>
-              <a:t>Access to real-time and historical information used by mobile developers, airports, travel agencies, airlines and more</a:t>
+              <a:t>Has very detailed data that can be manipulated online for different data sets, as well as the ability to download detailed data</a:t>
             </a:r>
           </a:p>
           <a:p>
@@ -33393,7 +32768,7 @@
             </a:pPr>
             <a:r>
               <a:rPr lang="en-US" dirty="0" smtClean="0"/>
-              <a:t>BUYER BEWARE!  Although easy to obtain and digest, the API services are not all free!  Historical data is an example!</a:t>
+              <a:t>One noted consequence of the shutdown is delays to statistical analysis and reporting that is vital to most business sectors</a:t>
             </a:r>
           </a:p>
           <a:p>
@@ -33403,14 +32778,14 @@
             </a:pPr>
             <a:r>
               <a:rPr lang="en-US" dirty="0" smtClean="0"/>
-              <a:t>BUT, we were able to connect to the API to collect for the specific timeframes, airports, and airline we needed, extracting the data in JSON format</a:t>
+              <a:t>We were unable to use this site as the last updates were only through November 2018</a:t>
             </a:r>
           </a:p>
         </p:txBody>
       </p:sp>
       <p:pic>
         <p:nvPicPr>
-          <p:cNvPr id="5" name="Picture 4"/>
+          <p:cNvPr id="3" name="Picture 2"/>
           <p:cNvPicPr>
             <a:picLocks noChangeAspect="1"/>
           </p:cNvPicPr>
@@ -33424,56 +32799,8 @@
         </p:blipFill>
         <p:spPr>
           <a:xfrm>
-            <a:off x="4680155" y="4080566"/>
-            <a:ext cx="7218238" cy="2536545"/>
-          </a:xfrm>
-          <a:prstGeom prst="rect">
-            <a:avLst/>
-          </a:prstGeom>
-        </p:spPr>
-      </p:pic>
-      <p:pic>
-        <p:nvPicPr>
-          <p:cNvPr id="6" name="Picture 5"/>
-          <p:cNvPicPr>
-            <a:picLocks noChangeAspect="1"/>
-          </p:cNvPicPr>
-          <p:nvPr/>
-        </p:nvPicPr>
-        <p:blipFill>
-          <a:blip r:embed="rId4"/>
-          <a:stretch>
-            <a:fillRect/>
-          </a:stretch>
-        </p:blipFill>
-        <p:spPr>
-          <a:xfrm>
-            <a:off x="4680156" y="2062896"/>
-            <a:ext cx="7362020" cy="1776781"/>
-          </a:xfrm>
-          <a:prstGeom prst="rect">
-            <a:avLst/>
-          </a:prstGeom>
-        </p:spPr>
-      </p:pic>
-      <p:pic>
-        <p:nvPicPr>
-          <p:cNvPr id="7" name="Picture 6"/>
-          <p:cNvPicPr>
-            <a:picLocks noChangeAspect="1"/>
-          </p:cNvPicPr>
-          <p:nvPr/>
-        </p:nvPicPr>
-        <p:blipFill>
-          <a:blip r:embed="rId5"/>
-          <a:stretch>
-            <a:fillRect/>
-          </a:stretch>
-        </p:blipFill>
-        <p:spPr>
-          <a:xfrm>
-            <a:off x="8036637" y="589748"/>
-            <a:ext cx="3158624" cy="706534"/>
+            <a:off x="4532671" y="987528"/>
+            <a:ext cx="7627581" cy="5870472"/>
           </a:xfrm>
           <a:prstGeom prst="rect">
             <a:avLst/>
@@ -33483,7 +32810,7 @@
     </p:spTree>
     <p:extLst>
       <p:ext uri="{BB962C8B-B14F-4D97-AF65-F5344CB8AC3E}">
-        <p14:creationId xmlns:p14="http://schemas.microsoft.com/office/powerpoint/2010/main" val="368074860"/>
+        <p14:creationId xmlns:p14="http://schemas.microsoft.com/office/powerpoint/2010/main" val="2123433340"/>
       </p:ext>
     </p:extLst>
   </p:cSld>

--- a/BAMF Presentation.pptx
+++ b/BAMF Presentation.pptx
@@ -5,7 +5,7 @@
     <p:sldMasterId id="2147483648" r:id="rId1"/>
   </p:sldMasterIdLst>
   <p:notesMasterIdLst>
-    <p:notesMasterId r:id="rId28"/>
+    <p:notesMasterId r:id="rId29"/>
   </p:notesMasterIdLst>
   <p:sldIdLst>
     <p:sldId id="258" r:id="rId2"/>
@@ -28,12 +28,13 @@
     <p:sldId id="294" r:id="rId19"/>
     <p:sldId id="283" r:id="rId20"/>
     <p:sldId id="284" r:id="rId21"/>
-    <p:sldId id="285" r:id="rId22"/>
-    <p:sldId id="292" r:id="rId23"/>
-    <p:sldId id="291" r:id="rId24"/>
-    <p:sldId id="290" r:id="rId25"/>
-    <p:sldId id="289" r:id="rId26"/>
-    <p:sldId id="288" r:id="rId27"/>
+    <p:sldId id="295" r:id="rId22"/>
+    <p:sldId id="285" r:id="rId23"/>
+    <p:sldId id="292" r:id="rId24"/>
+    <p:sldId id="291" r:id="rId25"/>
+    <p:sldId id="290" r:id="rId26"/>
+    <p:sldId id="289" r:id="rId27"/>
+    <p:sldId id="288" r:id="rId28"/>
   </p:sldIdLst>
   <p:sldSz cx="12192000" cy="6858000"/>
   <p:notesSz cx="6858000" cy="9144000"/>
@@ -796,6 +797,150 @@
             <a:spLocks noGrp="1"/>
           </p:cNvSpPr>
           <p:nvPr>
+            <p:ph type="sldNum" sz="quarter" idx="5"/>
+          </p:nvPr>
+        </p:nvSpPr>
+        <p:spPr/>
+        <p:txBody>
+          <a:bodyPr/>
+          <a:lstStyle/>
+          <a:p>
+            <a:pPr marL="0" marR="0" lvl="0" indent="0" algn="r" defTabSz="457200" rtl="0" eaLnBrk="1" fontAlgn="auto" latinLnBrk="0" hangingPunct="1">
+              <a:lnSpc>
+                <a:spcPct val="100000"/>
+              </a:lnSpc>
+              <a:spcBef>
+                <a:spcPts val="0"/>
+              </a:spcBef>
+              <a:spcAft>
+                <a:spcPts val="0"/>
+              </a:spcAft>
+              <a:buClrTx/>
+              <a:buSzTx/>
+              <a:buFontTx/>
+              <a:buNone/>
+              <a:tabLst/>
+              <a:defRPr/>
+            </a:pPr>
+            <a:fld id="{E0746DE6-3336-457D-A091-FA20AC1C536E}" type="slidenum">
+              <a:rPr kumimoji="0" lang="en-US" sz="1200" b="0" i="0" u="none" strike="noStrike" kern="1200" cap="none" spc="0" normalizeH="0" baseline="0" noProof="0" smtClean="0">
+                <a:ln>
+                  <a:noFill/>
+                </a:ln>
+                <a:solidFill>
+                  <a:prstClr val="black"/>
+                </a:solidFill>
+                <a:effectLst/>
+                <a:uLnTx/>
+                <a:uFillTx/>
+                <a:latin typeface="Calibri" panose="020F0502020204030204"/>
+                <a:ea typeface="+mn-ea"/>
+                <a:cs typeface="+mn-cs"/>
+              </a:rPr>
+              <a:pPr marL="0" marR="0" lvl="0" indent="0" algn="r" defTabSz="457200" rtl="0" eaLnBrk="1" fontAlgn="auto" latinLnBrk="0" hangingPunct="1">
+                <a:lnSpc>
+                  <a:spcPct val="100000"/>
+                </a:lnSpc>
+                <a:spcBef>
+                  <a:spcPts val="0"/>
+                </a:spcBef>
+                <a:spcAft>
+                  <a:spcPts val="0"/>
+                </a:spcAft>
+                <a:buClrTx/>
+                <a:buSzTx/>
+                <a:buFontTx/>
+                <a:buNone/>
+                <a:tabLst/>
+                <a:defRPr/>
+              </a:pPr>
+              <a:t>21</a:t>
+            </a:fld>
+            <a:endParaRPr kumimoji="0" lang="en-US" sz="1200" b="0" i="0" u="none" strike="noStrike" kern="1200" cap="none" spc="0" normalizeH="0" baseline="0" noProof="0">
+              <a:ln>
+                <a:noFill/>
+              </a:ln>
+              <a:solidFill>
+                <a:prstClr val="black"/>
+              </a:solidFill>
+              <a:effectLst/>
+              <a:uLnTx/>
+              <a:uFillTx/>
+              <a:latin typeface="Calibri" panose="020F0502020204030204"/>
+              <a:ea typeface="+mn-ea"/>
+              <a:cs typeface="+mn-cs"/>
+            </a:endParaRPr>
+          </a:p>
+        </p:txBody>
+      </p:sp>
+    </p:spTree>
+    <p:extLst>
+      <p:ext uri="{BB962C8B-B14F-4D97-AF65-F5344CB8AC3E}">
+        <p14:creationId xmlns:p14="http://schemas.microsoft.com/office/powerpoint/2010/main" val="1400474205"/>
+      </p:ext>
+    </p:extLst>
+  </p:cSld>
+  <p:clrMapOvr>
+    <a:masterClrMapping/>
+  </p:clrMapOvr>
+</p:notes>
+</file>
+
+<file path=ppt/notesSlides/notesSlide5.xml><?xml version="1.0" encoding="utf-8"?>
+<p:notes xmlns:a="http://schemas.openxmlformats.org/drawingml/2006/main" xmlns:r="http://schemas.openxmlformats.org/officeDocument/2006/relationships" xmlns:p="http://schemas.openxmlformats.org/presentationml/2006/main">
+  <p:cSld>
+    <p:spTree>
+      <p:nvGrpSpPr>
+        <p:cNvPr id="1" name=""/>
+        <p:cNvGrpSpPr/>
+        <p:nvPr/>
+      </p:nvGrpSpPr>
+      <p:grpSpPr>
+        <a:xfrm>
+          <a:off x="0" y="0"/>
+          <a:ext cx="0" cy="0"/>
+          <a:chOff x="0" y="0"/>
+          <a:chExt cx="0" cy="0"/>
+        </a:xfrm>
+      </p:grpSpPr>
+      <p:sp>
+        <p:nvSpPr>
+          <p:cNvPr id="2" name="Slide Image Placeholder 1"/>
+          <p:cNvSpPr>
+            <a:spLocks noGrp="1" noRot="1" noChangeAspect="1"/>
+          </p:cNvSpPr>
+          <p:nvPr>
+            <p:ph type="sldImg"/>
+          </p:nvPr>
+        </p:nvSpPr>
+        <p:spPr/>
+      </p:sp>
+      <p:sp>
+        <p:nvSpPr>
+          <p:cNvPr id="3" name="Notes Placeholder 2"/>
+          <p:cNvSpPr>
+            <a:spLocks noGrp="1"/>
+          </p:cNvSpPr>
+          <p:nvPr>
+            <p:ph type="body" idx="1"/>
+          </p:nvPr>
+        </p:nvSpPr>
+        <p:spPr/>
+        <p:txBody>
+          <a:bodyPr/>
+          <a:lstStyle/>
+          <a:p>
+            <a:endParaRPr lang="en-US" dirty="0"/>
+          </a:p>
+        </p:txBody>
+      </p:sp>
+      <p:sp>
+        <p:nvSpPr>
+          <p:cNvPr id="4" name="Slide Number Placeholder 3"/>
+          <p:cNvSpPr>
+            <a:spLocks noGrp="1"/>
+          </p:cNvSpPr>
+          <p:nvPr>
             <p:ph type="sldNum" sz="quarter" idx="10"/>
           </p:nvPr>
         </p:nvSpPr>
@@ -806,7 +951,7 @@
           <a:p>
             <a:fld id="{E0746DE6-3336-457D-A091-FA20AC1C536E}" type="slidenum">
               <a:rPr lang="en-US" smtClean="0"/>
-              <a:t>21</a:t>
+              <a:t>22</a:t>
             </a:fld>
             <a:endParaRPr lang="en-US"/>
           </a:p>
@@ -16300,7 +16445,7 @@
         </p:nvSpPr>
         <p:spPr>
           <a:xfrm>
-            <a:off x="1371599" y="6504519"/>
+            <a:off x="1371599" y="6539025"/>
             <a:ext cx="4953001" cy="369332"/>
           </a:xfrm>
           <a:prstGeom prst="rect">
@@ -18604,6 +18749,13 @@
   <p:clrMapOvr>
     <a:masterClrMapping/>
   </p:clrMapOvr>
+  <p:timing>
+    <p:tnLst>
+      <p:par>
+        <p:cTn id="1" dur="indefinite" restart="never" nodeType="tmRoot"/>
+      </p:par>
+    </p:tnLst>
+  </p:timing>
 </p:sld>
 </file>
 
@@ -19275,6 +19427,13 @@
   <p:clrMapOvr>
     <a:masterClrMapping/>
   </p:clrMapOvr>
+  <p:timing>
+    <p:tnLst>
+      <p:par>
+        <p:cTn id="1" dur="indefinite" restart="never" nodeType="tmRoot"/>
+      </p:par>
+    </p:tnLst>
+  </p:timing>
 </p:sld>
 </file>
 
@@ -22022,6 +22181,1599 @@
                 <a16:creationId xmlns:a16="http://schemas.microsoft.com/office/drawing/2014/main" id="{4281BC32-FF58-4898-A6B5-7B3D059BCEB0}"/>
               </a:ext>
               <a:ext uri="{C183D7F6-B498-43B3-948B-1728B52AA6E4}">
+                <adec:decorative xmlns="" xmlns:adec="http://schemas.microsoft.com/office/drawing/2017/decorative" val="1"/>
+              </a:ext>
+            </a:extLst>
+          </p:cNvPr>
+          <p:cNvSpPr>
+            <a:spLocks noGrp="1" noRot="1" noChangeAspect="1" noMove="1" noResize="1" noEditPoints="1" noAdjustHandles="1" noChangeArrowheads="1" noChangeShapeType="1" noTextEdit="1"/>
+          </p:cNvSpPr>
+          <p:nvPr>
+            <p:extLst>
+              <p:ext uri="{386F3935-93C4-4BCD-93E2-E3B085C9AB24}">
+                <p16:designElem xmlns:p16="http://schemas.microsoft.com/office/powerpoint/2015/main" val="1"/>
+              </p:ext>
+            </p:extLst>
+          </p:nvPr>
+        </p:nvSpPr>
+        <p:spPr>
+          <a:xfrm>
+            <a:off x="0" y="0"/>
+            <a:ext cx="12192000" cy="6858000"/>
+          </a:xfrm>
+          <a:prstGeom prst="rect">
+            <a:avLst/>
+          </a:prstGeom>
+          <a:ln>
+            <a:noFill/>
+          </a:ln>
+        </p:spPr>
+        <p:style>
+          <a:lnRef idx="2">
+            <a:schemeClr val="accent1">
+              <a:shade val="50000"/>
+            </a:schemeClr>
+          </a:lnRef>
+          <a:fillRef idx="1">
+            <a:schemeClr val="accent1"/>
+          </a:fillRef>
+          <a:effectRef idx="0">
+            <a:schemeClr val="accent1"/>
+          </a:effectRef>
+          <a:fontRef idx="minor">
+            <a:schemeClr val="lt1"/>
+          </a:fontRef>
+        </p:style>
+        <p:txBody>
+          <a:bodyPr rtlCol="0" anchor="ctr"/>
+          <a:lstStyle/>
+          <a:p>
+            <a:pPr marL="0" marR="0" lvl="0" indent="0" algn="ctr" defTabSz="457200" rtl="0" eaLnBrk="1" fontAlgn="auto" latinLnBrk="0" hangingPunct="1">
+              <a:lnSpc>
+                <a:spcPct val="100000"/>
+              </a:lnSpc>
+              <a:spcBef>
+                <a:spcPts val="0"/>
+              </a:spcBef>
+              <a:spcAft>
+                <a:spcPts val="0"/>
+              </a:spcAft>
+              <a:buClrTx/>
+              <a:buSzTx/>
+              <a:buFontTx/>
+              <a:buNone/>
+              <a:tabLst/>
+              <a:defRPr/>
+            </a:pPr>
+            <a:endParaRPr kumimoji="0" lang="en-US" sz="1800" b="0" i="0" u="none" strike="noStrike" kern="1200" cap="none" spc="0" normalizeH="0" baseline="0" noProof="0">
+              <a:ln>
+                <a:noFill/>
+              </a:ln>
+              <a:solidFill>
+                <a:prstClr val="white"/>
+              </a:solidFill>
+              <a:effectLst/>
+              <a:uLnTx/>
+              <a:uFillTx/>
+              <a:latin typeface="Corbel" panose="020B0503020204020204"/>
+              <a:ea typeface="+mn-ea"/>
+              <a:cs typeface="+mn-cs"/>
+            </a:endParaRPr>
+          </a:p>
+        </p:txBody>
+      </p:sp>
+      <p:sp>
+        <p:nvSpPr>
+          <p:cNvPr id="11" name="Rectangle 10">
+            <a:extLst>
+              <a:ext uri="{FF2B5EF4-FFF2-40B4-BE49-F238E27FC236}">
+                <a16:creationId xmlns:a16="http://schemas.microsoft.com/office/drawing/2014/main" id="{0D614406-135F-4875-9C87-53822CB19ABB}"/>
+              </a:ext>
+              <a:ext uri="{C183D7F6-B498-43B3-948B-1728B52AA6E4}">
+                <adec:decorative xmlns="" xmlns:adec="http://schemas.microsoft.com/office/drawing/2017/decorative" val="1"/>
+              </a:ext>
+            </a:extLst>
+          </p:cNvPr>
+          <p:cNvSpPr>
+            <a:spLocks noGrp="1" noRot="1" noChangeAspect="1" noMove="1" noResize="1" noEditPoints="1" noAdjustHandles="1" noChangeArrowheads="1" noChangeShapeType="1" noTextEdit="1"/>
+          </p:cNvSpPr>
+          <p:nvPr>
+            <p:extLst>
+              <p:ext uri="{386F3935-93C4-4BCD-93E2-E3B085C9AB24}">
+                <p16:designElem xmlns:p16="http://schemas.microsoft.com/office/powerpoint/2015/main" val="1"/>
+              </p:ext>
+            </p:extLst>
+          </p:nvPr>
+        </p:nvSpPr>
+        <p:spPr>
+          <a:xfrm>
+            <a:off x="0" y="0"/>
+            <a:ext cx="12191999" cy="2285999"/>
+          </a:xfrm>
+          <a:prstGeom prst="rect">
+            <a:avLst/>
+          </a:prstGeom>
+          <a:solidFill>
+            <a:schemeClr val="tx1"/>
+          </a:solidFill>
+          <a:ln>
+            <a:noFill/>
+          </a:ln>
+        </p:spPr>
+        <p:style>
+          <a:lnRef idx="2">
+            <a:schemeClr val="accent1">
+              <a:shade val="50000"/>
+            </a:schemeClr>
+          </a:lnRef>
+          <a:fillRef idx="1">
+            <a:schemeClr val="accent1"/>
+          </a:fillRef>
+          <a:effectRef idx="0">
+            <a:schemeClr val="accent1"/>
+          </a:effectRef>
+          <a:fontRef idx="minor">
+            <a:schemeClr val="lt1"/>
+          </a:fontRef>
+        </p:style>
+        <p:txBody>
+          <a:bodyPr rtlCol="0" anchor="ctr"/>
+          <a:lstStyle/>
+          <a:p>
+            <a:pPr marL="0" marR="0" lvl="0" indent="0" algn="ctr" defTabSz="457200" rtl="0" eaLnBrk="1" fontAlgn="auto" latinLnBrk="0" hangingPunct="1">
+              <a:lnSpc>
+                <a:spcPct val="100000"/>
+              </a:lnSpc>
+              <a:spcBef>
+                <a:spcPts val="0"/>
+              </a:spcBef>
+              <a:spcAft>
+                <a:spcPts val="0"/>
+              </a:spcAft>
+              <a:buClrTx/>
+              <a:buSzTx/>
+              <a:buFontTx/>
+              <a:buNone/>
+              <a:tabLst/>
+              <a:defRPr/>
+            </a:pPr>
+            <a:endParaRPr kumimoji="0" lang="en-US" sz="1800" b="0" i="0" u="none" strike="noStrike" kern="1200" cap="none" spc="0" normalizeH="0" baseline="0" noProof="0">
+              <a:ln>
+                <a:noFill/>
+              </a:ln>
+              <a:solidFill>
+                <a:prstClr val="white"/>
+              </a:solidFill>
+              <a:effectLst/>
+              <a:uLnTx/>
+              <a:uFillTx/>
+              <a:latin typeface="Corbel" panose="020B0503020204020204"/>
+              <a:ea typeface="+mn-ea"/>
+              <a:cs typeface="+mn-cs"/>
+            </a:endParaRPr>
+          </a:p>
+        </p:txBody>
+      </p:sp>
+      <p:sp>
+        <p:nvSpPr>
+          <p:cNvPr id="2" name="Title 1"/>
+          <p:cNvSpPr>
+            <a:spLocks noGrp="1"/>
+          </p:cNvSpPr>
+          <p:nvPr>
+            <p:ph type="title"/>
+          </p:nvPr>
+        </p:nvSpPr>
+        <p:spPr>
+          <a:xfrm>
+            <a:off x="76200" y="221915"/>
+            <a:ext cx="7169753" cy="1232750"/>
+          </a:xfrm>
+        </p:spPr>
+        <p:txBody>
+          <a:bodyPr anchor="b">
+            <a:normAutofit/>
+          </a:bodyPr>
+          <a:lstStyle/>
+          <a:p>
+            <a:pPr algn="l"/>
+            <a:r>
+              <a:rPr lang="en-US" sz="3900" dirty="0">
+                <a:solidFill>
+                  <a:schemeClr val="bg1"/>
+                </a:solidFill>
+              </a:rPr>
+              <a:t>Findings and conclusions</a:t>
+            </a:r>
+          </a:p>
+        </p:txBody>
+      </p:sp>
+      <p:cxnSp>
+        <p:nvCxnSpPr>
+          <p:cNvPr id="13" name="Straight Connector 12">
+            <a:extLst>
+              <a:ext uri="{FF2B5EF4-FFF2-40B4-BE49-F238E27FC236}">
+                <a16:creationId xmlns:a16="http://schemas.microsoft.com/office/drawing/2014/main" id="{C6C21149-7D17-44C2-AFB6-4D931DC55FB1}"/>
+              </a:ext>
+              <a:ext uri="{C183D7F6-B498-43B3-948B-1728B52AA6E4}">
+                <adec:decorative xmlns="" xmlns:adec="http://schemas.microsoft.com/office/drawing/2017/decorative" val="1"/>
+              </a:ext>
+            </a:extLst>
+          </p:cNvPr>
+          <p:cNvCxnSpPr>
+            <a:cxnSpLocks noGrp="1" noRot="1" noChangeAspect="1" noMove="1" noResize="1" noEditPoints="1" noAdjustHandles="1" noChangeArrowheads="1" noChangeShapeType="1"/>
+          </p:cNvCxnSpPr>
+          <p:nvPr>
+            <p:extLst>
+              <p:ext uri="{386F3935-93C4-4BCD-93E2-E3B085C9AB24}">
+                <p16:designElem xmlns:p16="http://schemas.microsoft.com/office/powerpoint/2015/main" val="1"/>
+              </p:ext>
+            </p:extLst>
+          </p:nvPr>
+        </p:nvCxnSpPr>
+        <p:spPr>
+          <a:xfrm>
+            <a:off x="0" y="1676579"/>
+            <a:ext cx="8129873" cy="6020"/>
+          </a:xfrm>
+          <a:prstGeom prst="line">
+            <a:avLst/>
+          </a:prstGeom>
+          <a:ln w="25400">
+            <a:solidFill>
+              <a:schemeClr val="bg1"/>
+            </a:solidFill>
+          </a:ln>
+        </p:spPr>
+        <p:style>
+          <a:lnRef idx="1">
+            <a:schemeClr val="accent1"/>
+          </a:lnRef>
+          <a:fillRef idx="0">
+            <a:schemeClr val="accent1"/>
+          </a:fillRef>
+          <a:effectRef idx="0">
+            <a:schemeClr val="accent1"/>
+          </a:effectRef>
+          <a:fontRef idx="minor">
+            <a:schemeClr val="tx1"/>
+          </a:fontRef>
+        </p:style>
+      </p:cxnSp>
+      <p:sp>
+        <p:nvSpPr>
+          <p:cNvPr id="15" name="Freeform 6">
+            <a:extLst>
+              <a:ext uri="{FF2B5EF4-FFF2-40B4-BE49-F238E27FC236}">
+                <a16:creationId xmlns:a16="http://schemas.microsoft.com/office/drawing/2014/main" id="{C2E5FCF0-567A-448C-A6E3-920BFC702C2F}"/>
+              </a:ext>
+              <a:ext uri="{C183D7F6-B498-43B3-948B-1728B52AA6E4}">
+                <adec:decorative xmlns="" xmlns:adec="http://schemas.microsoft.com/office/drawing/2017/decorative" val="1"/>
+              </a:ext>
+            </a:extLst>
+          </p:cNvPr>
+          <p:cNvSpPr>
+            <a:spLocks noGrp="1" noRot="1" noChangeAspect="1" noMove="1" noResize="1" noEditPoints="1" noAdjustHandles="1" noChangeArrowheads="1" noChangeShapeType="1" noTextEdit="1"/>
+          </p:cNvSpPr>
+          <p:nvPr>
+            <p:extLst>
+              <p:ext uri="{386F3935-93C4-4BCD-93E2-E3B085C9AB24}">
+                <p16:designElem xmlns:p16="http://schemas.microsoft.com/office/powerpoint/2015/main" val="1"/>
+              </p:ext>
+            </p:extLst>
+          </p:nvPr>
+        </p:nvSpPr>
+        <p:spPr bwMode="auto">
+          <a:xfrm>
+            <a:off x="11784011" y="938535"/>
+            <a:ext cx="407988" cy="819150"/>
+          </a:xfrm>
+          <a:custGeom>
+            <a:avLst/>
+            <a:gdLst/>
+            <a:ahLst/>
+            <a:cxnLst/>
+            <a:rect l="0" t="0" r="r" b="b"/>
+            <a:pathLst>
+              <a:path w="1799" h="3612">
+                <a:moveTo>
+                  <a:pt x="1799" y="0"/>
+                </a:moveTo>
+                <a:lnTo>
+                  <a:pt x="1799" y="3612"/>
+                </a:lnTo>
+                <a:lnTo>
+                  <a:pt x="1686" y="3609"/>
+                </a:lnTo>
+                <a:lnTo>
+                  <a:pt x="1574" y="3598"/>
+                </a:lnTo>
+                <a:lnTo>
+                  <a:pt x="1464" y="3581"/>
+                </a:lnTo>
+                <a:lnTo>
+                  <a:pt x="1357" y="3557"/>
+                </a:lnTo>
+                <a:lnTo>
+                  <a:pt x="1251" y="3527"/>
+                </a:lnTo>
+                <a:lnTo>
+                  <a:pt x="1150" y="3490"/>
+                </a:lnTo>
+                <a:lnTo>
+                  <a:pt x="1050" y="3448"/>
+                </a:lnTo>
+                <a:lnTo>
+                  <a:pt x="953" y="3401"/>
+                </a:lnTo>
+                <a:lnTo>
+                  <a:pt x="860" y="3347"/>
+                </a:lnTo>
+                <a:lnTo>
+                  <a:pt x="771" y="3289"/>
+                </a:lnTo>
+                <a:lnTo>
+                  <a:pt x="686" y="3224"/>
+                </a:lnTo>
+                <a:lnTo>
+                  <a:pt x="604" y="3156"/>
+                </a:lnTo>
+                <a:lnTo>
+                  <a:pt x="527" y="3083"/>
+                </a:lnTo>
+                <a:lnTo>
+                  <a:pt x="454" y="3005"/>
+                </a:lnTo>
+                <a:lnTo>
+                  <a:pt x="386" y="2923"/>
+                </a:lnTo>
+                <a:lnTo>
+                  <a:pt x="323" y="2838"/>
+                </a:lnTo>
+                <a:lnTo>
+                  <a:pt x="265" y="2748"/>
+                </a:lnTo>
+                <a:lnTo>
+                  <a:pt x="211" y="2655"/>
+                </a:lnTo>
+                <a:lnTo>
+                  <a:pt x="163" y="2559"/>
+                </a:lnTo>
+                <a:lnTo>
+                  <a:pt x="121" y="2459"/>
+                </a:lnTo>
+                <a:lnTo>
+                  <a:pt x="85" y="2356"/>
+                </a:lnTo>
+                <a:lnTo>
+                  <a:pt x="55" y="2251"/>
+                </a:lnTo>
+                <a:lnTo>
+                  <a:pt x="32" y="2143"/>
+                </a:lnTo>
+                <a:lnTo>
+                  <a:pt x="14" y="2033"/>
+                </a:lnTo>
+                <a:lnTo>
+                  <a:pt x="4" y="1920"/>
+                </a:lnTo>
+                <a:lnTo>
+                  <a:pt x="0" y="1806"/>
+                </a:lnTo>
+                <a:lnTo>
+                  <a:pt x="4" y="1692"/>
+                </a:lnTo>
+                <a:lnTo>
+                  <a:pt x="14" y="1580"/>
+                </a:lnTo>
+                <a:lnTo>
+                  <a:pt x="32" y="1469"/>
+                </a:lnTo>
+                <a:lnTo>
+                  <a:pt x="55" y="1362"/>
+                </a:lnTo>
+                <a:lnTo>
+                  <a:pt x="85" y="1256"/>
+                </a:lnTo>
+                <a:lnTo>
+                  <a:pt x="121" y="1154"/>
+                </a:lnTo>
+                <a:lnTo>
+                  <a:pt x="163" y="1054"/>
+                </a:lnTo>
+                <a:lnTo>
+                  <a:pt x="211" y="958"/>
+                </a:lnTo>
+                <a:lnTo>
+                  <a:pt x="265" y="864"/>
+                </a:lnTo>
+                <a:lnTo>
+                  <a:pt x="323" y="774"/>
+                </a:lnTo>
+                <a:lnTo>
+                  <a:pt x="386" y="689"/>
+                </a:lnTo>
+                <a:lnTo>
+                  <a:pt x="454" y="607"/>
+                </a:lnTo>
+                <a:lnTo>
+                  <a:pt x="527" y="529"/>
+                </a:lnTo>
+                <a:lnTo>
+                  <a:pt x="604" y="456"/>
+                </a:lnTo>
+                <a:lnTo>
+                  <a:pt x="686" y="388"/>
+                </a:lnTo>
+                <a:lnTo>
+                  <a:pt x="771" y="325"/>
+                </a:lnTo>
+                <a:lnTo>
+                  <a:pt x="860" y="266"/>
+                </a:lnTo>
+                <a:lnTo>
+                  <a:pt x="953" y="212"/>
+                </a:lnTo>
+                <a:lnTo>
+                  <a:pt x="1050" y="164"/>
+                </a:lnTo>
+                <a:lnTo>
+                  <a:pt x="1150" y="122"/>
+                </a:lnTo>
+                <a:lnTo>
+                  <a:pt x="1251" y="85"/>
+                </a:lnTo>
+                <a:lnTo>
+                  <a:pt x="1357" y="55"/>
+                </a:lnTo>
+                <a:lnTo>
+                  <a:pt x="1464" y="32"/>
+                </a:lnTo>
+                <a:lnTo>
+                  <a:pt x="1574" y="14"/>
+                </a:lnTo>
+                <a:lnTo>
+                  <a:pt x="1686" y="5"/>
+                </a:lnTo>
+                <a:lnTo>
+                  <a:pt x="1799" y="0"/>
+                </a:lnTo>
+                <a:close/>
+              </a:path>
+            </a:pathLst>
+          </a:custGeom>
+          <a:solidFill>
+            <a:schemeClr val="bg2"/>
+          </a:solidFill>
+          <a:ln w="0">
+            <a:noFill/>
+            <a:prstDash val="solid"/>
+            <a:round/>
+            <a:headEnd/>
+            <a:tailEnd/>
+          </a:ln>
+        </p:spPr>
+      </p:sp>
+      <p:pic>
+        <p:nvPicPr>
+          <p:cNvPr id="8" name="Picture 2" descr="Image result for Delta boarding pass MCO">
+            <a:extLst>
+              <a:ext uri="{FF2B5EF4-FFF2-40B4-BE49-F238E27FC236}">
+                <a16:creationId xmlns:a16="http://schemas.microsoft.com/office/drawing/2014/main" id="{496395E0-D773-4FEB-8E63-F152EEB21774}"/>
+              </a:ext>
+            </a:extLst>
+          </p:cNvPr>
+          <p:cNvPicPr>
+            <a:picLocks noChangeAspect="1" noChangeArrowheads="1"/>
+          </p:cNvPicPr>
+          <p:nvPr/>
+        </p:nvPicPr>
+        <p:blipFill>
+          <a:blip r:embed="rId3">
+            <a:extLst>
+              <a:ext uri="{28A0092B-C50C-407E-A947-70E740481C1C}">
+                <a14:useLocalDpi xmlns:a14="http://schemas.microsoft.com/office/drawing/2010/main" val="0"/>
+              </a:ext>
+            </a:extLst>
+          </a:blip>
+          <a:srcRect/>
+          <a:stretch>
+            <a:fillRect/>
+          </a:stretch>
+        </p:blipFill>
+        <p:spPr bwMode="auto">
+          <a:xfrm rot="20406036">
+            <a:off x="8607841" y="430614"/>
+            <a:ext cx="2766591" cy="1402778"/>
+          </a:xfrm>
+          <a:prstGeom prst="rect">
+            <a:avLst/>
+          </a:prstGeom>
+          <a:noFill/>
+          <a:extLst>
+            <a:ext uri="{909E8E84-426E-40DD-AFC4-6F175D3DCCD1}">
+              <a14:hiddenFill xmlns:a14="http://schemas.microsoft.com/office/drawing/2010/main">
+                <a:solidFill>
+                  <a:srgbClr val="FFFFFF"/>
+                </a:solidFill>
+              </a14:hiddenFill>
+            </a:ext>
+          </a:extLst>
+        </p:spPr>
+      </p:pic>
+      <p:graphicFrame>
+        <p:nvGraphicFramePr>
+          <p:cNvPr id="5" name="Table 4">
+            <a:extLst>
+              <a:ext uri="{FF2B5EF4-FFF2-40B4-BE49-F238E27FC236}">
+                <a16:creationId xmlns:a16="http://schemas.microsoft.com/office/drawing/2014/main" id="{E5FE57C6-9D7C-B749-B42A-B135340C8F0B}"/>
+              </a:ext>
+            </a:extLst>
+          </p:cNvPr>
+          <p:cNvGraphicFramePr>
+            <a:graphicFrameLocks noGrp="1"/>
+          </p:cNvGraphicFramePr>
+          <p:nvPr>
+            <p:extLst/>
+          </p:nvPr>
+        </p:nvGraphicFramePr>
+        <p:xfrm>
+          <a:off x="1515372" y="2766008"/>
+          <a:ext cx="9161254" cy="1645920"/>
+        </p:xfrm>
+        <a:graphic>
+          <a:graphicData uri="http://schemas.openxmlformats.org/drawingml/2006/table">
+            <a:tbl>
+              <a:tblPr firstRow="1" bandRow="1">
+                <a:tableStyleId>{5C22544A-7EE6-4342-B048-85BDC9FD1C3A}</a:tableStyleId>
+              </a:tblPr>
+              <a:tblGrid>
+                <a:gridCol w="2433851">
+                  <a:extLst>
+                    <a:ext uri="{9D8B030D-6E8A-4147-A177-3AD203B41FA5}">
+                      <a16:colId xmlns:a16="http://schemas.microsoft.com/office/drawing/2014/main" val="2555703034"/>
+                    </a:ext>
+                  </a:extLst>
+                </a:gridCol>
+                <a:gridCol w="1703507">
+                  <a:extLst>
+                    <a:ext uri="{9D8B030D-6E8A-4147-A177-3AD203B41FA5}">
+                      <a16:colId xmlns:a16="http://schemas.microsoft.com/office/drawing/2014/main" val="3158879424"/>
+                    </a:ext>
+                  </a:extLst>
+                </a:gridCol>
+                <a:gridCol w="1665369">
+                  <a:extLst>
+                    <a:ext uri="{9D8B030D-6E8A-4147-A177-3AD203B41FA5}">
+                      <a16:colId xmlns:a16="http://schemas.microsoft.com/office/drawing/2014/main" val="4213982614"/>
+                    </a:ext>
+                  </a:extLst>
+                </a:gridCol>
+                <a:gridCol w="1651803">
+                  <a:extLst>
+                    <a:ext uri="{9D8B030D-6E8A-4147-A177-3AD203B41FA5}">
+                      <a16:colId xmlns:a16="http://schemas.microsoft.com/office/drawing/2014/main" val="522418617"/>
+                    </a:ext>
+                  </a:extLst>
+                </a:gridCol>
+                <a:gridCol w="1706724">
+                  <a:extLst>
+                    <a:ext uri="{9D8B030D-6E8A-4147-A177-3AD203B41FA5}">
+                      <a16:colId xmlns:a16="http://schemas.microsoft.com/office/drawing/2014/main" val="2169075247"/>
+                    </a:ext>
+                  </a:extLst>
+                </a:gridCol>
+              </a:tblGrid>
+              <a:tr h="287169">
+                <a:tc>
+                  <a:txBody>
+                    <a:bodyPr/>
+                    <a:lstStyle/>
+                    <a:p>
+                      <a:pPr marL="0" marR="0" lvl="0" indent="0" algn="l" defTabSz="914400" rtl="0" eaLnBrk="1" fontAlgn="auto" latinLnBrk="0" hangingPunct="1">
+                        <a:lnSpc>
+                          <a:spcPct val="100000"/>
+                        </a:lnSpc>
+                        <a:spcBef>
+                          <a:spcPts val="0"/>
+                        </a:spcBef>
+                        <a:spcAft>
+                          <a:spcPts val="0"/>
+                        </a:spcAft>
+                        <a:buClrTx/>
+                        <a:buSzTx/>
+                        <a:buFontTx/>
+                        <a:buNone/>
+                        <a:tabLst/>
+                        <a:defRPr/>
+                      </a:pPr>
+                      <a:r>
+                        <a:rPr lang="en-US" dirty="0">
+                          <a:latin typeface="Helvetica" pitchFamily="2" charset="0"/>
+                        </a:rPr>
+                        <a:t>PASSENGERS </a:t>
+                      </a:r>
+                    </a:p>
+                  </a:txBody>
+                  <a:tcPr/>
+                </a:tc>
+                <a:tc>
+                  <a:txBody>
+                    <a:bodyPr/>
+                    <a:lstStyle/>
+                    <a:p>
+                      <a:r>
+                        <a:rPr lang="en-US" dirty="0">
+                          <a:latin typeface="Helvetica" pitchFamily="2" charset="0"/>
+                        </a:rPr>
+                        <a:t>JAN 2019</a:t>
+                      </a:r>
+                    </a:p>
+                  </a:txBody>
+                  <a:tcPr/>
+                </a:tc>
+                <a:tc>
+                  <a:txBody>
+                    <a:bodyPr/>
+                    <a:lstStyle/>
+                    <a:p>
+                      <a:r>
+                        <a:rPr lang="en-US" dirty="0">
+                          <a:latin typeface="Helvetica" pitchFamily="2" charset="0"/>
+                        </a:rPr>
+                        <a:t>JAN 2018</a:t>
+                      </a:r>
+                    </a:p>
+                  </a:txBody>
+                  <a:tcPr/>
+                </a:tc>
+                <a:tc>
+                  <a:txBody>
+                    <a:bodyPr/>
+                    <a:lstStyle/>
+                    <a:p>
+                      <a:r>
+                        <a:rPr lang="en-US" dirty="0">
+                          <a:latin typeface="Helvetica" pitchFamily="2" charset="0"/>
+                        </a:rPr>
+                        <a:t>DEC 2018</a:t>
+                      </a:r>
+                    </a:p>
+                  </a:txBody>
+                  <a:tcPr/>
+                </a:tc>
+                <a:tc>
+                  <a:txBody>
+                    <a:bodyPr/>
+                    <a:lstStyle/>
+                    <a:p>
+                      <a:r>
+                        <a:rPr lang="en-US" dirty="0">
+                          <a:latin typeface="Helvetica" pitchFamily="2" charset="0"/>
+                        </a:rPr>
+                        <a:t>DEC 2017</a:t>
+                      </a:r>
+                    </a:p>
+                  </a:txBody>
+                  <a:tcPr/>
+                </a:tc>
+                <a:extLst>
+                  <a:ext uri="{0D108BD9-81ED-4DB2-BD59-A6C34878D82A}">
+                    <a16:rowId xmlns:a16="http://schemas.microsoft.com/office/drawing/2014/main" val="1492896324"/>
+                  </a:ext>
+                </a:extLst>
+              </a:tr>
+              <a:tr h="263238">
+                <a:tc>
+                  <a:txBody>
+                    <a:bodyPr/>
+                    <a:lstStyle/>
+                    <a:p>
+                      <a:r>
+                        <a:rPr lang="en-US" sz="1600" dirty="0">
+                          <a:latin typeface="Helvetica" pitchFamily="2" charset="0"/>
+                        </a:rPr>
+                        <a:t>Atlanta Total  </a:t>
+                      </a:r>
+                    </a:p>
+                  </a:txBody>
+                  <a:tcPr/>
+                </a:tc>
+                <a:tc>
+                  <a:txBody>
+                    <a:bodyPr/>
+                    <a:lstStyle/>
+                    <a:p>
+                      <a:pPr marL="0" marR="0" lvl="0" indent="0" algn="l" defTabSz="914400" rtl="0" eaLnBrk="1" fontAlgn="auto" latinLnBrk="0" hangingPunct="1">
+                        <a:lnSpc>
+                          <a:spcPct val="100000"/>
+                        </a:lnSpc>
+                        <a:spcBef>
+                          <a:spcPts val="0"/>
+                        </a:spcBef>
+                        <a:spcAft>
+                          <a:spcPts val="0"/>
+                        </a:spcAft>
+                        <a:buClrTx/>
+                        <a:buSzTx/>
+                        <a:buFontTx/>
+                        <a:buNone/>
+                        <a:tabLst/>
+                        <a:defRPr/>
+                      </a:pPr>
+                      <a:r>
+                        <a:rPr lang="en-US" sz="1600" dirty="0">
+                          <a:highlight>
+                            <a:srgbClr val="FFFF00"/>
+                          </a:highlight>
+                          <a:latin typeface="Helvetica" pitchFamily="2" charset="0"/>
+                        </a:rPr>
+                        <a:t>8,064,004 </a:t>
+                      </a:r>
+                    </a:p>
+                  </a:txBody>
+                  <a:tcPr/>
+                </a:tc>
+                <a:tc>
+                  <a:txBody>
+                    <a:bodyPr/>
+                    <a:lstStyle/>
+                    <a:p>
+                      <a:pPr marL="0" marR="0" lvl="0" indent="0" algn="l" defTabSz="914400" rtl="0" eaLnBrk="1" fontAlgn="auto" latinLnBrk="0" hangingPunct="1">
+                        <a:lnSpc>
+                          <a:spcPct val="100000"/>
+                        </a:lnSpc>
+                        <a:spcBef>
+                          <a:spcPts val="0"/>
+                        </a:spcBef>
+                        <a:spcAft>
+                          <a:spcPts val="0"/>
+                        </a:spcAft>
+                        <a:buClrTx/>
+                        <a:buSzTx/>
+                        <a:buFontTx/>
+                        <a:buNone/>
+                        <a:tabLst/>
+                        <a:defRPr/>
+                      </a:pPr>
+                      <a:r>
+                        <a:rPr lang="en-US" sz="1600" kern="1200" dirty="0">
+                          <a:effectLst/>
+                          <a:latin typeface="Helvetica" pitchFamily="2" charset="0"/>
+                        </a:rPr>
+                        <a:t>7,708,129 </a:t>
+                      </a:r>
+                      <a:endParaRPr lang="en-US" sz="1600" dirty="0">
+                        <a:latin typeface="Helvetica" pitchFamily="2" charset="0"/>
+                      </a:endParaRPr>
+                    </a:p>
+                  </a:txBody>
+                  <a:tcPr/>
+                </a:tc>
+                <a:tc>
+                  <a:txBody>
+                    <a:bodyPr/>
+                    <a:lstStyle/>
+                    <a:p>
+                      <a:pPr marL="0" marR="0" lvl="0" indent="0" algn="l" defTabSz="914400" rtl="0" eaLnBrk="1" fontAlgn="auto" latinLnBrk="0" hangingPunct="1">
+                        <a:lnSpc>
+                          <a:spcPct val="100000"/>
+                        </a:lnSpc>
+                        <a:spcBef>
+                          <a:spcPts val="0"/>
+                        </a:spcBef>
+                        <a:spcAft>
+                          <a:spcPts val="0"/>
+                        </a:spcAft>
+                        <a:buClrTx/>
+                        <a:buSzTx/>
+                        <a:buFontTx/>
+                        <a:buNone/>
+                        <a:tabLst/>
+                        <a:defRPr/>
+                      </a:pPr>
+                      <a:r>
+                        <a:rPr lang="en-US" sz="1600" kern="1200" dirty="0">
+                          <a:effectLst/>
+                          <a:highlight>
+                            <a:srgbClr val="FFFF00"/>
+                          </a:highlight>
+                          <a:latin typeface="Helvetica" pitchFamily="2" charset="0"/>
+                        </a:rPr>
+                        <a:t>8,642,487 </a:t>
+                      </a:r>
+                      <a:endParaRPr lang="en-US" sz="1600" dirty="0">
+                        <a:highlight>
+                          <a:srgbClr val="FFFF00"/>
+                        </a:highlight>
+                        <a:latin typeface="Helvetica" pitchFamily="2" charset="0"/>
+                      </a:endParaRPr>
+                    </a:p>
+                  </a:txBody>
+                  <a:tcPr/>
+                </a:tc>
+                <a:tc>
+                  <a:txBody>
+                    <a:bodyPr/>
+                    <a:lstStyle/>
+                    <a:p>
+                      <a:pPr marL="0" marR="0" lvl="0" indent="0" algn="l" defTabSz="914400" rtl="0" eaLnBrk="1" fontAlgn="auto" latinLnBrk="0" hangingPunct="1">
+                        <a:lnSpc>
+                          <a:spcPct val="100000"/>
+                        </a:lnSpc>
+                        <a:spcBef>
+                          <a:spcPts val="0"/>
+                        </a:spcBef>
+                        <a:spcAft>
+                          <a:spcPts val="0"/>
+                        </a:spcAft>
+                        <a:buClrTx/>
+                        <a:buSzTx/>
+                        <a:buFontTx/>
+                        <a:buNone/>
+                        <a:tabLst/>
+                        <a:defRPr/>
+                      </a:pPr>
+                      <a:r>
+                        <a:rPr lang="en-US" sz="1600" kern="1200" dirty="0">
+                          <a:effectLst/>
+                          <a:latin typeface="Helvetica" pitchFamily="2" charset="0"/>
+                        </a:rPr>
+                        <a:t>8,062,075 </a:t>
+                      </a:r>
+                      <a:endParaRPr lang="en-US" sz="1600" dirty="0">
+                        <a:latin typeface="Helvetica" pitchFamily="2" charset="0"/>
+                      </a:endParaRPr>
+                    </a:p>
+                  </a:txBody>
+                  <a:tcPr/>
+                </a:tc>
+                <a:extLst>
+                  <a:ext uri="{0D108BD9-81ED-4DB2-BD59-A6C34878D82A}">
+                    <a16:rowId xmlns:a16="http://schemas.microsoft.com/office/drawing/2014/main" val="4174950283"/>
+                  </a:ext>
+                </a:extLst>
+              </a:tr>
+              <a:tr h="454684">
+                <a:tc>
+                  <a:txBody>
+                    <a:bodyPr/>
+                    <a:lstStyle/>
+                    <a:p>
+                      <a:r>
+                        <a:rPr lang="en-US" sz="1600" dirty="0">
+                          <a:latin typeface="Helvetica" pitchFamily="2" charset="0"/>
+                        </a:rPr>
+                        <a:t>Total Delta Passengers </a:t>
+                      </a:r>
+                    </a:p>
+                  </a:txBody>
+                  <a:tcPr/>
+                </a:tc>
+                <a:tc>
+                  <a:txBody>
+                    <a:bodyPr/>
+                    <a:lstStyle/>
+                    <a:p>
+                      <a:pPr marL="0" marR="0" lvl="0" indent="0" algn="l" defTabSz="914400" rtl="0" eaLnBrk="1" fontAlgn="auto" latinLnBrk="0" hangingPunct="1">
+                        <a:lnSpc>
+                          <a:spcPct val="100000"/>
+                        </a:lnSpc>
+                        <a:spcBef>
+                          <a:spcPts val="0"/>
+                        </a:spcBef>
+                        <a:spcAft>
+                          <a:spcPts val="0"/>
+                        </a:spcAft>
+                        <a:buClrTx/>
+                        <a:buSzTx/>
+                        <a:buFontTx/>
+                        <a:buNone/>
+                        <a:tabLst/>
+                        <a:defRPr/>
+                      </a:pPr>
+                      <a:r>
+                        <a:rPr lang="en-US" sz="1600" kern="1200" dirty="0">
+                          <a:effectLst/>
+                          <a:latin typeface="Helvetica" pitchFamily="2" charset="0"/>
+                        </a:rPr>
+                        <a:t>5,906,095 </a:t>
+                      </a:r>
+                      <a:endParaRPr lang="en-US" sz="1600" dirty="0">
+                        <a:latin typeface="Helvetica" pitchFamily="2" charset="0"/>
+                      </a:endParaRPr>
+                    </a:p>
+                    <a:p>
+                      <a:pPr marL="0" marR="0" lvl="0" indent="0" algn="l" defTabSz="914400" rtl="0" eaLnBrk="1" fontAlgn="auto" latinLnBrk="0" hangingPunct="1">
+                        <a:lnSpc>
+                          <a:spcPct val="100000"/>
+                        </a:lnSpc>
+                        <a:spcBef>
+                          <a:spcPts val="0"/>
+                        </a:spcBef>
+                        <a:spcAft>
+                          <a:spcPts val="0"/>
+                        </a:spcAft>
+                        <a:buClrTx/>
+                        <a:buSzTx/>
+                        <a:buFontTx/>
+                        <a:buNone/>
+                        <a:tabLst/>
+                        <a:defRPr/>
+                      </a:pPr>
+                      <a:r>
+                        <a:rPr lang="en-US" sz="1600" dirty="0">
+                          <a:latin typeface="Helvetica" pitchFamily="2" charset="0"/>
+                        </a:rPr>
+                        <a:t>73,24% of total</a:t>
+                      </a:r>
+                    </a:p>
+                  </a:txBody>
+                  <a:tcPr/>
+                </a:tc>
+                <a:tc>
+                  <a:txBody>
+                    <a:bodyPr/>
+                    <a:lstStyle/>
+                    <a:p>
+                      <a:pPr marL="0" marR="0" lvl="0" indent="0" algn="l" defTabSz="914400" rtl="0" eaLnBrk="1" fontAlgn="auto" latinLnBrk="0" hangingPunct="1">
+                        <a:lnSpc>
+                          <a:spcPct val="100000"/>
+                        </a:lnSpc>
+                        <a:spcBef>
+                          <a:spcPts val="0"/>
+                        </a:spcBef>
+                        <a:spcAft>
+                          <a:spcPts val="0"/>
+                        </a:spcAft>
+                        <a:buClrTx/>
+                        <a:buSzTx/>
+                        <a:buFontTx/>
+                        <a:buNone/>
+                        <a:tabLst/>
+                        <a:defRPr/>
+                      </a:pPr>
+                      <a:r>
+                        <a:rPr lang="en-US" sz="1600" kern="1200" dirty="0">
+                          <a:effectLst/>
+                          <a:latin typeface="Helvetica" pitchFamily="2" charset="0"/>
+                        </a:rPr>
+                        <a:t>5,658,463 </a:t>
+                      </a:r>
+                      <a:endParaRPr lang="en-US" sz="1600" dirty="0">
+                        <a:latin typeface="Helvetica" pitchFamily="2" charset="0"/>
+                      </a:endParaRPr>
+                    </a:p>
+                    <a:p>
+                      <a:pPr marL="0" marR="0" lvl="0" indent="0" algn="l" defTabSz="914400" rtl="0" eaLnBrk="1" fontAlgn="auto" latinLnBrk="0" hangingPunct="1">
+                        <a:lnSpc>
+                          <a:spcPct val="100000"/>
+                        </a:lnSpc>
+                        <a:spcBef>
+                          <a:spcPts val="0"/>
+                        </a:spcBef>
+                        <a:spcAft>
+                          <a:spcPts val="0"/>
+                        </a:spcAft>
+                        <a:buClrTx/>
+                        <a:buSzTx/>
+                        <a:buFontTx/>
+                        <a:buNone/>
+                        <a:tabLst/>
+                        <a:defRPr/>
+                      </a:pPr>
+                      <a:r>
+                        <a:rPr lang="en-US" sz="1600" dirty="0">
+                          <a:latin typeface="Helvetica" pitchFamily="2" charset="0"/>
+                        </a:rPr>
+                        <a:t>73,52% of total</a:t>
+                      </a:r>
+                    </a:p>
+                  </a:txBody>
+                  <a:tcPr/>
+                </a:tc>
+                <a:tc>
+                  <a:txBody>
+                    <a:bodyPr/>
+                    <a:lstStyle/>
+                    <a:p>
+                      <a:pPr marL="0" marR="0" lvl="0" indent="0" algn="l" defTabSz="914400" rtl="0" eaLnBrk="1" fontAlgn="auto" latinLnBrk="0" hangingPunct="1">
+                        <a:lnSpc>
+                          <a:spcPct val="100000"/>
+                        </a:lnSpc>
+                        <a:spcBef>
+                          <a:spcPts val="0"/>
+                        </a:spcBef>
+                        <a:spcAft>
+                          <a:spcPts val="0"/>
+                        </a:spcAft>
+                        <a:buClrTx/>
+                        <a:buSzTx/>
+                        <a:buFontTx/>
+                        <a:buNone/>
+                        <a:tabLst/>
+                        <a:defRPr/>
+                      </a:pPr>
+                      <a:r>
+                        <a:rPr lang="en-US" sz="1600" kern="1200" dirty="0">
+                          <a:solidFill>
+                            <a:schemeClr val="dk1"/>
+                          </a:solidFill>
+                          <a:effectLst/>
+                          <a:latin typeface="Helvetica" pitchFamily="2" charset="0"/>
+                          <a:ea typeface="+mn-ea"/>
+                          <a:cs typeface="+mn-cs"/>
+                        </a:rPr>
+                        <a:t>6,282,965 </a:t>
+                      </a:r>
+                      <a:endParaRPr lang="en-US" sz="1600" dirty="0">
+                        <a:latin typeface="Helvetica" pitchFamily="2" charset="0"/>
+                      </a:endParaRPr>
+                    </a:p>
+                    <a:p>
+                      <a:pPr marL="0" marR="0" lvl="0" indent="0" algn="l" defTabSz="914400" rtl="0" eaLnBrk="1" fontAlgn="auto" latinLnBrk="0" hangingPunct="1">
+                        <a:lnSpc>
+                          <a:spcPct val="100000"/>
+                        </a:lnSpc>
+                        <a:spcBef>
+                          <a:spcPts val="0"/>
+                        </a:spcBef>
+                        <a:spcAft>
+                          <a:spcPts val="0"/>
+                        </a:spcAft>
+                        <a:buClrTx/>
+                        <a:buSzTx/>
+                        <a:buFontTx/>
+                        <a:buNone/>
+                        <a:tabLst/>
+                        <a:defRPr/>
+                      </a:pPr>
+                      <a:r>
+                        <a:rPr lang="en-US" sz="1600" dirty="0">
+                          <a:latin typeface="Helvetica" pitchFamily="2" charset="0"/>
+                        </a:rPr>
+                        <a:t>72,70 % of total</a:t>
+                      </a:r>
+                    </a:p>
+                  </a:txBody>
+                  <a:tcPr/>
+                </a:tc>
+                <a:tc>
+                  <a:txBody>
+                    <a:bodyPr/>
+                    <a:lstStyle/>
+                    <a:p>
+                      <a:pPr marL="0" marR="0" lvl="0" indent="0" algn="l" defTabSz="914400" rtl="0" eaLnBrk="1" fontAlgn="auto" latinLnBrk="0" hangingPunct="1">
+                        <a:lnSpc>
+                          <a:spcPct val="100000"/>
+                        </a:lnSpc>
+                        <a:spcBef>
+                          <a:spcPts val="0"/>
+                        </a:spcBef>
+                        <a:spcAft>
+                          <a:spcPts val="0"/>
+                        </a:spcAft>
+                        <a:buClrTx/>
+                        <a:buSzTx/>
+                        <a:buFontTx/>
+                        <a:buNone/>
+                        <a:tabLst/>
+                        <a:defRPr/>
+                      </a:pPr>
+                      <a:r>
+                        <a:rPr lang="en-US" sz="1600" kern="1200" dirty="0">
+                          <a:solidFill>
+                            <a:schemeClr val="dk1"/>
+                          </a:solidFill>
+                          <a:effectLst/>
+                          <a:latin typeface="Helvetica" pitchFamily="2" charset="0"/>
+                          <a:ea typeface="+mn-ea"/>
+                          <a:cs typeface="+mn-cs"/>
+                        </a:rPr>
+                        <a:t>5,775,565 </a:t>
+                      </a:r>
+                      <a:endParaRPr lang="en-US" sz="1600" dirty="0">
+                        <a:latin typeface="Helvetica" pitchFamily="2" charset="0"/>
+                      </a:endParaRPr>
+                    </a:p>
+                    <a:p>
+                      <a:r>
+                        <a:rPr lang="en-US" sz="1600" dirty="0">
+                          <a:latin typeface="Helvetica" pitchFamily="2" charset="0"/>
+                        </a:rPr>
+                        <a:t>71.64% of total</a:t>
+                      </a:r>
+                    </a:p>
+                  </a:txBody>
+                  <a:tcPr/>
+                </a:tc>
+                <a:extLst>
+                  <a:ext uri="{0D108BD9-81ED-4DB2-BD59-A6C34878D82A}">
+                    <a16:rowId xmlns:a16="http://schemas.microsoft.com/office/drawing/2014/main" val="14508052"/>
+                  </a:ext>
+                </a:extLst>
+              </a:tr>
+              <a:tr h="0">
+                <a:tc>
+                  <a:txBody>
+                    <a:bodyPr/>
+                    <a:lstStyle/>
+                    <a:p>
+                      <a:r>
+                        <a:rPr lang="en-US" sz="1600" kern="1200" dirty="0">
+                          <a:solidFill>
+                            <a:schemeClr val="dk1"/>
+                          </a:solidFill>
+                          <a:latin typeface="Helvetica" pitchFamily="2" charset="0"/>
+                          <a:ea typeface="+mn-ea"/>
+                          <a:cs typeface="+mn-cs"/>
+                        </a:rPr>
+                        <a:t>Orlando</a:t>
+                      </a:r>
+                      <a:r>
+                        <a:rPr lang="en-US" sz="1600" dirty="0">
+                          <a:latin typeface="Helvetica" pitchFamily="2" charset="0"/>
+                        </a:rPr>
+                        <a:t> Total</a:t>
+                      </a:r>
+                    </a:p>
+                  </a:txBody>
+                  <a:tcPr/>
+                </a:tc>
+                <a:tc>
+                  <a:txBody>
+                    <a:bodyPr/>
+                    <a:lstStyle/>
+                    <a:p>
+                      <a:pPr marL="0" marR="0" lvl="0" indent="0" algn="l" defTabSz="914400" rtl="0" eaLnBrk="1" fontAlgn="auto" latinLnBrk="0" hangingPunct="1">
+                        <a:lnSpc>
+                          <a:spcPct val="100000"/>
+                        </a:lnSpc>
+                        <a:spcBef>
+                          <a:spcPts val="0"/>
+                        </a:spcBef>
+                        <a:spcAft>
+                          <a:spcPts val="0"/>
+                        </a:spcAft>
+                        <a:buClrTx/>
+                        <a:buSzTx/>
+                        <a:buFontTx/>
+                        <a:buNone/>
+                        <a:tabLst/>
+                        <a:defRPr/>
+                      </a:pPr>
+                      <a:r>
+                        <a:rPr lang="en-US" sz="1600" dirty="0">
+                          <a:highlight>
+                            <a:srgbClr val="FFFF00"/>
+                          </a:highlight>
+                          <a:latin typeface="Helvetica" pitchFamily="2" charset="0"/>
+                        </a:rPr>
+                        <a:t>4,117,402</a:t>
+                      </a:r>
+                    </a:p>
+                  </a:txBody>
+                  <a:tcPr/>
+                </a:tc>
+                <a:tc>
+                  <a:txBody>
+                    <a:bodyPr/>
+                    <a:lstStyle/>
+                    <a:p>
+                      <a:pPr marL="0" marR="0" lvl="0" indent="0" algn="l" defTabSz="914400" rtl="0" eaLnBrk="1" fontAlgn="auto" latinLnBrk="0" hangingPunct="1">
+                        <a:lnSpc>
+                          <a:spcPct val="100000"/>
+                        </a:lnSpc>
+                        <a:spcBef>
+                          <a:spcPts val="0"/>
+                        </a:spcBef>
+                        <a:spcAft>
+                          <a:spcPts val="0"/>
+                        </a:spcAft>
+                        <a:buClrTx/>
+                        <a:buSzTx/>
+                        <a:buFontTx/>
+                        <a:buNone/>
+                        <a:tabLst/>
+                        <a:defRPr/>
+                      </a:pPr>
+                      <a:r>
+                        <a:rPr lang="en-US" sz="1600" dirty="0">
+                          <a:latin typeface="Helvetica" pitchFamily="2" charset="0"/>
+                        </a:rPr>
+                        <a:t>3,905,568</a:t>
+                      </a:r>
+                    </a:p>
+                  </a:txBody>
+                  <a:tcPr/>
+                </a:tc>
+                <a:tc>
+                  <a:txBody>
+                    <a:bodyPr/>
+                    <a:lstStyle/>
+                    <a:p>
+                      <a:r>
+                        <a:rPr lang="en-US" sz="1600" dirty="0">
+                          <a:highlight>
+                            <a:srgbClr val="FFFF00"/>
+                          </a:highlight>
+                          <a:latin typeface="Helvetica" pitchFamily="2" charset="0"/>
+                        </a:rPr>
+                        <a:t>4,315,895</a:t>
+                      </a:r>
+                    </a:p>
+                  </a:txBody>
+                  <a:tcPr/>
+                </a:tc>
+                <a:tc>
+                  <a:txBody>
+                    <a:bodyPr/>
+                    <a:lstStyle/>
+                    <a:p>
+                      <a:r>
+                        <a:rPr lang="en-US" sz="1800" b="0" i="0" u="none" strike="noStrike" kern="1200" dirty="0">
+                          <a:solidFill>
+                            <a:schemeClr val="dk1"/>
+                          </a:solidFill>
+                          <a:effectLst/>
+                          <a:latin typeface="Helvetica" pitchFamily="2" charset="0"/>
+                          <a:ea typeface="+mn-ea"/>
+                          <a:cs typeface="+mn-cs"/>
+                        </a:rPr>
+                        <a:t> 3,982,171 </a:t>
+                      </a:r>
+                      <a:endParaRPr lang="en-US" sz="1600" dirty="0">
+                        <a:latin typeface="Helvetica" pitchFamily="2" charset="0"/>
+                      </a:endParaRPr>
+                    </a:p>
+                  </a:txBody>
+                  <a:tcPr/>
+                </a:tc>
+                <a:extLst>
+                  <a:ext uri="{0D108BD9-81ED-4DB2-BD59-A6C34878D82A}">
+                    <a16:rowId xmlns:a16="http://schemas.microsoft.com/office/drawing/2014/main" val="3850700110"/>
+                  </a:ext>
+                </a:extLst>
+              </a:tr>
+            </a:tbl>
+          </a:graphicData>
+        </a:graphic>
+      </p:graphicFrame>
+      <p:sp>
+        <p:nvSpPr>
+          <p:cNvPr id="6" name="TextBox 5">
+            <a:extLst>
+              <a:ext uri="{FF2B5EF4-FFF2-40B4-BE49-F238E27FC236}">
+                <a16:creationId xmlns:a16="http://schemas.microsoft.com/office/drawing/2014/main" id="{FC5F21A4-8A81-FB41-B46F-DC6F147F8598}"/>
+              </a:ext>
+            </a:extLst>
+          </p:cNvPr>
+          <p:cNvSpPr txBox="1"/>
+          <p:nvPr/>
+        </p:nvSpPr>
+        <p:spPr>
+          <a:xfrm>
+            <a:off x="4630433" y="2359427"/>
+            <a:ext cx="3355855" cy="369332"/>
+          </a:xfrm>
+          <a:prstGeom prst="rect">
+            <a:avLst/>
+          </a:prstGeom>
+          <a:noFill/>
+        </p:spPr>
+        <p:txBody>
+          <a:bodyPr wrap="none" rtlCol="0">
+            <a:spAutoFit/>
+          </a:bodyPr>
+          <a:lstStyle/>
+          <a:p>
+            <a:pPr marL="0" marR="0" lvl="0" indent="0" algn="l" defTabSz="457200" rtl="0" eaLnBrk="1" fontAlgn="auto" latinLnBrk="0" hangingPunct="1">
+              <a:lnSpc>
+                <a:spcPct val="100000"/>
+              </a:lnSpc>
+              <a:spcBef>
+                <a:spcPts val="0"/>
+              </a:spcBef>
+              <a:spcAft>
+                <a:spcPts val="0"/>
+              </a:spcAft>
+              <a:buClrTx/>
+              <a:buSzTx/>
+              <a:buFontTx/>
+              <a:buNone/>
+              <a:tabLst/>
+              <a:defRPr/>
+            </a:pPr>
+            <a:r>
+              <a:rPr kumimoji="0" lang="en-US" sz="1800" b="0" i="0" u="none" strike="noStrike" kern="1200" cap="none" spc="0" normalizeH="0" baseline="0" noProof="0" dirty="0">
+                <a:ln>
+                  <a:noFill/>
+                </a:ln>
+                <a:solidFill>
+                  <a:prstClr val="black"/>
+                </a:solidFill>
+                <a:effectLst/>
+                <a:uLnTx/>
+                <a:uFillTx/>
+                <a:latin typeface="Corbel" panose="020B0503020204020204"/>
+                <a:ea typeface="+mn-ea"/>
+                <a:cs typeface="+mn-cs"/>
+              </a:rPr>
+              <a:t>ATL &amp; MCO Passengers Number  </a:t>
+            </a:r>
+          </a:p>
+        </p:txBody>
+      </p:sp>
+      <p:sp>
+        <p:nvSpPr>
+          <p:cNvPr id="7" name="TextBox 6">
+            <a:extLst>
+              <a:ext uri="{FF2B5EF4-FFF2-40B4-BE49-F238E27FC236}">
+                <a16:creationId xmlns:a16="http://schemas.microsoft.com/office/drawing/2014/main" id="{969B8E1D-E4E4-7949-9DC8-2466B3BC5966}"/>
+              </a:ext>
+            </a:extLst>
+          </p:cNvPr>
+          <p:cNvSpPr txBox="1"/>
+          <p:nvPr/>
+        </p:nvSpPr>
+        <p:spPr>
+          <a:xfrm>
+            <a:off x="337090" y="6266753"/>
+            <a:ext cx="5198539" cy="369332"/>
+          </a:xfrm>
+          <a:prstGeom prst="rect">
+            <a:avLst/>
+          </a:prstGeom>
+          <a:noFill/>
+        </p:spPr>
+        <p:txBody>
+          <a:bodyPr wrap="none" rtlCol="0">
+            <a:spAutoFit/>
+          </a:bodyPr>
+          <a:lstStyle/>
+          <a:p>
+            <a:pPr marL="0" marR="0" lvl="0" indent="0" algn="l" defTabSz="457200" rtl="0" eaLnBrk="1" fontAlgn="auto" latinLnBrk="0" hangingPunct="1">
+              <a:lnSpc>
+                <a:spcPct val="100000"/>
+              </a:lnSpc>
+              <a:spcBef>
+                <a:spcPts val="0"/>
+              </a:spcBef>
+              <a:spcAft>
+                <a:spcPts val="0"/>
+              </a:spcAft>
+              <a:buClrTx/>
+              <a:buSzTx/>
+              <a:buFontTx/>
+              <a:buNone/>
+              <a:tabLst/>
+              <a:defRPr/>
+            </a:pPr>
+            <a:r>
+              <a:rPr kumimoji="0" lang="en-US" sz="1800" b="0" i="0" u="none" strike="noStrike" kern="1200" cap="none" spc="0" normalizeH="0" baseline="0" noProof="0" dirty="0">
+                <a:ln>
+                  <a:noFill/>
+                </a:ln>
+                <a:solidFill>
+                  <a:prstClr val="black"/>
+                </a:solidFill>
+                <a:effectLst/>
+                <a:uLnTx/>
+                <a:uFillTx/>
+                <a:latin typeface="Corbel" panose="020B0503020204020204"/>
+                <a:ea typeface="+mn-ea"/>
+                <a:cs typeface="+mn-cs"/>
+              </a:rPr>
+              <a:t>https://</a:t>
+            </a:r>
+            <a:r>
+              <a:rPr kumimoji="0" lang="en-US" sz="1800" b="0" i="0" u="none" strike="noStrike" kern="1200" cap="none" spc="0" normalizeH="0" baseline="0" noProof="0" dirty="0" err="1">
+                <a:ln>
+                  <a:noFill/>
+                </a:ln>
+                <a:solidFill>
+                  <a:prstClr val="black"/>
+                </a:solidFill>
+                <a:effectLst/>
+                <a:uLnTx/>
+                <a:uFillTx/>
+                <a:latin typeface="Corbel" panose="020B0503020204020204"/>
+                <a:ea typeface="+mn-ea"/>
+                <a:cs typeface="+mn-cs"/>
+              </a:rPr>
+              <a:t>www.atl.com</a:t>
+            </a:r>
+            <a:r>
+              <a:rPr kumimoji="0" lang="en-US" sz="1800" b="0" i="0" u="none" strike="noStrike" kern="1200" cap="none" spc="0" normalizeH="0" baseline="0" noProof="0" dirty="0">
+                <a:ln>
+                  <a:noFill/>
+                </a:ln>
+                <a:solidFill>
+                  <a:prstClr val="black"/>
+                </a:solidFill>
+                <a:effectLst/>
+                <a:uLnTx/>
+                <a:uFillTx/>
+                <a:latin typeface="Corbel" panose="020B0503020204020204"/>
+                <a:ea typeface="+mn-ea"/>
+                <a:cs typeface="+mn-cs"/>
+              </a:rPr>
+              <a:t>/business-information/statistics/</a:t>
+            </a:r>
+          </a:p>
+        </p:txBody>
+      </p:sp>
+      <p:sp>
+        <p:nvSpPr>
+          <p:cNvPr id="3" name="TextBox 2">
+            <a:extLst>
+              <a:ext uri="{FF2B5EF4-FFF2-40B4-BE49-F238E27FC236}">
+                <a16:creationId xmlns:a16="http://schemas.microsoft.com/office/drawing/2014/main" id="{B183998E-E41E-CC4D-BE9F-6C59449BEBCB}"/>
+              </a:ext>
+            </a:extLst>
+          </p:cNvPr>
+          <p:cNvSpPr txBox="1"/>
+          <p:nvPr/>
+        </p:nvSpPr>
+        <p:spPr>
+          <a:xfrm>
+            <a:off x="6095999" y="6315829"/>
+            <a:ext cx="5333511" cy="369332"/>
+          </a:xfrm>
+          <a:prstGeom prst="rect">
+            <a:avLst/>
+          </a:prstGeom>
+          <a:noFill/>
+        </p:spPr>
+        <p:txBody>
+          <a:bodyPr wrap="none" rtlCol="0">
+            <a:spAutoFit/>
+          </a:bodyPr>
+          <a:lstStyle/>
+          <a:p>
+            <a:pPr marL="0" marR="0" lvl="0" indent="0" algn="l" defTabSz="457200" rtl="0" eaLnBrk="1" fontAlgn="auto" latinLnBrk="0" hangingPunct="1">
+              <a:lnSpc>
+                <a:spcPct val="100000"/>
+              </a:lnSpc>
+              <a:spcBef>
+                <a:spcPts val="0"/>
+              </a:spcBef>
+              <a:spcAft>
+                <a:spcPts val="0"/>
+              </a:spcAft>
+              <a:buClrTx/>
+              <a:buSzTx/>
+              <a:buFontTx/>
+              <a:buNone/>
+              <a:tabLst/>
+              <a:defRPr/>
+            </a:pPr>
+            <a:r>
+              <a:rPr kumimoji="0" lang="en-US" sz="1800" b="0" i="0" u="none" strike="noStrike" kern="1200" cap="none" spc="0" normalizeH="0" baseline="0" noProof="0" dirty="0">
+                <a:ln>
+                  <a:noFill/>
+                </a:ln>
+                <a:solidFill>
+                  <a:prstClr val="black"/>
+                </a:solidFill>
+                <a:effectLst/>
+                <a:uLnTx/>
+                <a:uFillTx/>
+                <a:latin typeface="Corbel" panose="020B0503020204020204"/>
+                <a:ea typeface="+mn-ea"/>
+                <a:cs typeface="+mn-cs"/>
+              </a:rPr>
+              <a:t>https://</a:t>
+            </a:r>
+            <a:r>
+              <a:rPr kumimoji="0" lang="en-US" sz="1800" b="0" i="0" u="none" strike="noStrike" kern="1200" cap="none" spc="0" normalizeH="0" baseline="0" noProof="0" dirty="0" err="1">
+                <a:ln>
+                  <a:noFill/>
+                </a:ln>
+                <a:solidFill>
+                  <a:prstClr val="black"/>
+                </a:solidFill>
+                <a:effectLst/>
+                <a:uLnTx/>
+                <a:uFillTx/>
+                <a:latin typeface="Corbel" panose="020B0503020204020204"/>
+                <a:ea typeface="+mn-ea"/>
+                <a:cs typeface="+mn-cs"/>
+              </a:rPr>
+              <a:t>orlandoairports.net</a:t>
+            </a:r>
+            <a:r>
+              <a:rPr kumimoji="0" lang="en-US" sz="1800" b="0" i="0" u="none" strike="noStrike" kern="1200" cap="none" spc="0" normalizeH="0" baseline="0" noProof="0" dirty="0">
+                <a:ln>
+                  <a:noFill/>
+                </a:ln>
+                <a:solidFill>
+                  <a:prstClr val="black"/>
+                </a:solidFill>
+                <a:effectLst/>
+                <a:uLnTx/>
+                <a:uFillTx/>
+                <a:latin typeface="Corbel" panose="020B0503020204020204"/>
+                <a:ea typeface="+mn-ea"/>
+                <a:cs typeface="+mn-cs"/>
+              </a:rPr>
+              <a:t>/about-us/#traffic-statistics</a:t>
+            </a:r>
+          </a:p>
+        </p:txBody>
+      </p:sp>
+    </p:spTree>
+    <p:extLst>
+      <p:ext uri="{BB962C8B-B14F-4D97-AF65-F5344CB8AC3E}">
+        <p14:creationId xmlns:p14="http://schemas.microsoft.com/office/powerpoint/2010/main" val="920163125"/>
+      </p:ext>
+    </p:extLst>
+  </p:cSld>
+  <p:clrMapOvr>
+    <a:masterClrMapping/>
+  </p:clrMapOvr>
+</p:sld>
+</file>
+
+<file path=ppt/slides/slide22.xml><?xml version="1.0" encoding="utf-8"?>
+<p:sld xmlns:a="http://schemas.openxmlformats.org/drawingml/2006/main" xmlns:r="http://schemas.openxmlformats.org/officeDocument/2006/relationships" xmlns:p="http://schemas.openxmlformats.org/presentationml/2006/main">
+  <p:cSld>
+    <p:bg>
+      <p:bgPr>
+        <a:gradFill>
+          <a:gsLst>
+            <a:gs pos="0">
+              <a:schemeClr val="accent1">
+                <a:lumMod val="5000"/>
+                <a:lumOff val="95000"/>
+              </a:schemeClr>
+            </a:gs>
+            <a:gs pos="81000">
+              <a:schemeClr val="accent1">
+                <a:lumMod val="45000"/>
+                <a:lumOff val="55000"/>
+              </a:schemeClr>
+            </a:gs>
+            <a:gs pos="83000">
+              <a:schemeClr val="accent1">
+                <a:lumMod val="45000"/>
+                <a:lumOff val="55000"/>
+              </a:schemeClr>
+            </a:gs>
+            <a:gs pos="100000">
+              <a:schemeClr val="accent1">
+                <a:lumMod val="30000"/>
+                <a:lumOff val="70000"/>
+              </a:schemeClr>
+            </a:gs>
+          </a:gsLst>
+          <a:lin ang="5400000" scaled="1"/>
+        </a:gradFill>
+        <a:effectLst/>
+      </p:bgPr>
+    </p:bg>
+    <p:spTree>
+      <p:nvGrpSpPr>
+        <p:cNvPr id="1" name=""/>
+        <p:cNvGrpSpPr/>
+        <p:nvPr/>
+      </p:nvGrpSpPr>
+      <p:grpSpPr>
+        <a:xfrm>
+          <a:off x="0" y="0"/>
+          <a:ext cx="0" cy="0"/>
+          <a:chOff x="0" y="0"/>
+          <a:chExt cx="0" cy="0"/>
+        </a:xfrm>
+      </p:grpSpPr>
+      <p:sp useBgFill="1">
+        <p:nvSpPr>
+          <p:cNvPr id="9" name="Rectangle 8">
+            <a:extLst>
+              <a:ext uri="{FF2B5EF4-FFF2-40B4-BE49-F238E27FC236}">
+                <a16:creationId xmlns:a16="http://schemas.microsoft.com/office/drawing/2014/main" id="{4281BC32-FF58-4898-A6B5-7B3D059BCEB0}"/>
+              </a:ext>
+              <a:ext uri="{C183D7F6-B498-43B3-948B-1728B52AA6E4}">
                 <adec:decorative xmlns:adec="http://schemas.microsoft.com/office/drawing/2017/decorative" xmlns="" val="1"/>
               </a:ext>
             </a:extLst>
@@ -22730,7 +24482,7 @@
 </p:sld>
 </file>
 
-<file path=ppt/slides/slide22.xml><?xml version="1.0" encoding="utf-8"?>
+<file path=ppt/slides/slide23.xml><?xml version="1.0" encoding="utf-8"?>
 <p:sld xmlns:a="http://schemas.openxmlformats.org/drawingml/2006/main" xmlns:r="http://schemas.openxmlformats.org/officeDocument/2006/relationships" xmlns:p="http://schemas.openxmlformats.org/presentationml/2006/main">
   <p:cSld>
     <p:bg>
@@ -23955,7 +25707,7 @@
 </p:sld>
 </file>
 
-<file path=ppt/slides/slide23.xml><?xml version="1.0" encoding="utf-8"?>
+<file path=ppt/slides/slide24.xml><?xml version="1.0" encoding="utf-8"?>
 <p:sld xmlns:a="http://schemas.openxmlformats.org/drawingml/2006/main" xmlns:r="http://schemas.openxmlformats.org/officeDocument/2006/relationships" xmlns:p="http://schemas.openxmlformats.org/presentationml/2006/main">
   <p:cSld>
     <p:bg>
@@ -25284,7 +27036,7 @@
 </p:sld>
 </file>
 
-<file path=ppt/slides/slide24.xml><?xml version="1.0" encoding="utf-8"?>
+<file path=ppt/slides/slide25.xml><?xml version="1.0" encoding="utf-8"?>
 <p:sld xmlns:a="http://schemas.openxmlformats.org/drawingml/2006/main" xmlns:r="http://schemas.openxmlformats.org/officeDocument/2006/relationships" xmlns:p="http://schemas.openxmlformats.org/presentationml/2006/main">
   <p:cSld>
     <p:bg>
@@ -26609,7 +28361,7 @@
 </p:sld>
 </file>
 
-<file path=ppt/slides/slide25.xml><?xml version="1.0" encoding="utf-8"?>
+<file path=ppt/slides/slide26.xml><?xml version="1.0" encoding="utf-8"?>
 <p:sld xmlns:a="http://schemas.openxmlformats.org/drawingml/2006/main" xmlns:r="http://schemas.openxmlformats.org/officeDocument/2006/relationships" xmlns:p="http://schemas.openxmlformats.org/presentationml/2006/main">
   <p:cSld>
     <p:bg>
@@ -27263,7 +29015,7 @@
 </p:sld>
 </file>
 
-<file path=ppt/slides/slide26.xml><?xml version="1.0" encoding="utf-8"?>
+<file path=ppt/slides/slide27.xml><?xml version="1.0" encoding="utf-8"?>
 <p:sld xmlns:a="http://schemas.openxmlformats.org/drawingml/2006/main" xmlns:r="http://schemas.openxmlformats.org/officeDocument/2006/relationships" xmlns:p="http://schemas.openxmlformats.org/presentationml/2006/main">
   <p:cSld>
     <p:bg>

--- a/BAMF Presentation.pptx
+++ b/BAMF Presentation.pptx
@@ -5,7 +5,7 @@
     <p:sldMasterId id="2147483648" r:id="rId1"/>
   </p:sldMasterIdLst>
   <p:notesMasterIdLst>
-    <p:notesMasterId r:id="rId29"/>
+    <p:notesMasterId r:id="rId30"/>
   </p:notesMasterIdLst>
   <p:sldIdLst>
     <p:sldId id="258" r:id="rId2"/>
@@ -30,11 +30,12 @@
     <p:sldId id="284" r:id="rId21"/>
     <p:sldId id="295" r:id="rId22"/>
     <p:sldId id="285" r:id="rId23"/>
-    <p:sldId id="292" r:id="rId24"/>
-    <p:sldId id="291" r:id="rId25"/>
-    <p:sldId id="290" r:id="rId26"/>
-    <p:sldId id="289" r:id="rId27"/>
-    <p:sldId id="288" r:id="rId28"/>
+    <p:sldId id="296" r:id="rId24"/>
+    <p:sldId id="292" r:id="rId25"/>
+    <p:sldId id="291" r:id="rId26"/>
+    <p:sldId id="290" r:id="rId27"/>
+    <p:sldId id="289" r:id="rId28"/>
+    <p:sldId id="288" r:id="rId29"/>
   </p:sldIdLst>
   <p:sldSz cx="12192000" cy="6858000"/>
   <p:notesSz cx="6858000" cy="9144000"/>
@@ -961,6 +962,90 @@
     <p:extLst>
       <p:ext uri="{BB962C8B-B14F-4D97-AF65-F5344CB8AC3E}">
         <p14:creationId xmlns:p14="http://schemas.microsoft.com/office/powerpoint/2010/main" val="1031197231"/>
+      </p:ext>
+    </p:extLst>
+  </p:cSld>
+  <p:clrMapOvr>
+    <a:masterClrMapping/>
+  </p:clrMapOvr>
+</p:notes>
+</file>
+
+<file path=ppt/notesSlides/notesSlide6.xml><?xml version="1.0" encoding="utf-8"?>
+<p:notes xmlns:a="http://schemas.openxmlformats.org/drawingml/2006/main" xmlns:r="http://schemas.openxmlformats.org/officeDocument/2006/relationships" xmlns:p="http://schemas.openxmlformats.org/presentationml/2006/main">
+  <p:cSld>
+    <p:spTree>
+      <p:nvGrpSpPr>
+        <p:cNvPr id="1" name=""/>
+        <p:cNvGrpSpPr/>
+        <p:nvPr/>
+      </p:nvGrpSpPr>
+      <p:grpSpPr>
+        <a:xfrm>
+          <a:off x="0" y="0"/>
+          <a:ext cx="0" cy="0"/>
+          <a:chOff x="0" y="0"/>
+          <a:chExt cx="0" cy="0"/>
+        </a:xfrm>
+      </p:grpSpPr>
+      <p:sp>
+        <p:nvSpPr>
+          <p:cNvPr id="2" name="Slide Image Placeholder 1"/>
+          <p:cNvSpPr>
+            <a:spLocks noGrp="1" noRot="1" noChangeAspect="1"/>
+          </p:cNvSpPr>
+          <p:nvPr>
+            <p:ph type="sldImg"/>
+          </p:nvPr>
+        </p:nvSpPr>
+        <p:spPr/>
+      </p:sp>
+      <p:sp>
+        <p:nvSpPr>
+          <p:cNvPr id="3" name="Notes Placeholder 2"/>
+          <p:cNvSpPr>
+            <a:spLocks noGrp="1"/>
+          </p:cNvSpPr>
+          <p:nvPr>
+            <p:ph type="body" idx="1"/>
+          </p:nvPr>
+        </p:nvSpPr>
+        <p:spPr/>
+        <p:txBody>
+          <a:bodyPr/>
+          <a:lstStyle/>
+          <a:p>
+            <a:endParaRPr lang="en-US" dirty="0"/>
+          </a:p>
+        </p:txBody>
+      </p:sp>
+      <p:sp>
+        <p:nvSpPr>
+          <p:cNvPr id="4" name="Slide Number Placeholder 3"/>
+          <p:cNvSpPr>
+            <a:spLocks noGrp="1"/>
+          </p:cNvSpPr>
+          <p:nvPr>
+            <p:ph type="sldNum" sz="quarter" idx="10"/>
+          </p:nvPr>
+        </p:nvSpPr>
+        <p:spPr/>
+        <p:txBody>
+          <a:bodyPr/>
+          <a:lstStyle/>
+          <a:p>
+            <a:fld id="{E0746DE6-3336-457D-A091-FA20AC1C536E}" type="slidenum">
+              <a:rPr lang="en-US" smtClean="0"/>
+              <a:t>23</a:t>
+            </a:fld>
+            <a:endParaRPr lang="en-US"/>
+          </a:p>
+        </p:txBody>
+      </p:sp>
+    </p:spTree>
+    <p:extLst>
+      <p:ext uri="{BB962C8B-B14F-4D97-AF65-F5344CB8AC3E}">
+        <p14:creationId xmlns:p14="http://schemas.microsoft.com/office/powerpoint/2010/main" val="2662125620"/>
       </p:ext>
     </p:extLst>
   </p:cSld>
@@ -5114,7 +5199,7 @@
                 <a16:creationId xmlns:a16="http://schemas.microsoft.com/office/drawing/2014/main" id="{5C9F31C1-4E46-4A89-877A-24BBC6D3F47D}"/>
               </a:ext>
               <a:ext uri="{C183D7F6-B498-43B3-948B-1728B52AA6E4}">
-                <adec:decorative xmlns:adec="http://schemas.microsoft.com/office/drawing/2017/decorative" xmlns="" val="1"/>
+                <adec:decorative xmlns="" xmlns:adec="http://schemas.microsoft.com/office/drawing/2017/decorative" val="1"/>
               </a:ext>
             </a:extLst>
           </p:cNvPr>
@@ -5314,7 +5399,7 @@
                 <a16:creationId xmlns:a16="http://schemas.microsoft.com/office/drawing/2014/main" id="{9F8CD012-29F5-45B8-83DF-393C0A213BB2}"/>
               </a:ext>
               <a:ext uri="{C183D7F6-B498-43B3-948B-1728B52AA6E4}">
-                <adec:decorative xmlns:adec="http://schemas.microsoft.com/office/drawing/2017/decorative" xmlns="" val="1"/>
+                <adec:decorative xmlns="" xmlns:adec="http://schemas.microsoft.com/office/drawing/2017/decorative" val="1"/>
               </a:ext>
             </a:extLst>
           </p:cNvPr>
@@ -5404,7 +5489,7 @@
                 <a16:creationId xmlns:a16="http://schemas.microsoft.com/office/drawing/2014/main" id="{D5807261-5AA8-4462-847C-7789D26717C1}"/>
               </a:ext>
               <a:ext uri="{C183D7F6-B498-43B3-948B-1728B52AA6E4}">
-                <adec:decorative xmlns:adec="http://schemas.microsoft.com/office/drawing/2017/decorative" xmlns="" val="1"/>
+                <adec:decorative xmlns="" xmlns:adec="http://schemas.microsoft.com/office/drawing/2017/decorative" val="1"/>
               </a:ext>
             </a:extLst>
           </p:cNvPr>
@@ -5618,7 +5703,7 @@
                 <a16:creationId xmlns:a16="http://schemas.microsoft.com/office/drawing/2014/main" id="{99B864D8-020F-455C-951E-BECB1D7E9E86}"/>
               </a:ext>
               <a:ext uri="{C183D7F6-B498-43B3-948B-1728B52AA6E4}">
-                <adec:decorative xmlns:adec="http://schemas.microsoft.com/office/drawing/2017/decorative" xmlns="" val="1"/>
+                <adec:decorative xmlns="" xmlns:adec="http://schemas.microsoft.com/office/drawing/2017/decorative" val="1"/>
               </a:ext>
             </a:extLst>
           </p:cNvPr>
@@ -5826,7 +5911,7 @@
                 <a16:creationId xmlns:a16="http://schemas.microsoft.com/office/drawing/2014/main" id="{4281BC32-FF58-4898-A6B5-7B3D059BCEB0}"/>
               </a:ext>
               <a:ext uri="{C183D7F6-B498-43B3-948B-1728B52AA6E4}">
-                <adec:decorative xmlns:adec="http://schemas.microsoft.com/office/drawing/2017/decorative" xmlns="" val="1"/>
+                <adec:decorative xmlns="" xmlns:adec="http://schemas.microsoft.com/office/drawing/2017/decorative" val="1"/>
               </a:ext>
             </a:extLst>
           </p:cNvPr>
@@ -5886,7 +5971,7 @@
                 <a16:creationId xmlns:a16="http://schemas.microsoft.com/office/drawing/2014/main" id="{0D614406-135F-4875-9C87-53822CB19ABB}"/>
               </a:ext>
               <a:ext uri="{C183D7F6-B498-43B3-948B-1728B52AA6E4}">
-                <adec:decorative xmlns:adec="http://schemas.microsoft.com/office/drawing/2017/decorative" xmlns="" val="1"/>
+                <adec:decorative xmlns="" xmlns:adec="http://schemas.microsoft.com/office/drawing/2017/decorative" val="1"/>
               </a:ext>
             </a:extLst>
           </p:cNvPr>
@@ -5988,7 +6073,7 @@
                 <a16:creationId xmlns:a16="http://schemas.microsoft.com/office/drawing/2014/main" id="{C6C21149-7D17-44C2-AFB6-4D931DC55FB1}"/>
               </a:ext>
               <a:ext uri="{C183D7F6-B498-43B3-948B-1728B52AA6E4}">
-                <adec:decorative xmlns:adec="http://schemas.microsoft.com/office/drawing/2017/decorative" xmlns="" val="1"/>
+                <adec:decorative xmlns="" xmlns:adec="http://schemas.microsoft.com/office/drawing/2017/decorative" val="1"/>
               </a:ext>
             </a:extLst>
           </p:cNvPr>
@@ -6040,7 +6125,7 @@
                 <a16:creationId xmlns:a16="http://schemas.microsoft.com/office/drawing/2014/main" id="{C2E5FCF0-567A-448C-A6E3-920BFC702C2F}"/>
               </a:ext>
               <a:ext uri="{C183D7F6-B498-43B3-948B-1728B52AA6E4}">
-                <adec:decorative xmlns:adec="http://schemas.microsoft.com/office/drawing/2017/decorative" xmlns="" val="1"/>
+                <adec:decorative xmlns="" xmlns:adec="http://schemas.microsoft.com/office/drawing/2017/decorative" val="1"/>
               </a:ext>
             </a:extLst>
           </p:cNvPr>
@@ -6475,7 +6560,7 @@
                 <a16:creationId xmlns:a16="http://schemas.microsoft.com/office/drawing/2014/main" id="{4281BC32-FF58-4898-A6B5-7B3D059BCEB0}"/>
               </a:ext>
               <a:ext uri="{C183D7F6-B498-43B3-948B-1728B52AA6E4}">
-                <adec:decorative xmlns:adec="http://schemas.microsoft.com/office/drawing/2017/decorative" xmlns="" val="1"/>
+                <adec:decorative xmlns="" xmlns:adec="http://schemas.microsoft.com/office/drawing/2017/decorative" val="1"/>
               </a:ext>
             </a:extLst>
           </p:cNvPr>
@@ -6535,7 +6620,7 @@
                 <a16:creationId xmlns:a16="http://schemas.microsoft.com/office/drawing/2014/main" id="{0D614406-135F-4875-9C87-53822CB19ABB}"/>
               </a:ext>
               <a:ext uri="{C183D7F6-B498-43B3-948B-1728B52AA6E4}">
-                <adec:decorative xmlns:adec="http://schemas.microsoft.com/office/drawing/2017/decorative" xmlns="" val="1"/>
+                <adec:decorative xmlns="" xmlns:adec="http://schemas.microsoft.com/office/drawing/2017/decorative" val="1"/>
               </a:ext>
             </a:extLst>
           </p:cNvPr>
@@ -6632,7 +6717,7 @@
                 <a16:creationId xmlns:a16="http://schemas.microsoft.com/office/drawing/2014/main" id="{C6C21149-7D17-44C2-AFB6-4D931DC55FB1}"/>
               </a:ext>
               <a:ext uri="{C183D7F6-B498-43B3-948B-1728B52AA6E4}">
-                <adec:decorative xmlns:adec="http://schemas.microsoft.com/office/drawing/2017/decorative" xmlns="" val="1"/>
+                <adec:decorative xmlns="" xmlns:adec="http://schemas.microsoft.com/office/drawing/2017/decorative" val="1"/>
               </a:ext>
             </a:extLst>
           </p:cNvPr>
@@ -6684,7 +6769,7 @@
                 <a16:creationId xmlns:a16="http://schemas.microsoft.com/office/drawing/2014/main" id="{C2E5FCF0-567A-448C-A6E3-920BFC702C2F}"/>
               </a:ext>
               <a:ext uri="{C183D7F6-B498-43B3-948B-1728B52AA6E4}">
-                <adec:decorative xmlns:adec="http://schemas.microsoft.com/office/drawing/2017/decorative" xmlns="" val="1"/>
+                <adec:decorative xmlns="" xmlns:adec="http://schemas.microsoft.com/office/drawing/2017/decorative" val="1"/>
               </a:ext>
             </a:extLst>
           </p:cNvPr>
@@ -6950,7 +7035,7 @@
                 <a:hlinkClick r:id="rId2">
                   <a:extLst>
                     <a:ext uri="{A12FA001-AC4F-418D-AE19-62706E023703}">
-                      <ahyp:hlinkClr xmlns:ahyp="http://schemas.microsoft.com/office/drawing/2018/hyperlinkcolor" xmlns="" val="tx"/>
+                      <ahyp:hlinkClr xmlns="" xmlns:ahyp="http://schemas.microsoft.com/office/drawing/2018/hyperlinkcolor" val="tx"/>
                     </a:ext>
                   </a:extLst>
                 </a:hlinkClick>
@@ -6980,7 +7065,7 @@
                 <a:hlinkClick r:id="rId3" tooltip="AirportDelays.ipynb">
                   <a:extLst>
                     <a:ext uri="{A12FA001-AC4F-418D-AE19-62706E023703}">
-                      <ahyp:hlinkClr xmlns:ahyp="http://schemas.microsoft.com/office/drawing/2018/hyperlinkcolor" xmlns="" val="tx"/>
+                      <ahyp:hlinkClr xmlns="" xmlns:ahyp="http://schemas.microsoft.com/office/drawing/2018/hyperlinkcolor" val="tx"/>
                     </a:ext>
                   </a:extLst>
                 </a:hlinkClick>
@@ -6995,7 +7080,7 @@
                 <a:hlinkClick r:id="rId3" tooltip="AirportDelays.ipynb">
                   <a:extLst>
                     <a:ext uri="{A12FA001-AC4F-418D-AE19-62706E023703}">
-                      <ahyp:hlinkClr xmlns:ahyp="http://schemas.microsoft.com/office/drawing/2018/hyperlinkcolor" xmlns="" val="tx"/>
+                      <ahyp:hlinkClr xmlns="" xmlns:ahyp="http://schemas.microsoft.com/office/drawing/2018/hyperlinkcolor" val="tx"/>
                     </a:ext>
                   </a:extLst>
                 </a:hlinkClick>
@@ -7014,7 +7099,7 @@
                 <a:hlinkClick r:id="rId4" tooltip="Delay_Request_MCO.txt">
                   <a:extLst>
                     <a:ext uri="{A12FA001-AC4F-418D-AE19-62706E023703}">
-                      <ahyp:hlinkClr xmlns:ahyp="http://schemas.microsoft.com/office/drawing/2018/hyperlinkcolor" xmlns="" val="tx"/>
+                      <ahyp:hlinkClr xmlns="" xmlns:ahyp="http://schemas.microsoft.com/office/drawing/2018/hyperlinkcolor" val="tx"/>
                     </a:ext>
                   </a:extLst>
                 </a:hlinkClick>
@@ -7075,7 +7160,7 @@
                 <a:hlinkClick r:id="rId5">
                   <a:extLst>
                     <a:ext uri="{A12FA001-AC4F-418D-AE19-62706E023703}">
-                      <ahyp:hlinkClr xmlns:ahyp="http://schemas.microsoft.com/office/drawing/2018/hyperlinkcolor" xmlns="" val="tx"/>
+                      <ahyp:hlinkClr xmlns="" xmlns:ahyp="http://schemas.microsoft.com/office/drawing/2018/hyperlinkcolor" val="tx"/>
                     </a:ext>
                   </a:extLst>
                 </a:hlinkClick>
@@ -7101,7 +7186,7 @@
                 <a:hlinkClick r:id="rId6">
                   <a:extLst>
                     <a:ext uri="{A12FA001-AC4F-418D-AE19-62706E023703}">
-                      <ahyp:hlinkClr xmlns:ahyp="http://schemas.microsoft.com/office/drawing/2018/hyperlinkcolor" xmlns="" val="tx"/>
+                      <ahyp:hlinkClr xmlns="" xmlns:ahyp="http://schemas.microsoft.com/office/drawing/2018/hyperlinkcolor" val="tx"/>
                     </a:ext>
                   </a:extLst>
                 </a:hlinkClick>
@@ -7131,7 +7216,7 @@
                 <a:hlinkClick r:id="rId7">
                   <a:extLst>
                     <a:ext uri="{A12FA001-AC4F-418D-AE19-62706E023703}">
-                      <ahyp:hlinkClr xmlns:ahyp="http://schemas.microsoft.com/office/drawing/2018/hyperlinkcolor" xmlns="" val="tx"/>
+                      <ahyp:hlinkClr xmlns="" xmlns:ahyp="http://schemas.microsoft.com/office/drawing/2018/hyperlinkcolor" val="tx"/>
                     </a:ext>
                   </a:extLst>
                 </a:hlinkClick>
@@ -7161,7 +7246,7 @@
                 <a:hlinkClick r:id="rId8">
                   <a:extLst>
                     <a:ext uri="{A12FA001-AC4F-418D-AE19-62706E023703}">
-                      <ahyp:hlinkClr xmlns:ahyp="http://schemas.microsoft.com/office/drawing/2018/hyperlinkcolor" xmlns="" val="tx"/>
+                      <ahyp:hlinkClr xmlns="" xmlns:ahyp="http://schemas.microsoft.com/office/drawing/2018/hyperlinkcolor" val="tx"/>
                     </a:ext>
                   </a:extLst>
                 </a:hlinkClick>
@@ -7488,7 +7573,7 @@
                 <a16:creationId xmlns:a16="http://schemas.microsoft.com/office/drawing/2014/main" id="{4281BC32-FF58-4898-A6B5-7B3D059BCEB0}"/>
               </a:ext>
               <a:ext uri="{C183D7F6-B498-43B3-948B-1728B52AA6E4}">
-                <adec:decorative xmlns:adec="http://schemas.microsoft.com/office/drawing/2017/decorative" xmlns="" val="1"/>
+                <adec:decorative xmlns="" xmlns:adec="http://schemas.microsoft.com/office/drawing/2017/decorative" val="1"/>
               </a:ext>
             </a:extLst>
           </p:cNvPr>
@@ -7548,7 +7633,7 @@
                 <a16:creationId xmlns:a16="http://schemas.microsoft.com/office/drawing/2014/main" id="{0D614406-135F-4875-9C87-53822CB19ABB}"/>
               </a:ext>
               <a:ext uri="{C183D7F6-B498-43B3-948B-1728B52AA6E4}">
-                <adec:decorative xmlns:adec="http://schemas.microsoft.com/office/drawing/2017/decorative" xmlns="" val="1"/>
+                <adec:decorative xmlns="" xmlns:adec="http://schemas.microsoft.com/office/drawing/2017/decorative" val="1"/>
               </a:ext>
             </a:extLst>
           </p:cNvPr>
@@ -7645,7 +7730,7 @@
                 <a16:creationId xmlns:a16="http://schemas.microsoft.com/office/drawing/2014/main" id="{C6C21149-7D17-44C2-AFB6-4D931DC55FB1}"/>
               </a:ext>
               <a:ext uri="{C183D7F6-B498-43B3-948B-1728B52AA6E4}">
-                <adec:decorative xmlns:adec="http://schemas.microsoft.com/office/drawing/2017/decorative" xmlns="" val="1"/>
+                <adec:decorative xmlns="" xmlns:adec="http://schemas.microsoft.com/office/drawing/2017/decorative" val="1"/>
               </a:ext>
             </a:extLst>
           </p:cNvPr>
@@ -7697,7 +7782,7 @@
                 <a16:creationId xmlns:a16="http://schemas.microsoft.com/office/drawing/2014/main" id="{C2E5FCF0-567A-448C-A6E3-920BFC702C2F}"/>
               </a:ext>
               <a:ext uri="{C183D7F6-B498-43B3-948B-1728B52AA6E4}">
-                <adec:decorative xmlns:adec="http://schemas.microsoft.com/office/drawing/2017/decorative" xmlns="" val="1"/>
+                <adec:decorative xmlns="" xmlns:adec="http://schemas.microsoft.com/office/drawing/2017/decorative" val="1"/>
               </a:ext>
             </a:extLst>
           </p:cNvPr>
@@ -8043,7 +8128,7 @@
                 <a:hlinkClick r:id="rId3">
                   <a:extLst>
                     <a:ext uri="{A12FA001-AC4F-418D-AE19-62706E023703}">
-                      <ahyp:hlinkClr xmlns:ahyp="http://schemas.microsoft.com/office/drawing/2018/hyperlinkcolor" xmlns="" val="tx"/>
+                      <ahyp:hlinkClr xmlns="" xmlns:ahyp="http://schemas.microsoft.com/office/drawing/2018/hyperlinkcolor" val="tx"/>
                     </a:ext>
                   </a:extLst>
                 </a:hlinkClick>
@@ -8080,7 +8165,7 @@
                 <a:hlinkClick r:id="rId4">
                   <a:extLst>
                     <a:ext uri="{A12FA001-AC4F-418D-AE19-62706E023703}">
-                      <ahyp:hlinkClr xmlns:ahyp="http://schemas.microsoft.com/office/drawing/2018/hyperlinkcolor" xmlns="" val="tx"/>
+                      <ahyp:hlinkClr xmlns="" xmlns:ahyp="http://schemas.microsoft.com/office/drawing/2018/hyperlinkcolor" val="tx"/>
                     </a:ext>
                   </a:extLst>
                 </a:hlinkClick>
@@ -8166,7 +8251,7 @@
                 <a16:creationId xmlns:a16="http://schemas.microsoft.com/office/drawing/2014/main" id="{4281BC32-FF58-4898-A6B5-7B3D059BCEB0}"/>
               </a:ext>
               <a:ext uri="{C183D7F6-B498-43B3-948B-1728B52AA6E4}">
-                <adec:decorative xmlns:adec="http://schemas.microsoft.com/office/drawing/2017/decorative" xmlns="" val="1"/>
+                <adec:decorative xmlns="" xmlns:adec="http://schemas.microsoft.com/office/drawing/2017/decorative" val="1"/>
               </a:ext>
             </a:extLst>
           </p:cNvPr>
@@ -8226,7 +8311,7 @@
                 <a16:creationId xmlns:a16="http://schemas.microsoft.com/office/drawing/2014/main" id="{0D614406-135F-4875-9C87-53822CB19ABB}"/>
               </a:ext>
               <a:ext uri="{C183D7F6-B498-43B3-948B-1728B52AA6E4}">
-                <adec:decorative xmlns:adec="http://schemas.microsoft.com/office/drawing/2017/decorative" xmlns="" val="1"/>
+                <adec:decorative xmlns="" xmlns:adec="http://schemas.microsoft.com/office/drawing/2017/decorative" val="1"/>
               </a:ext>
             </a:extLst>
           </p:cNvPr>
@@ -8323,7 +8408,7 @@
                 <a16:creationId xmlns:a16="http://schemas.microsoft.com/office/drawing/2014/main" id="{C6C21149-7D17-44C2-AFB6-4D931DC55FB1}"/>
               </a:ext>
               <a:ext uri="{C183D7F6-B498-43B3-948B-1728B52AA6E4}">
-                <adec:decorative xmlns:adec="http://schemas.microsoft.com/office/drawing/2017/decorative" xmlns="" val="1"/>
+                <adec:decorative xmlns="" xmlns:adec="http://schemas.microsoft.com/office/drawing/2017/decorative" val="1"/>
               </a:ext>
             </a:extLst>
           </p:cNvPr>
@@ -8375,7 +8460,7 @@
                 <a16:creationId xmlns:a16="http://schemas.microsoft.com/office/drawing/2014/main" id="{C2E5FCF0-567A-448C-A6E3-920BFC702C2F}"/>
               </a:ext>
               <a:ext uri="{C183D7F6-B498-43B3-948B-1728B52AA6E4}">
-                <adec:decorative xmlns:adec="http://schemas.microsoft.com/office/drawing/2017/decorative" xmlns="" val="1"/>
+                <adec:decorative xmlns="" xmlns:adec="http://schemas.microsoft.com/office/drawing/2017/decorative" val="1"/>
               </a:ext>
             </a:extLst>
           </p:cNvPr>
@@ -8689,7 +8774,7 @@
                 <a:hlinkClick r:id="rId3">
                   <a:extLst>
                     <a:ext uri="{A12FA001-AC4F-418D-AE19-62706E023703}">
-                      <ahyp:hlinkClr xmlns:ahyp="http://schemas.microsoft.com/office/drawing/2018/hyperlinkcolor" xmlns="" val="tx"/>
+                      <ahyp:hlinkClr xmlns="" xmlns:ahyp="http://schemas.microsoft.com/office/drawing/2018/hyperlinkcolor" val="tx"/>
                     </a:ext>
                   </a:extLst>
                 </a:hlinkClick>
@@ -8744,7 +8829,7 @@
                 <a:hlinkClick r:id="rId4">
                   <a:extLst>
                     <a:ext uri="{A12FA001-AC4F-418D-AE19-62706E023703}">
-                      <ahyp:hlinkClr xmlns:ahyp="http://schemas.microsoft.com/office/drawing/2018/hyperlinkcolor" xmlns="" val="tx"/>
+                      <ahyp:hlinkClr xmlns="" xmlns:ahyp="http://schemas.microsoft.com/office/drawing/2018/hyperlinkcolor" val="tx"/>
                     </a:ext>
                   </a:extLst>
                 </a:hlinkClick>
@@ -8773,7 +8858,7 @@
                 <a:hlinkClick r:id="rId5">
                   <a:extLst>
                     <a:ext uri="{A12FA001-AC4F-418D-AE19-62706E023703}">
-                      <ahyp:hlinkClr xmlns:ahyp="http://schemas.microsoft.com/office/drawing/2018/hyperlinkcolor" xmlns="" val="tx"/>
+                      <ahyp:hlinkClr xmlns="" xmlns:ahyp="http://schemas.microsoft.com/office/drawing/2018/hyperlinkcolor" val="tx"/>
                     </a:ext>
                   </a:extLst>
                 </a:hlinkClick>
@@ -8860,7 +8945,7 @@
                 <a16:creationId xmlns:a16="http://schemas.microsoft.com/office/drawing/2014/main" id="{4281BC32-FF58-4898-A6B5-7B3D059BCEB0}"/>
               </a:ext>
               <a:ext uri="{C183D7F6-B498-43B3-948B-1728B52AA6E4}">
-                <adec:decorative xmlns:adec="http://schemas.microsoft.com/office/drawing/2017/decorative" xmlns="" val="1"/>
+                <adec:decorative xmlns="" xmlns:adec="http://schemas.microsoft.com/office/drawing/2017/decorative" val="1"/>
               </a:ext>
             </a:extLst>
           </p:cNvPr>
@@ -8920,7 +9005,7 @@
                 <a16:creationId xmlns:a16="http://schemas.microsoft.com/office/drawing/2014/main" id="{0D614406-135F-4875-9C87-53822CB19ABB}"/>
               </a:ext>
               <a:ext uri="{C183D7F6-B498-43B3-948B-1728B52AA6E4}">
-                <adec:decorative xmlns:adec="http://schemas.microsoft.com/office/drawing/2017/decorative" xmlns="" val="1"/>
+                <adec:decorative xmlns="" xmlns:adec="http://schemas.microsoft.com/office/drawing/2017/decorative" val="1"/>
               </a:ext>
             </a:extLst>
           </p:cNvPr>
@@ -9017,7 +9102,7 @@
                 <a16:creationId xmlns:a16="http://schemas.microsoft.com/office/drawing/2014/main" id="{C6C21149-7D17-44C2-AFB6-4D931DC55FB1}"/>
               </a:ext>
               <a:ext uri="{C183D7F6-B498-43B3-948B-1728B52AA6E4}">
-                <adec:decorative xmlns:adec="http://schemas.microsoft.com/office/drawing/2017/decorative" xmlns="" val="1"/>
+                <adec:decorative xmlns="" xmlns:adec="http://schemas.microsoft.com/office/drawing/2017/decorative" val="1"/>
               </a:ext>
             </a:extLst>
           </p:cNvPr>
@@ -9069,7 +9154,7 @@
                 <a16:creationId xmlns:a16="http://schemas.microsoft.com/office/drawing/2014/main" id="{C2E5FCF0-567A-448C-A6E3-920BFC702C2F}"/>
               </a:ext>
               <a:ext uri="{C183D7F6-B498-43B3-948B-1728B52AA6E4}">
-                <adec:decorative xmlns:adec="http://schemas.microsoft.com/office/drawing/2017/decorative" xmlns="" val="1"/>
+                <adec:decorative xmlns="" xmlns:adec="http://schemas.microsoft.com/office/drawing/2017/decorative" val="1"/>
               </a:ext>
             </a:extLst>
           </p:cNvPr>
@@ -11499,7 +11584,7 @@
                 <a16:creationId xmlns:a16="http://schemas.microsoft.com/office/drawing/2014/main" id="{4281BC32-FF58-4898-A6B5-7B3D059BCEB0}"/>
               </a:ext>
               <a:ext uri="{C183D7F6-B498-43B3-948B-1728B52AA6E4}">
-                <adec:decorative xmlns:adec="http://schemas.microsoft.com/office/drawing/2017/decorative" xmlns="" val="1"/>
+                <adec:decorative xmlns="" xmlns:adec="http://schemas.microsoft.com/office/drawing/2017/decorative" val="1"/>
               </a:ext>
             </a:extLst>
           </p:cNvPr>
@@ -11559,7 +11644,7 @@
                 <a16:creationId xmlns:a16="http://schemas.microsoft.com/office/drawing/2014/main" id="{0D614406-135F-4875-9C87-53822CB19ABB}"/>
               </a:ext>
               <a:ext uri="{C183D7F6-B498-43B3-948B-1728B52AA6E4}">
-                <adec:decorative xmlns:adec="http://schemas.microsoft.com/office/drawing/2017/decorative" xmlns="" val="1"/>
+                <adec:decorative xmlns="" xmlns:adec="http://schemas.microsoft.com/office/drawing/2017/decorative" val="1"/>
               </a:ext>
             </a:extLst>
           </p:cNvPr>
@@ -11656,7 +11741,7 @@
                 <a16:creationId xmlns:a16="http://schemas.microsoft.com/office/drawing/2014/main" id="{C6C21149-7D17-44C2-AFB6-4D931DC55FB1}"/>
               </a:ext>
               <a:ext uri="{C183D7F6-B498-43B3-948B-1728B52AA6E4}">
-                <adec:decorative xmlns:adec="http://schemas.microsoft.com/office/drawing/2017/decorative" xmlns="" val="1"/>
+                <adec:decorative xmlns="" xmlns:adec="http://schemas.microsoft.com/office/drawing/2017/decorative" val="1"/>
               </a:ext>
             </a:extLst>
           </p:cNvPr>
@@ -11708,7 +11793,7 @@
                 <a16:creationId xmlns:a16="http://schemas.microsoft.com/office/drawing/2014/main" id="{C2E5FCF0-567A-448C-A6E3-920BFC702C2F}"/>
               </a:ext>
               <a:ext uri="{C183D7F6-B498-43B3-948B-1728B52AA6E4}">
-                <adec:decorative xmlns:adec="http://schemas.microsoft.com/office/drawing/2017/decorative" xmlns="" val="1"/>
+                <adec:decorative xmlns="" xmlns:adec="http://schemas.microsoft.com/office/drawing/2017/decorative" val="1"/>
               </a:ext>
             </a:extLst>
           </p:cNvPr>
@@ -14413,7 +14498,7 @@
                 <a16:creationId xmlns:a16="http://schemas.microsoft.com/office/drawing/2014/main" id="{4281BC32-FF58-4898-A6B5-7B3D059BCEB0}"/>
               </a:ext>
               <a:ext uri="{C183D7F6-B498-43B3-948B-1728B52AA6E4}">
-                <adec:decorative xmlns:adec="http://schemas.microsoft.com/office/drawing/2017/decorative" xmlns="" val="1"/>
+                <adec:decorative xmlns="" xmlns:adec="http://schemas.microsoft.com/office/drawing/2017/decorative" val="1"/>
               </a:ext>
             </a:extLst>
           </p:cNvPr>
@@ -14473,7 +14558,7 @@
                 <a16:creationId xmlns:a16="http://schemas.microsoft.com/office/drawing/2014/main" id="{0D614406-135F-4875-9C87-53822CB19ABB}"/>
               </a:ext>
               <a:ext uri="{C183D7F6-B498-43B3-948B-1728B52AA6E4}">
-                <adec:decorative xmlns:adec="http://schemas.microsoft.com/office/drawing/2017/decorative" xmlns="" val="1"/>
+                <adec:decorative xmlns="" xmlns:adec="http://schemas.microsoft.com/office/drawing/2017/decorative" val="1"/>
               </a:ext>
             </a:extLst>
           </p:cNvPr>
@@ -14585,7 +14670,7 @@
                 <a16:creationId xmlns:a16="http://schemas.microsoft.com/office/drawing/2014/main" id="{C6C21149-7D17-44C2-AFB6-4D931DC55FB1}"/>
               </a:ext>
               <a:ext uri="{C183D7F6-B498-43B3-948B-1728B52AA6E4}">
-                <adec:decorative xmlns:adec="http://schemas.microsoft.com/office/drawing/2017/decorative" xmlns="" val="1"/>
+                <adec:decorative xmlns="" xmlns:adec="http://schemas.microsoft.com/office/drawing/2017/decorative" val="1"/>
               </a:ext>
             </a:extLst>
           </p:cNvPr>
@@ -14637,7 +14722,7 @@
                 <a16:creationId xmlns:a16="http://schemas.microsoft.com/office/drawing/2014/main" id="{C2E5FCF0-567A-448C-A6E3-920BFC702C2F}"/>
               </a:ext>
               <a:ext uri="{C183D7F6-B498-43B3-948B-1728B52AA6E4}">
-                <adec:decorative xmlns:adec="http://schemas.microsoft.com/office/drawing/2017/decorative" xmlns="" val="1"/>
+                <adec:decorative xmlns="" xmlns:adec="http://schemas.microsoft.com/office/drawing/2017/decorative" val="1"/>
               </a:ext>
             </a:extLst>
           </p:cNvPr>
@@ -16467,7 +16552,7 @@
                 <a:hlinkClick r:id="rId5">
                   <a:extLst>
                     <a:ext uri="{A12FA001-AC4F-418D-AE19-62706E023703}">
-                      <ahyp:hlinkClr xmlns:ahyp="http://schemas.microsoft.com/office/drawing/2018/hyperlinkcolor" xmlns="" val="tx"/>
+                      <ahyp:hlinkClr xmlns="" xmlns:ahyp="http://schemas.microsoft.com/office/drawing/2018/hyperlinkcolor" val="tx"/>
                     </a:ext>
                   </a:extLst>
                 </a:hlinkClick>
@@ -16518,7 +16603,7 @@
                 <a:hlinkClick r:id="rId6">
                   <a:extLst>
                     <a:ext uri="{A12FA001-AC4F-418D-AE19-62706E023703}">
-                      <ahyp:hlinkClr xmlns:ahyp="http://schemas.microsoft.com/office/drawing/2018/hyperlinkcolor" xmlns="" val="tx"/>
+                      <ahyp:hlinkClr xmlns="" xmlns:ahyp="http://schemas.microsoft.com/office/drawing/2018/hyperlinkcolor" val="tx"/>
                     </a:ext>
                   </a:extLst>
                 </a:hlinkClick>
@@ -18818,7 +18903,7 @@
                 <a16:creationId xmlns:a16="http://schemas.microsoft.com/office/drawing/2014/main" id="{4281BC32-FF58-4898-A6B5-7B3D059BCEB0}"/>
               </a:ext>
               <a:ext uri="{C183D7F6-B498-43B3-948B-1728B52AA6E4}">
-                <adec:decorative xmlns:adec="http://schemas.microsoft.com/office/drawing/2017/decorative" xmlns="" val="1"/>
+                <adec:decorative xmlns="" xmlns:adec="http://schemas.microsoft.com/office/drawing/2017/decorative" val="1"/>
               </a:ext>
             </a:extLst>
           </p:cNvPr>
@@ -18878,7 +18963,7 @@
                 <a16:creationId xmlns:a16="http://schemas.microsoft.com/office/drawing/2014/main" id="{0D614406-135F-4875-9C87-53822CB19ABB}"/>
               </a:ext>
               <a:ext uri="{C183D7F6-B498-43B3-948B-1728B52AA6E4}">
-                <adec:decorative xmlns:adec="http://schemas.microsoft.com/office/drawing/2017/decorative" xmlns="" val="1"/>
+                <adec:decorative xmlns="" xmlns:adec="http://schemas.microsoft.com/office/drawing/2017/decorative" val="1"/>
               </a:ext>
             </a:extLst>
           </p:cNvPr>
@@ -18975,7 +19060,7 @@
                 <a16:creationId xmlns:a16="http://schemas.microsoft.com/office/drawing/2014/main" id="{C6C21149-7D17-44C2-AFB6-4D931DC55FB1}"/>
               </a:ext>
               <a:ext uri="{C183D7F6-B498-43B3-948B-1728B52AA6E4}">
-                <adec:decorative xmlns:adec="http://schemas.microsoft.com/office/drawing/2017/decorative" xmlns="" val="1"/>
+                <adec:decorative xmlns="" xmlns:adec="http://schemas.microsoft.com/office/drawing/2017/decorative" val="1"/>
               </a:ext>
             </a:extLst>
           </p:cNvPr>
@@ -19027,7 +19112,7 @@
                 <a16:creationId xmlns:a16="http://schemas.microsoft.com/office/drawing/2014/main" id="{C2E5FCF0-567A-448C-A6E3-920BFC702C2F}"/>
               </a:ext>
               <a:ext uri="{C183D7F6-B498-43B3-948B-1728B52AA6E4}">
-                <adec:decorative xmlns:adec="http://schemas.microsoft.com/office/drawing/2017/decorative" xmlns="" val="1"/>
+                <adec:decorative xmlns="" xmlns:adec="http://schemas.microsoft.com/office/drawing/2017/decorative" val="1"/>
               </a:ext>
             </a:extLst>
           </p:cNvPr>
@@ -19339,7 +19424,7 @@
                 <a:hlinkClick r:id="rId3">
                   <a:extLst>
                     <a:ext uri="{A12FA001-AC4F-418D-AE19-62706E023703}">
-                      <ahyp:hlinkClr xmlns:ahyp="http://schemas.microsoft.com/office/drawing/2018/hyperlinkcolor" xmlns="" val="tx"/>
+                      <ahyp:hlinkClr xmlns="" xmlns:ahyp="http://schemas.microsoft.com/office/drawing/2018/hyperlinkcolor" val="tx"/>
                     </a:ext>
                   </a:extLst>
                 </a:hlinkClick>
@@ -19364,7 +19449,7 @@
                 <a:hlinkClick r:id="rId4">
                   <a:extLst>
                     <a:ext uri="{A12FA001-AC4F-418D-AE19-62706E023703}">
-                      <ahyp:hlinkClr xmlns:ahyp="http://schemas.microsoft.com/office/drawing/2018/hyperlinkcolor" xmlns="" val="tx"/>
+                      <ahyp:hlinkClr xmlns="" xmlns:ahyp="http://schemas.microsoft.com/office/drawing/2018/hyperlinkcolor" val="tx"/>
                     </a:ext>
                   </a:extLst>
                 </a:hlinkClick>
@@ -19496,7 +19581,7 @@
                 <a16:creationId xmlns:a16="http://schemas.microsoft.com/office/drawing/2014/main" id="{4281BC32-FF58-4898-A6B5-7B3D059BCEB0}"/>
               </a:ext>
               <a:ext uri="{C183D7F6-B498-43B3-948B-1728B52AA6E4}">
-                <adec:decorative xmlns:adec="http://schemas.microsoft.com/office/drawing/2017/decorative" xmlns="" val="1"/>
+                <adec:decorative xmlns="" xmlns:adec="http://schemas.microsoft.com/office/drawing/2017/decorative" val="1"/>
               </a:ext>
             </a:extLst>
           </p:cNvPr>
@@ -19556,7 +19641,7 @@
                 <a16:creationId xmlns:a16="http://schemas.microsoft.com/office/drawing/2014/main" id="{0D614406-135F-4875-9C87-53822CB19ABB}"/>
               </a:ext>
               <a:ext uri="{C183D7F6-B498-43B3-948B-1728B52AA6E4}">
-                <adec:decorative xmlns:adec="http://schemas.microsoft.com/office/drawing/2017/decorative" xmlns="" val="1"/>
+                <adec:decorative xmlns="" xmlns:adec="http://schemas.microsoft.com/office/drawing/2017/decorative" val="1"/>
               </a:ext>
             </a:extLst>
           </p:cNvPr>
@@ -19653,7 +19738,7 @@
                 <a16:creationId xmlns:a16="http://schemas.microsoft.com/office/drawing/2014/main" id="{C6C21149-7D17-44C2-AFB6-4D931DC55FB1}"/>
               </a:ext>
               <a:ext uri="{C183D7F6-B498-43B3-948B-1728B52AA6E4}">
-                <adec:decorative xmlns:adec="http://schemas.microsoft.com/office/drawing/2017/decorative" xmlns="" val="1"/>
+                <adec:decorative xmlns="" xmlns:adec="http://schemas.microsoft.com/office/drawing/2017/decorative" val="1"/>
               </a:ext>
             </a:extLst>
           </p:cNvPr>
@@ -19705,7 +19790,7 @@
                 <a16:creationId xmlns:a16="http://schemas.microsoft.com/office/drawing/2014/main" id="{C2E5FCF0-567A-448C-A6E3-920BFC702C2F}"/>
               </a:ext>
               <a:ext uri="{C183D7F6-B498-43B3-948B-1728B52AA6E4}">
-                <adec:decorative xmlns:adec="http://schemas.microsoft.com/office/drawing/2017/decorative" xmlns="" val="1"/>
+                <adec:decorative xmlns="" xmlns:adec="http://schemas.microsoft.com/office/drawing/2017/decorative" val="1"/>
               </a:ext>
             </a:extLst>
           </p:cNvPr>
@@ -20090,7 +20175,7 @@
                 <a16:creationId xmlns:a16="http://schemas.microsoft.com/office/drawing/2014/main" id="{4281BC32-FF58-4898-A6B5-7B3D059BCEB0}"/>
               </a:ext>
               <a:ext uri="{C183D7F6-B498-43B3-948B-1728B52AA6E4}">
-                <adec:decorative xmlns:adec="http://schemas.microsoft.com/office/drawing/2017/decorative" xmlns="" val="1"/>
+                <adec:decorative xmlns="" xmlns:adec="http://schemas.microsoft.com/office/drawing/2017/decorative" val="1"/>
               </a:ext>
             </a:extLst>
           </p:cNvPr>
@@ -20150,7 +20235,7 @@
                 <a16:creationId xmlns:a16="http://schemas.microsoft.com/office/drawing/2014/main" id="{0D614406-135F-4875-9C87-53822CB19ABB}"/>
               </a:ext>
               <a:ext uri="{C183D7F6-B498-43B3-948B-1728B52AA6E4}">
-                <adec:decorative xmlns:adec="http://schemas.microsoft.com/office/drawing/2017/decorative" xmlns="" val="1"/>
+                <adec:decorative xmlns="" xmlns:adec="http://schemas.microsoft.com/office/drawing/2017/decorative" val="1"/>
               </a:ext>
             </a:extLst>
           </p:cNvPr>
@@ -20247,7 +20332,7 @@
                 <a16:creationId xmlns:a16="http://schemas.microsoft.com/office/drawing/2014/main" id="{C6C21149-7D17-44C2-AFB6-4D931DC55FB1}"/>
               </a:ext>
               <a:ext uri="{C183D7F6-B498-43B3-948B-1728B52AA6E4}">
-                <adec:decorative xmlns:adec="http://schemas.microsoft.com/office/drawing/2017/decorative" xmlns="" val="1"/>
+                <adec:decorative xmlns="" xmlns:adec="http://schemas.microsoft.com/office/drawing/2017/decorative" val="1"/>
               </a:ext>
             </a:extLst>
           </p:cNvPr>
@@ -20299,7 +20384,7 @@
                 <a16:creationId xmlns:a16="http://schemas.microsoft.com/office/drawing/2014/main" id="{C2E5FCF0-567A-448C-A6E3-920BFC702C2F}"/>
               </a:ext>
               <a:ext uri="{C183D7F6-B498-43B3-948B-1728B52AA6E4}">
-                <adec:decorative xmlns:adec="http://schemas.microsoft.com/office/drawing/2017/decorative" xmlns="" val="1"/>
+                <adec:decorative xmlns="" xmlns:adec="http://schemas.microsoft.com/office/drawing/2017/decorative" val="1"/>
               </a:ext>
             </a:extLst>
           </p:cNvPr>
@@ -20768,7 +20853,7 @@
                 <a16:creationId xmlns:a16="http://schemas.microsoft.com/office/drawing/2014/main" id="{718B0F80-1C8E-49FA-9B66-C9285753E25F}"/>
               </a:ext>
               <a:ext uri="{C183D7F6-B498-43B3-948B-1728B52AA6E4}">
-                <adec:decorative xmlns:adec="http://schemas.microsoft.com/office/drawing/2017/decorative" xmlns="" val="1"/>
+                <adec:decorative xmlns="" xmlns:adec="http://schemas.microsoft.com/office/drawing/2017/decorative" val="1"/>
               </a:ext>
             </a:extLst>
           </p:cNvPr>
@@ -20961,7 +21046,7 @@
                 <a16:creationId xmlns:a16="http://schemas.microsoft.com/office/drawing/2014/main" id="{CEF2B853-4083-4B70-AC2A-F79D80809342}"/>
               </a:ext>
               <a:ext uri="{C183D7F6-B498-43B3-948B-1728B52AA6E4}">
-                <adec:decorative xmlns:adec="http://schemas.microsoft.com/office/drawing/2017/decorative" xmlns="" val="1"/>
+                <adec:decorative xmlns="" xmlns:adec="http://schemas.microsoft.com/office/drawing/2017/decorative" val="1"/>
               </a:ext>
             </a:extLst>
           </p:cNvPr>
@@ -21260,7 +21345,7 @@
                 <a16:creationId xmlns:a16="http://schemas.microsoft.com/office/drawing/2014/main" id="{D434EAAF-BF44-4CCC-84D4-105F3370AFFC}"/>
               </a:ext>
               <a:ext uri="{C183D7F6-B498-43B3-948B-1728B52AA6E4}">
-                <adec:decorative xmlns:adec="http://schemas.microsoft.com/office/drawing/2017/decorative" xmlns="" val="1"/>
+                <adec:decorative xmlns="" xmlns:adec="http://schemas.microsoft.com/office/drawing/2017/decorative" val="1"/>
               </a:ext>
             </a:extLst>
           </p:cNvPr>
@@ -21426,7 +21511,7 @@
                 <a16:creationId xmlns:a16="http://schemas.microsoft.com/office/drawing/2014/main" id="{4281BC32-FF58-4898-A6B5-7B3D059BCEB0}"/>
               </a:ext>
               <a:ext uri="{C183D7F6-B498-43B3-948B-1728B52AA6E4}">
-                <adec:decorative xmlns:adec="http://schemas.microsoft.com/office/drawing/2017/decorative" xmlns="" val="1"/>
+                <adec:decorative xmlns="" xmlns:adec="http://schemas.microsoft.com/office/drawing/2017/decorative" val="1"/>
               </a:ext>
             </a:extLst>
           </p:cNvPr>
@@ -21486,7 +21571,7 @@
                 <a16:creationId xmlns:a16="http://schemas.microsoft.com/office/drawing/2014/main" id="{0D614406-135F-4875-9C87-53822CB19ABB}"/>
               </a:ext>
               <a:ext uri="{C183D7F6-B498-43B3-948B-1728B52AA6E4}">
-                <adec:decorative xmlns:adec="http://schemas.microsoft.com/office/drawing/2017/decorative" xmlns="" val="1"/>
+                <adec:decorative xmlns="" xmlns:adec="http://schemas.microsoft.com/office/drawing/2017/decorative" val="1"/>
               </a:ext>
             </a:extLst>
           </p:cNvPr>
@@ -21583,7 +21668,7 @@
                 <a16:creationId xmlns:a16="http://schemas.microsoft.com/office/drawing/2014/main" id="{C6C21149-7D17-44C2-AFB6-4D931DC55FB1}"/>
               </a:ext>
               <a:ext uri="{C183D7F6-B498-43B3-948B-1728B52AA6E4}">
-                <adec:decorative xmlns:adec="http://schemas.microsoft.com/office/drawing/2017/decorative" xmlns="" val="1"/>
+                <adec:decorative xmlns="" xmlns:adec="http://schemas.microsoft.com/office/drawing/2017/decorative" val="1"/>
               </a:ext>
             </a:extLst>
           </p:cNvPr>
@@ -21635,7 +21720,7 @@
                 <a16:creationId xmlns:a16="http://schemas.microsoft.com/office/drawing/2014/main" id="{C2E5FCF0-567A-448C-A6E3-920BFC702C2F}"/>
               </a:ext>
               <a:ext uri="{C183D7F6-B498-43B3-948B-1728B52AA6E4}">
-                <adec:decorative xmlns:adec="http://schemas.microsoft.com/office/drawing/2017/decorative" xmlns="" val="1"/>
+                <adec:decorative xmlns="" xmlns:adec="http://schemas.microsoft.com/office/drawing/2017/decorative" val="1"/>
               </a:ext>
             </a:extLst>
           </p:cNvPr>
@@ -22181,7 +22266,7 @@
                 <a16:creationId xmlns:a16="http://schemas.microsoft.com/office/drawing/2014/main" id="{4281BC32-FF58-4898-A6B5-7B3D059BCEB0}"/>
               </a:ext>
               <a:ext uri="{C183D7F6-B498-43B3-948B-1728B52AA6E4}">
-                <adec:decorative xmlns="" xmlns:adec="http://schemas.microsoft.com/office/drawing/2017/decorative" val="1"/>
+                <adec:decorative xmlns:adec="http://schemas.microsoft.com/office/drawing/2017/decorative" xmlns="" val="1"/>
               </a:ext>
             </a:extLst>
           </p:cNvPr>
@@ -22270,7 +22355,7 @@
                 <a16:creationId xmlns:a16="http://schemas.microsoft.com/office/drawing/2014/main" id="{0D614406-135F-4875-9C87-53822CB19ABB}"/>
               </a:ext>
               <a:ext uri="{C183D7F6-B498-43B3-948B-1728B52AA6E4}">
-                <adec:decorative xmlns="" xmlns:adec="http://schemas.microsoft.com/office/drawing/2017/decorative" val="1"/>
+                <adec:decorative xmlns:adec="http://schemas.microsoft.com/office/drawing/2017/decorative" xmlns="" val="1"/>
               </a:ext>
             </a:extLst>
           </p:cNvPr>
@@ -22396,7 +22481,7 @@
                 <a16:creationId xmlns:a16="http://schemas.microsoft.com/office/drawing/2014/main" id="{C6C21149-7D17-44C2-AFB6-4D931DC55FB1}"/>
               </a:ext>
               <a:ext uri="{C183D7F6-B498-43B3-948B-1728B52AA6E4}">
-                <adec:decorative xmlns="" xmlns:adec="http://schemas.microsoft.com/office/drawing/2017/decorative" val="1"/>
+                <adec:decorative xmlns:adec="http://schemas.microsoft.com/office/drawing/2017/decorative" xmlns="" val="1"/>
               </a:ext>
             </a:extLst>
           </p:cNvPr>
@@ -22448,7 +22533,7 @@
                 <a16:creationId xmlns:a16="http://schemas.microsoft.com/office/drawing/2014/main" id="{C2E5FCF0-567A-448C-A6E3-920BFC702C2F}"/>
               </a:ext>
               <a:ext uri="{C183D7F6-B498-43B3-948B-1728B52AA6E4}">
-                <adec:decorative xmlns="" xmlns:adec="http://schemas.microsoft.com/office/drawing/2017/decorative" val="1"/>
+                <adec:decorative xmlns:adec="http://schemas.microsoft.com/office/drawing/2017/decorative" xmlns="" val="1"/>
               </a:ext>
             </a:extLst>
           </p:cNvPr>
@@ -23774,7 +23859,7 @@
                 <a16:creationId xmlns:a16="http://schemas.microsoft.com/office/drawing/2014/main" id="{4281BC32-FF58-4898-A6B5-7B3D059BCEB0}"/>
               </a:ext>
               <a:ext uri="{C183D7F6-B498-43B3-948B-1728B52AA6E4}">
-                <adec:decorative xmlns:adec="http://schemas.microsoft.com/office/drawing/2017/decorative" xmlns="" val="1"/>
+                <adec:decorative xmlns="" xmlns:adec="http://schemas.microsoft.com/office/drawing/2017/decorative" val="1"/>
               </a:ext>
             </a:extLst>
           </p:cNvPr>
@@ -23834,7 +23919,7 @@
                 <a16:creationId xmlns:a16="http://schemas.microsoft.com/office/drawing/2014/main" id="{0D614406-135F-4875-9C87-53822CB19ABB}"/>
               </a:ext>
               <a:ext uri="{C183D7F6-B498-43B3-948B-1728B52AA6E4}">
-                <adec:decorative xmlns:adec="http://schemas.microsoft.com/office/drawing/2017/decorative" xmlns="" val="1"/>
+                <adec:decorative xmlns="" xmlns:adec="http://schemas.microsoft.com/office/drawing/2017/decorative" val="1"/>
               </a:ext>
             </a:extLst>
           </p:cNvPr>
@@ -23931,7 +24016,7 @@
                 <a16:creationId xmlns:a16="http://schemas.microsoft.com/office/drawing/2014/main" id="{C6C21149-7D17-44C2-AFB6-4D931DC55FB1}"/>
               </a:ext>
               <a:ext uri="{C183D7F6-B498-43B3-948B-1728B52AA6E4}">
-                <adec:decorative xmlns:adec="http://schemas.microsoft.com/office/drawing/2017/decorative" xmlns="" val="1"/>
+                <adec:decorative xmlns="" xmlns:adec="http://schemas.microsoft.com/office/drawing/2017/decorative" val="1"/>
               </a:ext>
             </a:extLst>
           </p:cNvPr>
@@ -23983,7 +24068,7 @@
                 <a16:creationId xmlns:a16="http://schemas.microsoft.com/office/drawing/2014/main" id="{C2E5FCF0-567A-448C-A6E3-920BFC702C2F}"/>
               </a:ext>
               <a:ext uri="{C183D7F6-B498-43B3-948B-1728B52AA6E4}">
-                <adec:decorative xmlns:adec="http://schemas.microsoft.com/office/drawing/2017/decorative" xmlns="" val="1"/>
+                <adec:decorative xmlns="" xmlns:adec="http://schemas.microsoft.com/office/drawing/2017/decorative" val="1"/>
               </a:ext>
             </a:extLst>
           </p:cNvPr>
@@ -24541,7 +24626,7 @@
                 <a16:creationId xmlns:a16="http://schemas.microsoft.com/office/drawing/2014/main" id="{4281BC32-FF58-4898-A6B5-7B3D059BCEB0}"/>
               </a:ext>
               <a:ext uri="{C183D7F6-B498-43B3-948B-1728B52AA6E4}">
-                <adec:decorative xmlns:adec="http://schemas.microsoft.com/office/drawing/2017/decorative" xmlns="" val="1"/>
+                <adec:decorative xmlns="" xmlns:adec="http://schemas.microsoft.com/office/drawing/2017/decorative" val="1"/>
               </a:ext>
             </a:extLst>
           </p:cNvPr>
@@ -24588,37 +24673,8 @@
           <a:bodyPr rtlCol="0" anchor="ctr"/>
           <a:lstStyle/>
           <a:p>
-            <a:pPr marL="0" marR="0" lvl="0" indent="0" algn="ctr" defTabSz="457200" rtl="0" eaLnBrk="1" fontAlgn="auto" latinLnBrk="0" hangingPunct="1">
-              <a:lnSpc>
-                <a:spcPct val="100000"/>
-              </a:lnSpc>
-              <a:spcBef>
-                <a:spcPts val="0"/>
-              </a:spcBef>
-              <a:spcAft>
-                <a:spcPts val="0"/>
-              </a:spcAft>
-              <a:buClrTx/>
-              <a:buSzTx/>
-              <a:buFontTx/>
-              <a:buNone/>
-              <a:tabLst/>
-              <a:defRPr/>
-            </a:pPr>
-            <a:endParaRPr kumimoji="0" lang="en-US" sz="1800" b="0" i="0" u="none" strike="noStrike" kern="1200" cap="none" spc="0" normalizeH="0" baseline="0" noProof="0">
-              <a:ln>
-                <a:noFill/>
-              </a:ln>
-              <a:solidFill>
-                <a:prstClr val="white"/>
-              </a:solidFill>
-              <a:effectLst/>
-              <a:uLnTx/>
-              <a:uFillTx/>
-              <a:latin typeface="Corbel" panose="020B0503020204020204"/>
-              <a:ea typeface="+mn-ea"/>
-              <a:cs typeface="+mn-cs"/>
-            </a:endParaRPr>
+            <a:pPr algn="ctr"/>
+            <a:endParaRPr lang="en-US"/>
           </a:p>
         </p:txBody>
       </p:sp>
@@ -24630,7 +24686,7 @@
                 <a16:creationId xmlns:a16="http://schemas.microsoft.com/office/drawing/2014/main" id="{0D614406-135F-4875-9C87-53822CB19ABB}"/>
               </a:ext>
               <a:ext uri="{C183D7F6-B498-43B3-948B-1728B52AA6E4}">
-                <adec:decorative xmlns:adec="http://schemas.microsoft.com/office/drawing/2017/decorative" xmlns="" val="1"/>
+                <adec:decorative xmlns="" xmlns:adec="http://schemas.microsoft.com/office/drawing/2017/decorative" val="1"/>
               </a:ext>
             </a:extLst>
           </p:cNvPr>
@@ -24680,37 +24736,8 @@
           <a:bodyPr rtlCol="0" anchor="ctr"/>
           <a:lstStyle/>
           <a:p>
-            <a:pPr marL="0" marR="0" lvl="0" indent="0" algn="ctr" defTabSz="457200" rtl="0" eaLnBrk="1" fontAlgn="auto" latinLnBrk="0" hangingPunct="1">
-              <a:lnSpc>
-                <a:spcPct val="100000"/>
-              </a:lnSpc>
-              <a:spcBef>
-                <a:spcPts val="0"/>
-              </a:spcBef>
-              <a:spcAft>
-                <a:spcPts val="0"/>
-              </a:spcAft>
-              <a:buClrTx/>
-              <a:buSzTx/>
-              <a:buFontTx/>
-              <a:buNone/>
-              <a:tabLst/>
-              <a:defRPr/>
-            </a:pPr>
-            <a:endParaRPr kumimoji="0" lang="en-US" sz="1800" b="0" i="0" u="none" strike="noStrike" kern="1200" cap="none" spc="0" normalizeH="0" baseline="0" noProof="0">
-              <a:ln>
-                <a:noFill/>
-              </a:ln>
-              <a:solidFill>
-                <a:prstClr val="white"/>
-              </a:solidFill>
-              <a:effectLst/>
-              <a:uLnTx/>
-              <a:uFillTx/>
-              <a:latin typeface="Corbel" panose="020B0503020204020204"/>
-              <a:ea typeface="+mn-ea"/>
-              <a:cs typeface="+mn-cs"/>
-            </a:endParaRPr>
+            <a:pPr algn="ctr"/>
+            <a:endParaRPr lang="en-US"/>
           </a:p>
         </p:txBody>
       </p:sp>
@@ -24756,7 +24783,7 @@
                 <a16:creationId xmlns:a16="http://schemas.microsoft.com/office/drawing/2014/main" id="{C6C21149-7D17-44C2-AFB6-4D931DC55FB1}"/>
               </a:ext>
               <a:ext uri="{C183D7F6-B498-43B3-948B-1728B52AA6E4}">
-                <adec:decorative xmlns:adec="http://schemas.microsoft.com/office/drawing/2017/decorative" xmlns="" val="1"/>
+                <adec:decorative xmlns="" xmlns:adec="http://schemas.microsoft.com/office/drawing/2017/decorative" val="1"/>
               </a:ext>
             </a:extLst>
           </p:cNvPr>
@@ -24808,7 +24835,7 @@
                 <a16:creationId xmlns:a16="http://schemas.microsoft.com/office/drawing/2014/main" id="{C2E5FCF0-567A-448C-A6E3-920BFC702C2F}"/>
               </a:ext>
               <a:ext uri="{C183D7F6-B498-43B3-948B-1728B52AA6E4}">
-                <adec:decorative xmlns:adec="http://schemas.microsoft.com/office/drawing/2017/decorative" xmlns="" val="1"/>
+                <adec:decorative xmlns="" xmlns:adec="http://schemas.microsoft.com/office/drawing/2017/decorative" val="1"/>
               </a:ext>
             </a:extLst>
           </p:cNvPr>
@@ -25029,7 +25056,7 @@
           <p:nvPr/>
         </p:nvPicPr>
         <p:blipFill>
-          <a:blip r:embed="rId2">
+          <a:blip r:embed="rId3">
             <a:extLst>
               <a:ext uri="{28A0092B-C50C-407E-A947-70E740481C1C}">
                 <a14:useLocalDpi xmlns:a14="http://schemas.microsoft.com/office/drawing/2010/main" val="0"/>
@@ -25063,641 +25090,138 @@
       </p:pic>
       <p:sp>
         <p:nvSpPr>
-          <p:cNvPr id="3" name="Rectangle 1">
-            <a:extLst>
-              <a:ext uri="{FF2B5EF4-FFF2-40B4-BE49-F238E27FC236}">
-                <a16:creationId xmlns:a16="http://schemas.microsoft.com/office/drawing/2014/main" id="{979CEED4-2A51-4E44-AEC6-BD1507480E66}"/>
-              </a:ext>
-            </a:extLst>
-          </p:cNvPr>
-          <p:cNvSpPr>
-            <a:spLocks noChangeArrowheads="1"/>
+          <p:cNvPr id="10" name="Title 1"/>
+          <p:cNvSpPr txBox="1">
+            <a:spLocks/>
           </p:cNvSpPr>
           <p:nvPr/>
         </p:nvSpPr>
-        <p:spPr bwMode="auto">
+        <p:spPr>
           <a:xfrm>
-            <a:off x="0" y="90100"/>
-            <a:ext cx="65" cy="276999"/>
+            <a:off x="4064936" y="1022911"/>
+            <a:ext cx="7169753" cy="1232750"/>
           </a:xfrm>
           <a:prstGeom prst="rect">
             <a:avLst/>
           </a:prstGeom>
-          <a:solidFill>
-            <a:srgbClr val="FFFFFF"/>
-          </a:solidFill>
-          <a:ln>
-            <a:noFill/>
-          </a:ln>
-          <a:effectLst/>
-          <a:extLst>
-            <a:ext uri="{91240B29-F687-4F45-9708-019B960494DF}">
-              <a14:hiddenLine xmlns:a14="http://schemas.microsoft.com/office/drawing/2010/main" w="9525">
-                <a:solidFill>
-                  <a:schemeClr val="tx1"/>
-                </a:solidFill>
-                <a:miter lim="800000"/>
-                <a:headEnd/>
-                <a:tailEnd/>
-              </a14:hiddenLine>
-            </a:ext>
-            <a:ext uri="{AF507438-7753-43E0-B8FC-AC1667EBCBE1}">
-              <a14:hiddenEffects xmlns:a14="http://schemas.microsoft.com/office/drawing/2010/main">
-                <a:effectLst>
-                  <a:outerShdw dist="35921" dir="2700000" algn="ctr" rotWithShape="0">
-                    <a:schemeClr val="bg2"/>
-                  </a:outerShdw>
-                </a:effectLst>
-              </a14:hiddenEffects>
-            </a:ext>
-          </a:extLst>
         </p:spPr>
         <p:txBody>
-          <a:bodyPr vert="horz" wrap="none" lIns="0" tIns="0" rIns="0" bIns="0" numCol="1" anchor="ctr" anchorCtr="0" compatLnSpc="1">
-            <a:prstTxWarp prst="textNoShape">
-              <a:avLst/>
-            </a:prstTxWarp>
-            <a:spAutoFit/>
+          <a:bodyPr vert="horz" lIns="91440" tIns="45720" rIns="91440" bIns="45720" rtlCol="0" anchor="b">
+            <a:normAutofit/>
           </a:bodyPr>
-          <a:lstStyle/>
-          <a:p>
-            <a:pPr marL="0" marR="0" lvl="0" indent="0" algn="l" defTabSz="914400" rtl="0" eaLnBrk="0" fontAlgn="base" latinLnBrk="0" hangingPunct="0">
+          <a:lstStyle>
+            <a:lvl1pPr algn="r" defTabSz="914400" rtl="0" eaLnBrk="1" latinLnBrk="0" hangingPunct="1">
               <a:lnSpc>
-                <a:spcPct val="100000"/>
+                <a:spcPct val="90000"/>
               </a:lnSpc>
               <a:spcBef>
                 <a:spcPct val="0"/>
               </a:spcBef>
-              <a:spcAft>
-                <a:spcPct val="0"/>
-              </a:spcAft>
-              <a:buClrTx/>
-              <a:buSzTx/>
-              <a:buFontTx/>
               <a:buNone/>
-              <a:tabLst/>
-              <a:defRPr/>
-            </a:pPr>
-            <a:endParaRPr kumimoji="0" lang="en-US" altLang="en-US" sz="1800" b="0" i="0" u="none" strike="noStrike" kern="1200" cap="none" spc="0" normalizeH="0" baseline="0" noProof="0" dirty="0">
-              <a:ln>
-                <a:noFill/>
-              </a:ln>
+              <a:defRPr sz="5000" b="0" i="1" kern="1200" baseline="0">
+                <a:solidFill>
+                  <a:schemeClr val="tx1">
+                    <a:lumMod val="85000"/>
+                    <a:lumOff val="15000"/>
+                  </a:schemeClr>
+                </a:solidFill>
+                <a:latin typeface="+mj-lt"/>
+                <a:ea typeface="+mj-ea"/>
+                <a:cs typeface="+mj-cs"/>
+              </a:defRPr>
+            </a:lvl1pPr>
+          </a:lstStyle>
+          <a:p>
+            <a:pPr algn="l"/>
+            <a:endParaRPr lang="en-US" sz="3900" dirty="0">
               <a:solidFill>
-                <a:prstClr val="black"/>
+                <a:schemeClr val="bg1"/>
               </a:solidFill>
-              <a:effectLst/>
-              <a:uLnTx/>
-              <a:uFillTx/>
-              <a:latin typeface="Arial" panose="020B0604020202020204" pitchFamily="34" charset="0"/>
-              <a:ea typeface="+mn-ea"/>
-              <a:cs typeface="+mn-cs"/>
             </a:endParaRPr>
           </a:p>
         </p:txBody>
       </p:sp>
       <p:pic>
         <p:nvPicPr>
-          <p:cNvPr id="7" name="Picture 6">
+          <p:cNvPr id="12" name="Picture 2" descr="Image result for Delta boarding pass MCO">
             <a:extLst>
               <a:ext uri="{FF2B5EF4-FFF2-40B4-BE49-F238E27FC236}">
-                <a16:creationId xmlns:a16="http://schemas.microsoft.com/office/drawing/2014/main" id="{A725B1E7-C807-4D45-9218-184021791404}"/>
+                <a16:creationId xmlns:a16="http://schemas.microsoft.com/office/drawing/2014/main" id="{496395E0-D773-4FEB-8E63-F152EEB21774}"/>
               </a:ext>
             </a:extLst>
           </p:cNvPr>
+          <p:cNvPicPr>
+            <a:picLocks noChangeAspect="1" noChangeArrowheads="1"/>
+          </p:cNvPicPr>
+          <p:nvPr/>
+        </p:nvPicPr>
+        <p:blipFill>
+          <a:blip r:embed="rId3">
+            <a:extLst>
+              <a:ext uri="{28A0092B-C50C-407E-A947-70E740481C1C}">
+                <a14:useLocalDpi xmlns:a14="http://schemas.microsoft.com/office/drawing/2010/main" val="0"/>
+              </a:ext>
+            </a:extLst>
+          </a:blip>
+          <a:srcRect/>
+          <a:stretch>
+            <a:fillRect/>
+          </a:stretch>
+        </p:blipFill>
+        <p:spPr bwMode="auto">
+          <a:xfrm rot="20406036">
+            <a:off x="8607841" y="430614"/>
+            <a:ext cx="2766591" cy="1402778"/>
+          </a:xfrm>
+          <a:prstGeom prst="rect">
+            <a:avLst/>
+          </a:prstGeom>
+          <a:noFill/>
+          <a:extLst>
+            <a:ext uri="{909E8E84-426E-40DD-AFC4-6F175D3DCCD1}">
+              <a14:hiddenFill xmlns:a14="http://schemas.microsoft.com/office/drawing/2010/main">
+                <a:solidFill>
+                  <a:srgbClr val="FFFFFF"/>
+                </a:solidFill>
+              </a14:hiddenFill>
+            </a:ext>
+          </a:extLst>
+        </p:spPr>
+      </p:pic>
+      <p:pic>
+        <p:nvPicPr>
+          <p:cNvPr id="4" name="Picture 3"/>
           <p:cNvPicPr>
             <a:picLocks noChangeAspect="1"/>
           </p:cNvPicPr>
           <p:nvPr/>
         </p:nvPicPr>
         <p:blipFill>
-          <a:blip r:embed="rId3"/>
+          <a:blip r:embed="rId4">
+            <a:extLst>
+              <a:ext uri="{28A0092B-C50C-407E-A947-70E740481C1C}">
+                <a14:useLocalDpi xmlns:a14="http://schemas.microsoft.com/office/drawing/2010/main" val="0"/>
+              </a:ext>
+            </a:extLst>
+          </a:blip>
           <a:stretch>
             <a:fillRect/>
           </a:stretch>
         </p:blipFill>
         <p:spPr>
           <a:xfrm>
-            <a:off x="745118" y="3481611"/>
-            <a:ext cx="9878804" cy="1829055"/>
+            <a:off x="2860354" y="2475916"/>
+            <a:ext cx="5988680" cy="4117217"/>
           </a:xfrm>
           <a:prstGeom prst="rect">
             <a:avLst/>
           </a:prstGeom>
         </p:spPr>
       </p:pic>
-      <p:sp>
-        <p:nvSpPr>
-          <p:cNvPr id="14" name="Rectangle 13">
-            <a:extLst>
-              <a:ext uri="{FF2B5EF4-FFF2-40B4-BE49-F238E27FC236}">
-                <a16:creationId xmlns:a16="http://schemas.microsoft.com/office/drawing/2014/main" id="{BCC3F34F-926C-4A01-8161-4727D47BEFDB}"/>
-              </a:ext>
-            </a:extLst>
-          </p:cNvPr>
-          <p:cNvSpPr/>
-          <p:nvPr/>
-        </p:nvSpPr>
-        <p:spPr>
-          <a:xfrm>
-            <a:off x="-1" y="2285999"/>
-            <a:ext cx="12191669" cy="4524315"/>
-          </a:xfrm>
-          <a:prstGeom prst="rect">
-            <a:avLst/>
-          </a:prstGeom>
-        </p:spPr>
-        <p:txBody>
-          <a:bodyPr wrap="square">
-            <a:spAutoFit/>
-          </a:bodyPr>
-          <a:lstStyle/>
-          <a:p>
-            <a:pPr marL="0" marR="0" lvl="0" indent="0" algn="l" defTabSz="457200" rtl="0" eaLnBrk="1" fontAlgn="auto" latinLnBrk="0" hangingPunct="1">
-              <a:lnSpc>
-                <a:spcPct val="100000"/>
-              </a:lnSpc>
-              <a:spcBef>
-                <a:spcPts val="0"/>
-              </a:spcBef>
-              <a:spcAft>
-                <a:spcPts val="0"/>
-              </a:spcAft>
-              <a:buClrTx/>
-              <a:buSzTx/>
-              <a:buFontTx/>
-              <a:buNone/>
-              <a:tabLst/>
-              <a:defRPr/>
-            </a:pPr>
-            <a:r>
-              <a:rPr kumimoji="0" lang="en-US" sz="1800" b="1" i="0" u="none" strike="noStrike" kern="1200" cap="none" spc="0" normalizeH="0" baseline="0" noProof="0" dirty="0">
-                <a:ln>
-                  <a:noFill/>
-                </a:ln>
-                <a:solidFill>
-                  <a:prstClr val="black"/>
-                </a:solidFill>
-                <a:effectLst/>
-                <a:uLnTx/>
-                <a:uFillTx/>
-                <a:latin typeface="Corbel" panose="020B0503020204020204"/>
-                <a:ea typeface="+mn-ea"/>
-                <a:cs typeface="+mn-cs"/>
-              </a:rPr>
-              <a:t>AIRPORT TO AIRPORT IMPACT ANALYSIS</a:t>
-            </a:r>
-          </a:p>
-          <a:p>
-            <a:pPr marL="0" marR="0" lvl="0" indent="0" algn="l" defTabSz="457200" rtl="0" eaLnBrk="1" fontAlgn="auto" latinLnBrk="0" hangingPunct="1">
-              <a:lnSpc>
-                <a:spcPct val="100000"/>
-              </a:lnSpc>
-              <a:spcBef>
-                <a:spcPts val="0"/>
-              </a:spcBef>
-              <a:spcAft>
-                <a:spcPts val="0"/>
-              </a:spcAft>
-              <a:buClrTx/>
-              <a:buSzTx/>
-              <a:buFontTx/>
-              <a:buNone/>
-              <a:tabLst/>
-              <a:defRPr/>
-            </a:pPr>
-            <a:r>
-              <a:rPr kumimoji="0" lang="en-US" sz="1800" b="0" i="0" u="none" strike="noStrike" kern="1200" cap="none" spc="0" normalizeH="0" baseline="0" noProof="0" dirty="0">
-                <a:ln>
-                  <a:noFill/>
-                </a:ln>
-                <a:solidFill>
-                  <a:prstClr val="black"/>
-                </a:solidFill>
-                <a:effectLst/>
-                <a:uLnTx/>
-                <a:uFillTx/>
-                <a:latin typeface="Corbel" panose="020B0503020204020204"/>
-                <a:ea typeface="+mn-ea"/>
-                <a:cs typeface="+mn-cs"/>
-              </a:rPr>
-              <a:t>Q: What evidence is there that delays at one airport cause delays at another airport?</a:t>
-            </a:r>
-          </a:p>
-          <a:p>
-            <a:pPr marL="0" marR="0" lvl="0" indent="0" algn="l" defTabSz="457200" rtl="0" eaLnBrk="1" fontAlgn="auto" latinLnBrk="0" hangingPunct="1">
-              <a:lnSpc>
-                <a:spcPct val="100000"/>
-              </a:lnSpc>
-              <a:spcBef>
-                <a:spcPts val="0"/>
-              </a:spcBef>
-              <a:spcAft>
-                <a:spcPts val="0"/>
-              </a:spcAft>
-              <a:buClrTx/>
-              <a:buSzTx/>
-              <a:buFontTx/>
-              <a:buNone/>
-              <a:tabLst/>
-              <a:defRPr/>
-            </a:pPr>
-            <a:endParaRPr kumimoji="0" lang="en-US" sz="1800" b="0" i="0" u="none" strike="noStrike" kern="1200" cap="none" spc="0" normalizeH="0" baseline="0" noProof="0" dirty="0">
-              <a:ln>
-                <a:noFill/>
-              </a:ln>
-              <a:solidFill>
-                <a:prstClr val="black"/>
-              </a:solidFill>
-              <a:effectLst/>
-              <a:uLnTx/>
-              <a:uFillTx/>
-              <a:latin typeface="Corbel" panose="020B0503020204020204"/>
-              <a:ea typeface="+mn-ea"/>
-              <a:cs typeface="+mn-cs"/>
-            </a:endParaRPr>
-          </a:p>
-          <a:p>
-            <a:pPr marL="0" marR="0" lvl="0" indent="0" algn="l" defTabSz="457200" rtl="0" eaLnBrk="1" fontAlgn="auto" latinLnBrk="0" hangingPunct="1">
-              <a:lnSpc>
-                <a:spcPct val="100000"/>
-              </a:lnSpc>
-              <a:spcBef>
-                <a:spcPts val="0"/>
-              </a:spcBef>
-              <a:spcAft>
-                <a:spcPts val="0"/>
-              </a:spcAft>
-              <a:buClrTx/>
-              <a:buSzTx/>
-              <a:buFontTx/>
-              <a:buNone/>
-              <a:tabLst/>
-              <a:defRPr/>
-            </a:pPr>
-            <a:r>
-              <a:rPr kumimoji="0" lang="en-US" sz="1800" b="0" i="0" u="none" strike="noStrike" kern="1200" cap="none" spc="0" normalizeH="0" baseline="0" noProof="0" dirty="0">
-                <a:ln>
-                  <a:noFill/>
-                </a:ln>
-                <a:solidFill>
-                  <a:prstClr val="black"/>
-                </a:solidFill>
-                <a:effectLst/>
-                <a:uLnTx/>
-                <a:uFillTx/>
-                <a:latin typeface="Corbel" panose="020B0503020204020204"/>
-                <a:ea typeface="+mn-ea"/>
-                <a:cs typeface="+mn-cs"/>
-              </a:rPr>
-              <a:t>Based on the data we collected, we decided to examine any possible causality of delay from MCO to ATL and vice versa.</a:t>
-            </a:r>
-          </a:p>
-          <a:p>
-            <a:pPr marL="0" marR="0" lvl="0" indent="0" algn="l" defTabSz="457200" rtl="0" eaLnBrk="1" fontAlgn="auto" latinLnBrk="0" hangingPunct="1">
-              <a:lnSpc>
-                <a:spcPct val="100000"/>
-              </a:lnSpc>
-              <a:spcBef>
-                <a:spcPts val="0"/>
-              </a:spcBef>
-              <a:spcAft>
-                <a:spcPts val="0"/>
-              </a:spcAft>
-              <a:buClrTx/>
-              <a:buSzTx/>
-              <a:buFontTx/>
-              <a:buNone/>
-              <a:tabLst/>
-              <a:defRPr/>
-            </a:pPr>
-            <a:endParaRPr kumimoji="0" lang="en-US" sz="1800" b="0" i="0" u="none" strike="noStrike" kern="1200" cap="none" spc="0" normalizeH="0" baseline="0" noProof="0" dirty="0">
-              <a:ln>
-                <a:noFill/>
-              </a:ln>
-              <a:solidFill>
-                <a:prstClr val="black"/>
-              </a:solidFill>
-              <a:effectLst/>
-              <a:uLnTx/>
-              <a:uFillTx/>
-              <a:latin typeface="Corbel" panose="020B0503020204020204"/>
-              <a:ea typeface="+mn-ea"/>
-              <a:cs typeface="+mn-cs"/>
-            </a:endParaRPr>
-          </a:p>
-          <a:p>
-            <a:pPr marL="0" marR="0" lvl="0" indent="0" algn="l" defTabSz="457200" rtl="0" eaLnBrk="1" fontAlgn="auto" latinLnBrk="0" hangingPunct="1">
-              <a:lnSpc>
-                <a:spcPct val="100000"/>
-              </a:lnSpc>
-              <a:spcBef>
-                <a:spcPts val="0"/>
-              </a:spcBef>
-              <a:spcAft>
-                <a:spcPts val="0"/>
-              </a:spcAft>
-              <a:buClrTx/>
-              <a:buSzTx/>
-              <a:buFontTx/>
-              <a:buNone/>
-              <a:tabLst/>
-              <a:defRPr/>
-            </a:pPr>
-            <a:endParaRPr kumimoji="0" lang="en-US" sz="1800" b="0" i="0" u="none" strike="noStrike" kern="1200" cap="none" spc="0" normalizeH="0" baseline="0" noProof="0" dirty="0">
-              <a:ln>
-                <a:noFill/>
-              </a:ln>
-              <a:solidFill>
-                <a:prstClr val="black"/>
-              </a:solidFill>
-              <a:effectLst/>
-              <a:uLnTx/>
-              <a:uFillTx/>
-              <a:latin typeface="Corbel" panose="020B0503020204020204"/>
-              <a:ea typeface="+mn-ea"/>
-              <a:cs typeface="+mn-cs"/>
-            </a:endParaRPr>
-          </a:p>
-          <a:p>
-            <a:pPr marL="0" marR="0" lvl="0" indent="0" algn="l" defTabSz="457200" rtl="0" eaLnBrk="1" fontAlgn="auto" latinLnBrk="0" hangingPunct="1">
-              <a:lnSpc>
-                <a:spcPct val="100000"/>
-              </a:lnSpc>
-              <a:spcBef>
-                <a:spcPts val="0"/>
-              </a:spcBef>
-              <a:spcAft>
-                <a:spcPts val="0"/>
-              </a:spcAft>
-              <a:buClrTx/>
-              <a:buSzTx/>
-              <a:buFontTx/>
-              <a:buNone/>
-              <a:tabLst/>
-              <a:defRPr/>
-            </a:pPr>
-            <a:endParaRPr kumimoji="0" lang="en-US" sz="1800" b="0" i="0" u="none" strike="noStrike" kern="1200" cap="none" spc="0" normalizeH="0" baseline="0" noProof="0" dirty="0">
-              <a:ln>
-                <a:noFill/>
-              </a:ln>
-              <a:solidFill>
-                <a:prstClr val="black"/>
-              </a:solidFill>
-              <a:effectLst/>
-              <a:uLnTx/>
-              <a:uFillTx/>
-              <a:latin typeface="Corbel" panose="020B0503020204020204"/>
-              <a:ea typeface="+mn-ea"/>
-              <a:cs typeface="+mn-cs"/>
-            </a:endParaRPr>
-          </a:p>
-          <a:p>
-            <a:pPr marL="0" marR="0" lvl="0" indent="0" algn="l" defTabSz="457200" rtl="0" eaLnBrk="1" fontAlgn="auto" latinLnBrk="0" hangingPunct="1">
-              <a:lnSpc>
-                <a:spcPct val="100000"/>
-              </a:lnSpc>
-              <a:spcBef>
-                <a:spcPts val="0"/>
-              </a:spcBef>
-              <a:spcAft>
-                <a:spcPts val="0"/>
-              </a:spcAft>
-              <a:buClrTx/>
-              <a:buSzTx/>
-              <a:buFontTx/>
-              <a:buNone/>
-              <a:tabLst/>
-              <a:defRPr/>
-            </a:pPr>
-            <a:endParaRPr kumimoji="0" lang="en-US" sz="1800" b="0" i="0" u="none" strike="noStrike" kern="1200" cap="none" spc="0" normalizeH="0" baseline="0" noProof="0" dirty="0">
-              <a:ln>
-                <a:noFill/>
-              </a:ln>
-              <a:solidFill>
-                <a:prstClr val="black"/>
-              </a:solidFill>
-              <a:effectLst/>
-              <a:uLnTx/>
-              <a:uFillTx/>
-              <a:latin typeface="Corbel" panose="020B0503020204020204"/>
-              <a:ea typeface="+mn-ea"/>
-              <a:cs typeface="+mn-cs"/>
-            </a:endParaRPr>
-          </a:p>
-          <a:p>
-            <a:pPr marL="0" marR="0" lvl="0" indent="0" algn="l" defTabSz="457200" rtl="0" eaLnBrk="1" fontAlgn="auto" latinLnBrk="0" hangingPunct="1">
-              <a:lnSpc>
-                <a:spcPct val="100000"/>
-              </a:lnSpc>
-              <a:spcBef>
-                <a:spcPts val="0"/>
-              </a:spcBef>
-              <a:spcAft>
-                <a:spcPts val="0"/>
-              </a:spcAft>
-              <a:buClrTx/>
-              <a:buSzTx/>
-              <a:buFontTx/>
-              <a:buNone/>
-              <a:tabLst/>
-              <a:defRPr/>
-            </a:pPr>
-            <a:endParaRPr kumimoji="0" lang="en-US" sz="1800" b="0" i="0" u="none" strike="noStrike" kern="1200" cap="none" spc="0" normalizeH="0" baseline="0" noProof="0" dirty="0">
-              <a:ln>
-                <a:noFill/>
-              </a:ln>
-              <a:solidFill>
-                <a:prstClr val="black"/>
-              </a:solidFill>
-              <a:effectLst/>
-              <a:uLnTx/>
-              <a:uFillTx/>
-              <a:latin typeface="Corbel" panose="020B0503020204020204"/>
-              <a:ea typeface="+mn-ea"/>
-              <a:cs typeface="+mn-cs"/>
-            </a:endParaRPr>
-          </a:p>
-          <a:p>
-            <a:pPr marL="0" marR="0" lvl="0" indent="0" algn="l" defTabSz="457200" rtl="0" eaLnBrk="1" fontAlgn="auto" latinLnBrk="0" hangingPunct="1">
-              <a:lnSpc>
-                <a:spcPct val="100000"/>
-              </a:lnSpc>
-              <a:spcBef>
-                <a:spcPts val="0"/>
-              </a:spcBef>
-              <a:spcAft>
-                <a:spcPts val="0"/>
-              </a:spcAft>
-              <a:buClrTx/>
-              <a:buSzTx/>
-              <a:buFontTx/>
-              <a:buNone/>
-              <a:tabLst/>
-              <a:defRPr/>
-            </a:pPr>
-            <a:endParaRPr kumimoji="0" lang="en-US" sz="1800" b="0" i="0" u="none" strike="noStrike" kern="1200" cap="none" spc="0" normalizeH="0" baseline="0" noProof="0" dirty="0">
-              <a:ln>
-                <a:noFill/>
-              </a:ln>
-              <a:solidFill>
-                <a:prstClr val="black"/>
-              </a:solidFill>
-              <a:effectLst/>
-              <a:uLnTx/>
-              <a:uFillTx/>
-              <a:latin typeface="Corbel" panose="020B0503020204020204"/>
-              <a:ea typeface="+mn-ea"/>
-              <a:cs typeface="+mn-cs"/>
-            </a:endParaRPr>
-          </a:p>
-          <a:p>
-            <a:pPr marL="0" marR="0" lvl="0" indent="0" algn="l" defTabSz="457200" rtl="0" eaLnBrk="1" fontAlgn="auto" latinLnBrk="0" hangingPunct="1">
-              <a:lnSpc>
-                <a:spcPct val="100000"/>
-              </a:lnSpc>
-              <a:spcBef>
-                <a:spcPts val="0"/>
-              </a:spcBef>
-              <a:spcAft>
-                <a:spcPts val="0"/>
-              </a:spcAft>
-              <a:buClrTx/>
-              <a:buSzTx/>
-              <a:buFontTx/>
-              <a:buNone/>
-              <a:tabLst/>
-              <a:defRPr/>
-            </a:pPr>
-            <a:endParaRPr kumimoji="0" lang="en-US" sz="1800" b="0" i="0" u="none" strike="noStrike" kern="1200" cap="none" spc="0" normalizeH="0" baseline="0" noProof="0" dirty="0">
-              <a:ln>
-                <a:noFill/>
-              </a:ln>
-              <a:solidFill>
-                <a:prstClr val="black"/>
-              </a:solidFill>
-              <a:effectLst/>
-              <a:uLnTx/>
-              <a:uFillTx/>
-              <a:latin typeface="Corbel" panose="020B0503020204020204"/>
-              <a:ea typeface="+mn-ea"/>
-              <a:cs typeface="+mn-cs"/>
-            </a:endParaRPr>
-          </a:p>
-          <a:p>
-            <a:pPr marL="0" marR="0" lvl="0" indent="0" algn="l" defTabSz="457200" rtl="0" eaLnBrk="1" fontAlgn="auto" latinLnBrk="0" hangingPunct="1">
-              <a:lnSpc>
-                <a:spcPct val="100000"/>
-              </a:lnSpc>
-              <a:spcBef>
-                <a:spcPts val="0"/>
-              </a:spcBef>
-              <a:spcAft>
-                <a:spcPts val="0"/>
-              </a:spcAft>
-              <a:buClrTx/>
-              <a:buSzTx/>
-              <a:buFontTx/>
-              <a:buNone/>
-              <a:tabLst/>
-              <a:defRPr/>
-            </a:pPr>
-            <a:r>
-              <a:rPr kumimoji="0" lang="en-US" sz="1800" b="0" i="0" u="none" strike="noStrike" kern="1200" cap="none" spc="0" normalizeH="0" baseline="0" noProof="0" dirty="0">
-                <a:ln>
-                  <a:noFill/>
-                </a:ln>
-                <a:solidFill>
-                  <a:prstClr val="black"/>
-                </a:solidFill>
-                <a:effectLst/>
-                <a:uLnTx/>
-                <a:uFillTx/>
-                <a:latin typeface="Corbel" panose="020B0503020204020204"/>
-                <a:ea typeface="+mn-ea"/>
-                <a:cs typeface="+mn-cs"/>
-              </a:rPr>
-              <a:t>According to our data queries, only 4.8% (14+16) /( 574+52) of delayed flights out of ATL and MCO were bound for the other airport. This implies that on average, delays incurred at one airport do not incur significant delays at the other airports. But each airport has a different volume of airline flights originating from other airports (both domestic and international).</a:t>
-            </a:r>
-          </a:p>
-          <a:p>
-            <a:pPr marL="0" marR="0" lvl="0" indent="0" algn="l" defTabSz="457200" rtl="0" eaLnBrk="1" fontAlgn="auto" latinLnBrk="0" hangingPunct="1">
-              <a:lnSpc>
-                <a:spcPct val="100000"/>
-              </a:lnSpc>
-              <a:spcBef>
-                <a:spcPts val="0"/>
-              </a:spcBef>
-              <a:spcAft>
-                <a:spcPts val="0"/>
-              </a:spcAft>
-              <a:buClrTx/>
-              <a:buSzTx/>
-              <a:buFontTx/>
-              <a:buNone/>
-              <a:tabLst/>
-              <a:defRPr/>
-            </a:pPr>
-            <a:r>
-              <a:rPr kumimoji="0" lang="en-US" sz="1800" b="0" i="0" u="none" strike="noStrike" kern="1200" cap="none" spc="0" normalizeH="0" baseline="0" noProof="0" dirty="0">
-                <a:ln>
-                  <a:noFill/>
-                </a:ln>
-                <a:solidFill>
-                  <a:prstClr val="black"/>
-                </a:solidFill>
-                <a:effectLst/>
-                <a:highlight>
-                  <a:srgbClr val="00FF00"/>
-                </a:highlight>
-                <a:uLnTx/>
-                <a:uFillTx/>
-                <a:latin typeface="Corbel" panose="020B0503020204020204"/>
-                <a:ea typeface="+mn-ea"/>
-                <a:cs typeface="+mn-cs"/>
-              </a:rPr>
-              <a:t>While Atlanta only received a comparative 2.8% of its delayed flights from MCO, Orlando received a comparative 27% of its delayed flights from ATL</a:t>
-            </a:r>
-            <a:r>
-              <a:rPr kumimoji="0" lang="en-US" sz="1800" b="0" i="0" u="none" strike="noStrike" kern="1200" cap="none" spc="0" normalizeH="0" baseline="0" noProof="0" dirty="0">
-                <a:ln>
-                  <a:noFill/>
-                </a:ln>
-                <a:solidFill>
-                  <a:prstClr val="black"/>
-                </a:solidFill>
-                <a:effectLst/>
-                <a:uLnTx/>
-                <a:uFillTx/>
-                <a:latin typeface="Corbel" panose="020B0503020204020204"/>
-                <a:ea typeface="+mn-ea"/>
-                <a:cs typeface="+mn-cs"/>
-              </a:rPr>
-              <a:t>. </a:t>
-            </a:r>
-            <a:r>
-              <a:rPr kumimoji="0" lang="en-US" sz="1800" b="1" i="0" u="none" strike="noStrike" kern="1200" cap="none" spc="0" normalizeH="0" baseline="0" noProof="0" dirty="0">
-                <a:ln>
-                  <a:noFill/>
-                </a:ln>
-                <a:solidFill>
-                  <a:prstClr val="black"/>
-                </a:solidFill>
-                <a:effectLst/>
-                <a:uLnTx/>
-                <a:uFillTx/>
-                <a:latin typeface="Corbel" panose="020B0503020204020204"/>
-                <a:ea typeface="+mn-ea"/>
-                <a:cs typeface="+mn-cs"/>
-              </a:rPr>
-              <a:t>So what does the data reveal for each airport?</a:t>
-            </a:r>
-          </a:p>
-        </p:txBody>
-      </p:sp>
     </p:spTree>
     <p:extLst>
       <p:ext uri="{BB962C8B-B14F-4D97-AF65-F5344CB8AC3E}">
-        <p14:creationId xmlns:p14="http://schemas.microsoft.com/office/powerpoint/2010/main" val="2622972588"/>
+        <p14:creationId xmlns:p14="http://schemas.microsoft.com/office/powerpoint/2010/main" val="2158641052"/>
       </p:ext>
     </p:extLst>
   </p:cSld>
@@ -25766,7 +25290,7 @@
                 <a16:creationId xmlns:a16="http://schemas.microsoft.com/office/drawing/2014/main" id="{4281BC32-FF58-4898-A6B5-7B3D059BCEB0}"/>
               </a:ext>
               <a:ext uri="{C183D7F6-B498-43B3-948B-1728B52AA6E4}">
-                <adec:decorative xmlns:adec="http://schemas.microsoft.com/office/drawing/2017/decorative" xmlns="" val="1"/>
+                <adec:decorative xmlns="" xmlns:adec="http://schemas.microsoft.com/office/drawing/2017/decorative" val="1"/>
               </a:ext>
             </a:extLst>
           </p:cNvPr>
@@ -25847,112 +25371,6 @@
           </a:p>
         </p:txBody>
       </p:sp>
-      <p:grpSp>
-        <p:nvGrpSpPr>
-          <p:cNvPr id="10" name="Group 9">
-            <a:extLst>
-              <a:ext uri="{FF2B5EF4-FFF2-40B4-BE49-F238E27FC236}">
-                <a16:creationId xmlns:a16="http://schemas.microsoft.com/office/drawing/2014/main" id="{DCD30246-7463-4B89-B0C4-19E20DC5D2C7}"/>
-              </a:ext>
-            </a:extLst>
-          </p:cNvPr>
-          <p:cNvGrpSpPr/>
-          <p:nvPr/>
-        </p:nvGrpSpPr>
-        <p:grpSpPr>
-          <a:xfrm>
-            <a:off x="191834" y="3056553"/>
-            <a:ext cx="4657725" cy="3800475"/>
-            <a:chOff x="191834" y="3056553"/>
-            <a:chExt cx="4657725" cy="3800475"/>
-          </a:xfrm>
-        </p:grpSpPr>
-        <p:pic>
-          <p:nvPicPr>
-            <p:cNvPr id="2050" name="Picture 2">
-              <a:extLst>
-                <a:ext uri="{FF2B5EF4-FFF2-40B4-BE49-F238E27FC236}">
-                  <a16:creationId xmlns:a16="http://schemas.microsoft.com/office/drawing/2014/main" id="{C722FDF9-6DBF-4F06-A7AA-1A31BBDD90CD}"/>
-                </a:ext>
-              </a:extLst>
-            </p:cNvPr>
-            <p:cNvPicPr>
-              <a:picLocks noChangeAspect="1" noChangeArrowheads="1"/>
-            </p:cNvPicPr>
-            <p:nvPr/>
-          </p:nvPicPr>
-          <p:blipFill>
-            <a:blip r:embed="rId2">
-              <a:extLst>
-                <a:ext uri="{28A0092B-C50C-407E-A947-70E740481C1C}">
-                  <a14:useLocalDpi xmlns:a14="http://schemas.microsoft.com/office/drawing/2010/main" val="0"/>
-                </a:ext>
-              </a:extLst>
-            </a:blip>
-            <a:srcRect/>
-            <a:stretch>
-              <a:fillRect/>
-            </a:stretch>
-          </p:blipFill>
-          <p:spPr bwMode="auto">
-            <a:xfrm>
-              <a:off x="191834" y="3056553"/>
-              <a:ext cx="4657725" cy="3800475"/>
-            </a:xfrm>
-            <a:prstGeom prst="rect">
-              <a:avLst/>
-            </a:prstGeom>
-            <a:noFill/>
-            <a:extLst>
-              <a:ext uri="{909E8E84-426E-40DD-AFC4-6F175D3DCCD1}">
-                <a14:hiddenFill xmlns:a14="http://schemas.microsoft.com/office/drawing/2010/main">
-                  <a:solidFill>
-                    <a:srgbClr val="FFFFFF"/>
-                  </a:solidFill>
-                </a14:hiddenFill>
-              </a:ext>
-            </a:extLst>
-          </p:spPr>
-        </p:pic>
-        <p:cxnSp>
-          <p:nvCxnSpPr>
-            <p:cNvPr id="19" name="Straight Connector 18">
-              <a:extLst>
-                <a:ext uri="{FF2B5EF4-FFF2-40B4-BE49-F238E27FC236}">
-                  <a16:creationId xmlns:a16="http://schemas.microsoft.com/office/drawing/2014/main" id="{2828DDC8-9B1A-4246-997C-FD1D9D246509}"/>
-                </a:ext>
-              </a:extLst>
-            </p:cNvPr>
-            <p:cNvCxnSpPr>
-              <a:cxnSpLocks/>
-            </p:cNvCxnSpPr>
-            <p:nvPr/>
-          </p:nvCxnSpPr>
-          <p:spPr>
-            <a:xfrm>
-              <a:off x="658368" y="5126736"/>
-              <a:ext cx="3154680" cy="0"/>
-            </a:xfrm>
-            <a:prstGeom prst="line">
-              <a:avLst/>
-            </a:prstGeom>
-          </p:spPr>
-          <p:style>
-            <a:lnRef idx="1">
-              <a:schemeClr val="accent1"/>
-            </a:lnRef>
-            <a:fillRef idx="0">
-              <a:schemeClr val="accent1"/>
-            </a:fillRef>
-            <a:effectRef idx="0">
-              <a:schemeClr val="accent1"/>
-            </a:effectRef>
-            <a:fontRef idx="minor">
-              <a:schemeClr val="tx1"/>
-            </a:fontRef>
-          </p:style>
-        </p:cxnSp>
-      </p:grpSp>
       <p:sp>
         <p:nvSpPr>
           <p:cNvPr id="11" name="Rectangle 10">
@@ -25961,7 +25379,7 @@
                 <a16:creationId xmlns:a16="http://schemas.microsoft.com/office/drawing/2014/main" id="{0D614406-135F-4875-9C87-53822CB19ABB}"/>
               </a:ext>
               <a:ext uri="{C183D7F6-B498-43B3-948B-1728B52AA6E4}">
-                <adec:decorative xmlns:adec="http://schemas.microsoft.com/office/drawing/2017/decorative" xmlns="" val="1"/>
+                <adec:decorative xmlns="" xmlns:adec="http://schemas.microsoft.com/office/drawing/2017/decorative" val="1"/>
               </a:ext>
             </a:extLst>
           </p:cNvPr>
@@ -26087,7 +25505,7 @@
                 <a16:creationId xmlns:a16="http://schemas.microsoft.com/office/drawing/2014/main" id="{C6C21149-7D17-44C2-AFB6-4D931DC55FB1}"/>
               </a:ext>
               <a:ext uri="{C183D7F6-B498-43B3-948B-1728B52AA6E4}">
-                <adec:decorative xmlns:adec="http://schemas.microsoft.com/office/drawing/2017/decorative" xmlns="" val="1"/>
+                <adec:decorative xmlns="" xmlns:adec="http://schemas.microsoft.com/office/drawing/2017/decorative" val="1"/>
               </a:ext>
             </a:extLst>
           </p:cNvPr>
@@ -26139,7 +25557,7 @@
                 <a16:creationId xmlns:a16="http://schemas.microsoft.com/office/drawing/2014/main" id="{C2E5FCF0-567A-448C-A6E3-920BFC702C2F}"/>
               </a:ext>
               <a:ext uri="{C183D7F6-B498-43B3-948B-1728B52AA6E4}">
-                <adec:decorative xmlns:adec="http://schemas.microsoft.com/office/drawing/2017/decorative" xmlns="" val="1"/>
+                <adec:decorative xmlns="" xmlns:adec="http://schemas.microsoft.com/office/drawing/2017/decorative" val="1"/>
               </a:ext>
             </a:extLst>
           </p:cNvPr>
@@ -26360,7 +25778,7 @@
           <p:nvPr/>
         </p:nvPicPr>
         <p:blipFill>
-          <a:blip r:embed="rId3">
+          <a:blip r:embed="rId2">
             <a:extLst>
               <a:ext uri="{28A0092B-C50C-407E-A947-70E740481C1C}">
                 <a14:useLocalDpi xmlns:a14="http://schemas.microsoft.com/office/drawing/2010/main" val="0"/>
@@ -26488,10 +25906,10 @@
       </p:sp>
       <p:pic>
         <p:nvPicPr>
-          <p:cNvPr id="5" name="Picture 4">
+          <p:cNvPr id="7" name="Picture 6">
             <a:extLst>
               <a:ext uri="{FF2B5EF4-FFF2-40B4-BE49-F238E27FC236}">
-                <a16:creationId xmlns:a16="http://schemas.microsoft.com/office/drawing/2014/main" id="{FDF2B30A-1A9E-461C-A015-C473D7E8084F}"/>
+                <a16:creationId xmlns:a16="http://schemas.microsoft.com/office/drawing/2014/main" id="{A725B1E7-C807-4D45-9218-184021791404}"/>
               </a:ext>
             </a:extLst>
           </p:cNvPr>
@@ -26501,15 +25919,15 @@
           <p:nvPr/>
         </p:nvPicPr>
         <p:blipFill>
-          <a:blip r:embed="rId4"/>
+          <a:blip r:embed="rId3"/>
           <a:stretch>
             <a:fillRect/>
           </a:stretch>
         </p:blipFill>
         <p:spPr>
           <a:xfrm>
-            <a:off x="5600827" y="3056553"/>
-            <a:ext cx="5388472" cy="3498602"/>
+            <a:off x="745118" y="3481611"/>
+            <a:ext cx="9878804" cy="1829055"/>
           </a:xfrm>
           <a:prstGeom prst="rect">
             <a:avLst/>
@@ -26518,10 +25936,10 @@
       </p:pic>
       <p:sp>
         <p:nvSpPr>
-          <p:cNvPr id="12" name="Rectangle 11">
+          <p:cNvPr id="14" name="Rectangle 13">
             <a:extLst>
               <a:ext uri="{FF2B5EF4-FFF2-40B4-BE49-F238E27FC236}">
-                <a16:creationId xmlns:a16="http://schemas.microsoft.com/office/drawing/2014/main" id="{61DA3606-AEB5-4744-9F37-607DBF1B737E}"/>
+                <a16:creationId xmlns:a16="http://schemas.microsoft.com/office/drawing/2014/main" id="{BCC3F34F-926C-4A01-8161-4727D47BEFDB}"/>
               </a:ext>
             </a:extLst>
           </p:cNvPr>
@@ -26530,93 +25948,8 @@
         </p:nvSpPr>
         <p:spPr>
           <a:xfrm>
-            <a:off x="2859022" y="5952344"/>
-            <a:ext cx="3236977" cy="369332"/>
-          </a:xfrm>
-          <a:prstGeom prst="rect">
-            <a:avLst/>
-          </a:prstGeom>
-        </p:spPr>
-        <p:txBody>
-          <a:bodyPr wrap="square">
-            <a:spAutoFit/>
-          </a:bodyPr>
-          <a:lstStyle/>
-          <a:p>
-            <a:pPr marL="0" marR="0" lvl="0" indent="0" algn="ctr" defTabSz="457200" rtl="0" eaLnBrk="1" fontAlgn="auto" latinLnBrk="0" hangingPunct="1">
-              <a:lnSpc>
-                <a:spcPct val="100000"/>
-              </a:lnSpc>
-              <a:spcBef>
-                <a:spcPts val="0"/>
-              </a:spcBef>
-              <a:spcAft>
-                <a:spcPts val="0"/>
-              </a:spcAft>
-              <a:buClrTx/>
-              <a:buSzTx/>
-              <a:buFontTx/>
-              <a:buNone/>
-              <a:tabLst/>
-              <a:defRPr/>
-            </a:pPr>
-            <a:r>
-              <a:rPr kumimoji="0" lang="en-US" sz="1800" b="1" i="0" u="none" strike="noStrike" kern="1200" cap="none" spc="0" normalizeH="0" baseline="0" noProof="0" dirty="0">
-                <a:ln>
-                  <a:noFill/>
-                </a:ln>
-                <a:solidFill>
-                  <a:srgbClr val="0070C0"/>
-                </a:solidFill>
-                <a:effectLst/>
-                <a:uLnTx/>
-                <a:uFillTx/>
-                <a:latin typeface="Corbel" panose="020B0503020204020204"/>
-                <a:ea typeface="+mn-ea"/>
-                <a:cs typeface="+mn-cs"/>
-                <a:hlinkClick r:id="rId5">
-                  <a:extLst>
-                    <a:ext uri="{A12FA001-AC4F-418D-AE19-62706E023703}">
-                      <ahyp:hlinkClr xmlns:ahyp="http://schemas.microsoft.com/office/drawing/2018/hyperlinkcolor" xmlns="" val="tx"/>
-                    </a:ext>
-                  </a:extLst>
-                </a:hlinkClick>
-              </a:rPr>
-              <a:t>JUPYTER</a:t>
-            </a:r>
-            <a:endParaRPr kumimoji="0" lang="en-US" sz="1800" b="0" i="0" u="none" strike="noStrike" kern="1200" cap="none" spc="0" normalizeH="0" baseline="0" noProof="0" dirty="0">
-              <a:ln>
-                <a:noFill/>
-              </a:ln>
-              <a:solidFill>
-                <a:srgbClr val="0070C0"/>
-              </a:solidFill>
-              <a:effectLst/>
-              <a:uLnTx/>
-              <a:uFillTx/>
-              <a:latin typeface="Corbel" panose="020B0503020204020204"/>
-              <a:ea typeface="+mn-ea"/>
-              <a:cs typeface="+mn-cs"/>
-            </a:endParaRPr>
-          </a:p>
-        </p:txBody>
-      </p:sp>
-      <p:sp>
-        <p:nvSpPr>
-          <p:cNvPr id="14" name="Rectangle 13">
-            <a:extLst>
-              <a:ext uri="{FF2B5EF4-FFF2-40B4-BE49-F238E27FC236}">
-                <a16:creationId xmlns:a16="http://schemas.microsoft.com/office/drawing/2014/main" id="{B03D34F9-1785-416B-87E9-DB84BF74B656}"/>
-              </a:ext>
-            </a:extLst>
-          </p:cNvPr>
-          <p:cNvSpPr/>
-          <p:nvPr/>
-        </p:nvSpPr>
-        <p:spPr>
-          <a:xfrm>
-            <a:off x="152399" y="2302480"/>
-            <a:ext cx="11887200" cy="646331"/>
+            <a:off x="-1" y="2285999"/>
+            <a:ext cx="12191669" cy="4524315"/>
           </a:xfrm>
           <a:prstGeom prst="rect">
             <a:avLst/>
@@ -26660,331 +25993,9 @@
                 <a:ea typeface="+mn-ea"/>
                 <a:cs typeface="+mn-cs"/>
               </a:rPr>
-              <a:t>ORLANDO AIRPORT: </a:t>
-            </a:r>
-            <a:r>
-              <a:rPr kumimoji="0" lang="en-US" sz="1800" b="0" i="0" u="none" strike="noStrike" kern="1200" cap="none" spc="0" normalizeH="0" baseline="0" noProof="0" dirty="0">
-                <a:ln>
-                  <a:noFill/>
-                </a:ln>
-                <a:solidFill>
-                  <a:prstClr val="black"/>
-                </a:solidFill>
-                <a:effectLst/>
-                <a:uLnTx/>
-                <a:uFillTx/>
-                <a:latin typeface="Corbel" panose="020B0503020204020204"/>
-                <a:ea typeface="+mn-ea"/>
-                <a:cs typeface="+mn-cs"/>
-              </a:rPr>
-              <a:t>The most significant ATL bound flight delays occurred on January 23</a:t>
-            </a:r>
-            <a:r>
-              <a:rPr kumimoji="0" lang="en-US" sz="1800" b="0" i="0" u="none" strike="noStrike" kern="1200" cap="none" spc="0" normalizeH="0" baseline="30000" noProof="0" dirty="0">
-                <a:ln>
-                  <a:noFill/>
-                </a:ln>
-                <a:solidFill>
-                  <a:prstClr val="black"/>
-                </a:solidFill>
-                <a:effectLst/>
-                <a:uLnTx/>
-                <a:uFillTx/>
-                <a:latin typeface="Corbel" panose="020B0503020204020204"/>
-                <a:ea typeface="+mn-ea"/>
-                <a:cs typeface="+mn-cs"/>
-              </a:rPr>
-              <a:t>rd</a:t>
-            </a:r>
-            <a:r>
-              <a:rPr kumimoji="0" lang="en-US" sz="1800" b="0" i="0" u="none" strike="noStrike" kern="1200" cap="none" spc="0" normalizeH="0" baseline="0" noProof="0" dirty="0">
-                <a:ln>
-                  <a:noFill/>
-                </a:ln>
-                <a:solidFill>
-                  <a:prstClr val="black"/>
-                </a:solidFill>
-                <a:effectLst/>
-                <a:uLnTx/>
-                <a:uFillTx/>
-                <a:latin typeface="Corbel" panose="020B0503020204020204"/>
-                <a:ea typeface="+mn-ea"/>
-                <a:cs typeface="+mn-cs"/>
-              </a:rPr>
-              <a:t> where all but two of the eight delayed flights greatly exceeded mean delay durations of 12 (Range B) and 17 minutes (Range B Final Week).   </a:t>
-            </a:r>
-          </a:p>
-        </p:txBody>
-      </p:sp>
-      <p:sp>
-        <p:nvSpPr>
-          <p:cNvPr id="16" name="Rectangle 15">
-            <a:extLst>
-              <a:ext uri="{FF2B5EF4-FFF2-40B4-BE49-F238E27FC236}">
-                <a16:creationId xmlns:a16="http://schemas.microsoft.com/office/drawing/2014/main" id="{A39BF09B-E29B-4D96-8056-3451E70743E6}"/>
-              </a:ext>
-            </a:extLst>
-          </p:cNvPr>
-          <p:cNvSpPr/>
-          <p:nvPr/>
-        </p:nvSpPr>
-        <p:spPr>
-          <a:xfrm>
-            <a:off x="5477256" y="3703320"/>
-            <a:ext cx="5605272" cy="1623653"/>
-          </a:xfrm>
-          <a:prstGeom prst="rect">
-            <a:avLst/>
-          </a:prstGeom>
-          <a:noFill/>
-          <a:ln>
-            <a:solidFill>
-              <a:srgbClr val="FF0000"/>
-            </a:solidFill>
-          </a:ln>
-        </p:spPr>
-        <p:style>
-          <a:lnRef idx="2">
-            <a:schemeClr val="accent1">
-              <a:shade val="50000"/>
-            </a:schemeClr>
-          </a:lnRef>
-          <a:fillRef idx="1">
-            <a:schemeClr val="accent1"/>
-          </a:fillRef>
-          <a:effectRef idx="0">
-            <a:schemeClr val="accent1"/>
-          </a:effectRef>
-          <a:fontRef idx="minor">
-            <a:schemeClr val="lt1"/>
-          </a:fontRef>
-        </p:style>
-        <p:txBody>
-          <a:bodyPr rtlCol="0" anchor="ctr"/>
-          <a:lstStyle/>
-          <a:p>
-            <a:pPr marL="0" marR="0" lvl="0" indent="0" algn="ctr" defTabSz="457200" rtl="0" eaLnBrk="1" fontAlgn="auto" latinLnBrk="0" hangingPunct="1">
-              <a:lnSpc>
-                <a:spcPct val="100000"/>
-              </a:lnSpc>
-              <a:spcBef>
-                <a:spcPts val="0"/>
-              </a:spcBef>
-              <a:spcAft>
-                <a:spcPts val="0"/>
-              </a:spcAft>
-              <a:buClrTx/>
-              <a:buSzTx/>
-              <a:buFontTx/>
-              <a:buNone/>
-              <a:tabLst/>
-              <a:defRPr/>
-            </a:pPr>
-            <a:endParaRPr kumimoji="0" lang="en-US" sz="1800" b="0" i="0" u="none" strike="noStrike" kern="1200" cap="none" spc="0" normalizeH="0" baseline="0" noProof="0">
-              <a:ln>
-                <a:noFill/>
-              </a:ln>
-              <a:solidFill>
-                <a:prstClr val="white"/>
-              </a:solidFill>
-              <a:effectLst/>
-              <a:uLnTx/>
-              <a:uFillTx/>
-              <a:latin typeface="Corbel" panose="020B0503020204020204"/>
-              <a:ea typeface="+mn-ea"/>
-              <a:cs typeface="+mn-cs"/>
-            </a:endParaRPr>
-          </a:p>
-        </p:txBody>
-      </p:sp>
-      <p:sp>
-        <p:nvSpPr>
-          <p:cNvPr id="17" name="Rectangle 16">
-            <a:extLst>
-              <a:ext uri="{FF2B5EF4-FFF2-40B4-BE49-F238E27FC236}">
-                <a16:creationId xmlns:a16="http://schemas.microsoft.com/office/drawing/2014/main" id="{9B83E93A-3AF3-4407-8C5E-B673B7C04104}"/>
-              </a:ext>
-            </a:extLst>
-          </p:cNvPr>
-          <p:cNvSpPr/>
-          <p:nvPr/>
-        </p:nvSpPr>
-        <p:spPr>
-          <a:xfrm flipV="1">
-            <a:off x="1073160" y="3304314"/>
-            <a:ext cx="1514591" cy="3398238"/>
-          </a:xfrm>
-          <a:prstGeom prst="rect">
-            <a:avLst/>
-          </a:prstGeom>
-          <a:noFill/>
-          <a:ln>
-            <a:solidFill>
-              <a:srgbClr val="FF0000"/>
-            </a:solidFill>
-          </a:ln>
-        </p:spPr>
-        <p:style>
-          <a:lnRef idx="2">
-            <a:schemeClr val="accent1">
-              <a:shade val="50000"/>
-            </a:schemeClr>
-          </a:lnRef>
-          <a:fillRef idx="1">
-            <a:schemeClr val="accent1"/>
-          </a:fillRef>
-          <a:effectRef idx="0">
-            <a:schemeClr val="accent1"/>
-          </a:effectRef>
-          <a:fontRef idx="minor">
-            <a:schemeClr val="lt1"/>
-          </a:fontRef>
-        </p:style>
-        <p:txBody>
-          <a:bodyPr rtlCol="0" anchor="ctr"/>
-          <a:lstStyle/>
-          <a:p>
-            <a:pPr marL="0" marR="0" lvl="0" indent="0" algn="ctr" defTabSz="457200" rtl="0" eaLnBrk="1" fontAlgn="auto" latinLnBrk="0" hangingPunct="1">
-              <a:lnSpc>
-                <a:spcPct val="100000"/>
-              </a:lnSpc>
-              <a:spcBef>
-                <a:spcPts val="0"/>
-              </a:spcBef>
-              <a:spcAft>
-                <a:spcPts val="0"/>
-              </a:spcAft>
-              <a:buClrTx/>
-              <a:buSzTx/>
-              <a:buFontTx/>
-              <a:buNone/>
-              <a:tabLst/>
-              <a:defRPr/>
-            </a:pPr>
-            <a:endParaRPr kumimoji="0" lang="en-US" sz="1800" b="0" i="0" u="none" strike="noStrike" kern="1200" cap="none" spc="0" normalizeH="0" baseline="0" noProof="0">
-              <a:ln>
-                <a:noFill/>
-              </a:ln>
-              <a:solidFill>
-                <a:prstClr val="white"/>
-              </a:solidFill>
-              <a:effectLst/>
-              <a:uLnTx/>
-              <a:uFillTx/>
-              <a:latin typeface="Corbel" panose="020B0503020204020204"/>
-              <a:ea typeface="+mn-ea"/>
-              <a:cs typeface="+mn-cs"/>
-            </a:endParaRPr>
-          </a:p>
-        </p:txBody>
-      </p:sp>
-      <p:sp>
-        <p:nvSpPr>
-          <p:cNvPr id="21" name="Rectangle 20">
-            <a:extLst>
-              <a:ext uri="{FF2B5EF4-FFF2-40B4-BE49-F238E27FC236}">
-                <a16:creationId xmlns:a16="http://schemas.microsoft.com/office/drawing/2014/main" id="{F1737F29-67E9-4F0A-9777-96649F321246}"/>
-              </a:ext>
-            </a:extLst>
-          </p:cNvPr>
-          <p:cNvSpPr/>
-          <p:nvPr/>
-        </p:nvSpPr>
-        <p:spPr>
-          <a:xfrm>
-            <a:off x="5629656" y="4078224"/>
-            <a:ext cx="5288280" cy="429273"/>
-          </a:xfrm>
-          <a:prstGeom prst="rect">
-            <a:avLst/>
-          </a:prstGeom>
-          <a:noFill/>
-          <a:ln>
-            <a:solidFill>
-              <a:srgbClr val="002060"/>
-            </a:solidFill>
-          </a:ln>
-        </p:spPr>
-        <p:style>
-          <a:lnRef idx="2">
-            <a:schemeClr val="accent1">
-              <a:shade val="50000"/>
-            </a:schemeClr>
-          </a:lnRef>
-          <a:fillRef idx="1">
-            <a:schemeClr val="accent1"/>
-          </a:fillRef>
-          <a:effectRef idx="0">
-            <a:schemeClr val="accent1"/>
-          </a:effectRef>
-          <a:fontRef idx="minor">
-            <a:schemeClr val="lt1"/>
-          </a:fontRef>
-        </p:style>
-        <p:txBody>
-          <a:bodyPr rtlCol="0" anchor="ctr"/>
-          <a:lstStyle/>
-          <a:p>
-            <a:pPr marL="0" marR="0" lvl="0" indent="0" algn="ctr" defTabSz="457200" rtl="0" eaLnBrk="1" fontAlgn="auto" latinLnBrk="0" hangingPunct="1">
-              <a:lnSpc>
-                <a:spcPct val="100000"/>
-              </a:lnSpc>
-              <a:spcBef>
-                <a:spcPts val="0"/>
-              </a:spcBef>
-              <a:spcAft>
-                <a:spcPts val="0"/>
-              </a:spcAft>
-              <a:buClrTx/>
-              <a:buSzTx/>
-              <a:buFontTx/>
-              <a:buNone/>
-              <a:tabLst/>
-              <a:defRPr/>
-            </a:pPr>
-            <a:endParaRPr kumimoji="0" lang="en-US" sz="1800" b="0" i="0" u="none" strike="noStrike" kern="1200" cap="none" spc="0" normalizeH="0" baseline="0" noProof="0">
-              <a:ln>
-                <a:noFill/>
-              </a:ln>
-              <a:solidFill>
-                <a:prstClr val="white"/>
-              </a:solidFill>
-              <a:effectLst/>
-              <a:uLnTx/>
-              <a:uFillTx/>
-              <a:latin typeface="Corbel" panose="020B0503020204020204"/>
-              <a:ea typeface="+mn-ea"/>
-              <a:cs typeface="+mn-cs"/>
-            </a:endParaRPr>
-          </a:p>
-        </p:txBody>
-      </p:sp>
-      <p:sp>
-        <p:nvSpPr>
-          <p:cNvPr id="22" name="Rectangle 21">
-            <a:extLst>
-              <a:ext uri="{FF2B5EF4-FFF2-40B4-BE49-F238E27FC236}">
-                <a16:creationId xmlns:a16="http://schemas.microsoft.com/office/drawing/2014/main" id="{D936F744-CA7A-46EC-80FE-95E826A8EB87}"/>
-              </a:ext>
-            </a:extLst>
-          </p:cNvPr>
-          <p:cNvSpPr/>
-          <p:nvPr/>
-        </p:nvSpPr>
-        <p:spPr>
-          <a:xfrm>
-            <a:off x="3950263" y="6521912"/>
-            <a:ext cx="8359220" cy="369332"/>
-          </a:xfrm>
-          <a:prstGeom prst="rect">
-            <a:avLst/>
-          </a:prstGeom>
-        </p:spPr>
-        <p:txBody>
-          <a:bodyPr wrap="square">
-            <a:spAutoFit/>
-          </a:bodyPr>
-          <a:lstStyle/>
+              <a:t>AIRPORT TO AIRPORT IMPACT ANALYSIS</a:t>
+            </a:r>
+          </a:p>
           <a:p>
             <a:pPr marL="0" marR="0" lvl="0" indent="0" algn="l" defTabSz="457200" rtl="0" eaLnBrk="1" fontAlgn="auto" latinLnBrk="0" hangingPunct="1">
               <a:lnSpc>
@@ -27018,7 +26029,416 @@
                 <a:ea typeface="+mn-ea"/>
                 <a:cs typeface="+mn-cs"/>
               </a:rPr>
-              <a:t>Flight 1083 / N683DA appeared to have particular difficulties with accumulative delays. </a:t>
+              <a:t>Q: What evidence is there that delays at one airport cause delays at another airport?</a:t>
+            </a:r>
+          </a:p>
+          <a:p>
+            <a:pPr marL="0" marR="0" lvl="0" indent="0" algn="l" defTabSz="457200" rtl="0" eaLnBrk="1" fontAlgn="auto" latinLnBrk="0" hangingPunct="1">
+              <a:lnSpc>
+                <a:spcPct val="100000"/>
+              </a:lnSpc>
+              <a:spcBef>
+                <a:spcPts val="0"/>
+              </a:spcBef>
+              <a:spcAft>
+                <a:spcPts val="0"/>
+              </a:spcAft>
+              <a:buClrTx/>
+              <a:buSzTx/>
+              <a:buFontTx/>
+              <a:buNone/>
+              <a:tabLst/>
+              <a:defRPr/>
+            </a:pPr>
+            <a:endParaRPr kumimoji="0" lang="en-US" sz="1800" b="0" i="0" u="none" strike="noStrike" kern="1200" cap="none" spc="0" normalizeH="0" baseline="0" noProof="0" dirty="0">
+              <a:ln>
+                <a:noFill/>
+              </a:ln>
+              <a:solidFill>
+                <a:prstClr val="black"/>
+              </a:solidFill>
+              <a:effectLst/>
+              <a:uLnTx/>
+              <a:uFillTx/>
+              <a:latin typeface="Corbel" panose="020B0503020204020204"/>
+              <a:ea typeface="+mn-ea"/>
+              <a:cs typeface="+mn-cs"/>
+            </a:endParaRPr>
+          </a:p>
+          <a:p>
+            <a:pPr marL="0" marR="0" lvl="0" indent="0" algn="l" defTabSz="457200" rtl="0" eaLnBrk="1" fontAlgn="auto" latinLnBrk="0" hangingPunct="1">
+              <a:lnSpc>
+                <a:spcPct val="100000"/>
+              </a:lnSpc>
+              <a:spcBef>
+                <a:spcPts val="0"/>
+              </a:spcBef>
+              <a:spcAft>
+                <a:spcPts val="0"/>
+              </a:spcAft>
+              <a:buClrTx/>
+              <a:buSzTx/>
+              <a:buFontTx/>
+              <a:buNone/>
+              <a:tabLst/>
+              <a:defRPr/>
+            </a:pPr>
+            <a:r>
+              <a:rPr kumimoji="0" lang="en-US" sz="1800" b="0" i="0" u="none" strike="noStrike" kern="1200" cap="none" spc="0" normalizeH="0" baseline="0" noProof="0" dirty="0">
+                <a:ln>
+                  <a:noFill/>
+                </a:ln>
+                <a:solidFill>
+                  <a:prstClr val="black"/>
+                </a:solidFill>
+                <a:effectLst/>
+                <a:uLnTx/>
+                <a:uFillTx/>
+                <a:latin typeface="Corbel" panose="020B0503020204020204"/>
+                <a:ea typeface="+mn-ea"/>
+                <a:cs typeface="+mn-cs"/>
+              </a:rPr>
+              <a:t>Based on the data we collected, we decided to examine any possible causality of delay from MCO to ATL and vice versa.</a:t>
+            </a:r>
+          </a:p>
+          <a:p>
+            <a:pPr marL="0" marR="0" lvl="0" indent="0" algn="l" defTabSz="457200" rtl="0" eaLnBrk="1" fontAlgn="auto" latinLnBrk="0" hangingPunct="1">
+              <a:lnSpc>
+                <a:spcPct val="100000"/>
+              </a:lnSpc>
+              <a:spcBef>
+                <a:spcPts val="0"/>
+              </a:spcBef>
+              <a:spcAft>
+                <a:spcPts val="0"/>
+              </a:spcAft>
+              <a:buClrTx/>
+              <a:buSzTx/>
+              <a:buFontTx/>
+              <a:buNone/>
+              <a:tabLst/>
+              <a:defRPr/>
+            </a:pPr>
+            <a:endParaRPr kumimoji="0" lang="en-US" sz="1800" b="0" i="0" u="none" strike="noStrike" kern="1200" cap="none" spc="0" normalizeH="0" baseline="0" noProof="0" dirty="0">
+              <a:ln>
+                <a:noFill/>
+              </a:ln>
+              <a:solidFill>
+                <a:prstClr val="black"/>
+              </a:solidFill>
+              <a:effectLst/>
+              <a:uLnTx/>
+              <a:uFillTx/>
+              <a:latin typeface="Corbel" panose="020B0503020204020204"/>
+              <a:ea typeface="+mn-ea"/>
+              <a:cs typeface="+mn-cs"/>
+            </a:endParaRPr>
+          </a:p>
+          <a:p>
+            <a:pPr marL="0" marR="0" lvl="0" indent="0" algn="l" defTabSz="457200" rtl="0" eaLnBrk="1" fontAlgn="auto" latinLnBrk="0" hangingPunct="1">
+              <a:lnSpc>
+                <a:spcPct val="100000"/>
+              </a:lnSpc>
+              <a:spcBef>
+                <a:spcPts val="0"/>
+              </a:spcBef>
+              <a:spcAft>
+                <a:spcPts val="0"/>
+              </a:spcAft>
+              <a:buClrTx/>
+              <a:buSzTx/>
+              <a:buFontTx/>
+              <a:buNone/>
+              <a:tabLst/>
+              <a:defRPr/>
+            </a:pPr>
+            <a:endParaRPr kumimoji="0" lang="en-US" sz="1800" b="0" i="0" u="none" strike="noStrike" kern="1200" cap="none" spc="0" normalizeH="0" baseline="0" noProof="0" dirty="0">
+              <a:ln>
+                <a:noFill/>
+              </a:ln>
+              <a:solidFill>
+                <a:prstClr val="black"/>
+              </a:solidFill>
+              <a:effectLst/>
+              <a:uLnTx/>
+              <a:uFillTx/>
+              <a:latin typeface="Corbel" panose="020B0503020204020204"/>
+              <a:ea typeface="+mn-ea"/>
+              <a:cs typeface="+mn-cs"/>
+            </a:endParaRPr>
+          </a:p>
+          <a:p>
+            <a:pPr marL="0" marR="0" lvl="0" indent="0" algn="l" defTabSz="457200" rtl="0" eaLnBrk="1" fontAlgn="auto" latinLnBrk="0" hangingPunct="1">
+              <a:lnSpc>
+                <a:spcPct val="100000"/>
+              </a:lnSpc>
+              <a:spcBef>
+                <a:spcPts val="0"/>
+              </a:spcBef>
+              <a:spcAft>
+                <a:spcPts val="0"/>
+              </a:spcAft>
+              <a:buClrTx/>
+              <a:buSzTx/>
+              <a:buFontTx/>
+              <a:buNone/>
+              <a:tabLst/>
+              <a:defRPr/>
+            </a:pPr>
+            <a:endParaRPr kumimoji="0" lang="en-US" sz="1800" b="0" i="0" u="none" strike="noStrike" kern="1200" cap="none" spc="0" normalizeH="0" baseline="0" noProof="0" dirty="0">
+              <a:ln>
+                <a:noFill/>
+              </a:ln>
+              <a:solidFill>
+                <a:prstClr val="black"/>
+              </a:solidFill>
+              <a:effectLst/>
+              <a:uLnTx/>
+              <a:uFillTx/>
+              <a:latin typeface="Corbel" panose="020B0503020204020204"/>
+              <a:ea typeface="+mn-ea"/>
+              <a:cs typeface="+mn-cs"/>
+            </a:endParaRPr>
+          </a:p>
+          <a:p>
+            <a:pPr marL="0" marR="0" lvl="0" indent="0" algn="l" defTabSz="457200" rtl="0" eaLnBrk="1" fontAlgn="auto" latinLnBrk="0" hangingPunct="1">
+              <a:lnSpc>
+                <a:spcPct val="100000"/>
+              </a:lnSpc>
+              <a:spcBef>
+                <a:spcPts val="0"/>
+              </a:spcBef>
+              <a:spcAft>
+                <a:spcPts val="0"/>
+              </a:spcAft>
+              <a:buClrTx/>
+              <a:buSzTx/>
+              <a:buFontTx/>
+              <a:buNone/>
+              <a:tabLst/>
+              <a:defRPr/>
+            </a:pPr>
+            <a:endParaRPr kumimoji="0" lang="en-US" sz="1800" b="0" i="0" u="none" strike="noStrike" kern="1200" cap="none" spc="0" normalizeH="0" baseline="0" noProof="0" dirty="0">
+              <a:ln>
+                <a:noFill/>
+              </a:ln>
+              <a:solidFill>
+                <a:prstClr val="black"/>
+              </a:solidFill>
+              <a:effectLst/>
+              <a:uLnTx/>
+              <a:uFillTx/>
+              <a:latin typeface="Corbel" panose="020B0503020204020204"/>
+              <a:ea typeface="+mn-ea"/>
+              <a:cs typeface="+mn-cs"/>
+            </a:endParaRPr>
+          </a:p>
+          <a:p>
+            <a:pPr marL="0" marR="0" lvl="0" indent="0" algn="l" defTabSz="457200" rtl="0" eaLnBrk="1" fontAlgn="auto" latinLnBrk="0" hangingPunct="1">
+              <a:lnSpc>
+                <a:spcPct val="100000"/>
+              </a:lnSpc>
+              <a:spcBef>
+                <a:spcPts val="0"/>
+              </a:spcBef>
+              <a:spcAft>
+                <a:spcPts val="0"/>
+              </a:spcAft>
+              <a:buClrTx/>
+              <a:buSzTx/>
+              <a:buFontTx/>
+              <a:buNone/>
+              <a:tabLst/>
+              <a:defRPr/>
+            </a:pPr>
+            <a:endParaRPr kumimoji="0" lang="en-US" sz="1800" b="0" i="0" u="none" strike="noStrike" kern="1200" cap="none" spc="0" normalizeH="0" baseline="0" noProof="0" dirty="0">
+              <a:ln>
+                <a:noFill/>
+              </a:ln>
+              <a:solidFill>
+                <a:prstClr val="black"/>
+              </a:solidFill>
+              <a:effectLst/>
+              <a:uLnTx/>
+              <a:uFillTx/>
+              <a:latin typeface="Corbel" panose="020B0503020204020204"/>
+              <a:ea typeface="+mn-ea"/>
+              <a:cs typeface="+mn-cs"/>
+            </a:endParaRPr>
+          </a:p>
+          <a:p>
+            <a:pPr marL="0" marR="0" lvl="0" indent="0" algn="l" defTabSz="457200" rtl="0" eaLnBrk="1" fontAlgn="auto" latinLnBrk="0" hangingPunct="1">
+              <a:lnSpc>
+                <a:spcPct val="100000"/>
+              </a:lnSpc>
+              <a:spcBef>
+                <a:spcPts val="0"/>
+              </a:spcBef>
+              <a:spcAft>
+                <a:spcPts val="0"/>
+              </a:spcAft>
+              <a:buClrTx/>
+              <a:buSzTx/>
+              <a:buFontTx/>
+              <a:buNone/>
+              <a:tabLst/>
+              <a:defRPr/>
+            </a:pPr>
+            <a:endParaRPr kumimoji="0" lang="en-US" sz="1800" b="0" i="0" u="none" strike="noStrike" kern="1200" cap="none" spc="0" normalizeH="0" baseline="0" noProof="0" dirty="0">
+              <a:ln>
+                <a:noFill/>
+              </a:ln>
+              <a:solidFill>
+                <a:prstClr val="black"/>
+              </a:solidFill>
+              <a:effectLst/>
+              <a:uLnTx/>
+              <a:uFillTx/>
+              <a:latin typeface="Corbel" panose="020B0503020204020204"/>
+              <a:ea typeface="+mn-ea"/>
+              <a:cs typeface="+mn-cs"/>
+            </a:endParaRPr>
+          </a:p>
+          <a:p>
+            <a:pPr marL="0" marR="0" lvl="0" indent="0" algn="l" defTabSz="457200" rtl="0" eaLnBrk="1" fontAlgn="auto" latinLnBrk="0" hangingPunct="1">
+              <a:lnSpc>
+                <a:spcPct val="100000"/>
+              </a:lnSpc>
+              <a:spcBef>
+                <a:spcPts val="0"/>
+              </a:spcBef>
+              <a:spcAft>
+                <a:spcPts val="0"/>
+              </a:spcAft>
+              <a:buClrTx/>
+              <a:buSzTx/>
+              <a:buFontTx/>
+              <a:buNone/>
+              <a:tabLst/>
+              <a:defRPr/>
+            </a:pPr>
+            <a:endParaRPr kumimoji="0" lang="en-US" sz="1800" b="0" i="0" u="none" strike="noStrike" kern="1200" cap="none" spc="0" normalizeH="0" baseline="0" noProof="0" dirty="0">
+              <a:ln>
+                <a:noFill/>
+              </a:ln>
+              <a:solidFill>
+                <a:prstClr val="black"/>
+              </a:solidFill>
+              <a:effectLst/>
+              <a:uLnTx/>
+              <a:uFillTx/>
+              <a:latin typeface="Corbel" panose="020B0503020204020204"/>
+              <a:ea typeface="+mn-ea"/>
+              <a:cs typeface="+mn-cs"/>
+            </a:endParaRPr>
+          </a:p>
+          <a:p>
+            <a:pPr marL="0" marR="0" lvl="0" indent="0" algn="l" defTabSz="457200" rtl="0" eaLnBrk="1" fontAlgn="auto" latinLnBrk="0" hangingPunct="1">
+              <a:lnSpc>
+                <a:spcPct val="100000"/>
+              </a:lnSpc>
+              <a:spcBef>
+                <a:spcPts val="0"/>
+              </a:spcBef>
+              <a:spcAft>
+                <a:spcPts val="0"/>
+              </a:spcAft>
+              <a:buClrTx/>
+              <a:buSzTx/>
+              <a:buFontTx/>
+              <a:buNone/>
+              <a:tabLst/>
+              <a:defRPr/>
+            </a:pPr>
+            <a:r>
+              <a:rPr kumimoji="0" lang="en-US" sz="1800" b="0" i="0" u="none" strike="noStrike" kern="1200" cap="none" spc="0" normalizeH="0" baseline="0" noProof="0" dirty="0">
+                <a:ln>
+                  <a:noFill/>
+                </a:ln>
+                <a:solidFill>
+                  <a:prstClr val="black"/>
+                </a:solidFill>
+                <a:effectLst/>
+                <a:uLnTx/>
+                <a:uFillTx/>
+                <a:latin typeface="Corbel" panose="020B0503020204020204"/>
+                <a:ea typeface="+mn-ea"/>
+                <a:cs typeface="+mn-cs"/>
+              </a:rPr>
+              <a:t>According to our data queries, only 4.8% (14+16) /( 574+52) of delayed flights out of ATL and MCO were bound for the other airport. This implies that on average, delays incurred at one airport do not incur significant delays at the other airports. But each airport has a different volume of airline flights originating from other airports (both domestic and international).</a:t>
+            </a:r>
+          </a:p>
+          <a:p>
+            <a:pPr marL="0" marR="0" lvl="0" indent="0" algn="l" defTabSz="457200" rtl="0" eaLnBrk="1" fontAlgn="auto" latinLnBrk="0" hangingPunct="1">
+              <a:lnSpc>
+                <a:spcPct val="100000"/>
+              </a:lnSpc>
+              <a:spcBef>
+                <a:spcPts val="0"/>
+              </a:spcBef>
+              <a:spcAft>
+                <a:spcPts val="0"/>
+              </a:spcAft>
+              <a:buClrTx/>
+              <a:buSzTx/>
+              <a:buFontTx/>
+              <a:buNone/>
+              <a:tabLst/>
+              <a:defRPr/>
+            </a:pPr>
+            <a:r>
+              <a:rPr kumimoji="0" lang="en-US" sz="1800" b="0" i="0" u="none" strike="noStrike" kern="1200" cap="none" spc="0" normalizeH="0" baseline="0" noProof="0" dirty="0">
+                <a:ln>
+                  <a:noFill/>
+                </a:ln>
+                <a:solidFill>
+                  <a:prstClr val="black"/>
+                </a:solidFill>
+                <a:effectLst/>
+                <a:highlight>
+                  <a:srgbClr val="00FF00"/>
+                </a:highlight>
+                <a:uLnTx/>
+                <a:uFillTx/>
+                <a:latin typeface="Corbel" panose="020B0503020204020204"/>
+                <a:ea typeface="+mn-ea"/>
+                <a:cs typeface="+mn-cs"/>
+              </a:rPr>
+              <a:t>While Atlanta only received a comparative 2.8% of its delayed flights from MCO, Orlando received a comparative 27% of its delayed flights from ATL</a:t>
+            </a:r>
+            <a:r>
+              <a:rPr kumimoji="0" lang="en-US" sz="1800" b="0" i="0" u="none" strike="noStrike" kern="1200" cap="none" spc="0" normalizeH="0" baseline="0" noProof="0" dirty="0">
+                <a:ln>
+                  <a:noFill/>
+                </a:ln>
+                <a:solidFill>
+                  <a:prstClr val="black"/>
+                </a:solidFill>
+                <a:effectLst/>
+                <a:uLnTx/>
+                <a:uFillTx/>
+                <a:latin typeface="Corbel" panose="020B0503020204020204"/>
+                <a:ea typeface="+mn-ea"/>
+                <a:cs typeface="+mn-cs"/>
+              </a:rPr>
+              <a:t>. </a:t>
+            </a:r>
+            <a:r>
+              <a:rPr kumimoji="0" lang="en-US" sz="1800" b="1" i="0" u="none" strike="noStrike" kern="1200" cap="none" spc="0" normalizeH="0" baseline="0" noProof="0" dirty="0">
+                <a:ln>
+                  <a:noFill/>
+                </a:ln>
+                <a:solidFill>
+                  <a:prstClr val="black"/>
+                </a:solidFill>
+                <a:effectLst/>
+                <a:uLnTx/>
+                <a:uFillTx/>
+                <a:latin typeface="Corbel" panose="020B0503020204020204"/>
+                <a:ea typeface="+mn-ea"/>
+                <a:cs typeface="+mn-cs"/>
+              </a:rPr>
+              <a:t>So what does the data reveal for each airport?</a:t>
             </a:r>
           </a:p>
         </p:txBody>
@@ -27026,7 +26446,7 @@
     </p:spTree>
     <p:extLst>
       <p:ext uri="{BB962C8B-B14F-4D97-AF65-F5344CB8AC3E}">
-        <p14:creationId xmlns:p14="http://schemas.microsoft.com/office/powerpoint/2010/main" val="76772684"/>
+        <p14:creationId xmlns:p14="http://schemas.microsoft.com/office/powerpoint/2010/main" val="2622972588"/>
       </p:ext>
     </p:extLst>
   </p:cSld>
@@ -27095,7 +26515,7 @@
                 <a16:creationId xmlns:a16="http://schemas.microsoft.com/office/drawing/2014/main" id="{4281BC32-FF58-4898-A6B5-7B3D059BCEB0}"/>
               </a:ext>
               <a:ext uri="{C183D7F6-B498-43B3-948B-1728B52AA6E4}">
-                <adec:decorative xmlns:adec="http://schemas.microsoft.com/office/drawing/2017/decorative" xmlns="" val="1"/>
+                <adec:decorative xmlns="" xmlns:adec="http://schemas.microsoft.com/office/drawing/2017/decorative" val="1"/>
               </a:ext>
             </a:extLst>
           </p:cNvPr>
@@ -27176,6 +26596,112 @@
           </a:p>
         </p:txBody>
       </p:sp>
+      <p:grpSp>
+        <p:nvGrpSpPr>
+          <p:cNvPr id="10" name="Group 9">
+            <a:extLst>
+              <a:ext uri="{FF2B5EF4-FFF2-40B4-BE49-F238E27FC236}">
+                <a16:creationId xmlns:a16="http://schemas.microsoft.com/office/drawing/2014/main" id="{DCD30246-7463-4B89-B0C4-19E20DC5D2C7}"/>
+              </a:ext>
+            </a:extLst>
+          </p:cNvPr>
+          <p:cNvGrpSpPr/>
+          <p:nvPr/>
+        </p:nvGrpSpPr>
+        <p:grpSpPr>
+          <a:xfrm>
+            <a:off x="191834" y="3056553"/>
+            <a:ext cx="4657725" cy="3800475"/>
+            <a:chOff x="191834" y="3056553"/>
+            <a:chExt cx="4657725" cy="3800475"/>
+          </a:xfrm>
+        </p:grpSpPr>
+        <p:pic>
+          <p:nvPicPr>
+            <p:cNvPr id="2050" name="Picture 2">
+              <a:extLst>
+                <a:ext uri="{FF2B5EF4-FFF2-40B4-BE49-F238E27FC236}">
+                  <a16:creationId xmlns:a16="http://schemas.microsoft.com/office/drawing/2014/main" id="{C722FDF9-6DBF-4F06-A7AA-1A31BBDD90CD}"/>
+                </a:ext>
+              </a:extLst>
+            </p:cNvPr>
+            <p:cNvPicPr>
+              <a:picLocks noChangeAspect="1" noChangeArrowheads="1"/>
+            </p:cNvPicPr>
+            <p:nvPr/>
+          </p:nvPicPr>
+          <p:blipFill>
+            <a:blip r:embed="rId2">
+              <a:extLst>
+                <a:ext uri="{28A0092B-C50C-407E-A947-70E740481C1C}">
+                  <a14:useLocalDpi xmlns:a14="http://schemas.microsoft.com/office/drawing/2010/main" val="0"/>
+                </a:ext>
+              </a:extLst>
+            </a:blip>
+            <a:srcRect/>
+            <a:stretch>
+              <a:fillRect/>
+            </a:stretch>
+          </p:blipFill>
+          <p:spPr bwMode="auto">
+            <a:xfrm>
+              <a:off x="191834" y="3056553"/>
+              <a:ext cx="4657725" cy="3800475"/>
+            </a:xfrm>
+            <a:prstGeom prst="rect">
+              <a:avLst/>
+            </a:prstGeom>
+            <a:noFill/>
+            <a:extLst>
+              <a:ext uri="{909E8E84-426E-40DD-AFC4-6F175D3DCCD1}">
+                <a14:hiddenFill xmlns:a14="http://schemas.microsoft.com/office/drawing/2010/main">
+                  <a:solidFill>
+                    <a:srgbClr val="FFFFFF"/>
+                  </a:solidFill>
+                </a14:hiddenFill>
+              </a:ext>
+            </a:extLst>
+          </p:spPr>
+        </p:pic>
+        <p:cxnSp>
+          <p:nvCxnSpPr>
+            <p:cNvPr id="19" name="Straight Connector 18">
+              <a:extLst>
+                <a:ext uri="{FF2B5EF4-FFF2-40B4-BE49-F238E27FC236}">
+                  <a16:creationId xmlns:a16="http://schemas.microsoft.com/office/drawing/2014/main" id="{2828DDC8-9B1A-4246-997C-FD1D9D246509}"/>
+                </a:ext>
+              </a:extLst>
+            </p:cNvPr>
+            <p:cNvCxnSpPr>
+              <a:cxnSpLocks/>
+            </p:cNvCxnSpPr>
+            <p:nvPr/>
+          </p:nvCxnSpPr>
+          <p:spPr>
+            <a:xfrm>
+              <a:off x="658368" y="5126736"/>
+              <a:ext cx="3154680" cy="0"/>
+            </a:xfrm>
+            <a:prstGeom prst="line">
+              <a:avLst/>
+            </a:prstGeom>
+          </p:spPr>
+          <p:style>
+            <a:lnRef idx="1">
+              <a:schemeClr val="accent1"/>
+            </a:lnRef>
+            <a:fillRef idx="0">
+              <a:schemeClr val="accent1"/>
+            </a:fillRef>
+            <a:effectRef idx="0">
+              <a:schemeClr val="accent1"/>
+            </a:effectRef>
+            <a:fontRef idx="minor">
+              <a:schemeClr val="tx1"/>
+            </a:fontRef>
+          </p:style>
+        </p:cxnSp>
+      </p:grpSp>
       <p:sp>
         <p:nvSpPr>
           <p:cNvPr id="11" name="Rectangle 10">
@@ -27184,7 +26710,7 @@
                 <a16:creationId xmlns:a16="http://schemas.microsoft.com/office/drawing/2014/main" id="{0D614406-135F-4875-9C87-53822CB19ABB}"/>
               </a:ext>
               <a:ext uri="{C183D7F6-B498-43B3-948B-1728B52AA6E4}">
-                <adec:decorative xmlns:adec="http://schemas.microsoft.com/office/drawing/2017/decorative" xmlns="" val="1"/>
+                <adec:decorative xmlns="" xmlns:adec="http://schemas.microsoft.com/office/drawing/2017/decorative" val="1"/>
               </a:ext>
             </a:extLst>
           </p:cNvPr>
@@ -27310,7 +26836,7 @@
                 <a16:creationId xmlns:a16="http://schemas.microsoft.com/office/drawing/2014/main" id="{C6C21149-7D17-44C2-AFB6-4D931DC55FB1}"/>
               </a:ext>
               <a:ext uri="{C183D7F6-B498-43B3-948B-1728B52AA6E4}">
-                <adec:decorative xmlns:adec="http://schemas.microsoft.com/office/drawing/2017/decorative" xmlns="" val="1"/>
+                <adec:decorative xmlns="" xmlns:adec="http://schemas.microsoft.com/office/drawing/2017/decorative" val="1"/>
               </a:ext>
             </a:extLst>
           </p:cNvPr>
@@ -27362,7 +26888,7 @@
                 <a16:creationId xmlns:a16="http://schemas.microsoft.com/office/drawing/2014/main" id="{C2E5FCF0-567A-448C-A6E3-920BFC702C2F}"/>
               </a:ext>
               <a:ext uri="{C183D7F6-B498-43B3-948B-1728B52AA6E4}">
-                <adec:decorative xmlns:adec="http://schemas.microsoft.com/office/drawing/2017/decorative" xmlns="" val="1"/>
+                <adec:decorative xmlns="" xmlns:adec="http://schemas.microsoft.com/office/drawing/2017/decorative" val="1"/>
               </a:ext>
             </a:extLst>
           </p:cNvPr>
@@ -27583,7 +27109,7 @@
           <p:nvPr/>
         </p:nvPicPr>
         <p:blipFill>
-          <a:blip r:embed="rId2">
+          <a:blip r:embed="rId3">
             <a:extLst>
               <a:ext uri="{28A0092B-C50C-407E-A947-70E740481C1C}">
                 <a14:useLocalDpi xmlns:a14="http://schemas.microsoft.com/office/drawing/2010/main" val="0"/>
@@ -27711,6 +27237,1229 @@
       </p:sp>
       <p:pic>
         <p:nvPicPr>
+          <p:cNvPr id="5" name="Picture 4">
+            <a:extLst>
+              <a:ext uri="{FF2B5EF4-FFF2-40B4-BE49-F238E27FC236}">
+                <a16:creationId xmlns:a16="http://schemas.microsoft.com/office/drawing/2014/main" id="{FDF2B30A-1A9E-461C-A015-C473D7E8084F}"/>
+              </a:ext>
+            </a:extLst>
+          </p:cNvPr>
+          <p:cNvPicPr>
+            <a:picLocks noChangeAspect="1"/>
+          </p:cNvPicPr>
+          <p:nvPr/>
+        </p:nvPicPr>
+        <p:blipFill>
+          <a:blip r:embed="rId4"/>
+          <a:stretch>
+            <a:fillRect/>
+          </a:stretch>
+        </p:blipFill>
+        <p:spPr>
+          <a:xfrm>
+            <a:off x="5600827" y="3056553"/>
+            <a:ext cx="5388472" cy="3498602"/>
+          </a:xfrm>
+          <a:prstGeom prst="rect">
+            <a:avLst/>
+          </a:prstGeom>
+        </p:spPr>
+      </p:pic>
+      <p:sp>
+        <p:nvSpPr>
+          <p:cNvPr id="12" name="Rectangle 11">
+            <a:extLst>
+              <a:ext uri="{FF2B5EF4-FFF2-40B4-BE49-F238E27FC236}">
+                <a16:creationId xmlns:a16="http://schemas.microsoft.com/office/drawing/2014/main" id="{61DA3606-AEB5-4744-9F37-607DBF1B737E}"/>
+              </a:ext>
+            </a:extLst>
+          </p:cNvPr>
+          <p:cNvSpPr/>
+          <p:nvPr/>
+        </p:nvSpPr>
+        <p:spPr>
+          <a:xfrm>
+            <a:off x="2859022" y="5952344"/>
+            <a:ext cx="3236977" cy="369332"/>
+          </a:xfrm>
+          <a:prstGeom prst="rect">
+            <a:avLst/>
+          </a:prstGeom>
+        </p:spPr>
+        <p:txBody>
+          <a:bodyPr wrap="square">
+            <a:spAutoFit/>
+          </a:bodyPr>
+          <a:lstStyle/>
+          <a:p>
+            <a:pPr marL="0" marR="0" lvl="0" indent="0" algn="ctr" defTabSz="457200" rtl="0" eaLnBrk="1" fontAlgn="auto" latinLnBrk="0" hangingPunct="1">
+              <a:lnSpc>
+                <a:spcPct val="100000"/>
+              </a:lnSpc>
+              <a:spcBef>
+                <a:spcPts val="0"/>
+              </a:spcBef>
+              <a:spcAft>
+                <a:spcPts val="0"/>
+              </a:spcAft>
+              <a:buClrTx/>
+              <a:buSzTx/>
+              <a:buFontTx/>
+              <a:buNone/>
+              <a:tabLst/>
+              <a:defRPr/>
+            </a:pPr>
+            <a:r>
+              <a:rPr kumimoji="0" lang="en-US" sz="1800" b="1" i="0" u="none" strike="noStrike" kern="1200" cap="none" spc="0" normalizeH="0" baseline="0" noProof="0" dirty="0">
+                <a:ln>
+                  <a:noFill/>
+                </a:ln>
+                <a:solidFill>
+                  <a:srgbClr val="0070C0"/>
+                </a:solidFill>
+                <a:effectLst/>
+                <a:uLnTx/>
+                <a:uFillTx/>
+                <a:latin typeface="Corbel" panose="020B0503020204020204"/>
+                <a:ea typeface="+mn-ea"/>
+                <a:cs typeface="+mn-cs"/>
+                <a:hlinkClick r:id="rId5">
+                  <a:extLst>
+                    <a:ext uri="{A12FA001-AC4F-418D-AE19-62706E023703}">
+                      <ahyp:hlinkClr xmlns="" xmlns:ahyp="http://schemas.microsoft.com/office/drawing/2018/hyperlinkcolor" val="tx"/>
+                    </a:ext>
+                  </a:extLst>
+                </a:hlinkClick>
+              </a:rPr>
+              <a:t>JUPYTER</a:t>
+            </a:r>
+            <a:endParaRPr kumimoji="0" lang="en-US" sz="1800" b="0" i="0" u="none" strike="noStrike" kern="1200" cap="none" spc="0" normalizeH="0" baseline="0" noProof="0" dirty="0">
+              <a:ln>
+                <a:noFill/>
+              </a:ln>
+              <a:solidFill>
+                <a:srgbClr val="0070C0"/>
+              </a:solidFill>
+              <a:effectLst/>
+              <a:uLnTx/>
+              <a:uFillTx/>
+              <a:latin typeface="Corbel" panose="020B0503020204020204"/>
+              <a:ea typeface="+mn-ea"/>
+              <a:cs typeface="+mn-cs"/>
+            </a:endParaRPr>
+          </a:p>
+        </p:txBody>
+      </p:sp>
+      <p:sp>
+        <p:nvSpPr>
+          <p:cNvPr id="14" name="Rectangle 13">
+            <a:extLst>
+              <a:ext uri="{FF2B5EF4-FFF2-40B4-BE49-F238E27FC236}">
+                <a16:creationId xmlns:a16="http://schemas.microsoft.com/office/drawing/2014/main" id="{B03D34F9-1785-416B-87E9-DB84BF74B656}"/>
+              </a:ext>
+            </a:extLst>
+          </p:cNvPr>
+          <p:cNvSpPr/>
+          <p:nvPr/>
+        </p:nvSpPr>
+        <p:spPr>
+          <a:xfrm>
+            <a:off x="152399" y="2302480"/>
+            <a:ext cx="11887200" cy="646331"/>
+          </a:xfrm>
+          <a:prstGeom prst="rect">
+            <a:avLst/>
+          </a:prstGeom>
+        </p:spPr>
+        <p:txBody>
+          <a:bodyPr wrap="square">
+            <a:spAutoFit/>
+          </a:bodyPr>
+          <a:lstStyle/>
+          <a:p>
+            <a:pPr marL="0" marR="0" lvl="0" indent="0" algn="l" defTabSz="457200" rtl="0" eaLnBrk="1" fontAlgn="auto" latinLnBrk="0" hangingPunct="1">
+              <a:lnSpc>
+                <a:spcPct val="100000"/>
+              </a:lnSpc>
+              <a:spcBef>
+                <a:spcPts val="0"/>
+              </a:spcBef>
+              <a:spcAft>
+                <a:spcPts val="0"/>
+              </a:spcAft>
+              <a:buClrTx/>
+              <a:buSzTx/>
+              <a:buFontTx/>
+              <a:buNone/>
+              <a:tabLst/>
+              <a:defRPr/>
+            </a:pPr>
+            <a:r>
+              <a:rPr kumimoji="0" lang="en-US" sz="1800" b="1" i="0" u="none" strike="noStrike" kern="1200" cap="none" spc="0" normalizeH="0" baseline="0" noProof="0" dirty="0">
+                <a:ln>
+                  <a:noFill/>
+                </a:ln>
+                <a:solidFill>
+                  <a:prstClr val="black"/>
+                </a:solidFill>
+                <a:effectLst/>
+                <a:uLnTx/>
+                <a:uFillTx/>
+                <a:latin typeface="Corbel" panose="020B0503020204020204"/>
+                <a:ea typeface="+mn-ea"/>
+                <a:cs typeface="+mn-cs"/>
+              </a:rPr>
+              <a:t>ORLANDO AIRPORT: </a:t>
+            </a:r>
+            <a:r>
+              <a:rPr kumimoji="0" lang="en-US" sz="1800" b="0" i="0" u="none" strike="noStrike" kern="1200" cap="none" spc="0" normalizeH="0" baseline="0" noProof="0" dirty="0">
+                <a:ln>
+                  <a:noFill/>
+                </a:ln>
+                <a:solidFill>
+                  <a:prstClr val="black"/>
+                </a:solidFill>
+                <a:effectLst/>
+                <a:uLnTx/>
+                <a:uFillTx/>
+                <a:latin typeface="Corbel" panose="020B0503020204020204"/>
+                <a:ea typeface="+mn-ea"/>
+                <a:cs typeface="+mn-cs"/>
+              </a:rPr>
+              <a:t>The most significant ATL bound flight delays occurred on January 23</a:t>
+            </a:r>
+            <a:r>
+              <a:rPr kumimoji="0" lang="en-US" sz="1800" b="0" i="0" u="none" strike="noStrike" kern="1200" cap="none" spc="0" normalizeH="0" baseline="30000" noProof="0" dirty="0">
+                <a:ln>
+                  <a:noFill/>
+                </a:ln>
+                <a:solidFill>
+                  <a:prstClr val="black"/>
+                </a:solidFill>
+                <a:effectLst/>
+                <a:uLnTx/>
+                <a:uFillTx/>
+                <a:latin typeface="Corbel" panose="020B0503020204020204"/>
+                <a:ea typeface="+mn-ea"/>
+                <a:cs typeface="+mn-cs"/>
+              </a:rPr>
+              <a:t>rd</a:t>
+            </a:r>
+            <a:r>
+              <a:rPr kumimoji="0" lang="en-US" sz="1800" b="0" i="0" u="none" strike="noStrike" kern="1200" cap="none" spc="0" normalizeH="0" baseline="0" noProof="0" dirty="0">
+                <a:ln>
+                  <a:noFill/>
+                </a:ln>
+                <a:solidFill>
+                  <a:prstClr val="black"/>
+                </a:solidFill>
+                <a:effectLst/>
+                <a:uLnTx/>
+                <a:uFillTx/>
+                <a:latin typeface="Corbel" panose="020B0503020204020204"/>
+                <a:ea typeface="+mn-ea"/>
+                <a:cs typeface="+mn-cs"/>
+              </a:rPr>
+              <a:t> where all but two of the eight delayed flights greatly exceeded mean delay durations of 12 (Range B) and 17 minutes (Range B Final Week).   </a:t>
+            </a:r>
+          </a:p>
+        </p:txBody>
+      </p:sp>
+      <p:sp>
+        <p:nvSpPr>
+          <p:cNvPr id="16" name="Rectangle 15">
+            <a:extLst>
+              <a:ext uri="{FF2B5EF4-FFF2-40B4-BE49-F238E27FC236}">
+                <a16:creationId xmlns:a16="http://schemas.microsoft.com/office/drawing/2014/main" id="{A39BF09B-E29B-4D96-8056-3451E70743E6}"/>
+              </a:ext>
+            </a:extLst>
+          </p:cNvPr>
+          <p:cNvSpPr/>
+          <p:nvPr/>
+        </p:nvSpPr>
+        <p:spPr>
+          <a:xfrm>
+            <a:off x="5477256" y="3703320"/>
+            <a:ext cx="5605272" cy="1623653"/>
+          </a:xfrm>
+          <a:prstGeom prst="rect">
+            <a:avLst/>
+          </a:prstGeom>
+          <a:noFill/>
+          <a:ln>
+            <a:solidFill>
+              <a:srgbClr val="FF0000"/>
+            </a:solidFill>
+          </a:ln>
+        </p:spPr>
+        <p:style>
+          <a:lnRef idx="2">
+            <a:schemeClr val="accent1">
+              <a:shade val="50000"/>
+            </a:schemeClr>
+          </a:lnRef>
+          <a:fillRef idx="1">
+            <a:schemeClr val="accent1"/>
+          </a:fillRef>
+          <a:effectRef idx="0">
+            <a:schemeClr val="accent1"/>
+          </a:effectRef>
+          <a:fontRef idx="minor">
+            <a:schemeClr val="lt1"/>
+          </a:fontRef>
+        </p:style>
+        <p:txBody>
+          <a:bodyPr rtlCol="0" anchor="ctr"/>
+          <a:lstStyle/>
+          <a:p>
+            <a:pPr marL="0" marR="0" lvl="0" indent="0" algn="ctr" defTabSz="457200" rtl="0" eaLnBrk="1" fontAlgn="auto" latinLnBrk="0" hangingPunct="1">
+              <a:lnSpc>
+                <a:spcPct val="100000"/>
+              </a:lnSpc>
+              <a:spcBef>
+                <a:spcPts val="0"/>
+              </a:spcBef>
+              <a:spcAft>
+                <a:spcPts val="0"/>
+              </a:spcAft>
+              <a:buClrTx/>
+              <a:buSzTx/>
+              <a:buFontTx/>
+              <a:buNone/>
+              <a:tabLst/>
+              <a:defRPr/>
+            </a:pPr>
+            <a:endParaRPr kumimoji="0" lang="en-US" sz="1800" b="0" i="0" u="none" strike="noStrike" kern="1200" cap="none" spc="0" normalizeH="0" baseline="0" noProof="0">
+              <a:ln>
+                <a:noFill/>
+              </a:ln>
+              <a:solidFill>
+                <a:prstClr val="white"/>
+              </a:solidFill>
+              <a:effectLst/>
+              <a:uLnTx/>
+              <a:uFillTx/>
+              <a:latin typeface="Corbel" panose="020B0503020204020204"/>
+              <a:ea typeface="+mn-ea"/>
+              <a:cs typeface="+mn-cs"/>
+            </a:endParaRPr>
+          </a:p>
+        </p:txBody>
+      </p:sp>
+      <p:sp>
+        <p:nvSpPr>
+          <p:cNvPr id="17" name="Rectangle 16">
+            <a:extLst>
+              <a:ext uri="{FF2B5EF4-FFF2-40B4-BE49-F238E27FC236}">
+                <a16:creationId xmlns:a16="http://schemas.microsoft.com/office/drawing/2014/main" id="{9B83E93A-3AF3-4407-8C5E-B673B7C04104}"/>
+              </a:ext>
+            </a:extLst>
+          </p:cNvPr>
+          <p:cNvSpPr/>
+          <p:nvPr/>
+        </p:nvSpPr>
+        <p:spPr>
+          <a:xfrm flipV="1">
+            <a:off x="1073160" y="3304314"/>
+            <a:ext cx="1514591" cy="3398238"/>
+          </a:xfrm>
+          <a:prstGeom prst="rect">
+            <a:avLst/>
+          </a:prstGeom>
+          <a:noFill/>
+          <a:ln>
+            <a:solidFill>
+              <a:srgbClr val="FF0000"/>
+            </a:solidFill>
+          </a:ln>
+        </p:spPr>
+        <p:style>
+          <a:lnRef idx="2">
+            <a:schemeClr val="accent1">
+              <a:shade val="50000"/>
+            </a:schemeClr>
+          </a:lnRef>
+          <a:fillRef idx="1">
+            <a:schemeClr val="accent1"/>
+          </a:fillRef>
+          <a:effectRef idx="0">
+            <a:schemeClr val="accent1"/>
+          </a:effectRef>
+          <a:fontRef idx="minor">
+            <a:schemeClr val="lt1"/>
+          </a:fontRef>
+        </p:style>
+        <p:txBody>
+          <a:bodyPr rtlCol="0" anchor="ctr"/>
+          <a:lstStyle/>
+          <a:p>
+            <a:pPr marL="0" marR="0" lvl="0" indent="0" algn="ctr" defTabSz="457200" rtl="0" eaLnBrk="1" fontAlgn="auto" latinLnBrk="0" hangingPunct="1">
+              <a:lnSpc>
+                <a:spcPct val="100000"/>
+              </a:lnSpc>
+              <a:spcBef>
+                <a:spcPts val="0"/>
+              </a:spcBef>
+              <a:spcAft>
+                <a:spcPts val="0"/>
+              </a:spcAft>
+              <a:buClrTx/>
+              <a:buSzTx/>
+              <a:buFontTx/>
+              <a:buNone/>
+              <a:tabLst/>
+              <a:defRPr/>
+            </a:pPr>
+            <a:endParaRPr kumimoji="0" lang="en-US" sz="1800" b="0" i="0" u="none" strike="noStrike" kern="1200" cap="none" spc="0" normalizeH="0" baseline="0" noProof="0">
+              <a:ln>
+                <a:noFill/>
+              </a:ln>
+              <a:solidFill>
+                <a:prstClr val="white"/>
+              </a:solidFill>
+              <a:effectLst/>
+              <a:uLnTx/>
+              <a:uFillTx/>
+              <a:latin typeface="Corbel" panose="020B0503020204020204"/>
+              <a:ea typeface="+mn-ea"/>
+              <a:cs typeface="+mn-cs"/>
+            </a:endParaRPr>
+          </a:p>
+        </p:txBody>
+      </p:sp>
+      <p:sp>
+        <p:nvSpPr>
+          <p:cNvPr id="21" name="Rectangle 20">
+            <a:extLst>
+              <a:ext uri="{FF2B5EF4-FFF2-40B4-BE49-F238E27FC236}">
+                <a16:creationId xmlns:a16="http://schemas.microsoft.com/office/drawing/2014/main" id="{F1737F29-67E9-4F0A-9777-96649F321246}"/>
+              </a:ext>
+            </a:extLst>
+          </p:cNvPr>
+          <p:cNvSpPr/>
+          <p:nvPr/>
+        </p:nvSpPr>
+        <p:spPr>
+          <a:xfrm>
+            <a:off x="5629656" y="4078224"/>
+            <a:ext cx="5288280" cy="429273"/>
+          </a:xfrm>
+          <a:prstGeom prst="rect">
+            <a:avLst/>
+          </a:prstGeom>
+          <a:noFill/>
+          <a:ln>
+            <a:solidFill>
+              <a:srgbClr val="002060"/>
+            </a:solidFill>
+          </a:ln>
+        </p:spPr>
+        <p:style>
+          <a:lnRef idx="2">
+            <a:schemeClr val="accent1">
+              <a:shade val="50000"/>
+            </a:schemeClr>
+          </a:lnRef>
+          <a:fillRef idx="1">
+            <a:schemeClr val="accent1"/>
+          </a:fillRef>
+          <a:effectRef idx="0">
+            <a:schemeClr val="accent1"/>
+          </a:effectRef>
+          <a:fontRef idx="minor">
+            <a:schemeClr val="lt1"/>
+          </a:fontRef>
+        </p:style>
+        <p:txBody>
+          <a:bodyPr rtlCol="0" anchor="ctr"/>
+          <a:lstStyle/>
+          <a:p>
+            <a:pPr marL="0" marR="0" lvl="0" indent="0" algn="ctr" defTabSz="457200" rtl="0" eaLnBrk="1" fontAlgn="auto" latinLnBrk="0" hangingPunct="1">
+              <a:lnSpc>
+                <a:spcPct val="100000"/>
+              </a:lnSpc>
+              <a:spcBef>
+                <a:spcPts val="0"/>
+              </a:spcBef>
+              <a:spcAft>
+                <a:spcPts val="0"/>
+              </a:spcAft>
+              <a:buClrTx/>
+              <a:buSzTx/>
+              <a:buFontTx/>
+              <a:buNone/>
+              <a:tabLst/>
+              <a:defRPr/>
+            </a:pPr>
+            <a:endParaRPr kumimoji="0" lang="en-US" sz="1800" b="0" i="0" u="none" strike="noStrike" kern="1200" cap="none" spc="0" normalizeH="0" baseline="0" noProof="0">
+              <a:ln>
+                <a:noFill/>
+              </a:ln>
+              <a:solidFill>
+                <a:prstClr val="white"/>
+              </a:solidFill>
+              <a:effectLst/>
+              <a:uLnTx/>
+              <a:uFillTx/>
+              <a:latin typeface="Corbel" panose="020B0503020204020204"/>
+              <a:ea typeface="+mn-ea"/>
+              <a:cs typeface="+mn-cs"/>
+            </a:endParaRPr>
+          </a:p>
+        </p:txBody>
+      </p:sp>
+      <p:sp>
+        <p:nvSpPr>
+          <p:cNvPr id="22" name="Rectangle 21">
+            <a:extLst>
+              <a:ext uri="{FF2B5EF4-FFF2-40B4-BE49-F238E27FC236}">
+                <a16:creationId xmlns:a16="http://schemas.microsoft.com/office/drawing/2014/main" id="{D936F744-CA7A-46EC-80FE-95E826A8EB87}"/>
+              </a:ext>
+            </a:extLst>
+          </p:cNvPr>
+          <p:cNvSpPr/>
+          <p:nvPr/>
+        </p:nvSpPr>
+        <p:spPr>
+          <a:xfrm>
+            <a:off x="3950263" y="6521912"/>
+            <a:ext cx="8359220" cy="369332"/>
+          </a:xfrm>
+          <a:prstGeom prst="rect">
+            <a:avLst/>
+          </a:prstGeom>
+        </p:spPr>
+        <p:txBody>
+          <a:bodyPr wrap="square">
+            <a:spAutoFit/>
+          </a:bodyPr>
+          <a:lstStyle/>
+          <a:p>
+            <a:pPr marL="0" marR="0" lvl="0" indent="0" algn="l" defTabSz="457200" rtl="0" eaLnBrk="1" fontAlgn="auto" latinLnBrk="0" hangingPunct="1">
+              <a:lnSpc>
+                <a:spcPct val="100000"/>
+              </a:lnSpc>
+              <a:spcBef>
+                <a:spcPts val="0"/>
+              </a:spcBef>
+              <a:spcAft>
+                <a:spcPts val="0"/>
+              </a:spcAft>
+              <a:buClrTx/>
+              <a:buSzTx/>
+              <a:buFontTx/>
+              <a:buNone/>
+              <a:tabLst/>
+              <a:defRPr/>
+            </a:pPr>
+            <a:r>
+              <a:rPr kumimoji="0" lang="en-US" sz="1800" b="0" i="0" u="none" strike="noStrike" kern="1200" cap="none" spc="0" normalizeH="0" baseline="0" noProof="0" dirty="0">
+                <a:ln>
+                  <a:noFill/>
+                </a:ln>
+                <a:solidFill>
+                  <a:prstClr val="black"/>
+                </a:solidFill>
+                <a:effectLst/>
+                <a:uLnTx/>
+                <a:uFillTx/>
+                <a:latin typeface="Corbel" panose="020B0503020204020204"/>
+                <a:ea typeface="+mn-ea"/>
+                <a:cs typeface="+mn-cs"/>
+              </a:rPr>
+              <a:t>Flight 1083 / N683DA appeared to have particular difficulties with accumulative delays. </a:t>
+            </a:r>
+          </a:p>
+        </p:txBody>
+      </p:sp>
+    </p:spTree>
+    <p:extLst>
+      <p:ext uri="{BB962C8B-B14F-4D97-AF65-F5344CB8AC3E}">
+        <p14:creationId xmlns:p14="http://schemas.microsoft.com/office/powerpoint/2010/main" val="76772684"/>
+      </p:ext>
+    </p:extLst>
+  </p:cSld>
+  <p:clrMapOvr>
+    <a:masterClrMapping/>
+  </p:clrMapOvr>
+</p:sld>
+</file>
+
+<file path=ppt/slides/slide26.xml><?xml version="1.0" encoding="utf-8"?>
+<p:sld xmlns:a="http://schemas.openxmlformats.org/drawingml/2006/main" xmlns:r="http://schemas.openxmlformats.org/officeDocument/2006/relationships" xmlns:p="http://schemas.openxmlformats.org/presentationml/2006/main">
+  <p:cSld>
+    <p:bg>
+      <p:bgPr>
+        <a:gradFill>
+          <a:gsLst>
+            <a:gs pos="0">
+              <a:schemeClr val="accent1">
+                <a:lumMod val="5000"/>
+                <a:lumOff val="95000"/>
+              </a:schemeClr>
+            </a:gs>
+            <a:gs pos="81000">
+              <a:schemeClr val="accent1">
+                <a:lumMod val="45000"/>
+                <a:lumOff val="55000"/>
+              </a:schemeClr>
+            </a:gs>
+            <a:gs pos="83000">
+              <a:schemeClr val="accent1">
+                <a:lumMod val="45000"/>
+                <a:lumOff val="55000"/>
+              </a:schemeClr>
+            </a:gs>
+            <a:gs pos="100000">
+              <a:schemeClr val="accent1">
+                <a:lumMod val="30000"/>
+                <a:lumOff val="70000"/>
+              </a:schemeClr>
+            </a:gs>
+          </a:gsLst>
+          <a:lin ang="5400000" scaled="1"/>
+        </a:gradFill>
+        <a:effectLst/>
+      </p:bgPr>
+    </p:bg>
+    <p:spTree>
+      <p:nvGrpSpPr>
+        <p:cNvPr id="1" name=""/>
+        <p:cNvGrpSpPr/>
+        <p:nvPr/>
+      </p:nvGrpSpPr>
+      <p:grpSpPr>
+        <a:xfrm>
+          <a:off x="0" y="0"/>
+          <a:ext cx="0" cy="0"/>
+          <a:chOff x="0" y="0"/>
+          <a:chExt cx="0" cy="0"/>
+        </a:xfrm>
+      </p:grpSpPr>
+      <p:sp useBgFill="1">
+        <p:nvSpPr>
+          <p:cNvPr id="9" name="Rectangle 8">
+            <a:extLst>
+              <a:ext uri="{FF2B5EF4-FFF2-40B4-BE49-F238E27FC236}">
+                <a16:creationId xmlns:a16="http://schemas.microsoft.com/office/drawing/2014/main" id="{4281BC32-FF58-4898-A6B5-7B3D059BCEB0}"/>
+              </a:ext>
+              <a:ext uri="{C183D7F6-B498-43B3-948B-1728B52AA6E4}">
+                <adec:decorative xmlns="" xmlns:adec="http://schemas.microsoft.com/office/drawing/2017/decorative" val="1"/>
+              </a:ext>
+            </a:extLst>
+          </p:cNvPr>
+          <p:cNvSpPr>
+            <a:spLocks noGrp="1" noRot="1" noChangeAspect="1" noMove="1" noResize="1" noEditPoints="1" noAdjustHandles="1" noChangeArrowheads="1" noChangeShapeType="1" noTextEdit="1"/>
+          </p:cNvSpPr>
+          <p:nvPr>
+            <p:extLst>
+              <p:ext uri="{386F3935-93C4-4BCD-93E2-E3B085C9AB24}">
+                <p16:designElem xmlns:p16="http://schemas.microsoft.com/office/powerpoint/2015/main" val="1"/>
+              </p:ext>
+            </p:extLst>
+          </p:nvPr>
+        </p:nvSpPr>
+        <p:spPr>
+          <a:xfrm>
+            <a:off x="0" y="0"/>
+            <a:ext cx="12192000" cy="6858000"/>
+          </a:xfrm>
+          <a:prstGeom prst="rect">
+            <a:avLst/>
+          </a:prstGeom>
+          <a:ln>
+            <a:noFill/>
+          </a:ln>
+        </p:spPr>
+        <p:style>
+          <a:lnRef idx="2">
+            <a:schemeClr val="accent1">
+              <a:shade val="50000"/>
+            </a:schemeClr>
+          </a:lnRef>
+          <a:fillRef idx="1">
+            <a:schemeClr val="accent1"/>
+          </a:fillRef>
+          <a:effectRef idx="0">
+            <a:schemeClr val="accent1"/>
+          </a:effectRef>
+          <a:fontRef idx="minor">
+            <a:schemeClr val="lt1"/>
+          </a:fontRef>
+        </p:style>
+        <p:txBody>
+          <a:bodyPr rtlCol="0" anchor="ctr"/>
+          <a:lstStyle/>
+          <a:p>
+            <a:pPr marL="0" marR="0" lvl="0" indent="0" algn="ctr" defTabSz="457200" rtl="0" eaLnBrk="1" fontAlgn="auto" latinLnBrk="0" hangingPunct="1">
+              <a:lnSpc>
+                <a:spcPct val="100000"/>
+              </a:lnSpc>
+              <a:spcBef>
+                <a:spcPts val="0"/>
+              </a:spcBef>
+              <a:spcAft>
+                <a:spcPts val="0"/>
+              </a:spcAft>
+              <a:buClrTx/>
+              <a:buSzTx/>
+              <a:buFontTx/>
+              <a:buNone/>
+              <a:tabLst/>
+              <a:defRPr/>
+            </a:pPr>
+            <a:endParaRPr kumimoji="0" lang="en-US" sz="1800" b="0" i="0" u="none" strike="noStrike" kern="1200" cap="none" spc="0" normalizeH="0" baseline="0" noProof="0">
+              <a:ln>
+                <a:noFill/>
+              </a:ln>
+              <a:solidFill>
+                <a:prstClr val="white"/>
+              </a:solidFill>
+              <a:effectLst/>
+              <a:uLnTx/>
+              <a:uFillTx/>
+              <a:latin typeface="Corbel" panose="020B0503020204020204"/>
+              <a:ea typeface="+mn-ea"/>
+              <a:cs typeface="+mn-cs"/>
+            </a:endParaRPr>
+          </a:p>
+        </p:txBody>
+      </p:sp>
+      <p:sp>
+        <p:nvSpPr>
+          <p:cNvPr id="11" name="Rectangle 10">
+            <a:extLst>
+              <a:ext uri="{FF2B5EF4-FFF2-40B4-BE49-F238E27FC236}">
+                <a16:creationId xmlns:a16="http://schemas.microsoft.com/office/drawing/2014/main" id="{0D614406-135F-4875-9C87-53822CB19ABB}"/>
+              </a:ext>
+              <a:ext uri="{C183D7F6-B498-43B3-948B-1728B52AA6E4}">
+                <adec:decorative xmlns="" xmlns:adec="http://schemas.microsoft.com/office/drawing/2017/decorative" val="1"/>
+              </a:ext>
+            </a:extLst>
+          </p:cNvPr>
+          <p:cNvSpPr>
+            <a:spLocks noGrp="1" noRot="1" noChangeAspect="1" noMove="1" noResize="1" noEditPoints="1" noAdjustHandles="1" noChangeArrowheads="1" noChangeShapeType="1" noTextEdit="1"/>
+          </p:cNvSpPr>
+          <p:nvPr>
+            <p:extLst>
+              <p:ext uri="{386F3935-93C4-4BCD-93E2-E3B085C9AB24}">
+                <p16:designElem xmlns:p16="http://schemas.microsoft.com/office/powerpoint/2015/main" val="1"/>
+              </p:ext>
+            </p:extLst>
+          </p:nvPr>
+        </p:nvSpPr>
+        <p:spPr>
+          <a:xfrm>
+            <a:off x="0" y="0"/>
+            <a:ext cx="12191999" cy="2285999"/>
+          </a:xfrm>
+          <a:prstGeom prst="rect">
+            <a:avLst/>
+          </a:prstGeom>
+          <a:solidFill>
+            <a:schemeClr val="tx1"/>
+          </a:solidFill>
+          <a:ln>
+            <a:noFill/>
+          </a:ln>
+        </p:spPr>
+        <p:style>
+          <a:lnRef idx="2">
+            <a:schemeClr val="accent1">
+              <a:shade val="50000"/>
+            </a:schemeClr>
+          </a:lnRef>
+          <a:fillRef idx="1">
+            <a:schemeClr val="accent1"/>
+          </a:fillRef>
+          <a:effectRef idx="0">
+            <a:schemeClr val="accent1"/>
+          </a:effectRef>
+          <a:fontRef idx="minor">
+            <a:schemeClr val="lt1"/>
+          </a:fontRef>
+        </p:style>
+        <p:txBody>
+          <a:bodyPr rtlCol="0" anchor="ctr"/>
+          <a:lstStyle/>
+          <a:p>
+            <a:pPr marL="0" marR="0" lvl="0" indent="0" algn="ctr" defTabSz="457200" rtl="0" eaLnBrk="1" fontAlgn="auto" latinLnBrk="0" hangingPunct="1">
+              <a:lnSpc>
+                <a:spcPct val="100000"/>
+              </a:lnSpc>
+              <a:spcBef>
+                <a:spcPts val="0"/>
+              </a:spcBef>
+              <a:spcAft>
+                <a:spcPts val="0"/>
+              </a:spcAft>
+              <a:buClrTx/>
+              <a:buSzTx/>
+              <a:buFontTx/>
+              <a:buNone/>
+              <a:tabLst/>
+              <a:defRPr/>
+            </a:pPr>
+            <a:endParaRPr kumimoji="0" lang="en-US" sz="1800" b="0" i="0" u="none" strike="noStrike" kern="1200" cap="none" spc="0" normalizeH="0" baseline="0" noProof="0">
+              <a:ln>
+                <a:noFill/>
+              </a:ln>
+              <a:solidFill>
+                <a:prstClr val="white"/>
+              </a:solidFill>
+              <a:effectLst/>
+              <a:uLnTx/>
+              <a:uFillTx/>
+              <a:latin typeface="Corbel" panose="020B0503020204020204"/>
+              <a:ea typeface="+mn-ea"/>
+              <a:cs typeface="+mn-cs"/>
+            </a:endParaRPr>
+          </a:p>
+        </p:txBody>
+      </p:sp>
+      <p:sp>
+        <p:nvSpPr>
+          <p:cNvPr id="2" name="Title 1"/>
+          <p:cNvSpPr>
+            <a:spLocks noGrp="1"/>
+          </p:cNvSpPr>
+          <p:nvPr>
+            <p:ph type="title"/>
+          </p:nvPr>
+        </p:nvSpPr>
+        <p:spPr>
+          <a:xfrm>
+            <a:off x="76200" y="221915"/>
+            <a:ext cx="7169753" cy="1232750"/>
+          </a:xfrm>
+        </p:spPr>
+        <p:txBody>
+          <a:bodyPr anchor="b">
+            <a:normAutofit/>
+          </a:bodyPr>
+          <a:lstStyle/>
+          <a:p>
+            <a:pPr algn="l"/>
+            <a:r>
+              <a:rPr lang="en-US" sz="3900" dirty="0">
+                <a:solidFill>
+                  <a:schemeClr val="bg1"/>
+                </a:solidFill>
+              </a:rPr>
+              <a:t>Findings and conclusions</a:t>
+            </a:r>
+          </a:p>
+        </p:txBody>
+      </p:sp>
+      <p:cxnSp>
+        <p:nvCxnSpPr>
+          <p:cNvPr id="13" name="Straight Connector 12">
+            <a:extLst>
+              <a:ext uri="{FF2B5EF4-FFF2-40B4-BE49-F238E27FC236}">
+                <a16:creationId xmlns:a16="http://schemas.microsoft.com/office/drawing/2014/main" id="{C6C21149-7D17-44C2-AFB6-4D931DC55FB1}"/>
+              </a:ext>
+              <a:ext uri="{C183D7F6-B498-43B3-948B-1728B52AA6E4}">
+                <adec:decorative xmlns="" xmlns:adec="http://schemas.microsoft.com/office/drawing/2017/decorative" val="1"/>
+              </a:ext>
+            </a:extLst>
+          </p:cNvPr>
+          <p:cNvCxnSpPr>
+            <a:cxnSpLocks noGrp="1" noRot="1" noChangeAspect="1" noMove="1" noResize="1" noEditPoints="1" noAdjustHandles="1" noChangeArrowheads="1" noChangeShapeType="1"/>
+          </p:cNvCxnSpPr>
+          <p:nvPr>
+            <p:extLst>
+              <p:ext uri="{386F3935-93C4-4BCD-93E2-E3B085C9AB24}">
+                <p16:designElem xmlns:p16="http://schemas.microsoft.com/office/powerpoint/2015/main" val="1"/>
+              </p:ext>
+            </p:extLst>
+          </p:nvPr>
+        </p:nvCxnSpPr>
+        <p:spPr>
+          <a:xfrm>
+            <a:off x="0" y="1676579"/>
+            <a:ext cx="8129873" cy="6020"/>
+          </a:xfrm>
+          <a:prstGeom prst="line">
+            <a:avLst/>
+          </a:prstGeom>
+          <a:ln w="25400">
+            <a:solidFill>
+              <a:schemeClr val="bg1"/>
+            </a:solidFill>
+          </a:ln>
+        </p:spPr>
+        <p:style>
+          <a:lnRef idx="1">
+            <a:schemeClr val="accent1"/>
+          </a:lnRef>
+          <a:fillRef idx="0">
+            <a:schemeClr val="accent1"/>
+          </a:fillRef>
+          <a:effectRef idx="0">
+            <a:schemeClr val="accent1"/>
+          </a:effectRef>
+          <a:fontRef idx="minor">
+            <a:schemeClr val="tx1"/>
+          </a:fontRef>
+        </p:style>
+      </p:cxnSp>
+      <p:sp>
+        <p:nvSpPr>
+          <p:cNvPr id="15" name="Freeform 6">
+            <a:extLst>
+              <a:ext uri="{FF2B5EF4-FFF2-40B4-BE49-F238E27FC236}">
+                <a16:creationId xmlns:a16="http://schemas.microsoft.com/office/drawing/2014/main" id="{C2E5FCF0-567A-448C-A6E3-920BFC702C2F}"/>
+              </a:ext>
+              <a:ext uri="{C183D7F6-B498-43B3-948B-1728B52AA6E4}">
+                <adec:decorative xmlns="" xmlns:adec="http://schemas.microsoft.com/office/drawing/2017/decorative" val="1"/>
+              </a:ext>
+            </a:extLst>
+          </p:cNvPr>
+          <p:cNvSpPr>
+            <a:spLocks noGrp="1" noRot="1" noChangeAspect="1" noMove="1" noResize="1" noEditPoints="1" noAdjustHandles="1" noChangeArrowheads="1" noChangeShapeType="1" noTextEdit="1"/>
+          </p:cNvSpPr>
+          <p:nvPr>
+            <p:extLst>
+              <p:ext uri="{386F3935-93C4-4BCD-93E2-E3B085C9AB24}">
+                <p16:designElem xmlns:p16="http://schemas.microsoft.com/office/powerpoint/2015/main" val="1"/>
+              </p:ext>
+            </p:extLst>
+          </p:nvPr>
+        </p:nvSpPr>
+        <p:spPr bwMode="auto">
+          <a:xfrm>
+            <a:off x="11784011" y="938535"/>
+            <a:ext cx="407988" cy="819150"/>
+          </a:xfrm>
+          <a:custGeom>
+            <a:avLst/>
+            <a:gdLst/>
+            <a:ahLst/>
+            <a:cxnLst/>
+            <a:rect l="0" t="0" r="r" b="b"/>
+            <a:pathLst>
+              <a:path w="1799" h="3612">
+                <a:moveTo>
+                  <a:pt x="1799" y="0"/>
+                </a:moveTo>
+                <a:lnTo>
+                  <a:pt x="1799" y="3612"/>
+                </a:lnTo>
+                <a:lnTo>
+                  <a:pt x="1686" y="3609"/>
+                </a:lnTo>
+                <a:lnTo>
+                  <a:pt x="1574" y="3598"/>
+                </a:lnTo>
+                <a:lnTo>
+                  <a:pt x="1464" y="3581"/>
+                </a:lnTo>
+                <a:lnTo>
+                  <a:pt x="1357" y="3557"/>
+                </a:lnTo>
+                <a:lnTo>
+                  <a:pt x="1251" y="3527"/>
+                </a:lnTo>
+                <a:lnTo>
+                  <a:pt x="1150" y="3490"/>
+                </a:lnTo>
+                <a:lnTo>
+                  <a:pt x="1050" y="3448"/>
+                </a:lnTo>
+                <a:lnTo>
+                  <a:pt x="953" y="3401"/>
+                </a:lnTo>
+                <a:lnTo>
+                  <a:pt x="860" y="3347"/>
+                </a:lnTo>
+                <a:lnTo>
+                  <a:pt x="771" y="3289"/>
+                </a:lnTo>
+                <a:lnTo>
+                  <a:pt x="686" y="3224"/>
+                </a:lnTo>
+                <a:lnTo>
+                  <a:pt x="604" y="3156"/>
+                </a:lnTo>
+                <a:lnTo>
+                  <a:pt x="527" y="3083"/>
+                </a:lnTo>
+                <a:lnTo>
+                  <a:pt x="454" y="3005"/>
+                </a:lnTo>
+                <a:lnTo>
+                  <a:pt x="386" y="2923"/>
+                </a:lnTo>
+                <a:lnTo>
+                  <a:pt x="323" y="2838"/>
+                </a:lnTo>
+                <a:lnTo>
+                  <a:pt x="265" y="2748"/>
+                </a:lnTo>
+                <a:lnTo>
+                  <a:pt x="211" y="2655"/>
+                </a:lnTo>
+                <a:lnTo>
+                  <a:pt x="163" y="2559"/>
+                </a:lnTo>
+                <a:lnTo>
+                  <a:pt x="121" y="2459"/>
+                </a:lnTo>
+                <a:lnTo>
+                  <a:pt x="85" y="2356"/>
+                </a:lnTo>
+                <a:lnTo>
+                  <a:pt x="55" y="2251"/>
+                </a:lnTo>
+                <a:lnTo>
+                  <a:pt x="32" y="2143"/>
+                </a:lnTo>
+                <a:lnTo>
+                  <a:pt x="14" y="2033"/>
+                </a:lnTo>
+                <a:lnTo>
+                  <a:pt x="4" y="1920"/>
+                </a:lnTo>
+                <a:lnTo>
+                  <a:pt x="0" y="1806"/>
+                </a:lnTo>
+                <a:lnTo>
+                  <a:pt x="4" y="1692"/>
+                </a:lnTo>
+                <a:lnTo>
+                  <a:pt x="14" y="1580"/>
+                </a:lnTo>
+                <a:lnTo>
+                  <a:pt x="32" y="1469"/>
+                </a:lnTo>
+                <a:lnTo>
+                  <a:pt x="55" y="1362"/>
+                </a:lnTo>
+                <a:lnTo>
+                  <a:pt x="85" y="1256"/>
+                </a:lnTo>
+                <a:lnTo>
+                  <a:pt x="121" y="1154"/>
+                </a:lnTo>
+                <a:lnTo>
+                  <a:pt x="163" y="1054"/>
+                </a:lnTo>
+                <a:lnTo>
+                  <a:pt x="211" y="958"/>
+                </a:lnTo>
+                <a:lnTo>
+                  <a:pt x="265" y="864"/>
+                </a:lnTo>
+                <a:lnTo>
+                  <a:pt x="323" y="774"/>
+                </a:lnTo>
+                <a:lnTo>
+                  <a:pt x="386" y="689"/>
+                </a:lnTo>
+                <a:lnTo>
+                  <a:pt x="454" y="607"/>
+                </a:lnTo>
+                <a:lnTo>
+                  <a:pt x="527" y="529"/>
+                </a:lnTo>
+                <a:lnTo>
+                  <a:pt x="604" y="456"/>
+                </a:lnTo>
+                <a:lnTo>
+                  <a:pt x="686" y="388"/>
+                </a:lnTo>
+                <a:lnTo>
+                  <a:pt x="771" y="325"/>
+                </a:lnTo>
+                <a:lnTo>
+                  <a:pt x="860" y="266"/>
+                </a:lnTo>
+                <a:lnTo>
+                  <a:pt x="953" y="212"/>
+                </a:lnTo>
+                <a:lnTo>
+                  <a:pt x="1050" y="164"/>
+                </a:lnTo>
+                <a:lnTo>
+                  <a:pt x="1150" y="122"/>
+                </a:lnTo>
+                <a:lnTo>
+                  <a:pt x="1251" y="85"/>
+                </a:lnTo>
+                <a:lnTo>
+                  <a:pt x="1357" y="55"/>
+                </a:lnTo>
+                <a:lnTo>
+                  <a:pt x="1464" y="32"/>
+                </a:lnTo>
+                <a:lnTo>
+                  <a:pt x="1574" y="14"/>
+                </a:lnTo>
+                <a:lnTo>
+                  <a:pt x="1686" y="5"/>
+                </a:lnTo>
+                <a:lnTo>
+                  <a:pt x="1799" y="0"/>
+                </a:lnTo>
+                <a:close/>
+              </a:path>
+            </a:pathLst>
+          </a:custGeom>
+          <a:solidFill>
+            <a:schemeClr val="bg2"/>
+          </a:solidFill>
+          <a:ln w="0">
+            <a:noFill/>
+            <a:prstDash val="solid"/>
+            <a:round/>
+            <a:headEnd/>
+            <a:tailEnd/>
+          </a:ln>
+        </p:spPr>
+      </p:sp>
+      <p:pic>
+        <p:nvPicPr>
+          <p:cNvPr id="8" name="Picture 2" descr="Image result for Delta boarding pass MCO">
+            <a:extLst>
+              <a:ext uri="{FF2B5EF4-FFF2-40B4-BE49-F238E27FC236}">
+                <a16:creationId xmlns:a16="http://schemas.microsoft.com/office/drawing/2014/main" id="{496395E0-D773-4FEB-8E63-F152EEB21774}"/>
+              </a:ext>
+            </a:extLst>
+          </p:cNvPr>
+          <p:cNvPicPr>
+            <a:picLocks noChangeAspect="1" noChangeArrowheads="1"/>
+          </p:cNvPicPr>
+          <p:nvPr/>
+        </p:nvPicPr>
+        <p:blipFill>
+          <a:blip r:embed="rId2">
+            <a:extLst>
+              <a:ext uri="{28A0092B-C50C-407E-A947-70E740481C1C}">
+                <a14:useLocalDpi xmlns:a14="http://schemas.microsoft.com/office/drawing/2010/main" val="0"/>
+              </a:ext>
+            </a:extLst>
+          </a:blip>
+          <a:srcRect/>
+          <a:stretch>
+            <a:fillRect/>
+          </a:stretch>
+        </p:blipFill>
+        <p:spPr bwMode="auto">
+          <a:xfrm rot="20406036">
+            <a:off x="8607841" y="430614"/>
+            <a:ext cx="2766591" cy="1402778"/>
+          </a:xfrm>
+          <a:prstGeom prst="rect">
+            <a:avLst/>
+          </a:prstGeom>
+          <a:noFill/>
+          <a:extLst>
+            <a:ext uri="{909E8E84-426E-40DD-AFC4-6F175D3DCCD1}">
+              <a14:hiddenFill xmlns:a14="http://schemas.microsoft.com/office/drawing/2010/main">
+                <a:solidFill>
+                  <a:srgbClr val="FFFFFF"/>
+                </a:solidFill>
+              </a14:hiddenFill>
+            </a:ext>
+          </a:extLst>
+        </p:spPr>
+      </p:pic>
+      <p:sp>
+        <p:nvSpPr>
+          <p:cNvPr id="3" name="Rectangle 1">
+            <a:extLst>
+              <a:ext uri="{FF2B5EF4-FFF2-40B4-BE49-F238E27FC236}">
+                <a16:creationId xmlns:a16="http://schemas.microsoft.com/office/drawing/2014/main" id="{979CEED4-2A51-4E44-AEC6-BD1507480E66}"/>
+              </a:ext>
+            </a:extLst>
+          </p:cNvPr>
+          <p:cNvSpPr>
+            <a:spLocks noChangeArrowheads="1"/>
+          </p:cNvSpPr>
+          <p:nvPr/>
+        </p:nvSpPr>
+        <p:spPr bwMode="auto">
+          <a:xfrm>
+            <a:off x="0" y="90100"/>
+            <a:ext cx="65" cy="276999"/>
+          </a:xfrm>
+          <a:prstGeom prst="rect">
+            <a:avLst/>
+          </a:prstGeom>
+          <a:solidFill>
+            <a:srgbClr val="FFFFFF"/>
+          </a:solidFill>
+          <a:ln>
+            <a:noFill/>
+          </a:ln>
+          <a:effectLst/>
+          <a:extLst>
+            <a:ext uri="{91240B29-F687-4F45-9708-019B960494DF}">
+              <a14:hiddenLine xmlns:a14="http://schemas.microsoft.com/office/drawing/2010/main" w="9525">
+                <a:solidFill>
+                  <a:schemeClr val="tx1"/>
+                </a:solidFill>
+                <a:miter lim="800000"/>
+                <a:headEnd/>
+                <a:tailEnd/>
+              </a14:hiddenLine>
+            </a:ext>
+            <a:ext uri="{AF507438-7753-43E0-B8FC-AC1667EBCBE1}">
+              <a14:hiddenEffects xmlns:a14="http://schemas.microsoft.com/office/drawing/2010/main">
+                <a:effectLst>
+                  <a:outerShdw dist="35921" dir="2700000" algn="ctr" rotWithShape="0">
+                    <a:schemeClr val="bg2"/>
+                  </a:outerShdw>
+                </a:effectLst>
+              </a14:hiddenEffects>
+            </a:ext>
+          </a:extLst>
+        </p:spPr>
+        <p:txBody>
+          <a:bodyPr vert="horz" wrap="none" lIns="0" tIns="0" rIns="0" bIns="0" numCol="1" anchor="ctr" anchorCtr="0" compatLnSpc="1">
+            <a:prstTxWarp prst="textNoShape">
+              <a:avLst/>
+            </a:prstTxWarp>
+            <a:spAutoFit/>
+          </a:bodyPr>
+          <a:lstStyle/>
+          <a:p>
+            <a:pPr marL="0" marR="0" lvl="0" indent="0" algn="l" defTabSz="914400" rtl="0" eaLnBrk="0" fontAlgn="base" latinLnBrk="0" hangingPunct="0">
+              <a:lnSpc>
+                <a:spcPct val="100000"/>
+              </a:lnSpc>
+              <a:spcBef>
+                <a:spcPct val="0"/>
+              </a:spcBef>
+              <a:spcAft>
+                <a:spcPct val="0"/>
+              </a:spcAft>
+              <a:buClrTx/>
+              <a:buSzTx/>
+              <a:buFontTx/>
+              <a:buNone/>
+              <a:tabLst/>
+              <a:defRPr/>
+            </a:pPr>
+            <a:endParaRPr kumimoji="0" lang="en-US" altLang="en-US" sz="1800" b="0" i="0" u="none" strike="noStrike" kern="1200" cap="none" spc="0" normalizeH="0" baseline="0" noProof="0" dirty="0">
+              <a:ln>
+                <a:noFill/>
+              </a:ln>
+              <a:solidFill>
+                <a:prstClr val="black"/>
+              </a:solidFill>
+              <a:effectLst/>
+              <a:uLnTx/>
+              <a:uFillTx/>
+              <a:latin typeface="Arial" panose="020B0604020202020204" pitchFamily="34" charset="0"/>
+              <a:ea typeface="+mn-ea"/>
+              <a:cs typeface="+mn-cs"/>
+            </a:endParaRPr>
+          </a:p>
+        </p:txBody>
+      </p:sp>
+      <p:pic>
+        <p:nvPicPr>
           <p:cNvPr id="4" name="Picture 3">
             <a:extLst>
               <a:ext uri="{FF2B5EF4-FFF2-40B4-BE49-F238E27FC236}">
@@ -27800,7 +28549,7 @@
                 <a:hlinkClick r:id="rId4">
                   <a:extLst>
                     <a:ext uri="{A12FA001-AC4F-418D-AE19-62706E023703}">
-                      <ahyp:hlinkClr xmlns:ahyp="http://schemas.microsoft.com/office/drawing/2018/hyperlinkcolor" xmlns="" val="tx"/>
+                      <ahyp:hlinkClr xmlns="" xmlns:ahyp="http://schemas.microsoft.com/office/drawing/2018/hyperlinkcolor" val="tx"/>
                     </a:ext>
                   </a:extLst>
                 </a:hlinkClick>
@@ -28361,7 +29110,7 @@
 </p:sld>
 </file>
 
-<file path=ppt/slides/slide26.xml><?xml version="1.0" encoding="utf-8"?>
+<file path=ppt/slides/slide27.xml><?xml version="1.0" encoding="utf-8"?>
 <p:sld xmlns:a="http://schemas.openxmlformats.org/drawingml/2006/main" xmlns:r="http://schemas.openxmlformats.org/officeDocument/2006/relationships" xmlns:p="http://schemas.openxmlformats.org/presentationml/2006/main">
   <p:cSld>
     <p:bg>
@@ -28394,7 +29143,7 @@
                 <a16:creationId xmlns:a16="http://schemas.microsoft.com/office/drawing/2014/main" id="{4281BC32-FF58-4898-A6B5-7B3D059BCEB0}"/>
               </a:ext>
               <a:ext uri="{C183D7F6-B498-43B3-948B-1728B52AA6E4}">
-                <adec:decorative xmlns:adec="http://schemas.microsoft.com/office/drawing/2017/decorative" xmlns="" val="1"/>
+                <adec:decorative xmlns="" xmlns:adec="http://schemas.microsoft.com/office/drawing/2017/decorative" val="1"/>
               </a:ext>
             </a:extLst>
           </p:cNvPr>
@@ -28483,7 +29232,7 @@
                 <a16:creationId xmlns:a16="http://schemas.microsoft.com/office/drawing/2014/main" id="{0D614406-135F-4875-9C87-53822CB19ABB}"/>
               </a:ext>
               <a:ext uri="{C183D7F6-B498-43B3-948B-1728B52AA6E4}">
-                <adec:decorative xmlns:adec="http://schemas.microsoft.com/office/drawing/2017/decorative" xmlns="" val="1"/>
+                <adec:decorative xmlns="" xmlns:adec="http://schemas.microsoft.com/office/drawing/2017/decorative" val="1"/>
               </a:ext>
             </a:extLst>
           </p:cNvPr>
@@ -28609,7 +29358,7 @@
                 <a16:creationId xmlns:a16="http://schemas.microsoft.com/office/drawing/2014/main" id="{C6C21149-7D17-44C2-AFB6-4D931DC55FB1}"/>
               </a:ext>
               <a:ext uri="{C183D7F6-B498-43B3-948B-1728B52AA6E4}">
-                <adec:decorative xmlns:adec="http://schemas.microsoft.com/office/drawing/2017/decorative" xmlns="" val="1"/>
+                <adec:decorative xmlns="" xmlns:adec="http://schemas.microsoft.com/office/drawing/2017/decorative" val="1"/>
               </a:ext>
             </a:extLst>
           </p:cNvPr>
@@ -28661,7 +29410,7 @@
                 <a16:creationId xmlns:a16="http://schemas.microsoft.com/office/drawing/2014/main" id="{C2E5FCF0-567A-448C-A6E3-920BFC702C2F}"/>
               </a:ext>
               <a:ext uri="{C183D7F6-B498-43B3-948B-1728B52AA6E4}">
-                <adec:decorative xmlns:adec="http://schemas.microsoft.com/office/drawing/2017/decorative" xmlns="" val="1"/>
+                <adec:decorative xmlns="" xmlns:adec="http://schemas.microsoft.com/office/drawing/2017/decorative" val="1"/>
               </a:ext>
             </a:extLst>
           </p:cNvPr>
@@ -29015,7 +29764,7 @@
 </p:sld>
 </file>
 
-<file path=ppt/slides/slide27.xml><?xml version="1.0" encoding="utf-8"?>
+<file path=ppt/slides/slide28.xml><?xml version="1.0" encoding="utf-8"?>
 <p:sld xmlns:a="http://schemas.openxmlformats.org/drawingml/2006/main" xmlns:r="http://schemas.openxmlformats.org/officeDocument/2006/relationships" xmlns:p="http://schemas.openxmlformats.org/presentationml/2006/main">
   <p:cSld>
     <p:bg>
@@ -29048,7 +29797,7 @@
                 <a16:creationId xmlns:a16="http://schemas.microsoft.com/office/drawing/2014/main" id="{4281BC32-FF58-4898-A6B5-7B3D059BCEB0}"/>
               </a:ext>
               <a:ext uri="{C183D7F6-B498-43B3-948B-1728B52AA6E4}">
-                <adec:decorative xmlns:adec="http://schemas.microsoft.com/office/drawing/2017/decorative" xmlns="" val="1"/>
+                <adec:decorative xmlns="" xmlns:adec="http://schemas.microsoft.com/office/drawing/2017/decorative" val="1"/>
               </a:ext>
             </a:extLst>
           </p:cNvPr>
@@ -29137,7 +29886,7 @@
                 <a16:creationId xmlns:a16="http://schemas.microsoft.com/office/drawing/2014/main" id="{0D614406-135F-4875-9C87-53822CB19ABB}"/>
               </a:ext>
               <a:ext uri="{C183D7F6-B498-43B3-948B-1728B52AA6E4}">
-                <adec:decorative xmlns:adec="http://schemas.microsoft.com/office/drawing/2017/decorative" xmlns="" val="1"/>
+                <adec:decorative xmlns="" xmlns:adec="http://schemas.microsoft.com/office/drawing/2017/decorative" val="1"/>
               </a:ext>
             </a:extLst>
           </p:cNvPr>
@@ -29263,7 +30012,7 @@
                 <a16:creationId xmlns:a16="http://schemas.microsoft.com/office/drawing/2014/main" id="{C6C21149-7D17-44C2-AFB6-4D931DC55FB1}"/>
               </a:ext>
               <a:ext uri="{C183D7F6-B498-43B3-948B-1728B52AA6E4}">
-                <adec:decorative xmlns:adec="http://schemas.microsoft.com/office/drawing/2017/decorative" xmlns="" val="1"/>
+                <adec:decorative xmlns="" xmlns:adec="http://schemas.microsoft.com/office/drawing/2017/decorative" val="1"/>
               </a:ext>
             </a:extLst>
           </p:cNvPr>
@@ -29315,7 +30064,7 @@
                 <a16:creationId xmlns:a16="http://schemas.microsoft.com/office/drawing/2014/main" id="{C2E5FCF0-567A-448C-A6E3-920BFC702C2F}"/>
               </a:ext>
               <a:ext uri="{C183D7F6-B498-43B3-948B-1728B52AA6E4}">
-                <adec:decorative xmlns:adec="http://schemas.microsoft.com/office/drawing/2017/decorative" xmlns="" val="1"/>
+                <adec:decorative xmlns="" xmlns:adec="http://schemas.microsoft.com/office/drawing/2017/decorative" val="1"/>
               </a:ext>
             </a:extLst>
           </p:cNvPr>
@@ -29713,7 +30462,7 @@
                 <a:hlinkClick r:id="rId2">
                   <a:extLst>
                     <a:ext uri="{A12FA001-AC4F-418D-AE19-62706E023703}">
-                      <ahyp:hlinkClr xmlns:ahyp="http://schemas.microsoft.com/office/drawing/2018/hyperlinkcolor" xmlns="" val="tx"/>
+                      <ahyp:hlinkClr xmlns="" xmlns:ahyp="http://schemas.microsoft.com/office/drawing/2018/hyperlinkcolor" val="tx"/>
                     </a:ext>
                   </a:extLst>
                 </a:hlinkClick>
@@ -29738,7 +30487,7 @@
                 <a:hlinkClick r:id="rId2">
                   <a:extLst>
                     <a:ext uri="{A12FA001-AC4F-418D-AE19-62706E023703}">
-                      <ahyp:hlinkClr xmlns:ahyp="http://schemas.microsoft.com/office/drawing/2018/hyperlinkcolor" xmlns="" val="tx"/>
+                      <ahyp:hlinkClr xmlns="" xmlns:ahyp="http://schemas.microsoft.com/office/drawing/2018/hyperlinkcolor" val="tx"/>
                     </a:ext>
                   </a:extLst>
                 </a:hlinkClick>
@@ -29761,7 +30510,7 @@
                 <a:hlinkClick r:id="rId3">
                   <a:extLst>
                     <a:ext uri="{A12FA001-AC4F-418D-AE19-62706E023703}">
-                      <ahyp:hlinkClr xmlns:ahyp="http://schemas.microsoft.com/office/drawing/2018/hyperlinkcolor" xmlns="" val="tx"/>
+                      <ahyp:hlinkClr xmlns="" xmlns:ahyp="http://schemas.microsoft.com/office/drawing/2018/hyperlinkcolor" val="tx"/>
                     </a:ext>
                   </a:extLst>
                 </a:hlinkClick>
@@ -29953,7 +30702,7 @@
                 <a16:creationId xmlns:a16="http://schemas.microsoft.com/office/drawing/2014/main" id="{4281BC32-FF58-4898-A6B5-7B3D059BCEB0}"/>
               </a:ext>
               <a:ext uri="{C183D7F6-B498-43B3-948B-1728B52AA6E4}">
-                <adec:decorative xmlns:adec="http://schemas.microsoft.com/office/drawing/2017/decorative" xmlns="" val="1"/>
+                <adec:decorative xmlns="" xmlns:adec="http://schemas.microsoft.com/office/drawing/2017/decorative" val="1"/>
               </a:ext>
             </a:extLst>
           </p:cNvPr>
@@ -30013,7 +30762,7 @@
                 <a16:creationId xmlns:a16="http://schemas.microsoft.com/office/drawing/2014/main" id="{0D614406-135F-4875-9C87-53822CB19ABB}"/>
               </a:ext>
               <a:ext uri="{C183D7F6-B498-43B3-948B-1728B52AA6E4}">
-                <adec:decorative xmlns:adec="http://schemas.microsoft.com/office/drawing/2017/decorative" xmlns="" val="1"/>
+                <adec:decorative xmlns="" xmlns:adec="http://schemas.microsoft.com/office/drawing/2017/decorative" val="1"/>
               </a:ext>
             </a:extLst>
           </p:cNvPr>
@@ -30110,7 +30859,7 @@
                 <a16:creationId xmlns:a16="http://schemas.microsoft.com/office/drawing/2014/main" id="{C6C21149-7D17-44C2-AFB6-4D931DC55FB1}"/>
               </a:ext>
               <a:ext uri="{C183D7F6-B498-43B3-948B-1728B52AA6E4}">
-                <adec:decorative xmlns:adec="http://schemas.microsoft.com/office/drawing/2017/decorative" xmlns="" val="1"/>
+                <adec:decorative xmlns="" xmlns:adec="http://schemas.microsoft.com/office/drawing/2017/decorative" val="1"/>
               </a:ext>
             </a:extLst>
           </p:cNvPr>
@@ -30162,7 +30911,7 @@
                 <a16:creationId xmlns:a16="http://schemas.microsoft.com/office/drawing/2014/main" id="{C2E5FCF0-567A-448C-A6E3-920BFC702C2F}"/>
               </a:ext>
               <a:ext uri="{C183D7F6-B498-43B3-948B-1728B52AA6E4}">
-                <adec:decorative xmlns:adec="http://schemas.microsoft.com/office/drawing/2017/decorative" xmlns="" val="1"/>
+                <adec:decorative xmlns="" xmlns:adec="http://schemas.microsoft.com/office/drawing/2017/decorative" val="1"/>
               </a:ext>
             </a:extLst>
           </p:cNvPr>
@@ -31003,7 +31752,7 @@
                 <a16:creationId xmlns:a16="http://schemas.microsoft.com/office/drawing/2014/main" id="{4281BC32-FF58-4898-A6B5-7B3D059BCEB0}"/>
               </a:ext>
               <a:ext uri="{C183D7F6-B498-43B3-948B-1728B52AA6E4}">
-                <adec:decorative xmlns:adec="http://schemas.microsoft.com/office/drawing/2017/decorative" xmlns="" val="1"/>
+                <adec:decorative xmlns="" xmlns:adec="http://schemas.microsoft.com/office/drawing/2017/decorative" val="1"/>
               </a:ext>
             </a:extLst>
           </p:cNvPr>
@@ -31063,7 +31812,7 @@
                 <a16:creationId xmlns:a16="http://schemas.microsoft.com/office/drawing/2014/main" id="{0D614406-135F-4875-9C87-53822CB19ABB}"/>
               </a:ext>
               <a:ext uri="{C183D7F6-B498-43B3-948B-1728B52AA6E4}">
-                <adec:decorative xmlns:adec="http://schemas.microsoft.com/office/drawing/2017/decorative" xmlns="" val="1"/>
+                <adec:decorative xmlns="" xmlns:adec="http://schemas.microsoft.com/office/drawing/2017/decorative" val="1"/>
               </a:ext>
             </a:extLst>
           </p:cNvPr>
@@ -31160,7 +31909,7 @@
                 <a16:creationId xmlns:a16="http://schemas.microsoft.com/office/drawing/2014/main" id="{C6C21149-7D17-44C2-AFB6-4D931DC55FB1}"/>
               </a:ext>
               <a:ext uri="{C183D7F6-B498-43B3-948B-1728B52AA6E4}">
-                <adec:decorative xmlns:adec="http://schemas.microsoft.com/office/drawing/2017/decorative" xmlns="" val="1"/>
+                <adec:decorative xmlns="" xmlns:adec="http://schemas.microsoft.com/office/drawing/2017/decorative" val="1"/>
               </a:ext>
             </a:extLst>
           </p:cNvPr>
@@ -31212,7 +31961,7 @@
                 <a16:creationId xmlns:a16="http://schemas.microsoft.com/office/drawing/2014/main" id="{C2E5FCF0-567A-448C-A6E3-920BFC702C2F}"/>
               </a:ext>
               <a:ext uri="{C183D7F6-B498-43B3-948B-1728B52AA6E4}">
-                <adec:decorative xmlns:adec="http://schemas.microsoft.com/office/drawing/2017/decorative" xmlns="" val="1"/>
+                <adec:decorative xmlns="" xmlns:adec="http://schemas.microsoft.com/office/drawing/2017/decorative" val="1"/>
               </a:ext>
             </a:extLst>
           </p:cNvPr>
@@ -31505,7 +32254,7 @@
                 <a:hlinkClick r:id="rId3">
                   <a:extLst>
                     <a:ext uri="{A12FA001-AC4F-418D-AE19-62706E023703}">
-                      <ahyp:hlinkClr xmlns:ahyp="http://schemas.microsoft.com/office/drawing/2018/hyperlinkcolor" xmlns="" val="tx"/>
+                      <ahyp:hlinkClr xmlns="" xmlns:ahyp="http://schemas.microsoft.com/office/drawing/2018/hyperlinkcolor" val="tx"/>
                     </a:ext>
                   </a:extLst>
                 </a:hlinkClick>
@@ -31547,7 +32296,7 @@
                 <a:hlinkClick r:id="rId4">
                   <a:extLst>
                     <a:ext uri="{A12FA001-AC4F-418D-AE19-62706E023703}">
-                      <ahyp:hlinkClr xmlns:ahyp="http://schemas.microsoft.com/office/drawing/2018/hyperlinkcolor" xmlns="" val="tx"/>
+                      <ahyp:hlinkClr xmlns="" xmlns:ahyp="http://schemas.microsoft.com/office/drawing/2018/hyperlinkcolor" val="tx"/>
                     </a:ext>
                   </a:extLst>
                 </a:hlinkClick>
@@ -31589,7 +32338,7 @@
                 <a:hlinkClick r:id="rId5">
                   <a:extLst>
                     <a:ext uri="{A12FA001-AC4F-418D-AE19-62706E023703}">
-                      <ahyp:hlinkClr xmlns:ahyp="http://schemas.microsoft.com/office/drawing/2018/hyperlinkcolor" xmlns="" val="tx"/>
+                      <ahyp:hlinkClr xmlns="" xmlns:ahyp="http://schemas.microsoft.com/office/drawing/2018/hyperlinkcolor" val="tx"/>
                     </a:ext>
                   </a:extLst>
                 </a:hlinkClick>
@@ -31631,7 +32380,7 @@
                 <a:hlinkClick r:id="rId6">
                   <a:extLst>
                     <a:ext uri="{A12FA001-AC4F-418D-AE19-62706E023703}">
-                      <ahyp:hlinkClr xmlns:ahyp="http://schemas.microsoft.com/office/drawing/2018/hyperlinkcolor" xmlns="" val="tx"/>
+                      <ahyp:hlinkClr xmlns="" xmlns:ahyp="http://schemas.microsoft.com/office/drawing/2018/hyperlinkcolor" val="tx"/>
                     </a:ext>
                   </a:extLst>
                 </a:hlinkClick>
@@ -31646,7 +32395,7 @@
                 <a:hlinkClick r:id="rId6">
                   <a:extLst>
                     <a:ext uri="{A12FA001-AC4F-418D-AE19-62706E023703}">
-                      <ahyp:hlinkClr xmlns:ahyp="http://schemas.microsoft.com/office/drawing/2018/hyperlinkcolor" xmlns="" val="tx"/>
+                      <ahyp:hlinkClr xmlns="" xmlns:ahyp="http://schemas.microsoft.com/office/drawing/2018/hyperlinkcolor" val="tx"/>
                     </a:ext>
                   </a:extLst>
                 </a:hlinkClick>
@@ -31664,7 +32413,7 @@
                 <a:hlinkClick r:id="rId7">
                   <a:extLst>
                     <a:ext uri="{A12FA001-AC4F-418D-AE19-62706E023703}">
-                      <ahyp:hlinkClr xmlns:ahyp="http://schemas.microsoft.com/office/drawing/2018/hyperlinkcolor" xmlns="" val="tx"/>
+                      <ahyp:hlinkClr xmlns="" xmlns:ahyp="http://schemas.microsoft.com/office/drawing/2018/hyperlinkcolor" val="tx"/>
                     </a:ext>
                   </a:extLst>
                 </a:hlinkClick>
@@ -31865,7 +32614,7 @@
                 <a16:creationId xmlns:a16="http://schemas.microsoft.com/office/drawing/2014/main" id="{4281BC32-FF58-4898-A6B5-7B3D059BCEB0}"/>
               </a:ext>
               <a:ext uri="{C183D7F6-B498-43B3-948B-1728B52AA6E4}">
-                <adec:decorative xmlns:adec="http://schemas.microsoft.com/office/drawing/2017/decorative" xmlns="" val="1"/>
+                <adec:decorative xmlns="" xmlns:adec="http://schemas.microsoft.com/office/drawing/2017/decorative" val="1"/>
               </a:ext>
             </a:extLst>
           </p:cNvPr>
@@ -31925,7 +32674,7 @@
                 <a16:creationId xmlns:a16="http://schemas.microsoft.com/office/drawing/2014/main" id="{0D614406-135F-4875-9C87-53822CB19ABB}"/>
               </a:ext>
               <a:ext uri="{C183D7F6-B498-43B3-948B-1728B52AA6E4}">
-                <adec:decorative xmlns:adec="http://schemas.microsoft.com/office/drawing/2017/decorative" xmlns="" val="1"/>
+                <adec:decorative xmlns="" xmlns:adec="http://schemas.microsoft.com/office/drawing/2017/decorative" val="1"/>
               </a:ext>
             </a:extLst>
           </p:cNvPr>
@@ -32027,7 +32776,7 @@
                 <a16:creationId xmlns:a16="http://schemas.microsoft.com/office/drawing/2014/main" id="{C6C21149-7D17-44C2-AFB6-4D931DC55FB1}"/>
               </a:ext>
               <a:ext uri="{C183D7F6-B498-43B3-948B-1728B52AA6E4}">
-                <adec:decorative xmlns:adec="http://schemas.microsoft.com/office/drawing/2017/decorative" xmlns="" val="1"/>
+                <adec:decorative xmlns="" xmlns:adec="http://schemas.microsoft.com/office/drawing/2017/decorative" val="1"/>
               </a:ext>
             </a:extLst>
           </p:cNvPr>
@@ -32079,7 +32828,7 @@
                 <a16:creationId xmlns:a16="http://schemas.microsoft.com/office/drawing/2014/main" id="{C2E5FCF0-567A-448C-A6E3-920BFC702C2F}"/>
               </a:ext>
               <a:ext uri="{C183D7F6-B498-43B3-948B-1728B52AA6E4}">
-                <adec:decorative xmlns:adec="http://schemas.microsoft.com/office/drawing/2017/decorative" xmlns="" val="1"/>
+                <adec:decorative xmlns="" xmlns:adec="http://schemas.microsoft.com/office/drawing/2017/decorative" val="1"/>
               </a:ext>
             </a:extLst>
           </p:cNvPr>
@@ -32568,7 +33317,7 @@
                 <a16:creationId xmlns:a16="http://schemas.microsoft.com/office/drawing/2014/main" id="{4281BC32-FF58-4898-A6B5-7B3D059BCEB0}"/>
               </a:ext>
               <a:ext uri="{C183D7F6-B498-43B3-948B-1728B52AA6E4}">
-                <adec:decorative xmlns:adec="http://schemas.microsoft.com/office/drawing/2017/decorative" xmlns="" val="1"/>
+                <adec:decorative xmlns="" xmlns:adec="http://schemas.microsoft.com/office/drawing/2017/decorative" val="1"/>
               </a:ext>
             </a:extLst>
           </p:cNvPr>
@@ -32628,7 +33377,7 @@
                 <a16:creationId xmlns:a16="http://schemas.microsoft.com/office/drawing/2014/main" id="{0D614406-135F-4875-9C87-53822CB19ABB}"/>
               </a:ext>
               <a:ext uri="{C183D7F6-B498-43B3-948B-1728B52AA6E4}">
-                <adec:decorative xmlns:adec="http://schemas.microsoft.com/office/drawing/2017/decorative" xmlns="" val="1"/>
+                <adec:decorative xmlns="" xmlns:adec="http://schemas.microsoft.com/office/drawing/2017/decorative" val="1"/>
               </a:ext>
             </a:extLst>
           </p:cNvPr>
@@ -32725,7 +33474,7 @@
                 <a16:creationId xmlns:a16="http://schemas.microsoft.com/office/drawing/2014/main" id="{C6C21149-7D17-44C2-AFB6-4D931DC55FB1}"/>
               </a:ext>
               <a:ext uri="{C183D7F6-B498-43B3-948B-1728B52AA6E4}">
-                <adec:decorative xmlns:adec="http://schemas.microsoft.com/office/drawing/2017/decorative" xmlns="" val="1"/>
+                <adec:decorative xmlns="" xmlns:adec="http://schemas.microsoft.com/office/drawing/2017/decorative" val="1"/>
               </a:ext>
             </a:extLst>
           </p:cNvPr>
@@ -32777,7 +33526,7 @@
                 <a16:creationId xmlns:a16="http://schemas.microsoft.com/office/drawing/2014/main" id="{C2E5FCF0-567A-448C-A6E3-920BFC702C2F}"/>
               </a:ext>
               <a:ext uri="{C183D7F6-B498-43B3-948B-1728B52AA6E4}">
-                <adec:decorative xmlns:adec="http://schemas.microsoft.com/office/drawing/2017/decorative" xmlns="" val="1"/>
+                <adec:decorative xmlns="" xmlns:adec="http://schemas.microsoft.com/office/drawing/2017/decorative" val="1"/>
               </a:ext>
             </a:extLst>
           </p:cNvPr>
@@ -33169,7 +33918,7 @@
                 <a:hlinkClick r:id="rId5">
                   <a:extLst>
                     <a:ext uri="{A12FA001-AC4F-418D-AE19-62706E023703}">
-                      <ahyp:hlinkClr xmlns:ahyp="http://schemas.microsoft.com/office/drawing/2018/hyperlinkcolor" xmlns="" val="tx"/>
+                      <ahyp:hlinkClr xmlns="" xmlns:ahyp="http://schemas.microsoft.com/office/drawing/2018/hyperlinkcolor" val="tx"/>
                     </a:ext>
                   </a:extLst>
                 </a:hlinkClick>
@@ -33518,7 +34267,7 @@
                 <a16:creationId xmlns:a16="http://schemas.microsoft.com/office/drawing/2014/main" id="{4281BC32-FF58-4898-A6B5-7B3D059BCEB0}"/>
               </a:ext>
               <a:ext uri="{C183D7F6-B498-43B3-948B-1728B52AA6E4}">
-                <adec:decorative xmlns:adec="http://schemas.microsoft.com/office/drawing/2017/decorative" xmlns="" val="1"/>
+                <adec:decorative xmlns="" xmlns:adec="http://schemas.microsoft.com/office/drawing/2017/decorative" val="1"/>
               </a:ext>
             </a:extLst>
           </p:cNvPr>
@@ -33607,7 +34356,7 @@
                 <a16:creationId xmlns:a16="http://schemas.microsoft.com/office/drawing/2014/main" id="{0D614406-135F-4875-9C87-53822CB19ABB}"/>
               </a:ext>
               <a:ext uri="{C183D7F6-B498-43B3-948B-1728B52AA6E4}">
-                <adec:decorative xmlns:adec="http://schemas.microsoft.com/office/drawing/2017/decorative" xmlns="" val="1"/>
+                <adec:decorative xmlns="" xmlns:adec="http://schemas.microsoft.com/office/drawing/2017/decorative" val="1"/>
               </a:ext>
             </a:extLst>
           </p:cNvPr>
@@ -33733,7 +34482,7 @@
                 <a16:creationId xmlns:a16="http://schemas.microsoft.com/office/drawing/2014/main" id="{C6C21149-7D17-44C2-AFB6-4D931DC55FB1}"/>
               </a:ext>
               <a:ext uri="{C183D7F6-B498-43B3-948B-1728B52AA6E4}">
-                <adec:decorative xmlns:adec="http://schemas.microsoft.com/office/drawing/2017/decorative" xmlns="" val="1"/>
+                <adec:decorative xmlns="" xmlns:adec="http://schemas.microsoft.com/office/drawing/2017/decorative" val="1"/>
               </a:ext>
             </a:extLst>
           </p:cNvPr>
@@ -33785,7 +34534,7 @@
                 <a16:creationId xmlns:a16="http://schemas.microsoft.com/office/drawing/2014/main" id="{C2E5FCF0-567A-448C-A6E3-920BFC702C2F}"/>
               </a:ext>
               <a:ext uri="{C183D7F6-B498-43B3-948B-1728B52AA6E4}">
-                <adec:decorative xmlns:adec="http://schemas.microsoft.com/office/drawing/2017/decorative" xmlns="" val="1"/>
+                <adec:decorative xmlns="" xmlns:adec="http://schemas.microsoft.com/office/drawing/2017/decorative" val="1"/>
               </a:ext>
             </a:extLst>
           </p:cNvPr>
@@ -34626,7 +35375,7 @@
                 <a16:creationId xmlns:a16="http://schemas.microsoft.com/office/drawing/2014/main" id="{4281BC32-FF58-4898-A6B5-7B3D059BCEB0}"/>
               </a:ext>
               <a:ext uri="{C183D7F6-B498-43B3-948B-1728B52AA6E4}">
-                <adec:decorative xmlns:adec="http://schemas.microsoft.com/office/drawing/2017/decorative" xmlns="" val="1"/>
+                <adec:decorative xmlns="" xmlns:adec="http://schemas.microsoft.com/office/drawing/2017/decorative" val="1"/>
               </a:ext>
             </a:extLst>
           </p:cNvPr>
@@ -34686,7 +35435,7 @@
                 <a16:creationId xmlns:a16="http://schemas.microsoft.com/office/drawing/2014/main" id="{0D614406-135F-4875-9C87-53822CB19ABB}"/>
               </a:ext>
               <a:ext uri="{C183D7F6-B498-43B3-948B-1728B52AA6E4}">
-                <adec:decorative xmlns:adec="http://schemas.microsoft.com/office/drawing/2017/decorative" xmlns="" val="1"/>
+                <adec:decorative xmlns="" xmlns:adec="http://schemas.microsoft.com/office/drawing/2017/decorative" val="1"/>
               </a:ext>
             </a:extLst>
           </p:cNvPr>
@@ -34788,7 +35537,7 @@
                 <a16:creationId xmlns:a16="http://schemas.microsoft.com/office/drawing/2014/main" id="{C6C21149-7D17-44C2-AFB6-4D931DC55FB1}"/>
               </a:ext>
               <a:ext uri="{C183D7F6-B498-43B3-948B-1728B52AA6E4}">
-                <adec:decorative xmlns:adec="http://schemas.microsoft.com/office/drawing/2017/decorative" xmlns="" val="1"/>
+                <adec:decorative xmlns="" xmlns:adec="http://schemas.microsoft.com/office/drawing/2017/decorative" val="1"/>
               </a:ext>
             </a:extLst>
           </p:cNvPr>
@@ -34840,7 +35589,7 @@
                 <a16:creationId xmlns:a16="http://schemas.microsoft.com/office/drawing/2014/main" id="{C2E5FCF0-567A-448C-A6E3-920BFC702C2F}"/>
               </a:ext>
               <a:ext uri="{C183D7F6-B498-43B3-948B-1728B52AA6E4}">
-                <adec:decorative xmlns:adec="http://schemas.microsoft.com/office/drawing/2017/decorative" xmlns="" val="1"/>
+                <adec:decorative xmlns="" xmlns:adec="http://schemas.microsoft.com/office/drawing/2017/decorative" val="1"/>
               </a:ext>
             </a:extLst>
           </p:cNvPr>

--- a/BAMF Presentation.pptx
+++ b/BAMF Presentation.pptx
@@ -5199,7 +5199,7 @@
                 <a16:creationId xmlns:a16="http://schemas.microsoft.com/office/drawing/2014/main" id="{5C9F31C1-4E46-4A89-877A-24BBC6D3F47D}"/>
               </a:ext>
               <a:ext uri="{C183D7F6-B498-43B3-948B-1728B52AA6E4}">
-                <adec:decorative xmlns="" xmlns:adec="http://schemas.microsoft.com/office/drawing/2017/decorative" val="1"/>
+                <adec:decorative xmlns:adec="http://schemas.microsoft.com/office/drawing/2017/decorative" xmlns="" val="1"/>
               </a:ext>
             </a:extLst>
           </p:cNvPr>
@@ -5399,7 +5399,7 @@
                 <a16:creationId xmlns:a16="http://schemas.microsoft.com/office/drawing/2014/main" id="{9F8CD012-29F5-45B8-83DF-393C0A213BB2}"/>
               </a:ext>
               <a:ext uri="{C183D7F6-B498-43B3-948B-1728B52AA6E4}">
-                <adec:decorative xmlns="" xmlns:adec="http://schemas.microsoft.com/office/drawing/2017/decorative" val="1"/>
+                <adec:decorative xmlns:adec="http://schemas.microsoft.com/office/drawing/2017/decorative" xmlns="" val="1"/>
               </a:ext>
             </a:extLst>
           </p:cNvPr>
@@ -5489,7 +5489,7 @@
                 <a16:creationId xmlns:a16="http://schemas.microsoft.com/office/drawing/2014/main" id="{D5807261-5AA8-4462-847C-7789D26717C1}"/>
               </a:ext>
               <a:ext uri="{C183D7F6-B498-43B3-948B-1728B52AA6E4}">
-                <adec:decorative xmlns="" xmlns:adec="http://schemas.microsoft.com/office/drawing/2017/decorative" val="1"/>
+                <adec:decorative xmlns:adec="http://schemas.microsoft.com/office/drawing/2017/decorative" xmlns="" val="1"/>
               </a:ext>
             </a:extLst>
           </p:cNvPr>
@@ -5703,7 +5703,7 @@
                 <a16:creationId xmlns:a16="http://schemas.microsoft.com/office/drawing/2014/main" id="{99B864D8-020F-455C-951E-BECB1D7E9E86}"/>
               </a:ext>
               <a:ext uri="{C183D7F6-B498-43B3-948B-1728B52AA6E4}">
-                <adec:decorative xmlns="" xmlns:adec="http://schemas.microsoft.com/office/drawing/2017/decorative" val="1"/>
+                <adec:decorative xmlns:adec="http://schemas.microsoft.com/office/drawing/2017/decorative" xmlns="" val="1"/>
               </a:ext>
             </a:extLst>
           </p:cNvPr>
@@ -5911,7 +5911,7 @@
                 <a16:creationId xmlns:a16="http://schemas.microsoft.com/office/drawing/2014/main" id="{4281BC32-FF58-4898-A6B5-7B3D059BCEB0}"/>
               </a:ext>
               <a:ext uri="{C183D7F6-B498-43B3-948B-1728B52AA6E4}">
-                <adec:decorative xmlns="" xmlns:adec="http://schemas.microsoft.com/office/drawing/2017/decorative" val="1"/>
+                <adec:decorative xmlns:adec="http://schemas.microsoft.com/office/drawing/2017/decorative" xmlns="" val="1"/>
               </a:ext>
             </a:extLst>
           </p:cNvPr>
@@ -5971,7 +5971,7 @@
                 <a16:creationId xmlns:a16="http://schemas.microsoft.com/office/drawing/2014/main" id="{0D614406-135F-4875-9C87-53822CB19ABB}"/>
               </a:ext>
               <a:ext uri="{C183D7F6-B498-43B3-948B-1728B52AA6E4}">
-                <adec:decorative xmlns="" xmlns:adec="http://schemas.microsoft.com/office/drawing/2017/decorative" val="1"/>
+                <adec:decorative xmlns:adec="http://schemas.microsoft.com/office/drawing/2017/decorative" xmlns="" val="1"/>
               </a:ext>
             </a:extLst>
           </p:cNvPr>
@@ -6073,7 +6073,7 @@
                 <a16:creationId xmlns:a16="http://schemas.microsoft.com/office/drawing/2014/main" id="{C6C21149-7D17-44C2-AFB6-4D931DC55FB1}"/>
               </a:ext>
               <a:ext uri="{C183D7F6-B498-43B3-948B-1728B52AA6E4}">
-                <adec:decorative xmlns="" xmlns:adec="http://schemas.microsoft.com/office/drawing/2017/decorative" val="1"/>
+                <adec:decorative xmlns:adec="http://schemas.microsoft.com/office/drawing/2017/decorative" xmlns="" val="1"/>
               </a:ext>
             </a:extLst>
           </p:cNvPr>
@@ -6125,7 +6125,7 @@
                 <a16:creationId xmlns:a16="http://schemas.microsoft.com/office/drawing/2014/main" id="{C2E5FCF0-567A-448C-A6E3-920BFC702C2F}"/>
               </a:ext>
               <a:ext uri="{C183D7F6-B498-43B3-948B-1728B52AA6E4}">
-                <adec:decorative xmlns="" xmlns:adec="http://schemas.microsoft.com/office/drawing/2017/decorative" val="1"/>
+                <adec:decorative xmlns:adec="http://schemas.microsoft.com/office/drawing/2017/decorative" xmlns="" val="1"/>
               </a:ext>
             </a:extLst>
           </p:cNvPr>
@@ -6560,7 +6560,7 @@
                 <a16:creationId xmlns:a16="http://schemas.microsoft.com/office/drawing/2014/main" id="{4281BC32-FF58-4898-A6B5-7B3D059BCEB0}"/>
               </a:ext>
               <a:ext uri="{C183D7F6-B498-43B3-948B-1728B52AA6E4}">
-                <adec:decorative xmlns="" xmlns:adec="http://schemas.microsoft.com/office/drawing/2017/decorative" val="1"/>
+                <adec:decorative xmlns:adec="http://schemas.microsoft.com/office/drawing/2017/decorative" xmlns="" val="1"/>
               </a:ext>
             </a:extLst>
           </p:cNvPr>
@@ -6620,7 +6620,7 @@
                 <a16:creationId xmlns:a16="http://schemas.microsoft.com/office/drawing/2014/main" id="{0D614406-135F-4875-9C87-53822CB19ABB}"/>
               </a:ext>
               <a:ext uri="{C183D7F6-B498-43B3-948B-1728B52AA6E4}">
-                <adec:decorative xmlns="" xmlns:adec="http://schemas.microsoft.com/office/drawing/2017/decorative" val="1"/>
+                <adec:decorative xmlns:adec="http://schemas.microsoft.com/office/drawing/2017/decorative" xmlns="" val="1"/>
               </a:ext>
             </a:extLst>
           </p:cNvPr>
@@ -6717,7 +6717,7 @@
                 <a16:creationId xmlns:a16="http://schemas.microsoft.com/office/drawing/2014/main" id="{C6C21149-7D17-44C2-AFB6-4D931DC55FB1}"/>
               </a:ext>
               <a:ext uri="{C183D7F6-B498-43B3-948B-1728B52AA6E4}">
-                <adec:decorative xmlns="" xmlns:adec="http://schemas.microsoft.com/office/drawing/2017/decorative" val="1"/>
+                <adec:decorative xmlns:adec="http://schemas.microsoft.com/office/drawing/2017/decorative" xmlns="" val="1"/>
               </a:ext>
             </a:extLst>
           </p:cNvPr>
@@ -6769,7 +6769,7 @@
                 <a16:creationId xmlns:a16="http://schemas.microsoft.com/office/drawing/2014/main" id="{C2E5FCF0-567A-448C-A6E3-920BFC702C2F}"/>
               </a:ext>
               <a:ext uri="{C183D7F6-B498-43B3-948B-1728B52AA6E4}">
-                <adec:decorative xmlns="" xmlns:adec="http://schemas.microsoft.com/office/drawing/2017/decorative" val="1"/>
+                <adec:decorative xmlns:adec="http://schemas.microsoft.com/office/drawing/2017/decorative" xmlns="" val="1"/>
               </a:ext>
             </a:extLst>
           </p:cNvPr>
@@ -7035,7 +7035,7 @@
                 <a:hlinkClick r:id="rId2">
                   <a:extLst>
                     <a:ext uri="{A12FA001-AC4F-418D-AE19-62706E023703}">
-                      <ahyp:hlinkClr xmlns="" xmlns:ahyp="http://schemas.microsoft.com/office/drawing/2018/hyperlinkcolor" val="tx"/>
+                      <ahyp:hlinkClr xmlns:ahyp="http://schemas.microsoft.com/office/drawing/2018/hyperlinkcolor" xmlns="" val="tx"/>
                     </a:ext>
                   </a:extLst>
                 </a:hlinkClick>
@@ -7065,7 +7065,7 @@
                 <a:hlinkClick r:id="rId3" tooltip="AirportDelays.ipynb">
                   <a:extLst>
                     <a:ext uri="{A12FA001-AC4F-418D-AE19-62706E023703}">
-                      <ahyp:hlinkClr xmlns="" xmlns:ahyp="http://schemas.microsoft.com/office/drawing/2018/hyperlinkcolor" val="tx"/>
+                      <ahyp:hlinkClr xmlns:ahyp="http://schemas.microsoft.com/office/drawing/2018/hyperlinkcolor" xmlns="" val="tx"/>
                     </a:ext>
                   </a:extLst>
                 </a:hlinkClick>
@@ -7080,7 +7080,7 @@
                 <a:hlinkClick r:id="rId3" tooltip="AirportDelays.ipynb">
                   <a:extLst>
                     <a:ext uri="{A12FA001-AC4F-418D-AE19-62706E023703}">
-                      <ahyp:hlinkClr xmlns="" xmlns:ahyp="http://schemas.microsoft.com/office/drawing/2018/hyperlinkcolor" val="tx"/>
+                      <ahyp:hlinkClr xmlns:ahyp="http://schemas.microsoft.com/office/drawing/2018/hyperlinkcolor" xmlns="" val="tx"/>
                     </a:ext>
                   </a:extLst>
                 </a:hlinkClick>
@@ -7099,7 +7099,7 @@
                 <a:hlinkClick r:id="rId4" tooltip="Delay_Request_MCO.txt">
                   <a:extLst>
                     <a:ext uri="{A12FA001-AC4F-418D-AE19-62706E023703}">
-                      <ahyp:hlinkClr xmlns="" xmlns:ahyp="http://schemas.microsoft.com/office/drawing/2018/hyperlinkcolor" val="tx"/>
+                      <ahyp:hlinkClr xmlns:ahyp="http://schemas.microsoft.com/office/drawing/2018/hyperlinkcolor" xmlns="" val="tx"/>
                     </a:ext>
                   </a:extLst>
                 </a:hlinkClick>
@@ -7160,7 +7160,7 @@
                 <a:hlinkClick r:id="rId5">
                   <a:extLst>
                     <a:ext uri="{A12FA001-AC4F-418D-AE19-62706E023703}">
-                      <ahyp:hlinkClr xmlns="" xmlns:ahyp="http://schemas.microsoft.com/office/drawing/2018/hyperlinkcolor" val="tx"/>
+                      <ahyp:hlinkClr xmlns:ahyp="http://schemas.microsoft.com/office/drawing/2018/hyperlinkcolor" xmlns="" val="tx"/>
                     </a:ext>
                   </a:extLst>
                 </a:hlinkClick>
@@ -7186,7 +7186,7 @@
                 <a:hlinkClick r:id="rId6">
                   <a:extLst>
                     <a:ext uri="{A12FA001-AC4F-418D-AE19-62706E023703}">
-                      <ahyp:hlinkClr xmlns="" xmlns:ahyp="http://schemas.microsoft.com/office/drawing/2018/hyperlinkcolor" val="tx"/>
+                      <ahyp:hlinkClr xmlns:ahyp="http://schemas.microsoft.com/office/drawing/2018/hyperlinkcolor" xmlns="" val="tx"/>
                     </a:ext>
                   </a:extLst>
                 </a:hlinkClick>
@@ -7216,7 +7216,7 @@
                 <a:hlinkClick r:id="rId7">
                   <a:extLst>
                     <a:ext uri="{A12FA001-AC4F-418D-AE19-62706E023703}">
-                      <ahyp:hlinkClr xmlns="" xmlns:ahyp="http://schemas.microsoft.com/office/drawing/2018/hyperlinkcolor" val="tx"/>
+                      <ahyp:hlinkClr xmlns:ahyp="http://schemas.microsoft.com/office/drawing/2018/hyperlinkcolor" xmlns="" val="tx"/>
                     </a:ext>
                   </a:extLst>
                 </a:hlinkClick>
@@ -7246,7 +7246,7 @@
                 <a:hlinkClick r:id="rId8">
                   <a:extLst>
                     <a:ext uri="{A12FA001-AC4F-418D-AE19-62706E023703}">
-                      <ahyp:hlinkClr xmlns="" xmlns:ahyp="http://schemas.microsoft.com/office/drawing/2018/hyperlinkcolor" val="tx"/>
+                      <ahyp:hlinkClr xmlns:ahyp="http://schemas.microsoft.com/office/drawing/2018/hyperlinkcolor" xmlns="" val="tx"/>
                     </a:ext>
                   </a:extLst>
                 </a:hlinkClick>
@@ -7573,7 +7573,7 @@
                 <a16:creationId xmlns:a16="http://schemas.microsoft.com/office/drawing/2014/main" id="{4281BC32-FF58-4898-A6B5-7B3D059BCEB0}"/>
               </a:ext>
               <a:ext uri="{C183D7F6-B498-43B3-948B-1728B52AA6E4}">
-                <adec:decorative xmlns="" xmlns:adec="http://schemas.microsoft.com/office/drawing/2017/decorative" val="1"/>
+                <adec:decorative xmlns:adec="http://schemas.microsoft.com/office/drawing/2017/decorative" xmlns="" val="1"/>
               </a:ext>
             </a:extLst>
           </p:cNvPr>
@@ -7633,7 +7633,7 @@
                 <a16:creationId xmlns:a16="http://schemas.microsoft.com/office/drawing/2014/main" id="{0D614406-135F-4875-9C87-53822CB19ABB}"/>
               </a:ext>
               <a:ext uri="{C183D7F6-B498-43B3-948B-1728B52AA6E4}">
-                <adec:decorative xmlns="" xmlns:adec="http://schemas.microsoft.com/office/drawing/2017/decorative" val="1"/>
+                <adec:decorative xmlns:adec="http://schemas.microsoft.com/office/drawing/2017/decorative" xmlns="" val="1"/>
               </a:ext>
             </a:extLst>
           </p:cNvPr>
@@ -7730,7 +7730,7 @@
                 <a16:creationId xmlns:a16="http://schemas.microsoft.com/office/drawing/2014/main" id="{C6C21149-7D17-44C2-AFB6-4D931DC55FB1}"/>
               </a:ext>
               <a:ext uri="{C183D7F6-B498-43B3-948B-1728B52AA6E4}">
-                <adec:decorative xmlns="" xmlns:adec="http://schemas.microsoft.com/office/drawing/2017/decorative" val="1"/>
+                <adec:decorative xmlns:adec="http://schemas.microsoft.com/office/drawing/2017/decorative" xmlns="" val="1"/>
               </a:ext>
             </a:extLst>
           </p:cNvPr>
@@ -7782,7 +7782,7 @@
                 <a16:creationId xmlns:a16="http://schemas.microsoft.com/office/drawing/2014/main" id="{C2E5FCF0-567A-448C-A6E3-920BFC702C2F}"/>
               </a:ext>
               <a:ext uri="{C183D7F6-B498-43B3-948B-1728B52AA6E4}">
-                <adec:decorative xmlns="" xmlns:adec="http://schemas.microsoft.com/office/drawing/2017/decorative" val="1"/>
+                <adec:decorative xmlns:adec="http://schemas.microsoft.com/office/drawing/2017/decorative" xmlns="" val="1"/>
               </a:ext>
             </a:extLst>
           </p:cNvPr>
@@ -8128,7 +8128,7 @@
                 <a:hlinkClick r:id="rId3">
                   <a:extLst>
                     <a:ext uri="{A12FA001-AC4F-418D-AE19-62706E023703}">
-                      <ahyp:hlinkClr xmlns="" xmlns:ahyp="http://schemas.microsoft.com/office/drawing/2018/hyperlinkcolor" val="tx"/>
+                      <ahyp:hlinkClr xmlns:ahyp="http://schemas.microsoft.com/office/drawing/2018/hyperlinkcolor" xmlns="" val="tx"/>
                     </a:ext>
                   </a:extLst>
                 </a:hlinkClick>
@@ -8165,7 +8165,7 @@
                 <a:hlinkClick r:id="rId4">
                   <a:extLst>
                     <a:ext uri="{A12FA001-AC4F-418D-AE19-62706E023703}">
-                      <ahyp:hlinkClr xmlns="" xmlns:ahyp="http://schemas.microsoft.com/office/drawing/2018/hyperlinkcolor" val="tx"/>
+                      <ahyp:hlinkClr xmlns:ahyp="http://schemas.microsoft.com/office/drawing/2018/hyperlinkcolor" xmlns="" val="tx"/>
                     </a:ext>
                   </a:extLst>
                 </a:hlinkClick>
@@ -8251,7 +8251,7 @@
                 <a16:creationId xmlns:a16="http://schemas.microsoft.com/office/drawing/2014/main" id="{4281BC32-FF58-4898-A6B5-7B3D059BCEB0}"/>
               </a:ext>
               <a:ext uri="{C183D7F6-B498-43B3-948B-1728B52AA6E4}">
-                <adec:decorative xmlns="" xmlns:adec="http://schemas.microsoft.com/office/drawing/2017/decorative" val="1"/>
+                <adec:decorative xmlns:adec="http://schemas.microsoft.com/office/drawing/2017/decorative" xmlns="" val="1"/>
               </a:ext>
             </a:extLst>
           </p:cNvPr>
@@ -8311,7 +8311,7 @@
                 <a16:creationId xmlns:a16="http://schemas.microsoft.com/office/drawing/2014/main" id="{0D614406-135F-4875-9C87-53822CB19ABB}"/>
               </a:ext>
               <a:ext uri="{C183D7F6-B498-43B3-948B-1728B52AA6E4}">
-                <adec:decorative xmlns="" xmlns:adec="http://schemas.microsoft.com/office/drawing/2017/decorative" val="1"/>
+                <adec:decorative xmlns:adec="http://schemas.microsoft.com/office/drawing/2017/decorative" xmlns="" val="1"/>
               </a:ext>
             </a:extLst>
           </p:cNvPr>
@@ -8408,7 +8408,7 @@
                 <a16:creationId xmlns:a16="http://schemas.microsoft.com/office/drawing/2014/main" id="{C6C21149-7D17-44C2-AFB6-4D931DC55FB1}"/>
               </a:ext>
               <a:ext uri="{C183D7F6-B498-43B3-948B-1728B52AA6E4}">
-                <adec:decorative xmlns="" xmlns:adec="http://schemas.microsoft.com/office/drawing/2017/decorative" val="1"/>
+                <adec:decorative xmlns:adec="http://schemas.microsoft.com/office/drawing/2017/decorative" xmlns="" val="1"/>
               </a:ext>
             </a:extLst>
           </p:cNvPr>
@@ -8460,7 +8460,7 @@
                 <a16:creationId xmlns:a16="http://schemas.microsoft.com/office/drawing/2014/main" id="{C2E5FCF0-567A-448C-A6E3-920BFC702C2F}"/>
               </a:ext>
               <a:ext uri="{C183D7F6-B498-43B3-948B-1728B52AA6E4}">
-                <adec:decorative xmlns="" xmlns:adec="http://schemas.microsoft.com/office/drawing/2017/decorative" val="1"/>
+                <adec:decorative xmlns:adec="http://schemas.microsoft.com/office/drawing/2017/decorative" xmlns="" val="1"/>
               </a:ext>
             </a:extLst>
           </p:cNvPr>
@@ -8774,7 +8774,7 @@
                 <a:hlinkClick r:id="rId3">
                   <a:extLst>
                     <a:ext uri="{A12FA001-AC4F-418D-AE19-62706E023703}">
-                      <ahyp:hlinkClr xmlns="" xmlns:ahyp="http://schemas.microsoft.com/office/drawing/2018/hyperlinkcolor" val="tx"/>
+                      <ahyp:hlinkClr xmlns:ahyp="http://schemas.microsoft.com/office/drawing/2018/hyperlinkcolor" xmlns="" val="tx"/>
                     </a:ext>
                   </a:extLst>
                 </a:hlinkClick>
@@ -8829,7 +8829,7 @@
                 <a:hlinkClick r:id="rId4">
                   <a:extLst>
                     <a:ext uri="{A12FA001-AC4F-418D-AE19-62706E023703}">
-                      <ahyp:hlinkClr xmlns="" xmlns:ahyp="http://schemas.microsoft.com/office/drawing/2018/hyperlinkcolor" val="tx"/>
+                      <ahyp:hlinkClr xmlns:ahyp="http://schemas.microsoft.com/office/drawing/2018/hyperlinkcolor" xmlns="" val="tx"/>
                     </a:ext>
                   </a:extLst>
                 </a:hlinkClick>
@@ -8858,7 +8858,7 @@
                 <a:hlinkClick r:id="rId5">
                   <a:extLst>
                     <a:ext uri="{A12FA001-AC4F-418D-AE19-62706E023703}">
-                      <ahyp:hlinkClr xmlns="" xmlns:ahyp="http://schemas.microsoft.com/office/drawing/2018/hyperlinkcolor" val="tx"/>
+                      <ahyp:hlinkClr xmlns:ahyp="http://schemas.microsoft.com/office/drawing/2018/hyperlinkcolor" xmlns="" val="tx"/>
                     </a:ext>
                   </a:extLst>
                 </a:hlinkClick>
@@ -8945,7 +8945,7 @@
                 <a16:creationId xmlns:a16="http://schemas.microsoft.com/office/drawing/2014/main" id="{4281BC32-FF58-4898-A6B5-7B3D059BCEB0}"/>
               </a:ext>
               <a:ext uri="{C183D7F6-B498-43B3-948B-1728B52AA6E4}">
-                <adec:decorative xmlns="" xmlns:adec="http://schemas.microsoft.com/office/drawing/2017/decorative" val="1"/>
+                <adec:decorative xmlns:adec="http://schemas.microsoft.com/office/drawing/2017/decorative" xmlns="" val="1"/>
               </a:ext>
             </a:extLst>
           </p:cNvPr>
@@ -9005,7 +9005,7 @@
                 <a16:creationId xmlns:a16="http://schemas.microsoft.com/office/drawing/2014/main" id="{0D614406-135F-4875-9C87-53822CB19ABB}"/>
               </a:ext>
               <a:ext uri="{C183D7F6-B498-43B3-948B-1728B52AA6E4}">
-                <adec:decorative xmlns="" xmlns:adec="http://schemas.microsoft.com/office/drawing/2017/decorative" val="1"/>
+                <adec:decorative xmlns:adec="http://schemas.microsoft.com/office/drawing/2017/decorative" xmlns="" val="1"/>
               </a:ext>
             </a:extLst>
           </p:cNvPr>
@@ -9102,7 +9102,7 @@
                 <a16:creationId xmlns:a16="http://schemas.microsoft.com/office/drawing/2014/main" id="{C6C21149-7D17-44C2-AFB6-4D931DC55FB1}"/>
               </a:ext>
               <a:ext uri="{C183D7F6-B498-43B3-948B-1728B52AA6E4}">
-                <adec:decorative xmlns="" xmlns:adec="http://schemas.microsoft.com/office/drawing/2017/decorative" val="1"/>
+                <adec:decorative xmlns:adec="http://schemas.microsoft.com/office/drawing/2017/decorative" xmlns="" val="1"/>
               </a:ext>
             </a:extLst>
           </p:cNvPr>
@@ -9154,7 +9154,7 @@
                 <a16:creationId xmlns:a16="http://schemas.microsoft.com/office/drawing/2014/main" id="{C2E5FCF0-567A-448C-A6E3-920BFC702C2F}"/>
               </a:ext>
               <a:ext uri="{C183D7F6-B498-43B3-948B-1728B52AA6E4}">
-                <adec:decorative xmlns="" xmlns:adec="http://schemas.microsoft.com/office/drawing/2017/decorative" val="1"/>
+                <adec:decorative xmlns:adec="http://schemas.microsoft.com/office/drawing/2017/decorative" xmlns="" val="1"/>
               </a:ext>
             </a:extLst>
           </p:cNvPr>
@@ -11584,7 +11584,7 @@
                 <a16:creationId xmlns:a16="http://schemas.microsoft.com/office/drawing/2014/main" id="{4281BC32-FF58-4898-A6B5-7B3D059BCEB0}"/>
               </a:ext>
               <a:ext uri="{C183D7F6-B498-43B3-948B-1728B52AA6E4}">
-                <adec:decorative xmlns="" xmlns:adec="http://schemas.microsoft.com/office/drawing/2017/decorative" val="1"/>
+                <adec:decorative xmlns:adec="http://schemas.microsoft.com/office/drawing/2017/decorative" xmlns="" val="1"/>
               </a:ext>
             </a:extLst>
           </p:cNvPr>
@@ -11644,7 +11644,7 @@
                 <a16:creationId xmlns:a16="http://schemas.microsoft.com/office/drawing/2014/main" id="{0D614406-135F-4875-9C87-53822CB19ABB}"/>
               </a:ext>
               <a:ext uri="{C183D7F6-B498-43B3-948B-1728B52AA6E4}">
-                <adec:decorative xmlns="" xmlns:adec="http://schemas.microsoft.com/office/drawing/2017/decorative" val="1"/>
+                <adec:decorative xmlns:adec="http://schemas.microsoft.com/office/drawing/2017/decorative" xmlns="" val="1"/>
               </a:ext>
             </a:extLst>
           </p:cNvPr>
@@ -11741,7 +11741,7 @@
                 <a16:creationId xmlns:a16="http://schemas.microsoft.com/office/drawing/2014/main" id="{C6C21149-7D17-44C2-AFB6-4D931DC55FB1}"/>
               </a:ext>
               <a:ext uri="{C183D7F6-B498-43B3-948B-1728B52AA6E4}">
-                <adec:decorative xmlns="" xmlns:adec="http://schemas.microsoft.com/office/drawing/2017/decorative" val="1"/>
+                <adec:decorative xmlns:adec="http://schemas.microsoft.com/office/drawing/2017/decorative" xmlns="" val="1"/>
               </a:ext>
             </a:extLst>
           </p:cNvPr>
@@ -11793,7 +11793,7 @@
                 <a16:creationId xmlns:a16="http://schemas.microsoft.com/office/drawing/2014/main" id="{C2E5FCF0-567A-448C-A6E3-920BFC702C2F}"/>
               </a:ext>
               <a:ext uri="{C183D7F6-B498-43B3-948B-1728B52AA6E4}">
-                <adec:decorative xmlns="" xmlns:adec="http://schemas.microsoft.com/office/drawing/2017/decorative" val="1"/>
+                <adec:decorative xmlns:adec="http://schemas.microsoft.com/office/drawing/2017/decorative" xmlns="" val="1"/>
               </a:ext>
             </a:extLst>
           </p:cNvPr>
@@ -14498,7 +14498,7 @@
                 <a16:creationId xmlns:a16="http://schemas.microsoft.com/office/drawing/2014/main" id="{4281BC32-FF58-4898-A6B5-7B3D059BCEB0}"/>
               </a:ext>
               <a:ext uri="{C183D7F6-B498-43B3-948B-1728B52AA6E4}">
-                <adec:decorative xmlns="" xmlns:adec="http://schemas.microsoft.com/office/drawing/2017/decorative" val="1"/>
+                <adec:decorative xmlns:adec="http://schemas.microsoft.com/office/drawing/2017/decorative" xmlns="" val="1"/>
               </a:ext>
             </a:extLst>
           </p:cNvPr>
@@ -14558,7 +14558,7 @@
                 <a16:creationId xmlns:a16="http://schemas.microsoft.com/office/drawing/2014/main" id="{0D614406-135F-4875-9C87-53822CB19ABB}"/>
               </a:ext>
               <a:ext uri="{C183D7F6-B498-43B3-948B-1728B52AA6E4}">
-                <adec:decorative xmlns="" xmlns:adec="http://schemas.microsoft.com/office/drawing/2017/decorative" val="1"/>
+                <adec:decorative xmlns:adec="http://schemas.microsoft.com/office/drawing/2017/decorative" xmlns="" val="1"/>
               </a:ext>
             </a:extLst>
           </p:cNvPr>
@@ -14670,7 +14670,7 @@
                 <a16:creationId xmlns:a16="http://schemas.microsoft.com/office/drawing/2014/main" id="{C6C21149-7D17-44C2-AFB6-4D931DC55FB1}"/>
               </a:ext>
               <a:ext uri="{C183D7F6-B498-43B3-948B-1728B52AA6E4}">
-                <adec:decorative xmlns="" xmlns:adec="http://schemas.microsoft.com/office/drawing/2017/decorative" val="1"/>
+                <adec:decorative xmlns:adec="http://schemas.microsoft.com/office/drawing/2017/decorative" xmlns="" val="1"/>
               </a:ext>
             </a:extLst>
           </p:cNvPr>
@@ -14722,7 +14722,7 @@
                 <a16:creationId xmlns:a16="http://schemas.microsoft.com/office/drawing/2014/main" id="{C2E5FCF0-567A-448C-A6E3-920BFC702C2F}"/>
               </a:ext>
               <a:ext uri="{C183D7F6-B498-43B3-948B-1728B52AA6E4}">
-                <adec:decorative xmlns="" xmlns:adec="http://schemas.microsoft.com/office/drawing/2017/decorative" val="1"/>
+                <adec:decorative xmlns:adec="http://schemas.microsoft.com/office/drawing/2017/decorative" xmlns="" val="1"/>
               </a:ext>
             </a:extLst>
           </p:cNvPr>
@@ -16552,7 +16552,7 @@
                 <a:hlinkClick r:id="rId5">
                   <a:extLst>
                     <a:ext uri="{A12FA001-AC4F-418D-AE19-62706E023703}">
-                      <ahyp:hlinkClr xmlns="" xmlns:ahyp="http://schemas.microsoft.com/office/drawing/2018/hyperlinkcolor" val="tx"/>
+                      <ahyp:hlinkClr xmlns:ahyp="http://schemas.microsoft.com/office/drawing/2018/hyperlinkcolor" xmlns="" val="tx"/>
                     </a:ext>
                   </a:extLst>
                 </a:hlinkClick>
@@ -16603,7 +16603,7 @@
                 <a:hlinkClick r:id="rId6">
                   <a:extLst>
                     <a:ext uri="{A12FA001-AC4F-418D-AE19-62706E023703}">
-                      <ahyp:hlinkClr xmlns="" xmlns:ahyp="http://schemas.microsoft.com/office/drawing/2018/hyperlinkcolor" val="tx"/>
+                      <ahyp:hlinkClr xmlns:ahyp="http://schemas.microsoft.com/office/drawing/2018/hyperlinkcolor" xmlns="" val="tx"/>
                     </a:ext>
                   </a:extLst>
                 </a:hlinkClick>
@@ -18903,7 +18903,7 @@
                 <a16:creationId xmlns:a16="http://schemas.microsoft.com/office/drawing/2014/main" id="{4281BC32-FF58-4898-A6B5-7B3D059BCEB0}"/>
               </a:ext>
               <a:ext uri="{C183D7F6-B498-43B3-948B-1728B52AA6E4}">
-                <adec:decorative xmlns="" xmlns:adec="http://schemas.microsoft.com/office/drawing/2017/decorative" val="1"/>
+                <adec:decorative xmlns:adec="http://schemas.microsoft.com/office/drawing/2017/decorative" xmlns="" val="1"/>
               </a:ext>
             </a:extLst>
           </p:cNvPr>
@@ -18963,7 +18963,7 @@
                 <a16:creationId xmlns:a16="http://schemas.microsoft.com/office/drawing/2014/main" id="{0D614406-135F-4875-9C87-53822CB19ABB}"/>
               </a:ext>
               <a:ext uri="{C183D7F6-B498-43B3-948B-1728B52AA6E4}">
-                <adec:decorative xmlns="" xmlns:adec="http://schemas.microsoft.com/office/drawing/2017/decorative" val="1"/>
+                <adec:decorative xmlns:adec="http://schemas.microsoft.com/office/drawing/2017/decorative" xmlns="" val="1"/>
               </a:ext>
             </a:extLst>
           </p:cNvPr>
@@ -19060,7 +19060,7 @@
                 <a16:creationId xmlns:a16="http://schemas.microsoft.com/office/drawing/2014/main" id="{C6C21149-7D17-44C2-AFB6-4D931DC55FB1}"/>
               </a:ext>
               <a:ext uri="{C183D7F6-B498-43B3-948B-1728B52AA6E4}">
-                <adec:decorative xmlns="" xmlns:adec="http://schemas.microsoft.com/office/drawing/2017/decorative" val="1"/>
+                <adec:decorative xmlns:adec="http://schemas.microsoft.com/office/drawing/2017/decorative" xmlns="" val="1"/>
               </a:ext>
             </a:extLst>
           </p:cNvPr>
@@ -19112,7 +19112,7 @@
                 <a16:creationId xmlns:a16="http://schemas.microsoft.com/office/drawing/2014/main" id="{C2E5FCF0-567A-448C-A6E3-920BFC702C2F}"/>
               </a:ext>
               <a:ext uri="{C183D7F6-B498-43B3-948B-1728B52AA6E4}">
-                <adec:decorative xmlns="" xmlns:adec="http://schemas.microsoft.com/office/drawing/2017/decorative" val="1"/>
+                <adec:decorative xmlns:adec="http://schemas.microsoft.com/office/drawing/2017/decorative" xmlns="" val="1"/>
               </a:ext>
             </a:extLst>
           </p:cNvPr>
@@ -19424,7 +19424,7 @@
                 <a:hlinkClick r:id="rId3">
                   <a:extLst>
                     <a:ext uri="{A12FA001-AC4F-418D-AE19-62706E023703}">
-                      <ahyp:hlinkClr xmlns="" xmlns:ahyp="http://schemas.microsoft.com/office/drawing/2018/hyperlinkcolor" val="tx"/>
+                      <ahyp:hlinkClr xmlns:ahyp="http://schemas.microsoft.com/office/drawing/2018/hyperlinkcolor" xmlns="" val="tx"/>
                     </a:ext>
                   </a:extLst>
                 </a:hlinkClick>
@@ -19449,7 +19449,7 @@
                 <a:hlinkClick r:id="rId4">
                   <a:extLst>
                     <a:ext uri="{A12FA001-AC4F-418D-AE19-62706E023703}">
-                      <ahyp:hlinkClr xmlns="" xmlns:ahyp="http://schemas.microsoft.com/office/drawing/2018/hyperlinkcolor" val="tx"/>
+                      <ahyp:hlinkClr xmlns:ahyp="http://schemas.microsoft.com/office/drawing/2018/hyperlinkcolor" xmlns="" val="tx"/>
                     </a:ext>
                   </a:extLst>
                 </a:hlinkClick>
@@ -19581,7 +19581,7 @@
                 <a16:creationId xmlns:a16="http://schemas.microsoft.com/office/drawing/2014/main" id="{4281BC32-FF58-4898-A6B5-7B3D059BCEB0}"/>
               </a:ext>
               <a:ext uri="{C183D7F6-B498-43B3-948B-1728B52AA6E4}">
-                <adec:decorative xmlns="" xmlns:adec="http://schemas.microsoft.com/office/drawing/2017/decorative" val="1"/>
+                <adec:decorative xmlns:adec="http://schemas.microsoft.com/office/drawing/2017/decorative" xmlns="" val="1"/>
               </a:ext>
             </a:extLst>
           </p:cNvPr>
@@ -19641,7 +19641,7 @@
                 <a16:creationId xmlns:a16="http://schemas.microsoft.com/office/drawing/2014/main" id="{0D614406-135F-4875-9C87-53822CB19ABB}"/>
               </a:ext>
               <a:ext uri="{C183D7F6-B498-43B3-948B-1728B52AA6E4}">
-                <adec:decorative xmlns="" xmlns:adec="http://schemas.microsoft.com/office/drawing/2017/decorative" val="1"/>
+                <adec:decorative xmlns:adec="http://schemas.microsoft.com/office/drawing/2017/decorative" xmlns="" val="1"/>
               </a:ext>
             </a:extLst>
           </p:cNvPr>
@@ -19738,7 +19738,7 @@
                 <a16:creationId xmlns:a16="http://schemas.microsoft.com/office/drawing/2014/main" id="{C6C21149-7D17-44C2-AFB6-4D931DC55FB1}"/>
               </a:ext>
               <a:ext uri="{C183D7F6-B498-43B3-948B-1728B52AA6E4}">
-                <adec:decorative xmlns="" xmlns:adec="http://schemas.microsoft.com/office/drawing/2017/decorative" val="1"/>
+                <adec:decorative xmlns:adec="http://schemas.microsoft.com/office/drawing/2017/decorative" xmlns="" val="1"/>
               </a:ext>
             </a:extLst>
           </p:cNvPr>
@@ -19790,7 +19790,7 @@
                 <a16:creationId xmlns:a16="http://schemas.microsoft.com/office/drawing/2014/main" id="{C2E5FCF0-567A-448C-A6E3-920BFC702C2F}"/>
               </a:ext>
               <a:ext uri="{C183D7F6-B498-43B3-948B-1728B52AA6E4}">
-                <adec:decorative xmlns="" xmlns:adec="http://schemas.microsoft.com/office/drawing/2017/decorative" val="1"/>
+                <adec:decorative xmlns:adec="http://schemas.microsoft.com/office/drawing/2017/decorative" xmlns="" val="1"/>
               </a:ext>
             </a:extLst>
           </p:cNvPr>
@@ -20045,7 +20045,7 @@
       </p:pic>
       <p:pic>
         <p:nvPicPr>
-          <p:cNvPr id="3" name="Picture 2"/>
+          <p:cNvPr id="5" name="Picture 4"/>
           <p:cNvPicPr>
             <a:picLocks noChangeAspect="1"/>
           </p:cNvPicPr>
@@ -20065,7 +20065,7 @@
         </p:blipFill>
         <p:spPr>
           <a:xfrm>
-            <a:off x="257870" y="2742783"/>
+            <a:off x="6224935" y="2742783"/>
             <a:ext cx="5487650" cy="3658433"/>
           </a:xfrm>
           <a:prstGeom prst="rect">
@@ -20075,7 +20075,7 @@
       </p:pic>
       <p:pic>
         <p:nvPicPr>
-          <p:cNvPr id="5" name="Picture 4"/>
+          <p:cNvPr id="4" name="Picture 3"/>
           <p:cNvPicPr>
             <a:picLocks noChangeAspect="1"/>
           </p:cNvPicPr>
@@ -20095,7 +20095,7 @@
         </p:blipFill>
         <p:spPr>
           <a:xfrm>
-            <a:off x="6224935" y="2742783"/>
+            <a:off x="368643" y="2742782"/>
             <a:ext cx="5487650" cy="3658433"/>
           </a:xfrm>
           <a:prstGeom prst="rect">
@@ -20175,7 +20175,7 @@
                 <a16:creationId xmlns:a16="http://schemas.microsoft.com/office/drawing/2014/main" id="{4281BC32-FF58-4898-A6B5-7B3D059BCEB0}"/>
               </a:ext>
               <a:ext uri="{C183D7F6-B498-43B3-948B-1728B52AA6E4}">
-                <adec:decorative xmlns="" xmlns:adec="http://schemas.microsoft.com/office/drawing/2017/decorative" val="1"/>
+                <adec:decorative xmlns:adec="http://schemas.microsoft.com/office/drawing/2017/decorative" xmlns="" val="1"/>
               </a:ext>
             </a:extLst>
           </p:cNvPr>
@@ -20235,7 +20235,7 @@
                 <a16:creationId xmlns:a16="http://schemas.microsoft.com/office/drawing/2014/main" id="{0D614406-135F-4875-9C87-53822CB19ABB}"/>
               </a:ext>
               <a:ext uri="{C183D7F6-B498-43B3-948B-1728B52AA6E4}">
-                <adec:decorative xmlns="" xmlns:adec="http://schemas.microsoft.com/office/drawing/2017/decorative" val="1"/>
+                <adec:decorative xmlns:adec="http://schemas.microsoft.com/office/drawing/2017/decorative" xmlns="" val="1"/>
               </a:ext>
             </a:extLst>
           </p:cNvPr>
@@ -20332,7 +20332,7 @@
                 <a16:creationId xmlns:a16="http://schemas.microsoft.com/office/drawing/2014/main" id="{C6C21149-7D17-44C2-AFB6-4D931DC55FB1}"/>
               </a:ext>
               <a:ext uri="{C183D7F6-B498-43B3-948B-1728B52AA6E4}">
-                <adec:decorative xmlns="" xmlns:adec="http://schemas.microsoft.com/office/drawing/2017/decorative" val="1"/>
+                <adec:decorative xmlns:adec="http://schemas.microsoft.com/office/drawing/2017/decorative" xmlns="" val="1"/>
               </a:ext>
             </a:extLst>
           </p:cNvPr>
@@ -20384,7 +20384,7 @@
                 <a16:creationId xmlns:a16="http://schemas.microsoft.com/office/drawing/2014/main" id="{C2E5FCF0-567A-448C-A6E3-920BFC702C2F}"/>
               </a:ext>
               <a:ext uri="{C183D7F6-B498-43B3-948B-1728B52AA6E4}">
-                <adec:decorative xmlns="" xmlns:adec="http://schemas.microsoft.com/office/drawing/2017/decorative" val="1"/>
+                <adec:decorative xmlns:adec="http://schemas.microsoft.com/office/drawing/2017/decorative" xmlns="" val="1"/>
               </a:ext>
             </a:extLst>
           </p:cNvPr>
@@ -20853,7 +20853,7 @@
                 <a16:creationId xmlns:a16="http://schemas.microsoft.com/office/drawing/2014/main" id="{718B0F80-1C8E-49FA-9B66-C9285753E25F}"/>
               </a:ext>
               <a:ext uri="{C183D7F6-B498-43B3-948B-1728B52AA6E4}">
-                <adec:decorative xmlns="" xmlns:adec="http://schemas.microsoft.com/office/drawing/2017/decorative" val="1"/>
+                <adec:decorative xmlns:adec="http://schemas.microsoft.com/office/drawing/2017/decorative" xmlns="" val="1"/>
               </a:ext>
             </a:extLst>
           </p:cNvPr>
@@ -21046,7 +21046,7 @@
                 <a16:creationId xmlns:a16="http://schemas.microsoft.com/office/drawing/2014/main" id="{CEF2B853-4083-4B70-AC2A-F79D80809342}"/>
               </a:ext>
               <a:ext uri="{C183D7F6-B498-43B3-948B-1728B52AA6E4}">
-                <adec:decorative xmlns="" xmlns:adec="http://schemas.microsoft.com/office/drawing/2017/decorative" val="1"/>
+                <adec:decorative xmlns:adec="http://schemas.microsoft.com/office/drawing/2017/decorative" xmlns="" val="1"/>
               </a:ext>
             </a:extLst>
           </p:cNvPr>
@@ -21345,7 +21345,7 @@
                 <a16:creationId xmlns:a16="http://schemas.microsoft.com/office/drawing/2014/main" id="{D434EAAF-BF44-4CCC-84D4-105F3370AFFC}"/>
               </a:ext>
               <a:ext uri="{C183D7F6-B498-43B3-948B-1728B52AA6E4}">
-                <adec:decorative xmlns="" xmlns:adec="http://schemas.microsoft.com/office/drawing/2017/decorative" val="1"/>
+                <adec:decorative xmlns:adec="http://schemas.microsoft.com/office/drawing/2017/decorative" xmlns="" val="1"/>
               </a:ext>
             </a:extLst>
           </p:cNvPr>
@@ -21511,7 +21511,7 @@
                 <a16:creationId xmlns:a16="http://schemas.microsoft.com/office/drawing/2014/main" id="{4281BC32-FF58-4898-A6B5-7B3D059BCEB0}"/>
               </a:ext>
               <a:ext uri="{C183D7F6-B498-43B3-948B-1728B52AA6E4}">
-                <adec:decorative xmlns="" xmlns:adec="http://schemas.microsoft.com/office/drawing/2017/decorative" val="1"/>
+                <adec:decorative xmlns:adec="http://schemas.microsoft.com/office/drawing/2017/decorative" xmlns="" val="1"/>
               </a:ext>
             </a:extLst>
           </p:cNvPr>
@@ -21571,7 +21571,7 @@
                 <a16:creationId xmlns:a16="http://schemas.microsoft.com/office/drawing/2014/main" id="{0D614406-135F-4875-9C87-53822CB19ABB}"/>
               </a:ext>
               <a:ext uri="{C183D7F6-B498-43B3-948B-1728B52AA6E4}">
-                <adec:decorative xmlns="" xmlns:adec="http://schemas.microsoft.com/office/drawing/2017/decorative" val="1"/>
+                <adec:decorative xmlns:adec="http://schemas.microsoft.com/office/drawing/2017/decorative" xmlns="" val="1"/>
               </a:ext>
             </a:extLst>
           </p:cNvPr>
@@ -21668,7 +21668,7 @@
                 <a16:creationId xmlns:a16="http://schemas.microsoft.com/office/drawing/2014/main" id="{C6C21149-7D17-44C2-AFB6-4D931DC55FB1}"/>
               </a:ext>
               <a:ext uri="{C183D7F6-B498-43B3-948B-1728B52AA6E4}">
-                <adec:decorative xmlns="" xmlns:adec="http://schemas.microsoft.com/office/drawing/2017/decorative" val="1"/>
+                <adec:decorative xmlns:adec="http://schemas.microsoft.com/office/drawing/2017/decorative" xmlns="" val="1"/>
               </a:ext>
             </a:extLst>
           </p:cNvPr>
@@ -21720,7 +21720,7 @@
                 <a16:creationId xmlns:a16="http://schemas.microsoft.com/office/drawing/2014/main" id="{C2E5FCF0-567A-448C-A6E3-920BFC702C2F}"/>
               </a:ext>
               <a:ext uri="{C183D7F6-B498-43B3-948B-1728B52AA6E4}">
-                <adec:decorative xmlns="" xmlns:adec="http://schemas.microsoft.com/office/drawing/2017/decorative" val="1"/>
+                <adec:decorative xmlns:adec="http://schemas.microsoft.com/office/drawing/2017/decorative" xmlns="" val="1"/>
               </a:ext>
             </a:extLst>
           </p:cNvPr>
@@ -22266,7 +22266,7 @@
                 <a16:creationId xmlns:a16="http://schemas.microsoft.com/office/drawing/2014/main" id="{4281BC32-FF58-4898-A6B5-7B3D059BCEB0}"/>
               </a:ext>
               <a:ext uri="{C183D7F6-B498-43B3-948B-1728B52AA6E4}">
-                <adec:decorative xmlns:adec="http://schemas.microsoft.com/office/drawing/2017/decorative" xmlns="" val="1"/>
+                <adec:decorative xmlns="" xmlns:adec="http://schemas.microsoft.com/office/drawing/2017/decorative" val="1"/>
               </a:ext>
             </a:extLst>
           </p:cNvPr>
@@ -22355,7 +22355,7 @@
                 <a16:creationId xmlns:a16="http://schemas.microsoft.com/office/drawing/2014/main" id="{0D614406-135F-4875-9C87-53822CB19ABB}"/>
               </a:ext>
               <a:ext uri="{C183D7F6-B498-43B3-948B-1728B52AA6E4}">
-                <adec:decorative xmlns:adec="http://schemas.microsoft.com/office/drawing/2017/decorative" xmlns="" val="1"/>
+                <adec:decorative xmlns="" xmlns:adec="http://schemas.microsoft.com/office/drawing/2017/decorative" val="1"/>
               </a:ext>
             </a:extLst>
           </p:cNvPr>
@@ -22481,7 +22481,7 @@
                 <a16:creationId xmlns:a16="http://schemas.microsoft.com/office/drawing/2014/main" id="{C6C21149-7D17-44C2-AFB6-4D931DC55FB1}"/>
               </a:ext>
               <a:ext uri="{C183D7F6-B498-43B3-948B-1728B52AA6E4}">
-                <adec:decorative xmlns:adec="http://schemas.microsoft.com/office/drawing/2017/decorative" xmlns="" val="1"/>
+                <adec:decorative xmlns="" xmlns:adec="http://schemas.microsoft.com/office/drawing/2017/decorative" val="1"/>
               </a:ext>
             </a:extLst>
           </p:cNvPr>
@@ -22533,7 +22533,7 @@
                 <a16:creationId xmlns:a16="http://schemas.microsoft.com/office/drawing/2014/main" id="{C2E5FCF0-567A-448C-A6E3-920BFC702C2F}"/>
               </a:ext>
               <a:ext uri="{C183D7F6-B498-43B3-948B-1728B52AA6E4}">
-                <adec:decorative xmlns:adec="http://schemas.microsoft.com/office/drawing/2017/decorative" xmlns="" val="1"/>
+                <adec:decorative xmlns="" xmlns:adec="http://schemas.microsoft.com/office/drawing/2017/decorative" val="1"/>
               </a:ext>
             </a:extLst>
           </p:cNvPr>
@@ -23859,7 +23859,7 @@
                 <a16:creationId xmlns:a16="http://schemas.microsoft.com/office/drawing/2014/main" id="{4281BC32-FF58-4898-A6B5-7B3D059BCEB0}"/>
               </a:ext>
               <a:ext uri="{C183D7F6-B498-43B3-948B-1728B52AA6E4}">
-                <adec:decorative xmlns="" xmlns:adec="http://schemas.microsoft.com/office/drawing/2017/decorative" val="1"/>
+                <adec:decorative xmlns:adec="http://schemas.microsoft.com/office/drawing/2017/decorative" xmlns="" val="1"/>
               </a:ext>
             </a:extLst>
           </p:cNvPr>
@@ -23919,7 +23919,7 @@
                 <a16:creationId xmlns:a16="http://schemas.microsoft.com/office/drawing/2014/main" id="{0D614406-135F-4875-9C87-53822CB19ABB}"/>
               </a:ext>
               <a:ext uri="{C183D7F6-B498-43B3-948B-1728B52AA6E4}">
-                <adec:decorative xmlns="" xmlns:adec="http://schemas.microsoft.com/office/drawing/2017/decorative" val="1"/>
+                <adec:decorative xmlns:adec="http://schemas.microsoft.com/office/drawing/2017/decorative" xmlns="" val="1"/>
               </a:ext>
             </a:extLst>
           </p:cNvPr>
@@ -24016,7 +24016,7 @@
                 <a16:creationId xmlns:a16="http://schemas.microsoft.com/office/drawing/2014/main" id="{C6C21149-7D17-44C2-AFB6-4D931DC55FB1}"/>
               </a:ext>
               <a:ext uri="{C183D7F6-B498-43B3-948B-1728B52AA6E4}">
-                <adec:decorative xmlns="" xmlns:adec="http://schemas.microsoft.com/office/drawing/2017/decorative" val="1"/>
+                <adec:decorative xmlns:adec="http://schemas.microsoft.com/office/drawing/2017/decorative" xmlns="" val="1"/>
               </a:ext>
             </a:extLst>
           </p:cNvPr>
@@ -24068,7 +24068,7 @@
                 <a16:creationId xmlns:a16="http://schemas.microsoft.com/office/drawing/2014/main" id="{C2E5FCF0-567A-448C-A6E3-920BFC702C2F}"/>
               </a:ext>
               <a:ext uri="{C183D7F6-B498-43B3-948B-1728B52AA6E4}">
-                <adec:decorative xmlns="" xmlns:adec="http://schemas.microsoft.com/office/drawing/2017/decorative" val="1"/>
+                <adec:decorative xmlns:adec="http://schemas.microsoft.com/office/drawing/2017/decorative" xmlns="" val="1"/>
               </a:ext>
             </a:extLst>
           </p:cNvPr>
@@ -24626,7 +24626,7 @@
                 <a16:creationId xmlns:a16="http://schemas.microsoft.com/office/drawing/2014/main" id="{4281BC32-FF58-4898-A6B5-7B3D059BCEB0}"/>
               </a:ext>
               <a:ext uri="{C183D7F6-B498-43B3-948B-1728B52AA6E4}">
-                <adec:decorative xmlns="" xmlns:adec="http://schemas.microsoft.com/office/drawing/2017/decorative" val="1"/>
+                <adec:decorative xmlns:adec="http://schemas.microsoft.com/office/drawing/2017/decorative" xmlns="" val="1"/>
               </a:ext>
             </a:extLst>
           </p:cNvPr>
@@ -24686,7 +24686,7 @@
                 <a16:creationId xmlns:a16="http://schemas.microsoft.com/office/drawing/2014/main" id="{0D614406-135F-4875-9C87-53822CB19ABB}"/>
               </a:ext>
               <a:ext uri="{C183D7F6-B498-43B3-948B-1728B52AA6E4}">
-                <adec:decorative xmlns="" xmlns:adec="http://schemas.microsoft.com/office/drawing/2017/decorative" val="1"/>
+                <adec:decorative xmlns:adec="http://schemas.microsoft.com/office/drawing/2017/decorative" xmlns="" val="1"/>
               </a:ext>
             </a:extLst>
           </p:cNvPr>
@@ -24783,7 +24783,7 @@
                 <a16:creationId xmlns:a16="http://schemas.microsoft.com/office/drawing/2014/main" id="{C6C21149-7D17-44C2-AFB6-4D931DC55FB1}"/>
               </a:ext>
               <a:ext uri="{C183D7F6-B498-43B3-948B-1728B52AA6E4}">
-                <adec:decorative xmlns="" xmlns:adec="http://schemas.microsoft.com/office/drawing/2017/decorative" val="1"/>
+                <adec:decorative xmlns:adec="http://schemas.microsoft.com/office/drawing/2017/decorative" xmlns="" val="1"/>
               </a:ext>
             </a:extLst>
           </p:cNvPr>
@@ -24835,7 +24835,7 @@
                 <a16:creationId xmlns:a16="http://schemas.microsoft.com/office/drawing/2014/main" id="{C2E5FCF0-567A-448C-A6E3-920BFC702C2F}"/>
               </a:ext>
               <a:ext uri="{C183D7F6-B498-43B3-948B-1728B52AA6E4}">
-                <adec:decorative xmlns="" xmlns:adec="http://schemas.microsoft.com/office/drawing/2017/decorative" val="1"/>
+                <adec:decorative xmlns:adec="http://schemas.microsoft.com/office/drawing/2017/decorative" xmlns="" val="1"/>
               </a:ext>
             </a:extLst>
           </p:cNvPr>
@@ -25290,7 +25290,7 @@
                 <a16:creationId xmlns:a16="http://schemas.microsoft.com/office/drawing/2014/main" id="{4281BC32-FF58-4898-A6B5-7B3D059BCEB0}"/>
               </a:ext>
               <a:ext uri="{C183D7F6-B498-43B3-948B-1728B52AA6E4}">
-                <adec:decorative xmlns="" xmlns:adec="http://schemas.microsoft.com/office/drawing/2017/decorative" val="1"/>
+                <adec:decorative xmlns:adec="http://schemas.microsoft.com/office/drawing/2017/decorative" xmlns="" val="1"/>
               </a:ext>
             </a:extLst>
           </p:cNvPr>
@@ -25379,7 +25379,7 @@
                 <a16:creationId xmlns:a16="http://schemas.microsoft.com/office/drawing/2014/main" id="{0D614406-135F-4875-9C87-53822CB19ABB}"/>
               </a:ext>
               <a:ext uri="{C183D7F6-B498-43B3-948B-1728B52AA6E4}">
-                <adec:decorative xmlns="" xmlns:adec="http://schemas.microsoft.com/office/drawing/2017/decorative" val="1"/>
+                <adec:decorative xmlns:adec="http://schemas.microsoft.com/office/drawing/2017/decorative" xmlns="" val="1"/>
               </a:ext>
             </a:extLst>
           </p:cNvPr>
@@ -25505,7 +25505,7 @@
                 <a16:creationId xmlns:a16="http://schemas.microsoft.com/office/drawing/2014/main" id="{C6C21149-7D17-44C2-AFB6-4D931DC55FB1}"/>
               </a:ext>
               <a:ext uri="{C183D7F6-B498-43B3-948B-1728B52AA6E4}">
-                <adec:decorative xmlns="" xmlns:adec="http://schemas.microsoft.com/office/drawing/2017/decorative" val="1"/>
+                <adec:decorative xmlns:adec="http://schemas.microsoft.com/office/drawing/2017/decorative" xmlns="" val="1"/>
               </a:ext>
             </a:extLst>
           </p:cNvPr>
@@ -25557,7 +25557,7 @@
                 <a16:creationId xmlns:a16="http://schemas.microsoft.com/office/drawing/2014/main" id="{C2E5FCF0-567A-448C-A6E3-920BFC702C2F}"/>
               </a:ext>
               <a:ext uri="{C183D7F6-B498-43B3-948B-1728B52AA6E4}">
-                <adec:decorative xmlns="" xmlns:adec="http://schemas.microsoft.com/office/drawing/2017/decorative" val="1"/>
+                <adec:decorative xmlns:adec="http://schemas.microsoft.com/office/drawing/2017/decorative" xmlns="" val="1"/>
               </a:ext>
             </a:extLst>
           </p:cNvPr>
@@ -26515,7 +26515,7 @@
                 <a16:creationId xmlns:a16="http://schemas.microsoft.com/office/drawing/2014/main" id="{4281BC32-FF58-4898-A6B5-7B3D059BCEB0}"/>
               </a:ext>
               <a:ext uri="{C183D7F6-B498-43B3-948B-1728B52AA6E4}">
-                <adec:decorative xmlns="" xmlns:adec="http://schemas.microsoft.com/office/drawing/2017/decorative" val="1"/>
+                <adec:decorative xmlns:adec="http://schemas.microsoft.com/office/drawing/2017/decorative" xmlns="" val="1"/>
               </a:ext>
             </a:extLst>
           </p:cNvPr>
@@ -26710,7 +26710,7 @@
                 <a16:creationId xmlns:a16="http://schemas.microsoft.com/office/drawing/2014/main" id="{0D614406-135F-4875-9C87-53822CB19ABB}"/>
               </a:ext>
               <a:ext uri="{C183D7F6-B498-43B3-948B-1728B52AA6E4}">
-                <adec:decorative xmlns="" xmlns:adec="http://schemas.microsoft.com/office/drawing/2017/decorative" val="1"/>
+                <adec:decorative xmlns:adec="http://schemas.microsoft.com/office/drawing/2017/decorative" xmlns="" val="1"/>
               </a:ext>
             </a:extLst>
           </p:cNvPr>
@@ -26836,7 +26836,7 @@
                 <a16:creationId xmlns:a16="http://schemas.microsoft.com/office/drawing/2014/main" id="{C6C21149-7D17-44C2-AFB6-4D931DC55FB1}"/>
               </a:ext>
               <a:ext uri="{C183D7F6-B498-43B3-948B-1728B52AA6E4}">
-                <adec:decorative xmlns="" xmlns:adec="http://schemas.microsoft.com/office/drawing/2017/decorative" val="1"/>
+                <adec:decorative xmlns:adec="http://schemas.microsoft.com/office/drawing/2017/decorative" xmlns="" val="1"/>
               </a:ext>
             </a:extLst>
           </p:cNvPr>
@@ -26888,7 +26888,7 @@
                 <a16:creationId xmlns:a16="http://schemas.microsoft.com/office/drawing/2014/main" id="{C2E5FCF0-567A-448C-A6E3-920BFC702C2F}"/>
               </a:ext>
               <a:ext uri="{C183D7F6-B498-43B3-948B-1728B52AA6E4}">
-                <adec:decorative xmlns="" xmlns:adec="http://schemas.microsoft.com/office/drawing/2017/decorative" val="1"/>
+                <adec:decorative xmlns:adec="http://schemas.microsoft.com/office/drawing/2017/decorative" xmlns="" val="1"/>
               </a:ext>
             </a:extLst>
           </p:cNvPr>
@@ -27326,7 +27326,7 @@
                 <a:hlinkClick r:id="rId5">
                   <a:extLst>
                     <a:ext uri="{A12FA001-AC4F-418D-AE19-62706E023703}">
-                      <ahyp:hlinkClr xmlns="" xmlns:ahyp="http://schemas.microsoft.com/office/drawing/2018/hyperlinkcolor" val="tx"/>
+                      <ahyp:hlinkClr xmlns:ahyp="http://schemas.microsoft.com/office/drawing/2018/hyperlinkcolor" xmlns="" val="tx"/>
                     </a:ext>
                   </a:extLst>
                 </a:hlinkClick>
@@ -27844,7 +27844,7 @@
                 <a16:creationId xmlns:a16="http://schemas.microsoft.com/office/drawing/2014/main" id="{4281BC32-FF58-4898-A6B5-7B3D059BCEB0}"/>
               </a:ext>
               <a:ext uri="{C183D7F6-B498-43B3-948B-1728B52AA6E4}">
-                <adec:decorative xmlns="" xmlns:adec="http://schemas.microsoft.com/office/drawing/2017/decorative" val="1"/>
+                <adec:decorative xmlns:adec="http://schemas.microsoft.com/office/drawing/2017/decorative" xmlns="" val="1"/>
               </a:ext>
             </a:extLst>
           </p:cNvPr>
@@ -27933,7 +27933,7 @@
                 <a16:creationId xmlns:a16="http://schemas.microsoft.com/office/drawing/2014/main" id="{0D614406-135F-4875-9C87-53822CB19ABB}"/>
               </a:ext>
               <a:ext uri="{C183D7F6-B498-43B3-948B-1728B52AA6E4}">
-                <adec:decorative xmlns="" xmlns:adec="http://schemas.microsoft.com/office/drawing/2017/decorative" val="1"/>
+                <adec:decorative xmlns:adec="http://schemas.microsoft.com/office/drawing/2017/decorative" xmlns="" val="1"/>
               </a:ext>
             </a:extLst>
           </p:cNvPr>
@@ -28059,7 +28059,7 @@
                 <a16:creationId xmlns:a16="http://schemas.microsoft.com/office/drawing/2014/main" id="{C6C21149-7D17-44C2-AFB6-4D931DC55FB1}"/>
               </a:ext>
               <a:ext uri="{C183D7F6-B498-43B3-948B-1728B52AA6E4}">
-                <adec:decorative xmlns="" xmlns:adec="http://schemas.microsoft.com/office/drawing/2017/decorative" val="1"/>
+                <adec:decorative xmlns:adec="http://schemas.microsoft.com/office/drawing/2017/decorative" xmlns="" val="1"/>
               </a:ext>
             </a:extLst>
           </p:cNvPr>
@@ -28111,7 +28111,7 @@
                 <a16:creationId xmlns:a16="http://schemas.microsoft.com/office/drawing/2014/main" id="{C2E5FCF0-567A-448C-A6E3-920BFC702C2F}"/>
               </a:ext>
               <a:ext uri="{C183D7F6-B498-43B3-948B-1728B52AA6E4}">
-                <adec:decorative xmlns="" xmlns:adec="http://schemas.microsoft.com/office/drawing/2017/decorative" val="1"/>
+                <adec:decorative xmlns:adec="http://schemas.microsoft.com/office/drawing/2017/decorative" xmlns="" val="1"/>
               </a:ext>
             </a:extLst>
           </p:cNvPr>
@@ -28549,7 +28549,7 @@
                 <a:hlinkClick r:id="rId4">
                   <a:extLst>
                     <a:ext uri="{A12FA001-AC4F-418D-AE19-62706E023703}">
-                      <ahyp:hlinkClr xmlns="" xmlns:ahyp="http://schemas.microsoft.com/office/drawing/2018/hyperlinkcolor" val="tx"/>
+                      <ahyp:hlinkClr xmlns:ahyp="http://schemas.microsoft.com/office/drawing/2018/hyperlinkcolor" xmlns="" val="tx"/>
                     </a:ext>
                   </a:extLst>
                 </a:hlinkClick>
@@ -29143,7 +29143,7 @@
                 <a16:creationId xmlns:a16="http://schemas.microsoft.com/office/drawing/2014/main" id="{4281BC32-FF58-4898-A6B5-7B3D059BCEB0}"/>
               </a:ext>
               <a:ext uri="{C183D7F6-B498-43B3-948B-1728B52AA6E4}">
-                <adec:decorative xmlns="" xmlns:adec="http://schemas.microsoft.com/office/drawing/2017/decorative" val="1"/>
+                <adec:decorative xmlns:adec="http://schemas.microsoft.com/office/drawing/2017/decorative" xmlns="" val="1"/>
               </a:ext>
             </a:extLst>
           </p:cNvPr>
@@ -29232,7 +29232,7 @@
                 <a16:creationId xmlns:a16="http://schemas.microsoft.com/office/drawing/2014/main" id="{0D614406-135F-4875-9C87-53822CB19ABB}"/>
               </a:ext>
               <a:ext uri="{C183D7F6-B498-43B3-948B-1728B52AA6E4}">
-                <adec:decorative xmlns="" xmlns:adec="http://schemas.microsoft.com/office/drawing/2017/decorative" val="1"/>
+                <adec:decorative xmlns:adec="http://schemas.microsoft.com/office/drawing/2017/decorative" xmlns="" val="1"/>
               </a:ext>
             </a:extLst>
           </p:cNvPr>
@@ -29358,7 +29358,7 @@
                 <a16:creationId xmlns:a16="http://schemas.microsoft.com/office/drawing/2014/main" id="{C6C21149-7D17-44C2-AFB6-4D931DC55FB1}"/>
               </a:ext>
               <a:ext uri="{C183D7F6-B498-43B3-948B-1728B52AA6E4}">
-                <adec:decorative xmlns="" xmlns:adec="http://schemas.microsoft.com/office/drawing/2017/decorative" val="1"/>
+                <adec:decorative xmlns:adec="http://schemas.microsoft.com/office/drawing/2017/decorative" xmlns="" val="1"/>
               </a:ext>
             </a:extLst>
           </p:cNvPr>
@@ -29410,7 +29410,7 @@
                 <a16:creationId xmlns:a16="http://schemas.microsoft.com/office/drawing/2014/main" id="{C2E5FCF0-567A-448C-A6E3-920BFC702C2F}"/>
               </a:ext>
               <a:ext uri="{C183D7F6-B498-43B3-948B-1728B52AA6E4}">
-                <adec:decorative xmlns="" xmlns:adec="http://schemas.microsoft.com/office/drawing/2017/decorative" val="1"/>
+                <adec:decorative xmlns:adec="http://schemas.microsoft.com/office/drawing/2017/decorative" xmlns="" val="1"/>
               </a:ext>
             </a:extLst>
           </p:cNvPr>
@@ -29797,7 +29797,7 @@
                 <a16:creationId xmlns:a16="http://schemas.microsoft.com/office/drawing/2014/main" id="{4281BC32-FF58-4898-A6B5-7B3D059BCEB0}"/>
               </a:ext>
               <a:ext uri="{C183D7F6-B498-43B3-948B-1728B52AA6E4}">
-                <adec:decorative xmlns="" xmlns:adec="http://schemas.microsoft.com/office/drawing/2017/decorative" val="1"/>
+                <adec:decorative xmlns:adec="http://schemas.microsoft.com/office/drawing/2017/decorative" xmlns="" val="1"/>
               </a:ext>
             </a:extLst>
           </p:cNvPr>
@@ -29886,7 +29886,7 @@
                 <a16:creationId xmlns:a16="http://schemas.microsoft.com/office/drawing/2014/main" id="{0D614406-135F-4875-9C87-53822CB19ABB}"/>
               </a:ext>
               <a:ext uri="{C183D7F6-B498-43B3-948B-1728B52AA6E4}">
-                <adec:decorative xmlns="" xmlns:adec="http://schemas.microsoft.com/office/drawing/2017/decorative" val="1"/>
+                <adec:decorative xmlns:adec="http://schemas.microsoft.com/office/drawing/2017/decorative" xmlns="" val="1"/>
               </a:ext>
             </a:extLst>
           </p:cNvPr>
@@ -30012,7 +30012,7 @@
                 <a16:creationId xmlns:a16="http://schemas.microsoft.com/office/drawing/2014/main" id="{C6C21149-7D17-44C2-AFB6-4D931DC55FB1}"/>
               </a:ext>
               <a:ext uri="{C183D7F6-B498-43B3-948B-1728B52AA6E4}">
-                <adec:decorative xmlns="" xmlns:adec="http://schemas.microsoft.com/office/drawing/2017/decorative" val="1"/>
+                <adec:decorative xmlns:adec="http://schemas.microsoft.com/office/drawing/2017/decorative" xmlns="" val="1"/>
               </a:ext>
             </a:extLst>
           </p:cNvPr>
@@ -30064,7 +30064,7 @@
                 <a16:creationId xmlns:a16="http://schemas.microsoft.com/office/drawing/2014/main" id="{C2E5FCF0-567A-448C-A6E3-920BFC702C2F}"/>
               </a:ext>
               <a:ext uri="{C183D7F6-B498-43B3-948B-1728B52AA6E4}">
-                <adec:decorative xmlns="" xmlns:adec="http://schemas.microsoft.com/office/drawing/2017/decorative" val="1"/>
+                <adec:decorative xmlns:adec="http://schemas.microsoft.com/office/drawing/2017/decorative" xmlns="" val="1"/>
               </a:ext>
             </a:extLst>
           </p:cNvPr>
@@ -30462,7 +30462,7 @@
                 <a:hlinkClick r:id="rId2">
                   <a:extLst>
                     <a:ext uri="{A12FA001-AC4F-418D-AE19-62706E023703}">
-                      <ahyp:hlinkClr xmlns="" xmlns:ahyp="http://schemas.microsoft.com/office/drawing/2018/hyperlinkcolor" val="tx"/>
+                      <ahyp:hlinkClr xmlns:ahyp="http://schemas.microsoft.com/office/drawing/2018/hyperlinkcolor" xmlns="" val="tx"/>
                     </a:ext>
                   </a:extLst>
                 </a:hlinkClick>
@@ -30487,7 +30487,7 @@
                 <a:hlinkClick r:id="rId2">
                   <a:extLst>
                     <a:ext uri="{A12FA001-AC4F-418D-AE19-62706E023703}">
-                      <ahyp:hlinkClr xmlns="" xmlns:ahyp="http://schemas.microsoft.com/office/drawing/2018/hyperlinkcolor" val="tx"/>
+                      <ahyp:hlinkClr xmlns:ahyp="http://schemas.microsoft.com/office/drawing/2018/hyperlinkcolor" xmlns="" val="tx"/>
                     </a:ext>
                   </a:extLst>
                 </a:hlinkClick>
@@ -30510,7 +30510,7 @@
                 <a:hlinkClick r:id="rId3">
                   <a:extLst>
                     <a:ext uri="{A12FA001-AC4F-418D-AE19-62706E023703}">
-                      <ahyp:hlinkClr xmlns="" xmlns:ahyp="http://schemas.microsoft.com/office/drawing/2018/hyperlinkcolor" val="tx"/>
+                      <ahyp:hlinkClr xmlns:ahyp="http://schemas.microsoft.com/office/drawing/2018/hyperlinkcolor" xmlns="" val="tx"/>
                     </a:ext>
                   </a:extLst>
                 </a:hlinkClick>
@@ -30702,7 +30702,7 @@
                 <a16:creationId xmlns:a16="http://schemas.microsoft.com/office/drawing/2014/main" id="{4281BC32-FF58-4898-A6B5-7B3D059BCEB0}"/>
               </a:ext>
               <a:ext uri="{C183D7F6-B498-43B3-948B-1728B52AA6E4}">
-                <adec:decorative xmlns="" xmlns:adec="http://schemas.microsoft.com/office/drawing/2017/decorative" val="1"/>
+                <adec:decorative xmlns:adec="http://schemas.microsoft.com/office/drawing/2017/decorative" xmlns="" val="1"/>
               </a:ext>
             </a:extLst>
           </p:cNvPr>
@@ -30762,7 +30762,7 @@
                 <a16:creationId xmlns:a16="http://schemas.microsoft.com/office/drawing/2014/main" id="{0D614406-135F-4875-9C87-53822CB19ABB}"/>
               </a:ext>
               <a:ext uri="{C183D7F6-B498-43B3-948B-1728B52AA6E4}">
-                <adec:decorative xmlns="" xmlns:adec="http://schemas.microsoft.com/office/drawing/2017/decorative" val="1"/>
+                <adec:decorative xmlns:adec="http://schemas.microsoft.com/office/drawing/2017/decorative" xmlns="" val="1"/>
               </a:ext>
             </a:extLst>
           </p:cNvPr>
@@ -30859,7 +30859,7 @@
                 <a16:creationId xmlns:a16="http://schemas.microsoft.com/office/drawing/2014/main" id="{C6C21149-7D17-44C2-AFB6-4D931DC55FB1}"/>
               </a:ext>
               <a:ext uri="{C183D7F6-B498-43B3-948B-1728B52AA6E4}">
-                <adec:decorative xmlns="" xmlns:adec="http://schemas.microsoft.com/office/drawing/2017/decorative" val="1"/>
+                <adec:decorative xmlns:adec="http://schemas.microsoft.com/office/drawing/2017/decorative" xmlns="" val="1"/>
               </a:ext>
             </a:extLst>
           </p:cNvPr>
@@ -30911,7 +30911,7 @@
                 <a16:creationId xmlns:a16="http://schemas.microsoft.com/office/drawing/2014/main" id="{C2E5FCF0-567A-448C-A6E3-920BFC702C2F}"/>
               </a:ext>
               <a:ext uri="{C183D7F6-B498-43B3-948B-1728B52AA6E4}">
-                <adec:decorative xmlns="" xmlns:adec="http://schemas.microsoft.com/office/drawing/2017/decorative" val="1"/>
+                <adec:decorative xmlns:adec="http://schemas.microsoft.com/office/drawing/2017/decorative" xmlns="" val="1"/>
               </a:ext>
             </a:extLst>
           </p:cNvPr>
@@ -31752,7 +31752,7 @@
                 <a16:creationId xmlns:a16="http://schemas.microsoft.com/office/drawing/2014/main" id="{4281BC32-FF58-4898-A6B5-7B3D059BCEB0}"/>
               </a:ext>
               <a:ext uri="{C183D7F6-B498-43B3-948B-1728B52AA6E4}">
-                <adec:decorative xmlns="" xmlns:adec="http://schemas.microsoft.com/office/drawing/2017/decorative" val="1"/>
+                <adec:decorative xmlns:adec="http://schemas.microsoft.com/office/drawing/2017/decorative" xmlns="" val="1"/>
               </a:ext>
             </a:extLst>
           </p:cNvPr>
@@ -31812,7 +31812,7 @@
                 <a16:creationId xmlns:a16="http://schemas.microsoft.com/office/drawing/2014/main" id="{0D614406-135F-4875-9C87-53822CB19ABB}"/>
               </a:ext>
               <a:ext uri="{C183D7F6-B498-43B3-948B-1728B52AA6E4}">
-                <adec:decorative xmlns="" xmlns:adec="http://schemas.microsoft.com/office/drawing/2017/decorative" val="1"/>
+                <adec:decorative xmlns:adec="http://schemas.microsoft.com/office/drawing/2017/decorative" xmlns="" val="1"/>
               </a:ext>
             </a:extLst>
           </p:cNvPr>
@@ -31909,7 +31909,7 @@
                 <a16:creationId xmlns:a16="http://schemas.microsoft.com/office/drawing/2014/main" id="{C6C21149-7D17-44C2-AFB6-4D931DC55FB1}"/>
               </a:ext>
               <a:ext uri="{C183D7F6-B498-43B3-948B-1728B52AA6E4}">
-                <adec:decorative xmlns="" xmlns:adec="http://schemas.microsoft.com/office/drawing/2017/decorative" val="1"/>
+                <adec:decorative xmlns:adec="http://schemas.microsoft.com/office/drawing/2017/decorative" xmlns="" val="1"/>
               </a:ext>
             </a:extLst>
           </p:cNvPr>
@@ -31961,7 +31961,7 @@
                 <a16:creationId xmlns:a16="http://schemas.microsoft.com/office/drawing/2014/main" id="{C2E5FCF0-567A-448C-A6E3-920BFC702C2F}"/>
               </a:ext>
               <a:ext uri="{C183D7F6-B498-43B3-948B-1728B52AA6E4}">
-                <adec:decorative xmlns="" xmlns:adec="http://schemas.microsoft.com/office/drawing/2017/decorative" val="1"/>
+                <adec:decorative xmlns:adec="http://schemas.microsoft.com/office/drawing/2017/decorative" xmlns="" val="1"/>
               </a:ext>
             </a:extLst>
           </p:cNvPr>
@@ -32254,7 +32254,7 @@
                 <a:hlinkClick r:id="rId3">
                   <a:extLst>
                     <a:ext uri="{A12FA001-AC4F-418D-AE19-62706E023703}">
-                      <ahyp:hlinkClr xmlns="" xmlns:ahyp="http://schemas.microsoft.com/office/drawing/2018/hyperlinkcolor" val="tx"/>
+                      <ahyp:hlinkClr xmlns:ahyp="http://schemas.microsoft.com/office/drawing/2018/hyperlinkcolor" xmlns="" val="tx"/>
                     </a:ext>
                   </a:extLst>
                 </a:hlinkClick>
@@ -32296,7 +32296,7 @@
                 <a:hlinkClick r:id="rId4">
                   <a:extLst>
                     <a:ext uri="{A12FA001-AC4F-418D-AE19-62706E023703}">
-                      <ahyp:hlinkClr xmlns="" xmlns:ahyp="http://schemas.microsoft.com/office/drawing/2018/hyperlinkcolor" val="tx"/>
+                      <ahyp:hlinkClr xmlns:ahyp="http://schemas.microsoft.com/office/drawing/2018/hyperlinkcolor" xmlns="" val="tx"/>
                     </a:ext>
                   </a:extLst>
                 </a:hlinkClick>
@@ -32338,7 +32338,7 @@
                 <a:hlinkClick r:id="rId5">
                   <a:extLst>
                     <a:ext uri="{A12FA001-AC4F-418D-AE19-62706E023703}">
-                      <ahyp:hlinkClr xmlns="" xmlns:ahyp="http://schemas.microsoft.com/office/drawing/2018/hyperlinkcolor" val="tx"/>
+                      <ahyp:hlinkClr xmlns:ahyp="http://schemas.microsoft.com/office/drawing/2018/hyperlinkcolor" xmlns="" val="tx"/>
                     </a:ext>
                   </a:extLst>
                 </a:hlinkClick>
@@ -32380,7 +32380,7 @@
                 <a:hlinkClick r:id="rId6">
                   <a:extLst>
                     <a:ext uri="{A12FA001-AC4F-418D-AE19-62706E023703}">
-                      <ahyp:hlinkClr xmlns="" xmlns:ahyp="http://schemas.microsoft.com/office/drawing/2018/hyperlinkcolor" val="tx"/>
+                      <ahyp:hlinkClr xmlns:ahyp="http://schemas.microsoft.com/office/drawing/2018/hyperlinkcolor" xmlns="" val="tx"/>
                     </a:ext>
                   </a:extLst>
                 </a:hlinkClick>
@@ -32395,7 +32395,7 @@
                 <a:hlinkClick r:id="rId6">
                   <a:extLst>
                     <a:ext uri="{A12FA001-AC4F-418D-AE19-62706E023703}">
-                      <ahyp:hlinkClr xmlns="" xmlns:ahyp="http://schemas.microsoft.com/office/drawing/2018/hyperlinkcolor" val="tx"/>
+                      <ahyp:hlinkClr xmlns:ahyp="http://schemas.microsoft.com/office/drawing/2018/hyperlinkcolor" xmlns="" val="tx"/>
                     </a:ext>
                   </a:extLst>
                 </a:hlinkClick>
@@ -32413,7 +32413,7 @@
                 <a:hlinkClick r:id="rId7">
                   <a:extLst>
                     <a:ext uri="{A12FA001-AC4F-418D-AE19-62706E023703}">
-                      <ahyp:hlinkClr xmlns="" xmlns:ahyp="http://schemas.microsoft.com/office/drawing/2018/hyperlinkcolor" val="tx"/>
+                      <ahyp:hlinkClr xmlns:ahyp="http://schemas.microsoft.com/office/drawing/2018/hyperlinkcolor" xmlns="" val="tx"/>
                     </a:ext>
                   </a:extLst>
                 </a:hlinkClick>
@@ -32614,7 +32614,7 @@
                 <a16:creationId xmlns:a16="http://schemas.microsoft.com/office/drawing/2014/main" id="{4281BC32-FF58-4898-A6B5-7B3D059BCEB0}"/>
               </a:ext>
               <a:ext uri="{C183D7F6-B498-43B3-948B-1728B52AA6E4}">
-                <adec:decorative xmlns="" xmlns:adec="http://schemas.microsoft.com/office/drawing/2017/decorative" val="1"/>
+                <adec:decorative xmlns:adec="http://schemas.microsoft.com/office/drawing/2017/decorative" xmlns="" val="1"/>
               </a:ext>
             </a:extLst>
           </p:cNvPr>
@@ -32674,7 +32674,7 @@
                 <a16:creationId xmlns:a16="http://schemas.microsoft.com/office/drawing/2014/main" id="{0D614406-135F-4875-9C87-53822CB19ABB}"/>
               </a:ext>
               <a:ext uri="{C183D7F6-B498-43B3-948B-1728B52AA6E4}">
-                <adec:decorative xmlns="" xmlns:adec="http://schemas.microsoft.com/office/drawing/2017/decorative" val="1"/>
+                <adec:decorative xmlns:adec="http://schemas.microsoft.com/office/drawing/2017/decorative" xmlns="" val="1"/>
               </a:ext>
             </a:extLst>
           </p:cNvPr>
@@ -32776,7 +32776,7 @@
                 <a16:creationId xmlns:a16="http://schemas.microsoft.com/office/drawing/2014/main" id="{C6C21149-7D17-44C2-AFB6-4D931DC55FB1}"/>
               </a:ext>
               <a:ext uri="{C183D7F6-B498-43B3-948B-1728B52AA6E4}">
-                <adec:decorative xmlns="" xmlns:adec="http://schemas.microsoft.com/office/drawing/2017/decorative" val="1"/>
+                <adec:decorative xmlns:adec="http://schemas.microsoft.com/office/drawing/2017/decorative" xmlns="" val="1"/>
               </a:ext>
             </a:extLst>
           </p:cNvPr>
@@ -32828,7 +32828,7 @@
                 <a16:creationId xmlns:a16="http://schemas.microsoft.com/office/drawing/2014/main" id="{C2E5FCF0-567A-448C-A6E3-920BFC702C2F}"/>
               </a:ext>
               <a:ext uri="{C183D7F6-B498-43B3-948B-1728B52AA6E4}">
-                <adec:decorative xmlns="" xmlns:adec="http://schemas.microsoft.com/office/drawing/2017/decorative" val="1"/>
+                <adec:decorative xmlns:adec="http://schemas.microsoft.com/office/drawing/2017/decorative" xmlns="" val="1"/>
               </a:ext>
             </a:extLst>
           </p:cNvPr>
@@ -33317,7 +33317,7 @@
                 <a16:creationId xmlns:a16="http://schemas.microsoft.com/office/drawing/2014/main" id="{4281BC32-FF58-4898-A6B5-7B3D059BCEB0}"/>
               </a:ext>
               <a:ext uri="{C183D7F6-B498-43B3-948B-1728B52AA6E4}">
-                <adec:decorative xmlns="" xmlns:adec="http://schemas.microsoft.com/office/drawing/2017/decorative" val="1"/>
+                <adec:decorative xmlns:adec="http://schemas.microsoft.com/office/drawing/2017/decorative" xmlns="" val="1"/>
               </a:ext>
             </a:extLst>
           </p:cNvPr>
@@ -33377,7 +33377,7 @@
                 <a16:creationId xmlns:a16="http://schemas.microsoft.com/office/drawing/2014/main" id="{0D614406-135F-4875-9C87-53822CB19ABB}"/>
               </a:ext>
               <a:ext uri="{C183D7F6-B498-43B3-948B-1728B52AA6E4}">
-                <adec:decorative xmlns="" xmlns:adec="http://schemas.microsoft.com/office/drawing/2017/decorative" val="1"/>
+                <adec:decorative xmlns:adec="http://schemas.microsoft.com/office/drawing/2017/decorative" xmlns="" val="1"/>
               </a:ext>
             </a:extLst>
           </p:cNvPr>
@@ -33474,7 +33474,7 @@
                 <a16:creationId xmlns:a16="http://schemas.microsoft.com/office/drawing/2014/main" id="{C6C21149-7D17-44C2-AFB6-4D931DC55FB1}"/>
               </a:ext>
               <a:ext uri="{C183D7F6-B498-43B3-948B-1728B52AA6E4}">
-                <adec:decorative xmlns="" xmlns:adec="http://schemas.microsoft.com/office/drawing/2017/decorative" val="1"/>
+                <adec:decorative xmlns:adec="http://schemas.microsoft.com/office/drawing/2017/decorative" xmlns="" val="1"/>
               </a:ext>
             </a:extLst>
           </p:cNvPr>
@@ -33526,7 +33526,7 @@
                 <a16:creationId xmlns:a16="http://schemas.microsoft.com/office/drawing/2014/main" id="{C2E5FCF0-567A-448C-A6E3-920BFC702C2F}"/>
               </a:ext>
               <a:ext uri="{C183D7F6-B498-43B3-948B-1728B52AA6E4}">
-                <adec:decorative xmlns="" xmlns:adec="http://schemas.microsoft.com/office/drawing/2017/decorative" val="1"/>
+                <adec:decorative xmlns:adec="http://schemas.microsoft.com/office/drawing/2017/decorative" xmlns="" val="1"/>
               </a:ext>
             </a:extLst>
           </p:cNvPr>
@@ -33918,7 +33918,7 @@
                 <a:hlinkClick r:id="rId5">
                   <a:extLst>
                     <a:ext uri="{A12FA001-AC4F-418D-AE19-62706E023703}">
-                      <ahyp:hlinkClr xmlns="" xmlns:ahyp="http://schemas.microsoft.com/office/drawing/2018/hyperlinkcolor" val="tx"/>
+                      <ahyp:hlinkClr xmlns:ahyp="http://schemas.microsoft.com/office/drawing/2018/hyperlinkcolor" xmlns="" val="tx"/>
                     </a:ext>
                   </a:extLst>
                 </a:hlinkClick>
@@ -34267,7 +34267,7 @@
                 <a16:creationId xmlns:a16="http://schemas.microsoft.com/office/drawing/2014/main" id="{4281BC32-FF58-4898-A6B5-7B3D059BCEB0}"/>
               </a:ext>
               <a:ext uri="{C183D7F6-B498-43B3-948B-1728B52AA6E4}">
-                <adec:decorative xmlns="" xmlns:adec="http://schemas.microsoft.com/office/drawing/2017/decorative" val="1"/>
+                <adec:decorative xmlns:adec="http://schemas.microsoft.com/office/drawing/2017/decorative" xmlns="" val="1"/>
               </a:ext>
             </a:extLst>
           </p:cNvPr>
@@ -34356,7 +34356,7 @@
                 <a16:creationId xmlns:a16="http://schemas.microsoft.com/office/drawing/2014/main" id="{0D614406-135F-4875-9C87-53822CB19ABB}"/>
               </a:ext>
               <a:ext uri="{C183D7F6-B498-43B3-948B-1728B52AA6E4}">
-                <adec:decorative xmlns="" xmlns:adec="http://schemas.microsoft.com/office/drawing/2017/decorative" val="1"/>
+                <adec:decorative xmlns:adec="http://schemas.microsoft.com/office/drawing/2017/decorative" xmlns="" val="1"/>
               </a:ext>
             </a:extLst>
           </p:cNvPr>
@@ -34482,7 +34482,7 @@
                 <a16:creationId xmlns:a16="http://schemas.microsoft.com/office/drawing/2014/main" id="{C6C21149-7D17-44C2-AFB6-4D931DC55FB1}"/>
               </a:ext>
               <a:ext uri="{C183D7F6-B498-43B3-948B-1728B52AA6E4}">
-                <adec:decorative xmlns="" xmlns:adec="http://schemas.microsoft.com/office/drawing/2017/decorative" val="1"/>
+                <adec:decorative xmlns:adec="http://schemas.microsoft.com/office/drawing/2017/decorative" xmlns="" val="1"/>
               </a:ext>
             </a:extLst>
           </p:cNvPr>
@@ -34534,7 +34534,7 @@
                 <a16:creationId xmlns:a16="http://schemas.microsoft.com/office/drawing/2014/main" id="{C2E5FCF0-567A-448C-A6E3-920BFC702C2F}"/>
               </a:ext>
               <a:ext uri="{C183D7F6-B498-43B3-948B-1728B52AA6E4}">
-                <adec:decorative xmlns="" xmlns:adec="http://schemas.microsoft.com/office/drawing/2017/decorative" val="1"/>
+                <adec:decorative xmlns:adec="http://schemas.microsoft.com/office/drawing/2017/decorative" xmlns="" val="1"/>
               </a:ext>
             </a:extLst>
           </p:cNvPr>
@@ -35375,7 +35375,7 @@
                 <a16:creationId xmlns:a16="http://schemas.microsoft.com/office/drawing/2014/main" id="{4281BC32-FF58-4898-A6B5-7B3D059BCEB0}"/>
               </a:ext>
               <a:ext uri="{C183D7F6-B498-43B3-948B-1728B52AA6E4}">
-                <adec:decorative xmlns="" xmlns:adec="http://schemas.microsoft.com/office/drawing/2017/decorative" val="1"/>
+                <adec:decorative xmlns:adec="http://schemas.microsoft.com/office/drawing/2017/decorative" xmlns="" val="1"/>
               </a:ext>
             </a:extLst>
           </p:cNvPr>
@@ -35435,7 +35435,7 @@
                 <a16:creationId xmlns:a16="http://schemas.microsoft.com/office/drawing/2014/main" id="{0D614406-135F-4875-9C87-53822CB19ABB}"/>
               </a:ext>
               <a:ext uri="{C183D7F6-B498-43B3-948B-1728B52AA6E4}">
-                <adec:decorative xmlns="" xmlns:adec="http://schemas.microsoft.com/office/drawing/2017/decorative" val="1"/>
+                <adec:decorative xmlns:adec="http://schemas.microsoft.com/office/drawing/2017/decorative" xmlns="" val="1"/>
               </a:ext>
             </a:extLst>
           </p:cNvPr>
@@ -35537,7 +35537,7 @@
                 <a16:creationId xmlns:a16="http://schemas.microsoft.com/office/drawing/2014/main" id="{C6C21149-7D17-44C2-AFB6-4D931DC55FB1}"/>
               </a:ext>
               <a:ext uri="{C183D7F6-B498-43B3-948B-1728B52AA6E4}">
-                <adec:decorative xmlns="" xmlns:adec="http://schemas.microsoft.com/office/drawing/2017/decorative" val="1"/>
+                <adec:decorative xmlns:adec="http://schemas.microsoft.com/office/drawing/2017/decorative" xmlns="" val="1"/>
               </a:ext>
             </a:extLst>
           </p:cNvPr>
@@ -35589,7 +35589,7 @@
                 <a16:creationId xmlns:a16="http://schemas.microsoft.com/office/drawing/2014/main" id="{C2E5FCF0-567A-448C-A6E3-920BFC702C2F}"/>
               </a:ext>
               <a:ext uri="{C183D7F6-B498-43B3-948B-1728B52AA6E4}">
-                <adec:decorative xmlns="" xmlns:adec="http://schemas.microsoft.com/office/drawing/2017/decorative" val="1"/>
+                <adec:decorative xmlns:adec="http://schemas.microsoft.com/office/drawing/2017/decorative" xmlns="" val="1"/>
               </a:ext>
             </a:extLst>
           </p:cNvPr>
